--- a/slides/aaai19-tutorial.pptx
+++ b/slides/aaai19-tutorial.pptx
@@ -276,7 +276,7 @@
           <a:p>
             <a:fld id="{D6B7C6C1-58CA-4905-AEDC-9C13740575B8}" type="datetimeFigureOut">
               <a:rPr lang="en-SG" smtClean="0"/>
-              <a:t>26/12/2018</a:t>
+              <a:t>30/12/18</a:t>
             </a:fld>
             <a:endParaRPr lang="en-SG"/>
           </a:p>
@@ -5145,8 +5145,8 @@
         </p:nvSpPr>
         <p:spPr>
           <a:xfrm>
-            <a:off x="3118823" y="5791200"/>
-            <a:ext cx="2210862" cy="369332"/>
+            <a:off x="2116840" y="5756701"/>
+            <a:ext cx="4910320" cy="646331"/>
           </a:xfrm>
           <a:prstGeom prst="rect">
             <a:avLst/>
@@ -5165,7 +5165,62 @@
                 <a:latin typeface="Times New Roman" panose="02020603050405020304" pitchFamily="18" charset="0"/>
                 <a:cs typeface="Times New Roman" panose="02020603050405020304" pitchFamily="18" charset="0"/>
               </a:rPr>
-              <a:t>Slides available at ….</a:t>
+              <a:t>Slides available </a:t>
+            </a:r>
+            <a:r>
+              <a:rPr lang="en-US" dirty="0">
+                <a:latin typeface="Times New Roman" panose="02020603050405020304" pitchFamily="18" charset="0"/>
+                <a:cs typeface="Times New Roman" panose="02020603050405020304" pitchFamily="18" charset="0"/>
+              </a:rPr>
+              <a:t>at </a:t>
+            </a:r>
+            <a:endParaRPr lang="en-US" dirty="0" smtClean="0">
+              <a:latin typeface="Times New Roman" panose="02020603050405020304" pitchFamily="18" charset="0"/>
+              <a:cs typeface="Times New Roman" panose="02020603050405020304" pitchFamily="18" charset="0"/>
+            </a:endParaRPr>
+          </a:p>
+          <a:p>
+            <a:pPr algn="ctr"/>
+            <a:r>
+              <a:rPr lang="en-US" dirty="0" smtClean="0">
+                <a:solidFill>
+                  <a:srgbClr val="0070C0"/>
+                </a:solidFill>
+                <a:latin typeface="Times New Roman" panose="02020603050405020304" pitchFamily="18" charset="0"/>
+                <a:cs typeface="Times New Roman" panose="02020603050405020304" pitchFamily="18" charset="0"/>
+                <a:hlinkClick r:id="rId3"/>
+              </a:rPr>
+              <a:t>https://</a:t>
+            </a:r>
+            <a:r>
+              <a:rPr lang="en-US" dirty="0" err="1" smtClean="0">
+                <a:solidFill>
+                  <a:srgbClr val="0070C0"/>
+                </a:solidFill>
+                <a:latin typeface="Times New Roman" panose="02020603050405020304" pitchFamily="18" charset="0"/>
+                <a:cs typeface="Times New Roman" panose="02020603050405020304" pitchFamily="18" charset="0"/>
+                <a:hlinkClick r:id="rId3"/>
+              </a:rPr>
+              <a:t>code.preferred.ai</a:t>
+            </a:r>
+            <a:r>
+              <a:rPr lang="en-US" dirty="0" smtClean="0">
+                <a:solidFill>
+                  <a:srgbClr val="0070C0"/>
+                </a:solidFill>
+                <a:latin typeface="Times New Roman" panose="02020603050405020304" pitchFamily="18" charset="0"/>
+                <a:cs typeface="Times New Roman" panose="02020603050405020304" pitchFamily="18" charset="0"/>
+                <a:hlinkClick r:id="rId3"/>
+              </a:rPr>
+              <a:t>/recommendation-retrieval</a:t>
+            </a:r>
+            <a:r>
+              <a:rPr lang="en-US" dirty="0" smtClean="0">
+                <a:latin typeface="Times New Roman" panose="02020603050405020304" pitchFamily="18" charset="0"/>
+                <a:cs typeface="Times New Roman" panose="02020603050405020304" pitchFamily="18" charset="0"/>
+                <a:hlinkClick r:id="rId3"/>
+              </a:rPr>
+              <a:t> </a:t>
             </a:r>
             <a:endParaRPr lang="en-SG" dirty="0">
               <a:latin typeface="Times New Roman" panose="02020603050405020304" pitchFamily="18" charset="0"/>
@@ -5342,7 +5397,12 @@
             <p:ph type="title"/>
           </p:nvPr>
         </p:nvSpPr>
-        <p:spPr/>
+        <p:spPr>
+          <a:xfrm>
+            <a:off x="304800" y="257201"/>
+            <a:ext cx="6553200" cy="584775"/>
+          </a:xfrm>
+        </p:spPr>
         <p:txBody>
           <a:bodyPr/>
           <a:lstStyle/>
@@ -5410,8 +5470,8 @@
           </a:p>
         </p:txBody>
       </p:sp>
-      <mc:AlternateContent xmlns:mc="http://schemas.openxmlformats.org/markup-compatibility/2006" xmlns:a14="http://schemas.microsoft.com/office/drawing/2010/main">
-        <mc:Choice Requires="a14">
+      <mc:AlternateContent xmlns:mc="http://schemas.openxmlformats.org/markup-compatibility/2006">
+        <mc:Choice xmlns:a14="http://schemas.microsoft.com/office/drawing/2010/main" Requires="a14">
           <p:sp>
             <p:nvSpPr>
               <p:cNvPr id="6" name="Content Placeholder 2"/>
@@ -5424,8 +5484,8 @@
             </p:nvSpPr>
             <p:spPr>
               <a:xfrm>
-                <a:off x="381000" y="2140266"/>
-                <a:ext cx="8305800" cy="664926"/>
+                <a:off x="381000" y="2295640"/>
+                <a:ext cx="8305800" cy="828560"/>
               </a:xfrm>
             </p:spPr>
             <p:txBody>
@@ -5456,14 +5516,14 @@
                     </m:oMathParaPr>
                     <m:oMath xmlns:m="http://schemas.openxmlformats.org/officeDocument/2006/math">
                       <m:r>
-                        <a:rPr lang="vi-VN" sz="2800" b="0" i="1" smtClean="0">
+                        <a:rPr lang="vi-VN" sz="3600" b="0" i="1" smtClean="0">
                           <a:latin typeface="Cambria Math" charset="0"/>
                           <a:cs typeface="Times New Roman" panose="02020603050405020304" pitchFamily="18" charset="0"/>
                         </a:rPr>
                         <m:t>𝑖</m:t>
                       </m:r>
                       <m:r>
-                        <a:rPr lang="vi-VN" sz="2800" b="0" i="1" smtClean="0">
+                        <a:rPr lang="vi-VN" sz="3600" b="0" i="1" smtClean="0">
                           <a:latin typeface="Cambria Math" charset="0"/>
                           <a:cs typeface="Times New Roman" panose="02020603050405020304" pitchFamily="18" charset="0"/>
                         </a:rPr>
@@ -5472,8 +5532,8 @@
                       <m:func>
                         <m:funcPr>
                           <m:ctrlPr>
-                            <a:rPr lang="en-US" sz="2800" b="0" i="1" smtClean="0">
-                              <a:latin typeface="Cambria Math" panose="02040503050406030204" pitchFamily="18" charset="0"/>
+                            <a:rPr lang="en-US" sz="3600" b="0" i="1" smtClean="0">
+                              <a:latin typeface="Cambria Math" charset="0"/>
                               <a:cs typeface="Times New Roman" panose="02020603050405020304" pitchFamily="18" charset="0"/>
                             </a:rPr>
                           </m:ctrlPr>
@@ -5483,7 +5543,7 @@
                             <m:rPr>
                               <m:sty m:val="p"/>
                             </m:rPr>
-                            <a:rPr lang="vi-VN" sz="2800" i="0">
+                            <a:rPr lang="vi-VN" sz="3600" i="0">
                               <a:latin typeface="Cambria Math" charset="0"/>
                               <a:cs typeface="Times New Roman" panose="02020603050405020304" pitchFamily="18" charset="0"/>
                             </a:rPr>
@@ -5494,8 +5554,8 @@
                           <m:func>
                             <m:funcPr>
                               <m:ctrlPr>
-                                <a:rPr lang="en-US" sz="2800" b="0" i="1" smtClean="0">
-                                  <a:latin typeface="Cambria Math" panose="02040503050406030204" pitchFamily="18" charset="0"/>
+                                <a:rPr lang="en-US" sz="3600" b="0" i="1" smtClean="0">
+                                  <a:latin typeface="Cambria Math" charset="0"/>
                                   <a:cs typeface="Times New Roman" panose="02020603050405020304" pitchFamily="18" charset="0"/>
                                 </a:rPr>
                               </m:ctrlPr>
@@ -5504,8 +5564,8 @@
                               <m:limLow>
                                 <m:limLowPr>
                                   <m:ctrlPr>
-                                    <a:rPr lang="en-US" sz="2800" b="0" i="1" smtClean="0">
-                                      <a:latin typeface="Cambria Math" panose="02040503050406030204" pitchFamily="18" charset="0"/>
+                                    <a:rPr lang="en-US" sz="3600" b="0" i="1" smtClean="0">
+                                      <a:latin typeface="Cambria Math" charset="0"/>
                                       <a:cs typeface="Times New Roman" panose="02020603050405020304" pitchFamily="18" charset="0"/>
                                     </a:rPr>
                                   </m:ctrlPr>
@@ -5515,7 +5575,7 @@
                                     <m:rPr>
                                       <m:sty m:val="p"/>
                                     </m:rPr>
-                                    <a:rPr lang="en-US" sz="2800" b="0" i="0" smtClean="0">
+                                    <a:rPr lang="en-US" sz="3600" b="0" i="0" smtClean="0">
                                       <a:latin typeface="Cambria Math" charset="0"/>
                                       <a:cs typeface="Times New Roman" panose="02020603050405020304" pitchFamily="18" charset="0"/>
                                     </a:rPr>
@@ -5524,28 +5584,28 @@
                                 </m:e>
                                 <m:lim>
                                   <m:r>
-                                    <a:rPr lang="en-US" sz="2800" b="0" i="1" smtClean="0">
+                                    <a:rPr lang="en-US" sz="3600" b="0" i="1" smtClean="0">
                                       <a:latin typeface="Cambria Math" charset="0"/>
                                       <a:cs typeface="Times New Roman" panose="02020603050405020304" pitchFamily="18" charset="0"/>
                                     </a:rPr>
                                     <m:t>1≤</m:t>
                                   </m:r>
                                   <m:r>
-                                    <a:rPr lang="en-US" sz="2800" b="0" i="1" smtClean="0">
+                                    <a:rPr lang="en-US" sz="3600" b="0" i="1" smtClean="0">
                                       <a:latin typeface="Cambria Math" charset="0"/>
                                       <a:cs typeface="Times New Roman" panose="02020603050405020304" pitchFamily="18" charset="0"/>
                                     </a:rPr>
                                     <m:t>𝑖</m:t>
                                   </m:r>
                                   <m:r>
-                                    <a:rPr lang="en-US" sz="2800" b="0" i="1" smtClean="0">
+                                    <a:rPr lang="en-US" sz="3600" b="0" i="1" smtClean="0">
                                       <a:latin typeface="Cambria Math" charset="0"/>
                                       <a:cs typeface="Times New Roman" panose="02020603050405020304" pitchFamily="18" charset="0"/>
                                     </a:rPr>
                                     <m:t>≤</m:t>
                                   </m:r>
                                   <m:r>
-                                    <a:rPr lang="en-US" sz="2800" b="0" i="1" smtClean="0">
+                                    <a:rPr lang="en-US" sz="3600" b="0" i="1" smtClean="0">
                                       <a:latin typeface="Cambria Math" charset="0"/>
                                       <a:cs typeface="Times New Roman" panose="02020603050405020304" pitchFamily="18" charset="0"/>
                                     </a:rPr>
@@ -5558,15 +5618,15 @@
                               <m:sSubSup>
                                 <m:sSubSupPr>
                                   <m:ctrlPr>
-                                    <a:rPr lang="en-US" sz="2800" b="0" i="1" smtClean="0">
-                                      <a:latin typeface="Cambria Math" panose="02040503050406030204" pitchFamily="18" charset="0"/>
+                                    <a:rPr lang="en-US" sz="3600" b="0" i="1" smtClean="0">
+                                      <a:latin typeface="Cambria Math" charset="0"/>
                                       <a:cs typeface="Times New Roman" panose="02020603050405020304" pitchFamily="18" charset="0"/>
                                     </a:rPr>
                                   </m:ctrlPr>
                                 </m:sSubSupPr>
                                 <m:e>
                                   <m:r>
-                                    <a:rPr lang="en-US" sz="2800" b="0" i="1" smtClean="0">
+                                    <a:rPr lang="en-US" sz="3600" b="0" i="1" smtClean="0">
                                       <a:latin typeface="Cambria Math" charset="0"/>
                                       <a:cs typeface="Times New Roman" panose="02020603050405020304" pitchFamily="18" charset="0"/>
                                     </a:rPr>
@@ -5575,7 +5635,7 @@
                                 </m:e>
                                 <m:sub>
                                   <m:r>
-                                    <a:rPr lang="en-US" sz="2800" b="0" i="1" smtClean="0">
+                                    <a:rPr lang="en-US" sz="3600" b="0" i="1" smtClean="0">
                                       <a:latin typeface="Cambria Math" charset="0"/>
                                       <a:cs typeface="Times New Roman" panose="02020603050405020304" pitchFamily="18" charset="0"/>
                                     </a:rPr>
@@ -5584,7 +5644,7 @@
                                 </m:sub>
                                 <m:sup>
                                   <m:r>
-                                    <a:rPr lang="en-US" sz="2800" b="0" i="1" smtClean="0">
+                                    <a:rPr lang="en-US" sz="3600" b="0" i="1" smtClean="0">
                                       <a:latin typeface="Cambria Math" charset="0"/>
                                       <a:cs typeface="Times New Roman" panose="02020603050405020304" pitchFamily="18" charset="0"/>
                                     </a:rPr>
@@ -5595,15 +5655,15 @@
                               <m:sSub>
                                 <m:sSubPr>
                                   <m:ctrlPr>
-                                    <a:rPr lang="en-US" sz="2800" b="0" i="1" smtClean="0">
-                                      <a:latin typeface="Cambria Math" panose="02040503050406030204" pitchFamily="18" charset="0"/>
+                                    <a:rPr lang="en-US" sz="3600" b="0" i="1" smtClean="0">
+                                      <a:latin typeface="Cambria Math" charset="0"/>
                                       <a:cs typeface="Times New Roman" panose="02020603050405020304" pitchFamily="18" charset="0"/>
                                     </a:rPr>
                                   </m:ctrlPr>
                                 </m:sSubPr>
                                 <m:e>
                                   <m:r>
-                                    <a:rPr lang="en-US" sz="2800" b="0" i="1" smtClean="0">
+                                    <a:rPr lang="en-US" sz="3600" b="0" i="1" smtClean="0">
                                       <a:latin typeface="Cambria Math" charset="0"/>
                                       <a:cs typeface="Times New Roman" panose="02020603050405020304" pitchFamily="18" charset="0"/>
                                     </a:rPr>
@@ -5612,7 +5672,7 @@
                                 </m:e>
                                 <m:sub>
                                   <m:r>
-                                    <a:rPr lang="en-US" sz="2800" b="0" i="1" smtClean="0">
+                                    <a:rPr lang="en-US" sz="3600" b="0" i="1" smtClean="0">
                                       <a:latin typeface="Cambria Math" charset="0"/>
                                       <a:cs typeface="Times New Roman" panose="02020603050405020304" pitchFamily="18" charset="0"/>
                                     </a:rPr>
@@ -5627,7 +5687,7 @@
                     </m:oMath>
                   </m:oMathPara>
                 </a14:m>
-                <a:endParaRPr lang="en-US" sz="2800" dirty="0">
+                <a:endParaRPr lang="en-US" sz="3600" dirty="0">
                   <a:latin typeface="Times New Roman" panose="02020603050405020304" pitchFamily="18" charset="0"/>
                   <a:cs typeface="Times New Roman" panose="02020603050405020304" pitchFamily="18" charset="0"/>
                 </a:endParaRPr>
@@ -5635,7 +5695,7 @@
             </p:txBody>
           </p:sp>
         </mc:Choice>
-        <mc:Fallback xmlns="">
+        <mc:Fallback>
           <p:sp>
             <p:nvSpPr>
               <p:cNvPr id="6" name="Content Placeholder 2"/>
@@ -5648,8 +5708,8 @@
             </p:nvSpPr>
             <p:spPr>
               <a:xfrm>
-                <a:off x="381000" y="2140266"/>
-                <a:ext cx="8305800" cy="664926"/>
+                <a:off x="381000" y="2295640"/>
+                <a:ext cx="8305800" cy="828560"/>
               </a:xfrm>
               <a:blipFill rotWithShape="0">
                 <a:blip r:embed="rId2"/>
@@ -5663,7 +5723,7 @@
               <a:lstStyle/>
               <a:p>
                 <a:r>
-                  <a:rPr lang="en-SG">
+                  <a:rPr lang="en-US">
                     <a:noFill/>
                   </a:rPr>
                   <a:t> </a:t>
@@ -5673,8 +5733,8 @@
           </p:sp>
         </mc:Fallback>
       </mc:AlternateContent>
-      <mc:AlternateContent xmlns:mc="http://schemas.openxmlformats.org/markup-compatibility/2006" xmlns:a14="http://schemas.microsoft.com/office/drawing/2010/main">
-        <mc:Choice Requires="a14">
+      <mc:AlternateContent xmlns:mc="http://schemas.openxmlformats.org/markup-compatibility/2006">
+        <mc:Choice xmlns:a14="http://schemas.microsoft.com/office/drawing/2010/main" Requires="a14">
           <p:sp>
             <p:nvSpPr>
               <p:cNvPr id="7" name="Rectangle 6"/>
@@ -5683,8 +5743,8 @@
             </p:nvSpPr>
             <p:spPr>
               <a:xfrm>
-                <a:off x="381000" y="1435348"/>
-                <a:ext cx="7917552" cy="523220"/>
+                <a:off x="132889" y="1536373"/>
+                <a:ext cx="8788753" cy="584775"/>
               </a:xfrm>
               <a:prstGeom prst="rect">
                 <a:avLst/>
@@ -5701,26 +5761,47 @@
                   <a:buChar char="q"/>
                 </a:pPr>
                 <a:r>
-                  <a:rPr lang="en-US" sz="2800" dirty="0" smtClean="0">
+                  <a:rPr lang="en-US" sz="3200" dirty="0" smtClean="0">
                     <a:latin typeface="Times" panose="02020603050405020304" pitchFamily="18" charset="0"/>
                     <a:cs typeface="Times" panose="02020603050405020304" pitchFamily="18" charset="0"/>
                   </a:rPr>
-                  <a:t>Given a query </a:t>
+                  <a:t>(</a:t>
+                </a:r>
+                <a:r>
+                  <a:rPr lang="en-US" sz="3200" b="1" dirty="0" smtClean="0">
+                    <a:latin typeface="Times" panose="02020603050405020304" pitchFamily="18" charset="0"/>
+                    <a:cs typeface="Times" panose="02020603050405020304" pitchFamily="18" charset="0"/>
+                  </a:rPr>
+                  <a:t>MIPS</a:t>
+                </a:r>
+                <a:r>
+                  <a:rPr lang="en-US" sz="3200" dirty="0" smtClean="0">
+                    <a:latin typeface="Times" panose="02020603050405020304" pitchFamily="18" charset="0"/>
+                    <a:cs typeface="Times" panose="02020603050405020304" pitchFamily="18" charset="0"/>
+                  </a:rPr>
+                  <a:t>) Given </a:t>
+                </a:r>
+                <a:r>
+                  <a:rPr lang="en-US" sz="3200" dirty="0" smtClean="0">
+                    <a:latin typeface="Times" panose="02020603050405020304" pitchFamily="18" charset="0"/>
+                    <a:cs typeface="Times" panose="02020603050405020304" pitchFamily="18" charset="0"/>
+                  </a:rPr>
+                  <a:t>a query </a:t>
                 </a:r>
                 <a14:m>
                   <m:oMath xmlns:m="http://schemas.openxmlformats.org/officeDocument/2006/math">
                     <m:sSub>
                       <m:sSubPr>
                         <m:ctrlPr>
-                          <a:rPr lang="en-US" sz="2800" i="1">
-                            <a:latin typeface="Cambria Math" panose="02040503050406030204" pitchFamily="18" charset="0"/>
+                          <a:rPr lang="en-US" sz="3200" i="1">
+                            <a:latin typeface="Cambria Math" charset="0"/>
                             <a:cs typeface="Times New Roman" panose="02020603050405020304" pitchFamily="18" charset="0"/>
                           </a:rPr>
                         </m:ctrlPr>
                       </m:sSubPr>
                       <m:e>
                         <m:r>
-                          <a:rPr lang="en-US" sz="2800" i="1">
+                          <a:rPr lang="en-US" sz="3200" i="1">
                             <a:latin typeface="Cambria Math" panose="02040503050406030204" pitchFamily="18" charset="0"/>
                             <a:cs typeface="Times New Roman" panose="02020603050405020304" pitchFamily="18" charset="0"/>
                           </a:rPr>
@@ -5729,7 +5810,7 @@
                       </m:e>
                       <m:sub>
                         <m:r>
-                          <a:rPr lang="en-US" sz="2800" i="1">
+                          <a:rPr lang="en-US" sz="3200" i="1">
                             <a:latin typeface="Cambria Math" panose="02040503050406030204" pitchFamily="18" charset="0"/>
                             <a:cs typeface="Times New Roman" panose="02020603050405020304" pitchFamily="18" charset="0"/>
                           </a:rPr>
@@ -5740,16 +5821,23 @@
                   </m:oMath>
                 </a14:m>
                 <a:r>
-                  <a:rPr lang="en-US" sz="2800" dirty="0" smtClean="0">
+                  <a:rPr lang="en-US" sz="3200" dirty="0" smtClean="0">
                     <a:latin typeface="Times" panose="02020603050405020304" pitchFamily="18" charset="0"/>
                     <a:cs typeface="Times" panose="02020603050405020304" pitchFamily="18" charset="0"/>
                   </a:rPr>
-                  <a:t>, determine the index </a:t>
+                  <a:t>, determine the </a:t>
+                </a:r>
+                <a:r>
+                  <a:rPr lang="en-US" sz="3200" dirty="0" smtClean="0">
+                    <a:latin typeface="Times" panose="02020603050405020304" pitchFamily="18" charset="0"/>
+                    <a:cs typeface="Times" panose="02020603050405020304" pitchFamily="18" charset="0"/>
+                  </a:rPr>
+                  <a:t>index </a:t>
                 </a:r>
                 <a14:m>
                   <m:oMath xmlns:m="http://schemas.openxmlformats.org/officeDocument/2006/math">
                     <m:r>
-                      <a:rPr lang="en-US" sz="2800" b="0" i="1" smtClean="0">
+                      <a:rPr lang="en-US" sz="3200" b="0" i="1" smtClean="0">
                         <a:latin typeface="Cambria Math" charset="0"/>
                         <a:cs typeface="Times New Roman" panose="02020603050405020304" pitchFamily="18" charset="0"/>
                       </a:rPr>
@@ -5758,21 +5846,14 @@
                   </m:oMath>
                 </a14:m>
                 <a:r>
-                  <a:rPr lang="en-US" sz="2800" dirty="0" smtClean="0">
-                    <a:latin typeface="Times" panose="02020603050405020304" pitchFamily="18" charset="0"/>
-                    <a:cs typeface="Times" panose="02020603050405020304" pitchFamily="18" charset="0"/>
-                  </a:rPr>
-                  <a:t> </a:t>
-                </a:r>
-                <a:r>
-                  <a:rPr lang="en-US" sz="2800" dirty="0" smtClean="0">
+                  <a:rPr lang="en-US" sz="3200" dirty="0" smtClean="0">
                     <a:latin typeface="Times" panose="02020603050405020304" pitchFamily="18" charset="0"/>
                     <a:ea typeface="Times" charset="0"/>
                     <a:cs typeface="Times" panose="02020603050405020304" pitchFamily="18" charset="0"/>
                   </a:rPr>
-                  <a:t>such that:</a:t>
+                  <a:t>:</a:t>
                 </a:r>
-                <a:endParaRPr lang="en-US" sz="2800" dirty="0">
+                <a:endParaRPr lang="en-US" sz="3200" dirty="0">
                   <a:latin typeface="Times" panose="02020603050405020304" pitchFamily="18" charset="0"/>
                   <a:ea typeface="Times" charset="0"/>
                   <a:cs typeface="Times" panose="02020603050405020304" pitchFamily="18" charset="0"/>
@@ -5781,7 +5862,7 @@
             </p:txBody>
           </p:sp>
         </mc:Choice>
-        <mc:Fallback xmlns="">
+        <mc:Fallback>
           <p:sp>
             <p:nvSpPr>
               <p:cNvPr id="7" name="Rectangle 6"/>
@@ -5792,8 +5873,8 @@
             </p:nvSpPr>
             <p:spPr>
               <a:xfrm>
-                <a:off x="381000" y="1435348"/>
-                <a:ext cx="7917552" cy="523220"/>
+                <a:off x="132889" y="1536373"/>
+                <a:ext cx="8788753" cy="584775"/>
               </a:xfrm>
               <a:prstGeom prst="rect">
                 <a:avLst/>
@@ -5801,7 +5882,7 @@
               <a:blipFill rotWithShape="0">
                 <a:blip r:embed="rId3"/>
                 <a:stretch>
-                  <a:fillRect l="-1387" t="-11628" r="-385" b="-31395"/>
+                  <a:fillRect l="-1595" t="-13542" r="-763" b="-33333"/>
                 </a:stretch>
               </a:blipFill>
             </p:spPr>
@@ -5810,7 +5891,7 @@
               <a:lstStyle/>
               <a:p>
                 <a:r>
-                  <a:rPr lang="en-SG">
+                  <a:rPr lang="en-US">
                     <a:noFill/>
                   </a:rPr>
                   <a:t> </a:t>
@@ -5828,8 +5909,8 @@
         </p:nvSpPr>
         <p:spPr>
           <a:xfrm>
-            <a:off x="381000" y="3429000"/>
-            <a:ext cx="6272871" cy="523220"/>
+            <a:off x="132889" y="3530025"/>
+            <a:ext cx="7125669" cy="584775"/>
           </a:xfrm>
           <a:prstGeom prst="rect">
             <a:avLst/>
@@ -5846,13 +5927,34 @@
               <a:buChar char="q"/>
             </a:pPr>
             <a:r>
-              <a:rPr lang="en-US" sz="2800" dirty="0" smtClean="0">
+              <a:rPr lang="en-US" sz="3200" dirty="0" smtClean="0">
                 <a:latin typeface="Times New Roman" panose="02020603050405020304" pitchFamily="18" charset="0"/>
                 <a:cs typeface="Times New Roman" panose="02020603050405020304" pitchFamily="18" charset="0"/>
               </a:rPr>
-              <a:t>MIPS is not the same as classical NNS</a:t>
-            </a:r>
-            <a:endParaRPr lang="en-US" sz="2800" dirty="0">
+              <a:t>MIPS is </a:t>
+            </a:r>
+            <a:r>
+              <a:rPr lang="en-US" sz="3200" b="1" dirty="0" smtClean="0">
+                <a:latin typeface="Times New Roman" panose="02020603050405020304" pitchFamily="18" charset="0"/>
+                <a:cs typeface="Times New Roman" panose="02020603050405020304" pitchFamily="18" charset="0"/>
+              </a:rPr>
+              <a:t>not</a:t>
+            </a:r>
+            <a:r>
+              <a:rPr lang="en-US" sz="3200" dirty="0" smtClean="0">
+                <a:latin typeface="Times New Roman" panose="02020603050405020304" pitchFamily="18" charset="0"/>
+                <a:cs typeface="Times New Roman" panose="02020603050405020304" pitchFamily="18" charset="0"/>
+              </a:rPr>
+              <a:t> the same as classical </a:t>
+            </a:r>
+            <a:r>
+              <a:rPr lang="en-US" sz="3200" dirty="0" smtClean="0">
+                <a:latin typeface="Times New Roman" panose="02020603050405020304" pitchFamily="18" charset="0"/>
+                <a:cs typeface="Times New Roman" panose="02020603050405020304" pitchFamily="18" charset="0"/>
+              </a:rPr>
+              <a:t>NNS</a:t>
+            </a:r>
+            <a:endParaRPr lang="en-US" sz="3200" dirty="0">
               <a:latin typeface="Times" charset="0"/>
               <a:ea typeface="Times" charset="0"/>
               <a:cs typeface="Times" charset="0"/>
@@ -5860,8 +5962,8 @@
           </a:p>
         </p:txBody>
       </p:sp>
-      <mc:AlternateContent xmlns:mc="http://schemas.openxmlformats.org/markup-compatibility/2006" xmlns:a14="http://schemas.microsoft.com/office/drawing/2010/main">
-        <mc:Choice Requires="a14">
+      <mc:AlternateContent xmlns:mc="http://schemas.openxmlformats.org/markup-compatibility/2006">
+        <mc:Choice xmlns:a14="http://schemas.microsoft.com/office/drawing/2010/main" Requires="a14">
           <p:sp>
             <p:nvSpPr>
               <p:cNvPr id="9" name="Content Placeholder 2"/>
@@ -5873,7 +5975,7 @@
             <p:spPr bwMode="auto">
               <a:xfrm>
                 <a:off x="416859" y="4267200"/>
-                <a:ext cx="8305800" cy="1657377"/>
+                <a:ext cx="8305800" cy="1977657"/>
               </a:xfrm>
               <a:prstGeom prst="rect">
                 <a:avLst/>
@@ -6079,8 +6181,8 @@
                       <m:func>
                         <m:funcPr>
                           <m:ctrlPr>
-                            <a:rPr lang="en-US" sz="2400" i="1" kern="0" smtClean="0">
-                              <a:latin typeface="Cambria Math" panose="02040503050406030204" pitchFamily="18" charset="0"/>
+                            <a:rPr lang="en-US" sz="2800" i="1" kern="0" smtClean="0">
+                              <a:latin typeface="Cambria Math" charset="0"/>
                               <a:cs typeface="Times New Roman" panose="02020603050405020304" pitchFamily="18" charset="0"/>
                             </a:rPr>
                           </m:ctrlPr>
@@ -6090,7 +6192,7 @@
                             <m:rPr>
                               <m:sty m:val="p"/>
                             </m:rPr>
-                            <a:rPr lang="vi-VN" sz="2400" kern="0">
+                            <a:rPr lang="vi-VN" sz="2800" kern="0">
                               <a:latin typeface="Cambria Math" charset="0"/>
                               <a:cs typeface="Times New Roman" panose="02020603050405020304" pitchFamily="18" charset="0"/>
                             </a:rPr>
@@ -6101,8 +6203,8 @@
                           <m:func>
                             <m:funcPr>
                               <m:ctrlPr>
-                                <a:rPr lang="en-US" sz="2400" i="1" kern="0" smtClean="0">
-                                  <a:latin typeface="Cambria Math" panose="02040503050406030204" pitchFamily="18" charset="0"/>
+                                <a:rPr lang="en-US" sz="2800" i="1" kern="0" smtClean="0">
+                                  <a:latin typeface="Cambria Math" charset="0"/>
                                   <a:cs typeface="Times New Roman" panose="02020603050405020304" pitchFamily="18" charset="0"/>
                                 </a:rPr>
                               </m:ctrlPr>
@@ -6111,8 +6213,8 @@
                               <m:limLow>
                                 <m:limLowPr>
                                   <m:ctrlPr>
-                                    <a:rPr lang="en-US" sz="2400" i="1" kern="0" smtClean="0">
-                                      <a:latin typeface="Cambria Math" panose="02040503050406030204" pitchFamily="18" charset="0"/>
+                                    <a:rPr lang="en-US" sz="2800" i="1" kern="0" smtClean="0">
+                                      <a:latin typeface="Cambria Math" charset="0"/>
                                       <a:cs typeface="Times New Roman" panose="02020603050405020304" pitchFamily="18" charset="0"/>
                                     </a:rPr>
                                   </m:ctrlPr>
@@ -6122,7 +6224,7 @@
                                     <m:rPr>
                                       <m:sty m:val="p"/>
                                     </m:rPr>
-                                    <a:rPr lang="en-US" sz="2400" kern="0" smtClean="0">
+                                    <a:rPr lang="en-US" sz="2800" kern="0" smtClean="0">
                                       <a:latin typeface="Cambria Math" charset="0"/>
                                       <a:cs typeface="Times New Roman" panose="02020603050405020304" pitchFamily="18" charset="0"/>
                                     </a:rPr>
@@ -6132,7 +6234,7 @@
                                     <m:rPr>
                                       <m:sty m:val="p"/>
                                     </m:rPr>
-                                    <a:rPr lang="en-US" sz="2400" b="0" i="0" kern="0" smtClean="0">
+                                    <a:rPr lang="en-US" sz="2800" b="0" i="0" kern="0" smtClean="0">
                                       <a:latin typeface="Cambria Math" panose="02040503050406030204" pitchFamily="18" charset="0"/>
                                       <a:cs typeface="Times New Roman" panose="02020603050405020304" pitchFamily="18" charset="0"/>
                                     </a:rPr>
@@ -6141,28 +6243,28 @@
                                 </m:e>
                                 <m:lim>
                                   <m:r>
-                                    <a:rPr lang="en-US" sz="2400" i="1" kern="0" smtClean="0">
+                                    <a:rPr lang="en-US" sz="2800" i="1" kern="0" smtClean="0">
                                       <a:latin typeface="Cambria Math" charset="0"/>
                                       <a:cs typeface="Times New Roman" panose="02020603050405020304" pitchFamily="18" charset="0"/>
                                     </a:rPr>
                                     <m:t>1≤</m:t>
                                   </m:r>
                                   <m:r>
-                                    <a:rPr lang="en-US" sz="2400" i="1" kern="0" smtClean="0">
+                                    <a:rPr lang="en-US" sz="2800" i="1" kern="0" smtClean="0">
                                       <a:latin typeface="Cambria Math" charset="0"/>
                                       <a:cs typeface="Times New Roman" panose="02020603050405020304" pitchFamily="18" charset="0"/>
                                     </a:rPr>
                                     <m:t>𝑖</m:t>
                                   </m:r>
                                   <m:r>
-                                    <a:rPr lang="en-US" sz="2400" i="1" kern="0" smtClean="0">
+                                    <a:rPr lang="en-US" sz="2800" i="1" kern="0" smtClean="0">
                                       <a:latin typeface="Cambria Math" charset="0"/>
                                       <a:cs typeface="Times New Roman" panose="02020603050405020304" pitchFamily="18" charset="0"/>
                                     </a:rPr>
                                     <m:t>≤</m:t>
                                   </m:r>
                                   <m:r>
-                                    <a:rPr lang="en-US" sz="2400" i="1" kern="0" smtClean="0">
+                                    <a:rPr lang="en-US" sz="2800" i="1" kern="0" smtClean="0">
                                       <a:latin typeface="Cambria Math" charset="0"/>
                                       <a:cs typeface="Times New Roman" panose="02020603050405020304" pitchFamily="18" charset="0"/>
                                     </a:rPr>
@@ -6175,8 +6277,8 @@
                               <m:sSup>
                                 <m:sSupPr>
                                   <m:ctrlPr>
-                                    <a:rPr lang="en-US" sz="2400" b="0" i="1" kern="0" smtClean="0">
-                                      <a:latin typeface="Cambria Math" panose="02040503050406030204" pitchFamily="18" charset="0"/>
+                                    <a:rPr lang="en-US" sz="2800" b="0" i="1" kern="0" smtClean="0">
+                                      <a:latin typeface="Cambria Math" charset="0"/>
                                       <a:cs typeface="Times New Roman" panose="02020603050405020304" pitchFamily="18" charset="0"/>
                                     </a:rPr>
                                   </m:ctrlPr>
@@ -6187,8 +6289,8 @@
                                       <m:begChr m:val="|"/>
                                       <m:endChr m:val="|"/>
                                       <m:ctrlPr>
-                                        <a:rPr lang="en-US" sz="2400" b="0" i="1" kern="0" smtClean="0">
-                                          <a:latin typeface="Cambria Math" panose="02040503050406030204" pitchFamily="18" charset="0"/>
+                                        <a:rPr lang="en-US" sz="2800" b="0" i="1" kern="0" smtClean="0">
+                                          <a:latin typeface="Cambria Math" charset="0"/>
                                           <a:cs typeface="Times New Roman" panose="02020603050405020304" pitchFamily="18" charset="0"/>
                                         </a:rPr>
                                       </m:ctrlPr>
@@ -6199,8 +6301,8 @@
                                           <m:begChr m:val="|"/>
                                           <m:endChr m:val="|"/>
                                           <m:ctrlPr>
-                                            <a:rPr lang="en-US" sz="2400" b="0" i="1" kern="0" smtClean="0">
-                                              <a:latin typeface="Cambria Math" panose="02040503050406030204" pitchFamily="18" charset="0"/>
+                                            <a:rPr lang="en-US" sz="2800" b="0" i="1" kern="0" smtClean="0">
+                                              <a:latin typeface="Cambria Math" charset="0"/>
                                               <a:cs typeface="Times New Roman" panose="02020603050405020304" pitchFamily="18" charset="0"/>
                                             </a:rPr>
                                           </m:ctrlPr>
@@ -6209,15 +6311,15 @@
                                           <m:sSub>
                                             <m:sSubPr>
                                               <m:ctrlPr>
-                                                <a:rPr lang="en-US" sz="2400" b="0" i="1" kern="0" smtClean="0">
-                                                  <a:latin typeface="Cambria Math" panose="02040503050406030204" pitchFamily="18" charset="0"/>
+                                                <a:rPr lang="en-US" sz="2800" b="0" i="1" kern="0" smtClean="0">
+                                                  <a:latin typeface="Cambria Math" charset="0"/>
                                                   <a:cs typeface="Times New Roman" panose="02020603050405020304" pitchFamily="18" charset="0"/>
                                                 </a:rPr>
                                               </m:ctrlPr>
                                             </m:sSubPr>
                                             <m:e>
                                               <m:r>
-                                                <a:rPr lang="en-US" sz="2400" i="1" kern="0" smtClean="0">
+                                                <a:rPr lang="en-US" sz="2800" i="1" kern="0" smtClean="0">
                                                   <a:latin typeface="Cambria Math" panose="02040503050406030204" pitchFamily="18" charset="0"/>
                                                   <a:cs typeface="Times New Roman" panose="02020603050405020304" pitchFamily="18" charset="0"/>
                                                 </a:rPr>
@@ -6226,7 +6328,7 @@
                                             </m:e>
                                             <m:sub>
                                               <m:r>
-                                                <a:rPr lang="en-US" sz="2400" b="0" i="1" kern="0" smtClean="0">
+                                                <a:rPr lang="en-US" sz="2800" b="0" i="1" kern="0" smtClean="0">
                                                   <a:latin typeface="Cambria Math" panose="02040503050406030204" pitchFamily="18" charset="0"/>
                                                   <a:cs typeface="Times New Roman" panose="02020603050405020304" pitchFamily="18" charset="0"/>
                                                 </a:rPr>
@@ -6235,7 +6337,7 @@
                                             </m:sub>
                                           </m:sSub>
                                           <m:r>
-                                            <a:rPr lang="en-US" sz="2400" b="0" i="1" kern="0" smtClean="0">
+                                            <a:rPr lang="en-US" sz="2800" b="0" i="1" kern="0" smtClean="0">
                                               <a:latin typeface="Cambria Math" panose="02040503050406030204" pitchFamily="18" charset="0"/>
                                               <a:cs typeface="Times New Roman" panose="02020603050405020304" pitchFamily="18" charset="0"/>
                                             </a:rPr>
@@ -6244,15 +6346,15 @@
                                           <m:sSub>
                                             <m:sSubPr>
                                               <m:ctrlPr>
-                                                <a:rPr lang="en-US" sz="2400" i="1" kern="0" smtClean="0">
-                                                  <a:latin typeface="Cambria Math" panose="02040503050406030204" pitchFamily="18" charset="0"/>
+                                                <a:rPr lang="en-US" sz="2800" i="1" kern="0" smtClean="0">
+                                                  <a:latin typeface="Cambria Math" charset="0"/>
                                                   <a:cs typeface="Times New Roman" panose="02020603050405020304" pitchFamily="18" charset="0"/>
                                                 </a:rPr>
                                               </m:ctrlPr>
                                             </m:sSubPr>
                                             <m:e>
                                               <m:r>
-                                                <a:rPr lang="en-US" sz="2400" i="1" kern="0" smtClean="0">
+                                                <a:rPr lang="en-US" sz="2800" i="1" kern="0" smtClean="0">
                                                   <a:latin typeface="Cambria Math" charset="0"/>
                                                   <a:cs typeface="Times New Roman" panose="02020603050405020304" pitchFamily="18" charset="0"/>
                                                 </a:rPr>
@@ -6261,7 +6363,7 @@
                                             </m:e>
                                             <m:sub>
                                               <m:r>
-                                                <a:rPr lang="en-US" sz="2400" i="1" kern="0" smtClean="0">
+                                                <a:rPr lang="en-US" sz="2800" i="1" kern="0" smtClean="0">
                                                   <a:latin typeface="Cambria Math" charset="0"/>
                                                   <a:cs typeface="Times New Roman" panose="02020603050405020304" pitchFamily="18" charset="0"/>
                                                 </a:rPr>
@@ -6276,7 +6378,7 @@
                                 </m:e>
                                 <m:sup>
                                   <m:r>
-                                    <a:rPr lang="en-US" sz="2400" b="0" i="1" kern="0" smtClean="0">
+                                    <a:rPr lang="en-US" sz="2800" b="0" i="1" kern="0" smtClean="0">
                                       <a:latin typeface="Cambria Math" panose="02040503050406030204" pitchFamily="18" charset="0"/>
                                       <a:cs typeface="Times New Roman" panose="02020603050405020304" pitchFamily="18" charset="0"/>
                                     </a:rPr>
@@ -6287,7 +6389,7 @@
                             </m:e>
                           </m:func>
                           <m:r>
-                            <a:rPr lang="en-US" sz="2400" b="0" i="1" kern="0" smtClean="0">
+                            <a:rPr lang="en-US" sz="2800" b="0" i="1" kern="0" smtClean="0">
                               <a:latin typeface="Cambria Math" panose="02040503050406030204" pitchFamily="18" charset="0"/>
                               <a:cs typeface="Times New Roman" panose="02020603050405020304" pitchFamily="18" charset="0"/>
                             </a:rPr>
@@ -6298,8 +6400,8 @@
                       <m:func>
                         <m:funcPr>
                           <m:ctrlPr>
-                            <a:rPr lang="en-US" sz="2400" i="1" kern="0">
-                              <a:latin typeface="Cambria Math" panose="02040503050406030204" pitchFamily="18" charset="0"/>
+                            <a:rPr lang="en-US" sz="2800" i="1" kern="0">
+                              <a:latin typeface="Cambria Math" charset="0"/>
                               <a:cs typeface="Times New Roman" panose="02020603050405020304" pitchFamily="18" charset="0"/>
                             </a:rPr>
                           </m:ctrlPr>
@@ -6309,7 +6411,7 @@
                             <m:rPr>
                               <m:sty m:val="p"/>
                             </m:rPr>
-                            <a:rPr lang="vi-VN" sz="2400" kern="0">
+                            <a:rPr lang="vi-VN" sz="2800" kern="0">
                               <a:latin typeface="Cambria Math" charset="0"/>
                               <a:cs typeface="Times New Roman" panose="02020603050405020304" pitchFamily="18" charset="0"/>
                             </a:rPr>
@@ -6320,8 +6422,8 @@
                           <m:func>
                             <m:funcPr>
                               <m:ctrlPr>
-                                <a:rPr lang="en-US" sz="2400" i="1" kern="0">
-                                  <a:latin typeface="Cambria Math" panose="02040503050406030204" pitchFamily="18" charset="0"/>
+                                <a:rPr lang="en-US" sz="2800" i="1" kern="0">
+                                  <a:latin typeface="Cambria Math" charset="0"/>
                                   <a:cs typeface="Times New Roman" panose="02020603050405020304" pitchFamily="18" charset="0"/>
                                 </a:rPr>
                               </m:ctrlPr>
@@ -6330,8 +6432,8 @@
                               <m:limLow>
                                 <m:limLowPr>
                                   <m:ctrlPr>
-                                    <a:rPr lang="en-US" sz="2400" i="1" kern="0">
-                                      <a:latin typeface="Cambria Math" panose="02040503050406030204" pitchFamily="18" charset="0"/>
+                                    <a:rPr lang="en-US" sz="2800" i="1" kern="0">
+                                      <a:latin typeface="Cambria Math" charset="0"/>
                                       <a:cs typeface="Times New Roman" panose="02020603050405020304" pitchFamily="18" charset="0"/>
                                     </a:rPr>
                                   </m:ctrlPr>
@@ -6341,7 +6443,7 @@
                                     <m:rPr>
                                       <m:sty m:val="p"/>
                                     </m:rPr>
-                                    <a:rPr lang="en-US" sz="2400" kern="0">
+                                    <a:rPr lang="en-US" sz="2800" kern="0">
                                       <a:latin typeface="Cambria Math" charset="0"/>
                                       <a:cs typeface="Times New Roman" panose="02020603050405020304" pitchFamily="18" charset="0"/>
                                     </a:rPr>
@@ -6351,7 +6453,7 @@
                                     <m:rPr>
                                       <m:sty m:val="p"/>
                                     </m:rPr>
-                                    <a:rPr lang="en-US" sz="2400" kern="0">
+                                    <a:rPr lang="en-US" sz="2800" kern="0">
                                       <a:latin typeface="Cambria Math" panose="02040503050406030204" pitchFamily="18" charset="0"/>
                                       <a:cs typeface="Times New Roman" panose="02020603050405020304" pitchFamily="18" charset="0"/>
                                     </a:rPr>
@@ -6360,28 +6462,28 @@
                                 </m:e>
                                 <m:lim>
                                   <m:r>
-                                    <a:rPr lang="en-US" sz="2400" i="1" kern="0">
+                                    <a:rPr lang="en-US" sz="2800" i="1" kern="0">
                                       <a:latin typeface="Cambria Math" charset="0"/>
                                       <a:cs typeface="Times New Roman" panose="02020603050405020304" pitchFamily="18" charset="0"/>
                                     </a:rPr>
                                     <m:t>1≤</m:t>
                                   </m:r>
                                   <m:r>
-                                    <a:rPr lang="en-US" sz="2400" i="1" kern="0">
+                                    <a:rPr lang="en-US" sz="2800" i="1" kern="0">
                                       <a:latin typeface="Cambria Math" charset="0"/>
                                       <a:cs typeface="Times New Roman" panose="02020603050405020304" pitchFamily="18" charset="0"/>
                                     </a:rPr>
                                     <m:t>𝑖</m:t>
                                   </m:r>
                                   <m:r>
-                                    <a:rPr lang="en-US" sz="2400" i="1" kern="0">
+                                    <a:rPr lang="en-US" sz="2800" i="1" kern="0">
                                       <a:latin typeface="Cambria Math" charset="0"/>
                                       <a:cs typeface="Times New Roman" panose="02020603050405020304" pitchFamily="18" charset="0"/>
                                     </a:rPr>
                                     <m:t>≤</m:t>
                                   </m:r>
                                   <m:r>
-                                    <a:rPr lang="en-US" sz="2400" i="1" kern="0">
+                                    <a:rPr lang="en-US" sz="2800" i="1" kern="0">
                                       <a:latin typeface="Cambria Math" charset="0"/>
                                       <a:cs typeface="Times New Roman" panose="02020603050405020304" pitchFamily="18" charset="0"/>
                                     </a:rPr>
@@ -6394,8 +6496,8 @@
                               <m:d>
                                 <m:dPr>
                                   <m:ctrlPr>
-                                    <a:rPr lang="en-US" sz="2400" b="0" i="1" kern="0" smtClean="0">
-                                      <a:latin typeface="Cambria Math" panose="02040503050406030204" pitchFamily="18" charset="0"/>
+                                    <a:rPr lang="en-US" sz="2800" b="0" i="1" kern="0" smtClean="0">
+                                      <a:latin typeface="Cambria Math" charset="0"/>
                                       <a:cs typeface="Times New Roman" panose="02020603050405020304" pitchFamily="18" charset="0"/>
                                     </a:rPr>
                                   </m:ctrlPr>
@@ -6404,8 +6506,8 @@
                                   <m:sSubSup>
                                     <m:sSubSupPr>
                                       <m:ctrlPr>
-                                        <a:rPr lang="en-US" sz="2400" b="0" i="1" kern="0" smtClean="0">
-                                          <a:latin typeface="Cambria Math" panose="02040503050406030204" pitchFamily="18" charset="0"/>
+                                        <a:rPr lang="en-US" sz="2800" b="0" i="1" kern="0" smtClean="0">
+                                          <a:latin typeface="Cambria Math" charset="0"/>
                                           <a:cs typeface="Times New Roman" panose="02020603050405020304" pitchFamily="18" charset="0"/>
                                         </a:rPr>
                                       </m:ctrlPr>
@@ -6416,8 +6518,8 @@
                                           <m:begChr m:val="|"/>
                                           <m:endChr m:val="|"/>
                                           <m:ctrlPr>
-                                            <a:rPr lang="en-US" sz="2400" b="0" i="1" kern="0" smtClean="0">
-                                              <a:latin typeface="Cambria Math" panose="02040503050406030204" pitchFamily="18" charset="0"/>
+                                            <a:rPr lang="en-US" sz="2800" b="0" i="1" kern="0" smtClean="0">
+                                              <a:latin typeface="Cambria Math" charset="0"/>
                                               <a:cs typeface="Times New Roman" panose="02020603050405020304" pitchFamily="18" charset="0"/>
                                             </a:rPr>
                                           </m:ctrlPr>
@@ -6428,8 +6530,8 @@
                                               <m:begChr m:val="|"/>
                                               <m:endChr m:val="|"/>
                                               <m:ctrlPr>
-                                                <a:rPr lang="en-US" sz="2400" b="0" i="1" kern="0" smtClean="0">
-                                                  <a:latin typeface="Cambria Math" panose="02040503050406030204" pitchFamily="18" charset="0"/>
+                                                <a:rPr lang="en-US" sz="2800" b="0" i="1" kern="0" smtClean="0">
+                                                  <a:latin typeface="Cambria Math" charset="0"/>
                                                   <a:cs typeface="Times New Roman" panose="02020603050405020304" pitchFamily="18" charset="0"/>
                                                 </a:rPr>
                                               </m:ctrlPr>
@@ -6438,15 +6540,15 @@
                                               <m:sSub>
                                                 <m:sSubPr>
                                                   <m:ctrlPr>
-                                                    <a:rPr lang="en-US" sz="2400" b="0" i="1" kern="0" smtClean="0">
-                                                      <a:latin typeface="Cambria Math" panose="02040503050406030204" pitchFamily="18" charset="0"/>
+                                                    <a:rPr lang="en-US" sz="2800" b="0" i="1" kern="0" smtClean="0">
+                                                      <a:latin typeface="Cambria Math" charset="0"/>
                                                       <a:cs typeface="Times New Roman" panose="02020603050405020304" pitchFamily="18" charset="0"/>
                                                     </a:rPr>
                                                   </m:ctrlPr>
                                                 </m:sSubPr>
                                                 <m:e>
                                                   <m:r>
-                                                    <a:rPr lang="en-US" sz="2400" b="0" i="1" kern="0" smtClean="0">
+                                                    <a:rPr lang="en-US" sz="2800" b="0" i="1" kern="0" smtClean="0">
                                                       <a:latin typeface="Cambria Math" panose="02040503050406030204" pitchFamily="18" charset="0"/>
                                                       <a:cs typeface="Times New Roman" panose="02020603050405020304" pitchFamily="18" charset="0"/>
                                                     </a:rPr>
@@ -6455,7 +6557,7 @@
                                                 </m:e>
                                                 <m:sub>
                                                   <m:r>
-                                                    <a:rPr lang="en-US" sz="2400" b="0" i="1" kern="0" smtClean="0">
+                                                    <a:rPr lang="en-US" sz="2800" b="0" i="1" kern="0" smtClean="0">
                                                       <a:latin typeface="Cambria Math" panose="02040503050406030204" pitchFamily="18" charset="0"/>
                                                       <a:cs typeface="Times New Roman" panose="02020603050405020304" pitchFamily="18" charset="0"/>
                                                     </a:rPr>
@@ -6470,7 +6572,7 @@
                                     </m:e>
                                     <m:sub>
                                       <m:r>
-                                        <a:rPr lang="en-US" sz="2400" b="0" i="1" kern="0" smtClean="0">
+                                        <a:rPr lang="en-US" sz="2800" b="0" i="1" kern="0" smtClean="0">
                                           <a:latin typeface="Cambria Math" panose="02040503050406030204" pitchFamily="18" charset="0"/>
                                           <a:cs typeface="Times New Roman" panose="02020603050405020304" pitchFamily="18" charset="0"/>
                                         </a:rPr>
@@ -6479,7 +6581,7 @@
                                     </m:sub>
                                     <m:sup>
                                       <m:r>
-                                        <a:rPr lang="en-US" sz="2400" b="0" i="1" kern="0" smtClean="0">
+                                        <a:rPr lang="en-US" sz="2800" b="0" i="1" kern="0" smtClean="0">
                                           <a:latin typeface="Cambria Math" panose="02040503050406030204" pitchFamily="18" charset="0"/>
                                           <a:cs typeface="Times New Roman" panose="02020603050405020304" pitchFamily="18" charset="0"/>
                                         </a:rPr>
@@ -6488,7 +6590,7 @@
                                     </m:sup>
                                   </m:sSubSup>
                                   <m:r>
-                                    <a:rPr lang="en-US" sz="2400" b="0" i="1" kern="0" smtClean="0">
+                                    <a:rPr lang="en-US" sz="2800" b="0" i="1" kern="0" smtClean="0">
                                       <a:latin typeface="Cambria Math" panose="02040503050406030204" pitchFamily="18" charset="0"/>
                                       <a:cs typeface="Times New Roman" panose="02020603050405020304" pitchFamily="18" charset="0"/>
                                     </a:rPr>
@@ -6497,15 +6599,15 @@
                                   <m:sSubSup>
                                     <m:sSubSupPr>
                                       <m:ctrlPr>
-                                        <a:rPr lang="en-US" sz="2400" b="0" i="1" kern="0" smtClean="0">
-                                          <a:latin typeface="Cambria Math" panose="02040503050406030204" pitchFamily="18" charset="0"/>
+                                        <a:rPr lang="en-US" sz="2800" b="0" i="1" kern="0" smtClean="0">
+                                          <a:latin typeface="Cambria Math" charset="0"/>
                                           <a:cs typeface="Times New Roman" panose="02020603050405020304" pitchFamily="18" charset="0"/>
                                         </a:rPr>
                                       </m:ctrlPr>
                                     </m:sSubSupPr>
                                     <m:e>
                                       <m:r>
-                                        <a:rPr lang="en-US" sz="2400" b="0" i="1" kern="0" smtClean="0">
+                                        <a:rPr lang="en-US" sz="2800" b="0" i="1" kern="0" smtClean="0">
                                           <a:latin typeface="Cambria Math" panose="02040503050406030204" pitchFamily="18" charset="0"/>
                                           <a:cs typeface="Times New Roman" panose="02020603050405020304" pitchFamily="18" charset="0"/>
                                         </a:rPr>
@@ -6514,7 +6616,7 @@
                                     </m:e>
                                     <m:sub>
                                       <m:r>
-                                        <a:rPr lang="en-US" sz="2400" b="0" i="1" kern="0" smtClean="0">
+                                        <a:rPr lang="en-US" sz="2800" b="0" i="1" kern="0" smtClean="0">
                                           <a:latin typeface="Cambria Math" panose="02040503050406030204" pitchFamily="18" charset="0"/>
                                           <a:cs typeface="Times New Roman" panose="02020603050405020304" pitchFamily="18" charset="0"/>
                                         </a:rPr>
@@ -6523,7 +6625,7 @@
                                     </m:sub>
                                     <m:sup>
                                       <m:r>
-                                        <a:rPr lang="en-US" sz="2400" b="0" i="1" kern="0" smtClean="0">
+                                        <a:rPr lang="en-US" sz="2800" b="0" i="1" kern="0" smtClean="0">
                                           <a:latin typeface="Cambria Math" panose="02040503050406030204" pitchFamily="18" charset="0"/>
                                           <a:cs typeface="Times New Roman" panose="02020603050405020304" pitchFamily="18" charset="0"/>
                                         </a:rPr>
@@ -6534,15 +6636,15 @@
                                   <m:sSub>
                                     <m:sSubPr>
                                       <m:ctrlPr>
-                                        <a:rPr lang="en-US" sz="2400" b="0" i="1" kern="0" smtClean="0">
-                                          <a:latin typeface="Cambria Math" panose="02040503050406030204" pitchFamily="18" charset="0"/>
+                                        <a:rPr lang="en-US" sz="2800" b="0" i="1" kern="0" smtClean="0">
+                                          <a:latin typeface="Cambria Math" charset="0"/>
                                           <a:cs typeface="Times New Roman" panose="02020603050405020304" pitchFamily="18" charset="0"/>
                                         </a:rPr>
                                       </m:ctrlPr>
                                     </m:sSubPr>
                                     <m:e>
                                       <m:r>
-                                        <a:rPr lang="en-US" sz="2400" b="0" i="1" kern="0" smtClean="0">
+                                        <a:rPr lang="en-US" sz="2800" b="0" i="1" kern="0" smtClean="0">
                                           <a:latin typeface="Cambria Math" panose="02040503050406030204" pitchFamily="18" charset="0"/>
                                           <a:cs typeface="Times New Roman" panose="02020603050405020304" pitchFamily="18" charset="0"/>
                                         </a:rPr>
@@ -6551,7 +6653,7 @@
                                     </m:e>
                                     <m:sub>
                                       <m:r>
-                                        <a:rPr lang="en-US" sz="2400" b="0" i="1" kern="0" smtClean="0">
+                                        <a:rPr lang="en-US" sz="2800" b="0" i="1" kern="0" smtClean="0">
                                           <a:latin typeface="Cambria Math" panose="02040503050406030204" pitchFamily="18" charset="0"/>
                                           <a:cs typeface="Times New Roman" panose="02020603050405020304" pitchFamily="18" charset="0"/>
                                         </a:rPr>
@@ -6564,7 +6666,7 @@
                             </m:e>
                           </m:func>
                           <m:r>
-                            <a:rPr lang="en-US" sz="2400" i="1" kern="0">
+                            <a:rPr lang="en-US" sz="2800" i="1" kern="0">
                               <a:latin typeface="Cambria Math" panose="02040503050406030204" pitchFamily="18" charset="0"/>
                               <a:cs typeface="Times New Roman" panose="02020603050405020304" pitchFamily="18" charset="0"/>
                             </a:rPr>
@@ -6575,7 +6677,7 @@
                     </m:oMath>
                   </m:oMathPara>
                 </a14:m>
-                <a:endParaRPr lang="en-US" sz="2400" kern="0" dirty="0" smtClean="0">
+                <a:endParaRPr lang="en-US" sz="2800" kern="0" dirty="0" smtClean="0">
                   <a:latin typeface="Times New Roman" panose="02020603050405020304" pitchFamily="18" charset="0"/>
                   <a:cs typeface="Times New Roman" panose="02020603050405020304" pitchFamily="18" charset="0"/>
                 </a:endParaRPr>
@@ -6592,7 +6694,7 @@
                   <a:buNone/>
                   <a:defRPr/>
                 </a:pPr>
-                <a:endParaRPr lang="en-US" sz="3200" kern="0" dirty="0" smtClean="0">
+                <a:endParaRPr lang="en-US" sz="3600" kern="0" dirty="0" smtClean="0">
                   <a:latin typeface="Times New Roman" panose="02020603050405020304" pitchFamily="18" charset="0"/>
                   <a:cs typeface="Times New Roman" panose="02020603050405020304" pitchFamily="18" charset="0"/>
                 </a:endParaRPr>
@@ -6610,14 +6712,14 @@
                   <a:defRPr/>
                 </a:pPr>
                 <a:r>
-                  <a:rPr lang="en-US" sz="3200" kern="0" dirty="0">
+                  <a:rPr lang="en-US" sz="3600" kern="0" dirty="0">
                     <a:latin typeface="Times New Roman" panose="02020603050405020304" pitchFamily="18" charset="0"/>
                     <a:cs typeface="Times New Roman" panose="02020603050405020304" pitchFamily="18" charset="0"/>
                   </a:rPr>
                   <a:t>	</a:t>
                 </a:r>
                 <a:r>
-                  <a:rPr lang="en-US" sz="3200" kern="0" dirty="0" smtClean="0">
+                  <a:rPr lang="en-US" sz="3600" kern="0" dirty="0" smtClean="0">
                     <a:latin typeface="Times New Roman" panose="02020603050405020304" pitchFamily="18" charset="0"/>
                     <a:cs typeface="Times New Roman" panose="02020603050405020304" pitchFamily="18" charset="0"/>
                   </a:rPr>
@@ -6626,7 +6728,7 @@
                 <a14:m>
                   <m:oMath xmlns:m="http://schemas.openxmlformats.org/officeDocument/2006/math">
                     <m:r>
-                      <a:rPr lang="en-US" sz="2800" i="1" kern="0" smtClean="0">
+                      <a:rPr lang="en-US" sz="3200" i="1" kern="0" smtClean="0">
                         <a:latin typeface="Cambria Math" panose="02040503050406030204" pitchFamily="18" charset="0"/>
                         <a:cs typeface="Times New Roman" panose="02020603050405020304" pitchFamily="18" charset="0"/>
                       </a:rPr>
@@ -6635,8 +6737,8 @@
                     <m:func>
                       <m:funcPr>
                         <m:ctrlPr>
-                          <a:rPr lang="en-US" sz="2800" b="0" i="1" kern="0" smtClean="0">
-                            <a:latin typeface="Cambria Math" panose="02040503050406030204" pitchFamily="18" charset="0"/>
+                          <a:rPr lang="en-US" sz="3200" b="0" i="1" kern="0" smtClean="0">
+                            <a:latin typeface="Cambria Math" charset="0"/>
                             <a:cs typeface="Times New Roman" panose="02020603050405020304" pitchFamily="18" charset="0"/>
                           </a:rPr>
                         </m:ctrlPr>
@@ -6646,7 +6748,7 @@
                           <m:rPr>
                             <m:sty m:val="p"/>
                           </m:rPr>
-                          <a:rPr lang="en-US" sz="2800" b="0" i="0" kern="0" smtClean="0">
+                          <a:rPr lang="en-US" sz="3200" b="0" i="0" kern="0" smtClean="0">
                             <a:latin typeface="Cambria Math" panose="02040503050406030204" pitchFamily="18" charset="0"/>
                             <a:cs typeface="Times New Roman" panose="02020603050405020304" pitchFamily="18" charset="0"/>
                           </a:rPr>
@@ -6657,8 +6759,8 @@
                         <m:func>
                           <m:funcPr>
                             <m:ctrlPr>
-                              <a:rPr lang="en-US" sz="2800" i="1" kern="0">
-                                <a:latin typeface="Cambria Math" panose="02040503050406030204" pitchFamily="18" charset="0"/>
+                              <a:rPr lang="en-US" sz="3200" i="1" kern="0">
+                                <a:latin typeface="Cambria Math" charset="0"/>
                                 <a:cs typeface="Times New Roman" panose="02020603050405020304" pitchFamily="18" charset="0"/>
                               </a:rPr>
                             </m:ctrlPr>
@@ -6667,8 +6769,8 @@
                             <m:limLow>
                               <m:limLowPr>
                                 <m:ctrlPr>
-                                  <a:rPr lang="en-US" sz="2800" b="0" i="1" kern="0" smtClean="0">
-                                    <a:latin typeface="Cambria Math" panose="02040503050406030204" pitchFamily="18" charset="0"/>
+                                  <a:rPr lang="en-US" sz="3200" b="0" i="1" kern="0" smtClean="0">
+                                    <a:latin typeface="Cambria Math" charset="0"/>
                                     <a:cs typeface="Times New Roman" panose="02020603050405020304" pitchFamily="18" charset="0"/>
                                   </a:rPr>
                                 </m:ctrlPr>
@@ -6678,7 +6780,7 @@
                                   <m:rPr>
                                     <m:sty m:val="p"/>
                                   </m:rPr>
-                                  <a:rPr lang="en-US" sz="2800" kern="0">
+                                  <a:rPr lang="en-US" sz="3200" kern="0">
                                     <a:latin typeface="Cambria Math" panose="02040503050406030204" pitchFamily="18" charset="0"/>
                                     <a:cs typeface="Times New Roman" panose="02020603050405020304" pitchFamily="18" charset="0"/>
                                   </a:rPr>
@@ -6687,28 +6789,28 @@
                               </m:e>
                               <m:lim>
                                 <m:r>
-                                  <a:rPr lang="en-US" sz="2800" b="0" i="1" kern="0" smtClean="0">
+                                  <a:rPr lang="en-US" sz="3200" b="0" i="1" kern="0" smtClean="0">
                                     <a:latin typeface="Cambria Math" panose="02040503050406030204" pitchFamily="18" charset="0"/>
                                     <a:cs typeface="Times New Roman" panose="02020603050405020304" pitchFamily="18" charset="0"/>
                                   </a:rPr>
                                   <m:t>1≤</m:t>
                                 </m:r>
                                 <m:r>
-                                  <a:rPr lang="en-US" sz="2800" b="0" i="1" kern="0" smtClean="0">
+                                  <a:rPr lang="en-US" sz="3200" b="0" i="1" kern="0" smtClean="0">
                                     <a:latin typeface="Cambria Math" panose="02040503050406030204" pitchFamily="18" charset="0"/>
                                     <a:cs typeface="Times New Roman" panose="02020603050405020304" pitchFamily="18" charset="0"/>
                                   </a:rPr>
                                   <m:t>𝑖</m:t>
                                 </m:r>
                                 <m:r>
-                                  <a:rPr lang="en-US" sz="2800" b="0" i="1" kern="0" smtClean="0">
+                                  <a:rPr lang="en-US" sz="3200" b="0" i="1" kern="0" smtClean="0">
                                     <a:latin typeface="Cambria Math" panose="02040503050406030204" pitchFamily="18" charset="0"/>
                                     <a:cs typeface="Times New Roman" panose="02020603050405020304" pitchFamily="18" charset="0"/>
                                   </a:rPr>
                                   <m:t>≤</m:t>
                                 </m:r>
                                 <m:r>
-                                  <a:rPr lang="en-US" sz="2800" b="0" i="1" kern="0" smtClean="0">
+                                  <a:rPr lang="en-US" sz="3200" b="0" i="1" kern="0" smtClean="0">
                                     <a:latin typeface="Cambria Math" panose="02040503050406030204" pitchFamily="18" charset="0"/>
                                     <a:cs typeface="Times New Roman" panose="02020603050405020304" pitchFamily="18" charset="0"/>
                                   </a:rPr>
@@ -6721,15 +6823,15 @@
                             <m:sSubSup>
                               <m:sSubSupPr>
                                 <m:ctrlPr>
-                                  <a:rPr lang="en-US" sz="2800" i="1" kern="0">
-                                    <a:latin typeface="Cambria Math" panose="02040503050406030204" pitchFamily="18" charset="0"/>
+                                  <a:rPr lang="en-US" sz="3200" i="1" kern="0">
+                                    <a:latin typeface="Cambria Math" charset="0"/>
                                     <a:cs typeface="Times New Roman" panose="02020603050405020304" pitchFamily="18" charset="0"/>
                                   </a:rPr>
                                 </m:ctrlPr>
                               </m:sSubSupPr>
                               <m:e>
                                 <m:r>
-                                  <a:rPr lang="en-US" sz="2800" i="1" kern="0">
+                                  <a:rPr lang="en-US" sz="3200" i="1" kern="0">
                                     <a:latin typeface="Cambria Math" panose="02040503050406030204" pitchFamily="18" charset="0"/>
                                     <a:cs typeface="Times New Roman" panose="02020603050405020304" pitchFamily="18" charset="0"/>
                                   </a:rPr>
@@ -6738,7 +6840,7 @@
                               </m:e>
                               <m:sub>
                                 <m:r>
-                                  <a:rPr lang="en-US" sz="2800" i="1" kern="0">
+                                  <a:rPr lang="en-US" sz="3200" i="1" kern="0">
                                     <a:latin typeface="Cambria Math" panose="02040503050406030204" pitchFamily="18" charset="0"/>
                                     <a:cs typeface="Times New Roman" panose="02020603050405020304" pitchFamily="18" charset="0"/>
                                   </a:rPr>
@@ -6747,7 +6849,7 @@
                               </m:sub>
                               <m:sup>
                                 <m:r>
-                                  <a:rPr lang="en-US" sz="2800" i="1" kern="0">
+                                  <a:rPr lang="en-US" sz="3200" i="1" kern="0">
                                     <a:latin typeface="Cambria Math" panose="02040503050406030204" pitchFamily="18" charset="0"/>
                                     <a:cs typeface="Times New Roman" panose="02020603050405020304" pitchFamily="18" charset="0"/>
                                   </a:rPr>
@@ -6758,15 +6860,15 @@
                             <m:sSub>
                               <m:sSubPr>
                                 <m:ctrlPr>
-                                  <a:rPr lang="en-US" sz="2800" i="1" kern="0">
-                                    <a:latin typeface="Cambria Math" panose="02040503050406030204" pitchFamily="18" charset="0"/>
+                                  <a:rPr lang="en-US" sz="3200" i="1" kern="0">
+                                    <a:latin typeface="Cambria Math" charset="0"/>
                                     <a:cs typeface="Times New Roman" panose="02020603050405020304" pitchFamily="18" charset="0"/>
                                   </a:rPr>
                                 </m:ctrlPr>
                               </m:sSubPr>
                               <m:e>
                                 <m:r>
-                                  <a:rPr lang="en-US" sz="2800" i="1" kern="0">
+                                  <a:rPr lang="en-US" sz="3200" i="1" kern="0">
                                     <a:latin typeface="Cambria Math" panose="02040503050406030204" pitchFamily="18" charset="0"/>
                                     <a:cs typeface="Times New Roman" panose="02020603050405020304" pitchFamily="18" charset="0"/>
                                   </a:rPr>
@@ -6775,7 +6877,7 @@
                               </m:e>
                               <m:sub>
                                 <m:r>
-                                  <a:rPr lang="en-US" sz="2800" i="1" kern="0">
+                                  <a:rPr lang="en-US" sz="3200" i="1" kern="0">
                                     <a:latin typeface="Cambria Math" panose="02040503050406030204" pitchFamily="18" charset="0"/>
                                     <a:cs typeface="Times New Roman" panose="02020603050405020304" pitchFamily="18" charset="0"/>
                                   </a:rPr>
@@ -6797,7 +6899,7 @@
             </p:txBody>
           </p:sp>
         </mc:Choice>
-        <mc:Fallback xmlns="">
+        <mc:Fallback>
           <p:sp>
             <p:nvSpPr>
               <p:cNvPr id="9" name="Content Placeholder 2"/>
@@ -6809,7 +6911,7 @@
             <p:spPr bwMode="auto">
               <a:xfrm>
                 <a:off x="416859" y="4267200"/>
-                <a:ext cx="8305800" cy="1657377"/>
+                <a:ext cx="8305800" cy="1977657"/>
               </a:xfrm>
               <a:prstGeom prst="rect">
                 <a:avLst/>
@@ -6858,7 +6960,7 @@
               <a:lstStyle/>
               <a:p>
                 <a:r>
-                  <a:rPr lang="en-SG">
+                  <a:rPr lang="en-US">
                     <a:noFill/>
                   </a:rPr>
                   <a:t> </a:t>
@@ -6905,32 +7007,6 @@
           <a:chExt cx="0" cy="0"/>
         </a:xfrm>
       </p:grpSpPr>
-      <p:sp>
-        <p:nvSpPr>
-          <p:cNvPr id="4" name="Footer Placeholder 3"/>
-          <p:cNvSpPr>
-            <a:spLocks noGrp="1"/>
-          </p:cNvSpPr>
-          <p:nvPr>
-            <p:ph type="ftr" sz="quarter" idx="11"/>
-          </p:nvPr>
-        </p:nvSpPr>
-        <p:spPr/>
-        <p:txBody>
-          <a:bodyPr/>
-          <a:lstStyle/>
-          <a:p>
-            <a:pPr>
-              <a:defRPr/>
-            </a:pPr>
-            <a:r>
-              <a:rPr lang="en-US" altLang="en-US" smtClean="0"/>
-              <a:t>Dung &amp; Hady: Scalable Recommendation Retrieval</a:t>
-            </a:r>
-            <a:endParaRPr lang="en-US" altLang="en-US"/>
-          </a:p>
-        </p:txBody>
-      </p:sp>
       <p:sp>
         <p:nvSpPr>
           <p:cNvPr id="5" name="Slide Number Placeholder 4"/>
@@ -7166,7 +7242,7 @@
         </p:nvCxnSpPr>
         <p:spPr>
           <a:xfrm flipH="1" flipV="1">
-            <a:off x="933409" y="2057400"/>
+            <a:off x="842006" y="1752600"/>
             <a:ext cx="3908" cy="2303918"/>
           </a:xfrm>
           <a:prstGeom prst="straightConnector1">
@@ -7204,7 +7280,7 @@
         </p:nvCxnSpPr>
         <p:spPr>
           <a:xfrm>
-            <a:off x="933409" y="4352982"/>
+            <a:off x="842006" y="4048182"/>
             <a:ext cx="2951290" cy="8338"/>
           </a:xfrm>
           <a:prstGeom prst="straightConnector1">
@@ -7240,7 +7316,7 @@
         </p:nvSpPr>
         <p:spPr>
           <a:xfrm>
-            <a:off x="861821" y="3355911"/>
+            <a:off x="770418" y="3051111"/>
             <a:ext cx="158621" cy="149289"/>
           </a:xfrm>
           <a:prstGeom prst="triangle">
@@ -7283,7 +7359,7 @@
         </p:nvSpPr>
         <p:spPr>
           <a:xfrm>
-            <a:off x="2681529" y="2903736"/>
+            <a:off x="2548652" y="2627260"/>
             <a:ext cx="102637" cy="121298"/>
           </a:xfrm>
           <a:prstGeom prst="ellipse">
@@ -7326,7 +7402,7 @@
         </p:nvSpPr>
         <p:spPr>
           <a:xfrm>
-            <a:off x="1796771" y="3810000"/>
+            <a:off x="1705368" y="3505200"/>
             <a:ext cx="102637" cy="121298"/>
           </a:xfrm>
           <a:prstGeom prst="ellipse">
@@ -7361,8 +7437,8 @@
           </a:p>
         </p:txBody>
       </p:sp>
-      <mc:AlternateContent xmlns:mc="http://schemas.openxmlformats.org/markup-compatibility/2006" xmlns:a14="http://schemas.microsoft.com/office/drawing/2010/main">
-        <mc:Choice Requires="a14">
+      <mc:AlternateContent xmlns:mc="http://schemas.openxmlformats.org/markup-compatibility/2006">
+        <mc:Choice xmlns:a14="http://schemas.microsoft.com/office/drawing/2010/main" Requires="a14">
           <p:sp>
             <p:nvSpPr>
               <p:cNvPr id="12" name="TextBox 11"/>
@@ -7371,7 +7447,7 @@
             </p:nvSpPr>
             <p:spPr>
               <a:xfrm>
-                <a:off x="548603" y="2948319"/>
+                <a:off x="457200" y="2719719"/>
                 <a:ext cx="1356397" cy="369332"/>
               </a:xfrm>
               <a:prstGeom prst="rect">
@@ -7396,7 +7472,7 @@
                         <m:sSubPr>
                           <m:ctrlPr>
                             <a:rPr lang="en-US" b="1" i="1" smtClean="0">
-                              <a:latin typeface="Cambria Math" panose="02040503050406030204" pitchFamily="18" charset="0"/>
+                              <a:latin typeface="Cambria Math" charset="0"/>
                             </a:rPr>
                           </m:ctrlPr>
                         </m:sSubPr>
@@ -7455,7 +7531,7 @@
             </p:txBody>
           </p:sp>
         </mc:Choice>
-        <mc:Fallback xmlns="">
+        <mc:Fallback>
           <p:sp>
             <p:nvSpPr>
               <p:cNvPr id="12" name="TextBox 11"/>
@@ -7466,7 +7542,7 @@
             </p:nvSpPr>
             <p:spPr>
               <a:xfrm>
-                <a:off x="548603" y="2948319"/>
+                <a:off x="457200" y="2719719"/>
                 <a:ext cx="1356397" cy="369332"/>
               </a:xfrm>
               <a:prstGeom prst="rect">
@@ -7475,7 +7551,7 @@
               <a:blipFill rotWithShape="0">
                 <a:blip r:embed="rId2"/>
                 <a:stretch>
-                  <a:fillRect b="-15000"/>
+                  <a:fillRect b="-14754"/>
                 </a:stretch>
               </a:blipFill>
             </p:spPr>
@@ -7484,7 +7560,7 @@
               <a:lstStyle/>
               <a:p>
                 <a:r>
-                  <a:rPr lang="en-SG">
+                  <a:rPr lang="en-US">
                     <a:noFill/>
                   </a:rPr>
                   <a:t> </a:t>
@@ -7494,8 +7570,8 @@
           </p:sp>
         </mc:Fallback>
       </mc:AlternateContent>
-      <mc:AlternateContent xmlns:mc="http://schemas.openxmlformats.org/markup-compatibility/2006" xmlns:a14="http://schemas.microsoft.com/office/drawing/2010/main">
-        <mc:Choice Requires="a14">
+      <mc:AlternateContent xmlns:mc="http://schemas.openxmlformats.org/markup-compatibility/2006">
+        <mc:Choice xmlns:a14="http://schemas.microsoft.com/office/drawing/2010/main" Requires="a14">
           <p:sp>
             <p:nvSpPr>
               <p:cNvPr id="13" name="TextBox 12"/>
@@ -7504,7 +7580,7 @@
             </p:nvSpPr>
             <p:spPr>
               <a:xfrm>
-                <a:off x="1414922" y="3880157"/>
+                <a:off x="1323519" y="3575357"/>
                 <a:ext cx="1317925" cy="395621"/>
               </a:xfrm>
               <a:prstGeom prst="rect">
@@ -7529,7 +7605,7 @@
                         <m:sSubPr>
                           <m:ctrlPr>
                             <a:rPr lang="en-US" b="1" i="1" smtClean="0">
-                              <a:latin typeface="Cambria Math" panose="02040503050406030204" pitchFamily="18" charset="0"/>
+                              <a:latin typeface="Cambria Math" charset="0"/>
                             </a:rPr>
                           </m:ctrlPr>
                         </m:sSubPr>
@@ -7588,7 +7664,7 @@
             </p:txBody>
           </p:sp>
         </mc:Choice>
-        <mc:Fallback xmlns="">
+        <mc:Fallback>
           <p:sp>
             <p:nvSpPr>
               <p:cNvPr id="13" name="TextBox 12"/>
@@ -7599,7 +7675,7 @@
             </p:nvSpPr>
             <p:spPr>
               <a:xfrm>
-                <a:off x="1414922" y="3880157"/>
+                <a:off x="1323519" y="3575357"/>
                 <a:ext cx="1317925" cy="395621"/>
               </a:xfrm>
               <a:prstGeom prst="rect">
@@ -7617,7 +7693,7 @@
               <a:lstStyle/>
               <a:p>
                 <a:r>
-                  <a:rPr lang="en-SG">
+                  <a:rPr lang="en-US">
                     <a:noFill/>
                   </a:rPr>
                   <a:t> </a:t>
@@ -7627,8 +7703,8 @@
           </p:sp>
         </mc:Fallback>
       </mc:AlternateContent>
-      <mc:AlternateContent xmlns:mc="http://schemas.openxmlformats.org/markup-compatibility/2006" xmlns:a14="http://schemas.microsoft.com/office/drawing/2010/main">
-        <mc:Choice Requires="a14">
+      <mc:AlternateContent xmlns:mc="http://schemas.openxmlformats.org/markup-compatibility/2006">
+        <mc:Choice xmlns:a14="http://schemas.microsoft.com/office/drawing/2010/main" Requires="a14">
           <p:sp>
             <p:nvSpPr>
               <p:cNvPr id="14" name="TextBox 13"/>
@@ -7637,7 +7713,7 @@
             </p:nvSpPr>
             <p:spPr>
               <a:xfrm>
-                <a:off x="2426983" y="2459964"/>
+                <a:off x="2335580" y="2155164"/>
                 <a:ext cx="1539139" cy="369332"/>
               </a:xfrm>
               <a:prstGeom prst="rect">
@@ -7662,7 +7738,7 @@
                         <m:sSubPr>
                           <m:ctrlPr>
                             <a:rPr lang="en-US" b="1" i="1" smtClean="0">
-                              <a:latin typeface="Cambria Math" panose="02040503050406030204" pitchFamily="18" charset="0"/>
+                              <a:latin typeface="Cambria Math" charset="0"/>
                             </a:rPr>
                           </m:ctrlPr>
                         </m:sSubPr>
@@ -7733,7 +7809,7 @@
             </p:txBody>
           </p:sp>
         </mc:Choice>
-        <mc:Fallback xmlns="">
+        <mc:Fallback>
           <p:sp>
             <p:nvSpPr>
               <p:cNvPr id="14" name="TextBox 13"/>
@@ -7744,7 +7820,7 @@
             </p:nvSpPr>
             <p:spPr>
               <a:xfrm>
-                <a:off x="2426983" y="2459964"/>
+                <a:off x="2335580" y="2155164"/>
                 <a:ext cx="1539139" cy="369332"/>
               </a:xfrm>
               <a:prstGeom prst="rect">
@@ -7762,7 +7838,7 @@
               <a:lstStyle/>
               <a:p>
                 <a:r>
-                  <a:rPr lang="en-SG">
+                  <a:rPr lang="en-US">
                     <a:noFill/>
                   </a:rPr>
                   <a:t> </a:t>
@@ -7772,8 +7848,8 @@
           </p:sp>
         </mc:Fallback>
       </mc:AlternateContent>
-      <mc:AlternateContent xmlns:mc="http://schemas.openxmlformats.org/markup-compatibility/2006" xmlns:a14="http://schemas.microsoft.com/office/drawing/2010/main">
-        <mc:Choice Requires="a14">
+      <mc:AlternateContent xmlns:mc="http://schemas.openxmlformats.org/markup-compatibility/2006">
+        <mc:Choice xmlns:a14="http://schemas.microsoft.com/office/drawing/2010/main" Requires="a14">
           <p:sp>
             <p:nvSpPr>
               <p:cNvPr id="15" name="TextBox 14"/>
@@ -7782,7 +7858,7 @@
             </p:nvSpPr>
             <p:spPr>
               <a:xfrm>
-                <a:off x="4362304" y="2374749"/>
+                <a:off x="4270901" y="2069949"/>
                 <a:ext cx="4664739" cy="1986569"/>
               </a:xfrm>
               <a:prstGeom prst="rect">
@@ -7807,7 +7883,7 @@
                         <m:sSubPr>
                           <m:ctrlPr>
                             <a:rPr lang="en-US" b="1" i="1" smtClean="0">
-                              <a:latin typeface="Cambria Math" panose="02040503050406030204" pitchFamily="18" charset="0"/>
+                              <a:latin typeface="Cambria Math" charset="0"/>
                             </a:rPr>
                           </m:ctrlPr>
                         </m:sSubPr>
@@ -7838,7 +7914,7 @@
                         <m:sSubSupPr>
                           <m:ctrlPr>
                             <a:rPr lang="en-US" b="1" i="1" smtClean="0">
-                              <a:latin typeface="Cambria Math" panose="02040503050406030204" pitchFamily="18" charset="0"/>
+                              <a:latin typeface="Cambria Math" charset="0"/>
                             </a:rPr>
                           </m:ctrlPr>
                         </m:sSubSupPr>
@@ -7913,7 +7989,7 @@
                         <m:sSubPr>
                           <m:ctrlPr>
                             <a:rPr lang="en-US" b="1" i="1">
-                              <a:latin typeface="Cambria Math" panose="02040503050406030204" pitchFamily="18" charset="0"/>
+                              <a:latin typeface="Cambria Math" charset="0"/>
                             </a:rPr>
                           </m:ctrlPr>
                         </m:sSubPr>
@@ -7944,7 +8020,7 @@
                         <m:sSubSupPr>
                           <m:ctrlPr>
                             <a:rPr lang="en-US" b="1" i="1">
-                              <a:latin typeface="Cambria Math" panose="02040503050406030204" pitchFamily="18" charset="0"/>
+                              <a:latin typeface="Cambria Math" charset="0"/>
                             </a:rPr>
                           </m:ctrlPr>
                         </m:sSubSupPr>
@@ -7995,7 +8071,7 @@
                           <m:endChr m:val="|"/>
                           <m:ctrlPr>
                             <a:rPr lang="en-US" b="1" i="1" smtClean="0">
-                              <a:latin typeface="Cambria Math" panose="02040503050406030204" pitchFamily="18" charset="0"/>
+                              <a:latin typeface="Cambria Math" charset="0"/>
                             </a:rPr>
                           </m:ctrlPr>
                         </m:dPr>
@@ -8006,7 +8082,7 @@
                               <m:endChr m:val="|"/>
                               <m:ctrlPr>
                                 <a:rPr lang="en-US" b="1" i="1" smtClean="0">
-                                  <a:latin typeface="Cambria Math" panose="02040503050406030204" pitchFamily="18" charset="0"/>
+                                  <a:latin typeface="Cambria Math" charset="0"/>
                                 </a:rPr>
                               </m:ctrlPr>
                             </m:dPr>
@@ -8015,7 +8091,7 @@
                                 <m:sSubPr>
                                   <m:ctrlPr>
                                     <a:rPr lang="en-US" b="1" i="1" smtClean="0">
-                                      <a:latin typeface="Cambria Math" panose="02040503050406030204" pitchFamily="18" charset="0"/>
+                                      <a:latin typeface="Cambria Math" charset="0"/>
                                     </a:rPr>
                                   </m:ctrlPr>
                                 </m:sSubPr>
@@ -8046,7 +8122,7 @@
                                 <m:sSubPr>
                                   <m:ctrlPr>
                                     <a:rPr lang="en-US" b="1" i="1" smtClean="0">
-                                      <a:latin typeface="Cambria Math" panose="02040503050406030204" pitchFamily="18" charset="0"/>
+                                      <a:latin typeface="Cambria Math" charset="0"/>
                                     </a:rPr>
                                   </m:ctrlPr>
                                 </m:sSubPr>
@@ -8119,7 +8195,7 @@
                           <m:endChr m:val="|"/>
                           <m:ctrlPr>
                             <a:rPr lang="en-US" b="1" i="1" smtClean="0">
-                              <a:latin typeface="Cambria Math" panose="02040503050406030204" pitchFamily="18" charset="0"/>
+                              <a:latin typeface="Cambria Math" charset="0"/>
                             </a:rPr>
                           </m:ctrlPr>
                         </m:dPr>
@@ -8130,7 +8206,7 @@
                               <m:endChr m:val="|"/>
                               <m:ctrlPr>
                                 <a:rPr lang="en-US" b="1" i="1" smtClean="0">
-                                  <a:latin typeface="Cambria Math" panose="02040503050406030204" pitchFamily="18" charset="0"/>
+                                  <a:latin typeface="Cambria Math" charset="0"/>
                                 </a:rPr>
                               </m:ctrlPr>
                             </m:dPr>
@@ -8139,7 +8215,7 @@
                                 <m:sSubPr>
                                   <m:ctrlPr>
                                     <a:rPr lang="en-US" b="1" i="1" smtClean="0">
-                                      <a:latin typeface="Cambria Math" panose="02040503050406030204" pitchFamily="18" charset="0"/>
+                                      <a:latin typeface="Cambria Math" charset="0"/>
                                     </a:rPr>
                                   </m:ctrlPr>
                                 </m:sSubPr>
@@ -8170,7 +8246,7 @@
                                 <m:sSubPr>
                                   <m:ctrlPr>
                                     <a:rPr lang="en-US" b="1" i="1" smtClean="0">
-                                      <a:latin typeface="Cambria Math" panose="02040503050406030204" pitchFamily="18" charset="0"/>
+                                      <a:latin typeface="Cambria Math" charset="0"/>
                                     </a:rPr>
                                   </m:ctrlPr>
                                 </m:sSubPr>
@@ -8214,7 +8290,7 @@
                       <m:fPr>
                         <m:ctrlPr>
                           <a:rPr lang="en-US" b="1" i="1" smtClean="0">
-                            <a:latin typeface="Cambria Math" panose="02040503050406030204" pitchFamily="18" charset="0"/>
+                            <a:latin typeface="Cambria Math" charset="0"/>
                           </a:rPr>
                         </m:ctrlPr>
                       </m:fPr>
@@ -8223,7 +8299,7 @@
                           <m:sSubPr>
                             <m:ctrlPr>
                               <a:rPr lang="en-US" b="1" i="1">
-                                <a:latin typeface="Cambria Math" panose="02040503050406030204" pitchFamily="18" charset="0"/>
+                                <a:latin typeface="Cambria Math" charset="0"/>
                               </a:rPr>
                             </m:ctrlPr>
                           </m:sSubPr>
@@ -8254,7 +8330,7 @@
                           <m:sSubSupPr>
                             <m:ctrlPr>
                               <a:rPr lang="en-US" b="1" i="1">
-                                <a:latin typeface="Cambria Math" panose="02040503050406030204" pitchFamily="18" charset="0"/>
+                                <a:latin typeface="Cambria Math" charset="0"/>
                               </a:rPr>
                             </m:ctrlPr>
                           </m:sSubSupPr>
@@ -8291,7 +8367,7 @@
                             <m:endChr m:val="|"/>
                             <m:ctrlPr>
                               <a:rPr lang="en-US" b="1" i="1" smtClean="0">
-                                <a:latin typeface="Cambria Math" panose="02040503050406030204" pitchFamily="18" charset="0"/>
+                                <a:latin typeface="Cambria Math" charset="0"/>
                               </a:rPr>
                             </m:ctrlPr>
                           </m:dPr>
@@ -8302,7 +8378,7 @@
                                 <m:endChr m:val="|"/>
                                 <m:ctrlPr>
                                   <a:rPr lang="en-US" b="1" i="1" smtClean="0">
-                                    <a:latin typeface="Cambria Math" panose="02040503050406030204" pitchFamily="18" charset="0"/>
+                                    <a:latin typeface="Cambria Math" charset="0"/>
                                   </a:rPr>
                                 </m:ctrlPr>
                               </m:dPr>
@@ -8311,7 +8387,7 @@
                                   <m:sSubPr>
                                     <m:ctrlPr>
                                       <a:rPr lang="en-US" b="1" i="1" smtClean="0">
-                                        <a:latin typeface="Cambria Math" panose="02040503050406030204" pitchFamily="18" charset="0"/>
+                                        <a:latin typeface="Cambria Math" charset="0"/>
                                       </a:rPr>
                                     </m:ctrlPr>
                                   </m:sSubPr>
@@ -8348,7 +8424,7 @@
                             <m:endChr m:val="|"/>
                             <m:ctrlPr>
                               <a:rPr lang="en-US" b="1" i="1" smtClean="0">
-                                <a:latin typeface="Cambria Math" panose="02040503050406030204" pitchFamily="18" charset="0"/>
+                                <a:latin typeface="Cambria Math" charset="0"/>
                               </a:rPr>
                             </m:ctrlPr>
                           </m:dPr>
@@ -8359,7 +8435,7 @@
                                 <m:endChr m:val="|"/>
                                 <m:ctrlPr>
                                   <a:rPr lang="en-US" b="1" i="1" smtClean="0">
-                                    <a:latin typeface="Cambria Math" panose="02040503050406030204" pitchFamily="18" charset="0"/>
+                                    <a:latin typeface="Cambria Math" charset="0"/>
                                   </a:rPr>
                                 </m:ctrlPr>
                               </m:dPr>
@@ -8368,7 +8444,7 @@
                                   <m:sSubPr>
                                     <m:ctrlPr>
                                       <a:rPr lang="en-US" b="1" i="1" smtClean="0">
-                                        <a:latin typeface="Cambria Math" panose="02040503050406030204" pitchFamily="18" charset="0"/>
+                                        <a:latin typeface="Cambria Math" charset="0"/>
                                       </a:rPr>
                                     </m:ctrlPr>
                                   </m:sSubPr>
@@ -8453,7 +8529,7 @@
                       <m:fPr>
                         <m:ctrlPr>
                           <a:rPr lang="en-US" b="1" i="1">
-                            <a:latin typeface="Cambria Math" panose="02040503050406030204" pitchFamily="18" charset="0"/>
+                            <a:latin typeface="Cambria Math" charset="0"/>
                           </a:rPr>
                         </m:ctrlPr>
                       </m:fPr>
@@ -8462,7 +8538,7 @@
                           <m:sSubPr>
                             <m:ctrlPr>
                               <a:rPr lang="en-US" b="1" i="1">
-                                <a:latin typeface="Cambria Math" panose="02040503050406030204" pitchFamily="18" charset="0"/>
+                                <a:latin typeface="Cambria Math" charset="0"/>
                               </a:rPr>
                             </m:ctrlPr>
                           </m:sSubPr>
@@ -8493,7 +8569,7 @@
                           <m:sSubSupPr>
                             <m:ctrlPr>
                               <a:rPr lang="en-US" b="1" i="1">
-                                <a:latin typeface="Cambria Math" panose="02040503050406030204" pitchFamily="18" charset="0"/>
+                                <a:latin typeface="Cambria Math" charset="0"/>
                               </a:rPr>
                             </m:ctrlPr>
                           </m:sSubSupPr>
@@ -8530,7 +8606,7 @@
                             <m:endChr m:val="|"/>
                             <m:ctrlPr>
                               <a:rPr lang="en-US" b="1" i="1">
-                                <a:latin typeface="Cambria Math" panose="02040503050406030204" pitchFamily="18" charset="0"/>
+                                <a:latin typeface="Cambria Math" charset="0"/>
                               </a:rPr>
                             </m:ctrlPr>
                           </m:dPr>
@@ -8541,7 +8617,7 @@
                                 <m:endChr m:val="|"/>
                                 <m:ctrlPr>
                                   <a:rPr lang="en-US" b="1" i="1">
-                                    <a:latin typeface="Cambria Math" panose="02040503050406030204" pitchFamily="18" charset="0"/>
+                                    <a:latin typeface="Cambria Math" charset="0"/>
                                   </a:rPr>
                                 </m:ctrlPr>
                               </m:dPr>
@@ -8550,7 +8626,7 @@
                                   <m:sSubPr>
                                     <m:ctrlPr>
                                       <a:rPr lang="en-US" b="1" i="1">
-                                        <a:latin typeface="Cambria Math" panose="02040503050406030204" pitchFamily="18" charset="0"/>
+                                        <a:latin typeface="Cambria Math" charset="0"/>
                                       </a:rPr>
                                     </m:ctrlPr>
                                   </m:sSubPr>
@@ -8587,7 +8663,7 @@
                             <m:endChr m:val="|"/>
                             <m:ctrlPr>
                               <a:rPr lang="en-US" b="1" i="1">
-                                <a:latin typeface="Cambria Math" panose="02040503050406030204" pitchFamily="18" charset="0"/>
+                                <a:latin typeface="Cambria Math" charset="0"/>
                               </a:rPr>
                             </m:ctrlPr>
                           </m:dPr>
@@ -8598,7 +8674,7 @@
                                 <m:endChr m:val="|"/>
                                 <m:ctrlPr>
                                   <a:rPr lang="en-US" b="1" i="1">
-                                    <a:latin typeface="Cambria Math" panose="02040503050406030204" pitchFamily="18" charset="0"/>
+                                    <a:latin typeface="Cambria Math" charset="0"/>
                                   </a:rPr>
                                 </m:ctrlPr>
                               </m:dPr>
@@ -8607,7 +8683,7 @@
                                   <m:sSubPr>
                                     <m:ctrlPr>
                                       <a:rPr lang="en-US" b="1" i="1">
-                                        <a:latin typeface="Cambria Math" panose="02040503050406030204" pitchFamily="18" charset="0"/>
+                                        <a:latin typeface="Cambria Math" charset="0"/>
                                       </a:rPr>
                                     </m:ctrlPr>
                                   </m:sSubPr>
@@ -8641,7 +8717,7 @@
             </p:txBody>
           </p:sp>
         </mc:Choice>
-        <mc:Fallback xmlns="">
+        <mc:Fallback>
           <p:sp>
             <p:nvSpPr>
               <p:cNvPr id="15" name="TextBox 14"/>
@@ -8652,7 +8728,7 @@
             </p:nvSpPr>
             <p:spPr>
               <a:xfrm>
-                <a:off x="4362304" y="2374749"/>
+                <a:off x="4270901" y="2069949"/>
                 <a:ext cx="4664739" cy="1986569"/>
               </a:xfrm>
               <a:prstGeom prst="rect">
@@ -8670,7 +8746,7 @@
               <a:lstStyle/>
               <a:p>
                 <a:r>
-                  <a:rPr lang="en-SG">
+                  <a:rPr lang="en-US">
                     <a:noFill/>
                   </a:rPr>
                   <a:t> </a:t>
@@ -8688,7 +8764,7 @@
         </p:nvSpPr>
         <p:spPr>
           <a:xfrm>
-            <a:off x="1839124" y="4895120"/>
+            <a:off x="1899408" y="4740633"/>
             <a:ext cx="5753498" cy="523220"/>
           </a:xfrm>
           <a:prstGeom prst="rect">
@@ -8709,6 +8785,131 @@
               <a:t>MIPS is not the same as classical NNS</a:t>
             </a:r>
             <a:endParaRPr lang="en-US" sz="2800" dirty="0">
+              <a:latin typeface="Times" charset="0"/>
+              <a:ea typeface="Times" charset="0"/>
+              <a:cs typeface="Times" charset="0"/>
+            </a:endParaRPr>
+          </a:p>
+        </p:txBody>
+      </p:sp>
+      <p:sp>
+        <p:nvSpPr>
+          <p:cNvPr id="16" name="Rectangle 15"/>
+          <p:cNvSpPr/>
+          <p:nvPr/>
+        </p:nvSpPr>
+        <p:spPr>
+          <a:xfrm>
+            <a:off x="1174113" y="5331105"/>
+            <a:ext cx="7204088" cy="400110"/>
+          </a:xfrm>
+          <a:prstGeom prst="rect">
+            <a:avLst/>
+          </a:prstGeom>
+        </p:spPr>
+        <p:txBody>
+          <a:bodyPr wrap="none">
+            <a:spAutoFit/>
+          </a:bodyPr>
+          <a:lstStyle/>
+          <a:p>
+            <a:r>
+              <a:rPr lang="en-US" sz="2000" dirty="0" smtClean="0">
+                <a:latin typeface="Times New Roman" panose="02020603050405020304" pitchFamily="18" charset="0"/>
+                <a:cs typeface="Times New Roman" panose="02020603050405020304" pitchFamily="18" charset="0"/>
+              </a:rPr>
+              <a:t>(This picture is taken from (*) </a:t>
+            </a:r>
+            <a:r>
+              <a:rPr lang="en-US" sz="1600" dirty="0" smtClean="0"/>
+              <a:t>Le</a:t>
+            </a:r>
+            <a:r>
+              <a:rPr lang="en-US" sz="1600" dirty="0"/>
+              <a:t>, D. D., &amp; </a:t>
+            </a:r>
+            <a:r>
+              <a:rPr lang="en-US" sz="1600" dirty="0" err="1"/>
+              <a:t>Lauw</a:t>
+            </a:r>
+            <a:r>
+              <a:rPr lang="en-US" sz="1600" dirty="0"/>
+              <a:t>, H. W. (2017, November</a:t>
+            </a:r>
+            <a:r>
+              <a:rPr lang="en-US" sz="1600" dirty="0" smtClean="0"/>
+              <a:t>)</a:t>
+            </a:r>
+            <a:endParaRPr lang="en-US" sz="1600" dirty="0">
+              <a:latin typeface="Times" charset="0"/>
+              <a:ea typeface="Times" charset="0"/>
+              <a:cs typeface="Times" charset="0"/>
+            </a:endParaRPr>
+          </a:p>
+        </p:txBody>
+      </p:sp>
+      <p:sp>
+        <p:nvSpPr>
+          <p:cNvPr id="2" name="Rectangle 1"/>
+          <p:cNvSpPr/>
+          <p:nvPr/>
+        </p:nvSpPr>
+        <p:spPr>
+          <a:xfrm>
+            <a:off x="1174113" y="6333080"/>
+            <a:ext cx="7347229" cy="400110"/>
+          </a:xfrm>
+          <a:prstGeom prst="rect">
+            <a:avLst/>
+          </a:prstGeom>
+        </p:spPr>
+        <p:txBody>
+          <a:bodyPr wrap="square">
+            <a:spAutoFit/>
+          </a:bodyPr>
+          <a:lstStyle/>
+          <a:p>
+            <a:r>
+              <a:rPr lang="en-US" sz="1000" dirty="0" smtClean="0"/>
+              <a:t>(*) Le</a:t>
+            </a:r>
+            <a:r>
+              <a:rPr lang="en-US" sz="1000" dirty="0"/>
+              <a:t>, D. D., &amp; </a:t>
+            </a:r>
+            <a:r>
+              <a:rPr lang="en-US" sz="1000" dirty="0" err="1"/>
+              <a:t>Lauw</a:t>
+            </a:r>
+            <a:r>
+              <a:rPr lang="en-US" sz="1000" dirty="0"/>
+              <a:t>, H. W. (2017, November). </a:t>
+            </a:r>
+            <a:r>
+              <a:rPr lang="en-US" sz="1000" dirty="0" err="1"/>
+              <a:t>Indexable</a:t>
+            </a:r>
+            <a:r>
+              <a:rPr lang="en-US" sz="1000" dirty="0"/>
+              <a:t> Bayesian personalized ranking for efficient top-k recommendation. </a:t>
+            </a:r>
+            <a:r>
+              <a:rPr lang="en-US" sz="1000" dirty="0" smtClean="0"/>
+              <a:t>In</a:t>
+            </a:r>
+            <a:r>
+              <a:rPr lang="en-US" sz="1000" dirty="0"/>
+              <a:t> </a:t>
+            </a:r>
+            <a:r>
+              <a:rPr lang="en-US" sz="1000" i="1" dirty="0"/>
+              <a:t>Proceedings of the 2017 ACM on Conference on Information and Knowledge Management</a:t>
+            </a:r>
+            <a:r>
+              <a:rPr lang="en-US" sz="1000" dirty="0"/>
+              <a:t> (pp. 1389-1398). ACM.</a:t>
+            </a:r>
+            <a:endParaRPr lang="en-US" sz="1000" dirty="0">
               <a:latin typeface="Times" charset="0"/>
               <a:ea typeface="Times" charset="0"/>
               <a:cs typeface="Times" charset="0"/>
@@ -8765,8 +8966,8 @@
         </p:nvSpPr>
         <p:spPr>
           <a:xfrm>
-            <a:off x="76200" y="-17621"/>
-            <a:ext cx="7315200" cy="1077218"/>
+            <a:off x="76200" y="228600"/>
+            <a:ext cx="7315200" cy="584775"/>
           </a:xfrm>
         </p:spPr>
         <p:txBody>
@@ -8775,7 +8976,15 @@
           <a:p>
             <a:r>
               <a:rPr lang="en-US" dirty="0" smtClean="0"/>
-              <a:t>Idea 1: Post-processing for Approximate MIPS </a:t>
+              <a:t>Idea 1: Asymmetric LSH </a:t>
+            </a:r>
+            <a:r>
+              <a:rPr lang="en-US" dirty="0" smtClean="0"/>
+              <a:t>for </a:t>
+            </a:r>
+            <a:r>
+              <a:rPr lang="en-US" dirty="0" smtClean="0"/>
+              <a:t>MIPS </a:t>
             </a:r>
             <a:endParaRPr lang="en-US" dirty="0"/>
           </a:p>
@@ -8852,8 +9061,8 @@
         </p:blipFill>
         <p:spPr>
           <a:xfrm>
-            <a:off x="1219200" y="2133600"/>
-            <a:ext cx="6817659" cy="3040740"/>
+            <a:off x="914400" y="1981200"/>
+            <a:ext cx="7517330" cy="3352800"/>
           </a:xfrm>
           <a:prstGeom prst="rect">
             <a:avLst/>
@@ -8909,8 +9118,8 @@
         </p:nvSpPr>
         <p:spPr>
           <a:xfrm>
-            <a:off x="76200" y="-17621"/>
-            <a:ext cx="7315200" cy="1077218"/>
+            <a:off x="76200" y="228600"/>
+            <a:ext cx="7315200" cy="584775"/>
           </a:xfrm>
         </p:spPr>
         <p:txBody>
@@ -8918,9 +9127,22 @@
           <a:lstStyle/>
           <a:p>
             <a:r>
+              <a:rPr lang="en-US" dirty="0" smtClean="0"/>
+              <a:t>LSH </a:t>
+            </a:r>
+            <a:r>
               <a:rPr lang="en-US" dirty="0"/>
-              <a:t>Idea 1: Post-processing for Approximate MIPS </a:t>
-            </a:r>
+              <a:t>for </a:t>
+            </a:r>
+            <a:r>
+              <a:rPr lang="en-US" dirty="0" smtClean="0"/>
+              <a:t>Top-K Recommendations</a:t>
+            </a:r>
+            <a:r>
+              <a:rPr lang="en-US" dirty="0" smtClean="0"/>
+              <a:t> </a:t>
+            </a:r>
+            <a:endParaRPr lang="en-US" dirty="0"/>
           </a:p>
         </p:txBody>
       </p:sp>
@@ -9322,7 +9544,7 @@
                               <a:effectLst/>
                               <a:uLnTx/>
                               <a:uFillTx/>
-                              <a:latin typeface="Cambria Math" panose="02040503050406030204" pitchFamily="18" charset="0"/>
+                              <a:latin typeface="Cambria Math" charset="0"/>
                               <a:ea typeface="+mn-ea"/>
                               <a:cs typeface="+mn-cs"/>
                             </a:rPr>
@@ -9528,7 +9750,7 @@
                               <a:solidFill>
                                 <a:prstClr val="black"/>
                               </a:solidFill>
-                              <a:latin typeface="Cambria Math" panose="02040503050406030204" pitchFamily="18" charset="0"/>
+                              <a:latin typeface="Cambria Math" charset="0"/>
                             </a:rPr>
                           </m:ctrlPr>
                         </m:sSubPr>
@@ -11519,7 +11741,7 @@
                                 <a:effectLst/>
                                 <a:uLnTx/>
                                 <a:uFillTx/>
-                                <a:latin typeface="Cambria Math" panose="02040503050406030204" pitchFamily="18" charset="0"/>
+                                <a:latin typeface="Cambria Math" charset="0"/>
                                 <a:ea typeface="+mn-ea"/>
                                 <a:cs typeface="+mn-cs"/>
                               </a:rPr>
@@ -11671,7 +11893,7 @@
                               <a:solidFill>
                                 <a:prstClr val="black"/>
                               </a:solidFill>
-                              <a:latin typeface="Cambria Math" panose="02040503050406030204" pitchFamily="18" charset="0"/>
+                              <a:latin typeface="Cambria Math" charset="0"/>
                             </a:rPr>
                           </m:ctrlPr>
                         </m:sSubPr>
@@ -11918,8 +12140,8 @@
         </p:nvSpPr>
         <p:spPr>
           <a:xfrm>
-            <a:off x="76200" y="-17621"/>
-            <a:ext cx="7315200" cy="1077218"/>
+            <a:off x="76200" y="228600"/>
+            <a:ext cx="7772400" cy="584775"/>
           </a:xfrm>
         </p:spPr>
         <p:txBody>
@@ -11927,9 +12149,10 @@
           <a:lstStyle/>
           <a:p>
             <a:r>
-              <a:rPr lang="en-US" dirty="0"/>
-              <a:t>Idea 1: Post-processing for Approximate MIPS </a:t>
-            </a:r>
+              <a:rPr lang="en-US" dirty="0" smtClean="0"/>
+              <a:t>Idea: Vector Augmentation </a:t>
+            </a:r>
+            <a:endParaRPr lang="en-US" dirty="0"/>
           </a:p>
         </p:txBody>
       </p:sp>
@@ -12252,7 +12475,7 @@
                         <m:sSupPr>
                           <m:ctrlPr>
                             <a:rPr lang="en-US" b="0" i="1" dirty="0" smtClean="0">
-                              <a:latin typeface="Cambria Math" panose="02040503050406030204" pitchFamily="18" charset="0"/>
+                              <a:latin typeface="Cambria Math" charset="0"/>
                             </a:rPr>
                           </m:ctrlPr>
                         </m:sSupPr>
@@ -12710,7 +12933,7 @@
                           <m:endChr m:val="|"/>
                           <m:ctrlPr>
                             <a:rPr lang="en-US" sz="2400" b="0" i="1" smtClean="0">
-                              <a:latin typeface="Cambria Math" panose="02040503050406030204" pitchFamily="18" charset="0"/>
+                              <a:latin typeface="Cambria Math" charset="0"/>
                               <a:cs typeface="Times New Roman" panose="02020603050405020304" pitchFamily="18" charset="0"/>
                             </a:rPr>
                           </m:ctrlPr>
@@ -12722,7 +12945,7 @@
                               <m:endChr m:val="|"/>
                               <m:ctrlPr>
                                 <a:rPr lang="en-US" sz="2400" b="0" i="1" smtClean="0">
-                                  <a:latin typeface="Cambria Math" panose="02040503050406030204" pitchFamily="18" charset="0"/>
+                                  <a:latin typeface="Cambria Math" charset="0"/>
                                   <a:cs typeface="Times New Roman" panose="02020603050405020304" pitchFamily="18" charset="0"/>
                                 </a:rPr>
                               </m:ctrlPr>
@@ -12732,7 +12955,7 @@
                                 <m:sSubPr>
                                   <m:ctrlPr>
                                     <a:rPr lang="en-US" sz="2400" b="0" i="1" smtClean="0">
-                                      <a:latin typeface="Cambria Math" panose="02040503050406030204" pitchFamily="18" charset="0"/>
+                                      <a:latin typeface="Cambria Math" charset="0"/>
                                       <a:cs typeface="Times New Roman" panose="02020603050405020304" pitchFamily="18" charset="0"/>
                                     </a:rPr>
                                   </m:ctrlPr>
@@ -12771,7 +12994,7 @@
                         <m:sSubPr>
                           <m:ctrlPr>
                             <a:rPr lang="en-US" sz="2400" b="0" i="1" smtClean="0">
-                              <a:latin typeface="Cambria Math" panose="02040503050406030204" pitchFamily="18" charset="0"/>
+                              <a:latin typeface="Cambria Math" charset="0"/>
                               <a:cs typeface="Times New Roman" panose="02020603050405020304" pitchFamily="18" charset="0"/>
                             </a:rPr>
                           </m:ctrlPr>
@@ -13085,7 +13308,7 @@
                         <m:dPr>
                           <m:ctrlPr>
                             <a:rPr lang="en-US" b="0" i="1" kern="0" smtClean="0">
-                              <a:latin typeface="Cambria Math" panose="02040503050406030204" pitchFamily="18" charset="0"/>
+                              <a:latin typeface="Cambria Math" charset="0"/>
                               <a:cs typeface="Times New Roman" panose="02020603050405020304" pitchFamily="18" charset="0"/>
                             </a:rPr>
                           </m:ctrlPr>
@@ -13095,7 +13318,7 @@
                             <m:sSubPr>
                               <m:ctrlPr>
                                 <a:rPr lang="en-US" b="0" i="1" kern="0" smtClean="0">
-                                  <a:latin typeface="Cambria Math" panose="02040503050406030204" pitchFamily="18" charset="0"/>
+                                  <a:latin typeface="Cambria Math" charset="0"/>
                                   <a:cs typeface="Times New Roman" panose="02020603050405020304" pitchFamily="18" charset="0"/>
                                 </a:rPr>
                               </m:ctrlPr>
@@ -13134,7 +13357,7 @@
                           <m:endChr m:val="]"/>
                           <m:ctrlPr>
                             <a:rPr lang="en-US" b="0" i="1" kern="0" smtClean="0">
-                              <a:latin typeface="Cambria Math" panose="02040503050406030204" pitchFamily="18" charset="0"/>
+                              <a:latin typeface="Cambria Math" charset="0"/>
                               <a:cs typeface="Times New Roman" panose="02020603050405020304" pitchFamily="18" charset="0"/>
                             </a:rPr>
                           </m:ctrlPr>
@@ -13144,7 +13367,7 @@
                             <m:sSubPr>
                               <m:ctrlPr>
                                 <a:rPr lang="en-US" b="0" i="1" kern="0" smtClean="0">
-                                  <a:latin typeface="Cambria Math" panose="02040503050406030204" pitchFamily="18" charset="0"/>
+                                  <a:latin typeface="Cambria Math" charset="0"/>
                                   <a:cs typeface="Times New Roman" panose="02020603050405020304" pitchFamily="18" charset="0"/>
                                 </a:rPr>
                               </m:ctrlPr>
@@ -13179,7 +13402,7 @@
                             <m:sSupPr>
                               <m:ctrlPr>
                                 <a:rPr lang="en-US" b="0" i="1" kern="0" smtClean="0">
-                                  <a:latin typeface="Cambria Math" panose="02040503050406030204" pitchFamily="18" charset="0"/>
+                                  <a:latin typeface="Cambria Math" charset="0"/>
                                   <a:cs typeface="Times New Roman" panose="02020603050405020304" pitchFamily="18" charset="0"/>
                                 </a:rPr>
                               </m:ctrlPr>
@@ -13191,7 +13414,7 @@
                                   <m:endChr m:val="|"/>
                                   <m:ctrlPr>
                                     <a:rPr lang="en-US" i="1">
-                                      <a:latin typeface="Cambria Math" panose="02040503050406030204" pitchFamily="18" charset="0"/>
+                                      <a:latin typeface="Cambria Math" charset="0"/>
                                       <a:cs typeface="Times New Roman" panose="02020603050405020304" pitchFamily="18" charset="0"/>
                                     </a:rPr>
                                   </m:ctrlPr>
@@ -13203,7 +13426,7 @@
                                       <m:endChr m:val="|"/>
                                       <m:ctrlPr>
                                         <a:rPr lang="en-US" i="1">
-                                          <a:latin typeface="Cambria Math" panose="02040503050406030204" pitchFamily="18" charset="0"/>
+                                          <a:latin typeface="Cambria Math" charset="0"/>
                                           <a:cs typeface="Times New Roman" panose="02020603050405020304" pitchFamily="18" charset="0"/>
                                         </a:rPr>
                                       </m:ctrlPr>
@@ -13213,7 +13436,7 @@
                                         <m:sSubPr>
                                           <m:ctrlPr>
                                             <a:rPr lang="en-US" i="1">
-                                              <a:latin typeface="Cambria Math" panose="02040503050406030204" pitchFamily="18" charset="0"/>
+                                              <a:latin typeface="Cambria Math" charset="0"/>
                                               <a:cs typeface="Times New Roman" panose="02020603050405020304" pitchFamily="18" charset="0"/>
                                             </a:rPr>
                                           </m:ctrlPr>
@@ -13263,7 +13486,7 @@
                             <m:sSupPr>
                               <m:ctrlPr>
                                 <a:rPr lang="en-US" b="0" i="1" smtClean="0">
-                                  <a:latin typeface="Cambria Math" panose="02040503050406030204" pitchFamily="18" charset="0"/>
+                                  <a:latin typeface="Cambria Math" charset="0"/>
                                   <a:cs typeface="Times New Roman" panose="02020603050405020304" pitchFamily="18" charset="0"/>
                                 </a:rPr>
                               </m:ctrlPr>
@@ -13275,7 +13498,7 @@
                                   <m:endChr m:val="|"/>
                                   <m:ctrlPr>
                                     <a:rPr lang="en-US" i="1">
-                                      <a:latin typeface="Cambria Math" panose="02040503050406030204" pitchFamily="18" charset="0"/>
+                                      <a:latin typeface="Cambria Math" charset="0"/>
                                       <a:cs typeface="Times New Roman" panose="02020603050405020304" pitchFamily="18" charset="0"/>
                                     </a:rPr>
                                   </m:ctrlPr>
@@ -13287,7 +13510,7 @@
                                       <m:endChr m:val="|"/>
                                       <m:ctrlPr>
                                         <a:rPr lang="en-US" i="1">
-                                          <a:latin typeface="Cambria Math" panose="02040503050406030204" pitchFamily="18" charset="0"/>
+                                          <a:latin typeface="Cambria Math" charset="0"/>
                                           <a:cs typeface="Times New Roman" panose="02020603050405020304" pitchFamily="18" charset="0"/>
                                         </a:rPr>
                                       </m:ctrlPr>
@@ -13297,7 +13520,7 @@
                                         <m:sSubPr>
                                           <m:ctrlPr>
                                             <a:rPr lang="en-US" i="1">
-                                              <a:latin typeface="Cambria Math" panose="02040503050406030204" pitchFamily="18" charset="0"/>
+                                              <a:latin typeface="Cambria Math" charset="0"/>
                                               <a:cs typeface="Times New Roman" panose="02020603050405020304" pitchFamily="18" charset="0"/>
                                             </a:rPr>
                                           </m:ctrlPr>
@@ -13347,7 +13570,7 @@
                             <m:sSupPr>
                               <m:ctrlPr>
                                 <a:rPr lang="en-US" b="0" i="1" smtClean="0">
-                                  <a:latin typeface="Cambria Math" panose="02040503050406030204" pitchFamily="18" charset="0"/>
+                                  <a:latin typeface="Cambria Math" charset="0"/>
                                   <a:cs typeface="Times New Roman" panose="02020603050405020304" pitchFamily="18" charset="0"/>
                                 </a:rPr>
                               </m:ctrlPr>
@@ -13359,7 +13582,7 @@
                                   <m:endChr m:val="|"/>
                                   <m:ctrlPr>
                                     <a:rPr lang="en-US" i="1">
-                                      <a:latin typeface="Cambria Math" panose="02040503050406030204" pitchFamily="18" charset="0"/>
+                                      <a:latin typeface="Cambria Math" charset="0"/>
                                       <a:cs typeface="Times New Roman" panose="02020603050405020304" pitchFamily="18" charset="0"/>
                                     </a:rPr>
                                   </m:ctrlPr>
@@ -13371,7 +13594,7 @@
                                       <m:endChr m:val="|"/>
                                       <m:ctrlPr>
                                         <a:rPr lang="en-US" i="1">
-                                          <a:latin typeface="Cambria Math" panose="02040503050406030204" pitchFamily="18" charset="0"/>
+                                          <a:latin typeface="Cambria Math" charset="0"/>
                                           <a:cs typeface="Times New Roman" panose="02020603050405020304" pitchFamily="18" charset="0"/>
                                         </a:rPr>
                                       </m:ctrlPr>
@@ -13381,7 +13604,7 @@
                                         <m:sSubPr>
                                           <m:ctrlPr>
                                             <a:rPr lang="en-US" i="1">
-                                              <a:latin typeface="Cambria Math" panose="02040503050406030204" pitchFamily="18" charset="0"/>
+                                              <a:latin typeface="Cambria Math" charset="0"/>
                                               <a:cs typeface="Times New Roman" panose="02020603050405020304" pitchFamily="18" charset="0"/>
                                             </a:rPr>
                                           </m:ctrlPr>
@@ -13415,7 +13638,7 @@
                                 <m:sSupPr>
                                   <m:ctrlPr>
                                     <a:rPr lang="en-US" b="0" i="1" smtClean="0">
-                                      <a:latin typeface="Cambria Math" panose="02040503050406030204" pitchFamily="18" charset="0"/>
+                                      <a:latin typeface="Cambria Math" charset="0"/>
                                       <a:cs typeface="Times New Roman" panose="02020603050405020304" pitchFamily="18" charset="0"/>
                                     </a:rPr>
                                   </m:ctrlPr>
@@ -13752,7 +13975,7 @@
                         <m:dPr>
                           <m:ctrlPr>
                             <a:rPr lang="en-US" b="0" i="1" kern="0" smtClean="0">
-                              <a:latin typeface="Cambria Math" panose="02040503050406030204" pitchFamily="18" charset="0"/>
+                              <a:latin typeface="Cambria Math" charset="0"/>
                               <a:cs typeface="Times New Roman" panose="02020603050405020304" pitchFamily="18" charset="0"/>
                             </a:rPr>
                           </m:ctrlPr>
@@ -13762,7 +13985,7 @@
                             <m:sSubPr>
                               <m:ctrlPr>
                                 <a:rPr lang="en-US" b="0" i="1" kern="0" smtClean="0">
-                                  <a:latin typeface="Cambria Math" panose="02040503050406030204" pitchFamily="18" charset="0"/>
+                                  <a:latin typeface="Cambria Math" charset="0"/>
                                   <a:cs typeface="Times New Roman" panose="02020603050405020304" pitchFamily="18" charset="0"/>
                                 </a:rPr>
                               </m:ctrlPr>
@@ -13801,7 +14024,7 @@
                           <m:endChr m:val="]"/>
                           <m:ctrlPr>
                             <a:rPr lang="en-US" b="0" i="1" kern="0" smtClean="0">
-                              <a:latin typeface="Cambria Math" panose="02040503050406030204" pitchFamily="18" charset="0"/>
+                              <a:latin typeface="Cambria Math" charset="0"/>
                               <a:cs typeface="Times New Roman" panose="02020603050405020304" pitchFamily="18" charset="0"/>
                             </a:rPr>
                           </m:ctrlPr>
@@ -13811,7 +14034,7 @@
                             <m:sSubPr>
                               <m:ctrlPr>
                                 <a:rPr lang="en-US" b="0" i="1" kern="0" smtClean="0">
-                                  <a:latin typeface="Cambria Math" panose="02040503050406030204" pitchFamily="18" charset="0"/>
+                                  <a:latin typeface="Cambria Math" charset="0"/>
                                   <a:cs typeface="Times New Roman" panose="02020603050405020304" pitchFamily="18" charset="0"/>
                                 </a:rPr>
                               </m:ctrlPr>
@@ -13846,7 +14069,7 @@
                             <m:fPr>
                               <m:ctrlPr>
                                 <a:rPr lang="en-US" b="0" i="1" kern="0" smtClean="0">
-                                  <a:latin typeface="Cambria Math" panose="02040503050406030204" pitchFamily="18" charset="0"/>
+                                  <a:latin typeface="Cambria Math" charset="0"/>
                                   <a:cs typeface="Times New Roman" panose="02020603050405020304" pitchFamily="18" charset="0"/>
                                 </a:rPr>
                               </m:ctrlPr>
@@ -13881,7 +14104,7 @@
                             <m:fPr>
                               <m:ctrlPr>
                                 <a:rPr lang="en-US" b="0" i="1" kern="0" smtClean="0">
-                                  <a:latin typeface="Cambria Math" panose="02040503050406030204" pitchFamily="18" charset="0"/>
+                                  <a:latin typeface="Cambria Math" charset="0"/>
                                   <a:cs typeface="Times New Roman" panose="02020603050405020304" pitchFamily="18" charset="0"/>
                                 </a:rPr>
                               </m:ctrlPr>
@@ -13916,7 +14139,7 @@
                             <m:fPr>
                               <m:ctrlPr>
                                 <a:rPr lang="en-US" b="0" i="1" smtClean="0">
-                                  <a:latin typeface="Cambria Math" panose="02040503050406030204" pitchFamily="18" charset="0"/>
+                                  <a:latin typeface="Cambria Math" charset="0"/>
                                   <a:cs typeface="Times New Roman" panose="02020603050405020304" pitchFamily="18" charset="0"/>
                                 </a:rPr>
                               </m:ctrlPr>
@@ -14314,7 +14537,7 @@
                         <m:sSupPr>
                           <m:ctrlPr>
                             <a:rPr lang="en-US" sz="2400" b="0" i="1" kern="0" smtClean="0">
-                              <a:latin typeface="Cambria Math" panose="02040503050406030204" pitchFamily="18" charset="0"/>
+                              <a:latin typeface="Cambria Math" charset="0"/>
                               <a:cs typeface="Times New Roman" panose="02020603050405020304" pitchFamily="18" charset="0"/>
                             </a:rPr>
                           </m:ctrlPr>
@@ -14326,7 +14549,7 @@
                               <m:endChr m:val="|"/>
                               <m:ctrlPr>
                                 <a:rPr lang="en-US" sz="2400" i="1" kern="0" smtClean="0">
-                                  <a:latin typeface="Cambria Math" panose="02040503050406030204" pitchFamily="18" charset="0"/>
+                                  <a:latin typeface="Cambria Math" charset="0"/>
                                   <a:cs typeface="Times New Roman" panose="02020603050405020304" pitchFamily="18" charset="0"/>
                                 </a:rPr>
                               </m:ctrlPr>
@@ -14338,7 +14561,7 @@
                                   <m:endChr m:val="|"/>
                                   <m:ctrlPr>
                                     <a:rPr lang="en-US" sz="2400" i="1" kern="0" smtClean="0">
-                                      <a:latin typeface="Cambria Math" panose="02040503050406030204" pitchFamily="18" charset="0"/>
+                                      <a:latin typeface="Cambria Math" charset="0"/>
                                       <a:cs typeface="Times New Roman" panose="02020603050405020304" pitchFamily="18" charset="0"/>
                                     </a:rPr>
                                   </m:ctrlPr>
@@ -14355,7 +14578,7 @@
                                     <m:dPr>
                                       <m:ctrlPr>
                                         <a:rPr lang="en-US" sz="2400" b="0" i="1" kern="0" smtClean="0">
-                                          <a:latin typeface="Cambria Math" panose="02040503050406030204" pitchFamily="18" charset="0"/>
+                                          <a:latin typeface="Cambria Math" charset="0"/>
                                           <a:cs typeface="Times New Roman" panose="02020603050405020304" pitchFamily="18" charset="0"/>
                                         </a:rPr>
                                       </m:ctrlPr>
@@ -14365,7 +14588,7 @@
                                         <m:sSubPr>
                                           <m:ctrlPr>
                                             <a:rPr lang="en-US" sz="2400" b="0" i="1" kern="0" smtClean="0">
-                                              <a:latin typeface="Cambria Math" panose="02040503050406030204" pitchFamily="18" charset="0"/>
+                                              <a:latin typeface="Cambria Math" charset="0"/>
                                               <a:cs typeface="Times New Roman" panose="02020603050405020304" pitchFamily="18" charset="0"/>
                                             </a:rPr>
                                           </m:ctrlPr>
@@ -14409,7 +14632,7 @@
                                     <m:dPr>
                                       <m:ctrlPr>
                                         <a:rPr lang="en-US" sz="2400" b="0" i="1" kern="0" smtClean="0">
-                                          <a:latin typeface="Cambria Math" panose="02040503050406030204" pitchFamily="18" charset="0"/>
+                                          <a:latin typeface="Cambria Math" charset="0"/>
                                           <a:cs typeface="Times New Roman" panose="02020603050405020304" pitchFamily="18" charset="0"/>
                                         </a:rPr>
                                       </m:ctrlPr>
@@ -14419,7 +14642,7 @@
                                         <m:sSubPr>
                                           <m:ctrlPr>
                                             <a:rPr lang="en-US" sz="2400" b="0" i="1" kern="0" smtClean="0">
-                                              <a:latin typeface="Cambria Math" panose="02040503050406030204" pitchFamily="18" charset="0"/>
+                                              <a:latin typeface="Cambria Math" charset="0"/>
                                               <a:cs typeface="Times New Roman" panose="02020603050405020304" pitchFamily="18" charset="0"/>
                                             </a:rPr>
                                           </m:ctrlPr>
@@ -14471,7 +14694,7 @@
                         <m:dPr>
                           <m:ctrlPr>
                             <a:rPr lang="en-US" sz="2400" b="0" i="1" kern="0" smtClean="0">
-                              <a:latin typeface="Cambria Math" panose="02040503050406030204" pitchFamily="18" charset="0"/>
+                              <a:latin typeface="Cambria Math" charset="0"/>
                               <a:cs typeface="Times New Roman" panose="02020603050405020304" pitchFamily="18" charset="0"/>
                             </a:rPr>
                           </m:ctrlPr>
@@ -14481,7 +14704,7 @@
                             <m:sSupPr>
                               <m:ctrlPr>
                                 <a:rPr lang="en-US" sz="2400" b="0" i="1" kern="0" smtClean="0">
-                                  <a:latin typeface="Cambria Math" panose="02040503050406030204" pitchFamily="18" charset="0"/>
+                                  <a:latin typeface="Cambria Math" charset="0"/>
                                   <a:cs typeface="Times New Roman" panose="02020603050405020304" pitchFamily="18" charset="0"/>
                                 </a:rPr>
                               </m:ctrlPr>
@@ -14493,7 +14716,7 @@
                                   <m:endChr m:val="|"/>
                                   <m:ctrlPr>
                                     <a:rPr lang="en-US" sz="2400" b="0" i="1" kern="0" smtClean="0">
-                                      <a:latin typeface="Cambria Math" panose="02040503050406030204" pitchFamily="18" charset="0"/>
+                                      <a:latin typeface="Cambria Math" charset="0"/>
                                       <a:cs typeface="Times New Roman" panose="02020603050405020304" pitchFamily="18" charset="0"/>
                                     </a:rPr>
                                   </m:ctrlPr>
@@ -14505,7 +14728,7 @@
                                       <m:endChr m:val="|"/>
                                       <m:ctrlPr>
                                         <a:rPr lang="en-US" sz="2400" b="0" i="1" kern="0" smtClean="0">
-                                          <a:latin typeface="Cambria Math" panose="02040503050406030204" pitchFamily="18" charset="0"/>
+                                          <a:latin typeface="Cambria Math" charset="0"/>
                                           <a:cs typeface="Times New Roman" panose="02020603050405020304" pitchFamily="18" charset="0"/>
                                         </a:rPr>
                                       </m:ctrlPr>
@@ -14515,7 +14738,7 @@
                                         <m:sSubPr>
                                           <m:ctrlPr>
                                             <a:rPr lang="en-US" sz="2400" b="0" i="1" kern="0" smtClean="0">
-                                              <a:latin typeface="Cambria Math" panose="02040503050406030204" pitchFamily="18" charset="0"/>
+                                              <a:latin typeface="Cambria Math" charset="0"/>
                                               <a:cs typeface="Times New Roman" panose="02020603050405020304" pitchFamily="18" charset="0"/>
                                             </a:rPr>
                                           </m:ctrlPr>
@@ -14565,7 +14788,7 @@
                             <m:fPr>
                               <m:ctrlPr>
                                 <a:rPr lang="en-US" sz="2400" b="0" i="1" kern="0" smtClean="0">
-                                  <a:latin typeface="Cambria Math" panose="02040503050406030204" pitchFamily="18" charset="0"/>
+                                  <a:latin typeface="Cambria Math" charset="0"/>
                                   <a:cs typeface="Times New Roman" panose="02020603050405020304" pitchFamily="18" charset="0"/>
                                 </a:rPr>
                               </m:ctrlPr>
@@ -14602,7 +14825,7 @@
                         <m:sSubSupPr>
                           <m:ctrlPr>
                             <a:rPr lang="en-US" sz="2400" b="0" i="1" kern="0" smtClean="0">
-                              <a:latin typeface="Cambria Math" panose="02040503050406030204" pitchFamily="18" charset="0"/>
+                              <a:latin typeface="Cambria Math" charset="0"/>
                               <a:cs typeface="Times New Roman" panose="02020603050405020304" pitchFamily="18" charset="0"/>
                             </a:rPr>
                           </m:ctrlPr>
@@ -14639,7 +14862,7 @@
                         <m:sSubPr>
                           <m:ctrlPr>
                             <a:rPr lang="en-US" sz="2400" b="0" i="1" kern="0" smtClean="0">
-                              <a:latin typeface="Cambria Math" panose="02040503050406030204" pitchFamily="18" charset="0"/>
+                              <a:latin typeface="Cambria Math" charset="0"/>
                               <a:cs typeface="Times New Roman" panose="02020603050405020304" pitchFamily="18" charset="0"/>
                             </a:rPr>
                           </m:ctrlPr>
@@ -14674,7 +14897,7 @@
                         <m:sSupPr>
                           <m:ctrlPr>
                             <a:rPr lang="en-US" sz="2400" b="0" i="1" kern="0" smtClean="0">
-                              <a:latin typeface="Cambria Math" panose="02040503050406030204" pitchFamily="18" charset="0"/>
+                              <a:latin typeface="Cambria Math" charset="0"/>
                               <a:cs typeface="Times New Roman" panose="02020603050405020304" pitchFamily="18" charset="0"/>
                             </a:rPr>
                           </m:ctrlPr>
@@ -14686,7 +14909,7 @@
                               <m:endChr m:val="|"/>
                               <m:ctrlPr>
                                 <a:rPr lang="en-US" sz="2400" b="0" i="1" kern="0" smtClean="0">
-                                  <a:latin typeface="Cambria Math" panose="02040503050406030204" pitchFamily="18" charset="0"/>
+                                  <a:latin typeface="Cambria Math" charset="0"/>
                                   <a:cs typeface="Times New Roman" panose="02020603050405020304" pitchFamily="18" charset="0"/>
                                 </a:rPr>
                               </m:ctrlPr>
@@ -14698,7 +14921,7 @@
                                   <m:endChr m:val="|"/>
                                   <m:ctrlPr>
                                     <a:rPr lang="en-US" sz="2400" b="0" i="1" kern="0" smtClean="0">
-                                      <a:latin typeface="Cambria Math" panose="02040503050406030204" pitchFamily="18" charset="0"/>
+                                      <a:latin typeface="Cambria Math" charset="0"/>
                                       <a:cs typeface="Times New Roman" panose="02020603050405020304" pitchFamily="18" charset="0"/>
                                     </a:rPr>
                                   </m:ctrlPr>
@@ -14708,7 +14931,7 @@
                                     <m:sSubPr>
                                       <m:ctrlPr>
                                         <a:rPr lang="en-US" sz="2400" b="0" i="1" kern="0" smtClean="0">
-                                          <a:latin typeface="Cambria Math" panose="02040503050406030204" pitchFamily="18" charset="0"/>
+                                          <a:latin typeface="Cambria Math" charset="0"/>
                                           <a:cs typeface="Times New Roman" panose="02020603050405020304" pitchFamily="18" charset="0"/>
                                         </a:rPr>
                                       </m:ctrlPr>
@@ -14742,7 +14965,7 @@
                             <m:sSupPr>
                               <m:ctrlPr>
                                 <a:rPr lang="en-US" sz="2400" b="0" i="1" kern="0" smtClean="0">
-                                  <a:latin typeface="Cambria Math" panose="02040503050406030204" pitchFamily="18" charset="0"/>
+                                  <a:latin typeface="Cambria Math" charset="0"/>
                                   <a:cs typeface="Times New Roman" panose="02020603050405020304" pitchFamily="18" charset="0"/>
                                 </a:rPr>
                               </m:ctrlPr>
@@ -15077,7 +15300,7 @@
                         <m:funcPr>
                           <m:ctrlPr>
                             <a:rPr lang="en-US" sz="2400" b="0" i="1" kern="0" smtClean="0">
-                              <a:latin typeface="Cambria Math" panose="02040503050406030204" pitchFamily="18" charset="0"/>
+                              <a:latin typeface="Cambria Math" charset="0"/>
                               <a:cs typeface="Times New Roman" panose="02020603050405020304" pitchFamily="18" charset="0"/>
                             </a:rPr>
                           </m:ctrlPr>
@@ -15099,7 +15322,7 @@
                             <m:funcPr>
                               <m:ctrlPr>
                                 <a:rPr lang="en-US" sz="2400" b="0" i="1" kern="0" smtClean="0">
-                                  <a:latin typeface="Cambria Math" panose="02040503050406030204" pitchFamily="18" charset="0"/>
+                                  <a:latin typeface="Cambria Math" charset="0"/>
                                   <a:cs typeface="Times New Roman" panose="02020603050405020304" pitchFamily="18" charset="0"/>
                                 </a:rPr>
                               </m:ctrlPr>
@@ -15109,7 +15332,7 @@
                                 <m:limLowPr>
                                   <m:ctrlPr>
                                     <a:rPr lang="en-US" sz="2400" b="0" i="1" kern="0" smtClean="0">
-                                      <a:latin typeface="Cambria Math" panose="02040503050406030204" pitchFamily="18" charset="0"/>
+                                      <a:latin typeface="Cambria Math" charset="0"/>
                                       <a:cs typeface="Times New Roman" panose="02020603050405020304" pitchFamily="18" charset="0"/>
                                     </a:rPr>
                                   </m:ctrlPr>
@@ -15170,7 +15393,7 @@
                                 <m:sSubSupPr>
                                   <m:ctrlPr>
                                     <a:rPr lang="en-US" sz="2400" b="0" i="1" kern="0" smtClean="0">
-                                      <a:latin typeface="Cambria Math" panose="02040503050406030204" pitchFamily="18" charset="0"/>
+                                      <a:latin typeface="Cambria Math" charset="0"/>
                                       <a:cs typeface="Times New Roman" panose="02020603050405020304" pitchFamily="18" charset="0"/>
                                     </a:rPr>
                                   </m:ctrlPr>
@@ -15207,7 +15430,7 @@
                                 <m:sSubPr>
                                   <m:ctrlPr>
                                     <a:rPr lang="en-US" sz="2400" b="0" i="1" kern="0" smtClean="0">
-                                      <a:latin typeface="Cambria Math" panose="02040503050406030204" pitchFamily="18" charset="0"/>
+                                      <a:latin typeface="Cambria Math" charset="0"/>
                                       <a:cs typeface="Times New Roman" panose="02020603050405020304" pitchFamily="18" charset="0"/>
                                     </a:rPr>
                                   </m:ctrlPr>
@@ -15242,7 +15465,7 @@
                                 <m:funcPr>
                                   <m:ctrlPr>
                                     <a:rPr lang="en-US" sz="2400" b="0" i="1" kern="0" smtClean="0">
-                                      <a:latin typeface="Cambria Math" panose="02040503050406030204" pitchFamily="18" charset="0"/>
+                                      <a:latin typeface="Cambria Math" charset="0"/>
                                       <a:cs typeface="Times New Roman" panose="02020603050405020304" pitchFamily="18" charset="0"/>
                                     </a:rPr>
                                   </m:ctrlPr>
@@ -15264,7 +15487,7 @@
                                     <m:funcPr>
                                       <m:ctrlPr>
                                         <a:rPr lang="en-US" sz="2400" b="0" i="1" kern="0" smtClean="0">
-                                          <a:latin typeface="Cambria Math" panose="02040503050406030204" pitchFamily="18" charset="0"/>
+                                          <a:latin typeface="Cambria Math" charset="0"/>
                                           <a:cs typeface="Times New Roman" panose="02020603050405020304" pitchFamily="18" charset="0"/>
                                         </a:rPr>
                                       </m:ctrlPr>
@@ -15274,7 +15497,7 @@
                                         <m:limLowPr>
                                           <m:ctrlPr>
                                             <a:rPr lang="en-US" sz="2400" b="0" i="1" kern="0" smtClean="0">
-                                              <a:latin typeface="Cambria Math" panose="02040503050406030204" pitchFamily="18" charset="0"/>
+                                              <a:latin typeface="Cambria Math" charset="0"/>
                                               <a:cs typeface="Times New Roman" panose="02020603050405020304" pitchFamily="18" charset="0"/>
                                             </a:rPr>
                                           </m:ctrlPr>
@@ -15337,7 +15560,7 @@
                                           <m:endChr m:val="|"/>
                                           <m:ctrlPr>
                                             <a:rPr lang="en-US" sz="2400" i="1" kern="0">
-                                              <a:latin typeface="Cambria Math" panose="02040503050406030204" pitchFamily="18" charset="0"/>
+                                              <a:latin typeface="Cambria Math" charset="0"/>
                                               <a:cs typeface="Times New Roman" panose="02020603050405020304" pitchFamily="18" charset="0"/>
                                             </a:rPr>
                                           </m:ctrlPr>
@@ -15349,7 +15572,7 @@
                                               <m:endChr m:val="|"/>
                                               <m:ctrlPr>
                                                 <a:rPr lang="en-US" sz="2400" i="1" kern="0">
-                                                  <a:latin typeface="Cambria Math" panose="02040503050406030204" pitchFamily="18" charset="0"/>
+                                                  <a:latin typeface="Cambria Math" charset="0"/>
                                                   <a:cs typeface="Times New Roman" panose="02020603050405020304" pitchFamily="18" charset="0"/>
                                                 </a:rPr>
                                               </m:ctrlPr>
@@ -15366,7 +15589,7 @@
                                                 <m:dPr>
                                                   <m:ctrlPr>
                                                     <a:rPr lang="en-US" sz="2400" i="1" kern="0">
-                                                      <a:latin typeface="Cambria Math" panose="02040503050406030204" pitchFamily="18" charset="0"/>
+                                                      <a:latin typeface="Cambria Math" charset="0"/>
                                                       <a:cs typeface="Times New Roman" panose="02020603050405020304" pitchFamily="18" charset="0"/>
                                                     </a:rPr>
                                                   </m:ctrlPr>
@@ -15376,7 +15599,7 @@
                                                     <m:sSubPr>
                                                       <m:ctrlPr>
                                                         <a:rPr lang="en-US" sz="2400" i="1" kern="0">
-                                                          <a:latin typeface="Cambria Math" panose="02040503050406030204" pitchFamily="18" charset="0"/>
+                                                          <a:latin typeface="Cambria Math" charset="0"/>
                                                           <a:cs typeface="Times New Roman" panose="02020603050405020304" pitchFamily="18" charset="0"/>
                                                         </a:rPr>
                                                       </m:ctrlPr>
@@ -15420,7 +15643,7 @@
                                                 <m:dPr>
                                                   <m:ctrlPr>
                                                     <a:rPr lang="en-US" sz="2400" i="1" kern="0">
-                                                      <a:latin typeface="Cambria Math" panose="02040503050406030204" pitchFamily="18" charset="0"/>
+                                                      <a:latin typeface="Cambria Math" charset="0"/>
                                                       <a:cs typeface="Times New Roman" panose="02020603050405020304" pitchFamily="18" charset="0"/>
                                                     </a:rPr>
                                                   </m:ctrlPr>
@@ -15430,7 +15653,7 @@
                                                     <m:sSubPr>
                                                       <m:ctrlPr>
                                                         <a:rPr lang="en-US" sz="2400" i="1" kern="0">
-                                                          <a:latin typeface="Cambria Math" panose="02040503050406030204" pitchFamily="18" charset="0"/>
+                                                          <a:latin typeface="Cambria Math" charset="0"/>
                                                           <a:cs typeface="Times New Roman" panose="02020603050405020304" pitchFamily="18" charset="0"/>
                                                         </a:rPr>
                                                       </m:ctrlPr>
@@ -15656,8 +15879,8 @@
         </p:nvSpPr>
         <p:spPr>
           <a:xfrm>
-            <a:off x="76200" y="-17621"/>
-            <a:ext cx="7315200" cy="1077218"/>
+            <a:off x="76200" y="228600"/>
+            <a:ext cx="7315200" cy="584775"/>
           </a:xfrm>
         </p:spPr>
         <p:txBody>
@@ -15666,8 +15889,9 @@
           <a:p>
             <a:r>
               <a:rPr lang="en-US" dirty="0"/>
-              <a:t>Idea 1: Post-processing for Approximate MIPS </a:t>
-            </a:r>
+              <a:t>Idea: Vector Augmentation </a:t>
+            </a:r>
+            <a:endParaRPr lang="en-US" dirty="0"/>
           </a:p>
         </p:txBody>
       </p:sp>
@@ -15990,7 +16214,7 @@
                         <m:sSupPr>
                           <m:ctrlPr>
                             <a:rPr lang="en-US" b="0" i="1" dirty="0" smtClean="0">
-                              <a:latin typeface="Cambria Math" panose="02040503050406030204" pitchFamily="18" charset="0"/>
+                              <a:latin typeface="Cambria Math" charset="0"/>
                             </a:rPr>
                           </m:ctrlPr>
                         </m:sSupPr>
@@ -16448,7 +16672,7 @@
                           <m:endChr m:val="|"/>
                           <m:ctrlPr>
                             <a:rPr lang="en-US" sz="2400" b="0" i="1" smtClean="0">
-                              <a:latin typeface="Cambria Math" panose="02040503050406030204" pitchFamily="18" charset="0"/>
+                              <a:latin typeface="Cambria Math" charset="0"/>
                               <a:cs typeface="Times New Roman" panose="02020603050405020304" pitchFamily="18" charset="0"/>
                             </a:rPr>
                           </m:ctrlPr>
@@ -16460,7 +16684,7 @@
                               <m:endChr m:val="|"/>
                               <m:ctrlPr>
                                 <a:rPr lang="en-US" sz="2400" b="0" i="1" smtClean="0">
-                                  <a:latin typeface="Cambria Math" panose="02040503050406030204" pitchFamily="18" charset="0"/>
+                                  <a:latin typeface="Cambria Math" charset="0"/>
                                   <a:cs typeface="Times New Roman" panose="02020603050405020304" pitchFamily="18" charset="0"/>
                                 </a:rPr>
                               </m:ctrlPr>
@@ -16470,7 +16694,7 @@
                                 <m:sSubPr>
                                   <m:ctrlPr>
                                     <a:rPr lang="en-US" sz="2400" b="0" i="1" smtClean="0">
-                                      <a:latin typeface="Cambria Math" panose="02040503050406030204" pitchFamily="18" charset="0"/>
+                                      <a:latin typeface="Cambria Math" charset="0"/>
                                       <a:cs typeface="Times New Roman" panose="02020603050405020304" pitchFamily="18" charset="0"/>
                                     </a:rPr>
                                   </m:ctrlPr>
@@ -16509,7 +16733,7 @@
                         <m:sSubPr>
                           <m:ctrlPr>
                             <a:rPr lang="en-US" sz="2400" b="0" i="1" smtClean="0">
-                              <a:latin typeface="Cambria Math" panose="02040503050406030204" pitchFamily="18" charset="0"/>
+                              <a:latin typeface="Cambria Math" charset="0"/>
                               <a:cs typeface="Times New Roman" panose="02020603050405020304" pitchFamily="18" charset="0"/>
                             </a:rPr>
                           </m:ctrlPr>
@@ -16823,7 +17047,7 @@
                         <m:dPr>
                           <m:ctrlPr>
                             <a:rPr lang="en-US" b="0" i="1" kern="0" smtClean="0">
-                              <a:latin typeface="Cambria Math" panose="02040503050406030204" pitchFamily="18" charset="0"/>
+                              <a:latin typeface="Cambria Math" charset="0"/>
                               <a:cs typeface="Times New Roman" panose="02020603050405020304" pitchFamily="18" charset="0"/>
                             </a:rPr>
                           </m:ctrlPr>
@@ -16833,7 +17057,7 @@
                             <m:sSubPr>
                               <m:ctrlPr>
                                 <a:rPr lang="en-US" b="0" i="1" kern="0" smtClean="0">
-                                  <a:latin typeface="Cambria Math" panose="02040503050406030204" pitchFamily="18" charset="0"/>
+                                  <a:latin typeface="Cambria Math" charset="0"/>
                                   <a:cs typeface="Times New Roman" panose="02020603050405020304" pitchFamily="18" charset="0"/>
                                 </a:rPr>
                               </m:ctrlPr>
@@ -16872,7 +17096,7 @@
                           <m:endChr m:val="]"/>
                           <m:ctrlPr>
                             <a:rPr lang="en-US" b="0" i="1" kern="0" smtClean="0">
-                              <a:latin typeface="Cambria Math" panose="02040503050406030204" pitchFamily="18" charset="0"/>
+                              <a:latin typeface="Cambria Math" charset="0"/>
                               <a:cs typeface="Times New Roman" panose="02020603050405020304" pitchFamily="18" charset="0"/>
                             </a:rPr>
                           </m:ctrlPr>
@@ -16882,7 +17106,7 @@
                             <m:sSubPr>
                               <m:ctrlPr>
                                 <a:rPr lang="en-US" b="0" i="1" kern="0" smtClean="0">
-                                  <a:latin typeface="Cambria Math" panose="02040503050406030204" pitchFamily="18" charset="0"/>
+                                  <a:latin typeface="Cambria Math" charset="0"/>
                                   <a:cs typeface="Times New Roman" panose="02020603050405020304" pitchFamily="18" charset="0"/>
                                 </a:rPr>
                               </m:ctrlPr>
@@ -16917,7 +17141,7 @@
                             <m:sSupPr>
                               <m:ctrlPr>
                                 <a:rPr lang="en-US" b="0" i="1" kern="0" smtClean="0">
-                                  <a:latin typeface="Cambria Math" panose="02040503050406030204" pitchFamily="18" charset="0"/>
+                                  <a:latin typeface="Cambria Math" charset="0"/>
                                   <a:cs typeface="Times New Roman" panose="02020603050405020304" pitchFamily="18" charset="0"/>
                                 </a:rPr>
                               </m:ctrlPr>
@@ -16927,7 +17151,7 @@
                                 <m:fPr>
                                   <m:ctrlPr>
                                     <a:rPr lang="en-US" b="0" i="1" kern="0" smtClean="0">
-                                      <a:latin typeface="Cambria Math" panose="02040503050406030204" pitchFamily="18" charset="0"/>
+                                      <a:latin typeface="Cambria Math" charset="0"/>
                                       <a:cs typeface="Times New Roman" panose="02020603050405020304" pitchFamily="18" charset="0"/>
                                     </a:rPr>
                                   </m:ctrlPr>
@@ -16964,7 +17188,7 @@
                                   <m:endChr m:val="|"/>
                                   <m:ctrlPr>
                                     <a:rPr lang="en-US" i="1">
-                                      <a:latin typeface="Cambria Math" panose="02040503050406030204" pitchFamily="18" charset="0"/>
+                                      <a:latin typeface="Cambria Math" charset="0"/>
                                       <a:cs typeface="Times New Roman" panose="02020603050405020304" pitchFamily="18" charset="0"/>
                                     </a:rPr>
                                   </m:ctrlPr>
@@ -16976,7 +17200,7 @@
                                       <m:endChr m:val="|"/>
                                       <m:ctrlPr>
                                         <a:rPr lang="en-US" i="1">
-                                          <a:latin typeface="Cambria Math" panose="02040503050406030204" pitchFamily="18" charset="0"/>
+                                          <a:latin typeface="Cambria Math" charset="0"/>
                                           <a:cs typeface="Times New Roman" panose="02020603050405020304" pitchFamily="18" charset="0"/>
                                         </a:rPr>
                                       </m:ctrlPr>
@@ -16986,7 +17210,7 @@
                                         <m:sSubPr>
                                           <m:ctrlPr>
                                             <a:rPr lang="en-US" i="1">
-                                              <a:latin typeface="Cambria Math" panose="02040503050406030204" pitchFamily="18" charset="0"/>
+                                              <a:latin typeface="Cambria Math" charset="0"/>
                                               <a:cs typeface="Times New Roman" panose="02020603050405020304" pitchFamily="18" charset="0"/>
                                             </a:rPr>
                                           </m:ctrlPr>
@@ -17036,7 +17260,7 @@
                             <m:fPr>
                               <m:ctrlPr>
                                 <a:rPr lang="en-US" b="0" i="1" smtClean="0">
-                                  <a:latin typeface="Cambria Math" panose="02040503050406030204" pitchFamily="18" charset="0"/>
+                                  <a:latin typeface="Cambria Math" charset="0"/>
                                   <a:cs typeface="Times New Roman" panose="02020603050405020304" pitchFamily="18" charset="0"/>
                                 </a:rPr>
                               </m:ctrlPr>
@@ -17071,7 +17295,7 @@
                             <m:sSupPr>
                               <m:ctrlPr>
                                 <a:rPr lang="en-US" b="0" i="1" smtClean="0">
-                                  <a:latin typeface="Cambria Math" panose="02040503050406030204" pitchFamily="18" charset="0"/>
+                                  <a:latin typeface="Cambria Math" charset="0"/>
                                   <a:cs typeface="Times New Roman" panose="02020603050405020304" pitchFamily="18" charset="0"/>
                                 </a:rPr>
                               </m:ctrlPr>
@@ -17083,7 +17307,7 @@
                                   <m:endChr m:val="|"/>
                                   <m:ctrlPr>
                                     <a:rPr lang="en-US" i="1">
-                                      <a:latin typeface="Cambria Math" panose="02040503050406030204" pitchFamily="18" charset="0"/>
+                                      <a:latin typeface="Cambria Math" charset="0"/>
                                       <a:cs typeface="Times New Roman" panose="02020603050405020304" pitchFamily="18" charset="0"/>
                                     </a:rPr>
                                   </m:ctrlPr>
@@ -17095,7 +17319,7 @@
                                       <m:endChr m:val="|"/>
                                       <m:ctrlPr>
                                         <a:rPr lang="en-US" i="1">
-                                          <a:latin typeface="Cambria Math" panose="02040503050406030204" pitchFamily="18" charset="0"/>
+                                          <a:latin typeface="Cambria Math" charset="0"/>
                                           <a:cs typeface="Times New Roman" panose="02020603050405020304" pitchFamily="18" charset="0"/>
                                         </a:rPr>
                                       </m:ctrlPr>
@@ -17105,7 +17329,7 @@
                                         <m:sSubPr>
                                           <m:ctrlPr>
                                             <a:rPr lang="en-US" i="1">
-                                              <a:latin typeface="Cambria Math" panose="02040503050406030204" pitchFamily="18" charset="0"/>
+                                              <a:latin typeface="Cambria Math" charset="0"/>
                                               <a:cs typeface="Times New Roman" panose="02020603050405020304" pitchFamily="18" charset="0"/>
                                             </a:rPr>
                                           </m:ctrlPr>
@@ -17155,7 +17379,7 @@
                             <m:sSupPr>
                               <m:ctrlPr>
                                 <a:rPr lang="en-US" b="0" i="1" smtClean="0">
-                                  <a:latin typeface="Cambria Math" panose="02040503050406030204" pitchFamily="18" charset="0"/>
+                                  <a:latin typeface="Cambria Math" charset="0"/>
                                   <a:cs typeface="Times New Roman" panose="02020603050405020304" pitchFamily="18" charset="0"/>
                                 </a:rPr>
                               </m:ctrlPr>
@@ -17165,7 +17389,7 @@
                                 <m:fPr>
                                   <m:ctrlPr>
                                     <a:rPr lang="en-US" b="0" i="1" smtClean="0">
-                                      <a:latin typeface="Cambria Math" panose="02040503050406030204" pitchFamily="18" charset="0"/>
+                                      <a:latin typeface="Cambria Math" charset="0"/>
                                       <a:cs typeface="Times New Roman" panose="02020603050405020304" pitchFamily="18" charset="0"/>
                                     </a:rPr>
                                   </m:ctrlPr>
@@ -17202,7 +17426,7 @@
                                   <m:endChr m:val="|"/>
                                   <m:ctrlPr>
                                     <a:rPr lang="en-US" i="1">
-                                      <a:latin typeface="Cambria Math" panose="02040503050406030204" pitchFamily="18" charset="0"/>
+                                      <a:latin typeface="Cambria Math" charset="0"/>
                                       <a:cs typeface="Times New Roman" panose="02020603050405020304" pitchFamily="18" charset="0"/>
                                     </a:rPr>
                                   </m:ctrlPr>
@@ -17214,7 +17438,7 @@
                                       <m:endChr m:val="|"/>
                                       <m:ctrlPr>
                                         <a:rPr lang="en-US" i="1">
-                                          <a:latin typeface="Cambria Math" panose="02040503050406030204" pitchFamily="18" charset="0"/>
+                                          <a:latin typeface="Cambria Math" charset="0"/>
                                           <a:cs typeface="Times New Roman" panose="02020603050405020304" pitchFamily="18" charset="0"/>
                                         </a:rPr>
                                       </m:ctrlPr>
@@ -17224,7 +17448,7 @@
                                         <m:sSubPr>
                                           <m:ctrlPr>
                                             <a:rPr lang="en-US" i="1">
-                                              <a:latin typeface="Cambria Math" panose="02040503050406030204" pitchFamily="18" charset="0"/>
+                                              <a:latin typeface="Cambria Math" charset="0"/>
                                               <a:cs typeface="Times New Roman" panose="02020603050405020304" pitchFamily="18" charset="0"/>
                                             </a:rPr>
                                           </m:ctrlPr>
@@ -17258,7 +17482,7 @@
                                 <m:sSupPr>
                                   <m:ctrlPr>
                                     <a:rPr lang="en-US" b="0" i="1" smtClean="0">
-                                      <a:latin typeface="Cambria Math" panose="02040503050406030204" pitchFamily="18" charset="0"/>
+                                      <a:latin typeface="Cambria Math" charset="0"/>
                                       <a:cs typeface="Times New Roman" panose="02020603050405020304" pitchFamily="18" charset="0"/>
                                     </a:rPr>
                                   </m:ctrlPr>
@@ -17595,7 +17819,7 @@
                         <m:dPr>
                           <m:ctrlPr>
                             <a:rPr lang="en-US" b="0" i="1" kern="0" smtClean="0">
-                              <a:latin typeface="Cambria Math" panose="02040503050406030204" pitchFamily="18" charset="0"/>
+                              <a:latin typeface="Cambria Math" charset="0"/>
                               <a:cs typeface="Times New Roman" panose="02020603050405020304" pitchFamily="18" charset="0"/>
                             </a:rPr>
                           </m:ctrlPr>
@@ -17605,7 +17829,7 @@
                             <m:sSubPr>
                               <m:ctrlPr>
                                 <a:rPr lang="en-US" b="0" i="1" kern="0" smtClean="0">
-                                  <a:latin typeface="Cambria Math" panose="02040503050406030204" pitchFamily="18" charset="0"/>
+                                  <a:latin typeface="Cambria Math" charset="0"/>
                                   <a:cs typeface="Times New Roman" panose="02020603050405020304" pitchFamily="18" charset="0"/>
                                 </a:rPr>
                               </m:ctrlPr>
@@ -17644,7 +17868,7 @@
                           <m:endChr m:val="]"/>
                           <m:ctrlPr>
                             <a:rPr lang="en-US" b="0" i="1" kern="0" smtClean="0">
-                              <a:latin typeface="Cambria Math" panose="02040503050406030204" pitchFamily="18" charset="0"/>
+                              <a:latin typeface="Cambria Math" charset="0"/>
                               <a:cs typeface="Times New Roman" panose="02020603050405020304" pitchFamily="18" charset="0"/>
                             </a:rPr>
                           </m:ctrlPr>
@@ -17654,7 +17878,7 @@
                             <m:sSubPr>
                               <m:ctrlPr>
                                 <a:rPr lang="en-US" b="0" i="1" kern="0" smtClean="0">
-                                  <a:latin typeface="Cambria Math" panose="02040503050406030204" pitchFamily="18" charset="0"/>
+                                  <a:latin typeface="Cambria Math" charset="0"/>
                                   <a:cs typeface="Times New Roman" panose="02020603050405020304" pitchFamily="18" charset="0"/>
                                 </a:rPr>
                               </m:ctrlPr>
@@ -18080,7 +18304,7 @@
                         <m:funcPr>
                           <m:ctrlPr>
                             <a:rPr lang="en-US" sz="2400" b="0" i="1" kern="0" smtClean="0">
-                              <a:latin typeface="Cambria Math" panose="02040503050406030204" pitchFamily="18" charset="0"/>
+                              <a:latin typeface="Cambria Math" charset="0"/>
                               <a:cs typeface="Times New Roman" panose="02020603050405020304" pitchFamily="18" charset="0"/>
                             </a:rPr>
                           </m:ctrlPr>
@@ -18102,7 +18326,7 @@
                             <m:funcPr>
                               <m:ctrlPr>
                                 <a:rPr lang="en-US" sz="2400" b="0" i="1" kern="0" smtClean="0">
-                                  <a:latin typeface="Cambria Math" panose="02040503050406030204" pitchFamily="18" charset="0"/>
+                                  <a:latin typeface="Cambria Math" charset="0"/>
                                   <a:cs typeface="Times New Roman" panose="02020603050405020304" pitchFamily="18" charset="0"/>
                                 </a:rPr>
                               </m:ctrlPr>
@@ -18112,7 +18336,7 @@
                                 <m:limLowPr>
                                   <m:ctrlPr>
                                     <a:rPr lang="en-US" sz="2400" b="0" i="1" kern="0" smtClean="0">
-                                      <a:latin typeface="Cambria Math" panose="02040503050406030204" pitchFamily="18" charset="0"/>
+                                      <a:latin typeface="Cambria Math" charset="0"/>
                                       <a:cs typeface="Times New Roman" panose="02020603050405020304" pitchFamily="18" charset="0"/>
                                     </a:rPr>
                                   </m:ctrlPr>
@@ -18173,7 +18397,7 @@
                                 <m:sSubSupPr>
                                   <m:ctrlPr>
                                     <a:rPr lang="en-US" sz="2400" b="0" i="1" kern="0" smtClean="0">
-                                      <a:latin typeface="Cambria Math" panose="02040503050406030204" pitchFamily="18" charset="0"/>
+                                      <a:latin typeface="Cambria Math" charset="0"/>
                                       <a:cs typeface="Times New Roman" panose="02020603050405020304" pitchFamily="18" charset="0"/>
                                     </a:rPr>
                                   </m:ctrlPr>
@@ -18210,7 +18434,7 @@
                                 <m:sSubPr>
                                   <m:ctrlPr>
                                     <a:rPr lang="en-US" sz="2400" b="0" i="1" kern="0" smtClean="0">
-                                      <a:latin typeface="Cambria Math" panose="02040503050406030204" pitchFamily="18" charset="0"/>
+                                      <a:latin typeface="Cambria Math" charset="0"/>
                                       <a:cs typeface="Times New Roman" panose="02020603050405020304" pitchFamily="18" charset="0"/>
                                     </a:rPr>
                                   </m:ctrlPr>
@@ -18245,7 +18469,7 @@
                                 <m:funcPr>
                                   <m:ctrlPr>
                                     <a:rPr lang="en-US" sz="2400" b="0" i="1" kern="0" smtClean="0">
-                                      <a:latin typeface="Cambria Math" panose="02040503050406030204" pitchFamily="18" charset="0"/>
+                                      <a:latin typeface="Cambria Math" charset="0"/>
                                       <a:cs typeface="Times New Roman" panose="02020603050405020304" pitchFamily="18" charset="0"/>
                                     </a:rPr>
                                   </m:ctrlPr>
@@ -18267,7 +18491,7 @@
                                     <m:funcPr>
                                       <m:ctrlPr>
                                         <a:rPr lang="en-US" sz="2400" b="0" i="1" kern="0" smtClean="0">
-                                          <a:latin typeface="Cambria Math" panose="02040503050406030204" pitchFamily="18" charset="0"/>
+                                          <a:latin typeface="Cambria Math" charset="0"/>
                                           <a:cs typeface="Times New Roman" panose="02020603050405020304" pitchFamily="18" charset="0"/>
                                         </a:rPr>
                                       </m:ctrlPr>
@@ -18277,7 +18501,7 @@
                                         <m:limLowPr>
                                           <m:ctrlPr>
                                             <a:rPr lang="en-US" sz="2400" b="0" i="1" kern="0" smtClean="0">
-                                              <a:latin typeface="Cambria Math" panose="02040503050406030204" pitchFamily="18" charset="0"/>
+                                              <a:latin typeface="Cambria Math" charset="0"/>
                                               <a:cs typeface="Times New Roman" panose="02020603050405020304" pitchFamily="18" charset="0"/>
                                             </a:rPr>
                                           </m:ctrlPr>
@@ -18345,7 +18569,7 @@
                                         <m:fPr>
                                           <m:ctrlPr>
                                             <a:rPr lang="en-US" sz="2400" b="0" i="1" kern="0" smtClean="0">
-                                              <a:latin typeface="Cambria Math" panose="02040503050406030204" pitchFamily="18" charset="0"/>
+                                              <a:latin typeface="Cambria Math" charset="0"/>
                                               <a:cs typeface="Times New Roman" panose="02020603050405020304" pitchFamily="18" charset="0"/>
                                             </a:rPr>
                                           </m:ctrlPr>
@@ -18362,7 +18586,7 @@
                                             <m:sSupPr>
                                               <m:ctrlPr>
                                                 <a:rPr lang="en-US" sz="2400" i="1" kern="0">
-                                                  <a:latin typeface="Cambria Math" panose="02040503050406030204" pitchFamily="18" charset="0"/>
+                                                  <a:latin typeface="Cambria Math" charset="0"/>
                                                   <a:cs typeface="Times New Roman" panose="02020603050405020304" pitchFamily="18" charset="0"/>
                                                 </a:rPr>
                                               </m:ctrlPr>
@@ -18372,7 +18596,7 @@
                                                 <m:dPr>
                                                   <m:ctrlPr>
                                                     <a:rPr lang="en-US" sz="2400" i="1" kern="0">
-                                                      <a:latin typeface="Cambria Math" panose="02040503050406030204" pitchFamily="18" charset="0"/>
+                                                      <a:latin typeface="Cambria Math" charset="0"/>
                                                       <a:cs typeface="Times New Roman" panose="02020603050405020304" pitchFamily="18" charset="0"/>
                                                     </a:rPr>
                                                   </m:ctrlPr>
@@ -18382,7 +18606,7 @@
                                                     <m:sSubPr>
                                                       <m:ctrlPr>
                                                         <a:rPr lang="en-US" sz="2400" i="1" kern="0">
-                                                          <a:latin typeface="Cambria Math" panose="02040503050406030204" pitchFamily="18" charset="0"/>
+                                                          <a:latin typeface="Cambria Math" charset="0"/>
                                                           <a:cs typeface="Times New Roman" panose="02020603050405020304" pitchFamily="18" charset="0"/>
                                                         </a:rPr>
                                                       </m:ctrlPr>
@@ -18430,7 +18654,7 @@
                                             <m:dPr>
                                               <m:ctrlPr>
                                                 <a:rPr lang="en-US" sz="2400" i="1" kern="0">
-                                                  <a:latin typeface="Cambria Math" panose="02040503050406030204" pitchFamily="18" charset="0"/>
+                                                  <a:latin typeface="Cambria Math" charset="0"/>
                                                   <a:cs typeface="Times New Roman" panose="02020603050405020304" pitchFamily="18" charset="0"/>
                                                 </a:rPr>
                                               </m:ctrlPr>
@@ -18440,7 +18664,7 @@
                                                 <m:sSubPr>
                                                   <m:ctrlPr>
                                                     <a:rPr lang="en-US" sz="2400" i="1" kern="0">
-                                                      <a:latin typeface="Cambria Math" panose="02040503050406030204" pitchFamily="18" charset="0"/>
+                                                      <a:latin typeface="Cambria Math" charset="0"/>
                                                       <a:cs typeface="Times New Roman" panose="02020603050405020304" pitchFamily="18" charset="0"/>
                                                     </a:rPr>
                                                   </m:ctrlPr>
@@ -18474,7 +18698,7 @@
                                               <m:endChr m:val="|"/>
                                               <m:ctrlPr>
                                                 <a:rPr lang="en-US" sz="2400" b="0" i="1" kern="0" smtClean="0">
-                                                  <a:latin typeface="Cambria Math" panose="02040503050406030204" pitchFamily="18" charset="0"/>
+                                                  <a:latin typeface="Cambria Math" charset="0"/>
                                                   <a:cs typeface="Times New Roman" panose="02020603050405020304" pitchFamily="18" charset="0"/>
                                                 </a:rPr>
                                               </m:ctrlPr>
@@ -18486,7 +18710,7 @@
                                                   <m:endChr m:val="|"/>
                                                   <m:ctrlPr>
                                                     <a:rPr lang="en-US" sz="2400" b="0" i="1" kern="0" smtClean="0">
-                                                      <a:latin typeface="Cambria Math" panose="02040503050406030204" pitchFamily="18" charset="0"/>
+                                                      <a:latin typeface="Cambria Math" charset="0"/>
                                                       <a:cs typeface="Times New Roman" panose="02020603050405020304" pitchFamily="18" charset="0"/>
                                                     </a:rPr>
                                                   </m:ctrlPr>
@@ -18503,7 +18727,7 @@
                                                     <m:dPr>
                                                       <m:ctrlPr>
                                                         <a:rPr lang="en-US" sz="2400" b="0" i="1" kern="0" smtClean="0">
-                                                          <a:latin typeface="Cambria Math" panose="02040503050406030204" pitchFamily="18" charset="0"/>
+                                                          <a:latin typeface="Cambria Math" charset="0"/>
                                                           <a:cs typeface="Times New Roman" panose="02020603050405020304" pitchFamily="18" charset="0"/>
                                                         </a:rPr>
                                                       </m:ctrlPr>
@@ -18513,7 +18737,7 @@
                                                         <m:sSubPr>
                                                           <m:ctrlPr>
                                                             <a:rPr lang="en-US" sz="2400" b="0" i="1" kern="0" smtClean="0">
-                                                              <a:latin typeface="Cambria Math" panose="02040503050406030204" pitchFamily="18" charset="0"/>
+                                                              <a:latin typeface="Cambria Math" charset="0"/>
                                                               <a:cs typeface="Times New Roman" panose="02020603050405020304" pitchFamily="18" charset="0"/>
                                                             </a:rPr>
                                                           </m:ctrlPr>
@@ -18556,7 +18780,7 @@
                                               <m:endChr m:val="|"/>
                                               <m:ctrlPr>
                                                 <a:rPr lang="en-US" sz="2400" b="0" i="1" kern="0" smtClean="0">
-                                                  <a:latin typeface="Cambria Math" panose="02040503050406030204" pitchFamily="18" charset="0"/>
+                                                  <a:latin typeface="Cambria Math" charset="0"/>
                                                   <a:cs typeface="Times New Roman" panose="02020603050405020304" pitchFamily="18" charset="0"/>
                                                 </a:rPr>
                                               </m:ctrlPr>
@@ -18568,7 +18792,7 @@
                                                   <m:endChr m:val="|"/>
                                                   <m:ctrlPr>
                                                     <a:rPr lang="en-US" sz="2400" b="0" i="1" kern="0" smtClean="0">
-                                                      <a:latin typeface="Cambria Math" panose="02040503050406030204" pitchFamily="18" charset="0"/>
+                                                      <a:latin typeface="Cambria Math" charset="0"/>
                                                       <a:cs typeface="Times New Roman" panose="02020603050405020304" pitchFamily="18" charset="0"/>
                                                     </a:rPr>
                                                   </m:ctrlPr>
@@ -18585,7 +18809,7 @@
                                                     <m:dPr>
                                                       <m:ctrlPr>
                                                         <a:rPr lang="en-US" sz="2400" i="1" kern="0">
-                                                          <a:latin typeface="Cambria Math" panose="02040503050406030204" pitchFamily="18" charset="0"/>
+                                                          <a:latin typeface="Cambria Math" charset="0"/>
                                                           <a:cs typeface="Times New Roman" panose="02020603050405020304" pitchFamily="18" charset="0"/>
                                                         </a:rPr>
                                                       </m:ctrlPr>
@@ -18595,7 +18819,7 @@
                                                         <m:sSubPr>
                                                           <m:ctrlPr>
                                                             <a:rPr lang="en-US" sz="2400" i="1" kern="0">
-                                                              <a:latin typeface="Cambria Math" panose="02040503050406030204" pitchFamily="18" charset="0"/>
+                                                              <a:latin typeface="Cambria Math" charset="0"/>
                                                               <a:cs typeface="Times New Roman" panose="02020603050405020304" pitchFamily="18" charset="0"/>
                                                             </a:rPr>
                                                           </m:ctrlPr>
@@ -18827,8 +19051,8 @@
         </p:nvSpPr>
         <p:spPr>
           <a:xfrm>
-            <a:off x="76200" y="-17621"/>
-            <a:ext cx="7315200" cy="1077218"/>
+            <a:off x="76200" y="228600"/>
+            <a:ext cx="7315200" cy="584775"/>
           </a:xfrm>
         </p:spPr>
         <p:txBody>
@@ -18837,8 +19061,9 @@
           <a:p>
             <a:r>
               <a:rPr lang="en-US" dirty="0"/>
-              <a:t>Idea 1: Post-processing for Approximate MIPS </a:t>
-            </a:r>
+              <a:t>Idea: Vector Augmentation </a:t>
+            </a:r>
+            <a:endParaRPr lang="en-US" dirty="0"/>
           </a:p>
         </p:txBody>
       </p:sp>
@@ -19161,7 +19386,7 @@
                         <m:sSupPr>
                           <m:ctrlPr>
                             <a:rPr lang="en-US" b="0" i="1" dirty="0" smtClean="0">
-                              <a:latin typeface="Cambria Math" panose="02040503050406030204" pitchFamily="18" charset="0"/>
+                              <a:latin typeface="Cambria Math" charset="0"/>
                             </a:rPr>
                           </m:ctrlPr>
                         </m:sSupPr>
@@ -19619,7 +19844,7 @@
                           <m:endChr m:val="|"/>
                           <m:ctrlPr>
                             <a:rPr lang="en-US" sz="2400" b="0" i="1" smtClean="0">
-                              <a:latin typeface="Cambria Math" panose="02040503050406030204" pitchFamily="18" charset="0"/>
+                              <a:latin typeface="Cambria Math" charset="0"/>
                               <a:cs typeface="Times New Roman" panose="02020603050405020304" pitchFamily="18" charset="0"/>
                             </a:rPr>
                           </m:ctrlPr>
@@ -19631,7 +19856,7 @@
                               <m:endChr m:val="|"/>
                               <m:ctrlPr>
                                 <a:rPr lang="en-US" sz="2400" b="0" i="1" smtClean="0">
-                                  <a:latin typeface="Cambria Math" panose="02040503050406030204" pitchFamily="18" charset="0"/>
+                                  <a:latin typeface="Cambria Math" charset="0"/>
                                   <a:cs typeface="Times New Roman" panose="02020603050405020304" pitchFamily="18" charset="0"/>
                                 </a:rPr>
                               </m:ctrlPr>
@@ -19641,7 +19866,7 @@
                                 <m:sSubPr>
                                   <m:ctrlPr>
                                     <a:rPr lang="en-US" sz="2400" b="0" i="1" smtClean="0">
-                                      <a:latin typeface="Cambria Math" panose="02040503050406030204" pitchFamily="18" charset="0"/>
+                                      <a:latin typeface="Cambria Math" charset="0"/>
                                       <a:cs typeface="Times New Roman" panose="02020603050405020304" pitchFamily="18" charset="0"/>
                                     </a:rPr>
                                   </m:ctrlPr>
@@ -19680,7 +19905,7 @@
                         <m:sSubPr>
                           <m:ctrlPr>
                             <a:rPr lang="en-US" sz="2400" b="0" i="1" smtClean="0">
-                              <a:latin typeface="Cambria Math" panose="02040503050406030204" pitchFamily="18" charset="0"/>
+                              <a:latin typeface="Cambria Math" charset="0"/>
                               <a:cs typeface="Times New Roman" panose="02020603050405020304" pitchFamily="18" charset="0"/>
                             </a:rPr>
                           </m:ctrlPr>
@@ -19994,7 +20219,7 @@
                         <m:dPr>
                           <m:ctrlPr>
                             <a:rPr lang="en-US" b="0" i="1" kern="0" smtClean="0">
-                              <a:latin typeface="Cambria Math" panose="02040503050406030204" pitchFamily="18" charset="0"/>
+                              <a:latin typeface="Cambria Math" charset="0"/>
                               <a:cs typeface="Times New Roman" panose="02020603050405020304" pitchFamily="18" charset="0"/>
                             </a:rPr>
                           </m:ctrlPr>
@@ -20004,7 +20229,7 @@
                             <m:sSubPr>
                               <m:ctrlPr>
                                 <a:rPr lang="en-US" b="0" i="1" kern="0" smtClean="0">
-                                  <a:latin typeface="Cambria Math" panose="02040503050406030204" pitchFamily="18" charset="0"/>
+                                  <a:latin typeface="Cambria Math" charset="0"/>
                                   <a:cs typeface="Times New Roman" panose="02020603050405020304" pitchFamily="18" charset="0"/>
                                 </a:rPr>
                               </m:ctrlPr>
@@ -20043,7 +20268,7 @@
                           <m:endChr m:val="]"/>
                           <m:ctrlPr>
                             <a:rPr lang="en-US" b="0" i="1" kern="0" smtClean="0">
-                              <a:latin typeface="Cambria Math" panose="02040503050406030204" pitchFamily="18" charset="0"/>
+                              <a:latin typeface="Cambria Math" charset="0"/>
                               <a:cs typeface="Times New Roman" panose="02020603050405020304" pitchFamily="18" charset="0"/>
                             </a:rPr>
                           </m:ctrlPr>
@@ -20053,7 +20278,7 @@
                             <m:sSubPr>
                               <m:ctrlPr>
                                 <a:rPr lang="en-US" b="0" i="1" kern="0" smtClean="0">
-                                  <a:latin typeface="Cambria Math" panose="02040503050406030204" pitchFamily="18" charset="0"/>
+                                  <a:latin typeface="Cambria Math" charset="0"/>
                                   <a:cs typeface="Times New Roman" panose="02020603050405020304" pitchFamily="18" charset="0"/>
                                 </a:rPr>
                               </m:ctrlPr>
@@ -20088,7 +20313,7 @@
                             <m:sSupPr>
                               <m:ctrlPr>
                                 <a:rPr lang="en-US" b="0" i="1" kern="0" smtClean="0">
-                                  <a:latin typeface="Cambria Math" panose="02040503050406030204" pitchFamily="18" charset="0"/>
+                                  <a:latin typeface="Cambria Math" charset="0"/>
                                   <a:cs typeface="Times New Roman" panose="02020603050405020304" pitchFamily="18" charset="0"/>
                                 </a:rPr>
                               </m:ctrlPr>
@@ -20107,7 +20332,7 @@
                                   <m:endChr m:val="|"/>
                                   <m:ctrlPr>
                                     <a:rPr lang="en-US" i="1">
-                                      <a:latin typeface="Cambria Math" panose="02040503050406030204" pitchFamily="18" charset="0"/>
+                                      <a:latin typeface="Cambria Math" charset="0"/>
                                       <a:cs typeface="Times New Roman" panose="02020603050405020304" pitchFamily="18" charset="0"/>
                                     </a:rPr>
                                   </m:ctrlPr>
@@ -20119,7 +20344,7 @@
                                       <m:endChr m:val="|"/>
                                       <m:ctrlPr>
                                         <a:rPr lang="en-US" i="1">
-                                          <a:latin typeface="Cambria Math" panose="02040503050406030204" pitchFamily="18" charset="0"/>
+                                          <a:latin typeface="Cambria Math" charset="0"/>
                                           <a:cs typeface="Times New Roman" panose="02020603050405020304" pitchFamily="18" charset="0"/>
                                         </a:rPr>
                                       </m:ctrlPr>
@@ -20129,7 +20354,7 @@
                                         <m:sSubPr>
                                           <m:ctrlPr>
                                             <a:rPr lang="en-US" i="1">
-                                              <a:latin typeface="Cambria Math" panose="02040503050406030204" pitchFamily="18" charset="0"/>
+                                              <a:latin typeface="Cambria Math" charset="0"/>
                                               <a:cs typeface="Times New Roman" panose="02020603050405020304" pitchFamily="18" charset="0"/>
                                             </a:rPr>
                                           </m:ctrlPr>
@@ -20479,7 +20704,7 @@
                         <m:dPr>
                           <m:ctrlPr>
                             <a:rPr lang="en-US" b="0" i="1" kern="0" smtClean="0">
-                              <a:latin typeface="Cambria Math" panose="02040503050406030204" pitchFamily="18" charset="0"/>
+                              <a:latin typeface="Cambria Math" charset="0"/>
                               <a:cs typeface="Times New Roman" panose="02020603050405020304" pitchFamily="18" charset="0"/>
                             </a:rPr>
                           </m:ctrlPr>
@@ -20489,7 +20714,7 @@
                             <m:sSubPr>
                               <m:ctrlPr>
                                 <a:rPr lang="en-US" b="0" i="1" kern="0" smtClean="0">
-                                  <a:latin typeface="Cambria Math" panose="02040503050406030204" pitchFamily="18" charset="0"/>
+                                  <a:latin typeface="Cambria Math" charset="0"/>
                                   <a:cs typeface="Times New Roman" panose="02020603050405020304" pitchFamily="18" charset="0"/>
                                 </a:rPr>
                               </m:ctrlPr>
@@ -20528,7 +20753,7 @@
                           <m:endChr m:val="]"/>
                           <m:ctrlPr>
                             <a:rPr lang="en-US" b="0" i="1" kern="0" smtClean="0">
-                              <a:latin typeface="Cambria Math" panose="02040503050406030204" pitchFamily="18" charset="0"/>
+                              <a:latin typeface="Cambria Math" charset="0"/>
                               <a:cs typeface="Times New Roman" panose="02020603050405020304" pitchFamily="18" charset="0"/>
                             </a:rPr>
                           </m:ctrlPr>
@@ -20538,7 +20763,7 @@
                             <m:sSubPr>
                               <m:ctrlPr>
                                 <a:rPr lang="en-US" b="0" i="1" kern="0" smtClean="0">
-                                  <a:latin typeface="Cambria Math" panose="02040503050406030204" pitchFamily="18" charset="0"/>
+                                  <a:latin typeface="Cambria Math" charset="0"/>
                                   <a:cs typeface="Times New Roman" panose="02020603050405020304" pitchFamily="18" charset="0"/>
                                 </a:rPr>
                               </m:ctrlPr>
@@ -20943,7 +21168,7 @@
                         <m:funcPr>
                           <m:ctrlPr>
                             <a:rPr lang="en-US" b="0" i="1" kern="0" smtClean="0">
-                              <a:latin typeface="Cambria Math" panose="02040503050406030204" pitchFamily="18" charset="0"/>
+                              <a:latin typeface="Cambria Math" charset="0"/>
                               <a:cs typeface="Times New Roman" panose="02020603050405020304" pitchFamily="18" charset="0"/>
                             </a:rPr>
                           </m:ctrlPr>
@@ -20965,7 +21190,7 @@
                             <m:funcPr>
                               <m:ctrlPr>
                                 <a:rPr lang="en-US" b="0" i="1" kern="0" smtClean="0">
-                                  <a:latin typeface="Cambria Math" panose="02040503050406030204" pitchFamily="18" charset="0"/>
+                                  <a:latin typeface="Cambria Math" charset="0"/>
                                   <a:cs typeface="Times New Roman" panose="02020603050405020304" pitchFamily="18" charset="0"/>
                                 </a:rPr>
                               </m:ctrlPr>
@@ -20975,7 +21200,7 @@
                                 <m:limLowPr>
                                   <m:ctrlPr>
                                     <a:rPr lang="en-US" b="0" i="1" kern="0" smtClean="0">
-                                      <a:latin typeface="Cambria Math" panose="02040503050406030204" pitchFamily="18" charset="0"/>
+                                      <a:latin typeface="Cambria Math" charset="0"/>
                                       <a:cs typeface="Times New Roman" panose="02020603050405020304" pitchFamily="18" charset="0"/>
                                     </a:rPr>
                                   </m:ctrlPr>
@@ -21036,7 +21261,7 @@
                                 <m:sSubSupPr>
                                   <m:ctrlPr>
                                     <a:rPr lang="en-US" b="0" i="1" kern="0" smtClean="0">
-                                      <a:latin typeface="Cambria Math" panose="02040503050406030204" pitchFamily="18" charset="0"/>
+                                      <a:latin typeface="Cambria Math" charset="0"/>
                                       <a:cs typeface="Times New Roman" panose="02020603050405020304" pitchFamily="18" charset="0"/>
                                     </a:rPr>
                                   </m:ctrlPr>
@@ -21073,7 +21298,7 @@
                                 <m:sSubPr>
                                   <m:ctrlPr>
                                     <a:rPr lang="en-US" b="0" i="1" kern="0" smtClean="0">
-                                      <a:latin typeface="Cambria Math" panose="02040503050406030204" pitchFamily="18" charset="0"/>
+                                      <a:latin typeface="Cambria Math" charset="0"/>
                                       <a:cs typeface="Times New Roman" panose="02020603050405020304" pitchFamily="18" charset="0"/>
                                     </a:rPr>
                                   </m:ctrlPr>
@@ -21108,7 +21333,7 @@
                                 <m:funcPr>
                                   <m:ctrlPr>
                                     <a:rPr lang="en-US" b="0" i="1" kern="0" smtClean="0">
-                                      <a:latin typeface="Cambria Math" panose="02040503050406030204" pitchFamily="18" charset="0"/>
+                                      <a:latin typeface="Cambria Math" charset="0"/>
                                       <a:cs typeface="Times New Roman" panose="02020603050405020304" pitchFamily="18" charset="0"/>
                                     </a:rPr>
                                   </m:ctrlPr>
@@ -21130,7 +21355,7 @@
                                     <m:funcPr>
                                       <m:ctrlPr>
                                         <a:rPr lang="en-US" b="0" i="1" kern="0" smtClean="0">
-                                          <a:latin typeface="Cambria Math" panose="02040503050406030204" pitchFamily="18" charset="0"/>
+                                          <a:latin typeface="Cambria Math" charset="0"/>
                                           <a:cs typeface="Times New Roman" panose="02020603050405020304" pitchFamily="18" charset="0"/>
                                         </a:rPr>
                                       </m:ctrlPr>
@@ -21140,7 +21365,7 @@
                                         <m:limLowPr>
                                           <m:ctrlPr>
                                             <a:rPr lang="en-US" b="0" i="1" kern="0" smtClean="0">
-                                              <a:latin typeface="Cambria Math" panose="02040503050406030204" pitchFamily="18" charset="0"/>
+                                              <a:latin typeface="Cambria Math" charset="0"/>
                                               <a:cs typeface="Times New Roman" panose="02020603050405020304" pitchFamily="18" charset="0"/>
                                             </a:rPr>
                                           </m:ctrlPr>
@@ -21215,7 +21440,7 @@
                                         <m:sSupPr>
                                           <m:ctrlPr>
                                             <a:rPr lang="en-US" i="1" kern="0">
-                                              <a:latin typeface="Cambria Math" panose="02040503050406030204" pitchFamily="18" charset="0"/>
+                                              <a:latin typeface="Cambria Math" charset="0"/>
                                               <a:cs typeface="Times New Roman" panose="02020603050405020304" pitchFamily="18" charset="0"/>
                                             </a:rPr>
                                           </m:ctrlPr>
@@ -21225,7 +21450,7 @@
                                             <m:dPr>
                                               <m:ctrlPr>
                                                 <a:rPr lang="en-US" i="1" kern="0">
-                                                  <a:latin typeface="Cambria Math" panose="02040503050406030204" pitchFamily="18" charset="0"/>
+                                                  <a:latin typeface="Cambria Math" charset="0"/>
                                                   <a:cs typeface="Times New Roman" panose="02020603050405020304" pitchFamily="18" charset="0"/>
                                                 </a:rPr>
                                               </m:ctrlPr>
@@ -21235,7 +21460,7 @@
                                                 <m:sSubPr>
                                                   <m:ctrlPr>
                                                     <a:rPr lang="en-US" i="1" kern="0">
-                                                      <a:latin typeface="Cambria Math" panose="02040503050406030204" pitchFamily="18" charset="0"/>
+                                                      <a:latin typeface="Cambria Math" charset="0"/>
                                                       <a:cs typeface="Times New Roman" panose="02020603050405020304" pitchFamily="18" charset="0"/>
                                                     </a:rPr>
                                                   </m:ctrlPr>
@@ -21283,7 +21508,7 @@
                                         <m:dPr>
                                           <m:ctrlPr>
                                             <a:rPr lang="en-US" i="1" kern="0">
-                                              <a:latin typeface="Cambria Math" panose="02040503050406030204" pitchFamily="18" charset="0"/>
+                                              <a:latin typeface="Cambria Math" charset="0"/>
                                               <a:cs typeface="Times New Roman" panose="02020603050405020304" pitchFamily="18" charset="0"/>
                                             </a:rPr>
                                           </m:ctrlPr>
@@ -21293,7 +21518,7 @@
                                             <m:sSubPr>
                                               <m:ctrlPr>
                                                 <a:rPr lang="en-US" i="1" kern="0">
-                                                  <a:latin typeface="Cambria Math" panose="02040503050406030204" pitchFamily="18" charset="0"/>
+                                                  <a:latin typeface="Cambria Math" charset="0"/>
                                                   <a:cs typeface="Times New Roman" panose="02020603050405020304" pitchFamily="18" charset="0"/>
                                                 </a:rPr>
                                               </m:ctrlPr>
@@ -21332,7 +21557,7 @@
                                     <m:funcPr>
                                       <m:ctrlPr>
                                         <a:rPr lang="en-US" i="1" kern="0">
-                                          <a:latin typeface="Cambria Math" panose="02040503050406030204" pitchFamily="18" charset="0"/>
+                                          <a:latin typeface="Cambria Math" charset="0"/>
                                           <a:cs typeface="Times New Roman" panose="02020603050405020304" pitchFamily="18" charset="0"/>
                                         </a:rPr>
                                       </m:ctrlPr>
@@ -21354,7 +21579,7 @@
                                         <m:funcPr>
                                           <m:ctrlPr>
                                             <a:rPr lang="en-US" i="1" kern="0">
-                                              <a:latin typeface="Cambria Math" panose="02040503050406030204" pitchFamily="18" charset="0"/>
+                                              <a:latin typeface="Cambria Math" charset="0"/>
                                               <a:cs typeface="Times New Roman" panose="02020603050405020304" pitchFamily="18" charset="0"/>
                                             </a:rPr>
                                           </m:ctrlPr>
@@ -21364,7 +21589,7 @@
                                             <m:limLowPr>
                                               <m:ctrlPr>
                                                 <a:rPr lang="en-US" i="1" kern="0">
-                                                  <a:latin typeface="Cambria Math" panose="02040503050406030204" pitchFamily="18" charset="0"/>
+                                                  <a:latin typeface="Cambria Math" charset="0"/>
                                                   <a:cs typeface="Times New Roman" panose="02020603050405020304" pitchFamily="18" charset="0"/>
                                                 </a:rPr>
                                               </m:ctrlPr>
@@ -21432,7 +21657,7 @@
                                             <m:fPr>
                                               <m:ctrlPr>
                                                 <a:rPr lang="en-US" i="1" kern="0">
-                                                  <a:latin typeface="Cambria Math" panose="02040503050406030204" pitchFamily="18" charset="0"/>
+                                                  <a:latin typeface="Cambria Math" charset="0"/>
                                                   <a:cs typeface="Times New Roman" panose="02020603050405020304" pitchFamily="18" charset="0"/>
                                                 </a:rPr>
                                               </m:ctrlPr>
@@ -21449,7 +21674,7 @@
                                                 <m:sSupPr>
                                                   <m:ctrlPr>
                                                     <a:rPr lang="en-US" i="1" kern="0">
-                                                      <a:latin typeface="Cambria Math" panose="02040503050406030204" pitchFamily="18" charset="0"/>
+                                                      <a:latin typeface="Cambria Math" charset="0"/>
                                                       <a:cs typeface="Times New Roman" panose="02020603050405020304" pitchFamily="18" charset="0"/>
                                                     </a:rPr>
                                                   </m:ctrlPr>
@@ -21459,7 +21684,7 @@
                                                     <m:dPr>
                                                       <m:ctrlPr>
                                                         <a:rPr lang="en-US" i="1" kern="0">
-                                                          <a:latin typeface="Cambria Math" panose="02040503050406030204" pitchFamily="18" charset="0"/>
+                                                          <a:latin typeface="Cambria Math" charset="0"/>
                                                           <a:cs typeface="Times New Roman" panose="02020603050405020304" pitchFamily="18" charset="0"/>
                                                         </a:rPr>
                                                       </m:ctrlPr>
@@ -21469,7 +21694,7 @@
                                                         <m:sSubPr>
                                                           <m:ctrlPr>
                                                             <a:rPr lang="en-US" i="1" kern="0">
-                                                              <a:latin typeface="Cambria Math" panose="02040503050406030204" pitchFamily="18" charset="0"/>
+                                                              <a:latin typeface="Cambria Math" charset="0"/>
                                                               <a:cs typeface="Times New Roman" panose="02020603050405020304" pitchFamily="18" charset="0"/>
                                                             </a:rPr>
                                                           </m:ctrlPr>
@@ -21517,7 +21742,7 @@
                                                 <m:dPr>
                                                   <m:ctrlPr>
                                                     <a:rPr lang="en-US" i="1" kern="0">
-                                                      <a:latin typeface="Cambria Math" panose="02040503050406030204" pitchFamily="18" charset="0"/>
+                                                      <a:latin typeface="Cambria Math" charset="0"/>
                                                       <a:cs typeface="Times New Roman" panose="02020603050405020304" pitchFamily="18" charset="0"/>
                                                     </a:rPr>
                                                   </m:ctrlPr>
@@ -21527,7 +21752,7 @@
                                                     <m:sSubPr>
                                                       <m:ctrlPr>
                                                         <a:rPr lang="en-US" i="1" kern="0">
-                                                          <a:latin typeface="Cambria Math" panose="02040503050406030204" pitchFamily="18" charset="0"/>
+                                                          <a:latin typeface="Cambria Math" charset="0"/>
                                                           <a:cs typeface="Times New Roman" panose="02020603050405020304" pitchFamily="18" charset="0"/>
                                                         </a:rPr>
                                                       </m:ctrlPr>
@@ -21561,7 +21786,7 @@
                                                   <m:endChr m:val="|"/>
                                                   <m:ctrlPr>
                                                     <a:rPr lang="en-US" i="1" kern="0">
-                                                      <a:latin typeface="Cambria Math" panose="02040503050406030204" pitchFamily="18" charset="0"/>
+                                                      <a:latin typeface="Cambria Math" charset="0"/>
                                                       <a:cs typeface="Times New Roman" panose="02020603050405020304" pitchFamily="18" charset="0"/>
                                                     </a:rPr>
                                                   </m:ctrlPr>
@@ -21573,7 +21798,7 @@
                                                       <m:endChr m:val="|"/>
                                                       <m:ctrlPr>
                                                         <a:rPr lang="en-US" i="1" kern="0">
-                                                          <a:latin typeface="Cambria Math" panose="02040503050406030204" pitchFamily="18" charset="0"/>
+                                                          <a:latin typeface="Cambria Math" charset="0"/>
                                                           <a:cs typeface="Times New Roman" panose="02020603050405020304" pitchFamily="18" charset="0"/>
                                                         </a:rPr>
                                                       </m:ctrlPr>
@@ -21590,7 +21815,7 @@
                                                         <m:dPr>
                                                           <m:ctrlPr>
                                                             <a:rPr lang="en-US" i="1" kern="0">
-                                                              <a:latin typeface="Cambria Math" panose="02040503050406030204" pitchFamily="18" charset="0"/>
+                                                              <a:latin typeface="Cambria Math" charset="0"/>
                                                               <a:cs typeface="Times New Roman" panose="02020603050405020304" pitchFamily="18" charset="0"/>
                                                             </a:rPr>
                                                           </m:ctrlPr>
@@ -21600,7 +21825,7 @@
                                                             <m:sSubPr>
                                                               <m:ctrlPr>
                                                                 <a:rPr lang="en-US" i="1" kern="0">
-                                                                  <a:latin typeface="Cambria Math" panose="02040503050406030204" pitchFamily="18" charset="0"/>
+                                                                  <a:latin typeface="Cambria Math" charset="0"/>
                                                                   <a:cs typeface="Times New Roman" panose="02020603050405020304" pitchFamily="18" charset="0"/>
                                                                 </a:rPr>
                                                               </m:ctrlPr>
@@ -21643,7 +21868,7 @@
                                                   <m:endChr m:val="|"/>
                                                   <m:ctrlPr>
                                                     <a:rPr lang="en-US" i="1" kern="0">
-                                                      <a:latin typeface="Cambria Math" panose="02040503050406030204" pitchFamily="18" charset="0"/>
+                                                      <a:latin typeface="Cambria Math" charset="0"/>
                                                       <a:cs typeface="Times New Roman" panose="02020603050405020304" pitchFamily="18" charset="0"/>
                                                     </a:rPr>
                                                   </m:ctrlPr>
@@ -21655,7 +21880,7 @@
                                                       <m:endChr m:val="|"/>
                                                       <m:ctrlPr>
                                                         <a:rPr lang="en-US" i="1" kern="0">
-                                                          <a:latin typeface="Cambria Math" panose="02040503050406030204" pitchFamily="18" charset="0"/>
+                                                          <a:latin typeface="Cambria Math" charset="0"/>
                                                           <a:cs typeface="Times New Roman" panose="02020603050405020304" pitchFamily="18" charset="0"/>
                                                         </a:rPr>
                                                       </m:ctrlPr>
@@ -21672,7 +21897,7 @@
                                                         <m:dPr>
                                                           <m:ctrlPr>
                                                             <a:rPr lang="en-US" i="1" kern="0">
-                                                              <a:latin typeface="Cambria Math" panose="02040503050406030204" pitchFamily="18" charset="0"/>
+                                                              <a:latin typeface="Cambria Math" charset="0"/>
                                                               <a:cs typeface="Times New Roman" panose="02020603050405020304" pitchFamily="18" charset="0"/>
                                                             </a:rPr>
                                                           </m:ctrlPr>
@@ -21682,7 +21907,7 @@
                                                             <m:sSubPr>
                                                               <m:ctrlPr>
                                                                 <a:rPr lang="en-US" i="1" kern="0">
-                                                                  <a:latin typeface="Cambria Math" panose="02040503050406030204" pitchFamily="18" charset="0"/>
+                                                                  <a:latin typeface="Cambria Math" charset="0"/>
                                                                   <a:cs typeface="Times New Roman" panose="02020603050405020304" pitchFamily="18" charset="0"/>
                                                                 </a:rPr>
                                                               </m:ctrlPr>
@@ -21995,8 +22220,8 @@
         </p:nvSpPr>
         <p:spPr>
           <a:xfrm>
-            <a:off x="76200" y="-17621"/>
-            <a:ext cx="7315200" cy="1077218"/>
+            <a:off x="76200" y="228600"/>
+            <a:ext cx="7315200" cy="584775"/>
           </a:xfrm>
         </p:spPr>
         <p:txBody>
@@ -22005,8 +22230,9 @@
           <a:p>
             <a:r>
               <a:rPr lang="en-US" dirty="0"/>
-              <a:t>Idea 1: Post-processing for Approximate MIPS </a:t>
-            </a:r>
+              <a:t>Idea: Vector Augmentation </a:t>
+            </a:r>
+            <a:endParaRPr lang="en-US" dirty="0"/>
           </a:p>
         </p:txBody>
       </p:sp>
@@ -22329,7 +22555,7 @@
                         <m:sSupPr>
                           <m:ctrlPr>
                             <a:rPr lang="en-US" b="0" i="1" dirty="0" smtClean="0">
-                              <a:latin typeface="Cambria Math" panose="02040503050406030204" pitchFamily="18" charset="0"/>
+                              <a:latin typeface="Cambria Math" charset="0"/>
                             </a:rPr>
                           </m:ctrlPr>
                         </m:sSupPr>
@@ -22953,8 +23179,8 @@
         </p:nvSpPr>
         <p:spPr>
           <a:xfrm>
-            <a:off x="76200" y="-17621"/>
-            <a:ext cx="7315200" cy="1077218"/>
+            <a:off x="76200" y="228600"/>
+            <a:ext cx="7315200" cy="584775"/>
           </a:xfrm>
         </p:spPr>
         <p:txBody>
@@ -22963,8 +23189,9 @@
           <a:p>
             <a:r>
               <a:rPr lang="en-US" dirty="0"/>
-              <a:t>Idea 1: Post-processing for Approximate MIPS </a:t>
-            </a:r>
+              <a:t>Idea: Vector Augmentation </a:t>
+            </a:r>
+            <a:endParaRPr lang="en-US" dirty="0"/>
           </a:p>
         </p:txBody>
       </p:sp>
@@ -23837,8 +24064,8 @@
           </a:prstGeom>
         </p:spPr>
       </p:pic>
-      <mc:AlternateContent xmlns:mc="http://schemas.openxmlformats.org/markup-compatibility/2006">
-        <mc:Choice xmlns:a14="http://schemas.microsoft.com/office/drawing/2010/main" Requires="a14">
+      <mc:AlternateContent xmlns:mc="http://schemas.openxmlformats.org/markup-compatibility/2006" xmlns:a14="http://schemas.microsoft.com/office/drawing/2010/main">
+        <mc:Choice Requires="a14">
           <p:sp>
             <p:nvSpPr>
               <p:cNvPr id="9" name="TextBox 8"/>
@@ -23861,6 +24088,7 @@
               </a:bodyPr>
               <a:lstStyle/>
               <a:p>
+                <a:pPr/>
                 <a14:m>
                   <m:oMathPara xmlns:m="http://schemas.openxmlformats.org/officeDocument/2006/math">
                     <m:oMathParaPr>
@@ -23871,7 +24099,7 @@
                         <m:sSupPr>
                           <m:ctrlPr>
                             <a:rPr lang="en-US" b="0" i="1" smtClean="0">
-                              <a:latin typeface="Cambria Math" panose="02040503050406030204" pitchFamily="18" charset="0"/>
+                              <a:latin typeface="Cambria Math" charset="0"/>
                             </a:rPr>
                           </m:ctrlPr>
                         </m:sSupPr>
@@ -23910,7 +24138,7 @@
                           <m:endChr m:val="|"/>
                           <m:ctrlPr>
                             <a:rPr lang="en-US" b="0" i="1" smtClean="0">
-                              <a:latin typeface="Cambria Math" panose="02040503050406030204" pitchFamily="18" charset="0"/>
+                              <a:latin typeface="Cambria Math" charset="0"/>
                             </a:rPr>
                           </m:ctrlPr>
                         </m:dPr>
@@ -23921,7 +24149,7 @@
                               <m:endChr m:val="|"/>
                               <m:ctrlPr>
                                 <a:rPr lang="en-US" b="0" i="1" smtClean="0">
-                                  <a:latin typeface="Cambria Math" panose="02040503050406030204" pitchFamily="18" charset="0"/>
+                                  <a:latin typeface="Cambria Math" charset="0"/>
                                 </a:rPr>
                               </m:ctrlPr>
                             </m:dPr>
@@ -23948,7 +24176,7 @@
                           <m:endChr m:val="|"/>
                           <m:ctrlPr>
                             <a:rPr lang="en-US" b="0" i="1" smtClean="0">
-                              <a:latin typeface="Cambria Math" panose="02040503050406030204" pitchFamily="18" charset="0"/>
+                              <a:latin typeface="Cambria Math" charset="0"/>
                             </a:rPr>
                           </m:ctrlPr>
                         </m:dPr>
@@ -23959,7 +24187,7 @@
                               <m:endChr m:val="|"/>
                               <m:ctrlPr>
                                 <a:rPr lang="en-US" b="0" i="1" smtClean="0">
-                                  <a:latin typeface="Cambria Math" panose="02040503050406030204" pitchFamily="18" charset="0"/>
+                                  <a:latin typeface="Cambria Math" charset="0"/>
                                 </a:rPr>
                               </m:ctrlPr>
                             </m:dPr>
@@ -23982,7 +24210,7 @@
             </p:txBody>
           </p:sp>
         </mc:Choice>
-        <mc:Fallback>
+        <mc:Fallback xmlns="">
           <p:sp>
             <p:nvSpPr>
               <p:cNvPr id="9" name="TextBox 8"/>
@@ -24182,7 +24410,6 @@
               <a:rPr lang="en-SG" sz="900" dirty="0"/>
               <a:t>.</a:t>
             </a:r>
-            <a:endParaRPr lang="en-SG" sz="900" dirty="0"/>
           </a:p>
         </p:txBody>
       </p:sp>
@@ -25549,7 +25776,7 @@
                       <m:sSubPr>
                         <m:ctrlPr>
                           <a:rPr lang="en-US" sz="2800" i="1">
-                            <a:latin typeface="Cambria Math" panose="02040503050406030204" pitchFamily="18" charset="0"/>
+                            <a:latin typeface="Cambria Math" charset="0"/>
                             <a:cs typeface="Times New Roman" panose="02020603050405020304" pitchFamily="18" charset="0"/>
                           </a:rPr>
                         </m:ctrlPr>
@@ -25881,7 +26108,7 @@
                       <m:sSubPr>
                         <m:ctrlPr>
                           <a:rPr lang="en-US" sz="2800" b="0" i="1" smtClean="0">
-                            <a:latin typeface="Cambria Math" panose="02040503050406030204" pitchFamily="18" charset="0"/>
+                            <a:latin typeface="Cambria Math" charset="0"/>
                             <a:cs typeface="Times New Roman" panose="02020603050405020304" pitchFamily="18" charset="0"/>
                           </a:rPr>
                         </m:ctrlPr>
@@ -25925,7 +26152,7 @@
                         <m:endChr m:val="|"/>
                         <m:ctrlPr>
                           <a:rPr lang="en-US" sz="2800" b="0" i="1" smtClean="0">
-                            <a:latin typeface="Cambria Math" panose="02040503050406030204" pitchFamily="18" charset="0"/>
+                            <a:latin typeface="Cambria Math" charset="0"/>
                             <a:cs typeface="Times New Roman" panose="02020603050405020304" pitchFamily="18" charset="0"/>
                           </a:rPr>
                         </m:ctrlPr>
@@ -25935,7 +26162,7 @@
                           <m:sSubPr>
                             <m:ctrlPr>
                               <a:rPr lang="en-US" sz="2800" b="0" i="1" smtClean="0">
-                                <a:latin typeface="Cambria Math" panose="02040503050406030204" pitchFamily="18" charset="0"/>
+                                <a:latin typeface="Cambria Math" charset="0"/>
                                 <a:cs typeface="Times New Roman" panose="02020603050405020304" pitchFamily="18" charset="0"/>
                               </a:rPr>
                             </m:ctrlPr>
@@ -26026,7 +26253,7 @@
                       <m:sSubPr>
                         <m:ctrlPr>
                           <a:rPr lang="en-US" sz="2800" b="0" i="1" smtClean="0">
-                            <a:latin typeface="Cambria Math" panose="02040503050406030204" pitchFamily="18" charset="0"/>
+                            <a:latin typeface="Cambria Math" charset="0"/>
                             <a:cs typeface="Times New Roman" panose="02020603050405020304" pitchFamily="18" charset="0"/>
                           </a:rPr>
                         </m:ctrlPr>
@@ -26081,7 +26308,7 @@
                       <m:dPr>
                         <m:ctrlPr>
                           <a:rPr lang="en-US" sz="2800" i="1">
-                            <a:latin typeface="Cambria Math" panose="02040503050406030204" pitchFamily="18" charset="0"/>
+                            <a:latin typeface="Cambria Math" charset="0"/>
                           </a:rPr>
                         </m:ctrlPr>
                       </m:dPr>
@@ -26092,7 +26319,7 @@
                             <m:endChr m:val="|"/>
                             <m:ctrlPr>
                               <a:rPr lang="en-US" sz="2800" b="0" i="1" smtClean="0">
-                                <a:latin typeface="Cambria Math" panose="02040503050406030204" pitchFamily="18" charset="0"/>
+                                <a:latin typeface="Cambria Math" charset="0"/>
                               </a:rPr>
                             </m:ctrlPr>
                           </m:dPr>
@@ -26101,7 +26328,7 @@
                               <m:sSubPr>
                                 <m:ctrlPr>
                                   <a:rPr lang="en-US" sz="2800" b="0" i="1" smtClean="0">
-                                    <a:latin typeface="Cambria Math" panose="02040503050406030204" pitchFamily="18" charset="0"/>
+                                    <a:latin typeface="Cambria Math" charset="0"/>
                                   </a:rPr>
                                 </m:ctrlPr>
                               </m:sSubPr>
@@ -26148,7 +26375,7 @@
                             <m:endChr m:val="|"/>
                             <m:ctrlPr>
                               <a:rPr lang="en-US" sz="2800" b="0" i="1" smtClean="0">
-                                <a:latin typeface="Cambria Math" panose="02040503050406030204" pitchFamily="18" charset="0"/>
+                                <a:latin typeface="Cambria Math" charset="0"/>
                               </a:rPr>
                             </m:ctrlPr>
                           </m:dPr>
@@ -26157,7 +26384,7 @@
                               <m:sSubPr>
                                 <m:ctrlPr>
                                   <a:rPr lang="en-US" sz="2800" b="0" i="1" smtClean="0">
-                                    <a:latin typeface="Cambria Math" panose="02040503050406030204" pitchFamily="18" charset="0"/>
+                                    <a:latin typeface="Cambria Math" charset="0"/>
                                   </a:rPr>
                                 </m:ctrlPr>
                               </m:sSubPr>
@@ -26190,7 +26417,7 @@
                           <m:funcPr>
                             <m:ctrlPr>
                               <a:rPr lang="en-US" sz="2800" i="1">
-                                <a:latin typeface="Cambria Math" panose="02040503050406030204" pitchFamily="18" charset="0"/>
+                                <a:latin typeface="Cambria Math" charset="0"/>
                               </a:rPr>
                             </m:ctrlPr>
                           </m:funcPr>
@@ -26210,7 +26437,7 @@
                               <m:dPr>
                                 <m:ctrlPr>
                                   <a:rPr lang="en-US" sz="2800" b="0" i="1" smtClean="0">
-                                    <a:latin typeface="Cambria Math" panose="02040503050406030204" pitchFamily="18" charset="0"/>
+                                    <a:latin typeface="Cambria Math" charset="0"/>
                                   </a:rPr>
                                 </m:ctrlPr>
                               </m:dPr>
@@ -26221,7 +26448,7 @@
                                     <m:endChr m:val="|"/>
                                     <m:ctrlPr>
                                       <a:rPr lang="en-US" sz="2800" b="0" i="1" smtClean="0">
-                                        <a:latin typeface="Cambria Math" panose="02040503050406030204" pitchFamily="18" charset="0"/>
+                                        <a:latin typeface="Cambria Math" charset="0"/>
                                       </a:rPr>
                                     </m:ctrlPr>
                                   </m:dPr>
@@ -26230,7 +26457,7 @@
                                       <m:sSubPr>
                                         <m:ctrlPr>
                                           <a:rPr lang="en-US" sz="2800" b="0" i="1" smtClean="0">
-                                            <a:latin typeface="Cambria Math" panose="02040503050406030204" pitchFamily="18" charset="0"/>
+                                            <a:latin typeface="Cambria Math" charset="0"/>
                                           </a:rPr>
                                         </m:ctrlPr>
                                       </m:sSubPr>
@@ -26896,7 +27123,6 @@
               <a:rPr lang="en-SG" sz="1000" dirty="0"/>
               <a:t> (pp. 87-94). ACM.</a:t>
             </a:r>
-            <a:endParaRPr lang="en-SG" sz="1000" dirty="0"/>
           </a:p>
         </p:txBody>
       </p:sp>
@@ -27324,7 +27550,6 @@
               <a:rPr lang="en-SG" sz="1200" dirty="0"/>
               <a:t> (pp. 1389-1398). ACM.</a:t>
             </a:r>
-            <a:endParaRPr lang="en-SG" sz="1200" dirty="0"/>
           </a:p>
         </p:txBody>
       </p:sp>
@@ -28295,7 +28520,7 @@
         <p:spPr>
           <a:xfrm>
             <a:off x="457200" y="1143000"/>
-            <a:ext cx="8229600" cy="5299912"/>
+            <a:ext cx="8229600" cy="5669244"/>
           </a:xfrm>
         </p:spPr>
         <p:txBody>
@@ -28318,23 +28543,16 @@
                 <a:latin typeface="Times New Roman" panose="02020603050405020304" pitchFamily="18" charset="0"/>
                 <a:cs typeface="Times New Roman" panose="02020603050405020304" pitchFamily="18" charset="0"/>
               </a:rPr>
-              <a:t>Problem (</a:t>
-            </a:r>
-            <a:r>
-              <a:rPr lang="en-US" sz="2400" b="1" dirty="0">
+              <a:t>Problem </a:t>
+            </a:r>
+            <a:r>
+              <a:rPr lang="en-US" sz="2400" dirty="0" smtClean="0">
                 <a:latin typeface="Times New Roman" panose="02020603050405020304" pitchFamily="18" charset="0"/>
                 <a:cs typeface="Times New Roman" panose="02020603050405020304" pitchFamily="18" charset="0"/>
               </a:rPr>
-              <a:t>H</a:t>
-            </a:r>
-            <a:r>
-              <a:rPr lang="en-US" sz="2400" b="1" dirty="0" smtClean="0">
-                <a:latin typeface="Times New Roman" panose="02020603050405020304" pitchFamily="18" charset="0"/>
-                <a:cs typeface="Times New Roman" panose="02020603050405020304" pitchFamily="18" charset="0"/>
-              </a:rPr>
-              <a:t>ady)</a:t>
-            </a:r>
-            <a:endParaRPr lang="en-US" sz="2400" b="1" dirty="0">
+              <a:t>(Duration: 45 mins)</a:t>
+            </a:r>
+            <a:endParaRPr lang="en-US" sz="2400" dirty="0">
               <a:latin typeface="Times New Roman" panose="02020603050405020304" pitchFamily="18" charset="0"/>
               <a:cs typeface="Times New Roman" panose="02020603050405020304" pitchFamily="18" charset="0"/>
             </a:endParaRPr>
@@ -28385,8 +28603,26 @@
                 <a:latin typeface="Times New Roman" panose="02020603050405020304" pitchFamily="18" charset="0"/>
                 <a:cs typeface="Times New Roman" panose="02020603050405020304" pitchFamily="18" charset="0"/>
               </a:rPr>
-              <a:t>Approaches for Scalable Recommendation Retrieval</a:t>
-            </a:r>
+              <a:t>Approaches for Scalable Recommendation </a:t>
+            </a:r>
+            <a:r>
+              <a:rPr lang="en-US" sz="2400" b="1" dirty="0" smtClean="0">
+                <a:latin typeface="Times New Roman" panose="02020603050405020304" pitchFamily="18" charset="0"/>
+                <a:cs typeface="Times New Roman" panose="02020603050405020304" pitchFamily="18" charset="0"/>
+              </a:rPr>
+              <a:t>Retrieval </a:t>
+            </a:r>
+            <a:r>
+              <a:rPr lang="en-US" sz="2400" dirty="0" smtClean="0">
+                <a:latin typeface="Times New Roman" panose="02020603050405020304" pitchFamily="18" charset="0"/>
+                <a:cs typeface="Times New Roman" panose="02020603050405020304" pitchFamily="18" charset="0"/>
+              </a:rPr>
+              <a:t>(Duration: 105 mins)</a:t>
+            </a:r>
+            <a:endParaRPr lang="en-US" sz="2400" dirty="0">
+              <a:latin typeface="Times New Roman" panose="02020603050405020304" pitchFamily="18" charset="0"/>
+              <a:cs typeface="Times New Roman" panose="02020603050405020304" pitchFamily="18" charset="0"/>
+            </a:endParaRPr>
           </a:p>
           <a:p>
             <a:pPr marL="857250" lvl="1" indent="-457200">
@@ -28405,7 +28641,7 @@
                 <a:latin typeface="Times New Roman" panose="02020603050405020304" pitchFamily="18" charset="0"/>
                 <a:cs typeface="Times New Roman" panose="02020603050405020304" pitchFamily="18" charset="0"/>
               </a:rPr>
-              <a:t>Search (Andrew)        </a:t>
+              <a:t>Search       </a:t>
             </a:r>
             <a:endParaRPr lang="en-US" sz="2200" dirty="0">
               <a:latin typeface="Times New Roman" panose="02020603050405020304" pitchFamily="18" charset="0"/>
@@ -28436,21 +28672,7 @@
                 <a:latin typeface="Times New Roman" panose="02020603050405020304" pitchFamily="18" charset="0"/>
                 <a:cs typeface="Times New Roman" panose="02020603050405020304" pitchFamily="18" charset="0"/>
               </a:rPr>
-              <a:t>Representations (</a:t>
-            </a:r>
-            <a:r>
-              <a:rPr lang="en-US" sz="2200" dirty="0">
-                <a:latin typeface="Times New Roman" panose="02020603050405020304" pitchFamily="18" charset="0"/>
-                <a:cs typeface="Times New Roman" panose="02020603050405020304" pitchFamily="18" charset="0"/>
-              </a:rPr>
-              <a:t>A</a:t>
-            </a:r>
-            <a:r>
-              <a:rPr lang="en-US" sz="2200" dirty="0" smtClean="0">
-                <a:latin typeface="Times New Roman" panose="02020603050405020304" pitchFamily="18" charset="0"/>
-                <a:cs typeface="Times New Roman" panose="02020603050405020304" pitchFamily="18" charset="0"/>
-              </a:rPr>
-              <a:t>ndrew)</a:t>
+              <a:t>Representations</a:t>
             </a:r>
             <a:endParaRPr lang="en-US" sz="2200" dirty="0">
               <a:latin typeface="Times New Roman" panose="02020603050405020304" pitchFamily="18" charset="0"/>
@@ -28474,21 +28696,7 @@
                 <a:latin typeface="Times New Roman" panose="02020603050405020304" pitchFamily="18" charset="0"/>
                 <a:cs typeface="Times New Roman" panose="02020603050405020304" pitchFamily="18" charset="0"/>
               </a:rPr>
-              <a:t>Representations (</a:t>
-            </a:r>
-            <a:r>
-              <a:rPr lang="en-US" sz="2200" dirty="0">
-                <a:latin typeface="Times New Roman" panose="02020603050405020304" pitchFamily="18" charset="0"/>
-                <a:cs typeface="Times New Roman" panose="02020603050405020304" pitchFamily="18" charset="0"/>
-              </a:rPr>
-              <a:t>H</a:t>
-            </a:r>
-            <a:r>
-              <a:rPr lang="en-US" sz="2200" dirty="0" smtClean="0">
-                <a:latin typeface="Times New Roman" panose="02020603050405020304" pitchFamily="18" charset="0"/>
-                <a:cs typeface="Times New Roman" panose="02020603050405020304" pitchFamily="18" charset="0"/>
-              </a:rPr>
-              <a:t>ady)</a:t>
+              <a:t>Representations</a:t>
             </a:r>
             <a:endParaRPr lang="en-US" sz="2200" dirty="0">
               <a:latin typeface="Times New Roman" panose="02020603050405020304" pitchFamily="18" charset="0"/>
@@ -28515,30 +28723,16 @@
                 <a:latin typeface="Times New Roman" panose="02020603050405020304" pitchFamily="18" charset="0"/>
                 <a:cs typeface="Times New Roman" panose="02020603050405020304" pitchFamily="18" charset="0"/>
               </a:rPr>
-              <a:t>Hands-on Session (Python + </a:t>
-            </a:r>
-            <a:r>
-              <a:rPr lang="en-US" sz="2400" b="1" dirty="0" err="1">
+              <a:t>Hands-on Session </a:t>
+            </a:r>
+            <a:r>
+              <a:rPr lang="en-US" sz="2400" dirty="0" smtClean="0">
                 <a:latin typeface="Times New Roman" panose="02020603050405020304" pitchFamily="18" charset="0"/>
                 <a:cs typeface="Times New Roman" panose="02020603050405020304" pitchFamily="18" charset="0"/>
               </a:rPr>
-              <a:t>Jupyter</a:t>
-            </a:r>
-            <a:r>
-              <a:rPr lang="en-US" sz="2400" b="1" dirty="0">
-                <a:latin typeface="Times New Roman" panose="02020603050405020304" pitchFamily="18" charset="0"/>
-                <a:cs typeface="Times New Roman" panose="02020603050405020304" pitchFamily="18" charset="0"/>
-              </a:rPr>
-              <a:t> Notebook</a:t>
-            </a:r>
-            <a:r>
-              <a:rPr lang="en-US" sz="2400" b="1" dirty="0" smtClean="0">
-                <a:latin typeface="Times New Roman" panose="02020603050405020304" pitchFamily="18" charset="0"/>
-                <a:cs typeface="Times New Roman" panose="02020603050405020304" pitchFamily="18" charset="0"/>
-              </a:rPr>
-              <a:t>) (Andrew)</a:t>
-            </a:r>
-            <a:endParaRPr lang="en-US" sz="2400" b="1" dirty="0">
+              <a:t>(Duration: 60 mins)</a:t>
+            </a:r>
+            <a:endParaRPr lang="en-US" sz="2400" dirty="0">
               <a:latin typeface="Times New Roman" panose="02020603050405020304" pitchFamily="18" charset="0"/>
               <a:cs typeface="Times New Roman" panose="02020603050405020304" pitchFamily="18" charset="0"/>
             </a:endParaRPr>
@@ -29164,7 +29358,7 @@
                         <m:sSupPr>
                           <m:ctrlPr>
                             <a:rPr lang="en-US" b="0" i="1" dirty="0" smtClean="0">
-                              <a:latin typeface="Cambria Math" panose="02040503050406030204" pitchFamily="18" charset="0"/>
+                              <a:latin typeface="Cambria Math" charset="0"/>
                             </a:rPr>
                           </m:ctrlPr>
                         </m:sSupPr>
@@ -29497,7 +29691,7 @@
                         <m:sSubPr>
                           <m:ctrlPr>
                             <a:rPr lang="en-US" b="0" i="1" dirty="0" smtClean="0">
-                              <a:latin typeface="Cambria Math" panose="02040503050406030204" pitchFamily="18" charset="0"/>
+                              <a:latin typeface="Cambria Math" charset="0"/>
                             </a:rPr>
                           </m:ctrlPr>
                         </m:sSubPr>
@@ -29967,7 +30161,7 @@
                         <m:sSubPr>
                           <m:ctrlPr>
                             <a:rPr lang="en-US" b="0" i="1" dirty="0" smtClean="0">
-                              <a:latin typeface="Cambria Math" panose="02040503050406030204" pitchFamily="18" charset="0"/>
+                              <a:latin typeface="Cambria Math" charset="0"/>
                             </a:rPr>
                           </m:ctrlPr>
                         </m:sSubPr>
@@ -30162,7 +30356,7 @@
                       <m:sSubPr>
                         <m:ctrlPr>
                           <a:rPr lang="en-US" b="0" i="1" dirty="0" smtClean="0">
-                            <a:latin typeface="Cambria Math" panose="02040503050406030204" pitchFamily="18" charset="0"/>
+                            <a:latin typeface="Cambria Math" charset="0"/>
                           </a:rPr>
                         </m:ctrlPr>
                       </m:sSubPr>
@@ -30850,7 +31044,7 @@
                         <m:sSubPr>
                           <m:ctrlPr>
                             <a:rPr lang="en-US" b="0" i="1" dirty="0" smtClean="0">
-                              <a:latin typeface="Cambria Math" panose="02040503050406030204" pitchFamily="18" charset="0"/>
+                              <a:latin typeface="Cambria Math" charset="0"/>
                             </a:rPr>
                           </m:ctrlPr>
                         </m:sSubPr>
@@ -31167,7 +31361,7 @@
                         <m:sSubPr>
                           <m:ctrlPr>
                             <a:rPr lang="en-US" b="0" i="1" dirty="0" smtClean="0">
-                              <a:latin typeface="Cambria Math" panose="02040503050406030204" pitchFamily="18" charset="0"/>
+                              <a:latin typeface="Cambria Math" charset="0"/>
                             </a:rPr>
                           </m:ctrlPr>
                         </m:sSubPr>
@@ -31362,7 +31556,7 @@
                       <m:sSubPr>
                         <m:ctrlPr>
                           <a:rPr lang="en-US" b="0" i="1" dirty="0" smtClean="0">
-                            <a:latin typeface="Cambria Math" panose="02040503050406030204" pitchFamily="18" charset="0"/>
+                            <a:latin typeface="Cambria Math" charset="0"/>
                           </a:rPr>
                         </m:ctrlPr>
                       </m:sSubPr>
@@ -31660,8 +31854,8 @@
           </a:p>
         </p:txBody>
       </p:sp>
-      <mc:AlternateContent xmlns:mc="http://schemas.openxmlformats.org/markup-compatibility/2006" xmlns:a14="http://schemas.microsoft.com/office/drawing/2010/main">
-        <mc:Choice Requires="a14">
+      <mc:AlternateContent xmlns:mc="http://schemas.openxmlformats.org/markup-compatibility/2006">
+        <mc:Choice xmlns:a14="http://schemas.microsoft.com/office/drawing/2010/main" Requires="a14">
           <p:sp>
             <p:nvSpPr>
               <p:cNvPr id="4" name="TextBox 3"/>
@@ -31671,7 +31865,7 @@
             <p:spPr>
               <a:xfrm>
                 <a:off x="685800" y="4499854"/>
-                <a:ext cx="7030835" cy="1631216"/>
+                <a:ext cx="8180894" cy="1938992"/>
               </a:xfrm>
               <a:prstGeom prst="rect">
                 <a:avLst/>
@@ -31685,7 +31879,7 @@
               <a:lstStyle/>
               <a:p>
                 <a:r>
-                  <a:rPr lang="en-US" sz="2000" dirty="0">
+                  <a:rPr lang="en-US" sz="2400" dirty="0">
                     <a:latin typeface="Times New Roman" panose="02020603050405020304" pitchFamily="18" charset="0"/>
                     <a:cs typeface="Times New Roman" panose="02020603050405020304" pitchFamily="18" charset="0"/>
                   </a:rPr>
@@ -31696,14 +31890,14 @@
                     <m:sSub>
                       <m:sSubPr>
                         <m:ctrlPr>
-                          <a:rPr lang="en-US" sz="2000" b="0" i="1" smtClean="0">
-                            <a:latin typeface="Cambria Math" panose="02040503050406030204" pitchFamily="18" charset="0"/>
+                          <a:rPr lang="en-US" sz="2400" b="0" i="1" smtClean="0">
+                            <a:latin typeface="Cambria Math" charset="0"/>
                           </a:rPr>
                         </m:ctrlPr>
                       </m:sSubPr>
                       <m:e>
                         <m:r>
-                          <a:rPr lang="en-US" sz="2000" b="0" i="1" smtClean="0">
+                          <a:rPr lang="en-US" sz="2400" b="0" i="1" smtClean="0">
                             <a:latin typeface="Cambria Math" panose="02040503050406030204" pitchFamily="18" charset="0"/>
                           </a:rPr>
                           <m:t>𝑥</m:t>
@@ -31711,7 +31905,7 @@
                       </m:e>
                       <m:sub>
                         <m:r>
-                          <a:rPr lang="en-US" sz="2000" b="0" i="1" smtClean="0">
+                          <a:rPr lang="en-US" sz="2400" b="0" i="1" smtClean="0">
                             <a:latin typeface="Cambria Math" panose="02040503050406030204" pitchFamily="18" charset="0"/>
                           </a:rPr>
                           <m:t>𝑢</m:t>
@@ -31721,7 +31915,7 @@
                   </m:oMath>
                 </a14:m>
                 <a:r>
-                  <a:rPr lang="en-SG" sz="2000" dirty="0">
+                  <a:rPr lang="en-SG" sz="2400" dirty="0">
                     <a:latin typeface="Times New Roman" panose="02020603050405020304" pitchFamily="18" charset="0"/>
                     <a:cs typeface="Times New Roman" panose="02020603050405020304" pitchFamily="18" charset="0"/>
                   </a:rPr>
@@ -31736,37 +31930,37 @@
                 <a14:m>
                   <m:oMath xmlns:m="http://schemas.openxmlformats.org/officeDocument/2006/math">
                     <m:r>
-                      <a:rPr lang="en-US" sz="2000" b="1" i="0" smtClean="0">
+                      <a:rPr lang="en-US" sz="2400" b="1" i="0" smtClean="0">
                         <a:latin typeface="Cambria Math" panose="02040503050406030204" pitchFamily="18" charset="0"/>
                       </a:rPr>
                       <m:t>𝐎</m:t>
                     </m:r>
                     <m:r>
-                      <a:rPr lang="en-US" sz="2000" b="1" i="0" smtClean="0">
+                      <a:rPr lang="en-US" sz="2400" b="1" i="0" smtClean="0">
                         <a:latin typeface="Cambria Math" panose="02040503050406030204" pitchFamily="18" charset="0"/>
                       </a:rPr>
                       <m:t>(</m:t>
                     </m:r>
                     <m:r>
-                      <a:rPr lang="en-US" sz="2000" b="1" i="0" smtClean="0">
+                      <a:rPr lang="en-US" sz="2400" b="1" i="0" smtClean="0">
                         <a:latin typeface="Cambria Math" panose="02040503050406030204" pitchFamily="18" charset="0"/>
                       </a:rPr>
                       <m:t>𝐧</m:t>
                     </m:r>
                     <m:r>
-                      <a:rPr lang="en-US" sz="2000" b="1" i="0" smtClean="0">
+                      <a:rPr lang="en-US" sz="2400" b="1" i="0" smtClean="0">
                         <a:latin typeface="Cambria Math" panose="02040503050406030204" pitchFamily="18" charset="0"/>
                       </a:rPr>
                       <m:t>×</m:t>
                     </m:r>
                     <m:r>
-                      <a:rPr lang="en-US" sz="2000" b="1" i="0" smtClean="0">
+                      <a:rPr lang="en-US" sz="2400" b="1" i="0" smtClean="0">
                         <a:latin typeface="Cambria Math" panose="02040503050406030204" pitchFamily="18" charset="0"/>
                       </a:rPr>
                       <m:t>𝐤</m:t>
                     </m:r>
                     <m:r>
-                      <a:rPr lang="en-US" sz="2000" b="1" i="0" smtClean="0">
+                      <a:rPr lang="en-US" sz="2400" b="1" i="0" smtClean="0">
                         <a:latin typeface="Cambria Math" panose="02040503050406030204" pitchFamily="18" charset="0"/>
                       </a:rPr>
                       <m:t>)</m:t>
@@ -31774,7 +31968,7 @@
                   </m:oMath>
                 </a14:m>
                 <a:r>
-                  <a:rPr lang="en-SG" sz="2000" dirty="0">
+                  <a:rPr lang="en-SG" sz="2400" dirty="0">
                     <a:latin typeface="Times New Roman" panose="02020603050405020304" pitchFamily="18" charset="0"/>
                     <a:cs typeface="Times New Roman" panose="02020603050405020304" pitchFamily="18" charset="0"/>
                   </a:rPr>
@@ -31783,13 +31977,13 @@
                 <a14:m>
                   <m:oMath xmlns:m="http://schemas.openxmlformats.org/officeDocument/2006/math">
                     <m:r>
-                      <a:rPr lang="en-US" sz="2000" b="0" i="1" smtClean="0">
+                      <a:rPr lang="en-US" sz="2400" b="0" i="1" smtClean="0">
                         <a:latin typeface="Cambria Math" panose="02040503050406030204" pitchFamily="18" charset="0"/>
                       </a:rPr>
                       <m:t>𝑛</m:t>
                     </m:r>
                     <m:r>
-                      <a:rPr lang="en-US" sz="2000" b="0" i="1" smtClean="0">
+                      <a:rPr lang="en-US" sz="2400" b="0" i="1" smtClean="0">
                         <a:latin typeface="Cambria Math" panose="02040503050406030204" pitchFamily="18" charset="0"/>
                       </a:rPr>
                       <m:t> </m:t>
@@ -31797,7 +31991,7 @@
                   </m:oMath>
                 </a14:m>
                 <a:r>
-                  <a:rPr lang="en-SG" sz="2000" dirty="0">
+                  <a:rPr lang="en-SG" sz="2400" dirty="0">
                     <a:latin typeface="Times New Roman" panose="02020603050405020304" pitchFamily="18" charset="0"/>
                     <a:cs typeface="Times New Roman" panose="02020603050405020304" pitchFamily="18" charset="0"/>
                   </a:rPr>
@@ -31812,25 +32006,25 @@
                 <a14:m>
                   <m:oMath xmlns:m="http://schemas.openxmlformats.org/officeDocument/2006/math">
                     <m:r>
-                      <a:rPr lang="en-US" sz="2000" b="1" i="0" smtClean="0">
+                      <a:rPr lang="en-US" sz="2400" b="1" i="0" smtClean="0">
                         <a:latin typeface="Cambria Math" panose="02040503050406030204" pitchFamily="18" charset="0"/>
                       </a:rPr>
                       <m:t>𝐎</m:t>
                     </m:r>
                     <m:r>
-                      <a:rPr lang="en-US" sz="2000" b="1" i="0" smtClean="0">
+                      <a:rPr lang="en-US" sz="2400" b="1" i="0" smtClean="0">
                         <a:latin typeface="Cambria Math" panose="02040503050406030204" pitchFamily="18" charset="0"/>
                       </a:rPr>
                       <m:t>(</m:t>
                     </m:r>
                     <m:r>
-                      <a:rPr lang="en-US" sz="2000" b="1" i="0" smtClean="0">
+                      <a:rPr lang="en-US" sz="2400" b="1" i="0" smtClean="0">
                         <a:latin typeface="Cambria Math" panose="02040503050406030204" pitchFamily="18" charset="0"/>
                       </a:rPr>
                       <m:t>𝐧</m:t>
                     </m:r>
                     <m:r>
-                      <a:rPr lang="en-US" sz="2000" b="1" i="0" smtClean="0">
+                      <a:rPr lang="en-US" sz="2400" b="1" i="0" smtClean="0">
                         <a:latin typeface="Cambria Math" panose="02040503050406030204" pitchFamily="18" charset="0"/>
                       </a:rPr>
                       <m:t>×</m:t>
@@ -31838,14 +32032,14 @@
                     <m:func>
                       <m:funcPr>
                         <m:ctrlPr>
-                          <a:rPr lang="en-US" sz="2000" b="1" i="1" smtClean="0">
-                            <a:latin typeface="Cambria Math" panose="02040503050406030204" pitchFamily="18" charset="0"/>
+                          <a:rPr lang="en-US" sz="2400" b="1" i="1" smtClean="0">
+                            <a:latin typeface="Cambria Math" charset="0"/>
                           </a:rPr>
                         </m:ctrlPr>
                       </m:funcPr>
                       <m:fName>
                         <m:r>
-                          <a:rPr lang="en-US" sz="2000" b="1" i="0" smtClean="0">
+                          <a:rPr lang="en-US" sz="2400" b="1" i="0" smtClean="0">
                             <a:latin typeface="Cambria Math" panose="02040503050406030204" pitchFamily="18" charset="0"/>
                           </a:rPr>
                           <m:t>𝐥𝐨𝐠</m:t>
@@ -31853,19 +32047,19 @@
                       </m:fName>
                       <m:e>
                         <m:r>
-                          <a:rPr lang="en-US" sz="2000" b="1" i="0" smtClean="0">
+                          <a:rPr lang="en-US" sz="2400" b="1" i="0" smtClean="0">
                             <a:latin typeface="Cambria Math" panose="02040503050406030204" pitchFamily="18" charset="0"/>
                           </a:rPr>
                           <m:t>(</m:t>
                         </m:r>
                         <m:r>
-                          <a:rPr lang="en-US" sz="2000" b="1" i="0" smtClean="0">
+                          <a:rPr lang="en-US" sz="2400" b="1" i="0" smtClean="0">
                             <a:latin typeface="Cambria Math" panose="02040503050406030204" pitchFamily="18" charset="0"/>
                           </a:rPr>
                           <m:t>𝐧</m:t>
                         </m:r>
                         <m:r>
-                          <a:rPr lang="en-US" sz="2000" b="1" i="0" smtClean="0">
+                          <a:rPr lang="en-US" sz="2400" b="1" i="0" smtClean="0">
                             <a:latin typeface="Cambria Math" panose="02040503050406030204" pitchFamily="18" charset="0"/>
                           </a:rPr>
                           <m:t>)</m:t>
@@ -31873,7 +32067,7 @@
                       </m:e>
                     </m:func>
                     <m:r>
-                      <a:rPr lang="en-US" sz="2000" b="1" i="0" smtClean="0">
+                      <a:rPr lang="en-US" sz="2400" b="1" i="0" smtClean="0">
                         <a:latin typeface="Cambria Math" panose="02040503050406030204" pitchFamily="18" charset="0"/>
                       </a:rPr>
                       <m:t>)</m:t>
@@ -31881,7 +32075,7 @@
                   </m:oMath>
                 </a14:m>
                 <a:r>
-                  <a:rPr lang="en-SG" sz="2000" dirty="0">
+                  <a:rPr lang="en-SG" sz="2400" dirty="0">
                     <a:latin typeface="Times New Roman" panose="02020603050405020304" pitchFamily="18" charset="0"/>
                     <a:cs typeface="Times New Roman" panose="02020603050405020304" pitchFamily="18" charset="0"/>
                   </a:rPr>
@@ -31894,7 +32088,7 @@
                   <a:buChar char="•"/>
                 </a:pPr>
                 <a:r>
-                  <a:rPr lang="en-US" sz="2000" dirty="0">
+                  <a:rPr lang="en-US" sz="2400" dirty="0">
                     <a:latin typeface="Times New Roman" panose="02020603050405020304" pitchFamily="18" charset="0"/>
                     <a:cs typeface="Times New Roman" panose="02020603050405020304" pitchFamily="18" charset="0"/>
                   </a:rPr>
@@ -31904,7 +32098,7 @@
               <a:p>
                 <a:pPr lvl="1"/>
                 <a:r>
-                  <a:rPr lang="en-US" sz="2000" dirty="0">
+                  <a:rPr lang="en-US" sz="2400" dirty="0">
                     <a:latin typeface="Times New Roman" panose="02020603050405020304" pitchFamily="18" charset="0"/>
                     <a:cs typeface="Times New Roman" panose="02020603050405020304" pitchFamily="18" charset="0"/>
                   </a:rPr>
@@ -31913,55 +32107,55 @@
                 <a14:m>
                   <m:oMath xmlns:m="http://schemas.openxmlformats.org/officeDocument/2006/math">
                     <m:r>
-                      <a:rPr lang="en-US" sz="2000" b="0" i="0" smtClean="0">
+                      <a:rPr lang="en-US" sz="2400" b="0" i="0" smtClean="0">
                         <a:latin typeface="Cambria Math" panose="02040503050406030204" pitchFamily="18" charset="0"/>
                       </a:rPr>
                       <m:t>      </m:t>
                     </m:r>
                     <m:r>
-                      <a:rPr lang="en-US" sz="2000" b="0" i="1" smtClean="0">
+                      <a:rPr lang="en-US" sz="2400" b="0" i="1" smtClean="0">
                         <a:latin typeface="Cambria Math" panose="02040503050406030204" pitchFamily="18" charset="0"/>
                       </a:rPr>
                       <m:t>𝑂</m:t>
                     </m:r>
                     <m:r>
-                      <a:rPr lang="en-US" sz="2000" b="0" i="1" smtClean="0">
+                      <a:rPr lang="en-US" sz="2400" b="0" i="1" smtClean="0">
                         <a:latin typeface="Cambria Math" panose="02040503050406030204" pitchFamily="18" charset="0"/>
                       </a:rPr>
                       <m:t>(</m:t>
                     </m:r>
                     <m:r>
-                      <a:rPr lang="en-US" sz="2000" b="0" i="1" smtClean="0">
+                      <a:rPr lang="en-US" sz="2400" b="0" i="1" smtClean="0">
                         <a:latin typeface="Cambria Math" panose="02040503050406030204" pitchFamily="18" charset="0"/>
                       </a:rPr>
                       <m:t>𝑛</m:t>
                     </m:r>
                     <m:r>
-                      <a:rPr lang="en-US" sz="2000" b="0" i="1" smtClean="0">
+                      <a:rPr lang="en-US" sz="2400" b="0" i="1" smtClean="0">
                         <a:latin typeface="Cambria Math" panose="02040503050406030204" pitchFamily="18" charset="0"/>
                       </a:rPr>
                       <m:t>×</m:t>
                     </m:r>
                     <m:r>
-                      <a:rPr lang="en-US" sz="2000" b="0" i="1" smtClean="0">
+                      <a:rPr lang="en-US" sz="2400" b="0" i="1" smtClean="0">
                         <a:latin typeface="Cambria Math" panose="02040503050406030204" pitchFamily="18" charset="0"/>
                       </a:rPr>
                       <m:t>𝑘</m:t>
                     </m:r>
                     <m:r>
-                      <a:rPr lang="en-US" sz="2000" b="0" i="1" smtClean="0">
+                      <a:rPr lang="en-US" sz="2400" b="0" i="1" smtClean="0">
                         <a:latin typeface="Cambria Math" panose="02040503050406030204" pitchFamily="18" charset="0"/>
                       </a:rPr>
                       <m:t>+</m:t>
                     </m:r>
                     <m:r>
-                      <a:rPr lang="en-US" sz="2000" b="0" i="1" smtClean="0">
+                      <a:rPr lang="en-US" sz="2400" b="0" i="1" smtClean="0">
                         <a:latin typeface="Cambria Math" panose="02040503050406030204" pitchFamily="18" charset="0"/>
                       </a:rPr>
                       <m:t>𝑛</m:t>
                     </m:r>
                     <m:r>
-                      <a:rPr lang="en-US" sz="2000" b="0" i="1" smtClean="0">
+                      <a:rPr lang="en-US" sz="2400" b="0" i="1" smtClean="0">
                         <a:latin typeface="Cambria Math" panose="02040503050406030204" pitchFamily="18" charset="0"/>
                       </a:rPr>
                       <m:t>×</m:t>
@@ -31969,8 +32163,8 @@
                     <m:func>
                       <m:funcPr>
                         <m:ctrlPr>
-                          <a:rPr lang="en-US" sz="2000" b="0" i="1" smtClean="0">
-                            <a:latin typeface="Cambria Math" panose="02040503050406030204" pitchFamily="18" charset="0"/>
+                          <a:rPr lang="en-US" sz="2400" b="0" i="1" smtClean="0">
+                            <a:latin typeface="Cambria Math" charset="0"/>
                           </a:rPr>
                         </m:ctrlPr>
                       </m:funcPr>
@@ -31979,7 +32173,7 @@
                           <m:rPr>
                             <m:sty m:val="p"/>
                           </m:rPr>
-                          <a:rPr lang="en-US" sz="2000" b="0" i="0" smtClean="0">
+                          <a:rPr lang="en-US" sz="2400" b="0" i="0" smtClean="0">
                             <a:latin typeface="Cambria Math" panose="02040503050406030204" pitchFamily="18" charset="0"/>
                           </a:rPr>
                           <m:t>log</m:t>
@@ -31987,19 +32181,19 @@
                       </m:fName>
                       <m:e>
                         <m:r>
-                          <a:rPr lang="en-US" sz="2000" b="0" i="1" smtClean="0">
+                          <a:rPr lang="en-US" sz="2400" b="0" i="1" smtClean="0">
                             <a:latin typeface="Cambria Math" panose="02040503050406030204" pitchFamily="18" charset="0"/>
                           </a:rPr>
                           <m:t>(</m:t>
                         </m:r>
                         <m:r>
-                          <a:rPr lang="en-US" sz="2000" b="0" i="1" smtClean="0">
+                          <a:rPr lang="en-US" sz="2400" b="0" i="1" smtClean="0">
                             <a:latin typeface="Cambria Math" panose="02040503050406030204" pitchFamily="18" charset="0"/>
                           </a:rPr>
                           <m:t>𝑛</m:t>
                         </m:r>
                         <m:r>
-                          <a:rPr lang="en-US" sz="2000" b="0" i="1" smtClean="0">
+                          <a:rPr lang="en-US" sz="2400" b="0" i="1" smtClean="0">
                             <a:latin typeface="Cambria Math" panose="02040503050406030204" pitchFamily="18" charset="0"/>
                           </a:rPr>
                           <m:t>)</m:t>
@@ -32007,14 +32201,14 @@
                       </m:e>
                     </m:func>
                     <m:r>
-                      <a:rPr lang="en-US" sz="2000" b="0" i="1" smtClean="0">
+                      <a:rPr lang="en-US" sz="2400" b="0" i="1" smtClean="0">
                         <a:latin typeface="Cambria Math" panose="02040503050406030204" pitchFamily="18" charset="0"/>
                       </a:rPr>
                       <m:t>)</m:t>
                     </m:r>
                   </m:oMath>
                 </a14:m>
-                <a:endParaRPr lang="en-SG" sz="2000" dirty="0">
+                <a:endParaRPr lang="en-SG" sz="2400" dirty="0">
                   <a:latin typeface="Times New Roman" panose="02020603050405020304" pitchFamily="18" charset="0"/>
                   <a:cs typeface="Times New Roman" panose="02020603050405020304" pitchFamily="18" charset="0"/>
                 </a:endParaRPr>
@@ -32022,7 +32216,7 @@
             </p:txBody>
           </p:sp>
         </mc:Choice>
-        <mc:Fallback xmlns="">
+        <mc:Fallback>
           <p:sp>
             <p:nvSpPr>
               <p:cNvPr id="4" name="TextBox 3"/>
@@ -32034,7 +32228,7 @@
             <p:spPr>
               <a:xfrm>
                 <a:off x="685800" y="4499854"/>
-                <a:ext cx="7030835" cy="1631216"/>
+                <a:ext cx="8180894" cy="1938992"/>
               </a:xfrm>
               <a:prstGeom prst="rect">
                 <a:avLst/>
@@ -32042,7 +32236,7 @@
               <a:blipFill rotWithShape="0">
                 <a:blip r:embed="rId8"/>
                 <a:stretch>
-                  <a:fillRect l="-954" t="-1866" r="-781" b="-3358"/>
+                  <a:fillRect l="-1192" t="-5346" r="-149" b="-30818"/>
                 </a:stretch>
               </a:blipFill>
             </p:spPr>
@@ -32051,7 +32245,7 @@
               <a:lstStyle/>
               <a:p>
                 <a:r>
-                  <a:rPr lang="en-SG">
+                  <a:rPr lang="en-US">
                     <a:noFill/>
                   </a:rPr>
                   <a:t> </a:t>
@@ -32291,8 +32485,8 @@
         </p:nvSpPr>
         <p:spPr>
           <a:xfrm>
-            <a:off x="381000" y="-30777"/>
-            <a:ext cx="6553200" cy="1138773"/>
+            <a:off x="381000" y="230833"/>
+            <a:ext cx="6553200" cy="615553"/>
           </a:xfrm>
         </p:spPr>
         <p:txBody>
@@ -32300,11 +32494,11 @@
           <a:lstStyle/>
           <a:p>
             <a:r>
-              <a:rPr lang="en-US" sz="3400" dirty="0">
+              <a:rPr lang="en-US" sz="3400" dirty="0" smtClean="0">
                 <a:latin typeface="Times New Roman" panose="02020603050405020304" pitchFamily="18" charset="0"/>
                 <a:cs typeface="Times New Roman" panose="02020603050405020304" pitchFamily="18" charset="0"/>
               </a:rPr>
-              <a:t>Approaches for Scalable Recommendation Retrieval</a:t>
+              <a:t>A Categorization </a:t>
             </a:r>
             <a:endParaRPr lang="en-SG" sz="3400" dirty="0">
               <a:latin typeface="Times New Roman" panose="02020603050405020304" pitchFamily="18" charset="0"/>

--- a/slides/aaai19-tutorial.pptx
+++ b/slides/aaai19-tutorial.pptx
@@ -5,10 +5,10 @@
     <p:sldMasterId id="2147483648" r:id="rId1"/>
   </p:sldMasterIdLst>
   <p:notesMasterIdLst>
-    <p:notesMasterId r:id="rId37"/>
+    <p:notesMasterId r:id="rId39"/>
   </p:notesMasterIdLst>
   <p:handoutMasterIdLst>
-    <p:handoutMasterId r:id="rId38"/>
+    <p:handoutMasterId r:id="rId40"/>
   </p:handoutMasterIdLst>
   <p:sldIdLst>
     <p:sldId id="271" r:id="rId2"/>
@@ -32,20 +32,22 @@
     <p:sldId id="308" r:id="rId20"/>
     <p:sldId id="310" r:id="rId21"/>
     <p:sldId id="309" r:id="rId22"/>
-    <p:sldId id="298" r:id="rId23"/>
-    <p:sldId id="299" r:id="rId24"/>
-    <p:sldId id="313" r:id="rId25"/>
-    <p:sldId id="314" r:id="rId26"/>
-    <p:sldId id="315" r:id="rId27"/>
-    <p:sldId id="311" r:id="rId28"/>
-    <p:sldId id="312" r:id="rId29"/>
-    <p:sldId id="293" r:id="rId30"/>
-    <p:sldId id="316" r:id="rId31"/>
-    <p:sldId id="320" r:id="rId32"/>
-    <p:sldId id="317" r:id="rId33"/>
-    <p:sldId id="294" r:id="rId34"/>
-    <p:sldId id="289" r:id="rId35"/>
-    <p:sldId id="274" r:id="rId36"/>
+    <p:sldId id="321" r:id="rId23"/>
+    <p:sldId id="322" r:id="rId24"/>
+    <p:sldId id="311" r:id="rId25"/>
+    <p:sldId id="312" r:id="rId26"/>
+    <p:sldId id="298" r:id="rId27"/>
+    <p:sldId id="299" r:id="rId28"/>
+    <p:sldId id="313" r:id="rId29"/>
+    <p:sldId id="314" r:id="rId30"/>
+    <p:sldId id="315" r:id="rId31"/>
+    <p:sldId id="293" r:id="rId32"/>
+    <p:sldId id="316" r:id="rId33"/>
+    <p:sldId id="320" r:id="rId34"/>
+    <p:sldId id="317" r:id="rId35"/>
+    <p:sldId id="294" r:id="rId36"/>
+    <p:sldId id="289" r:id="rId37"/>
+    <p:sldId id="274" r:id="rId38"/>
   </p:sldIdLst>
   <p:sldSz cx="9144000" cy="6858000" type="screen4x3"/>
   <p:notesSz cx="6797675" cy="9926638"/>
@@ -278,7 +280,7 @@
           <a:p>
             <a:fld id="{D6B7C6C1-58CA-4905-AEDC-9C13740575B8}" type="datetimeFigureOut">
               <a:rPr lang="en-SG" smtClean="0"/>
-              <a:t>1/1/2019</a:t>
+              <a:t>1/1/19</a:t>
             </a:fld>
             <a:endParaRPr lang="en-SG"/>
           </a:p>
@@ -1622,7 +1624,7 @@
               <a:pPr>
                 <a:defRPr/>
               </a:pPr>
-              <a:t>22</a:t>
+              <a:t>26</a:t>
             </a:fld>
             <a:endParaRPr lang="en-US" altLang="en-US"/>
           </a:p>
@@ -1716,7 +1718,7 @@
               <a:pPr>
                 <a:defRPr/>
               </a:pPr>
-              <a:t>35</a:t>
+              <a:t>37</a:t>
             </a:fld>
             <a:endParaRPr lang="en-US" altLang="en-US"/>
           </a:p>
@@ -5516,11 +5518,7 @@
           <a:p>
             <a:r>
               <a:rPr lang="en-US" sz="2800" dirty="0" smtClean="0"/>
-              <a:t>Maximum Inner Product </a:t>
-            </a:r>
-            <a:r>
-              <a:rPr lang="en-US" sz="2800" dirty="0" smtClean="0"/>
-              <a:t>Search?</a:t>
+              <a:t>Maximum Inner Product Search?</a:t>
             </a:r>
             <a:endParaRPr lang="en-US" sz="2800" dirty="0"/>
           </a:p>
@@ -5581,8 +5579,8 @@
           </a:p>
         </p:txBody>
       </p:sp>
-      <mc:AlternateContent xmlns:mc="http://schemas.openxmlformats.org/markup-compatibility/2006">
-        <mc:Choice xmlns:a14="http://schemas.microsoft.com/office/drawing/2010/main" Requires="a14">
+      <mc:AlternateContent xmlns:mc="http://schemas.openxmlformats.org/markup-compatibility/2006" xmlns:a14="http://schemas.microsoft.com/office/drawing/2010/main">
+        <mc:Choice Requires="a14">
           <p:sp>
             <p:nvSpPr>
               <p:cNvPr id="6" name="Content Placeholder 2"/>
@@ -5653,7 +5651,7 @@
                               <a:solidFill>
                                 <a:srgbClr val="002060"/>
                               </a:solidFill>
-                              <a:latin typeface="Cambria Math" panose="02040503050406030204" pitchFamily="18" charset="0"/>
+                              <a:latin typeface="Cambria Math" charset="0"/>
                               <a:cs typeface="Times New Roman" panose="02020603050405020304" pitchFamily="18" charset="0"/>
                             </a:rPr>
                           </m:ctrlPr>
@@ -5681,7 +5679,7 @@
                                   <a:solidFill>
                                     <a:srgbClr val="002060"/>
                                   </a:solidFill>
-                                  <a:latin typeface="Cambria Math" panose="02040503050406030204" pitchFamily="18" charset="0"/>
+                                  <a:latin typeface="Cambria Math" charset="0"/>
                                   <a:cs typeface="Times New Roman" panose="02020603050405020304" pitchFamily="18" charset="0"/>
                                 </a:rPr>
                               </m:ctrlPr>
@@ -5694,7 +5692,7 @@
                                       <a:solidFill>
                                         <a:srgbClr val="002060"/>
                                       </a:solidFill>
-                                      <a:latin typeface="Cambria Math" panose="02040503050406030204" pitchFamily="18" charset="0"/>
+                                      <a:latin typeface="Cambria Math" charset="0"/>
                                       <a:cs typeface="Times New Roman" panose="02020603050405020304" pitchFamily="18" charset="0"/>
                                     </a:rPr>
                                   </m:ctrlPr>
@@ -5766,7 +5764,7 @@
                                       <a:solidFill>
                                         <a:srgbClr val="002060"/>
                                       </a:solidFill>
-                                      <a:latin typeface="Cambria Math" panose="02040503050406030204" pitchFamily="18" charset="0"/>
+                                      <a:latin typeface="Cambria Math" charset="0"/>
                                       <a:cs typeface="Times New Roman" panose="02020603050405020304" pitchFamily="18" charset="0"/>
                                     </a:rPr>
                                   </m:ctrlPr>
@@ -5815,7 +5813,7 @@
                                       <a:solidFill>
                                         <a:srgbClr val="002060"/>
                                       </a:solidFill>
-                                      <a:latin typeface="Cambria Math" panose="02040503050406030204" pitchFamily="18" charset="0"/>
+                                      <a:latin typeface="Cambria Math" charset="0"/>
                                       <a:cs typeface="Times New Roman" panose="02020603050405020304" pitchFamily="18" charset="0"/>
                                     </a:rPr>
                                   </m:ctrlPr>
@@ -5863,7 +5861,7 @@
             </p:txBody>
           </p:sp>
         </mc:Choice>
-        <mc:Fallback>
+        <mc:Fallback xmlns="">
           <p:sp>
             <p:nvSpPr>
               <p:cNvPr id="6" name="Content Placeholder 2"/>
@@ -5955,7 +5953,7 @@
                       <m:sSubPr>
                         <m:ctrlPr>
                           <a:rPr lang="en-US" sz="3200" i="1">
-                            <a:latin typeface="Cambria Math" panose="02040503050406030204" pitchFamily="18" charset="0"/>
+                            <a:latin typeface="Cambria Math" charset="0"/>
                             <a:cs typeface="Times New Roman" panose="02020603050405020304" pitchFamily="18" charset="0"/>
                           </a:rPr>
                         </m:ctrlPr>
@@ -6109,8 +6107,8 @@
           </a:p>
         </p:txBody>
       </p:sp>
-      <mc:AlternateContent xmlns:mc="http://schemas.openxmlformats.org/markup-compatibility/2006">
-        <mc:Choice xmlns:a14="http://schemas.microsoft.com/office/drawing/2010/main" Requires="a14">
+      <mc:AlternateContent xmlns:mc="http://schemas.openxmlformats.org/markup-compatibility/2006" xmlns:a14="http://schemas.microsoft.com/office/drawing/2010/main">
+        <mc:Choice Requires="a14">
           <p:sp>
             <p:nvSpPr>
               <p:cNvPr id="9" name="Content Placeholder 2"/>
@@ -6332,7 +6330,7 @@
                               <a:solidFill>
                                 <a:srgbClr val="002060"/>
                               </a:solidFill>
-                              <a:latin typeface="Cambria Math" panose="02040503050406030204" pitchFamily="18" charset="0"/>
+                              <a:latin typeface="Cambria Math" charset="0"/>
                               <a:cs typeface="Times New Roman" panose="02020603050405020304" pitchFamily="18" charset="0"/>
                             </a:rPr>
                           </m:ctrlPr>
@@ -6360,7 +6358,7 @@
                                   <a:solidFill>
                                     <a:srgbClr val="002060"/>
                                   </a:solidFill>
-                                  <a:latin typeface="Cambria Math" panose="02040503050406030204" pitchFamily="18" charset="0"/>
+                                  <a:latin typeface="Cambria Math" charset="0"/>
                                   <a:cs typeface="Times New Roman" panose="02020603050405020304" pitchFamily="18" charset="0"/>
                                 </a:rPr>
                               </m:ctrlPr>
@@ -6373,7 +6371,7 @@
                                       <a:solidFill>
                                         <a:srgbClr val="002060"/>
                                       </a:solidFill>
-                                      <a:latin typeface="Cambria Math" panose="02040503050406030204" pitchFamily="18" charset="0"/>
+                                      <a:latin typeface="Cambria Math" charset="0"/>
                                       <a:cs typeface="Times New Roman" panose="02020603050405020304" pitchFamily="18" charset="0"/>
                                     </a:rPr>
                                   </m:ctrlPr>
@@ -6458,7 +6456,7 @@
                                       <a:solidFill>
                                         <a:srgbClr val="002060"/>
                                       </a:solidFill>
-                                      <a:latin typeface="Cambria Math" panose="02040503050406030204" pitchFamily="18" charset="0"/>
+                                      <a:latin typeface="Cambria Math" charset="0"/>
                                       <a:cs typeface="Times New Roman" panose="02020603050405020304" pitchFamily="18" charset="0"/>
                                     </a:rPr>
                                   </m:ctrlPr>
@@ -6473,7 +6471,7 @@
                                           <a:solidFill>
                                             <a:srgbClr val="002060"/>
                                           </a:solidFill>
-                                          <a:latin typeface="Cambria Math" panose="02040503050406030204" pitchFamily="18" charset="0"/>
+                                          <a:latin typeface="Cambria Math" charset="0"/>
                                           <a:cs typeface="Times New Roman" panose="02020603050405020304" pitchFamily="18" charset="0"/>
                                         </a:rPr>
                                       </m:ctrlPr>
@@ -6488,7 +6486,7 @@
                                               <a:solidFill>
                                                 <a:srgbClr val="002060"/>
                                               </a:solidFill>
-                                              <a:latin typeface="Cambria Math" panose="02040503050406030204" pitchFamily="18" charset="0"/>
+                                              <a:latin typeface="Cambria Math" charset="0"/>
                                               <a:cs typeface="Times New Roman" panose="02020603050405020304" pitchFamily="18" charset="0"/>
                                             </a:rPr>
                                           </m:ctrlPr>
@@ -6501,7 +6499,7 @@
                                                   <a:solidFill>
                                                     <a:srgbClr val="002060"/>
                                                   </a:solidFill>
-                                                  <a:latin typeface="Cambria Math" panose="02040503050406030204" pitchFamily="18" charset="0"/>
+                                                  <a:latin typeface="Cambria Math" charset="0"/>
                                                   <a:cs typeface="Times New Roman" panose="02020603050405020304" pitchFamily="18" charset="0"/>
                                                 </a:rPr>
                                               </m:ctrlPr>
@@ -6548,7 +6546,7 @@
                                                   <a:solidFill>
                                                     <a:srgbClr val="002060"/>
                                                   </a:solidFill>
-                                                  <a:latin typeface="Cambria Math" panose="02040503050406030204" pitchFamily="18" charset="0"/>
+                                                  <a:latin typeface="Cambria Math" charset="0"/>
                                                   <a:cs typeface="Times New Roman" panose="02020603050405020304" pitchFamily="18" charset="0"/>
                                                 </a:rPr>
                                               </m:ctrlPr>
@@ -6617,7 +6615,7 @@
                               <a:solidFill>
                                 <a:srgbClr val="002060"/>
                               </a:solidFill>
-                              <a:latin typeface="Cambria Math" panose="02040503050406030204" pitchFamily="18" charset="0"/>
+                              <a:latin typeface="Cambria Math" charset="0"/>
                               <a:cs typeface="Times New Roman" panose="02020603050405020304" pitchFamily="18" charset="0"/>
                             </a:rPr>
                           </m:ctrlPr>
@@ -6645,7 +6643,7 @@
                                   <a:solidFill>
                                     <a:srgbClr val="002060"/>
                                   </a:solidFill>
-                                  <a:latin typeface="Cambria Math" panose="02040503050406030204" pitchFamily="18" charset="0"/>
+                                  <a:latin typeface="Cambria Math" charset="0"/>
                                   <a:cs typeface="Times New Roman" panose="02020603050405020304" pitchFamily="18" charset="0"/>
                                 </a:rPr>
                               </m:ctrlPr>
@@ -6658,7 +6656,7 @@
                                       <a:solidFill>
                                         <a:srgbClr val="002060"/>
                                       </a:solidFill>
-                                      <a:latin typeface="Cambria Math" panose="02040503050406030204" pitchFamily="18" charset="0"/>
+                                      <a:latin typeface="Cambria Math" charset="0"/>
                                       <a:cs typeface="Times New Roman" panose="02020603050405020304" pitchFamily="18" charset="0"/>
                                     </a:rPr>
                                   </m:ctrlPr>
@@ -6743,7 +6741,7 @@
                                       <a:solidFill>
                                         <a:srgbClr val="002060"/>
                                       </a:solidFill>
-                                      <a:latin typeface="Cambria Math" panose="02040503050406030204" pitchFamily="18" charset="0"/>
+                                      <a:latin typeface="Cambria Math" charset="0"/>
                                       <a:cs typeface="Times New Roman" panose="02020603050405020304" pitchFamily="18" charset="0"/>
                                     </a:rPr>
                                   </m:ctrlPr>
@@ -6756,7 +6754,7 @@
                                           <a:solidFill>
                                             <a:srgbClr val="002060"/>
                                           </a:solidFill>
-                                          <a:latin typeface="Cambria Math" panose="02040503050406030204" pitchFamily="18" charset="0"/>
+                                          <a:latin typeface="Cambria Math" charset="0"/>
                                           <a:cs typeface="Times New Roman" panose="02020603050405020304" pitchFamily="18" charset="0"/>
                                         </a:rPr>
                                       </m:ctrlPr>
@@ -6771,7 +6769,7 @@
                                               <a:solidFill>
                                                 <a:srgbClr val="002060"/>
                                               </a:solidFill>
-                                              <a:latin typeface="Cambria Math" panose="02040503050406030204" pitchFamily="18" charset="0"/>
+                                              <a:latin typeface="Cambria Math" charset="0"/>
                                               <a:cs typeface="Times New Roman" panose="02020603050405020304" pitchFamily="18" charset="0"/>
                                             </a:rPr>
                                           </m:ctrlPr>
@@ -6786,7 +6784,7 @@
                                                   <a:solidFill>
                                                     <a:srgbClr val="002060"/>
                                                   </a:solidFill>
-                                                  <a:latin typeface="Cambria Math" panose="02040503050406030204" pitchFamily="18" charset="0"/>
+                                                  <a:latin typeface="Cambria Math" charset="0"/>
                                                   <a:cs typeface="Times New Roman" panose="02020603050405020304" pitchFamily="18" charset="0"/>
                                                 </a:rPr>
                                               </m:ctrlPr>
@@ -6799,7 +6797,7 @@
                                                       <a:solidFill>
                                                         <a:srgbClr val="002060"/>
                                                       </a:solidFill>
-                                                      <a:latin typeface="Cambria Math" panose="02040503050406030204" pitchFamily="18" charset="0"/>
+                                                      <a:latin typeface="Cambria Math" charset="0"/>
                                                       <a:cs typeface="Times New Roman" panose="02020603050405020304" pitchFamily="18" charset="0"/>
                                                     </a:rPr>
                                                   </m:ctrlPr>
@@ -6876,7 +6874,7 @@
                                           <a:solidFill>
                                             <a:srgbClr val="002060"/>
                                           </a:solidFill>
-                                          <a:latin typeface="Cambria Math" panose="02040503050406030204" pitchFamily="18" charset="0"/>
+                                          <a:latin typeface="Cambria Math" charset="0"/>
                                           <a:cs typeface="Times New Roman" panose="02020603050405020304" pitchFamily="18" charset="0"/>
                                         </a:rPr>
                                       </m:ctrlPr>
@@ -6925,7 +6923,7 @@
                                           <a:solidFill>
                                             <a:srgbClr val="002060"/>
                                           </a:solidFill>
-                                          <a:latin typeface="Cambria Math" panose="02040503050406030204" pitchFamily="18" charset="0"/>
+                                          <a:latin typeface="Cambria Math" charset="0"/>
                                           <a:cs typeface="Times New Roman" panose="02020603050405020304" pitchFamily="18" charset="0"/>
                                         </a:rPr>
                                       </m:ctrlPr>
@@ -7053,7 +7051,7 @@
                             <a:solidFill>
                               <a:srgbClr val="002060"/>
                             </a:solidFill>
-                            <a:latin typeface="Cambria Math" panose="02040503050406030204" pitchFamily="18" charset="0"/>
+                            <a:latin typeface="Cambria Math" charset="0"/>
                             <a:cs typeface="Times New Roman" panose="02020603050405020304" pitchFamily="18" charset="0"/>
                           </a:rPr>
                         </m:ctrlPr>
@@ -7081,7 +7079,7 @@
                                 <a:solidFill>
                                   <a:srgbClr val="002060"/>
                                 </a:solidFill>
-                                <a:latin typeface="Cambria Math" panose="02040503050406030204" pitchFamily="18" charset="0"/>
+                                <a:latin typeface="Cambria Math" charset="0"/>
                                 <a:cs typeface="Times New Roman" panose="02020603050405020304" pitchFamily="18" charset="0"/>
                               </a:rPr>
                             </m:ctrlPr>
@@ -7094,7 +7092,7 @@
                                     <a:solidFill>
                                       <a:srgbClr val="002060"/>
                                     </a:solidFill>
-                                    <a:latin typeface="Cambria Math" panose="02040503050406030204" pitchFamily="18" charset="0"/>
+                                    <a:latin typeface="Cambria Math" charset="0"/>
                                     <a:cs typeface="Times New Roman" panose="02020603050405020304" pitchFamily="18" charset="0"/>
                                   </a:rPr>
                                 </m:ctrlPr>
@@ -7166,7 +7164,7 @@
                                     <a:solidFill>
                                       <a:srgbClr val="002060"/>
                                     </a:solidFill>
-                                    <a:latin typeface="Cambria Math" panose="02040503050406030204" pitchFamily="18" charset="0"/>
+                                    <a:latin typeface="Cambria Math" charset="0"/>
                                     <a:cs typeface="Times New Roman" panose="02020603050405020304" pitchFamily="18" charset="0"/>
                                   </a:rPr>
                                 </m:ctrlPr>
@@ -7215,7 +7213,7 @@
                                     <a:solidFill>
                                       <a:srgbClr val="002060"/>
                                     </a:solidFill>
-                                    <a:latin typeface="Cambria Math" panose="02040503050406030204" pitchFamily="18" charset="0"/>
+                                    <a:latin typeface="Cambria Math" charset="0"/>
                                     <a:cs typeface="Times New Roman" panose="02020603050405020304" pitchFamily="18" charset="0"/>
                                   </a:rPr>
                                 </m:ctrlPr>
@@ -7262,7 +7260,7 @@
             </p:txBody>
           </p:sp>
         </mc:Choice>
-        <mc:Fallback>
+        <mc:Fallback xmlns="">
           <p:sp>
             <p:nvSpPr>
               <p:cNvPr id="9" name="Content Placeholder 2"/>
@@ -7835,7 +7833,7 @@
                         <m:sSubPr>
                           <m:ctrlPr>
                             <a:rPr lang="en-US" b="1" i="1" smtClean="0">
-                              <a:latin typeface="Cambria Math" panose="02040503050406030204" pitchFamily="18" charset="0"/>
+                              <a:latin typeface="Cambria Math" charset="0"/>
                             </a:rPr>
                           </m:ctrlPr>
                         </m:sSubPr>
@@ -7968,7 +7966,7 @@
                         <m:sSubPr>
                           <m:ctrlPr>
                             <a:rPr lang="en-US" b="1" i="1" smtClean="0">
-                              <a:latin typeface="Cambria Math" panose="02040503050406030204" pitchFamily="18" charset="0"/>
+                              <a:latin typeface="Cambria Math" charset="0"/>
                             </a:rPr>
                           </m:ctrlPr>
                         </m:sSubPr>
@@ -8101,7 +8099,7 @@
                         <m:sSubPr>
                           <m:ctrlPr>
                             <a:rPr lang="en-US" b="1" i="1" smtClean="0">
-                              <a:latin typeface="Cambria Math" panose="02040503050406030204" pitchFamily="18" charset="0"/>
+                              <a:latin typeface="Cambria Math" charset="0"/>
                             </a:rPr>
                           </m:ctrlPr>
                         </m:sSubPr>
@@ -8211,8 +8209,8 @@
           </p:sp>
         </mc:Fallback>
       </mc:AlternateContent>
-      <mc:AlternateContent xmlns:mc="http://schemas.openxmlformats.org/markup-compatibility/2006">
-        <mc:Choice xmlns:a14="http://schemas.microsoft.com/office/drawing/2010/main" Requires="a14">
+      <mc:AlternateContent xmlns:mc="http://schemas.openxmlformats.org/markup-compatibility/2006" xmlns:a14="http://schemas.microsoft.com/office/drawing/2010/main">
+        <mc:Choice Requires="a14">
           <p:sp>
             <p:nvSpPr>
               <p:cNvPr id="15" name="TextBox 14"/>
@@ -8249,7 +8247,7 @@
                               <a:solidFill>
                                 <a:srgbClr val="002060"/>
                               </a:solidFill>
-                              <a:latin typeface="Cambria Math" panose="02040503050406030204" pitchFamily="18" charset="0"/>
+                              <a:latin typeface="Cambria Math" charset="0"/>
                             </a:rPr>
                           </m:ctrlPr>
                         </m:sSubPr>
@@ -8292,7 +8290,7 @@
                               <a:solidFill>
                                 <a:srgbClr val="002060"/>
                               </a:solidFill>
-                              <a:latin typeface="Cambria Math" panose="02040503050406030204" pitchFamily="18" charset="0"/>
+                              <a:latin typeface="Cambria Math" charset="0"/>
                             </a:rPr>
                           </m:ctrlPr>
                         </m:sSubSupPr>
@@ -8400,7 +8398,7 @@
                               <a:solidFill>
                                 <a:srgbClr val="002060"/>
                               </a:solidFill>
-                              <a:latin typeface="Cambria Math" panose="02040503050406030204" pitchFamily="18" charset="0"/>
+                              <a:latin typeface="Cambria Math" charset="0"/>
                             </a:rPr>
                           </m:ctrlPr>
                         </m:sSubPr>
@@ -8443,7 +8441,7 @@
                               <a:solidFill>
                                 <a:srgbClr val="002060"/>
                               </a:solidFill>
-                              <a:latin typeface="Cambria Math" panose="02040503050406030204" pitchFamily="18" charset="0"/>
+                              <a:latin typeface="Cambria Math" charset="0"/>
                             </a:rPr>
                           </m:ctrlPr>
                         </m:sSubSupPr>
@@ -8514,7 +8512,7 @@
                               <a:solidFill>
                                 <a:srgbClr val="002060"/>
                               </a:solidFill>
-                              <a:latin typeface="Cambria Math" panose="02040503050406030204" pitchFamily="18" charset="0"/>
+                              <a:latin typeface="Cambria Math" charset="0"/>
                             </a:rPr>
                           </m:ctrlPr>
                         </m:dPr>
@@ -8528,7 +8526,7 @@
                                   <a:solidFill>
                                     <a:srgbClr val="002060"/>
                                   </a:solidFill>
-                                  <a:latin typeface="Cambria Math" panose="02040503050406030204" pitchFamily="18" charset="0"/>
+                                  <a:latin typeface="Cambria Math" charset="0"/>
                                 </a:rPr>
                               </m:ctrlPr>
                             </m:dPr>
@@ -8540,7 +8538,7 @@
                                       <a:solidFill>
                                         <a:srgbClr val="002060"/>
                                       </a:solidFill>
-                                      <a:latin typeface="Cambria Math" panose="02040503050406030204" pitchFamily="18" charset="0"/>
+                                      <a:latin typeface="Cambria Math" charset="0"/>
                                     </a:rPr>
                                   </m:ctrlPr>
                                 </m:sSubPr>
@@ -8583,7 +8581,7 @@
                                       <a:solidFill>
                                         <a:srgbClr val="002060"/>
                                       </a:solidFill>
-                                      <a:latin typeface="Cambria Math" panose="02040503050406030204" pitchFamily="18" charset="0"/>
+                                      <a:latin typeface="Cambria Math" charset="0"/>
                                     </a:rPr>
                                   </m:ctrlPr>
                                 </m:sSubPr>
@@ -8686,7 +8684,7 @@
                               <a:solidFill>
                                 <a:srgbClr val="002060"/>
                               </a:solidFill>
-                              <a:latin typeface="Cambria Math" panose="02040503050406030204" pitchFamily="18" charset="0"/>
+                              <a:latin typeface="Cambria Math" charset="0"/>
                             </a:rPr>
                           </m:ctrlPr>
                         </m:dPr>
@@ -8700,7 +8698,7 @@
                                   <a:solidFill>
                                     <a:srgbClr val="002060"/>
                                   </a:solidFill>
-                                  <a:latin typeface="Cambria Math" panose="02040503050406030204" pitchFamily="18" charset="0"/>
+                                  <a:latin typeface="Cambria Math" charset="0"/>
                                 </a:rPr>
                               </m:ctrlPr>
                             </m:dPr>
@@ -8712,7 +8710,7 @@
                                       <a:solidFill>
                                         <a:srgbClr val="002060"/>
                                       </a:solidFill>
-                                      <a:latin typeface="Cambria Math" panose="02040503050406030204" pitchFamily="18" charset="0"/>
+                                      <a:latin typeface="Cambria Math" charset="0"/>
                                     </a:rPr>
                                   </m:ctrlPr>
                                 </m:sSubPr>
@@ -8755,7 +8753,7 @@
                                       <a:solidFill>
                                         <a:srgbClr val="002060"/>
                                       </a:solidFill>
-                                      <a:latin typeface="Cambria Math" panose="02040503050406030204" pitchFamily="18" charset="0"/>
+                                      <a:latin typeface="Cambria Math" charset="0"/>
                                     </a:rPr>
                                   </m:ctrlPr>
                                 </m:sSubPr>
@@ -8820,7 +8818,7 @@
                             <a:solidFill>
                               <a:srgbClr val="002060"/>
                             </a:solidFill>
-                            <a:latin typeface="Cambria Math" panose="02040503050406030204" pitchFamily="18" charset="0"/>
+                            <a:latin typeface="Cambria Math" charset="0"/>
                           </a:rPr>
                         </m:ctrlPr>
                       </m:fPr>
@@ -8832,7 +8830,7 @@
                                 <a:solidFill>
                                   <a:srgbClr val="002060"/>
                                 </a:solidFill>
-                                <a:latin typeface="Cambria Math" panose="02040503050406030204" pitchFamily="18" charset="0"/>
+                                <a:latin typeface="Cambria Math" charset="0"/>
                               </a:rPr>
                             </m:ctrlPr>
                           </m:sSubPr>
@@ -8875,7 +8873,7 @@
                                 <a:solidFill>
                                   <a:srgbClr val="002060"/>
                                 </a:solidFill>
-                                <a:latin typeface="Cambria Math" panose="02040503050406030204" pitchFamily="18" charset="0"/>
+                                <a:latin typeface="Cambria Math" charset="0"/>
                               </a:rPr>
                             </m:ctrlPr>
                           </m:sSubSupPr>
@@ -8924,7 +8922,7 @@
                                 <a:solidFill>
                                   <a:srgbClr val="002060"/>
                                 </a:solidFill>
-                                <a:latin typeface="Cambria Math" panose="02040503050406030204" pitchFamily="18" charset="0"/>
+                                <a:latin typeface="Cambria Math" charset="0"/>
                               </a:rPr>
                             </m:ctrlPr>
                           </m:dPr>
@@ -8938,7 +8936,7 @@
                                     <a:solidFill>
                                       <a:srgbClr val="002060"/>
                                     </a:solidFill>
-                                    <a:latin typeface="Cambria Math" panose="02040503050406030204" pitchFamily="18" charset="0"/>
+                                    <a:latin typeface="Cambria Math" charset="0"/>
                                   </a:rPr>
                                 </m:ctrlPr>
                               </m:dPr>
@@ -8950,7 +8948,7 @@
                                         <a:solidFill>
                                           <a:srgbClr val="002060"/>
                                         </a:solidFill>
-                                        <a:latin typeface="Cambria Math" panose="02040503050406030204" pitchFamily="18" charset="0"/>
+                                        <a:latin typeface="Cambria Math" charset="0"/>
                                       </a:rPr>
                                     </m:ctrlPr>
                                   </m:sSubPr>
@@ -8999,7 +8997,7 @@
                                 <a:solidFill>
                                   <a:srgbClr val="002060"/>
                                 </a:solidFill>
-                                <a:latin typeface="Cambria Math" panose="02040503050406030204" pitchFamily="18" charset="0"/>
+                                <a:latin typeface="Cambria Math" charset="0"/>
                               </a:rPr>
                             </m:ctrlPr>
                           </m:dPr>
@@ -9013,7 +9011,7 @@
                                     <a:solidFill>
                                       <a:srgbClr val="002060"/>
                                     </a:solidFill>
-                                    <a:latin typeface="Cambria Math" panose="02040503050406030204" pitchFamily="18" charset="0"/>
+                                    <a:latin typeface="Cambria Math" charset="0"/>
                                   </a:rPr>
                                 </m:ctrlPr>
                               </m:dPr>
@@ -9025,7 +9023,7 @@
                                         <a:solidFill>
                                           <a:srgbClr val="002060"/>
                                         </a:solidFill>
-                                        <a:latin typeface="Cambria Math" panose="02040503050406030204" pitchFamily="18" charset="0"/>
+                                        <a:latin typeface="Cambria Math" charset="0"/>
                                       </a:rPr>
                                     </m:ctrlPr>
                                   </m:sSubPr>
@@ -9146,7 +9144,7 @@
                             <a:solidFill>
                               <a:srgbClr val="002060"/>
                             </a:solidFill>
-                            <a:latin typeface="Cambria Math" panose="02040503050406030204" pitchFamily="18" charset="0"/>
+                            <a:latin typeface="Cambria Math" charset="0"/>
                           </a:rPr>
                         </m:ctrlPr>
                       </m:fPr>
@@ -9158,7 +9156,7 @@
                                 <a:solidFill>
                                   <a:srgbClr val="002060"/>
                                 </a:solidFill>
-                                <a:latin typeface="Cambria Math" panose="02040503050406030204" pitchFamily="18" charset="0"/>
+                                <a:latin typeface="Cambria Math" charset="0"/>
                               </a:rPr>
                             </m:ctrlPr>
                           </m:sSubPr>
@@ -9201,7 +9199,7 @@
                                 <a:solidFill>
                                   <a:srgbClr val="002060"/>
                                 </a:solidFill>
-                                <a:latin typeface="Cambria Math" panose="02040503050406030204" pitchFamily="18" charset="0"/>
+                                <a:latin typeface="Cambria Math" charset="0"/>
                               </a:rPr>
                             </m:ctrlPr>
                           </m:sSubSupPr>
@@ -9250,7 +9248,7 @@
                                 <a:solidFill>
                                   <a:srgbClr val="002060"/>
                                 </a:solidFill>
-                                <a:latin typeface="Cambria Math" panose="02040503050406030204" pitchFamily="18" charset="0"/>
+                                <a:latin typeface="Cambria Math" charset="0"/>
                               </a:rPr>
                             </m:ctrlPr>
                           </m:dPr>
@@ -9264,7 +9262,7 @@
                                     <a:solidFill>
                                       <a:srgbClr val="002060"/>
                                     </a:solidFill>
-                                    <a:latin typeface="Cambria Math" panose="02040503050406030204" pitchFamily="18" charset="0"/>
+                                    <a:latin typeface="Cambria Math" charset="0"/>
                                   </a:rPr>
                                 </m:ctrlPr>
                               </m:dPr>
@@ -9276,7 +9274,7 @@
                                         <a:solidFill>
                                           <a:srgbClr val="002060"/>
                                         </a:solidFill>
-                                        <a:latin typeface="Cambria Math" panose="02040503050406030204" pitchFamily="18" charset="0"/>
+                                        <a:latin typeface="Cambria Math" charset="0"/>
                                       </a:rPr>
                                     </m:ctrlPr>
                                   </m:sSubPr>
@@ -9325,7 +9323,7 @@
                                 <a:solidFill>
                                   <a:srgbClr val="002060"/>
                                 </a:solidFill>
-                                <a:latin typeface="Cambria Math" panose="02040503050406030204" pitchFamily="18" charset="0"/>
+                                <a:latin typeface="Cambria Math" charset="0"/>
                               </a:rPr>
                             </m:ctrlPr>
                           </m:dPr>
@@ -9339,7 +9337,7 @@
                                     <a:solidFill>
                                       <a:srgbClr val="002060"/>
                                     </a:solidFill>
-                                    <a:latin typeface="Cambria Math" panose="02040503050406030204" pitchFamily="18" charset="0"/>
+                                    <a:latin typeface="Cambria Math" charset="0"/>
                                   </a:rPr>
                                 </m:ctrlPr>
                               </m:dPr>
@@ -9351,7 +9349,7 @@
                                         <a:solidFill>
                                           <a:srgbClr val="002060"/>
                                         </a:solidFill>
-                                        <a:latin typeface="Cambria Math" panose="02040503050406030204" pitchFamily="18" charset="0"/>
+                                        <a:latin typeface="Cambria Math" charset="0"/>
                                       </a:rPr>
                                     </m:ctrlPr>
                                   </m:sSubPr>
@@ -9395,7 +9393,7 @@
             </p:txBody>
           </p:sp>
         </mc:Choice>
-        <mc:Fallback>
+        <mc:Fallback xmlns="">
           <p:sp>
             <p:nvSpPr>
               <p:cNvPr id="15" name="TextBox 14"/>
@@ -9496,21 +9494,7 @@
                 <a:latin typeface="Times New Roman" panose="02020603050405020304" pitchFamily="18" charset="0"/>
                 <a:cs typeface="Times New Roman" panose="02020603050405020304" pitchFamily="18" charset="0"/>
               </a:rPr>
-              <a:t>This </a:t>
-            </a:r>
-            <a:r>
-              <a:rPr lang="en-US" sz="1600" dirty="0" smtClean="0">
-                <a:latin typeface="Times New Roman" panose="02020603050405020304" pitchFamily="18" charset="0"/>
-                <a:cs typeface="Times New Roman" panose="02020603050405020304" pitchFamily="18" charset="0"/>
-              </a:rPr>
-              <a:t>picture is taken from </a:t>
-            </a:r>
-            <a:r>
-              <a:rPr lang="en-US" sz="1600" dirty="0" smtClean="0">
-                <a:latin typeface="Times New Roman" panose="02020603050405020304" pitchFamily="18" charset="0"/>
-                <a:cs typeface="Times New Roman" panose="02020603050405020304" pitchFamily="18" charset="0"/>
-              </a:rPr>
-              <a:t>(*)</a:t>
+              <a:t>This picture is taken from (*)</a:t>
             </a:r>
             <a:endParaRPr lang="en-US" sz="1200" dirty="0">
               <a:latin typeface="Times" charset="0"/>
@@ -9897,8 +9881,8 @@
           </a:prstGeom>
         </p:spPr>
       </p:pic>
-      <mc:AlternateContent xmlns:mc="http://schemas.openxmlformats.org/markup-compatibility/2006">
-        <mc:Choice xmlns:a14="http://schemas.microsoft.com/office/drawing/2010/main" Requires="a14">
+      <mc:AlternateContent xmlns:mc="http://schemas.openxmlformats.org/markup-compatibility/2006" xmlns:a14="http://schemas.microsoft.com/office/drawing/2010/main">
+        <mc:Choice Requires="a14">
           <p:sp>
             <p:nvSpPr>
               <p:cNvPr id="16" name="TextBox 15"/>
@@ -9921,6 +9905,7 @@
               </a:bodyPr>
               <a:lstStyle/>
               <a:p>
+                <a:pPr/>
                 <a14:m>
                   <m:oMathPara xmlns:m="http://schemas.openxmlformats.org/officeDocument/2006/math">
                     <m:oMathParaPr>
@@ -9931,7 +9916,7 @@
                         <m:sSubSupPr>
                           <m:ctrlPr>
                             <a:rPr lang="en-US" b="0" i="1" smtClean="0">
-                              <a:latin typeface="Cambria Math" panose="02040503050406030204" pitchFamily="18" charset="0"/>
+                              <a:latin typeface="Cambria Math" charset="0"/>
                             </a:rPr>
                           </m:ctrlPr>
                         </m:sSubSupPr>
@@ -9968,7 +9953,7 @@
                             <m:sSubPr>
                               <m:ctrlPr>
                                 <a:rPr lang="en-US" b="0" i="1" smtClean="0">
-                                  <a:latin typeface="Cambria Math" panose="02040503050406030204" pitchFamily="18" charset="0"/>
+                                  <a:latin typeface="Cambria Math" charset="0"/>
                                 </a:rPr>
                               </m:ctrlPr>
                             </m:sSubPr>
@@ -10003,7 +9988,7 @@
                           <m:endChr m:val="⌋"/>
                           <m:ctrlPr>
                             <a:rPr lang="en-US" b="0" i="1" smtClean="0">
-                              <a:latin typeface="Cambria Math" panose="02040503050406030204" pitchFamily="18" charset="0"/>
+                              <a:latin typeface="Cambria Math" charset="0"/>
                             </a:rPr>
                           </m:ctrlPr>
                         </m:dPr>
@@ -10012,7 +9997,7 @@
                             <m:fPr>
                               <m:ctrlPr>
                                 <a:rPr lang="en-US" b="0" i="1" smtClean="0">
-                                  <a:latin typeface="Cambria Math" panose="02040503050406030204" pitchFamily="18" charset="0"/>
+                                  <a:latin typeface="Cambria Math" charset="0"/>
                                 </a:rPr>
                               </m:ctrlPr>
                             </m:fPr>
@@ -10021,7 +10006,7 @@
                                 <m:sSupPr>
                                   <m:ctrlPr>
                                     <a:rPr lang="en-US" b="0" i="1" smtClean="0">
-                                      <a:latin typeface="Cambria Math" panose="02040503050406030204" pitchFamily="18" charset="0"/>
+                                      <a:latin typeface="Cambria Math" charset="0"/>
                                     </a:rPr>
                                   </m:ctrlPr>
                                 </m:sSupPr>
@@ -10080,7 +10065,7 @@
             </p:txBody>
           </p:sp>
         </mc:Choice>
-        <mc:Fallback>
+        <mc:Fallback xmlns="">
           <p:sp>
             <p:nvSpPr>
               <p:cNvPr id="16" name="TextBox 15"/>
@@ -10119,8 +10104,8 @@
           </p:sp>
         </mc:Fallback>
       </mc:AlternateContent>
-      <mc:AlternateContent xmlns:mc="http://schemas.openxmlformats.org/markup-compatibility/2006">
-        <mc:Choice xmlns:a14="http://schemas.microsoft.com/office/drawing/2010/main" Requires="a14">
+      <mc:AlternateContent xmlns:mc="http://schemas.openxmlformats.org/markup-compatibility/2006" xmlns:a14="http://schemas.microsoft.com/office/drawing/2010/main">
+        <mc:Choice Requires="a14">
           <p:sp>
             <p:nvSpPr>
               <p:cNvPr id="17" name="TextBox 16"/>
@@ -10143,6 +10128,7 @@
               </a:bodyPr>
               <a:lstStyle/>
               <a:p>
+                <a:pPr/>
                 <a14:m>
                   <m:oMathPara xmlns:m="http://schemas.openxmlformats.org/officeDocument/2006/math">
                     <m:oMathParaPr>
@@ -10153,7 +10139,7 @@
                         <m:sSubPr>
                           <m:ctrlPr>
                             <a:rPr lang="en-US" b="0" i="1" smtClean="0">
-                              <a:latin typeface="Cambria Math" panose="02040503050406030204" pitchFamily="18" charset="0"/>
+                              <a:latin typeface="Cambria Math" charset="0"/>
                             </a:rPr>
                           </m:ctrlPr>
                         </m:sSubPr>
@@ -10190,7 +10176,7 @@
                         <m:dPr>
                           <m:ctrlPr>
                             <a:rPr lang="en-US" b="0" i="1" smtClean="0">
-                              <a:latin typeface="Cambria Math" panose="02040503050406030204" pitchFamily="18" charset="0"/>
+                              <a:latin typeface="Cambria Math" charset="0"/>
                             </a:rPr>
                           </m:ctrlPr>
                         </m:dPr>
@@ -10209,6 +10195,7 @@
                 <a:endParaRPr lang="en-US" b="0" dirty="0" smtClean="0"/>
               </a:p>
               <a:p>
+                <a:pPr/>
                 <a14:m>
                   <m:oMathPara xmlns:m="http://schemas.openxmlformats.org/officeDocument/2006/math">
                     <m:oMathParaPr>
@@ -10237,7 +10224,7 @@
                         <m:dPr>
                           <m:ctrlPr>
                             <a:rPr lang="en-US" i="1">
-                              <a:latin typeface="Cambria Math" panose="02040503050406030204" pitchFamily="18" charset="0"/>
+                              <a:latin typeface="Cambria Math" charset="0"/>
                             </a:rPr>
                           </m:ctrlPr>
                         </m:dPr>
@@ -10264,7 +10251,7 @@
             </p:txBody>
           </p:sp>
         </mc:Choice>
-        <mc:Fallback>
+        <mc:Fallback xmlns="">
           <p:sp>
             <p:nvSpPr>
               <p:cNvPr id="17" name="TextBox 16"/>
@@ -10500,8 +10487,8 @@
           </a:p>
         </p:txBody>
       </p:sp>
-      <mc:AlternateContent xmlns:mc="http://schemas.openxmlformats.org/markup-compatibility/2006">
-        <mc:Choice xmlns:a14="http://schemas.microsoft.com/office/drawing/2010/main" Requires="a14">
+      <mc:AlternateContent xmlns:mc="http://schemas.openxmlformats.org/markup-compatibility/2006" xmlns:a14="http://schemas.microsoft.com/office/drawing/2010/main">
+        <mc:Choice Requires="a14">
           <p:sp>
             <p:nvSpPr>
               <p:cNvPr id="51" name="TextBox 50"/>
@@ -10583,7 +10570,7 @@
             </p:txBody>
           </p:sp>
         </mc:Choice>
-        <mc:Fallback>
+        <mc:Fallback xmlns="">
           <p:sp>
             <p:nvSpPr>
               <p:cNvPr id="51" name="TextBox 50"/>
@@ -10651,8 +10638,8 @@
           <a:effectLst/>
         </p:spPr>
       </p:cxnSp>
-      <mc:AlternateContent xmlns:mc="http://schemas.openxmlformats.org/markup-compatibility/2006">
-        <mc:Choice xmlns:a14="http://schemas.microsoft.com/office/drawing/2010/main" Requires="a14">
+      <mc:AlternateContent xmlns:mc="http://schemas.openxmlformats.org/markup-compatibility/2006" xmlns:a14="http://schemas.microsoft.com/office/drawing/2010/main">
+        <mc:Choice Requires="a14">
           <p:sp>
             <p:nvSpPr>
               <p:cNvPr id="53" name="Can 52"/>
@@ -10753,20 +10740,6 @@
                   </a:rPr>
                   <a:t>vectors</a:t>
                 </a:r>
-                <a:endParaRPr kumimoji="0" lang="en-US" sz="1600" b="0" i="0" u="none" strike="noStrike" kern="0" cap="none" spc="0" normalizeH="0" baseline="0" noProof="0" dirty="0" smtClean="0">
-                  <a:ln>
-                    <a:noFill/>
-                  </a:ln>
-                  <a:solidFill>
-                    <a:prstClr val="white"/>
-                  </a:solidFill>
-                  <a:effectLst/>
-                  <a:uLnTx/>
-                  <a:uFillTx/>
-                  <a:latin typeface="Calibri" panose="020F0502020204030204"/>
-                  <a:ea typeface="+mn-ea"/>
-                  <a:cs typeface="+mn-cs"/>
-                </a:endParaRPr>
               </a:p>
               <a:p>
                 <a:pPr marL="0" marR="0" lvl="0" indent="0" algn="ctr" defTabSz="914400" eaLnBrk="1" fontAlgn="auto" latinLnBrk="0" hangingPunct="1">
@@ -10822,7 +10795,7 @@
                               <a:effectLst/>
                               <a:uLnTx/>
                               <a:uFillTx/>
-                              <a:latin typeface="Cambria Math" panose="02040503050406030204" pitchFamily="18" charset="0"/>
+                              <a:latin typeface="Cambria Math" charset="0"/>
                               <a:ea typeface="+mn-ea"/>
                               <a:cs typeface="+mn-cs"/>
                             </a:rPr>
@@ -10905,7 +10878,7 @@
             </p:txBody>
           </p:sp>
         </mc:Choice>
-        <mc:Fallback>
+        <mc:Fallback xmlns="">
           <p:sp>
             <p:nvSpPr>
               <p:cNvPr id="53" name="Can 52"/>
@@ -10980,8 +10953,8 @@
           <a:effectLst/>
         </p:spPr>
       </p:cxnSp>
-      <mc:AlternateContent xmlns:mc="http://schemas.openxmlformats.org/markup-compatibility/2006">
-        <mc:Choice xmlns:a14="http://schemas.microsoft.com/office/drawing/2010/main" Requires="a14">
+      <mc:AlternateContent xmlns:mc="http://schemas.openxmlformats.org/markup-compatibility/2006" xmlns:a14="http://schemas.microsoft.com/office/drawing/2010/main">
+        <mc:Choice Requires="a14">
           <p:sp>
             <p:nvSpPr>
               <p:cNvPr id="55" name="TextBox 54"/>
@@ -11026,7 +10999,7 @@
                               <a:solidFill>
                                 <a:prstClr val="black"/>
                               </a:solidFill>
-                              <a:latin typeface="Cambria Math" panose="02040503050406030204" pitchFamily="18" charset="0"/>
+                              <a:latin typeface="Cambria Math" charset="0"/>
                             </a:rPr>
                           </m:ctrlPr>
                         </m:sSubPr>
@@ -11066,7 +11039,7 @@
             </p:txBody>
           </p:sp>
         </mc:Choice>
-        <mc:Fallback>
+        <mc:Fallback xmlns="">
           <p:sp>
             <p:nvSpPr>
               <p:cNvPr id="55" name="TextBox 54"/>
@@ -11311,8 +11284,8 @@
           </a:p>
         </p:txBody>
       </p:sp>
-      <mc:AlternateContent xmlns:mc="http://schemas.openxmlformats.org/markup-compatibility/2006">
-        <mc:Choice xmlns:a14="http://schemas.microsoft.com/office/drawing/2010/main" Requires="a14">
+      <mc:AlternateContent xmlns:mc="http://schemas.openxmlformats.org/markup-compatibility/2006" xmlns:a14="http://schemas.microsoft.com/office/drawing/2010/main">
+        <mc:Choice Requires="a14">
           <p:graphicFrame>
             <p:nvGraphicFramePr>
               <p:cNvPr id="61" name="Table 60"/>
@@ -12216,7 +12189,7 @@
             </a:graphic>
           </p:graphicFrame>
         </mc:Choice>
-        <mc:Fallback>
+        <mc:Fallback xmlns="">
           <p:graphicFrame>
             <p:nvGraphicFramePr>
               <p:cNvPr id="61" name="Table 60"/>
@@ -13031,7 +13004,7 @@
                                 <a:effectLst/>
                                 <a:uLnTx/>
                                 <a:uFillTx/>
-                                <a:latin typeface="Cambria Math" panose="02040503050406030204" pitchFamily="18" charset="0"/>
+                                <a:latin typeface="Cambria Math" charset="0"/>
                                 <a:ea typeface="+mn-ea"/>
                                 <a:cs typeface="+mn-cs"/>
                               </a:rPr>
@@ -13137,8 +13110,8 @@
           </mc:Fallback>
         </mc:AlternateContent>
       </p:grpSp>
-      <mc:AlternateContent xmlns:mc="http://schemas.openxmlformats.org/markup-compatibility/2006">
-        <mc:Choice xmlns:a14="http://schemas.microsoft.com/office/drawing/2010/main" Requires="a14">
+      <mc:AlternateContent xmlns:mc="http://schemas.openxmlformats.org/markup-compatibility/2006" xmlns:a14="http://schemas.microsoft.com/office/drawing/2010/main">
+        <mc:Choice Requires="a14">
           <p:sp>
             <p:nvSpPr>
               <p:cNvPr id="66" name="TextBox 65"/>
@@ -13183,7 +13156,7 @@
                               <a:solidFill>
                                 <a:prstClr val="black"/>
                               </a:solidFill>
-                              <a:latin typeface="Cambria Math" panose="02040503050406030204" pitchFamily="18" charset="0"/>
+                              <a:latin typeface="Cambria Math" charset="0"/>
                             </a:rPr>
                           </m:ctrlPr>
                         </m:sSubPr>
@@ -13223,7 +13196,7 @@
             </p:txBody>
           </p:sp>
         </mc:Choice>
-        <mc:Fallback>
+        <mc:Fallback xmlns="">
           <p:sp>
             <p:nvSpPr>
               <p:cNvPr id="66" name="TextBox 65"/>
@@ -13856,8 +13829,8 @@
           </a:p>
         </p:txBody>
       </p:sp>
-      <mc:AlternateContent xmlns:mc="http://schemas.openxmlformats.org/markup-compatibility/2006">
-        <mc:Choice xmlns:a14="http://schemas.microsoft.com/office/drawing/2010/main" Requires="a14">
+      <mc:AlternateContent xmlns:mc="http://schemas.openxmlformats.org/markup-compatibility/2006" xmlns:a14="http://schemas.microsoft.com/office/drawing/2010/main">
+        <mc:Choice Requires="a14">
           <p:sp>
             <p:nvSpPr>
               <p:cNvPr id="18" name="Content Placeholder 2"/>
@@ -13910,7 +13883,7 @@
                               <a:solidFill>
                                 <a:srgbClr val="002060"/>
                               </a:solidFill>
-                              <a:latin typeface="Cambria Math" panose="02040503050406030204" pitchFamily="18" charset="0"/>
+                              <a:latin typeface="Cambria Math" charset="0"/>
                               <a:cs typeface="Times New Roman" panose="02020603050405020304" pitchFamily="18" charset="0"/>
                             </a:rPr>
                           </m:ctrlPr>
@@ -13925,7 +13898,7 @@
                                   <a:solidFill>
                                     <a:srgbClr val="002060"/>
                                   </a:solidFill>
-                                  <a:latin typeface="Cambria Math" panose="02040503050406030204" pitchFamily="18" charset="0"/>
+                                  <a:latin typeface="Cambria Math" charset="0"/>
                                   <a:cs typeface="Times New Roman" panose="02020603050405020304" pitchFamily="18" charset="0"/>
                                 </a:rPr>
                               </m:ctrlPr>
@@ -13938,7 +13911,7 @@
                                       <a:solidFill>
                                         <a:srgbClr val="002060"/>
                                       </a:solidFill>
-                                      <a:latin typeface="Cambria Math" panose="02040503050406030204" pitchFamily="18" charset="0"/>
+                                      <a:latin typeface="Cambria Math" charset="0"/>
                                       <a:cs typeface="Times New Roman" panose="02020603050405020304" pitchFamily="18" charset="0"/>
                                     </a:rPr>
                                   </m:ctrlPr>
@@ -13989,7 +13962,7 @@
                               <a:solidFill>
                                 <a:srgbClr val="002060"/>
                               </a:solidFill>
-                              <a:latin typeface="Cambria Math" panose="02040503050406030204" pitchFamily="18" charset="0"/>
+                              <a:latin typeface="Cambria Math" charset="0"/>
                               <a:cs typeface="Times New Roman" panose="02020603050405020304" pitchFamily="18" charset="0"/>
                             </a:rPr>
                           </m:ctrlPr>
@@ -14053,7 +14026,7 @@
             </p:txBody>
           </p:sp>
         </mc:Choice>
-        <mc:Fallback>
+        <mc:Fallback xmlns="">
           <p:sp>
             <p:nvSpPr>
               <p:cNvPr id="18" name="Content Placeholder 2"/>
@@ -14091,8 +14064,8 @@
           </p:sp>
         </mc:Fallback>
       </mc:AlternateContent>
-      <mc:AlternateContent xmlns:mc="http://schemas.openxmlformats.org/markup-compatibility/2006">
-        <mc:Choice xmlns:a14="http://schemas.microsoft.com/office/drawing/2010/main" Requires="a14">
+      <mc:AlternateContent xmlns:mc="http://schemas.openxmlformats.org/markup-compatibility/2006" xmlns:a14="http://schemas.microsoft.com/office/drawing/2010/main">
+        <mc:Choice Requires="a14">
           <p:sp>
             <p:nvSpPr>
               <p:cNvPr id="19" name="Content Placeholder 2"/>
@@ -14324,7 +14297,7 @@
                               <a:solidFill>
                                 <a:srgbClr val="002060"/>
                               </a:solidFill>
-                              <a:latin typeface="Cambria Math" panose="02040503050406030204" pitchFamily="18" charset="0"/>
+                              <a:latin typeface="Cambria Math" charset="0"/>
                               <a:cs typeface="Times New Roman" panose="02020603050405020304" pitchFamily="18" charset="0"/>
                             </a:rPr>
                           </m:ctrlPr>
@@ -14337,7 +14310,7 @@
                                   <a:solidFill>
                                     <a:srgbClr val="002060"/>
                                   </a:solidFill>
-                                  <a:latin typeface="Cambria Math" panose="02040503050406030204" pitchFamily="18" charset="0"/>
+                                  <a:latin typeface="Cambria Math" charset="0"/>
                                   <a:cs typeface="Times New Roman" panose="02020603050405020304" pitchFamily="18" charset="0"/>
                                 </a:rPr>
                               </m:ctrlPr>
@@ -14388,7 +14361,7 @@
                               <a:solidFill>
                                 <a:srgbClr val="002060"/>
                               </a:solidFill>
-                              <a:latin typeface="Cambria Math" panose="02040503050406030204" pitchFamily="18" charset="0"/>
+                              <a:latin typeface="Cambria Math" charset="0"/>
                               <a:cs typeface="Times New Roman" panose="02020603050405020304" pitchFamily="18" charset="0"/>
                             </a:rPr>
                           </m:ctrlPr>
@@ -14401,7 +14374,7 @@
                                   <a:solidFill>
                                     <a:srgbClr val="002060"/>
                                   </a:solidFill>
-                                  <a:latin typeface="Cambria Math" panose="02040503050406030204" pitchFamily="18" charset="0"/>
+                                  <a:latin typeface="Cambria Math" charset="0"/>
                                   <a:cs typeface="Times New Roman" panose="02020603050405020304" pitchFamily="18" charset="0"/>
                                 </a:rPr>
                               </m:ctrlPr>
@@ -14448,7 +14421,7 @@
                                   <a:solidFill>
                                     <a:srgbClr val="002060"/>
                                   </a:solidFill>
-                                  <a:latin typeface="Cambria Math" panose="02040503050406030204" pitchFamily="18" charset="0"/>
+                                  <a:latin typeface="Cambria Math" charset="0"/>
                                   <a:cs typeface="Times New Roman" panose="02020603050405020304" pitchFamily="18" charset="0"/>
                                 </a:rPr>
                               </m:ctrlPr>
@@ -14463,7 +14436,7 @@
                                       <a:solidFill>
                                         <a:srgbClr val="002060"/>
                                       </a:solidFill>
-                                      <a:latin typeface="Cambria Math" panose="02040503050406030204" pitchFamily="18" charset="0"/>
+                                      <a:latin typeface="Cambria Math" charset="0"/>
                                       <a:cs typeface="Times New Roman" panose="02020603050405020304" pitchFamily="18" charset="0"/>
                                     </a:rPr>
                                   </m:ctrlPr>
@@ -14478,7 +14451,7 @@
                                           <a:solidFill>
                                             <a:srgbClr val="002060"/>
                                           </a:solidFill>
-                                          <a:latin typeface="Cambria Math" panose="02040503050406030204" pitchFamily="18" charset="0"/>
+                                          <a:latin typeface="Cambria Math" charset="0"/>
                                           <a:cs typeface="Times New Roman" panose="02020603050405020304" pitchFamily="18" charset="0"/>
                                         </a:rPr>
                                       </m:ctrlPr>
@@ -14491,7 +14464,7 @@
                                               <a:solidFill>
                                                 <a:srgbClr val="002060"/>
                                               </a:solidFill>
-                                              <a:latin typeface="Cambria Math" panose="02040503050406030204" pitchFamily="18" charset="0"/>
+                                              <a:latin typeface="Cambria Math" charset="0"/>
                                               <a:cs typeface="Times New Roman" panose="02020603050405020304" pitchFamily="18" charset="0"/>
                                             </a:rPr>
                                           </m:ctrlPr>
@@ -14556,7 +14529,7 @@
                                   <a:solidFill>
                                     <a:srgbClr val="002060"/>
                                   </a:solidFill>
-                                  <a:latin typeface="Cambria Math" panose="02040503050406030204" pitchFamily="18" charset="0"/>
+                                  <a:latin typeface="Cambria Math" charset="0"/>
                                   <a:cs typeface="Times New Roman" panose="02020603050405020304" pitchFamily="18" charset="0"/>
                                 </a:rPr>
                               </m:ctrlPr>
@@ -14571,7 +14544,7 @@
                                       <a:solidFill>
                                         <a:srgbClr val="002060"/>
                                       </a:solidFill>
-                                      <a:latin typeface="Cambria Math" panose="02040503050406030204" pitchFamily="18" charset="0"/>
+                                      <a:latin typeface="Cambria Math" charset="0"/>
                                       <a:cs typeface="Times New Roman" panose="02020603050405020304" pitchFamily="18" charset="0"/>
                                     </a:rPr>
                                   </m:ctrlPr>
@@ -14586,7 +14559,7 @@
                                           <a:solidFill>
                                             <a:srgbClr val="002060"/>
                                           </a:solidFill>
-                                          <a:latin typeface="Cambria Math" panose="02040503050406030204" pitchFamily="18" charset="0"/>
+                                          <a:latin typeface="Cambria Math" charset="0"/>
                                           <a:cs typeface="Times New Roman" panose="02020603050405020304" pitchFamily="18" charset="0"/>
                                         </a:rPr>
                                       </m:ctrlPr>
@@ -14599,7 +14572,7 @@
                                               <a:solidFill>
                                                 <a:srgbClr val="002060"/>
                                               </a:solidFill>
-                                              <a:latin typeface="Cambria Math" panose="02040503050406030204" pitchFamily="18" charset="0"/>
+                                              <a:latin typeface="Cambria Math" charset="0"/>
                                               <a:cs typeface="Times New Roman" panose="02020603050405020304" pitchFamily="18" charset="0"/>
                                             </a:rPr>
                                           </m:ctrlPr>
@@ -14664,7 +14637,7 @@
                                   <a:solidFill>
                                     <a:srgbClr val="002060"/>
                                   </a:solidFill>
-                                  <a:latin typeface="Cambria Math" panose="02040503050406030204" pitchFamily="18" charset="0"/>
+                                  <a:latin typeface="Cambria Math" charset="0"/>
                                   <a:cs typeface="Times New Roman" panose="02020603050405020304" pitchFamily="18" charset="0"/>
                                 </a:rPr>
                               </m:ctrlPr>
@@ -14679,7 +14652,7 @@
                                       <a:solidFill>
                                         <a:srgbClr val="002060"/>
                                       </a:solidFill>
-                                      <a:latin typeface="Cambria Math" panose="02040503050406030204" pitchFamily="18" charset="0"/>
+                                      <a:latin typeface="Cambria Math" charset="0"/>
                                       <a:cs typeface="Times New Roman" panose="02020603050405020304" pitchFamily="18" charset="0"/>
                                     </a:rPr>
                                   </m:ctrlPr>
@@ -14694,7 +14667,7 @@
                                           <a:solidFill>
                                             <a:srgbClr val="002060"/>
                                           </a:solidFill>
-                                          <a:latin typeface="Cambria Math" panose="02040503050406030204" pitchFamily="18" charset="0"/>
+                                          <a:latin typeface="Cambria Math" charset="0"/>
                                           <a:cs typeface="Times New Roman" panose="02020603050405020304" pitchFamily="18" charset="0"/>
                                         </a:rPr>
                                       </m:ctrlPr>
@@ -14707,7 +14680,7 @@
                                               <a:solidFill>
                                                 <a:srgbClr val="002060"/>
                                               </a:solidFill>
-                                              <a:latin typeface="Cambria Math" panose="02040503050406030204" pitchFamily="18" charset="0"/>
+                                              <a:latin typeface="Cambria Math" charset="0"/>
                                               <a:cs typeface="Times New Roman" panose="02020603050405020304" pitchFamily="18" charset="0"/>
                                             </a:rPr>
                                           </m:ctrlPr>
@@ -14750,7 +14723,7 @@
                                       <a:solidFill>
                                         <a:srgbClr val="002060"/>
                                       </a:solidFill>
-                                      <a:latin typeface="Cambria Math" panose="02040503050406030204" pitchFamily="18" charset="0"/>
+                                      <a:latin typeface="Cambria Math" charset="0"/>
                                       <a:cs typeface="Times New Roman" panose="02020603050405020304" pitchFamily="18" charset="0"/>
                                     </a:rPr>
                                   </m:ctrlPr>
@@ -14798,7 +14771,7 @@
             </p:txBody>
           </p:sp>
         </mc:Choice>
-        <mc:Fallback>
+        <mc:Fallback xmlns="">
           <p:sp>
             <p:nvSpPr>
               <p:cNvPr id="19" name="Content Placeholder 2"/>
@@ -14869,8 +14842,8 @@
           </p:sp>
         </mc:Fallback>
       </mc:AlternateContent>
-      <mc:AlternateContent xmlns:mc="http://schemas.openxmlformats.org/markup-compatibility/2006">
-        <mc:Choice xmlns:a14="http://schemas.microsoft.com/office/drawing/2010/main" Requires="a14">
+      <mc:AlternateContent xmlns:mc="http://schemas.openxmlformats.org/markup-compatibility/2006" xmlns:a14="http://schemas.microsoft.com/office/drawing/2010/main">
+        <mc:Choice Requires="a14">
           <p:sp>
             <p:nvSpPr>
               <p:cNvPr id="20" name="Content Placeholder 2"/>
@@ -15102,7 +15075,7 @@
                               <a:solidFill>
                                 <a:srgbClr val="002060"/>
                               </a:solidFill>
-                              <a:latin typeface="Cambria Math" panose="02040503050406030204" pitchFamily="18" charset="0"/>
+                              <a:latin typeface="Cambria Math" charset="0"/>
                               <a:cs typeface="Times New Roman" panose="02020603050405020304" pitchFamily="18" charset="0"/>
                             </a:rPr>
                           </m:ctrlPr>
@@ -15115,7 +15088,7 @@
                                   <a:solidFill>
                                     <a:srgbClr val="002060"/>
                                   </a:solidFill>
-                                  <a:latin typeface="Cambria Math" panose="02040503050406030204" pitchFamily="18" charset="0"/>
+                                  <a:latin typeface="Cambria Math" charset="0"/>
                                   <a:cs typeface="Times New Roman" panose="02020603050405020304" pitchFamily="18" charset="0"/>
                                 </a:rPr>
                               </m:ctrlPr>
@@ -15166,7 +15139,7 @@
                               <a:solidFill>
                                 <a:srgbClr val="002060"/>
                               </a:solidFill>
-                              <a:latin typeface="Cambria Math" panose="02040503050406030204" pitchFamily="18" charset="0"/>
+                              <a:latin typeface="Cambria Math" charset="0"/>
                               <a:cs typeface="Times New Roman" panose="02020603050405020304" pitchFamily="18" charset="0"/>
                             </a:rPr>
                           </m:ctrlPr>
@@ -15179,7 +15152,7 @@
                                   <a:solidFill>
                                     <a:srgbClr val="002060"/>
                                   </a:solidFill>
-                                  <a:latin typeface="Cambria Math" panose="02040503050406030204" pitchFamily="18" charset="0"/>
+                                  <a:latin typeface="Cambria Math" charset="0"/>
                                   <a:cs typeface="Times New Roman" panose="02020603050405020304" pitchFamily="18" charset="0"/>
                                 </a:rPr>
                               </m:ctrlPr>
@@ -15226,7 +15199,7 @@
                                   <a:solidFill>
                                     <a:srgbClr val="002060"/>
                                   </a:solidFill>
-                                  <a:latin typeface="Cambria Math" panose="02040503050406030204" pitchFamily="18" charset="0"/>
+                                  <a:latin typeface="Cambria Math" charset="0"/>
                                   <a:cs typeface="Times New Roman" panose="02020603050405020304" pitchFamily="18" charset="0"/>
                                 </a:rPr>
                               </m:ctrlPr>
@@ -15273,7 +15246,7 @@
                                   <a:solidFill>
                                     <a:srgbClr val="002060"/>
                                   </a:solidFill>
-                                  <a:latin typeface="Cambria Math" panose="02040503050406030204" pitchFamily="18" charset="0"/>
+                                  <a:latin typeface="Cambria Math" charset="0"/>
                                   <a:cs typeface="Times New Roman" panose="02020603050405020304" pitchFamily="18" charset="0"/>
                                 </a:rPr>
                               </m:ctrlPr>
@@ -15320,7 +15293,7 @@
                                   <a:solidFill>
                                     <a:srgbClr val="002060"/>
                                   </a:solidFill>
-                                  <a:latin typeface="Cambria Math" panose="02040503050406030204" pitchFamily="18" charset="0"/>
+                                  <a:latin typeface="Cambria Math" charset="0"/>
                                   <a:cs typeface="Times New Roman" panose="02020603050405020304" pitchFamily="18" charset="0"/>
                                 </a:rPr>
                               </m:ctrlPr>
@@ -15366,7 +15339,7 @@
             </p:txBody>
           </p:sp>
         </mc:Choice>
-        <mc:Fallback>
+        <mc:Fallback xmlns="">
           <p:sp>
             <p:nvSpPr>
               <p:cNvPr id="20" name="Content Placeholder 2"/>
@@ -15507,8 +15480,8 @@
           </a:fontRef>
         </p:style>
       </p:cxnSp>
-      <mc:AlternateContent xmlns:mc="http://schemas.openxmlformats.org/markup-compatibility/2006">
-        <mc:Choice xmlns:a14="http://schemas.microsoft.com/office/drawing/2010/main" Requires="a14">
+      <mc:AlternateContent xmlns:mc="http://schemas.openxmlformats.org/markup-compatibility/2006" xmlns:a14="http://schemas.microsoft.com/office/drawing/2010/main">
+        <mc:Choice Requires="a14">
           <p:sp>
             <p:nvSpPr>
               <p:cNvPr id="25" name="Content Placeholder 2"/>
@@ -15730,7 +15703,7 @@
                               <a:solidFill>
                                 <a:srgbClr val="002060"/>
                               </a:solidFill>
-                              <a:latin typeface="Cambria Math" panose="02040503050406030204" pitchFamily="18" charset="0"/>
+                              <a:latin typeface="Cambria Math" charset="0"/>
                               <a:cs typeface="Times New Roman" panose="02020603050405020304" pitchFamily="18" charset="0"/>
                             </a:rPr>
                           </m:ctrlPr>
@@ -15745,7 +15718,7 @@
                                   <a:solidFill>
                                     <a:srgbClr val="002060"/>
                                   </a:solidFill>
-                                  <a:latin typeface="Cambria Math" panose="02040503050406030204" pitchFamily="18" charset="0"/>
+                                  <a:latin typeface="Cambria Math" charset="0"/>
                                   <a:cs typeface="Times New Roman" panose="02020603050405020304" pitchFamily="18" charset="0"/>
                                 </a:rPr>
                               </m:ctrlPr>
@@ -15760,7 +15733,7 @@
                                       <a:solidFill>
                                         <a:srgbClr val="002060"/>
                                       </a:solidFill>
-                                      <a:latin typeface="Cambria Math" panose="02040503050406030204" pitchFamily="18" charset="0"/>
+                                      <a:latin typeface="Cambria Math" charset="0"/>
                                       <a:cs typeface="Times New Roman" panose="02020603050405020304" pitchFamily="18" charset="0"/>
                                     </a:rPr>
                                   </m:ctrlPr>
@@ -15783,7 +15756,7 @@
                                           <a:solidFill>
                                             <a:srgbClr val="002060"/>
                                           </a:solidFill>
-                                          <a:latin typeface="Cambria Math" panose="02040503050406030204" pitchFamily="18" charset="0"/>
+                                          <a:latin typeface="Cambria Math" charset="0"/>
                                           <a:cs typeface="Times New Roman" panose="02020603050405020304" pitchFamily="18" charset="0"/>
                                         </a:rPr>
                                       </m:ctrlPr>
@@ -15796,7 +15769,7 @@
                                               <a:solidFill>
                                                 <a:srgbClr val="002060"/>
                                               </a:solidFill>
-                                              <a:latin typeface="Cambria Math" panose="02040503050406030204" pitchFamily="18" charset="0"/>
+                                              <a:latin typeface="Cambria Math" charset="0"/>
                                               <a:cs typeface="Times New Roman" panose="02020603050405020304" pitchFamily="18" charset="0"/>
                                             </a:rPr>
                                           </m:ctrlPr>
@@ -15855,7 +15828,7 @@
                                           <a:solidFill>
                                             <a:srgbClr val="002060"/>
                                           </a:solidFill>
-                                          <a:latin typeface="Cambria Math" panose="02040503050406030204" pitchFamily="18" charset="0"/>
+                                          <a:latin typeface="Cambria Math" charset="0"/>
                                           <a:cs typeface="Times New Roman" panose="02020603050405020304" pitchFamily="18" charset="0"/>
                                         </a:rPr>
                                       </m:ctrlPr>
@@ -15868,7 +15841,7 @@
                                               <a:solidFill>
                                                 <a:srgbClr val="002060"/>
                                               </a:solidFill>
-                                              <a:latin typeface="Cambria Math" panose="02040503050406030204" pitchFamily="18" charset="0"/>
+                                              <a:latin typeface="Cambria Math" charset="0"/>
                                               <a:cs typeface="Times New Roman" panose="02020603050405020304" pitchFamily="18" charset="0"/>
                                             </a:rPr>
                                           </m:ctrlPr>
@@ -15935,7 +15908,7 @@
                               <a:solidFill>
                                 <a:srgbClr val="002060"/>
                               </a:solidFill>
-                              <a:latin typeface="Cambria Math" panose="02040503050406030204" pitchFamily="18" charset="0"/>
+                              <a:latin typeface="Cambria Math" charset="0"/>
                               <a:cs typeface="Times New Roman" panose="02020603050405020304" pitchFamily="18" charset="0"/>
                             </a:rPr>
                           </m:ctrlPr>
@@ -15948,7 +15921,7 @@
                                   <a:solidFill>
                                     <a:srgbClr val="002060"/>
                                   </a:solidFill>
-                                  <a:latin typeface="Cambria Math" panose="02040503050406030204" pitchFamily="18" charset="0"/>
+                                  <a:latin typeface="Cambria Math" charset="0"/>
                                   <a:cs typeface="Times New Roman" panose="02020603050405020304" pitchFamily="18" charset="0"/>
                                 </a:rPr>
                               </m:ctrlPr>
@@ -15963,7 +15936,7 @@
                                       <a:solidFill>
                                         <a:srgbClr val="002060"/>
                                       </a:solidFill>
-                                      <a:latin typeface="Cambria Math" panose="02040503050406030204" pitchFamily="18" charset="0"/>
+                                      <a:latin typeface="Cambria Math" charset="0"/>
                                       <a:cs typeface="Times New Roman" panose="02020603050405020304" pitchFamily="18" charset="0"/>
                                     </a:rPr>
                                   </m:ctrlPr>
@@ -15978,7 +15951,7 @@
                                           <a:solidFill>
                                             <a:srgbClr val="002060"/>
                                           </a:solidFill>
-                                          <a:latin typeface="Cambria Math" panose="02040503050406030204" pitchFamily="18" charset="0"/>
+                                          <a:latin typeface="Cambria Math" charset="0"/>
                                           <a:cs typeface="Times New Roman" panose="02020603050405020304" pitchFamily="18" charset="0"/>
                                         </a:rPr>
                                       </m:ctrlPr>
@@ -15991,7 +15964,7 @@
                                               <a:solidFill>
                                                 <a:srgbClr val="002060"/>
                                               </a:solidFill>
-                                              <a:latin typeface="Cambria Math" panose="02040503050406030204" pitchFamily="18" charset="0"/>
+                                              <a:latin typeface="Cambria Math" charset="0"/>
                                               <a:cs typeface="Times New Roman" panose="02020603050405020304" pitchFamily="18" charset="0"/>
                                             </a:rPr>
                                           </m:ctrlPr>
@@ -16056,7 +16029,7 @@
                                   <a:solidFill>
                                     <a:srgbClr val="002060"/>
                                   </a:solidFill>
-                                  <a:latin typeface="Cambria Math" panose="02040503050406030204" pitchFamily="18" charset="0"/>
+                                  <a:latin typeface="Cambria Math" charset="0"/>
                                   <a:cs typeface="Times New Roman" panose="02020603050405020304" pitchFamily="18" charset="0"/>
                                 </a:rPr>
                               </m:ctrlPr>
@@ -16105,7 +16078,7 @@
                               <a:solidFill>
                                 <a:srgbClr val="002060"/>
                               </a:solidFill>
-                              <a:latin typeface="Cambria Math" panose="02040503050406030204" pitchFamily="18" charset="0"/>
+                              <a:latin typeface="Cambria Math" charset="0"/>
                               <a:cs typeface="Times New Roman" panose="02020603050405020304" pitchFamily="18" charset="0"/>
                             </a:rPr>
                           </m:ctrlPr>
@@ -16154,7 +16127,7 @@
                               <a:solidFill>
                                 <a:srgbClr val="002060"/>
                               </a:solidFill>
-                              <a:latin typeface="Cambria Math" panose="02040503050406030204" pitchFamily="18" charset="0"/>
+                              <a:latin typeface="Cambria Math" charset="0"/>
                               <a:cs typeface="Times New Roman" panose="02020603050405020304" pitchFamily="18" charset="0"/>
                             </a:rPr>
                           </m:ctrlPr>
@@ -16201,7 +16174,7 @@
                               <a:solidFill>
                                 <a:srgbClr val="002060"/>
                               </a:solidFill>
-                              <a:latin typeface="Cambria Math" panose="02040503050406030204" pitchFamily="18" charset="0"/>
+                              <a:latin typeface="Cambria Math" charset="0"/>
                               <a:cs typeface="Times New Roman" panose="02020603050405020304" pitchFamily="18" charset="0"/>
                             </a:rPr>
                           </m:ctrlPr>
@@ -16216,7 +16189,7 @@
                                   <a:solidFill>
                                     <a:srgbClr val="002060"/>
                                   </a:solidFill>
-                                  <a:latin typeface="Cambria Math" panose="02040503050406030204" pitchFamily="18" charset="0"/>
+                                  <a:latin typeface="Cambria Math" charset="0"/>
                                   <a:cs typeface="Times New Roman" panose="02020603050405020304" pitchFamily="18" charset="0"/>
                                 </a:rPr>
                               </m:ctrlPr>
@@ -16231,7 +16204,7 @@
                                       <a:solidFill>
                                         <a:srgbClr val="002060"/>
                                       </a:solidFill>
-                                      <a:latin typeface="Cambria Math" panose="02040503050406030204" pitchFamily="18" charset="0"/>
+                                      <a:latin typeface="Cambria Math" charset="0"/>
                                       <a:cs typeface="Times New Roman" panose="02020603050405020304" pitchFamily="18" charset="0"/>
                                     </a:rPr>
                                   </m:ctrlPr>
@@ -16244,7 +16217,7 @@
                                           <a:solidFill>
                                             <a:srgbClr val="002060"/>
                                           </a:solidFill>
-                                          <a:latin typeface="Cambria Math" panose="02040503050406030204" pitchFamily="18" charset="0"/>
+                                          <a:latin typeface="Cambria Math" charset="0"/>
                                           <a:cs typeface="Times New Roman" panose="02020603050405020304" pitchFamily="18" charset="0"/>
                                         </a:rPr>
                                       </m:ctrlPr>
@@ -16287,7 +16260,7 @@
                                   <a:solidFill>
                                     <a:srgbClr val="002060"/>
                                   </a:solidFill>
-                                  <a:latin typeface="Cambria Math" panose="02040503050406030204" pitchFamily="18" charset="0"/>
+                                  <a:latin typeface="Cambria Math" charset="0"/>
                                   <a:cs typeface="Times New Roman" panose="02020603050405020304" pitchFamily="18" charset="0"/>
                                 </a:rPr>
                               </m:ctrlPr>
@@ -16343,7 +16316,7 @@
             </p:txBody>
           </p:sp>
         </mc:Choice>
-        <mc:Fallback>
+        <mc:Fallback xmlns="">
           <p:sp>
             <p:nvSpPr>
               <p:cNvPr id="25" name="Content Placeholder 2"/>
@@ -16414,8 +16387,8 @@
           </p:sp>
         </mc:Fallback>
       </mc:AlternateContent>
-      <mc:AlternateContent xmlns:mc="http://schemas.openxmlformats.org/markup-compatibility/2006">
-        <mc:Choice xmlns:a14="http://schemas.microsoft.com/office/drawing/2010/main" Requires="a14">
+      <mc:AlternateContent xmlns:mc="http://schemas.openxmlformats.org/markup-compatibility/2006" xmlns:a14="http://schemas.microsoft.com/office/drawing/2010/main">
+        <mc:Choice Requires="a14">
           <p:sp>
             <p:nvSpPr>
               <p:cNvPr id="26" name="Content Placeholder 2"/>
@@ -16637,7 +16610,7 @@
                               <a:solidFill>
                                 <a:srgbClr val="002060"/>
                               </a:solidFill>
-                              <a:latin typeface="Cambria Math" panose="02040503050406030204" pitchFamily="18" charset="0"/>
+                              <a:latin typeface="Cambria Math" charset="0"/>
                               <a:cs typeface="Times New Roman" panose="02020603050405020304" pitchFamily="18" charset="0"/>
                             </a:rPr>
                           </m:ctrlPr>
@@ -16665,7 +16638,7 @@
                                   <a:solidFill>
                                     <a:srgbClr val="002060"/>
                                   </a:solidFill>
-                                  <a:latin typeface="Cambria Math" panose="02040503050406030204" pitchFamily="18" charset="0"/>
+                                  <a:latin typeface="Cambria Math" charset="0"/>
                                   <a:cs typeface="Times New Roman" panose="02020603050405020304" pitchFamily="18" charset="0"/>
                                 </a:rPr>
                               </m:ctrlPr>
@@ -16678,7 +16651,7 @@
                                       <a:solidFill>
                                         <a:srgbClr val="002060"/>
                                       </a:solidFill>
-                                      <a:latin typeface="Cambria Math" panose="02040503050406030204" pitchFamily="18" charset="0"/>
+                                      <a:latin typeface="Cambria Math" charset="0"/>
                                       <a:cs typeface="Times New Roman" panose="02020603050405020304" pitchFamily="18" charset="0"/>
                                     </a:rPr>
                                   </m:ctrlPr>
@@ -16760,7 +16733,7 @@
                                       <a:solidFill>
                                         <a:srgbClr val="002060"/>
                                       </a:solidFill>
-                                      <a:latin typeface="Cambria Math" panose="02040503050406030204" pitchFamily="18" charset="0"/>
+                                      <a:latin typeface="Cambria Math" charset="0"/>
                                       <a:cs typeface="Times New Roman" panose="02020603050405020304" pitchFamily="18" charset="0"/>
                                     </a:rPr>
                                   </m:ctrlPr>
@@ -16809,7 +16782,7 @@
                                       <a:solidFill>
                                         <a:srgbClr val="002060"/>
                                       </a:solidFill>
-                                      <a:latin typeface="Cambria Math" panose="02040503050406030204" pitchFamily="18" charset="0"/>
+                                      <a:latin typeface="Cambria Math" charset="0"/>
                                       <a:cs typeface="Times New Roman" panose="02020603050405020304" pitchFamily="18" charset="0"/>
                                     </a:rPr>
                                   </m:ctrlPr>
@@ -16856,7 +16829,7 @@
                                       <a:solidFill>
                                         <a:srgbClr val="002060"/>
                                       </a:solidFill>
-                                      <a:latin typeface="Cambria Math" panose="02040503050406030204" pitchFamily="18" charset="0"/>
+                                      <a:latin typeface="Cambria Math" charset="0"/>
                                       <a:cs typeface="Times New Roman" panose="02020603050405020304" pitchFamily="18" charset="0"/>
                                     </a:rPr>
                                   </m:ctrlPr>
@@ -16884,7 +16857,7 @@
                                           <a:solidFill>
                                             <a:srgbClr val="002060"/>
                                           </a:solidFill>
-                                          <a:latin typeface="Cambria Math" panose="02040503050406030204" pitchFamily="18" charset="0"/>
+                                          <a:latin typeface="Cambria Math" charset="0"/>
                                           <a:cs typeface="Times New Roman" panose="02020603050405020304" pitchFamily="18" charset="0"/>
                                         </a:rPr>
                                       </m:ctrlPr>
@@ -16897,7 +16870,7 @@
                                               <a:solidFill>
                                                 <a:srgbClr val="002060"/>
                                               </a:solidFill>
-                                              <a:latin typeface="Cambria Math" panose="02040503050406030204" pitchFamily="18" charset="0"/>
+                                              <a:latin typeface="Cambria Math" charset="0"/>
                                               <a:cs typeface="Times New Roman" panose="02020603050405020304" pitchFamily="18" charset="0"/>
                                             </a:rPr>
                                           </m:ctrlPr>
@@ -16981,7 +16954,7 @@
                                               <a:solidFill>
                                                 <a:srgbClr val="002060"/>
                                               </a:solidFill>
-                                              <a:latin typeface="Cambria Math" panose="02040503050406030204" pitchFamily="18" charset="0"/>
+                                              <a:latin typeface="Cambria Math" charset="0"/>
                                               <a:cs typeface="Times New Roman" panose="02020603050405020304" pitchFamily="18" charset="0"/>
                                             </a:rPr>
                                           </m:ctrlPr>
@@ -16996,7 +16969,7 @@
                                                   <a:solidFill>
                                                     <a:srgbClr val="002060"/>
                                                   </a:solidFill>
-                                                  <a:latin typeface="Cambria Math" panose="02040503050406030204" pitchFamily="18" charset="0"/>
+                                                  <a:latin typeface="Cambria Math" charset="0"/>
                                                   <a:cs typeface="Times New Roman" panose="02020603050405020304" pitchFamily="18" charset="0"/>
                                                 </a:rPr>
                                               </m:ctrlPr>
@@ -17019,7 +16992,7 @@
                                                       <a:solidFill>
                                                         <a:srgbClr val="002060"/>
                                                       </a:solidFill>
-                                                      <a:latin typeface="Cambria Math" panose="02040503050406030204" pitchFamily="18" charset="0"/>
+                                                      <a:latin typeface="Cambria Math" charset="0"/>
                                                       <a:cs typeface="Times New Roman" panose="02020603050405020304" pitchFamily="18" charset="0"/>
                                                     </a:rPr>
                                                   </m:ctrlPr>
@@ -17032,7 +17005,7 @@
                                                           <a:solidFill>
                                                             <a:srgbClr val="002060"/>
                                                           </a:solidFill>
-                                                          <a:latin typeface="Cambria Math" panose="02040503050406030204" pitchFamily="18" charset="0"/>
+                                                          <a:latin typeface="Cambria Math" charset="0"/>
                                                           <a:cs typeface="Times New Roman" panose="02020603050405020304" pitchFamily="18" charset="0"/>
                                                         </a:rPr>
                                                       </m:ctrlPr>
@@ -17091,7 +17064,7 @@
                                                       <a:solidFill>
                                                         <a:srgbClr val="002060"/>
                                                       </a:solidFill>
-                                                      <a:latin typeface="Cambria Math" panose="02040503050406030204" pitchFamily="18" charset="0"/>
+                                                      <a:latin typeface="Cambria Math" charset="0"/>
                                                       <a:cs typeface="Times New Roman" panose="02020603050405020304" pitchFamily="18" charset="0"/>
                                                     </a:rPr>
                                                   </m:ctrlPr>
@@ -17104,7 +17077,7 @@
                                                           <a:solidFill>
                                                             <a:srgbClr val="002060"/>
                                                           </a:solidFill>
-                                                          <a:latin typeface="Cambria Math" panose="02040503050406030204" pitchFamily="18" charset="0"/>
+                                                          <a:latin typeface="Cambria Math" charset="0"/>
                                                           <a:cs typeface="Times New Roman" panose="02020603050405020304" pitchFamily="18" charset="0"/>
                                                         </a:rPr>
                                                       </m:ctrlPr>
@@ -17162,7 +17135,7 @@
             </p:txBody>
           </p:sp>
         </mc:Choice>
-        <mc:Fallback>
+        <mc:Fallback xmlns="">
           <p:sp>
             <p:nvSpPr>
               <p:cNvPr id="26" name="Content Placeholder 2"/>
@@ -17333,8 +17306,8 @@
           </a:p>
         </p:txBody>
       </p:sp>
-      <mc:AlternateContent xmlns:mc="http://schemas.openxmlformats.org/markup-compatibility/2006">
-        <mc:Choice xmlns:a14="http://schemas.microsoft.com/office/drawing/2010/main" Requires="a14">
+      <mc:AlternateContent xmlns:mc="http://schemas.openxmlformats.org/markup-compatibility/2006" xmlns:a14="http://schemas.microsoft.com/office/drawing/2010/main">
+        <mc:Choice Requires="a14">
           <p:sp>
             <p:nvSpPr>
               <p:cNvPr id="23" name="Rectangle 22"/>
@@ -17402,7 +17375,7 @@
             </p:txBody>
           </p:sp>
         </mc:Choice>
-        <mc:Fallback>
+        <mc:Fallback xmlns="">
           <p:sp>
             <p:nvSpPr>
               <p:cNvPr id="23" name="Rectangle 22"/>
@@ -17446,8 +17419,8 @@
           </p:sp>
         </mc:Fallback>
       </mc:AlternateContent>
-      <mc:AlternateContent xmlns:mc="http://schemas.openxmlformats.org/markup-compatibility/2006">
-        <mc:Choice xmlns:a14="http://schemas.microsoft.com/office/drawing/2010/main" Requires="a14">
+      <mc:AlternateContent xmlns:mc="http://schemas.openxmlformats.org/markup-compatibility/2006" xmlns:a14="http://schemas.microsoft.com/office/drawing/2010/main">
+        <mc:Choice Requires="a14">
           <p:sp>
             <p:nvSpPr>
               <p:cNvPr id="28" name="TextBox 27"/>
@@ -17502,7 +17475,7 @@
             </p:txBody>
           </p:sp>
         </mc:Choice>
-        <mc:Fallback>
+        <mc:Fallback xmlns="">
           <p:sp>
             <p:nvSpPr>
               <p:cNvPr id="28" name="TextBox 27"/>
@@ -17541,8 +17514,8 @@
           </p:sp>
         </mc:Fallback>
       </mc:AlternateContent>
-      <mc:AlternateContent xmlns:mc="http://schemas.openxmlformats.org/markup-compatibility/2006">
-        <mc:Choice xmlns:a14="http://schemas.microsoft.com/office/drawing/2010/main" Requires="a14">
+      <mc:AlternateContent xmlns:mc="http://schemas.openxmlformats.org/markup-compatibility/2006" xmlns:a14="http://schemas.microsoft.com/office/drawing/2010/main">
+        <mc:Choice Requires="a14">
           <p:sp>
             <p:nvSpPr>
               <p:cNvPr id="29" name="Rectangle 28"/>
@@ -17597,7 +17570,7 @@
                         <m:sSupPr>
                           <m:ctrlPr>
                             <a:rPr lang="en-US" b="0" i="1" dirty="0" smtClean="0">
-                              <a:latin typeface="Cambria Math" panose="02040503050406030204" pitchFamily="18" charset="0"/>
+                              <a:latin typeface="Cambria Math" charset="0"/>
                             </a:rPr>
                           </m:ctrlPr>
                         </m:sSupPr>
@@ -17629,7 +17602,7 @@
             </p:txBody>
           </p:sp>
         </mc:Choice>
-        <mc:Fallback>
+        <mc:Fallback xmlns="">
           <p:sp>
             <p:nvSpPr>
               <p:cNvPr id="29" name="Rectangle 28"/>
@@ -17673,8 +17646,8 @@
           </p:sp>
         </mc:Fallback>
       </mc:AlternateContent>
-      <mc:AlternateContent xmlns:mc="http://schemas.openxmlformats.org/markup-compatibility/2006">
-        <mc:Choice xmlns:a14="http://schemas.microsoft.com/office/drawing/2010/main" Requires="a14">
+      <mc:AlternateContent xmlns:mc="http://schemas.openxmlformats.org/markup-compatibility/2006" xmlns:a14="http://schemas.microsoft.com/office/drawing/2010/main">
+        <mc:Choice Requires="a14">
           <p:sp>
             <p:nvSpPr>
               <p:cNvPr id="30" name="TextBox 29"/>
@@ -17722,7 +17695,7 @@
             </p:txBody>
           </p:sp>
         </mc:Choice>
-        <mc:Fallback>
+        <mc:Fallback xmlns="">
           <p:sp>
             <p:nvSpPr>
               <p:cNvPr id="30" name="TextBox 29"/>
@@ -17761,8 +17734,8 @@
           </p:sp>
         </mc:Fallback>
       </mc:AlternateContent>
-      <mc:AlternateContent xmlns:mc="http://schemas.openxmlformats.org/markup-compatibility/2006">
-        <mc:Choice xmlns:a14="http://schemas.microsoft.com/office/drawing/2010/main" Requires="a14">
+      <mc:AlternateContent xmlns:mc="http://schemas.openxmlformats.org/markup-compatibility/2006" xmlns:a14="http://schemas.microsoft.com/office/drawing/2010/main">
+        <mc:Choice Requires="a14">
           <p:sp>
             <p:nvSpPr>
               <p:cNvPr id="31" name="Rectangle 30"/>
@@ -17830,7 +17803,7 @@
             </p:txBody>
           </p:sp>
         </mc:Choice>
-        <mc:Fallback>
+        <mc:Fallback xmlns="">
           <p:sp>
             <p:nvSpPr>
               <p:cNvPr id="31" name="Rectangle 30"/>
@@ -18004,8 +17977,8 @@
           </a:fontRef>
         </p:style>
       </p:cxnSp>
-      <mc:AlternateContent xmlns:mc="http://schemas.openxmlformats.org/markup-compatibility/2006">
-        <mc:Choice xmlns:a14="http://schemas.microsoft.com/office/drawing/2010/main" Requires="a14">
+      <mc:AlternateContent xmlns:mc="http://schemas.openxmlformats.org/markup-compatibility/2006" xmlns:a14="http://schemas.microsoft.com/office/drawing/2010/main">
+        <mc:Choice Requires="a14">
           <p:sp>
             <p:nvSpPr>
               <p:cNvPr id="35" name="TextBox 34"/>
@@ -18028,6 +18001,7 @@
               </a:bodyPr>
               <a:lstStyle/>
               <a:p>
+                <a:pPr/>
                 <a14:m>
                   <m:oMathPara xmlns:m="http://schemas.openxmlformats.org/officeDocument/2006/math">
                     <m:oMathParaPr>
@@ -18048,7 +18022,7 @@
             </p:txBody>
           </p:sp>
         </mc:Choice>
-        <mc:Fallback>
+        <mc:Fallback xmlns="">
           <p:sp>
             <p:nvSpPr>
               <p:cNvPr id="35" name="TextBox 34"/>
@@ -18124,8 +18098,8 @@
           </a:fontRef>
         </p:style>
       </p:cxnSp>
-      <mc:AlternateContent xmlns:mc="http://schemas.openxmlformats.org/markup-compatibility/2006">
-        <mc:Choice xmlns:a14="http://schemas.microsoft.com/office/drawing/2010/main" Requires="a14">
+      <mc:AlternateContent xmlns:mc="http://schemas.openxmlformats.org/markup-compatibility/2006" xmlns:a14="http://schemas.microsoft.com/office/drawing/2010/main">
+        <mc:Choice Requires="a14">
           <p:sp>
             <p:nvSpPr>
               <p:cNvPr id="37" name="TextBox 36"/>
@@ -18148,6 +18122,7 @@
               </a:bodyPr>
               <a:lstStyle/>
               <a:p>
+                <a:pPr/>
                 <a14:m>
                   <m:oMathPara xmlns:m="http://schemas.openxmlformats.org/officeDocument/2006/math">
                     <m:oMathParaPr>
@@ -18168,7 +18143,7 @@
             </p:txBody>
           </p:sp>
         </mc:Choice>
-        <mc:Fallback>
+        <mc:Fallback xmlns="">
           <p:sp>
             <p:nvSpPr>
               <p:cNvPr id="37" name="TextBox 36"/>
@@ -18281,8 +18256,8 @@
           </a:fontRef>
         </p:style>
       </p:cxnSp>
-      <mc:AlternateContent xmlns:mc="http://schemas.openxmlformats.org/markup-compatibility/2006">
-        <mc:Choice xmlns:a14="http://schemas.microsoft.com/office/drawing/2010/main" Requires="a14">
+      <mc:AlternateContent xmlns:mc="http://schemas.openxmlformats.org/markup-compatibility/2006" xmlns:a14="http://schemas.microsoft.com/office/drawing/2010/main">
+        <mc:Choice Requires="a14">
           <p:sp>
             <p:nvSpPr>
               <p:cNvPr id="40" name="TextBox 39"/>
@@ -18305,6 +18280,7 @@
               </a:bodyPr>
               <a:lstStyle/>
               <a:p>
+                <a:pPr/>
                 <a14:m>
                   <m:oMathPara xmlns:m="http://schemas.openxmlformats.org/officeDocument/2006/math">
                     <m:oMathParaPr>
@@ -18325,7 +18301,7 @@
             </p:txBody>
           </p:sp>
         </mc:Choice>
-        <mc:Fallback>
+        <mc:Fallback xmlns="">
           <p:sp>
             <p:nvSpPr>
               <p:cNvPr id="40" name="TextBox 39"/>
@@ -18401,8 +18377,8 @@
           </a:fontRef>
         </p:style>
       </p:cxnSp>
-      <mc:AlternateContent xmlns:mc="http://schemas.openxmlformats.org/markup-compatibility/2006">
-        <mc:Choice xmlns:a14="http://schemas.microsoft.com/office/drawing/2010/main" Requires="a14">
+      <mc:AlternateContent xmlns:mc="http://schemas.openxmlformats.org/markup-compatibility/2006" xmlns:a14="http://schemas.microsoft.com/office/drawing/2010/main">
+        <mc:Choice Requires="a14">
           <p:sp>
             <p:nvSpPr>
               <p:cNvPr id="42" name="TextBox 41"/>
@@ -18425,6 +18401,7 @@
               </a:bodyPr>
               <a:lstStyle/>
               <a:p>
+                <a:pPr/>
                 <a14:m>
                   <m:oMathPara xmlns:m="http://schemas.openxmlformats.org/officeDocument/2006/math">
                     <m:oMathParaPr>
@@ -18445,7 +18422,7 @@
             </p:txBody>
           </p:sp>
         </mc:Choice>
-        <mc:Fallback>
+        <mc:Fallback xmlns="">
           <p:sp>
             <p:nvSpPr>
               <p:cNvPr id="42" name="TextBox 41"/>
@@ -18521,8 +18498,8 @@
           </a:fontRef>
         </p:style>
       </p:cxnSp>
-      <mc:AlternateContent xmlns:mc="http://schemas.openxmlformats.org/markup-compatibility/2006">
-        <mc:Choice xmlns:a14="http://schemas.microsoft.com/office/drawing/2010/main" Requires="a14">
+      <mc:AlternateContent xmlns:mc="http://schemas.openxmlformats.org/markup-compatibility/2006" xmlns:a14="http://schemas.microsoft.com/office/drawing/2010/main">
+        <mc:Choice Requires="a14">
           <p:sp>
             <p:nvSpPr>
               <p:cNvPr id="44" name="TextBox 43"/>
@@ -18545,6 +18522,7 @@
               </a:bodyPr>
               <a:lstStyle/>
               <a:p>
+                <a:pPr/>
                 <a14:m>
                   <m:oMathPara xmlns:m="http://schemas.openxmlformats.org/officeDocument/2006/math">
                     <m:oMathParaPr>
@@ -18565,7 +18543,7 @@
             </p:txBody>
           </p:sp>
         </mc:Choice>
-        <mc:Fallback>
+        <mc:Fallback xmlns="">
           <p:sp>
             <p:nvSpPr>
               <p:cNvPr id="44" name="TextBox 43"/>
@@ -18641,8 +18619,8 @@
           </a:fontRef>
         </p:style>
       </p:cxnSp>
-      <mc:AlternateContent xmlns:mc="http://schemas.openxmlformats.org/markup-compatibility/2006">
-        <mc:Choice xmlns:a14="http://schemas.microsoft.com/office/drawing/2010/main" Requires="a14">
+      <mc:AlternateContent xmlns:mc="http://schemas.openxmlformats.org/markup-compatibility/2006" xmlns:a14="http://schemas.microsoft.com/office/drawing/2010/main">
+        <mc:Choice Requires="a14">
           <p:sp>
             <p:nvSpPr>
               <p:cNvPr id="46" name="TextBox 45"/>
@@ -18665,6 +18643,7 @@
               </a:bodyPr>
               <a:lstStyle/>
               <a:p>
+                <a:pPr/>
                 <a14:m>
                   <m:oMathPara xmlns:m="http://schemas.openxmlformats.org/officeDocument/2006/math">
                     <m:oMathParaPr>
@@ -18685,7 +18664,7 @@
             </p:txBody>
           </p:sp>
         </mc:Choice>
-        <mc:Fallback>
+        <mc:Fallback xmlns="">
           <p:sp>
             <p:nvSpPr>
               <p:cNvPr id="46" name="TextBox 45"/>
@@ -18880,8 +18859,8 @@
           </a:p>
         </p:txBody>
       </p:sp>
-      <mc:AlternateContent xmlns:mc="http://schemas.openxmlformats.org/markup-compatibility/2006">
-        <mc:Choice xmlns:a14="http://schemas.microsoft.com/office/drawing/2010/main" Requires="a14">
+      <mc:AlternateContent xmlns:mc="http://schemas.openxmlformats.org/markup-compatibility/2006" xmlns:a14="http://schemas.microsoft.com/office/drawing/2010/main">
+        <mc:Choice Requires="a14">
           <p:sp>
             <p:nvSpPr>
               <p:cNvPr id="18" name="Content Placeholder 2"/>
@@ -18934,7 +18913,7 @@
                               <a:solidFill>
                                 <a:srgbClr val="002060"/>
                               </a:solidFill>
-                              <a:latin typeface="Cambria Math" panose="02040503050406030204" pitchFamily="18" charset="0"/>
+                              <a:latin typeface="Cambria Math" charset="0"/>
                               <a:cs typeface="Times New Roman" panose="02020603050405020304" pitchFamily="18" charset="0"/>
                             </a:rPr>
                           </m:ctrlPr>
@@ -18949,7 +18928,7 @@
                                   <a:solidFill>
                                     <a:srgbClr val="002060"/>
                                   </a:solidFill>
-                                  <a:latin typeface="Cambria Math" panose="02040503050406030204" pitchFamily="18" charset="0"/>
+                                  <a:latin typeface="Cambria Math" charset="0"/>
                                   <a:cs typeface="Times New Roman" panose="02020603050405020304" pitchFamily="18" charset="0"/>
                                 </a:rPr>
                               </m:ctrlPr>
@@ -18962,7 +18941,7 @@
                                       <a:solidFill>
                                         <a:srgbClr val="002060"/>
                                       </a:solidFill>
-                                      <a:latin typeface="Cambria Math" panose="02040503050406030204" pitchFamily="18" charset="0"/>
+                                      <a:latin typeface="Cambria Math" charset="0"/>
                                       <a:cs typeface="Times New Roman" panose="02020603050405020304" pitchFamily="18" charset="0"/>
                                     </a:rPr>
                                   </m:ctrlPr>
@@ -19013,7 +18992,7 @@
                               <a:solidFill>
                                 <a:srgbClr val="002060"/>
                               </a:solidFill>
-                              <a:latin typeface="Cambria Math" panose="02040503050406030204" pitchFamily="18" charset="0"/>
+                              <a:latin typeface="Cambria Math" charset="0"/>
                               <a:cs typeface="Times New Roman" panose="02020603050405020304" pitchFamily="18" charset="0"/>
                             </a:rPr>
                           </m:ctrlPr>
@@ -19077,7 +19056,7 @@
             </p:txBody>
           </p:sp>
         </mc:Choice>
-        <mc:Fallback>
+        <mc:Fallback xmlns="">
           <p:sp>
             <p:nvSpPr>
               <p:cNvPr id="18" name="Content Placeholder 2"/>
@@ -19115,8 +19094,8 @@
           </p:sp>
         </mc:Fallback>
       </mc:AlternateContent>
-      <mc:AlternateContent xmlns:mc="http://schemas.openxmlformats.org/markup-compatibility/2006">
-        <mc:Choice xmlns:a14="http://schemas.microsoft.com/office/drawing/2010/main" Requires="a14">
+      <mc:AlternateContent xmlns:mc="http://schemas.openxmlformats.org/markup-compatibility/2006" xmlns:a14="http://schemas.microsoft.com/office/drawing/2010/main">
+        <mc:Choice Requires="a14">
           <p:sp>
             <p:nvSpPr>
               <p:cNvPr id="19" name="Content Placeholder 2"/>
@@ -19348,7 +19327,7 @@
                               <a:solidFill>
                                 <a:srgbClr val="002060"/>
                               </a:solidFill>
-                              <a:latin typeface="Cambria Math" panose="02040503050406030204" pitchFamily="18" charset="0"/>
+                              <a:latin typeface="Cambria Math" charset="0"/>
                               <a:cs typeface="Times New Roman" panose="02020603050405020304" pitchFamily="18" charset="0"/>
                             </a:rPr>
                           </m:ctrlPr>
@@ -19361,7 +19340,7 @@
                                   <a:solidFill>
                                     <a:srgbClr val="002060"/>
                                   </a:solidFill>
-                                  <a:latin typeface="Cambria Math" panose="02040503050406030204" pitchFamily="18" charset="0"/>
+                                  <a:latin typeface="Cambria Math" charset="0"/>
                                   <a:cs typeface="Times New Roman" panose="02020603050405020304" pitchFamily="18" charset="0"/>
                                 </a:rPr>
                               </m:ctrlPr>
@@ -19412,7 +19391,7 @@
                               <a:solidFill>
                                 <a:srgbClr val="002060"/>
                               </a:solidFill>
-                              <a:latin typeface="Cambria Math" panose="02040503050406030204" pitchFamily="18" charset="0"/>
+                              <a:latin typeface="Cambria Math" charset="0"/>
                               <a:cs typeface="Times New Roman" panose="02020603050405020304" pitchFamily="18" charset="0"/>
                             </a:rPr>
                           </m:ctrlPr>
@@ -19425,7 +19404,7 @@
                                   <a:solidFill>
                                     <a:srgbClr val="002060"/>
                                   </a:solidFill>
-                                  <a:latin typeface="Cambria Math" panose="02040503050406030204" pitchFamily="18" charset="0"/>
+                                  <a:latin typeface="Cambria Math" charset="0"/>
                                   <a:cs typeface="Times New Roman" panose="02020603050405020304" pitchFamily="18" charset="0"/>
                                 </a:rPr>
                               </m:ctrlPr>
@@ -19472,7 +19451,7 @@
                                   <a:solidFill>
                                     <a:srgbClr val="002060"/>
                                   </a:solidFill>
-                                  <a:latin typeface="Cambria Math" panose="02040503050406030204" pitchFamily="18" charset="0"/>
+                                  <a:latin typeface="Cambria Math" charset="0"/>
                                   <a:cs typeface="Times New Roman" panose="02020603050405020304" pitchFamily="18" charset="0"/>
                                 </a:rPr>
                               </m:ctrlPr>
@@ -19485,7 +19464,7 @@
                                       <a:solidFill>
                                         <a:srgbClr val="002060"/>
                                       </a:solidFill>
-                                      <a:latin typeface="Cambria Math" panose="02040503050406030204" pitchFamily="18" charset="0"/>
+                                      <a:latin typeface="Cambria Math" charset="0"/>
                                       <a:cs typeface="Times New Roman" panose="02020603050405020304" pitchFamily="18" charset="0"/>
                                     </a:rPr>
                                   </m:ctrlPr>
@@ -19534,7 +19513,7 @@
                                       <a:solidFill>
                                         <a:srgbClr val="002060"/>
                                       </a:solidFill>
-                                      <a:latin typeface="Cambria Math" panose="02040503050406030204" pitchFamily="18" charset="0"/>
+                                      <a:latin typeface="Cambria Math" charset="0"/>
                                       <a:cs typeface="Times New Roman" panose="02020603050405020304" pitchFamily="18" charset="0"/>
                                     </a:rPr>
                                   </m:ctrlPr>
@@ -19549,7 +19528,7 @@
                                           <a:solidFill>
                                             <a:srgbClr val="002060"/>
                                           </a:solidFill>
-                                          <a:latin typeface="Cambria Math" panose="02040503050406030204" pitchFamily="18" charset="0"/>
+                                          <a:latin typeface="Cambria Math" charset="0"/>
                                           <a:cs typeface="Times New Roman" panose="02020603050405020304" pitchFamily="18" charset="0"/>
                                         </a:rPr>
                                       </m:ctrlPr>
@@ -19562,7 +19541,7 @@
                                               <a:solidFill>
                                                 <a:srgbClr val="002060"/>
                                               </a:solidFill>
-                                              <a:latin typeface="Cambria Math" panose="02040503050406030204" pitchFamily="18" charset="0"/>
+                                              <a:latin typeface="Cambria Math" charset="0"/>
                                               <a:cs typeface="Times New Roman" panose="02020603050405020304" pitchFamily="18" charset="0"/>
                                             </a:rPr>
                                           </m:ctrlPr>
@@ -19627,7 +19606,7 @@
                                   <a:solidFill>
                                     <a:srgbClr val="002060"/>
                                   </a:solidFill>
-                                  <a:latin typeface="Cambria Math" panose="02040503050406030204" pitchFamily="18" charset="0"/>
+                                  <a:latin typeface="Cambria Math" charset="0"/>
                                   <a:cs typeface="Times New Roman" panose="02020603050405020304" pitchFamily="18" charset="0"/>
                                 </a:rPr>
                               </m:ctrlPr>
@@ -19674,7 +19653,7 @@
                                   <a:solidFill>
                                     <a:srgbClr val="002060"/>
                                   </a:solidFill>
-                                  <a:latin typeface="Cambria Math" panose="02040503050406030204" pitchFamily="18" charset="0"/>
+                                  <a:latin typeface="Cambria Math" charset="0"/>
                                   <a:cs typeface="Times New Roman" panose="02020603050405020304" pitchFamily="18" charset="0"/>
                                 </a:rPr>
                               </m:ctrlPr>
@@ -19689,7 +19668,7 @@
                                       <a:solidFill>
                                         <a:srgbClr val="002060"/>
                                       </a:solidFill>
-                                      <a:latin typeface="Cambria Math" panose="02040503050406030204" pitchFamily="18" charset="0"/>
+                                      <a:latin typeface="Cambria Math" charset="0"/>
                                       <a:cs typeface="Times New Roman" panose="02020603050405020304" pitchFamily="18" charset="0"/>
                                     </a:rPr>
                                   </m:ctrlPr>
@@ -19704,7 +19683,7 @@
                                           <a:solidFill>
                                             <a:srgbClr val="002060"/>
                                           </a:solidFill>
-                                          <a:latin typeface="Cambria Math" panose="02040503050406030204" pitchFamily="18" charset="0"/>
+                                          <a:latin typeface="Cambria Math" charset="0"/>
                                           <a:cs typeface="Times New Roman" panose="02020603050405020304" pitchFamily="18" charset="0"/>
                                         </a:rPr>
                                       </m:ctrlPr>
@@ -19717,7 +19696,7 @@
                                               <a:solidFill>
                                                 <a:srgbClr val="002060"/>
                                               </a:solidFill>
-                                              <a:latin typeface="Cambria Math" panose="02040503050406030204" pitchFamily="18" charset="0"/>
+                                              <a:latin typeface="Cambria Math" charset="0"/>
                                               <a:cs typeface="Times New Roman" panose="02020603050405020304" pitchFamily="18" charset="0"/>
                                             </a:rPr>
                                           </m:ctrlPr>
@@ -19782,7 +19761,7 @@
                                   <a:solidFill>
                                     <a:srgbClr val="002060"/>
                                   </a:solidFill>
-                                  <a:latin typeface="Cambria Math" panose="02040503050406030204" pitchFamily="18" charset="0"/>
+                                  <a:latin typeface="Cambria Math" charset="0"/>
                                   <a:cs typeface="Times New Roman" panose="02020603050405020304" pitchFamily="18" charset="0"/>
                                 </a:rPr>
                               </m:ctrlPr>
@@ -19795,7 +19774,7 @@
                                       <a:solidFill>
                                         <a:srgbClr val="002060"/>
                                       </a:solidFill>
-                                      <a:latin typeface="Cambria Math" panose="02040503050406030204" pitchFamily="18" charset="0"/>
+                                      <a:latin typeface="Cambria Math" charset="0"/>
                                       <a:cs typeface="Times New Roman" panose="02020603050405020304" pitchFamily="18" charset="0"/>
                                     </a:rPr>
                                   </m:ctrlPr>
@@ -19844,7 +19823,7 @@
                                       <a:solidFill>
                                         <a:srgbClr val="002060"/>
                                       </a:solidFill>
-                                      <a:latin typeface="Cambria Math" panose="02040503050406030204" pitchFamily="18" charset="0"/>
+                                      <a:latin typeface="Cambria Math" charset="0"/>
                                       <a:cs typeface="Times New Roman" panose="02020603050405020304" pitchFamily="18" charset="0"/>
                                     </a:rPr>
                                   </m:ctrlPr>
@@ -19859,7 +19838,7 @@
                                           <a:solidFill>
                                             <a:srgbClr val="002060"/>
                                           </a:solidFill>
-                                          <a:latin typeface="Cambria Math" panose="02040503050406030204" pitchFamily="18" charset="0"/>
+                                          <a:latin typeface="Cambria Math" charset="0"/>
                                           <a:cs typeface="Times New Roman" panose="02020603050405020304" pitchFamily="18" charset="0"/>
                                         </a:rPr>
                                       </m:ctrlPr>
@@ -19872,7 +19851,7 @@
                                               <a:solidFill>
                                                 <a:srgbClr val="002060"/>
                                               </a:solidFill>
-                                              <a:latin typeface="Cambria Math" panose="02040503050406030204" pitchFamily="18" charset="0"/>
+                                              <a:latin typeface="Cambria Math" charset="0"/>
                                               <a:cs typeface="Times New Roman" panose="02020603050405020304" pitchFamily="18" charset="0"/>
                                             </a:rPr>
                                           </m:ctrlPr>
@@ -19915,7 +19894,7 @@
                                       <a:solidFill>
                                         <a:srgbClr val="002060"/>
                                       </a:solidFill>
-                                      <a:latin typeface="Cambria Math" panose="02040503050406030204" pitchFamily="18" charset="0"/>
+                                      <a:latin typeface="Cambria Math" charset="0"/>
                                       <a:cs typeface="Times New Roman" panose="02020603050405020304" pitchFamily="18" charset="0"/>
                                     </a:rPr>
                                   </m:ctrlPr>
@@ -19963,7 +19942,7 @@
             </p:txBody>
           </p:sp>
         </mc:Choice>
-        <mc:Fallback>
+        <mc:Fallback xmlns="">
           <p:sp>
             <p:nvSpPr>
               <p:cNvPr id="19" name="Content Placeholder 2"/>
@@ -20034,8 +20013,8 @@
           </p:sp>
         </mc:Fallback>
       </mc:AlternateContent>
-      <mc:AlternateContent xmlns:mc="http://schemas.openxmlformats.org/markup-compatibility/2006">
-        <mc:Choice xmlns:a14="http://schemas.microsoft.com/office/drawing/2010/main" Requires="a14">
+      <mc:AlternateContent xmlns:mc="http://schemas.openxmlformats.org/markup-compatibility/2006" xmlns:a14="http://schemas.microsoft.com/office/drawing/2010/main">
+        <mc:Choice Requires="a14">
           <p:sp>
             <p:nvSpPr>
               <p:cNvPr id="20" name="Content Placeholder 2"/>
@@ -20267,7 +20246,7 @@
                               <a:solidFill>
                                 <a:srgbClr val="002060"/>
                               </a:solidFill>
-                              <a:latin typeface="Cambria Math" panose="02040503050406030204" pitchFamily="18" charset="0"/>
+                              <a:latin typeface="Cambria Math" charset="0"/>
                               <a:cs typeface="Times New Roman" panose="02020603050405020304" pitchFamily="18" charset="0"/>
                             </a:rPr>
                           </m:ctrlPr>
@@ -20280,7 +20259,7 @@
                                   <a:solidFill>
                                     <a:srgbClr val="002060"/>
                                   </a:solidFill>
-                                  <a:latin typeface="Cambria Math" panose="02040503050406030204" pitchFamily="18" charset="0"/>
+                                  <a:latin typeface="Cambria Math" charset="0"/>
                                   <a:cs typeface="Times New Roman" panose="02020603050405020304" pitchFamily="18" charset="0"/>
                                 </a:rPr>
                               </m:ctrlPr>
@@ -20331,7 +20310,7 @@
                               <a:solidFill>
                                 <a:srgbClr val="002060"/>
                               </a:solidFill>
-                              <a:latin typeface="Cambria Math" panose="02040503050406030204" pitchFamily="18" charset="0"/>
+                              <a:latin typeface="Cambria Math" charset="0"/>
                               <a:cs typeface="Times New Roman" panose="02020603050405020304" pitchFamily="18" charset="0"/>
                             </a:rPr>
                           </m:ctrlPr>
@@ -20344,7 +20323,7 @@
                                   <a:solidFill>
                                     <a:srgbClr val="002060"/>
                                   </a:solidFill>
-                                  <a:latin typeface="Cambria Math" panose="02040503050406030204" pitchFamily="18" charset="0"/>
+                                  <a:latin typeface="Cambria Math" charset="0"/>
                                   <a:cs typeface="Times New Roman" panose="02020603050405020304" pitchFamily="18" charset="0"/>
                                 </a:rPr>
                               </m:ctrlPr>
@@ -20430,7 +20409,7 @@
             </p:txBody>
           </p:sp>
         </mc:Choice>
-        <mc:Fallback>
+        <mc:Fallback xmlns="">
           <p:sp>
             <p:nvSpPr>
               <p:cNvPr id="20" name="Content Placeholder 2"/>
@@ -20571,8 +20550,8 @@
           </a:fontRef>
         </p:style>
       </p:cxnSp>
-      <mc:AlternateContent xmlns:mc="http://schemas.openxmlformats.org/markup-compatibility/2006">
-        <mc:Choice xmlns:a14="http://schemas.microsoft.com/office/drawing/2010/main" Requires="a14">
+      <mc:AlternateContent xmlns:mc="http://schemas.openxmlformats.org/markup-compatibility/2006" xmlns:a14="http://schemas.microsoft.com/office/drawing/2010/main">
+        <mc:Choice Requires="a14">
           <p:sp>
             <p:nvSpPr>
               <p:cNvPr id="26" name="Content Placeholder 2"/>
@@ -20794,7 +20773,7 @@
                               <a:solidFill>
                                 <a:srgbClr val="002060"/>
                               </a:solidFill>
-                              <a:latin typeface="Cambria Math" panose="02040503050406030204" pitchFamily="18" charset="0"/>
+                              <a:latin typeface="Cambria Math" charset="0"/>
                               <a:cs typeface="Times New Roman" panose="02020603050405020304" pitchFamily="18" charset="0"/>
                             </a:rPr>
                           </m:ctrlPr>
@@ -20822,7 +20801,7 @@
                                   <a:solidFill>
                                     <a:srgbClr val="002060"/>
                                   </a:solidFill>
-                                  <a:latin typeface="Cambria Math" panose="02040503050406030204" pitchFamily="18" charset="0"/>
+                                  <a:latin typeface="Cambria Math" charset="0"/>
                                   <a:cs typeface="Times New Roman" panose="02020603050405020304" pitchFamily="18" charset="0"/>
                                 </a:rPr>
                               </m:ctrlPr>
@@ -20835,7 +20814,7 @@
                                       <a:solidFill>
                                         <a:srgbClr val="002060"/>
                                       </a:solidFill>
-                                      <a:latin typeface="Cambria Math" panose="02040503050406030204" pitchFamily="18" charset="0"/>
+                                      <a:latin typeface="Cambria Math" charset="0"/>
                                       <a:cs typeface="Times New Roman" panose="02020603050405020304" pitchFamily="18" charset="0"/>
                                     </a:rPr>
                                   </m:ctrlPr>
@@ -20917,7 +20896,7 @@
                                       <a:solidFill>
                                         <a:srgbClr val="002060"/>
                                       </a:solidFill>
-                                      <a:latin typeface="Cambria Math" panose="02040503050406030204" pitchFamily="18" charset="0"/>
+                                      <a:latin typeface="Cambria Math" charset="0"/>
                                       <a:cs typeface="Times New Roman" panose="02020603050405020304" pitchFamily="18" charset="0"/>
                                     </a:rPr>
                                   </m:ctrlPr>
@@ -20966,7 +20945,7 @@
                                       <a:solidFill>
                                         <a:srgbClr val="002060"/>
                                       </a:solidFill>
-                                      <a:latin typeface="Cambria Math" panose="02040503050406030204" pitchFamily="18" charset="0"/>
+                                      <a:latin typeface="Cambria Math" charset="0"/>
                                       <a:cs typeface="Times New Roman" panose="02020603050405020304" pitchFamily="18" charset="0"/>
                                     </a:rPr>
                                   </m:ctrlPr>
@@ -21013,7 +20992,7 @@
                                       <a:solidFill>
                                         <a:srgbClr val="002060"/>
                                       </a:solidFill>
-                                      <a:latin typeface="Cambria Math" panose="02040503050406030204" pitchFamily="18" charset="0"/>
+                                      <a:latin typeface="Cambria Math" charset="0"/>
                                       <a:cs typeface="Times New Roman" panose="02020603050405020304" pitchFamily="18" charset="0"/>
                                     </a:rPr>
                                   </m:ctrlPr>
@@ -21041,7 +21020,7 @@
                                           <a:solidFill>
                                             <a:srgbClr val="002060"/>
                                           </a:solidFill>
-                                          <a:latin typeface="Cambria Math" panose="02040503050406030204" pitchFamily="18" charset="0"/>
+                                          <a:latin typeface="Cambria Math" charset="0"/>
                                           <a:cs typeface="Times New Roman" panose="02020603050405020304" pitchFamily="18" charset="0"/>
                                         </a:rPr>
                                       </m:ctrlPr>
@@ -21054,7 +21033,7 @@
                                               <a:solidFill>
                                                 <a:srgbClr val="002060"/>
                                               </a:solidFill>
-                                              <a:latin typeface="Cambria Math" panose="02040503050406030204" pitchFamily="18" charset="0"/>
+                                              <a:latin typeface="Cambria Math" charset="0"/>
                                               <a:cs typeface="Times New Roman" panose="02020603050405020304" pitchFamily="18" charset="0"/>
                                             </a:rPr>
                                           </m:ctrlPr>
@@ -21146,7 +21125,7 @@
                                               <a:solidFill>
                                                 <a:srgbClr val="002060"/>
                                               </a:solidFill>
-                                              <a:latin typeface="Cambria Math" panose="02040503050406030204" pitchFamily="18" charset="0"/>
+                                              <a:latin typeface="Cambria Math" charset="0"/>
                                               <a:cs typeface="Times New Roman" panose="02020603050405020304" pitchFamily="18" charset="0"/>
                                             </a:rPr>
                                           </m:ctrlPr>
@@ -21169,7 +21148,7 @@
                                                   <a:solidFill>
                                                     <a:srgbClr val="002060"/>
                                                   </a:solidFill>
-                                                  <a:latin typeface="Cambria Math" panose="02040503050406030204" pitchFamily="18" charset="0"/>
+                                                  <a:latin typeface="Cambria Math" charset="0"/>
                                                   <a:cs typeface="Times New Roman" panose="02020603050405020304" pitchFamily="18" charset="0"/>
                                                 </a:rPr>
                                               </m:ctrlPr>
@@ -21182,7 +21161,7 @@
                                                       <a:solidFill>
                                                         <a:srgbClr val="002060"/>
                                                       </a:solidFill>
-                                                      <a:latin typeface="Cambria Math" panose="02040503050406030204" pitchFamily="18" charset="0"/>
+                                                      <a:latin typeface="Cambria Math" charset="0"/>
                                                       <a:cs typeface="Times New Roman" panose="02020603050405020304" pitchFamily="18" charset="0"/>
                                                     </a:rPr>
                                                   </m:ctrlPr>
@@ -21195,7 +21174,7 @@
                                                           <a:solidFill>
                                                             <a:srgbClr val="002060"/>
                                                           </a:solidFill>
-                                                          <a:latin typeface="Cambria Math" panose="02040503050406030204" pitchFamily="18" charset="0"/>
+                                                          <a:latin typeface="Cambria Math" charset="0"/>
                                                           <a:cs typeface="Times New Roman" panose="02020603050405020304" pitchFamily="18" charset="0"/>
                                                         </a:rPr>
                                                       </m:ctrlPr>
@@ -21258,7 +21237,7 @@
                                                   <a:solidFill>
                                                     <a:srgbClr val="002060"/>
                                                   </a:solidFill>
-                                                  <a:latin typeface="Cambria Math" panose="02040503050406030204" pitchFamily="18" charset="0"/>
+                                                  <a:latin typeface="Cambria Math" charset="0"/>
                                                   <a:cs typeface="Times New Roman" panose="02020603050405020304" pitchFamily="18" charset="0"/>
                                                 </a:rPr>
                                               </m:ctrlPr>
@@ -21271,7 +21250,7 @@
                                                       <a:solidFill>
                                                         <a:srgbClr val="002060"/>
                                                       </a:solidFill>
-                                                      <a:latin typeface="Cambria Math" panose="02040503050406030204" pitchFamily="18" charset="0"/>
+                                                      <a:latin typeface="Cambria Math" charset="0"/>
                                                       <a:cs typeface="Times New Roman" panose="02020603050405020304" pitchFamily="18" charset="0"/>
                                                     </a:rPr>
                                                   </m:ctrlPr>
@@ -21314,7 +21293,7 @@
                                                   <a:solidFill>
                                                     <a:srgbClr val="002060"/>
                                                   </a:solidFill>
-                                                  <a:latin typeface="Cambria Math" panose="02040503050406030204" pitchFamily="18" charset="0"/>
+                                                  <a:latin typeface="Cambria Math" charset="0"/>
                                                   <a:cs typeface="Times New Roman" panose="02020603050405020304" pitchFamily="18" charset="0"/>
                                                 </a:rPr>
                                               </m:ctrlPr>
@@ -21329,7 +21308,7 @@
                                                       <a:solidFill>
                                                         <a:srgbClr val="002060"/>
                                                       </a:solidFill>
-                                                      <a:latin typeface="Cambria Math" panose="02040503050406030204" pitchFamily="18" charset="0"/>
+                                                      <a:latin typeface="Cambria Math" charset="0"/>
                                                       <a:cs typeface="Times New Roman" panose="02020603050405020304" pitchFamily="18" charset="0"/>
                                                     </a:rPr>
                                                   </m:ctrlPr>
@@ -21352,7 +21331,7 @@
                                                           <a:solidFill>
                                                             <a:srgbClr val="002060"/>
                                                           </a:solidFill>
-                                                          <a:latin typeface="Cambria Math" panose="02040503050406030204" pitchFamily="18" charset="0"/>
+                                                          <a:latin typeface="Cambria Math" charset="0"/>
                                                           <a:cs typeface="Times New Roman" panose="02020603050405020304" pitchFamily="18" charset="0"/>
                                                         </a:rPr>
                                                       </m:ctrlPr>
@@ -21365,7 +21344,7 @@
                                                               <a:solidFill>
                                                                 <a:srgbClr val="002060"/>
                                                               </a:solidFill>
-                                                              <a:latin typeface="Cambria Math" panose="02040503050406030204" pitchFamily="18" charset="0"/>
+                                                              <a:latin typeface="Cambria Math" charset="0"/>
                                                               <a:cs typeface="Times New Roman" panose="02020603050405020304" pitchFamily="18" charset="0"/>
                                                             </a:rPr>
                                                           </m:ctrlPr>
@@ -21420,7 +21399,7 @@
                                                   <a:solidFill>
                                                     <a:srgbClr val="002060"/>
                                                   </a:solidFill>
-                                                  <a:latin typeface="Cambria Math" panose="02040503050406030204" pitchFamily="18" charset="0"/>
+                                                  <a:latin typeface="Cambria Math" charset="0"/>
                                                   <a:cs typeface="Times New Roman" panose="02020603050405020304" pitchFamily="18" charset="0"/>
                                                 </a:rPr>
                                               </m:ctrlPr>
@@ -21435,7 +21414,7 @@
                                                       <a:solidFill>
                                                         <a:srgbClr val="002060"/>
                                                       </a:solidFill>
-                                                      <a:latin typeface="Cambria Math" panose="02040503050406030204" pitchFamily="18" charset="0"/>
+                                                      <a:latin typeface="Cambria Math" charset="0"/>
                                                       <a:cs typeface="Times New Roman" panose="02020603050405020304" pitchFamily="18" charset="0"/>
                                                     </a:rPr>
                                                   </m:ctrlPr>
@@ -21458,7 +21437,7 @@
                                                           <a:solidFill>
                                                             <a:srgbClr val="002060"/>
                                                           </a:solidFill>
-                                                          <a:latin typeface="Cambria Math" panose="02040503050406030204" pitchFamily="18" charset="0"/>
+                                                          <a:latin typeface="Cambria Math" charset="0"/>
                                                           <a:cs typeface="Times New Roman" panose="02020603050405020304" pitchFamily="18" charset="0"/>
                                                         </a:rPr>
                                                       </m:ctrlPr>
@@ -21471,7 +21450,7 @@
                                                               <a:solidFill>
                                                                 <a:srgbClr val="002060"/>
                                                               </a:solidFill>
-                                                              <a:latin typeface="Cambria Math" panose="02040503050406030204" pitchFamily="18" charset="0"/>
+                                                              <a:latin typeface="Cambria Math" charset="0"/>
                                                               <a:cs typeface="Times New Roman" panose="02020603050405020304" pitchFamily="18" charset="0"/>
                                                             </a:rPr>
                                                           </m:ctrlPr>
@@ -21531,7 +21510,7 @@
             </p:txBody>
           </p:sp>
         </mc:Choice>
-        <mc:Fallback>
+        <mc:Fallback xmlns="">
           <p:sp>
             <p:nvSpPr>
               <p:cNvPr id="26" name="Content Placeholder 2"/>
@@ -21665,8 +21644,8 @@
           </a:p>
         </p:txBody>
       </p:sp>
-      <mc:AlternateContent xmlns:mc="http://schemas.openxmlformats.org/markup-compatibility/2006">
-        <mc:Choice xmlns:a14="http://schemas.microsoft.com/office/drawing/2010/main" Requires="a14">
+      <mc:AlternateContent xmlns:mc="http://schemas.openxmlformats.org/markup-compatibility/2006" xmlns:a14="http://schemas.microsoft.com/office/drawing/2010/main">
+        <mc:Choice Requires="a14">
           <p:sp>
             <p:nvSpPr>
               <p:cNvPr id="21" name="Rectangle 20"/>
@@ -21734,7 +21713,7 @@
             </p:txBody>
           </p:sp>
         </mc:Choice>
-        <mc:Fallback>
+        <mc:Fallback xmlns="">
           <p:sp>
             <p:nvSpPr>
               <p:cNvPr id="21" name="Rectangle 20"/>
@@ -21778,8 +21757,8 @@
           </p:sp>
         </mc:Fallback>
       </mc:AlternateContent>
-      <mc:AlternateContent xmlns:mc="http://schemas.openxmlformats.org/markup-compatibility/2006">
-        <mc:Choice xmlns:a14="http://schemas.microsoft.com/office/drawing/2010/main" Requires="a14">
+      <mc:AlternateContent xmlns:mc="http://schemas.openxmlformats.org/markup-compatibility/2006" xmlns:a14="http://schemas.microsoft.com/office/drawing/2010/main">
+        <mc:Choice Requires="a14">
           <p:sp>
             <p:nvSpPr>
               <p:cNvPr id="23" name="TextBox 22"/>
@@ -21834,7 +21813,7 @@
             </p:txBody>
           </p:sp>
         </mc:Choice>
-        <mc:Fallback>
+        <mc:Fallback xmlns="">
           <p:sp>
             <p:nvSpPr>
               <p:cNvPr id="23" name="TextBox 22"/>
@@ -21873,8 +21852,8 @@
           </p:sp>
         </mc:Fallback>
       </mc:AlternateContent>
-      <mc:AlternateContent xmlns:mc="http://schemas.openxmlformats.org/markup-compatibility/2006">
-        <mc:Choice xmlns:a14="http://schemas.microsoft.com/office/drawing/2010/main" Requires="a14">
+      <mc:AlternateContent xmlns:mc="http://schemas.openxmlformats.org/markup-compatibility/2006" xmlns:a14="http://schemas.microsoft.com/office/drawing/2010/main">
+        <mc:Choice Requires="a14">
           <p:sp>
             <p:nvSpPr>
               <p:cNvPr id="25" name="Rectangle 24"/>
@@ -21929,7 +21908,7 @@
                         <m:sSupPr>
                           <m:ctrlPr>
                             <a:rPr lang="en-US" b="0" i="1" dirty="0" smtClean="0">
-                              <a:latin typeface="Cambria Math" panose="02040503050406030204" pitchFamily="18" charset="0"/>
+                              <a:latin typeface="Cambria Math" charset="0"/>
                             </a:rPr>
                           </m:ctrlPr>
                         </m:sSupPr>
@@ -21961,7 +21940,7 @@
             </p:txBody>
           </p:sp>
         </mc:Choice>
-        <mc:Fallback>
+        <mc:Fallback xmlns="">
           <p:sp>
             <p:nvSpPr>
               <p:cNvPr id="25" name="Rectangle 24"/>
@@ -22005,8 +21984,8 @@
           </p:sp>
         </mc:Fallback>
       </mc:AlternateContent>
-      <mc:AlternateContent xmlns:mc="http://schemas.openxmlformats.org/markup-compatibility/2006">
-        <mc:Choice xmlns:a14="http://schemas.microsoft.com/office/drawing/2010/main" Requires="a14">
+      <mc:AlternateContent xmlns:mc="http://schemas.openxmlformats.org/markup-compatibility/2006" xmlns:a14="http://schemas.microsoft.com/office/drawing/2010/main">
+        <mc:Choice Requires="a14">
           <p:sp>
             <p:nvSpPr>
               <p:cNvPr id="27" name="TextBox 26"/>
@@ -22054,7 +22033,7 @@
             </p:txBody>
           </p:sp>
         </mc:Choice>
-        <mc:Fallback>
+        <mc:Fallback xmlns="">
           <p:sp>
             <p:nvSpPr>
               <p:cNvPr id="27" name="TextBox 26"/>
@@ -22093,8 +22072,8 @@
           </p:sp>
         </mc:Fallback>
       </mc:AlternateContent>
-      <mc:AlternateContent xmlns:mc="http://schemas.openxmlformats.org/markup-compatibility/2006">
-        <mc:Choice xmlns:a14="http://schemas.microsoft.com/office/drawing/2010/main" Requires="a14">
+      <mc:AlternateContent xmlns:mc="http://schemas.openxmlformats.org/markup-compatibility/2006" xmlns:a14="http://schemas.microsoft.com/office/drawing/2010/main">
+        <mc:Choice Requires="a14">
           <p:sp>
             <p:nvSpPr>
               <p:cNvPr id="28" name="Rectangle 27"/>
@@ -22162,7 +22141,7 @@
             </p:txBody>
           </p:sp>
         </mc:Choice>
-        <mc:Fallback>
+        <mc:Fallback xmlns="">
           <p:sp>
             <p:nvSpPr>
               <p:cNvPr id="28" name="Rectangle 27"/>
@@ -22336,8 +22315,8 @@
           </a:fontRef>
         </p:style>
       </p:cxnSp>
-      <mc:AlternateContent xmlns:mc="http://schemas.openxmlformats.org/markup-compatibility/2006">
-        <mc:Choice xmlns:a14="http://schemas.microsoft.com/office/drawing/2010/main" Requires="a14">
+      <mc:AlternateContent xmlns:mc="http://schemas.openxmlformats.org/markup-compatibility/2006" xmlns:a14="http://schemas.microsoft.com/office/drawing/2010/main">
+        <mc:Choice Requires="a14">
           <p:sp>
             <p:nvSpPr>
               <p:cNvPr id="32" name="TextBox 31"/>
@@ -22360,6 +22339,7 @@
               </a:bodyPr>
               <a:lstStyle/>
               <a:p>
+                <a:pPr/>
                 <a14:m>
                   <m:oMathPara xmlns:m="http://schemas.openxmlformats.org/officeDocument/2006/math">
                     <m:oMathParaPr>
@@ -22380,7 +22360,7 @@
             </p:txBody>
           </p:sp>
         </mc:Choice>
-        <mc:Fallback>
+        <mc:Fallback xmlns="">
           <p:sp>
             <p:nvSpPr>
               <p:cNvPr id="32" name="TextBox 31"/>
@@ -22456,8 +22436,8 @@
           </a:fontRef>
         </p:style>
       </p:cxnSp>
-      <mc:AlternateContent xmlns:mc="http://schemas.openxmlformats.org/markup-compatibility/2006">
-        <mc:Choice xmlns:a14="http://schemas.microsoft.com/office/drawing/2010/main" Requires="a14">
+      <mc:AlternateContent xmlns:mc="http://schemas.openxmlformats.org/markup-compatibility/2006" xmlns:a14="http://schemas.microsoft.com/office/drawing/2010/main">
+        <mc:Choice Requires="a14">
           <p:sp>
             <p:nvSpPr>
               <p:cNvPr id="34" name="TextBox 33"/>
@@ -22480,6 +22460,7 @@
               </a:bodyPr>
               <a:lstStyle/>
               <a:p>
+                <a:pPr/>
                 <a14:m>
                   <m:oMathPara xmlns:m="http://schemas.openxmlformats.org/officeDocument/2006/math">
                     <m:oMathParaPr>
@@ -22500,7 +22481,7 @@
             </p:txBody>
           </p:sp>
         </mc:Choice>
-        <mc:Fallback>
+        <mc:Fallback xmlns="">
           <p:sp>
             <p:nvSpPr>
               <p:cNvPr id="34" name="TextBox 33"/>
@@ -22613,8 +22594,8 @@
           </a:fontRef>
         </p:style>
       </p:cxnSp>
-      <mc:AlternateContent xmlns:mc="http://schemas.openxmlformats.org/markup-compatibility/2006">
-        <mc:Choice xmlns:a14="http://schemas.microsoft.com/office/drawing/2010/main" Requires="a14">
+      <mc:AlternateContent xmlns:mc="http://schemas.openxmlformats.org/markup-compatibility/2006" xmlns:a14="http://schemas.microsoft.com/office/drawing/2010/main">
+        <mc:Choice Requires="a14">
           <p:sp>
             <p:nvSpPr>
               <p:cNvPr id="37" name="TextBox 36"/>
@@ -22637,6 +22618,7 @@
               </a:bodyPr>
               <a:lstStyle/>
               <a:p>
+                <a:pPr/>
                 <a14:m>
                   <m:oMathPara xmlns:m="http://schemas.openxmlformats.org/officeDocument/2006/math">
                     <m:oMathParaPr>
@@ -22657,7 +22639,7 @@
             </p:txBody>
           </p:sp>
         </mc:Choice>
-        <mc:Fallback>
+        <mc:Fallback xmlns="">
           <p:sp>
             <p:nvSpPr>
               <p:cNvPr id="37" name="TextBox 36"/>
@@ -22733,8 +22715,8 @@
           </a:fontRef>
         </p:style>
       </p:cxnSp>
-      <mc:AlternateContent xmlns:mc="http://schemas.openxmlformats.org/markup-compatibility/2006">
-        <mc:Choice xmlns:a14="http://schemas.microsoft.com/office/drawing/2010/main" Requires="a14">
+      <mc:AlternateContent xmlns:mc="http://schemas.openxmlformats.org/markup-compatibility/2006" xmlns:a14="http://schemas.microsoft.com/office/drawing/2010/main">
+        <mc:Choice Requires="a14">
           <p:sp>
             <p:nvSpPr>
               <p:cNvPr id="39" name="TextBox 38"/>
@@ -22757,6 +22739,7 @@
               </a:bodyPr>
               <a:lstStyle/>
               <a:p>
+                <a:pPr/>
                 <a14:m>
                   <m:oMathPara xmlns:m="http://schemas.openxmlformats.org/officeDocument/2006/math">
                     <m:oMathParaPr>
@@ -22777,7 +22760,7 @@
             </p:txBody>
           </p:sp>
         </mc:Choice>
-        <mc:Fallback>
+        <mc:Fallback xmlns="">
           <p:sp>
             <p:nvSpPr>
               <p:cNvPr id="39" name="TextBox 38"/>
@@ -22890,8 +22873,8 @@
           </a:fontRef>
         </p:style>
       </p:cxnSp>
-      <mc:AlternateContent xmlns:mc="http://schemas.openxmlformats.org/markup-compatibility/2006">
-        <mc:Choice xmlns:a14="http://schemas.microsoft.com/office/drawing/2010/main" Requires="a14">
+      <mc:AlternateContent xmlns:mc="http://schemas.openxmlformats.org/markup-compatibility/2006" xmlns:a14="http://schemas.microsoft.com/office/drawing/2010/main">
+        <mc:Choice Requires="a14">
           <p:sp>
             <p:nvSpPr>
               <p:cNvPr id="43" name="TextBox 42"/>
@@ -22914,6 +22897,7 @@
               </a:bodyPr>
               <a:lstStyle/>
               <a:p>
+                <a:pPr/>
                 <a14:m>
                   <m:oMathPara xmlns:m="http://schemas.openxmlformats.org/officeDocument/2006/math">
                     <m:oMathParaPr>
@@ -22934,7 +22918,7 @@
             </p:txBody>
           </p:sp>
         </mc:Choice>
-        <mc:Fallback>
+        <mc:Fallback xmlns="">
           <p:sp>
             <p:nvSpPr>
               <p:cNvPr id="43" name="TextBox 42"/>
@@ -23140,8 +23124,8 @@
           </a:p>
         </p:txBody>
       </p:sp>
-      <mc:AlternateContent xmlns:mc="http://schemas.openxmlformats.org/markup-compatibility/2006">
-        <mc:Choice xmlns:a14="http://schemas.microsoft.com/office/drawing/2010/main" Requires="a14">
+      <mc:AlternateContent xmlns:mc="http://schemas.openxmlformats.org/markup-compatibility/2006" xmlns:a14="http://schemas.microsoft.com/office/drawing/2010/main">
+        <mc:Choice Requires="a14">
           <p:sp>
             <p:nvSpPr>
               <p:cNvPr id="18" name="Content Placeholder 2"/>
@@ -23194,7 +23178,7 @@
                               <a:solidFill>
                                 <a:srgbClr val="002060"/>
                               </a:solidFill>
-                              <a:latin typeface="Cambria Math" panose="02040503050406030204" pitchFamily="18" charset="0"/>
+                              <a:latin typeface="Cambria Math" charset="0"/>
                               <a:cs typeface="Times New Roman" panose="02020603050405020304" pitchFamily="18" charset="0"/>
                             </a:rPr>
                           </m:ctrlPr>
@@ -23209,7 +23193,7 @@
                                   <a:solidFill>
                                     <a:srgbClr val="002060"/>
                                   </a:solidFill>
-                                  <a:latin typeface="Cambria Math" panose="02040503050406030204" pitchFamily="18" charset="0"/>
+                                  <a:latin typeface="Cambria Math" charset="0"/>
                                   <a:cs typeface="Times New Roman" panose="02020603050405020304" pitchFamily="18" charset="0"/>
                                 </a:rPr>
                               </m:ctrlPr>
@@ -23222,7 +23206,7 @@
                                       <a:solidFill>
                                         <a:srgbClr val="002060"/>
                                       </a:solidFill>
-                                      <a:latin typeface="Cambria Math" panose="02040503050406030204" pitchFamily="18" charset="0"/>
+                                      <a:latin typeface="Cambria Math" charset="0"/>
                                       <a:cs typeface="Times New Roman" panose="02020603050405020304" pitchFamily="18" charset="0"/>
                                     </a:rPr>
                                   </m:ctrlPr>
@@ -23293,7 +23277,7 @@
                               <a:solidFill>
                                 <a:srgbClr val="002060"/>
                               </a:solidFill>
-                              <a:latin typeface="Cambria Math" panose="02040503050406030204" pitchFamily="18" charset="0"/>
+                              <a:latin typeface="Cambria Math" charset="0"/>
                               <a:cs typeface="Times New Roman" panose="02020603050405020304" pitchFamily="18" charset="0"/>
                             </a:rPr>
                           </m:ctrlPr>
@@ -23357,7 +23341,7 @@
             </p:txBody>
           </p:sp>
         </mc:Choice>
-        <mc:Fallback>
+        <mc:Fallback xmlns="">
           <p:sp>
             <p:nvSpPr>
               <p:cNvPr id="18" name="Content Placeholder 2"/>
@@ -23395,8 +23379,8 @@
           </p:sp>
         </mc:Fallback>
       </mc:AlternateContent>
-      <mc:AlternateContent xmlns:mc="http://schemas.openxmlformats.org/markup-compatibility/2006">
-        <mc:Choice xmlns:a14="http://schemas.microsoft.com/office/drawing/2010/main" Requires="a14">
+      <mc:AlternateContent xmlns:mc="http://schemas.openxmlformats.org/markup-compatibility/2006" xmlns:a14="http://schemas.microsoft.com/office/drawing/2010/main">
+        <mc:Choice Requires="a14">
           <p:sp>
             <p:nvSpPr>
               <p:cNvPr id="19" name="Content Placeholder 2"/>
@@ -23628,7 +23612,7 @@
                               <a:solidFill>
                                 <a:srgbClr val="002060"/>
                               </a:solidFill>
-                              <a:latin typeface="Cambria Math" panose="02040503050406030204" pitchFamily="18" charset="0"/>
+                              <a:latin typeface="Cambria Math" charset="0"/>
                               <a:cs typeface="Times New Roman" panose="02020603050405020304" pitchFamily="18" charset="0"/>
                             </a:rPr>
                           </m:ctrlPr>
@@ -23641,7 +23625,7 @@
                                   <a:solidFill>
                                     <a:srgbClr val="002060"/>
                                   </a:solidFill>
-                                  <a:latin typeface="Cambria Math" panose="02040503050406030204" pitchFamily="18" charset="0"/>
+                                  <a:latin typeface="Cambria Math" charset="0"/>
                                   <a:cs typeface="Times New Roman" panose="02020603050405020304" pitchFamily="18" charset="0"/>
                                 </a:rPr>
                               </m:ctrlPr>
@@ -23692,7 +23676,7 @@
                               <a:solidFill>
                                 <a:srgbClr val="002060"/>
                               </a:solidFill>
-                              <a:latin typeface="Cambria Math" panose="02040503050406030204" pitchFamily="18" charset="0"/>
+                              <a:latin typeface="Cambria Math" charset="0"/>
                               <a:cs typeface="Times New Roman" panose="02020603050405020304" pitchFamily="18" charset="0"/>
                             </a:rPr>
                           </m:ctrlPr>
@@ -23705,7 +23689,7 @@
                                   <a:solidFill>
                                     <a:srgbClr val="002060"/>
                                   </a:solidFill>
-                                  <a:latin typeface="Cambria Math" panose="02040503050406030204" pitchFamily="18" charset="0"/>
+                                  <a:latin typeface="Cambria Math" charset="0"/>
                                   <a:cs typeface="Times New Roman" panose="02020603050405020304" pitchFamily="18" charset="0"/>
                                 </a:rPr>
                               </m:ctrlPr>
@@ -23753,7 +23737,7 @@
                                   <a:solidFill>
                                     <a:srgbClr val="002060"/>
                                   </a:solidFill>
-                                  <a:latin typeface="Cambria Math" panose="02040503050406030204" pitchFamily="18" charset="0"/>
+                                  <a:latin typeface="Cambria Math" charset="0"/>
                                   <a:cs typeface="Times New Roman" panose="02020603050405020304" pitchFamily="18" charset="0"/>
                                 </a:rPr>
                               </m:ctrlPr>
@@ -23767,7 +23751,7 @@
                                       <a:solidFill>
                                         <a:srgbClr val="002060"/>
                                       </a:solidFill>
-                                      <a:latin typeface="Cambria Math" panose="02040503050406030204" pitchFamily="18" charset="0"/>
+                                      <a:latin typeface="Cambria Math" charset="0"/>
                                       <a:cs typeface="Times New Roman" panose="02020603050405020304" pitchFamily="18" charset="0"/>
                                     </a:rPr>
                                   </m:ctrlPr>
@@ -23814,7 +23798,7 @@
                                       <a:solidFill>
                                         <a:srgbClr val="002060"/>
                                       </a:solidFill>
-                                      <a:latin typeface="Cambria Math" panose="02040503050406030204" pitchFamily="18" charset="0"/>
+                                      <a:latin typeface="Cambria Math" charset="0"/>
                                       <a:cs typeface="Times New Roman" panose="02020603050405020304" pitchFamily="18" charset="0"/>
                                     </a:rPr>
                                   </m:ctrlPr>
@@ -23829,7 +23813,7 @@
                                           <a:solidFill>
                                             <a:srgbClr val="002060"/>
                                           </a:solidFill>
-                                          <a:latin typeface="Cambria Math" panose="02040503050406030204" pitchFamily="18" charset="0"/>
+                                          <a:latin typeface="Cambria Math" charset="0"/>
                                           <a:cs typeface="Times New Roman" panose="02020603050405020304" pitchFamily="18" charset="0"/>
                                         </a:rPr>
                                       </m:ctrlPr>
@@ -23844,7 +23828,7 @@
                                               <a:solidFill>
                                                 <a:srgbClr val="002060"/>
                                               </a:solidFill>
-                                              <a:latin typeface="Cambria Math" panose="02040503050406030204" pitchFamily="18" charset="0"/>
+                                              <a:latin typeface="Cambria Math" charset="0"/>
                                               <a:cs typeface="Times New Roman" panose="02020603050405020304" pitchFamily="18" charset="0"/>
                                             </a:rPr>
                                           </m:ctrlPr>
@@ -23857,7 +23841,7 @@
                                                   <a:solidFill>
                                                     <a:srgbClr val="002060"/>
                                                   </a:solidFill>
-                                                  <a:latin typeface="Cambria Math" panose="02040503050406030204" pitchFamily="18" charset="0"/>
+                                                  <a:latin typeface="Cambria Math" charset="0"/>
                                                   <a:cs typeface="Times New Roman" panose="02020603050405020304" pitchFamily="18" charset="0"/>
                                                 </a:rPr>
                                               </m:ctrlPr>
@@ -23923,7 +23907,7 @@
             </p:txBody>
           </p:sp>
         </mc:Choice>
-        <mc:Fallback>
+        <mc:Fallback xmlns="">
           <p:sp>
             <p:nvSpPr>
               <p:cNvPr id="19" name="Content Placeholder 2"/>
@@ -23994,8 +23978,8 @@
           </p:sp>
         </mc:Fallback>
       </mc:AlternateContent>
-      <mc:AlternateContent xmlns:mc="http://schemas.openxmlformats.org/markup-compatibility/2006">
-        <mc:Choice xmlns:a14="http://schemas.microsoft.com/office/drawing/2010/main" Requires="a14">
+      <mc:AlternateContent xmlns:mc="http://schemas.openxmlformats.org/markup-compatibility/2006" xmlns:a14="http://schemas.microsoft.com/office/drawing/2010/main">
+        <mc:Choice Requires="a14">
           <p:sp>
             <p:nvSpPr>
               <p:cNvPr id="20" name="Content Placeholder 2"/>
@@ -24227,7 +24211,7 @@
                               <a:solidFill>
                                 <a:srgbClr val="002060"/>
                               </a:solidFill>
-                              <a:latin typeface="Cambria Math" panose="02040503050406030204" pitchFamily="18" charset="0"/>
+                              <a:latin typeface="Cambria Math" charset="0"/>
                               <a:cs typeface="Times New Roman" panose="02020603050405020304" pitchFamily="18" charset="0"/>
                             </a:rPr>
                           </m:ctrlPr>
@@ -24240,7 +24224,7 @@
                                   <a:solidFill>
                                     <a:srgbClr val="002060"/>
                                   </a:solidFill>
-                                  <a:latin typeface="Cambria Math" panose="02040503050406030204" pitchFamily="18" charset="0"/>
+                                  <a:latin typeface="Cambria Math" charset="0"/>
                                   <a:cs typeface="Times New Roman" panose="02020603050405020304" pitchFamily="18" charset="0"/>
                                 </a:rPr>
                               </m:ctrlPr>
@@ -24291,7 +24275,7 @@
                               <a:solidFill>
                                 <a:srgbClr val="002060"/>
                               </a:solidFill>
-                              <a:latin typeface="Cambria Math" panose="02040503050406030204" pitchFamily="18" charset="0"/>
+                              <a:latin typeface="Cambria Math" charset="0"/>
                               <a:cs typeface="Times New Roman" panose="02020603050405020304" pitchFamily="18" charset="0"/>
                             </a:rPr>
                           </m:ctrlPr>
@@ -24304,7 +24288,7 @@
                                   <a:solidFill>
                                     <a:srgbClr val="002060"/>
                                   </a:solidFill>
-                                  <a:latin typeface="Cambria Math" panose="02040503050406030204" pitchFamily="18" charset="0"/>
+                                  <a:latin typeface="Cambria Math" charset="0"/>
                                   <a:cs typeface="Times New Roman" panose="02020603050405020304" pitchFamily="18" charset="0"/>
                                 </a:rPr>
                               </m:ctrlPr>
@@ -24360,7 +24344,7 @@
             </p:txBody>
           </p:sp>
         </mc:Choice>
-        <mc:Fallback>
+        <mc:Fallback xmlns="">
           <p:sp>
             <p:nvSpPr>
               <p:cNvPr id="20" name="Content Placeholder 2"/>
@@ -24501,8 +24485,8 @@
           </a:fontRef>
         </p:style>
       </p:cxnSp>
-      <mc:AlternateContent xmlns:mc="http://schemas.openxmlformats.org/markup-compatibility/2006">
-        <mc:Choice xmlns:a14="http://schemas.microsoft.com/office/drawing/2010/main" Requires="a14">
+      <mc:AlternateContent xmlns:mc="http://schemas.openxmlformats.org/markup-compatibility/2006" xmlns:a14="http://schemas.microsoft.com/office/drawing/2010/main">
+        <mc:Choice Requires="a14">
           <p:sp>
             <p:nvSpPr>
               <p:cNvPr id="26" name="Content Placeholder 2"/>
@@ -24724,7 +24708,7 @@
                               <a:solidFill>
                                 <a:srgbClr val="002060"/>
                               </a:solidFill>
-                              <a:latin typeface="Cambria Math" panose="02040503050406030204" pitchFamily="18" charset="0"/>
+                              <a:latin typeface="Cambria Math" charset="0"/>
                               <a:cs typeface="Times New Roman" panose="02020603050405020304" pitchFamily="18" charset="0"/>
                             </a:rPr>
                           </m:ctrlPr>
@@ -24752,7 +24736,7 @@
                                   <a:solidFill>
                                     <a:srgbClr val="002060"/>
                                   </a:solidFill>
-                                  <a:latin typeface="Cambria Math" panose="02040503050406030204" pitchFamily="18" charset="0"/>
+                                  <a:latin typeface="Cambria Math" charset="0"/>
                                   <a:cs typeface="Times New Roman" panose="02020603050405020304" pitchFamily="18" charset="0"/>
                                 </a:rPr>
                               </m:ctrlPr>
@@ -24765,7 +24749,7 @@
                                       <a:solidFill>
                                         <a:srgbClr val="002060"/>
                                       </a:solidFill>
-                                      <a:latin typeface="Cambria Math" panose="02040503050406030204" pitchFamily="18" charset="0"/>
+                                      <a:latin typeface="Cambria Math" charset="0"/>
                                       <a:cs typeface="Times New Roman" panose="02020603050405020304" pitchFamily="18" charset="0"/>
                                     </a:rPr>
                                   </m:ctrlPr>
@@ -24847,7 +24831,7 @@
                                       <a:solidFill>
                                         <a:srgbClr val="002060"/>
                                       </a:solidFill>
-                                      <a:latin typeface="Cambria Math" panose="02040503050406030204" pitchFamily="18" charset="0"/>
+                                      <a:latin typeface="Cambria Math" charset="0"/>
                                       <a:cs typeface="Times New Roman" panose="02020603050405020304" pitchFamily="18" charset="0"/>
                                     </a:rPr>
                                   </m:ctrlPr>
@@ -24896,7 +24880,7 @@
                                       <a:solidFill>
                                         <a:srgbClr val="002060"/>
                                       </a:solidFill>
-                                      <a:latin typeface="Cambria Math" panose="02040503050406030204" pitchFamily="18" charset="0"/>
+                                      <a:latin typeface="Cambria Math" charset="0"/>
                                       <a:cs typeface="Times New Roman" panose="02020603050405020304" pitchFamily="18" charset="0"/>
                                     </a:rPr>
                                   </m:ctrlPr>
@@ -24943,7 +24927,7 @@
                                       <a:solidFill>
                                         <a:srgbClr val="002060"/>
                                       </a:solidFill>
-                                      <a:latin typeface="Cambria Math" panose="02040503050406030204" pitchFamily="18" charset="0"/>
+                                      <a:latin typeface="Cambria Math" charset="0"/>
                                       <a:cs typeface="Times New Roman" panose="02020603050405020304" pitchFamily="18" charset="0"/>
                                     </a:rPr>
                                   </m:ctrlPr>
@@ -24971,7 +24955,7 @@
                                           <a:solidFill>
                                             <a:srgbClr val="002060"/>
                                           </a:solidFill>
-                                          <a:latin typeface="Cambria Math" panose="02040503050406030204" pitchFamily="18" charset="0"/>
+                                          <a:latin typeface="Cambria Math" charset="0"/>
                                           <a:cs typeface="Times New Roman" panose="02020603050405020304" pitchFamily="18" charset="0"/>
                                         </a:rPr>
                                       </m:ctrlPr>
@@ -24984,7 +24968,7 @@
                                               <a:solidFill>
                                                 <a:srgbClr val="002060"/>
                                               </a:solidFill>
-                                              <a:latin typeface="Cambria Math" panose="02040503050406030204" pitchFamily="18" charset="0"/>
+                                              <a:latin typeface="Cambria Math" charset="0"/>
                                               <a:cs typeface="Times New Roman" panose="02020603050405020304" pitchFamily="18" charset="0"/>
                                             </a:rPr>
                                           </m:ctrlPr>
@@ -25068,7 +25052,7 @@
                                               <a:solidFill>
                                                 <a:srgbClr val="002060"/>
                                               </a:solidFill>
-                                              <a:latin typeface="Cambria Math" panose="02040503050406030204" pitchFamily="18" charset="0"/>
+                                              <a:latin typeface="Cambria Math" charset="0"/>
                                               <a:cs typeface="Times New Roman" panose="02020603050405020304" pitchFamily="18" charset="0"/>
                                             </a:rPr>
                                           </m:ctrlPr>
@@ -25083,7 +25067,7 @@
                                                   <a:solidFill>
                                                     <a:srgbClr val="002060"/>
                                                   </a:solidFill>
-                                                  <a:latin typeface="Cambria Math" panose="02040503050406030204" pitchFamily="18" charset="0"/>
+                                                  <a:latin typeface="Cambria Math" charset="0"/>
                                                   <a:cs typeface="Times New Roman" panose="02020603050405020304" pitchFamily="18" charset="0"/>
                                                 </a:rPr>
                                               </m:ctrlPr>
@@ -25106,7 +25090,7 @@
                                                       <a:solidFill>
                                                         <a:srgbClr val="002060"/>
                                                       </a:solidFill>
-                                                      <a:latin typeface="Cambria Math" panose="02040503050406030204" pitchFamily="18" charset="0"/>
+                                                      <a:latin typeface="Cambria Math" charset="0"/>
                                                       <a:cs typeface="Times New Roman" panose="02020603050405020304" pitchFamily="18" charset="0"/>
                                                     </a:rPr>
                                                   </m:ctrlPr>
@@ -25119,7 +25103,7 @@
                                                           <a:solidFill>
                                                             <a:srgbClr val="002060"/>
                                                           </a:solidFill>
-                                                          <a:latin typeface="Cambria Math" panose="02040503050406030204" pitchFamily="18" charset="0"/>
+                                                          <a:latin typeface="Cambria Math" charset="0"/>
                                                           <a:cs typeface="Times New Roman" panose="02020603050405020304" pitchFamily="18" charset="0"/>
                                                         </a:rPr>
                                                       </m:ctrlPr>
@@ -25178,7 +25162,7 @@
                                                       <a:solidFill>
                                                         <a:srgbClr val="002060"/>
                                                       </a:solidFill>
-                                                      <a:latin typeface="Cambria Math" panose="02040503050406030204" pitchFamily="18" charset="0"/>
+                                                      <a:latin typeface="Cambria Math" charset="0"/>
                                                       <a:cs typeface="Times New Roman" panose="02020603050405020304" pitchFamily="18" charset="0"/>
                                                     </a:rPr>
                                                   </m:ctrlPr>
@@ -25191,7 +25175,7 @@
                                                           <a:solidFill>
                                                             <a:srgbClr val="002060"/>
                                                           </a:solidFill>
-                                                          <a:latin typeface="Cambria Math" panose="02040503050406030204" pitchFamily="18" charset="0"/>
+                                                          <a:latin typeface="Cambria Math" charset="0"/>
                                                           <a:cs typeface="Times New Roman" panose="02020603050405020304" pitchFamily="18" charset="0"/>
                                                         </a:rPr>
                                                       </m:ctrlPr>
@@ -25246,7 +25230,7 @@
                                           <a:solidFill>
                                             <a:srgbClr val="002060"/>
                                           </a:solidFill>
-                                          <a:latin typeface="Cambria Math" panose="02040503050406030204" pitchFamily="18" charset="0"/>
+                                          <a:latin typeface="Cambria Math" charset="0"/>
                                           <a:cs typeface="Times New Roman" panose="02020603050405020304" pitchFamily="18" charset="0"/>
                                         </a:rPr>
                                       </m:ctrlPr>
@@ -25274,7 +25258,7 @@
                                               <a:solidFill>
                                                 <a:srgbClr val="002060"/>
                                               </a:solidFill>
-                                              <a:latin typeface="Cambria Math" panose="02040503050406030204" pitchFamily="18" charset="0"/>
+                                              <a:latin typeface="Cambria Math" charset="0"/>
                                               <a:cs typeface="Times New Roman" panose="02020603050405020304" pitchFamily="18" charset="0"/>
                                             </a:rPr>
                                           </m:ctrlPr>
@@ -25287,7 +25271,7 @@
                                                   <a:solidFill>
                                                     <a:srgbClr val="002060"/>
                                                   </a:solidFill>
-                                                  <a:latin typeface="Cambria Math" panose="02040503050406030204" pitchFamily="18" charset="0"/>
+                                                  <a:latin typeface="Cambria Math" charset="0"/>
                                                   <a:cs typeface="Times New Roman" panose="02020603050405020304" pitchFamily="18" charset="0"/>
                                                 </a:rPr>
                                               </m:ctrlPr>
@@ -25379,7 +25363,7 @@
                                                   <a:solidFill>
                                                     <a:srgbClr val="002060"/>
                                                   </a:solidFill>
-                                                  <a:latin typeface="Cambria Math" panose="02040503050406030204" pitchFamily="18" charset="0"/>
+                                                  <a:latin typeface="Cambria Math" charset="0"/>
                                                   <a:cs typeface="Times New Roman" panose="02020603050405020304" pitchFamily="18" charset="0"/>
                                                 </a:rPr>
                                               </m:ctrlPr>
@@ -25402,7 +25386,7 @@
                                                       <a:solidFill>
                                                         <a:srgbClr val="002060"/>
                                                       </a:solidFill>
-                                                      <a:latin typeface="Cambria Math" panose="02040503050406030204" pitchFamily="18" charset="0"/>
+                                                      <a:latin typeface="Cambria Math" charset="0"/>
                                                       <a:cs typeface="Times New Roman" panose="02020603050405020304" pitchFamily="18" charset="0"/>
                                                     </a:rPr>
                                                   </m:ctrlPr>
@@ -25415,7 +25399,7 @@
                                                           <a:solidFill>
                                                             <a:srgbClr val="002060"/>
                                                           </a:solidFill>
-                                                          <a:latin typeface="Cambria Math" panose="02040503050406030204" pitchFamily="18" charset="0"/>
+                                                          <a:latin typeface="Cambria Math" charset="0"/>
                                                           <a:cs typeface="Times New Roman" panose="02020603050405020304" pitchFamily="18" charset="0"/>
                                                         </a:rPr>
                                                       </m:ctrlPr>
@@ -25428,7 +25412,7 @@
                                                               <a:solidFill>
                                                                 <a:srgbClr val="002060"/>
                                                               </a:solidFill>
-                                                              <a:latin typeface="Cambria Math" panose="02040503050406030204" pitchFamily="18" charset="0"/>
+                                                              <a:latin typeface="Cambria Math" charset="0"/>
                                                               <a:cs typeface="Times New Roman" panose="02020603050405020304" pitchFamily="18" charset="0"/>
                                                             </a:rPr>
                                                           </m:ctrlPr>
@@ -25491,7 +25475,7 @@
                                                       <a:solidFill>
                                                         <a:srgbClr val="002060"/>
                                                       </a:solidFill>
-                                                      <a:latin typeface="Cambria Math" panose="02040503050406030204" pitchFamily="18" charset="0"/>
+                                                      <a:latin typeface="Cambria Math" charset="0"/>
                                                       <a:cs typeface="Times New Roman" panose="02020603050405020304" pitchFamily="18" charset="0"/>
                                                     </a:rPr>
                                                   </m:ctrlPr>
@@ -25504,7 +25488,7 @@
                                                           <a:solidFill>
                                                             <a:srgbClr val="002060"/>
                                                           </a:solidFill>
-                                                          <a:latin typeface="Cambria Math" panose="02040503050406030204" pitchFamily="18" charset="0"/>
+                                                          <a:latin typeface="Cambria Math" charset="0"/>
                                                           <a:cs typeface="Times New Roman" panose="02020603050405020304" pitchFamily="18" charset="0"/>
                                                         </a:rPr>
                                                       </m:ctrlPr>
@@ -25547,7 +25531,7 @@
                                                       <a:solidFill>
                                                         <a:srgbClr val="002060"/>
                                                       </a:solidFill>
-                                                      <a:latin typeface="Cambria Math" panose="02040503050406030204" pitchFamily="18" charset="0"/>
+                                                      <a:latin typeface="Cambria Math" charset="0"/>
                                                       <a:cs typeface="Times New Roman" panose="02020603050405020304" pitchFamily="18" charset="0"/>
                                                     </a:rPr>
                                                   </m:ctrlPr>
@@ -25562,7 +25546,7 @@
                                                           <a:solidFill>
                                                             <a:srgbClr val="002060"/>
                                                           </a:solidFill>
-                                                          <a:latin typeface="Cambria Math" panose="02040503050406030204" pitchFamily="18" charset="0"/>
+                                                          <a:latin typeface="Cambria Math" charset="0"/>
                                                           <a:cs typeface="Times New Roman" panose="02020603050405020304" pitchFamily="18" charset="0"/>
                                                         </a:rPr>
                                                       </m:ctrlPr>
@@ -25585,7 +25569,7 @@
                                                               <a:solidFill>
                                                                 <a:srgbClr val="002060"/>
                                                               </a:solidFill>
-                                                              <a:latin typeface="Cambria Math" panose="02040503050406030204" pitchFamily="18" charset="0"/>
+                                                              <a:latin typeface="Cambria Math" charset="0"/>
                                                               <a:cs typeface="Times New Roman" panose="02020603050405020304" pitchFamily="18" charset="0"/>
                                                             </a:rPr>
                                                           </m:ctrlPr>
@@ -25598,7 +25582,7 @@
                                                                   <a:solidFill>
                                                                     <a:srgbClr val="002060"/>
                                                                   </a:solidFill>
-                                                                  <a:latin typeface="Cambria Math" panose="02040503050406030204" pitchFamily="18" charset="0"/>
+                                                                  <a:latin typeface="Cambria Math" charset="0"/>
                                                                   <a:cs typeface="Times New Roman" panose="02020603050405020304" pitchFamily="18" charset="0"/>
                                                                 </a:rPr>
                                                               </m:ctrlPr>
@@ -25653,7 +25637,7 @@
                                                       <a:solidFill>
                                                         <a:srgbClr val="002060"/>
                                                       </a:solidFill>
-                                                      <a:latin typeface="Cambria Math" panose="02040503050406030204" pitchFamily="18" charset="0"/>
+                                                      <a:latin typeface="Cambria Math" charset="0"/>
                                                       <a:cs typeface="Times New Roman" panose="02020603050405020304" pitchFamily="18" charset="0"/>
                                                     </a:rPr>
                                                   </m:ctrlPr>
@@ -25668,7 +25652,7 @@
                                                           <a:solidFill>
                                                             <a:srgbClr val="002060"/>
                                                           </a:solidFill>
-                                                          <a:latin typeface="Cambria Math" panose="02040503050406030204" pitchFamily="18" charset="0"/>
+                                                          <a:latin typeface="Cambria Math" charset="0"/>
                                                           <a:cs typeface="Times New Roman" panose="02020603050405020304" pitchFamily="18" charset="0"/>
                                                         </a:rPr>
                                                       </m:ctrlPr>
@@ -25691,7 +25675,7 @@
                                                               <a:solidFill>
                                                                 <a:srgbClr val="002060"/>
                                                               </a:solidFill>
-                                                              <a:latin typeface="Cambria Math" panose="02040503050406030204" pitchFamily="18" charset="0"/>
+                                                              <a:latin typeface="Cambria Math" charset="0"/>
                                                               <a:cs typeface="Times New Roman" panose="02020603050405020304" pitchFamily="18" charset="0"/>
                                                             </a:rPr>
                                                           </m:ctrlPr>
@@ -25704,7 +25688,7 @@
                                                                   <a:solidFill>
                                                                     <a:srgbClr val="002060"/>
                                                                   </a:solidFill>
-                                                                  <a:latin typeface="Cambria Math" panose="02040503050406030204" pitchFamily="18" charset="0"/>
+                                                                  <a:latin typeface="Cambria Math" charset="0"/>
                                                                   <a:cs typeface="Times New Roman" panose="02020603050405020304" pitchFamily="18" charset="0"/>
                                                                 </a:rPr>
                                                               </m:ctrlPr>
@@ -25766,7 +25750,7 @@
             </p:txBody>
           </p:sp>
         </mc:Choice>
-        <mc:Fallback>
+        <mc:Fallback xmlns="">
           <p:sp>
             <p:nvSpPr>
               <p:cNvPr id="26" name="Content Placeholder 2"/>
@@ -25998,13 +25982,7 @@
               <a:rPr lang="en-SG" sz="1000" dirty="0" smtClean="0">
                 <a:latin typeface="Arial Narrow" panose="020B0606020202030204" pitchFamily="34" charset="0"/>
               </a:rPr>
-              <a:t>    </a:t>
-            </a:r>
-            <a:r>
-              <a:rPr lang="en-SG" sz="1000" dirty="0" smtClean="0">
-                <a:latin typeface="Arial Narrow" panose="020B0606020202030204" pitchFamily="34" charset="0"/>
-              </a:rPr>
-              <a:t>Speeding </a:t>
+              <a:t>    Speeding </a:t>
             </a:r>
             <a:r>
               <a:rPr lang="en-SG" sz="1000" dirty="0">
@@ -26039,8 +26017,8 @@
           </a:p>
         </p:txBody>
       </p:sp>
-      <mc:AlternateContent xmlns:mc="http://schemas.openxmlformats.org/markup-compatibility/2006">
-        <mc:Choice xmlns:a14="http://schemas.microsoft.com/office/drawing/2010/main" Requires="a14">
+      <mc:AlternateContent xmlns:mc="http://schemas.openxmlformats.org/markup-compatibility/2006" xmlns:a14="http://schemas.microsoft.com/office/drawing/2010/main">
+        <mc:Choice Requires="a14">
           <p:sp>
             <p:nvSpPr>
               <p:cNvPr id="21" name="Rectangle 20"/>
@@ -26108,7 +26086,7 @@
             </p:txBody>
           </p:sp>
         </mc:Choice>
-        <mc:Fallback>
+        <mc:Fallback xmlns="">
           <p:sp>
             <p:nvSpPr>
               <p:cNvPr id="21" name="Rectangle 20"/>
@@ -26152,8 +26130,8 @@
           </p:sp>
         </mc:Fallback>
       </mc:AlternateContent>
-      <mc:AlternateContent xmlns:mc="http://schemas.openxmlformats.org/markup-compatibility/2006">
-        <mc:Choice xmlns:a14="http://schemas.microsoft.com/office/drawing/2010/main" Requires="a14">
+      <mc:AlternateContent xmlns:mc="http://schemas.openxmlformats.org/markup-compatibility/2006" xmlns:a14="http://schemas.microsoft.com/office/drawing/2010/main">
+        <mc:Choice Requires="a14">
           <p:sp>
             <p:nvSpPr>
               <p:cNvPr id="23" name="TextBox 22"/>
@@ -26208,7 +26186,7 @@
             </p:txBody>
           </p:sp>
         </mc:Choice>
-        <mc:Fallback>
+        <mc:Fallback xmlns="">
           <p:sp>
             <p:nvSpPr>
               <p:cNvPr id="23" name="TextBox 22"/>
@@ -26247,8 +26225,8 @@
           </p:sp>
         </mc:Fallback>
       </mc:AlternateContent>
-      <mc:AlternateContent xmlns:mc="http://schemas.openxmlformats.org/markup-compatibility/2006">
-        <mc:Choice xmlns:a14="http://schemas.microsoft.com/office/drawing/2010/main" Requires="a14">
+      <mc:AlternateContent xmlns:mc="http://schemas.openxmlformats.org/markup-compatibility/2006" xmlns:a14="http://schemas.microsoft.com/office/drawing/2010/main">
+        <mc:Choice Requires="a14">
           <p:sp>
             <p:nvSpPr>
               <p:cNvPr id="25" name="Rectangle 24"/>
@@ -26303,7 +26281,7 @@
                         <m:sSupPr>
                           <m:ctrlPr>
                             <a:rPr lang="en-US" b="0" i="1" dirty="0" smtClean="0">
-                              <a:latin typeface="Cambria Math" panose="02040503050406030204" pitchFamily="18" charset="0"/>
+                              <a:latin typeface="Cambria Math" charset="0"/>
                             </a:rPr>
                           </m:ctrlPr>
                         </m:sSupPr>
@@ -26335,7 +26313,7 @@
             </p:txBody>
           </p:sp>
         </mc:Choice>
-        <mc:Fallback>
+        <mc:Fallback xmlns="">
           <p:sp>
             <p:nvSpPr>
               <p:cNvPr id="25" name="Rectangle 24"/>
@@ -26379,8 +26357,8 @@
           </p:sp>
         </mc:Fallback>
       </mc:AlternateContent>
-      <mc:AlternateContent xmlns:mc="http://schemas.openxmlformats.org/markup-compatibility/2006">
-        <mc:Choice xmlns:a14="http://schemas.microsoft.com/office/drawing/2010/main" Requires="a14">
+      <mc:AlternateContent xmlns:mc="http://schemas.openxmlformats.org/markup-compatibility/2006" xmlns:a14="http://schemas.microsoft.com/office/drawing/2010/main">
+        <mc:Choice Requires="a14">
           <p:sp>
             <p:nvSpPr>
               <p:cNvPr id="27" name="TextBox 26"/>
@@ -26428,7 +26406,7 @@
             </p:txBody>
           </p:sp>
         </mc:Choice>
-        <mc:Fallback>
+        <mc:Fallback xmlns="">
           <p:sp>
             <p:nvSpPr>
               <p:cNvPr id="27" name="TextBox 26"/>
@@ -26467,8 +26445,8 @@
           </p:sp>
         </mc:Fallback>
       </mc:AlternateContent>
-      <mc:AlternateContent xmlns:mc="http://schemas.openxmlformats.org/markup-compatibility/2006">
-        <mc:Choice xmlns:a14="http://schemas.microsoft.com/office/drawing/2010/main" Requires="a14">
+      <mc:AlternateContent xmlns:mc="http://schemas.openxmlformats.org/markup-compatibility/2006" xmlns:a14="http://schemas.microsoft.com/office/drawing/2010/main">
+        <mc:Choice Requires="a14">
           <p:sp>
             <p:nvSpPr>
               <p:cNvPr id="28" name="Rectangle 27"/>
@@ -26536,7 +26514,7 @@
             </p:txBody>
           </p:sp>
         </mc:Choice>
-        <mc:Fallback>
+        <mc:Fallback xmlns="">
           <p:sp>
             <p:nvSpPr>
               <p:cNvPr id="28" name="Rectangle 27"/>
@@ -26710,8 +26688,8 @@
           </a:fontRef>
         </p:style>
       </p:cxnSp>
-      <mc:AlternateContent xmlns:mc="http://schemas.openxmlformats.org/markup-compatibility/2006">
-        <mc:Choice xmlns:a14="http://schemas.microsoft.com/office/drawing/2010/main" Requires="a14">
+      <mc:AlternateContent xmlns:mc="http://schemas.openxmlformats.org/markup-compatibility/2006" xmlns:a14="http://schemas.microsoft.com/office/drawing/2010/main">
+        <mc:Choice Requires="a14">
           <p:sp>
             <p:nvSpPr>
               <p:cNvPr id="32" name="TextBox 31"/>
@@ -26734,6 +26712,7 @@
               </a:bodyPr>
               <a:lstStyle/>
               <a:p>
+                <a:pPr/>
                 <a14:m>
                   <m:oMathPara xmlns:m="http://schemas.openxmlformats.org/officeDocument/2006/math">
                     <m:oMathParaPr>
@@ -26754,7 +26733,7 @@
             </p:txBody>
           </p:sp>
         </mc:Choice>
-        <mc:Fallback>
+        <mc:Fallback xmlns="">
           <p:sp>
             <p:nvSpPr>
               <p:cNvPr id="32" name="TextBox 31"/>
@@ -26830,8 +26809,8 @@
           </a:fontRef>
         </p:style>
       </p:cxnSp>
-      <mc:AlternateContent xmlns:mc="http://schemas.openxmlformats.org/markup-compatibility/2006">
-        <mc:Choice xmlns:a14="http://schemas.microsoft.com/office/drawing/2010/main" Requires="a14">
+      <mc:AlternateContent xmlns:mc="http://schemas.openxmlformats.org/markup-compatibility/2006" xmlns:a14="http://schemas.microsoft.com/office/drawing/2010/main">
+        <mc:Choice Requires="a14">
           <p:sp>
             <p:nvSpPr>
               <p:cNvPr id="34" name="TextBox 33"/>
@@ -26854,6 +26833,7 @@
               </a:bodyPr>
               <a:lstStyle/>
               <a:p>
+                <a:pPr/>
                 <a14:m>
                   <m:oMathPara xmlns:m="http://schemas.openxmlformats.org/officeDocument/2006/math">
                     <m:oMathParaPr>
@@ -26874,7 +26854,7 @@
             </p:txBody>
           </p:sp>
         </mc:Choice>
-        <mc:Fallback>
+        <mc:Fallback xmlns="">
           <p:sp>
             <p:nvSpPr>
               <p:cNvPr id="34" name="TextBox 33"/>
@@ -26987,8 +26967,8 @@
           </a:fontRef>
         </p:style>
       </p:cxnSp>
-      <mc:AlternateContent xmlns:mc="http://schemas.openxmlformats.org/markup-compatibility/2006">
-        <mc:Choice xmlns:a14="http://schemas.microsoft.com/office/drawing/2010/main" Requires="a14">
+      <mc:AlternateContent xmlns:mc="http://schemas.openxmlformats.org/markup-compatibility/2006" xmlns:a14="http://schemas.microsoft.com/office/drawing/2010/main">
+        <mc:Choice Requires="a14">
           <p:sp>
             <p:nvSpPr>
               <p:cNvPr id="37" name="TextBox 36"/>
@@ -27011,6 +26991,7 @@
               </a:bodyPr>
               <a:lstStyle/>
               <a:p>
+                <a:pPr/>
                 <a14:m>
                   <m:oMathPara xmlns:m="http://schemas.openxmlformats.org/officeDocument/2006/math">
                     <m:oMathParaPr>
@@ -27031,7 +27012,7 @@
             </p:txBody>
           </p:sp>
         </mc:Choice>
-        <mc:Fallback>
+        <mc:Fallback xmlns="">
           <p:sp>
             <p:nvSpPr>
               <p:cNvPr id="37" name="TextBox 36"/>
@@ -27107,8 +27088,8 @@
           </a:fontRef>
         </p:style>
       </p:cxnSp>
-      <mc:AlternateContent xmlns:mc="http://schemas.openxmlformats.org/markup-compatibility/2006">
-        <mc:Choice xmlns:a14="http://schemas.microsoft.com/office/drawing/2010/main" Requires="a14">
+      <mc:AlternateContent xmlns:mc="http://schemas.openxmlformats.org/markup-compatibility/2006" xmlns:a14="http://schemas.microsoft.com/office/drawing/2010/main">
+        <mc:Choice Requires="a14">
           <p:sp>
             <p:nvSpPr>
               <p:cNvPr id="39" name="TextBox 38"/>
@@ -27131,6 +27112,7 @@
               </a:bodyPr>
               <a:lstStyle/>
               <a:p>
+                <a:pPr/>
                 <a14:m>
                   <m:oMathPara xmlns:m="http://schemas.openxmlformats.org/officeDocument/2006/math">
                     <m:oMathParaPr>
@@ -27151,7 +27133,7 @@
             </p:txBody>
           </p:sp>
         </mc:Choice>
-        <mc:Fallback>
+        <mc:Fallback xmlns="">
           <p:sp>
             <p:nvSpPr>
               <p:cNvPr id="39" name="TextBox 38"/>
@@ -27264,8 +27246,8 @@
           </a:fontRef>
         </p:style>
       </p:cxnSp>
-      <mc:AlternateContent xmlns:mc="http://schemas.openxmlformats.org/markup-compatibility/2006">
-        <mc:Choice xmlns:a14="http://schemas.microsoft.com/office/drawing/2010/main" Requires="a14">
+      <mc:AlternateContent xmlns:mc="http://schemas.openxmlformats.org/markup-compatibility/2006" xmlns:a14="http://schemas.microsoft.com/office/drawing/2010/main">
+        <mc:Choice Requires="a14">
           <p:sp>
             <p:nvSpPr>
               <p:cNvPr id="42" name="TextBox 41"/>
@@ -27288,6 +27270,7 @@
               </a:bodyPr>
               <a:lstStyle/>
               <a:p>
+                <a:pPr/>
                 <a14:m>
                   <m:oMathPara xmlns:m="http://schemas.openxmlformats.org/officeDocument/2006/math">
                     <m:oMathParaPr>
@@ -27308,7 +27291,7 @@
             </p:txBody>
           </p:sp>
         </mc:Choice>
-        <mc:Fallback>
+        <mc:Fallback xmlns="">
           <p:sp>
             <p:nvSpPr>
               <p:cNvPr id="42" name="TextBox 41"/>
@@ -27935,7 +27918,7 @@
           <a:p>
             <a:r>
               <a:rPr lang="en-US" sz="2800" dirty="0" smtClean="0"/>
-              <a:t>Vector </a:t>
+              <a:t>Idea: Vector </a:t>
             </a:r>
             <a:r>
               <a:rPr lang="en-US" sz="2800" dirty="0"/>
@@ -28401,8 +28384,8 @@
             </a:p>
           </p:txBody>
         </p:sp>
-        <mc:AlternateContent xmlns:mc="http://schemas.openxmlformats.org/markup-compatibility/2006">
-          <mc:Choice xmlns:a14="http://schemas.microsoft.com/office/drawing/2010/main" Requires="a14">
+        <mc:AlternateContent xmlns:mc="http://schemas.openxmlformats.org/markup-compatibility/2006" xmlns:a14="http://schemas.microsoft.com/office/drawing/2010/main">
+          <mc:Choice Requires="a14">
             <p:sp>
               <p:nvSpPr>
                 <p:cNvPr id="8" name="TextBox 7"/>
@@ -28425,6 +28408,7 @@
                 </a:bodyPr>
                 <a:lstStyle/>
                 <a:p>
+                  <a:pPr/>
                   <a14:m>
                     <m:oMathPara xmlns:m="http://schemas.openxmlformats.org/officeDocument/2006/math">
                       <m:oMathParaPr>
@@ -28438,7 +28422,7 @@
                                 <a:solidFill>
                                   <a:srgbClr val="FF0000"/>
                                 </a:solidFill>
-                                <a:latin typeface="Cambria Math" panose="02040503050406030204" pitchFamily="18" charset="0"/>
+                                <a:latin typeface="Cambria Math" charset="0"/>
                               </a:rPr>
                             </m:ctrlPr>
                           </m:sSubPr>
@@ -28477,7 +28461,7 @@
               </p:txBody>
             </p:sp>
           </mc:Choice>
-          <mc:Fallback>
+          <mc:Fallback xmlns="">
             <p:sp>
               <p:nvSpPr>
                 <p:cNvPr id="8" name="TextBox 7"/>
@@ -28516,8 +28500,8 @@
             </p:sp>
           </mc:Fallback>
         </mc:AlternateContent>
-        <mc:AlternateContent xmlns:mc="http://schemas.openxmlformats.org/markup-compatibility/2006">
-          <mc:Choice xmlns:a14="http://schemas.microsoft.com/office/drawing/2010/main" Requires="a14">
+        <mc:AlternateContent xmlns:mc="http://schemas.openxmlformats.org/markup-compatibility/2006" xmlns:a14="http://schemas.microsoft.com/office/drawing/2010/main">
+          <mc:Choice Requires="a14">
             <p:sp>
               <p:nvSpPr>
                 <p:cNvPr id="26" name="TextBox 25"/>
@@ -28540,6 +28524,7 @@
                 </a:bodyPr>
                 <a:lstStyle/>
                 <a:p>
+                  <a:pPr/>
                   <a14:m>
                     <m:oMathPara xmlns:m="http://schemas.openxmlformats.org/officeDocument/2006/math">
                       <m:oMathParaPr>
@@ -28550,7 +28535,7 @@
                           <m:sSubPr>
                             <m:ctrlPr>
                               <a:rPr lang="en-US" sz="1400" b="0" i="1" smtClean="0">
-                                <a:latin typeface="Cambria Math" panose="02040503050406030204" pitchFamily="18" charset="0"/>
+                                <a:latin typeface="Cambria Math" charset="0"/>
                               </a:rPr>
                             </m:ctrlPr>
                           </m:sSubPr>
@@ -28579,7 +28564,7 @@
               </p:txBody>
             </p:sp>
           </mc:Choice>
-          <mc:Fallback>
+          <mc:Fallback xmlns="">
             <p:sp>
               <p:nvSpPr>
                 <p:cNvPr id="26" name="TextBox 25"/>
@@ -28618,8 +28603,8 @@
             </p:sp>
           </mc:Fallback>
         </mc:AlternateContent>
-        <mc:AlternateContent xmlns:mc="http://schemas.openxmlformats.org/markup-compatibility/2006">
-          <mc:Choice xmlns:a14="http://schemas.microsoft.com/office/drawing/2010/main" Requires="a14">
+        <mc:AlternateContent xmlns:mc="http://schemas.openxmlformats.org/markup-compatibility/2006" xmlns:a14="http://schemas.microsoft.com/office/drawing/2010/main">
+          <mc:Choice Requires="a14">
             <p:sp>
               <p:nvSpPr>
                 <p:cNvPr id="27" name="TextBox 26"/>
@@ -28642,6 +28627,7 @@
                 </a:bodyPr>
                 <a:lstStyle/>
                 <a:p>
+                  <a:pPr/>
                   <a14:m>
                     <m:oMathPara xmlns:m="http://schemas.openxmlformats.org/officeDocument/2006/math">
                       <m:oMathParaPr>
@@ -28652,7 +28638,7 @@
                           <m:sSubPr>
                             <m:ctrlPr>
                               <a:rPr lang="en-US" sz="1400" b="0" i="1" smtClean="0">
-                                <a:latin typeface="Cambria Math" panose="02040503050406030204" pitchFamily="18" charset="0"/>
+                                <a:latin typeface="Cambria Math" charset="0"/>
                               </a:rPr>
                             </m:ctrlPr>
                           </m:sSubPr>
@@ -28681,7 +28667,7 @@
               </p:txBody>
             </p:sp>
           </mc:Choice>
-          <mc:Fallback>
+          <mc:Fallback xmlns="">
             <p:sp>
               <p:nvSpPr>
                 <p:cNvPr id="27" name="TextBox 26"/>
@@ -28720,8 +28706,8 @@
             </p:sp>
           </mc:Fallback>
         </mc:AlternateContent>
-        <mc:AlternateContent xmlns:mc="http://schemas.openxmlformats.org/markup-compatibility/2006">
-          <mc:Choice xmlns:a14="http://schemas.microsoft.com/office/drawing/2010/main" Requires="a14">
+        <mc:AlternateContent xmlns:mc="http://schemas.openxmlformats.org/markup-compatibility/2006" xmlns:a14="http://schemas.microsoft.com/office/drawing/2010/main">
+          <mc:Choice Requires="a14">
             <p:sp>
               <p:nvSpPr>
                 <p:cNvPr id="29" name="TextBox 28"/>
@@ -28744,6 +28730,7 @@
                 </a:bodyPr>
                 <a:lstStyle/>
                 <a:p>
+                  <a:pPr/>
                   <a14:m>
                     <m:oMathPara xmlns:m="http://schemas.openxmlformats.org/officeDocument/2006/math">
                       <m:oMathParaPr>
@@ -28754,7 +28741,7 @@
                           <m:sSubPr>
                             <m:ctrlPr>
                               <a:rPr lang="en-US" sz="1400" b="0" i="1" smtClean="0">
-                                <a:latin typeface="Cambria Math" panose="02040503050406030204" pitchFamily="18" charset="0"/>
+                                <a:latin typeface="Cambria Math" charset="0"/>
                               </a:rPr>
                             </m:ctrlPr>
                           </m:sSubPr>
@@ -28783,7 +28770,7 @@
               </p:txBody>
             </p:sp>
           </mc:Choice>
-          <mc:Fallback>
+          <mc:Fallback xmlns="">
             <p:sp>
               <p:nvSpPr>
                 <p:cNvPr id="29" name="TextBox 28"/>
@@ -28822,8 +28809,8 @@
             </p:sp>
           </mc:Fallback>
         </mc:AlternateContent>
-        <mc:AlternateContent xmlns:mc="http://schemas.openxmlformats.org/markup-compatibility/2006">
-          <mc:Choice xmlns:a14="http://schemas.microsoft.com/office/drawing/2010/main" Requires="a14">
+        <mc:AlternateContent xmlns:mc="http://schemas.openxmlformats.org/markup-compatibility/2006" xmlns:a14="http://schemas.microsoft.com/office/drawing/2010/main">
+          <mc:Choice Requires="a14">
             <p:sp>
               <p:nvSpPr>
                 <p:cNvPr id="30" name="TextBox 29"/>
@@ -28846,6 +28833,7 @@
                 </a:bodyPr>
                 <a:lstStyle/>
                 <a:p>
+                  <a:pPr/>
                   <a14:m>
                     <m:oMathPara xmlns:m="http://schemas.openxmlformats.org/officeDocument/2006/math">
                       <m:oMathParaPr>
@@ -28877,7 +28865,7 @@
                                 <a:solidFill>
                                   <a:srgbClr val="FF0000"/>
                                 </a:solidFill>
-                                <a:latin typeface="Cambria Math" panose="02040503050406030204" pitchFamily="18" charset="0"/>
+                                <a:latin typeface="Cambria Math" charset="0"/>
                               </a:rPr>
                             </m:ctrlPr>
                           </m:sSubPr>
@@ -28925,7 +28913,7 @@
               </p:txBody>
             </p:sp>
           </mc:Choice>
-          <mc:Fallback>
+          <mc:Fallback xmlns="">
             <p:sp>
               <p:nvSpPr>
                 <p:cNvPr id="30" name="TextBox 29"/>
@@ -28964,8 +28952,8 @@
             </p:sp>
           </mc:Fallback>
         </mc:AlternateContent>
-        <mc:AlternateContent xmlns:mc="http://schemas.openxmlformats.org/markup-compatibility/2006">
-          <mc:Choice xmlns:a14="http://schemas.microsoft.com/office/drawing/2010/main" Requires="a14">
+        <mc:AlternateContent xmlns:mc="http://schemas.openxmlformats.org/markup-compatibility/2006" xmlns:a14="http://schemas.microsoft.com/office/drawing/2010/main">
+          <mc:Choice Requires="a14">
             <p:sp>
               <p:nvSpPr>
                 <p:cNvPr id="31" name="TextBox 30"/>
@@ -28988,6 +28976,7 @@
                 </a:bodyPr>
                 <a:lstStyle/>
                 <a:p>
+                  <a:pPr/>
                   <a14:m>
                     <m:oMathPara xmlns:m="http://schemas.openxmlformats.org/officeDocument/2006/math">
                       <m:oMathParaPr>
@@ -28998,7 +28987,7 @@
                           <m:sSubPr>
                             <m:ctrlPr>
                               <a:rPr lang="en-US" sz="1400" b="1" i="1" smtClean="0">
-                                <a:latin typeface="Cambria Math" panose="02040503050406030204" pitchFamily="18" charset="0"/>
+                                <a:latin typeface="Cambria Math" charset="0"/>
                               </a:rPr>
                             </m:ctrlPr>
                           </m:sSubPr>
@@ -29045,7 +29034,7 @@
               </p:txBody>
             </p:sp>
           </mc:Choice>
-          <mc:Fallback>
+          <mc:Fallback xmlns="">
             <p:sp>
               <p:nvSpPr>
                 <p:cNvPr id="31" name="TextBox 30"/>
@@ -29084,8 +29073,8 @@
             </p:sp>
           </mc:Fallback>
         </mc:AlternateContent>
-        <mc:AlternateContent xmlns:mc="http://schemas.openxmlformats.org/markup-compatibility/2006">
-          <mc:Choice xmlns:a14="http://schemas.microsoft.com/office/drawing/2010/main" Requires="a14">
+        <mc:AlternateContent xmlns:mc="http://schemas.openxmlformats.org/markup-compatibility/2006" xmlns:a14="http://schemas.microsoft.com/office/drawing/2010/main">
+          <mc:Choice Requires="a14">
             <p:sp>
               <p:nvSpPr>
                 <p:cNvPr id="9" name="Rectangle 8"/>
@@ -29118,7 +29107,7 @@
                           <m:sSubPr>
                             <m:ctrlPr>
                               <a:rPr lang="en-US" sz="1400" b="1" i="1" smtClean="0">
-                                <a:latin typeface="Cambria Math" panose="02040503050406030204" pitchFamily="18" charset="0"/>
+                                <a:latin typeface="Cambria Math" charset="0"/>
                               </a:rPr>
                             </m:ctrlPr>
                           </m:sSubPr>
@@ -29165,7 +29154,7 @@
               </p:txBody>
             </p:sp>
           </mc:Choice>
-          <mc:Fallback>
+          <mc:Fallback xmlns="">
             <p:sp>
               <p:nvSpPr>
                 <p:cNvPr id="9" name="Rectangle 8"/>
@@ -29204,8 +29193,8 @@
             </p:sp>
           </mc:Fallback>
         </mc:AlternateContent>
-        <mc:AlternateContent xmlns:mc="http://schemas.openxmlformats.org/markup-compatibility/2006">
-          <mc:Choice xmlns:a14="http://schemas.microsoft.com/office/drawing/2010/main" Requires="a14">
+        <mc:AlternateContent xmlns:mc="http://schemas.openxmlformats.org/markup-compatibility/2006" xmlns:a14="http://schemas.microsoft.com/office/drawing/2010/main">
+          <mc:Choice Requires="a14">
             <p:sp>
               <p:nvSpPr>
                 <p:cNvPr id="32" name="Rectangle 31"/>
@@ -29238,7 +29227,7 @@
                           <m:sSubPr>
                             <m:ctrlPr>
                               <a:rPr lang="en-US" sz="1400" b="1" i="1" smtClean="0">
-                                <a:latin typeface="Cambria Math" panose="02040503050406030204" pitchFamily="18" charset="0"/>
+                                <a:latin typeface="Cambria Math" charset="0"/>
                               </a:rPr>
                             </m:ctrlPr>
                           </m:sSubPr>
@@ -29285,7 +29274,7 @@
               </p:txBody>
             </p:sp>
           </mc:Choice>
-          <mc:Fallback>
+          <mc:Fallback xmlns="">
             <p:sp>
               <p:nvSpPr>
                 <p:cNvPr id="32" name="Rectangle 31"/>
@@ -29325,8 +29314,8 @@
           </mc:Fallback>
         </mc:AlternateContent>
       </p:grpSp>
-      <mc:AlternateContent xmlns:mc="http://schemas.openxmlformats.org/markup-compatibility/2006">
-        <mc:Choice xmlns:a14="http://schemas.microsoft.com/office/drawing/2010/main" Requires="a14">
+      <mc:AlternateContent xmlns:mc="http://schemas.openxmlformats.org/markup-compatibility/2006" xmlns:a14="http://schemas.microsoft.com/office/drawing/2010/main">
+        <mc:Choice Requires="a14">
           <p:sp>
             <p:nvSpPr>
               <p:cNvPr id="33" name="Rectangle 32"/>
@@ -29354,14 +29343,7 @@
                     <a:latin typeface="Times New Roman" panose="02020603050405020304" pitchFamily="18" charset="0"/>
                     <a:cs typeface="Times New Roman" panose="02020603050405020304" pitchFamily="18" charset="0"/>
                   </a:rPr>
-                  <a:t>An illustration of vector augmentation </a:t>
-                </a:r>
-                <a:r>
-                  <a:rPr lang="en-US" sz="1400" dirty="0" smtClean="0">
-                    <a:latin typeface="Times New Roman" panose="02020603050405020304" pitchFamily="18" charset="0"/>
-                    <a:cs typeface="Times New Roman" panose="02020603050405020304" pitchFamily="18" charset="0"/>
-                  </a:rPr>
-                  <a:t>approach in </a:t>
+                  <a:t>An illustration of vector augmentation approach in </a:t>
                 </a:r>
                 <a14:m>
                   <m:oMath xmlns:m="http://schemas.openxmlformats.org/officeDocument/2006/math">
@@ -29389,21 +29371,7 @@
                     <a:latin typeface="Times New Roman" panose="02020603050405020304" pitchFamily="18" charset="0"/>
                     <a:cs typeface="Times New Roman" panose="02020603050405020304" pitchFamily="18" charset="0"/>
                   </a:rPr>
-                  <a:t>(This </a:t>
-                </a:r>
-                <a:r>
-                  <a:rPr lang="en-US" sz="1400" dirty="0" smtClean="0">
-                    <a:latin typeface="Times New Roman" panose="02020603050405020304" pitchFamily="18" charset="0"/>
-                    <a:cs typeface="Times New Roman" panose="02020603050405020304" pitchFamily="18" charset="0"/>
-                  </a:rPr>
-                  <a:t>picture is taken from </a:t>
-                </a:r>
-                <a:r>
-                  <a:rPr lang="en-US" sz="1400" dirty="0" smtClean="0">
-                    <a:latin typeface="Times New Roman" panose="02020603050405020304" pitchFamily="18" charset="0"/>
-                    <a:cs typeface="Times New Roman" panose="02020603050405020304" pitchFamily="18" charset="0"/>
-                  </a:rPr>
-                  <a:t>(*))</a:t>
+                  <a:t>(This picture is taken from (*))</a:t>
                 </a:r>
                 <a:endParaRPr lang="en-US" sz="1100" dirty="0">
                   <a:latin typeface="Times" charset="0"/>
@@ -29414,7 +29382,7 @@
             </p:txBody>
           </p:sp>
         </mc:Choice>
-        <mc:Fallback>
+        <mc:Fallback xmlns="">
           <p:sp>
             <p:nvSpPr>
               <p:cNvPr id="33" name="Rectangle 32"/>
@@ -29548,8 +29516,8 @@
           </a:p>
         </p:txBody>
       </p:sp>
-      <mc:AlternateContent xmlns:mc="http://schemas.openxmlformats.org/markup-compatibility/2006">
-        <mc:Choice xmlns:a14="http://schemas.microsoft.com/office/drawing/2010/main" Requires="a14">
+      <mc:AlternateContent xmlns:mc="http://schemas.openxmlformats.org/markup-compatibility/2006" xmlns:a14="http://schemas.microsoft.com/office/drawing/2010/main">
+        <mc:Choice Requires="a14">
           <p:sp>
             <p:nvSpPr>
               <p:cNvPr id="36" name="TextBox 35"/>
@@ -29572,6 +29540,7 @@
               </a:bodyPr>
               <a:lstStyle/>
               <a:p>
+                <a:pPr/>
                 <a14:m>
                   <m:oMathPara xmlns:m="http://schemas.openxmlformats.org/officeDocument/2006/math">
                     <m:oMathParaPr>
@@ -29592,7 +29561,7 @@
             </p:txBody>
           </p:sp>
         </mc:Choice>
-        <mc:Fallback>
+        <mc:Fallback xmlns="">
           <p:sp>
             <p:nvSpPr>
               <p:cNvPr id="36" name="TextBox 35"/>
@@ -29775,8 +29744,8 @@
           </a:p>
         </p:txBody>
       </p:sp>
-      <mc:AlternateContent xmlns:mc="http://schemas.openxmlformats.org/markup-compatibility/2006">
-        <mc:Choice xmlns:a14="http://schemas.microsoft.com/office/drawing/2010/main" Requires="a14">
+      <mc:AlternateContent xmlns:mc="http://schemas.openxmlformats.org/markup-compatibility/2006" xmlns:a14="http://schemas.microsoft.com/office/drawing/2010/main">
+        <mc:Choice Requires="a14">
           <p:sp>
             <p:nvSpPr>
               <p:cNvPr id="41" name="TextBox 40"/>
@@ -29799,6 +29768,7 @@
               </a:bodyPr>
               <a:lstStyle/>
               <a:p>
+                <a:pPr/>
                 <a14:m>
                   <m:oMathPara xmlns:m="http://schemas.openxmlformats.org/officeDocument/2006/math">
                     <m:oMathParaPr>
@@ -29826,7 +29796,7 @@
             </p:txBody>
           </p:sp>
         </mc:Choice>
-        <mc:Fallback>
+        <mc:Fallback xmlns="">
           <p:sp>
             <p:nvSpPr>
               <p:cNvPr id="41" name="TextBox 40"/>
@@ -29865,8 +29835,8 @@
           </p:sp>
         </mc:Fallback>
       </mc:AlternateContent>
-      <mc:AlternateContent xmlns:mc="http://schemas.openxmlformats.org/markup-compatibility/2006">
-        <mc:Choice xmlns:a14="http://schemas.microsoft.com/office/drawing/2010/main" Requires="a14">
+      <mc:AlternateContent xmlns:mc="http://schemas.openxmlformats.org/markup-compatibility/2006" xmlns:a14="http://schemas.microsoft.com/office/drawing/2010/main">
+        <mc:Choice Requires="a14">
           <p:sp>
             <p:nvSpPr>
               <p:cNvPr id="42" name="TextBox 41"/>
@@ -29889,6 +29859,7 @@
               </a:bodyPr>
               <a:lstStyle/>
               <a:p>
+                <a:pPr/>
                 <a14:m>
                   <m:oMathPara xmlns:m="http://schemas.openxmlformats.org/officeDocument/2006/math">
                     <m:oMathParaPr>
@@ -29916,7 +29887,7 @@
             </p:txBody>
           </p:sp>
         </mc:Choice>
-        <mc:Fallback>
+        <mc:Fallback xmlns="">
           <p:sp>
             <p:nvSpPr>
               <p:cNvPr id="42" name="TextBox 41"/>
@@ -29955,8 +29926,8 @@
           </p:sp>
         </mc:Fallback>
       </mc:AlternateContent>
-      <mc:AlternateContent xmlns:mc="http://schemas.openxmlformats.org/markup-compatibility/2006">
-        <mc:Choice xmlns:a14="http://schemas.microsoft.com/office/drawing/2010/main" Requires="a14">
+      <mc:AlternateContent xmlns:mc="http://schemas.openxmlformats.org/markup-compatibility/2006" xmlns:a14="http://schemas.microsoft.com/office/drawing/2010/main">
+        <mc:Choice Requires="a14">
           <p:sp>
             <p:nvSpPr>
               <p:cNvPr id="43" name="TextBox 42"/>
@@ -29979,6 +29950,7 @@
               </a:bodyPr>
               <a:lstStyle/>
               <a:p>
+                <a:pPr/>
                 <a14:m>
                   <m:oMathPara xmlns:m="http://schemas.openxmlformats.org/officeDocument/2006/math">
                     <m:oMathParaPr>
@@ -29999,7 +29971,7 @@
             </p:txBody>
           </p:sp>
         </mc:Choice>
-        <mc:Fallback>
+        <mc:Fallback xmlns="">
           <p:sp>
             <p:nvSpPr>
               <p:cNvPr id="43" name="TextBox 42"/>
@@ -30087,8 +30059,8 @@
         </p:nvSpPr>
         <p:spPr>
           <a:xfrm>
-            <a:off x="76200" y="228600"/>
-            <a:ext cx="7315200" cy="584775"/>
+            <a:off x="76200" y="259377"/>
+            <a:ext cx="7315200" cy="523220"/>
           </a:xfrm>
         </p:spPr>
         <p:txBody>
@@ -30096,10 +30068,10 @@
           <a:lstStyle/>
           <a:p>
             <a:r>
-              <a:rPr lang="en-US" dirty="0" smtClean="0"/>
+              <a:rPr lang="en-US" sz="2800" dirty="0" smtClean="0"/>
               <a:t>A Better Augmentation </a:t>
             </a:r>
-            <a:endParaRPr lang="en-US" dirty="0"/>
+            <a:endParaRPr lang="en-US" sz="2800" dirty="0"/>
           </a:p>
         </p:txBody>
       </p:sp>
@@ -30434,8 +30406,8 @@
           </a:p>
         </p:txBody>
       </p:sp>
-      <mc:AlternateContent xmlns:mc="http://schemas.openxmlformats.org/markup-compatibility/2006">
-        <mc:Choice xmlns:a14="http://schemas.microsoft.com/office/drawing/2010/main" Requires="a14">
+      <mc:AlternateContent xmlns:mc="http://schemas.openxmlformats.org/markup-compatibility/2006" xmlns:a14="http://schemas.microsoft.com/office/drawing/2010/main">
+        <mc:Choice Requires="a14">
           <p:sp>
             <p:nvSpPr>
               <p:cNvPr id="15" name="Content Placeholder 2"/>
@@ -30667,7 +30639,7 @@
                               <a:solidFill>
                                 <a:srgbClr val="002060"/>
                               </a:solidFill>
-                              <a:latin typeface="Cambria Math" panose="02040503050406030204" pitchFamily="18" charset="0"/>
+                              <a:latin typeface="Cambria Math" charset="0"/>
                               <a:cs typeface="Times New Roman" panose="02020603050405020304" pitchFamily="18" charset="0"/>
                             </a:rPr>
                           </m:ctrlPr>
@@ -30680,7 +30652,7 @@
                                   <a:solidFill>
                                     <a:srgbClr val="002060"/>
                                   </a:solidFill>
-                                  <a:latin typeface="Cambria Math" panose="02040503050406030204" pitchFamily="18" charset="0"/>
+                                  <a:latin typeface="Cambria Math" charset="0"/>
                                   <a:cs typeface="Times New Roman" panose="02020603050405020304" pitchFamily="18" charset="0"/>
                                 </a:rPr>
                               </m:ctrlPr>
@@ -30731,7 +30703,7 @@
                               <a:solidFill>
                                 <a:srgbClr val="002060"/>
                               </a:solidFill>
-                              <a:latin typeface="Cambria Math" panose="02040503050406030204" pitchFamily="18" charset="0"/>
+                              <a:latin typeface="Cambria Math" charset="0"/>
                               <a:cs typeface="Times New Roman" panose="02020603050405020304" pitchFamily="18" charset="0"/>
                             </a:rPr>
                           </m:ctrlPr>
@@ -30744,7 +30716,7 @@
                                   <a:solidFill>
                                     <a:srgbClr val="002060"/>
                                   </a:solidFill>
-                                  <a:latin typeface="Cambria Math" panose="02040503050406030204" pitchFamily="18" charset="0"/>
+                                  <a:latin typeface="Cambria Math" charset="0"/>
                                   <a:cs typeface="Times New Roman" panose="02020603050405020304" pitchFamily="18" charset="0"/>
                                 </a:rPr>
                               </m:ctrlPr>
@@ -30792,7 +30764,7 @@
                                   <a:solidFill>
                                     <a:srgbClr val="002060"/>
                                   </a:solidFill>
-                                  <a:latin typeface="Cambria Math" panose="02040503050406030204" pitchFamily="18" charset="0"/>
+                                  <a:latin typeface="Cambria Math" charset="0"/>
                                   <a:cs typeface="Times New Roman" panose="02020603050405020304" pitchFamily="18" charset="0"/>
                                 </a:rPr>
                               </m:ctrlPr>
@@ -30806,7 +30778,7 @@
                                       <a:solidFill>
                                         <a:srgbClr val="002060"/>
                                       </a:solidFill>
-                                      <a:latin typeface="Cambria Math" panose="02040503050406030204" pitchFamily="18" charset="0"/>
+                                      <a:latin typeface="Cambria Math" charset="0"/>
                                       <a:cs typeface="Times New Roman" panose="02020603050405020304" pitchFamily="18" charset="0"/>
                                     </a:rPr>
                                   </m:ctrlPr>
@@ -30853,7 +30825,7 @@
                                       <a:solidFill>
                                         <a:srgbClr val="002060"/>
                                       </a:solidFill>
-                                      <a:latin typeface="Cambria Math" panose="02040503050406030204" pitchFamily="18" charset="0"/>
+                                      <a:latin typeface="Cambria Math" charset="0"/>
                                       <a:cs typeface="Times New Roman" panose="02020603050405020304" pitchFamily="18" charset="0"/>
                                     </a:rPr>
                                   </m:ctrlPr>
@@ -30868,7 +30840,7 @@
                                           <a:solidFill>
                                             <a:srgbClr val="002060"/>
                                           </a:solidFill>
-                                          <a:latin typeface="Cambria Math" panose="02040503050406030204" pitchFamily="18" charset="0"/>
+                                          <a:latin typeface="Cambria Math" charset="0"/>
                                           <a:cs typeface="Times New Roman" panose="02020603050405020304" pitchFamily="18" charset="0"/>
                                         </a:rPr>
                                       </m:ctrlPr>
@@ -30883,7 +30855,7 @@
                                               <a:solidFill>
                                                 <a:srgbClr val="002060"/>
                                               </a:solidFill>
-                                              <a:latin typeface="Cambria Math" panose="02040503050406030204" pitchFamily="18" charset="0"/>
+                                              <a:latin typeface="Cambria Math" charset="0"/>
                                               <a:cs typeface="Times New Roman" panose="02020603050405020304" pitchFamily="18" charset="0"/>
                                             </a:rPr>
                                           </m:ctrlPr>
@@ -30896,7 +30868,7 @@
                                                   <a:solidFill>
                                                     <a:srgbClr val="002060"/>
                                                   </a:solidFill>
-                                                  <a:latin typeface="Cambria Math" panose="02040503050406030204" pitchFamily="18" charset="0"/>
+                                                  <a:latin typeface="Cambria Math" charset="0"/>
                                                   <a:cs typeface="Times New Roman" panose="02020603050405020304" pitchFamily="18" charset="0"/>
                                                 </a:rPr>
                                               </m:ctrlPr>
@@ -30962,7 +30934,7 @@
             </p:txBody>
           </p:sp>
         </mc:Choice>
-        <mc:Fallback>
+        <mc:Fallback xmlns="">
           <p:sp>
             <p:nvSpPr>
               <p:cNvPr id="15" name="Content Placeholder 2"/>
@@ -31033,8 +31005,8 @@
           </p:sp>
         </mc:Fallback>
       </mc:AlternateContent>
-      <mc:AlternateContent xmlns:mc="http://schemas.openxmlformats.org/markup-compatibility/2006">
-        <mc:Choice xmlns:a14="http://schemas.microsoft.com/office/drawing/2010/main" Requires="a14">
+      <mc:AlternateContent xmlns:mc="http://schemas.openxmlformats.org/markup-compatibility/2006" xmlns:a14="http://schemas.microsoft.com/office/drawing/2010/main">
+        <mc:Choice Requires="a14">
           <p:sp>
             <p:nvSpPr>
               <p:cNvPr id="16" name="Content Placeholder 2"/>
@@ -31266,7 +31238,7 @@
                               <a:solidFill>
                                 <a:srgbClr val="002060"/>
                               </a:solidFill>
-                              <a:latin typeface="Cambria Math" panose="02040503050406030204" pitchFamily="18" charset="0"/>
+                              <a:latin typeface="Cambria Math" charset="0"/>
                               <a:cs typeface="Times New Roman" panose="02020603050405020304" pitchFamily="18" charset="0"/>
                             </a:rPr>
                           </m:ctrlPr>
@@ -31279,7 +31251,7 @@
                                   <a:solidFill>
                                     <a:srgbClr val="002060"/>
                                   </a:solidFill>
-                                  <a:latin typeface="Cambria Math" panose="02040503050406030204" pitchFamily="18" charset="0"/>
+                                  <a:latin typeface="Cambria Math" charset="0"/>
                                   <a:cs typeface="Times New Roman" panose="02020603050405020304" pitchFamily="18" charset="0"/>
                                 </a:rPr>
                               </m:ctrlPr>
@@ -31330,7 +31302,7 @@
                               <a:solidFill>
                                 <a:srgbClr val="002060"/>
                               </a:solidFill>
-                              <a:latin typeface="Cambria Math" panose="02040503050406030204" pitchFamily="18" charset="0"/>
+                              <a:latin typeface="Cambria Math" charset="0"/>
                               <a:cs typeface="Times New Roman" panose="02020603050405020304" pitchFamily="18" charset="0"/>
                             </a:rPr>
                           </m:ctrlPr>
@@ -31343,7 +31315,7 @@
                                   <a:solidFill>
                                     <a:srgbClr val="002060"/>
                                   </a:solidFill>
-                                  <a:latin typeface="Cambria Math" panose="02040503050406030204" pitchFamily="18" charset="0"/>
+                                  <a:latin typeface="Cambria Math" charset="0"/>
                                   <a:cs typeface="Times New Roman" panose="02020603050405020304" pitchFamily="18" charset="0"/>
                                 </a:rPr>
                               </m:ctrlPr>
@@ -31399,7 +31371,7 @@
             </p:txBody>
           </p:sp>
         </mc:Choice>
-        <mc:Fallback>
+        <mc:Fallback xmlns="">
           <p:sp>
             <p:nvSpPr>
               <p:cNvPr id="16" name="Content Placeholder 2"/>
@@ -31470,8 +31442,8 @@
           </p:sp>
         </mc:Fallback>
       </mc:AlternateContent>
-      <mc:AlternateContent xmlns:mc="http://schemas.openxmlformats.org/markup-compatibility/2006">
-        <mc:Choice xmlns:a14="http://schemas.microsoft.com/office/drawing/2010/main" Requires="a14">
+      <mc:AlternateContent xmlns:mc="http://schemas.openxmlformats.org/markup-compatibility/2006" xmlns:a14="http://schemas.microsoft.com/office/drawing/2010/main">
+        <mc:Choice Requires="a14">
           <p:sp>
             <p:nvSpPr>
               <p:cNvPr id="18" name="Content Placeholder 2"/>
@@ -31703,7 +31675,7 @@
                               <a:solidFill>
                                 <a:srgbClr val="002060"/>
                               </a:solidFill>
-                              <a:latin typeface="Cambria Math" panose="02040503050406030204" pitchFamily="18" charset="0"/>
+                              <a:latin typeface="Cambria Math" charset="0"/>
                               <a:cs typeface="Times New Roman" panose="02020603050405020304" pitchFamily="18" charset="0"/>
                             </a:rPr>
                           </m:ctrlPr>
@@ -31716,7 +31688,7 @@
                                   <a:solidFill>
                                     <a:srgbClr val="002060"/>
                                   </a:solidFill>
-                                  <a:latin typeface="Cambria Math" panose="02040503050406030204" pitchFamily="18" charset="0"/>
+                                  <a:latin typeface="Cambria Math" charset="0"/>
                                   <a:cs typeface="Times New Roman" panose="02020603050405020304" pitchFamily="18" charset="0"/>
                                 </a:rPr>
                               </m:ctrlPr>
@@ -31767,7 +31739,7 @@
                               <a:solidFill>
                                 <a:srgbClr val="002060"/>
                               </a:solidFill>
-                              <a:latin typeface="Cambria Math" panose="02040503050406030204" pitchFamily="18" charset="0"/>
+                              <a:latin typeface="Cambria Math" charset="0"/>
                               <a:cs typeface="Times New Roman" panose="02020603050405020304" pitchFamily="18" charset="0"/>
                             </a:rPr>
                           </m:ctrlPr>
@@ -31780,7 +31752,7 @@
                                   <a:solidFill>
                                     <a:srgbClr val="002060"/>
                                   </a:solidFill>
-                                  <a:latin typeface="Cambria Math" panose="02040503050406030204" pitchFamily="18" charset="0"/>
+                                  <a:latin typeface="Cambria Math" charset="0"/>
                                   <a:cs typeface="Times New Roman" panose="02020603050405020304" pitchFamily="18" charset="0"/>
                                 </a:rPr>
                               </m:ctrlPr>
@@ -31828,7 +31800,7 @@
                                   <a:solidFill>
                                     <a:srgbClr val="002060"/>
                                   </a:solidFill>
-                                  <a:latin typeface="Cambria Math" panose="02040503050406030204" pitchFamily="18" charset="0"/>
+                                  <a:latin typeface="Cambria Math" charset="0"/>
                                   <a:cs typeface="Times New Roman" panose="02020603050405020304" pitchFamily="18" charset="0"/>
                                 </a:rPr>
                               </m:ctrlPr>
@@ -31842,7 +31814,7 @@
                                       <a:solidFill>
                                         <a:srgbClr val="002060"/>
                                       </a:solidFill>
-                                      <a:latin typeface="Cambria Math" panose="02040503050406030204" pitchFamily="18" charset="0"/>
+                                      <a:latin typeface="Cambria Math" charset="0"/>
                                       <a:cs typeface="Times New Roman" panose="02020603050405020304" pitchFamily="18" charset="0"/>
                                     </a:rPr>
                                   </m:ctrlPr>
@@ -31889,7 +31861,7 @@
                                       <a:solidFill>
                                         <a:srgbClr val="002060"/>
                                       </a:solidFill>
-                                      <a:latin typeface="Cambria Math" panose="02040503050406030204" pitchFamily="18" charset="0"/>
+                                      <a:latin typeface="Cambria Math" charset="0"/>
                                       <a:cs typeface="Times New Roman" panose="02020603050405020304" pitchFamily="18" charset="0"/>
                                     </a:rPr>
                                   </m:ctrlPr>
@@ -31904,7 +31876,7 @@
                                           <a:solidFill>
                                             <a:srgbClr val="002060"/>
                                           </a:solidFill>
-                                          <a:latin typeface="Cambria Math" panose="02040503050406030204" pitchFamily="18" charset="0"/>
+                                          <a:latin typeface="Cambria Math" charset="0"/>
                                           <a:cs typeface="Times New Roman" panose="02020603050405020304" pitchFamily="18" charset="0"/>
                                         </a:rPr>
                                       </m:ctrlPr>
@@ -31919,7 +31891,7 @@
                                               <a:solidFill>
                                                 <a:srgbClr val="002060"/>
                                               </a:solidFill>
-                                              <a:latin typeface="Cambria Math" panose="02040503050406030204" pitchFamily="18" charset="0"/>
+                                              <a:latin typeface="Cambria Math" charset="0"/>
                                               <a:cs typeface="Times New Roman" panose="02020603050405020304" pitchFamily="18" charset="0"/>
                                             </a:rPr>
                                           </m:ctrlPr>
@@ -31932,7 +31904,7 @@
                                                   <a:solidFill>
                                                     <a:srgbClr val="002060"/>
                                                   </a:solidFill>
-                                                  <a:latin typeface="Cambria Math" panose="02040503050406030204" pitchFamily="18" charset="0"/>
+                                                  <a:latin typeface="Cambria Math" charset="0"/>
                                                   <a:cs typeface="Times New Roman" panose="02020603050405020304" pitchFamily="18" charset="0"/>
                                                 </a:rPr>
                                               </m:ctrlPr>
@@ -31998,7 +31970,7 @@
             </p:txBody>
           </p:sp>
         </mc:Choice>
-        <mc:Fallback>
+        <mc:Fallback xmlns="">
           <p:sp>
             <p:nvSpPr>
               <p:cNvPr id="18" name="Content Placeholder 2"/>
@@ -32069,8 +32041,8 @@
           </p:sp>
         </mc:Fallback>
       </mc:AlternateContent>
-      <mc:AlternateContent xmlns:mc="http://schemas.openxmlformats.org/markup-compatibility/2006">
-        <mc:Choice xmlns:a14="http://schemas.microsoft.com/office/drawing/2010/main" Requires="a14">
+      <mc:AlternateContent xmlns:mc="http://schemas.openxmlformats.org/markup-compatibility/2006" xmlns:a14="http://schemas.microsoft.com/office/drawing/2010/main">
+        <mc:Choice Requires="a14">
           <p:sp>
             <p:nvSpPr>
               <p:cNvPr id="19" name="Content Placeholder 2"/>
@@ -32302,7 +32274,7 @@
                               <a:solidFill>
                                 <a:srgbClr val="002060"/>
                               </a:solidFill>
-                              <a:latin typeface="Cambria Math" panose="02040503050406030204" pitchFamily="18" charset="0"/>
+                              <a:latin typeface="Cambria Math" charset="0"/>
                               <a:cs typeface="Times New Roman" panose="02020603050405020304" pitchFamily="18" charset="0"/>
                             </a:rPr>
                           </m:ctrlPr>
@@ -32315,7 +32287,7 @@
                                   <a:solidFill>
                                     <a:srgbClr val="002060"/>
                                   </a:solidFill>
-                                  <a:latin typeface="Cambria Math" panose="02040503050406030204" pitchFamily="18" charset="0"/>
+                                  <a:latin typeface="Cambria Math" charset="0"/>
                                   <a:cs typeface="Times New Roman" panose="02020603050405020304" pitchFamily="18" charset="0"/>
                                 </a:rPr>
                               </m:ctrlPr>
@@ -32366,7 +32338,7 @@
                               <a:solidFill>
                                 <a:srgbClr val="002060"/>
                               </a:solidFill>
-                              <a:latin typeface="Cambria Math" panose="02040503050406030204" pitchFamily="18" charset="0"/>
+                              <a:latin typeface="Cambria Math" charset="0"/>
                               <a:cs typeface="Times New Roman" panose="02020603050405020304" pitchFamily="18" charset="0"/>
                             </a:rPr>
                           </m:ctrlPr>
@@ -32379,7 +32351,7 @@
                                   <a:solidFill>
                                     <a:srgbClr val="002060"/>
                                   </a:solidFill>
-                                  <a:latin typeface="Cambria Math" panose="02040503050406030204" pitchFamily="18" charset="0"/>
+                                  <a:latin typeface="Cambria Math" charset="0"/>
                                   <a:cs typeface="Times New Roman" panose="02020603050405020304" pitchFamily="18" charset="0"/>
                                 </a:rPr>
                               </m:ctrlPr>
@@ -32468,7 +32440,7 @@
                               <a:solidFill>
                                 <a:srgbClr val="002060"/>
                               </a:solidFill>
-                              <a:latin typeface="Cambria Math" panose="02040503050406030204" pitchFamily="18" charset="0"/>
+                              <a:latin typeface="Cambria Math" charset="0"/>
                               <a:cs typeface="Times New Roman" panose="02020603050405020304" pitchFamily="18" charset="0"/>
                             </a:rPr>
                           </m:ctrlPr>
@@ -32495,7 +32467,7 @@
                                   <a:solidFill>
                                     <a:srgbClr val="002060"/>
                                   </a:solidFill>
-                                  <a:latin typeface="Cambria Math" panose="02040503050406030204" pitchFamily="18" charset="0"/>
+                                  <a:latin typeface="Cambria Math" charset="0"/>
                                   <a:cs typeface="Times New Roman" panose="02020603050405020304" pitchFamily="18" charset="0"/>
                                 </a:rPr>
                               </m:ctrlPr>
@@ -32510,7 +32482,7 @@
                                       <a:solidFill>
                                         <a:srgbClr val="002060"/>
                                       </a:solidFill>
-                                      <a:latin typeface="Cambria Math" panose="02040503050406030204" pitchFamily="18" charset="0"/>
+                                      <a:latin typeface="Cambria Math" charset="0"/>
                                       <a:cs typeface="Times New Roman" panose="02020603050405020304" pitchFamily="18" charset="0"/>
                                     </a:rPr>
                                   </m:ctrlPr>
@@ -32523,7 +32495,7 @@
                                           <a:solidFill>
                                             <a:srgbClr val="002060"/>
                                           </a:solidFill>
-                                          <a:latin typeface="Cambria Math" panose="02040503050406030204" pitchFamily="18" charset="0"/>
+                                          <a:latin typeface="Cambria Math" charset="0"/>
                                           <a:cs typeface="Times New Roman" panose="02020603050405020304" pitchFamily="18" charset="0"/>
                                         </a:rPr>
                                       </m:ctrlPr>
@@ -32573,7 +32545,7 @@
             </p:txBody>
           </p:sp>
         </mc:Choice>
-        <mc:Fallback>
+        <mc:Fallback xmlns="">
           <p:sp>
             <p:nvSpPr>
               <p:cNvPr id="19" name="Content Placeholder 2"/>
@@ -32693,8 +32665,8 @@
         </p:nvSpPr>
         <p:spPr>
           <a:xfrm>
-            <a:off x="152400" y="-17929"/>
-            <a:ext cx="6553200" cy="1077218"/>
+            <a:off x="381000" y="287978"/>
+            <a:ext cx="6553200" cy="523220"/>
           </a:xfrm>
         </p:spPr>
         <p:txBody>
@@ -32702,10 +32674,55 @@
           <a:lstStyle/>
           <a:p>
             <a:r>
-              <a:rPr lang="en-US" dirty="0" smtClean="0"/>
-              <a:t>Idea 2: Sequential Scanning with Upper-Bound</a:t>
+              <a:rPr lang="en-US" sz="2800" dirty="0" smtClean="0"/>
+              <a:t>Idea: Quantization-based</a:t>
             </a:r>
-            <a:endParaRPr lang="en-US" dirty="0"/>
+            <a:endParaRPr lang="en-US" sz="2800" dirty="0"/>
+          </a:p>
+        </p:txBody>
+      </p:sp>
+      <p:sp>
+        <p:nvSpPr>
+          <p:cNvPr id="3" name="Content Placeholder 2"/>
+          <p:cNvSpPr>
+            <a:spLocks noGrp="1"/>
+          </p:cNvSpPr>
+          <p:nvPr>
+            <p:ph idx="1"/>
+          </p:nvPr>
+        </p:nvSpPr>
+        <p:spPr/>
+        <p:txBody>
+          <a:bodyPr/>
+          <a:lstStyle/>
+          <a:p>
+            <a:endParaRPr lang="en-US"/>
+          </a:p>
+        </p:txBody>
+      </p:sp>
+      <p:sp>
+        <p:nvSpPr>
+          <p:cNvPr id="4" name="Footer Placeholder 3"/>
+          <p:cNvSpPr>
+            <a:spLocks noGrp="1"/>
+          </p:cNvSpPr>
+          <p:nvPr>
+            <p:ph type="ftr" sz="quarter" idx="11"/>
+          </p:nvPr>
+        </p:nvSpPr>
+        <p:spPr/>
+        <p:txBody>
+          <a:bodyPr/>
+          <a:lstStyle/>
+          <a:p>
+            <a:pPr>
+              <a:defRPr/>
+            </a:pPr>
+            <a:r>
+              <a:rPr lang="en-US" altLang="en-US" smtClean="0"/>
+              <a:t>Dung &amp; Hady: Scalable Recommendation Retrieval</a:t>
+            </a:r>
+            <a:endParaRPr lang="en-US" altLang="en-US"/>
           </a:p>
         </p:txBody>
       </p:sp>
@@ -32733,6 +32750,1335 @@
                 <a:defRPr/>
               </a:pPr>
               <a:t>22</a:t>
+            </a:fld>
+            <a:endParaRPr lang="en-US" altLang="en-US"/>
+          </a:p>
+        </p:txBody>
+      </p:sp>
+    </p:spTree>
+    <p:extLst>
+      <p:ext uri="{BB962C8B-B14F-4D97-AF65-F5344CB8AC3E}">
+        <p14:creationId xmlns:p14="http://schemas.microsoft.com/office/powerpoint/2010/main" val="111459363"/>
+      </p:ext>
+    </p:extLst>
+  </p:cSld>
+  <p:clrMapOvr>
+    <a:masterClrMapping/>
+  </p:clrMapOvr>
+</p:sld>
+</file>
+
+<file path=ppt/slides/slide23.xml><?xml version="1.0" encoding="utf-8"?>
+<p:sld xmlns:a="http://schemas.openxmlformats.org/drawingml/2006/main" xmlns:r="http://schemas.openxmlformats.org/officeDocument/2006/relationships" xmlns:p="http://schemas.openxmlformats.org/presentationml/2006/main">
+  <p:cSld>
+    <p:spTree>
+      <p:nvGrpSpPr>
+        <p:cNvPr id="1" name=""/>
+        <p:cNvGrpSpPr/>
+        <p:nvPr/>
+      </p:nvGrpSpPr>
+      <p:grpSpPr>
+        <a:xfrm>
+          <a:off x="0" y="0"/>
+          <a:ext cx="0" cy="0"/>
+          <a:chOff x="0" y="0"/>
+          <a:chExt cx="0" cy="0"/>
+        </a:xfrm>
+      </p:grpSpPr>
+      <p:sp>
+        <p:nvSpPr>
+          <p:cNvPr id="2" name="Title 1"/>
+          <p:cNvSpPr>
+            <a:spLocks noGrp="1"/>
+          </p:cNvSpPr>
+          <p:nvPr>
+            <p:ph type="title"/>
+          </p:nvPr>
+        </p:nvSpPr>
+        <p:spPr>
+          <a:xfrm>
+            <a:off x="381000" y="287978"/>
+            <a:ext cx="6553200" cy="523220"/>
+          </a:xfrm>
+        </p:spPr>
+        <p:txBody>
+          <a:bodyPr/>
+          <a:lstStyle/>
+          <a:p>
+            <a:r>
+              <a:rPr lang="en-US" sz="2800" dirty="0" smtClean="0"/>
+              <a:t>Idea: Sparsity Mapping</a:t>
+            </a:r>
+            <a:endParaRPr lang="en-US" sz="2800" dirty="0"/>
+          </a:p>
+        </p:txBody>
+      </p:sp>
+      <p:sp>
+        <p:nvSpPr>
+          <p:cNvPr id="3" name="Content Placeholder 2"/>
+          <p:cNvSpPr>
+            <a:spLocks noGrp="1"/>
+          </p:cNvSpPr>
+          <p:nvPr>
+            <p:ph idx="1"/>
+          </p:nvPr>
+        </p:nvSpPr>
+        <p:spPr/>
+        <p:txBody>
+          <a:bodyPr/>
+          <a:lstStyle/>
+          <a:p>
+            <a:endParaRPr lang="en-US"/>
+          </a:p>
+        </p:txBody>
+      </p:sp>
+      <p:sp>
+        <p:nvSpPr>
+          <p:cNvPr id="4" name="Footer Placeholder 3"/>
+          <p:cNvSpPr>
+            <a:spLocks noGrp="1"/>
+          </p:cNvSpPr>
+          <p:nvPr>
+            <p:ph type="ftr" sz="quarter" idx="11"/>
+          </p:nvPr>
+        </p:nvSpPr>
+        <p:spPr/>
+        <p:txBody>
+          <a:bodyPr/>
+          <a:lstStyle/>
+          <a:p>
+            <a:pPr>
+              <a:defRPr/>
+            </a:pPr>
+            <a:r>
+              <a:rPr lang="en-US" altLang="en-US" smtClean="0"/>
+              <a:t>Dung &amp; Hady: Scalable Recommendation Retrieval</a:t>
+            </a:r>
+            <a:endParaRPr lang="en-US" altLang="en-US"/>
+          </a:p>
+        </p:txBody>
+      </p:sp>
+      <p:sp>
+        <p:nvSpPr>
+          <p:cNvPr id="5" name="Slide Number Placeholder 4"/>
+          <p:cNvSpPr>
+            <a:spLocks noGrp="1"/>
+          </p:cNvSpPr>
+          <p:nvPr>
+            <p:ph type="sldNum" sz="quarter" idx="12"/>
+          </p:nvPr>
+        </p:nvSpPr>
+        <p:spPr/>
+        <p:txBody>
+          <a:bodyPr/>
+          <a:lstStyle/>
+          <a:p>
+            <a:pPr>
+              <a:defRPr/>
+            </a:pPr>
+            <a:fld id="{0C1A19D8-1474-485E-AF0B-775079405AF1}" type="slidenum">
+              <a:rPr lang="en-US" altLang="en-US" smtClean="0"/>
+              <a:pPr>
+                <a:defRPr/>
+              </a:pPr>
+              <a:t>23</a:t>
+            </a:fld>
+            <a:endParaRPr lang="en-US" altLang="en-US"/>
+          </a:p>
+        </p:txBody>
+      </p:sp>
+    </p:spTree>
+    <p:extLst>
+      <p:ext uri="{BB962C8B-B14F-4D97-AF65-F5344CB8AC3E}">
+        <p14:creationId xmlns:p14="http://schemas.microsoft.com/office/powerpoint/2010/main" val="875689207"/>
+      </p:ext>
+    </p:extLst>
+  </p:cSld>
+  <p:clrMapOvr>
+    <a:masterClrMapping/>
+  </p:clrMapOvr>
+</p:sld>
+</file>
+
+<file path=ppt/slides/slide24.xml><?xml version="1.0" encoding="utf-8"?>
+<p:sld xmlns:a="http://schemas.openxmlformats.org/drawingml/2006/main" xmlns:r="http://schemas.openxmlformats.org/officeDocument/2006/relationships" xmlns:p="http://schemas.openxmlformats.org/presentationml/2006/main">
+  <p:cSld>
+    <p:spTree>
+      <p:nvGrpSpPr>
+        <p:cNvPr id="1" name=""/>
+        <p:cNvGrpSpPr/>
+        <p:nvPr/>
+      </p:nvGrpSpPr>
+      <p:grpSpPr>
+        <a:xfrm>
+          <a:off x="0" y="0"/>
+          <a:ext cx="0" cy="0"/>
+          <a:chOff x="0" y="0"/>
+          <a:chExt cx="0" cy="0"/>
+        </a:xfrm>
+      </p:grpSpPr>
+      <p:sp>
+        <p:nvSpPr>
+          <p:cNvPr id="2" name="Title 1"/>
+          <p:cNvSpPr>
+            <a:spLocks noGrp="1"/>
+          </p:cNvSpPr>
+          <p:nvPr>
+            <p:ph type="title"/>
+          </p:nvPr>
+        </p:nvSpPr>
+        <p:spPr>
+          <a:xfrm>
+            <a:off x="152400" y="278993"/>
+            <a:ext cx="6883773" cy="523220"/>
+          </a:xfrm>
+        </p:spPr>
+        <p:txBody>
+          <a:bodyPr/>
+          <a:lstStyle/>
+          <a:p>
+            <a:r>
+              <a:rPr lang="en-US" sz="2800" dirty="0">
+                <a:latin typeface="Times New Roman" panose="02020603050405020304" pitchFamily="18" charset="0"/>
+                <a:cs typeface="Times New Roman" panose="02020603050405020304" pitchFamily="18" charset="0"/>
+              </a:rPr>
+              <a:t>Essential Components for a </a:t>
+            </a:r>
+            <a:r>
+              <a:rPr lang="en-US" sz="2800" dirty="0" smtClean="0">
+                <a:latin typeface="Times New Roman" panose="02020603050405020304" pitchFamily="18" charset="0"/>
+                <a:cs typeface="Times New Roman" panose="02020603050405020304" pitchFamily="18" charset="0"/>
+              </a:rPr>
+              <a:t>Fast MIPS</a:t>
+            </a:r>
+            <a:endParaRPr lang="en-SG" sz="2800" dirty="0">
+              <a:latin typeface="Times New Roman" panose="02020603050405020304" pitchFamily="18" charset="0"/>
+              <a:cs typeface="Times New Roman" panose="02020603050405020304" pitchFamily="18" charset="0"/>
+            </a:endParaRPr>
+          </a:p>
+        </p:txBody>
+      </p:sp>
+      <p:sp>
+        <p:nvSpPr>
+          <p:cNvPr id="5" name="Footer Placeholder 4"/>
+          <p:cNvSpPr>
+            <a:spLocks noGrp="1"/>
+          </p:cNvSpPr>
+          <p:nvPr>
+            <p:ph type="ftr" sz="quarter" idx="11"/>
+          </p:nvPr>
+        </p:nvSpPr>
+        <p:spPr/>
+        <p:txBody>
+          <a:bodyPr/>
+          <a:lstStyle/>
+          <a:p>
+            <a:pPr>
+              <a:defRPr/>
+            </a:pPr>
+            <a:r>
+              <a:rPr lang="en-US" altLang="en-US" dirty="0">
+                <a:latin typeface="Times New Roman" panose="02020603050405020304" pitchFamily="18" charset="0"/>
+                <a:cs typeface="Times New Roman" panose="02020603050405020304" pitchFamily="18" charset="0"/>
+              </a:rPr>
+              <a:t>Dung &amp; Hady: Scalable Recommendation Retrieval</a:t>
+            </a:r>
+          </a:p>
+        </p:txBody>
+      </p:sp>
+      <mc:AlternateContent xmlns:mc="http://schemas.openxmlformats.org/markup-compatibility/2006">
+        <mc:Choice xmlns:a14="http://schemas.microsoft.com/office/drawing/2010/main" Requires="a14">
+          <p:sp>
+            <p:nvSpPr>
+              <p:cNvPr id="18" name="Content Placeholder 2"/>
+              <p:cNvSpPr>
+                <a:spLocks noGrp="1"/>
+              </p:cNvSpPr>
+              <p:nvPr>
+                <p:ph idx="1"/>
+              </p:nvPr>
+            </p:nvSpPr>
+            <p:spPr>
+              <a:xfrm>
+                <a:off x="0" y="1289361"/>
+                <a:ext cx="8991600" cy="5121402"/>
+              </a:xfrm>
+            </p:spPr>
+            <p:txBody>
+              <a:bodyPr/>
+              <a:lstStyle/>
+              <a:p>
+                <a:pPr marL="971550" lvl="1" indent="-571500">
+                  <a:buFont typeface="+mj-lt"/>
+                  <a:buAutoNum type="romanUcPeriod"/>
+                </a:pPr>
+                <a:r>
+                  <a:rPr lang="en-US" sz="2800" b="1" dirty="0" smtClean="0">
+                    <a:latin typeface="Times New Roman" panose="02020603050405020304" pitchFamily="18" charset="0"/>
+                    <a:cs typeface="Times New Roman" panose="02020603050405020304" pitchFamily="18" charset="0"/>
+                  </a:rPr>
+                  <a:t>Before any query request</a:t>
+                </a:r>
+                <a:endParaRPr lang="en-US" sz="2800" b="1" dirty="0">
+                  <a:latin typeface="Times New Roman" panose="02020603050405020304" pitchFamily="18" charset="0"/>
+                  <a:cs typeface="Times New Roman" panose="02020603050405020304" pitchFamily="18" charset="0"/>
+                </a:endParaRPr>
+              </a:p>
+              <a:p>
+                <a:pPr lvl="2" indent="-342900"/>
+                <a:r>
+                  <a:rPr lang="en-US" sz="2800" dirty="0" smtClean="0">
+                    <a:latin typeface="Times New Roman" panose="02020603050405020304" pitchFamily="18" charset="0"/>
+                    <a:cs typeface="Times New Roman" panose="02020603050405020304" pitchFamily="18" charset="0"/>
+                  </a:rPr>
+                  <a:t>Query-independent Data Structure Construction:</a:t>
+                </a:r>
+              </a:p>
+              <a:p>
+                <a:pPr marL="800100" lvl="2" indent="0">
+                  <a:buNone/>
+                </a:pPr>
+                <a:r>
+                  <a:rPr lang="en-US" sz="2800" dirty="0" smtClean="0">
+                    <a:latin typeface="Times New Roman" panose="02020603050405020304" pitchFamily="18" charset="0"/>
+                    <a:cs typeface="Times New Roman" panose="02020603050405020304" pitchFamily="18" charset="0"/>
+                  </a:rPr>
+                  <a:t>	   A preprocessing procedure is performed on the entire </a:t>
+                </a:r>
+              </a:p>
+              <a:p>
+                <a:pPr marL="800100" lvl="2" indent="0">
+                  <a:buNone/>
+                </a:pPr>
+                <a:r>
+                  <a:rPr lang="en-US" sz="2800" dirty="0">
+                    <a:latin typeface="Times New Roman" panose="02020603050405020304" pitchFamily="18" charset="0"/>
+                    <a:cs typeface="Times New Roman" panose="02020603050405020304" pitchFamily="18" charset="0"/>
+                  </a:rPr>
+                  <a:t>i</a:t>
+                </a:r>
+                <a:r>
+                  <a:rPr lang="en-US" sz="2800" dirty="0" smtClean="0">
+                    <a:latin typeface="Times New Roman" panose="02020603050405020304" pitchFamily="18" charset="0"/>
+                    <a:cs typeface="Times New Roman" panose="02020603050405020304" pitchFamily="18" charset="0"/>
+                  </a:rPr>
+                  <a:t>tem vectors </a:t>
+                </a:r>
+                <a14:m>
+                  <m:oMath xmlns:m="http://schemas.openxmlformats.org/officeDocument/2006/math">
+                    <m:r>
+                      <m:rPr>
+                        <m:sty m:val="p"/>
+                      </m:rPr>
+                      <a:rPr lang="en-US" sz="2800" i="1">
+                        <a:latin typeface="Cambria Math" charset="0"/>
+                        <a:cs typeface="Times New Roman" panose="02020603050405020304" pitchFamily="18" charset="0"/>
+                      </a:rPr>
+                      <m:t>Y</m:t>
+                    </m:r>
+                  </m:oMath>
+                </a14:m>
+                <a:r>
+                  <a:rPr lang="en-US" sz="3000" dirty="0" smtClean="0">
+                    <a:latin typeface="Times New Roman" panose="02020603050405020304" pitchFamily="18" charset="0"/>
+                    <a:cs typeface="Times New Roman" panose="02020603050405020304" pitchFamily="18" charset="0"/>
+                  </a:rPr>
+                  <a:t> to construct a data structure </a:t>
+                </a:r>
+                <a14:m>
+                  <m:oMath xmlns:m="http://schemas.openxmlformats.org/officeDocument/2006/math">
+                    <m:r>
+                      <a:rPr lang="vi-VN" sz="3000" b="0" i="1" dirty="0" smtClean="0">
+                        <a:latin typeface="Cambria Math" charset="0"/>
+                        <a:cs typeface="Times New Roman" panose="02020603050405020304" pitchFamily="18" charset="0"/>
+                      </a:rPr>
+                      <m:t>𝐷</m:t>
+                    </m:r>
+                  </m:oMath>
+                </a14:m>
+                <a:r>
+                  <a:rPr lang="en-US" sz="3000" dirty="0" smtClean="0">
+                    <a:latin typeface="Times New Roman" panose="02020603050405020304" pitchFamily="18" charset="0"/>
+                    <a:cs typeface="Times New Roman" panose="02020603050405020304" pitchFamily="18" charset="0"/>
+                  </a:rPr>
+                  <a:t> to store information about </a:t>
+                </a:r>
+                <a14:m>
+                  <m:oMath xmlns:m="http://schemas.openxmlformats.org/officeDocument/2006/math">
+                    <m:r>
+                      <a:rPr lang="vi-VN" sz="3000" b="0" i="1" smtClean="0">
+                        <a:latin typeface="Cambria Math" charset="0"/>
+                        <a:cs typeface="Times New Roman" panose="02020603050405020304" pitchFamily="18" charset="0"/>
+                      </a:rPr>
+                      <m:t>𝑌</m:t>
+                    </m:r>
+                    <m:r>
+                      <a:rPr lang="vi-VN" sz="3000" b="0" i="1" smtClean="0">
+                        <a:latin typeface="Cambria Math" charset="0"/>
+                        <a:cs typeface="Times New Roman" panose="02020603050405020304" pitchFamily="18" charset="0"/>
+                      </a:rPr>
+                      <m:t>.</m:t>
+                    </m:r>
+                  </m:oMath>
+                </a14:m>
+                <a:endParaRPr lang="en-US" sz="3000" b="0" dirty="0" smtClean="0">
+                  <a:latin typeface="Times New Roman" panose="02020603050405020304" pitchFamily="18" charset="0"/>
+                  <a:cs typeface="Times New Roman" panose="02020603050405020304" pitchFamily="18" charset="0"/>
+                </a:endParaRPr>
+              </a:p>
+              <a:p>
+                <a:pPr marL="800100" lvl="2" indent="0">
+                  <a:buNone/>
+                </a:pPr>
+                <a:endParaRPr lang="en-US" sz="3000" b="0" dirty="0" smtClean="0">
+                  <a:latin typeface="Times New Roman" panose="02020603050405020304" pitchFamily="18" charset="0"/>
+                  <a:cs typeface="Times New Roman" panose="02020603050405020304" pitchFamily="18" charset="0"/>
+                </a:endParaRPr>
+              </a:p>
+              <a:p>
+                <a:pPr marL="971550" lvl="1" indent="-571500">
+                  <a:buFont typeface="+mj-lt"/>
+                  <a:buAutoNum type="romanUcPeriod"/>
+                </a:pPr>
+                <a:r>
+                  <a:rPr lang="en-US" sz="2800" dirty="0" smtClean="0">
+                    <a:latin typeface="Times New Roman" panose="02020603050405020304" pitchFamily="18" charset="0"/>
+                    <a:cs typeface="Times New Roman" panose="02020603050405020304" pitchFamily="18" charset="0"/>
+                  </a:rPr>
+                  <a:t>Given </a:t>
+                </a:r>
+                <a:r>
+                  <a:rPr lang="en-US" sz="2800" dirty="0">
+                    <a:latin typeface="Times New Roman" panose="02020603050405020304" pitchFamily="18" charset="0"/>
+                    <a:cs typeface="Times New Roman" panose="02020603050405020304" pitchFamily="18" charset="0"/>
+                  </a:rPr>
+                  <a:t>a query </a:t>
+                </a:r>
+                <a14:m>
+                  <m:oMath xmlns:m="http://schemas.openxmlformats.org/officeDocument/2006/math">
+                    <m:sSub>
+                      <m:sSubPr>
+                        <m:ctrlPr>
+                          <a:rPr lang="en-US" sz="2800" i="1">
+                            <a:latin typeface="Cambria Math" charset="0"/>
+                            <a:cs typeface="Times New Roman" panose="02020603050405020304" pitchFamily="18" charset="0"/>
+                          </a:rPr>
+                        </m:ctrlPr>
+                      </m:sSubPr>
+                      <m:e>
+                        <m:r>
+                          <a:rPr lang="en-US" sz="2800" b="0" i="1">
+                            <a:latin typeface="Cambria Math" panose="02040503050406030204" pitchFamily="18" charset="0"/>
+                            <a:cs typeface="Times New Roman" panose="02020603050405020304" pitchFamily="18" charset="0"/>
+                          </a:rPr>
+                          <m:t>𝑥</m:t>
+                        </m:r>
+                      </m:e>
+                      <m:sub>
+                        <m:r>
+                          <a:rPr lang="en-US" sz="2800" b="0" i="1">
+                            <a:latin typeface="Cambria Math" panose="02040503050406030204" pitchFamily="18" charset="0"/>
+                            <a:cs typeface="Times New Roman" panose="02020603050405020304" pitchFamily="18" charset="0"/>
+                          </a:rPr>
+                          <m:t>𝑢</m:t>
+                        </m:r>
+                      </m:sub>
+                    </m:sSub>
+                  </m:oMath>
+                </a14:m>
+                <a:r>
+                  <a:rPr lang="en-US" sz="2800" dirty="0">
+                    <a:latin typeface="Times New Roman" panose="02020603050405020304" pitchFamily="18" charset="0"/>
+                    <a:cs typeface="Times New Roman" panose="02020603050405020304" pitchFamily="18" charset="0"/>
+                  </a:rPr>
+                  <a:t>, there are two necessary steps</a:t>
+                </a:r>
+                <a:r>
+                  <a:rPr lang="en-US" sz="2800" dirty="0" smtClean="0">
+                    <a:latin typeface="Times New Roman" panose="02020603050405020304" pitchFamily="18" charset="0"/>
+                    <a:cs typeface="Times New Roman" panose="02020603050405020304" pitchFamily="18" charset="0"/>
+                  </a:rPr>
+                  <a:t>:</a:t>
+                </a:r>
+                <a:endParaRPr lang="en-US" sz="2800" dirty="0">
+                  <a:latin typeface="Times New Roman" panose="02020603050405020304" pitchFamily="18" charset="0"/>
+                  <a:cs typeface="Times New Roman" panose="02020603050405020304" pitchFamily="18" charset="0"/>
+                </a:endParaRPr>
+              </a:p>
+              <a:p>
+                <a:pPr marL="1314450" lvl="2" indent="-514350">
+                  <a:buFont typeface="+mj-lt"/>
+                  <a:buAutoNum type="arabicPeriod"/>
+                </a:pPr>
+                <a:r>
+                  <a:rPr lang="en-US" sz="2600" b="1" dirty="0">
+                    <a:latin typeface="Times New Roman" panose="02020603050405020304" pitchFamily="18" charset="0"/>
+                    <a:cs typeface="Times New Roman" panose="02020603050405020304" pitchFamily="18" charset="0"/>
+                  </a:rPr>
+                  <a:t>Query-dependent </a:t>
+                </a:r>
+                <a:r>
+                  <a:rPr lang="en-US" sz="2600" b="1" dirty="0" smtClean="0">
+                    <a:latin typeface="Times New Roman" panose="02020603050405020304" pitchFamily="18" charset="0"/>
+                    <a:cs typeface="Times New Roman" panose="02020603050405020304" pitchFamily="18" charset="0"/>
+                  </a:rPr>
+                  <a:t>pre-processing</a:t>
+                </a:r>
+                <a:r>
+                  <a:rPr lang="en-US" sz="2600" b="1" dirty="0">
+                    <a:latin typeface="Times New Roman" panose="02020603050405020304" pitchFamily="18" charset="0"/>
+                    <a:cs typeface="Times New Roman" panose="02020603050405020304" pitchFamily="18" charset="0"/>
+                  </a:rPr>
+                  <a:t>: </a:t>
+                </a:r>
+              </a:p>
+              <a:p>
+                <a:pPr marL="1257300" lvl="3" indent="0">
+                  <a:buNone/>
+                </a:pPr>
+                <a:r>
+                  <a:rPr lang="en-US" sz="2400" dirty="0">
+                    <a:latin typeface="Times New Roman" panose="02020603050405020304" pitchFamily="18" charset="0"/>
+                    <a:cs typeface="Times New Roman" panose="02020603050405020304" pitchFamily="18" charset="0"/>
+                  </a:rPr>
+                  <a:t>A pre-processing procedure </a:t>
+                </a:r>
+                <a:r>
+                  <a:rPr lang="en-US" sz="2400" dirty="0" smtClean="0">
+                    <a:latin typeface="Times New Roman" panose="02020603050405020304" pitchFamily="18" charset="0"/>
+                    <a:cs typeface="Times New Roman" panose="02020603050405020304" pitchFamily="18" charset="0"/>
+                  </a:rPr>
+                  <a:t>for </a:t>
+                </a:r>
+                <a:r>
+                  <a:rPr lang="en-US" sz="2400" dirty="0">
+                    <a:latin typeface="Times New Roman" panose="02020603050405020304" pitchFamily="18" charset="0"/>
+                    <a:cs typeface="Times New Roman" panose="02020603050405020304" pitchFamily="18" charset="0"/>
+                  </a:rPr>
+                  <a:t>the query. </a:t>
+                </a:r>
+                <a:r>
+                  <a:rPr lang="en-US" sz="2400" b="1" dirty="0">
+                    <a:latin typeface="Times New Roman" panose="02020603050405020304" pitchFamily="18" charset="0"/>
+                    <a:cs typeface="Times New Roman" panose="02020603050405020304" pitchFamily="18" charset="0"/>
+                  </a:rPr>
+                  <a:t> </a:t>
+                </a:r>
+              </a:p>
+              <a:p>
+                <a:pPr marL="800100" lvl="2" indent="0">
+                  <a:buNone/>
+                </a:pPr>
+                <a:endParaRPr lang="en-US" sz="3000" dirty="0" smtClean="0">
+                  <a:latin typeface="Times New Roman" panose="02020603050405020304" pitchFamily="18" charset="0"/>
+                  <a:cs typeface="Times New Roman" panose="02020603050405020304" pitchFamily="18" charset="0"/>
+                </a:endParaRPr>
+              </a:p>
+            </p:txBody>
+          </p:sp>
+        </mc:Choice>
+        <mc:Fallback>
+          <p:sp>
+            <p:nvSpPr>
+              <p:cNvPr id="18" name="Content Placeholder 2"/>
+              <p:cNvSpPr>
+                <a:spLocks noGrp="1" noRot="1" noChangeAspect="1" noMove="1" noResize="1" noEditPoints="1" noAdjustHandles="1" noChangeArrowheads="1" noChangeShapeType="1" noTextEdit="1"/>
+              </p:cNvSpPr>
+              <p:nvPr>
+                <p:ph idx="1"/>
+              </p:nvPr>
+            </p:nvSpPr>
+            <p:spPr>
+              <a:xfrm>
+                <a:off x="0" y="1289361"/>
+                <a:ext cx="8991600" cy="5121402"/>
+              </a:xfrm>
+              <a:blipFill rotWithShape="0">
+                <a:blip r:embed="rId2"/>
+                <a:stretch>
+                  <a:fillRect t="-1310" r="-1898"/>
+                </a:stretch>
+              </a:blipFill>
+            </p:spPr>
+            <p:txBody>
+              <a:bodyPr/>
+              <a:lstStyle/>
+              <a:p>
+                <a:r>
+                  <a:rPr lang="en-US">
+                    <a:noFill/>
+                  </a:rPr>
+                  <a:t> </a:t>
+                </a:r>
+              </a:p>
+            </p:txBody>
+          </p:sp>
+        </mc:Fallback>
+      </mc:AlternateContent>
+      <p:sp>
+        <p:nvSpPr>
+          <p:cNvPr id="3" name="Slide Number Placeholder 2"/>
+          <p:cNvSpPr>
+            <a:spLocks noGrp="1"/>
+          </p:cNvSpPr>
+          <p:nvPr>
+            <p:ph type="sldNum" sz="quarter" idx="12"/>
+          </p:nvPr>
+        </p:nvSpPr>
+        <p:spPr/>
+        <p:txBody>
+          <a:bodyPr/>
+          <a:lstStyle/>
+          <a:p>
+            <a:pPr>
+              <a:defRPr/>
+            </a:pPr>
+            <a:fld id="{0C1A19D8-1474-485E-AF0B-775079405AF1}" type="slidenum">
+              <a:rPr lang="en-US" altLang="en-US" smtClean="0"/>
+              <a:pPr>
+                <a:defRPr/>
+              </a:pPr>
+              <a:t>24</a:t>
+            </a:fld>
+            <a:endParaRPr lang="en-US" altLang="en-US" dirty="0"/>
+          </a:p>
+        </p:txBody>
+      </p:sp>
+    </p:spTree>
+    <p:extLst>
+      <p:ext uri="{BB962C8B-B14F-4D97-AF65-F5344CB8AC3E}">
+        <p14:creationId xmlns:p14="http://schemas.microsoft.com/office/powerpoint/2010/main" val="2022171261"/>
+      </p:ext>
+    </p:extLst>
+  </p:cSld>
+  <p:clrMapOvr>
+    <a:masterClrMapping/>
+  </p:clrMapOvr>
+  <p:timing>
+    <p:tnLst>
+      <p:par>
+        <p:cTn id="1" dur="indefinite" restart="never" nodeType="tmRoot"/>
+      </p:par>
+    </p:tnLst>
+  </p:timing>
+</p:sld>
+</file>
+
+<file path=ppt/slides/slide25.xml><?xml version="1.0" encoding="utf-8"?>
+<p:sld xmlns:a="http://schemas.openxmlformats.org/drawingml/2006/main" xmlns:r="http://schemas.openxmlformats.org/officeDocument/2006/relationships" xmlns:p="http://schemas.openxmlformats.org/presentationml/2006/main">
+  <p:cSld>
+    <p:spTree>
+      <p:nvGrpSpPr>
+        <p:cNvPr id="1" name=""/>
+        <p:cNvGrpSpPr/>
+        <p:nvPr/>
+      </p:nvGrpSpPr>
+      <p:grpSpPr>
+        <a:xfrm>
+          <a:off x="0" y="0"/>
+          <a:ext cx="0" cy="0"/>
+          <a:chOff x="0" y="0"/>
+          <a:chExt cx="0" cy="0"/>
+        </a:xfrm>
+      </p:grpSpPr>
+      <p:sp>
+        <p:nvSpPr>
+          <p:cNvPr id="2" name="Title 1"/>
+          <p:cNvSpPr>
+            <a:spLocks noGrp="1"/>
+          </p:cNvSpPr>
+          <p:nvPr>
+            <p:ph type="title"/>
+          </p:nvPr>
+        </p:nvSpPr>
+        <p:spPr>
+          <a:xfrm>
+            <a:off x="152400" y="278993"/>
+            <a:ext cx="6883773" cy="523220"/>
+          </a:xfrm>
+        </p:spPr>
+        <p:txBody>
+          <a:bodyPr/>
+          <a:lstStyle/>
+          <a:p>
+            <a:r>
+              <a:rPr lang="en-US" sz="2800" dirty="0">
+                <a:latin typeface="Times New Roman" panose="02020603050405020304" pitchFamily="18" charset="0"/>
+                <a:cs typeface="Times New Roman" panose="02020603050405020304" pitchFamily="18" charset="0"/>
+              </a:rPr>
+              <a:t>Essential Components for a </a:t>
+            </a:r>
+            <a:r>
+              <a:rPr lang="en-US" sz="2800" dirty="0" smtClean="0">
+                <a:latin typeface="Times New Roman" panose="02020603050405020304" pitchFamily="18" charset="0"/>
+                <a:cs typeface="Times New Roman" panose="02020603050405020304" pitchFamily="18" charset="0"/>
+              </a:rPr>
+              <a:t>Fast MIPS</a:t>
+            </a:r>
+            <a:endParaRPr lang="en-SG" sz="2800" dirty="0">
+              <a:latin typeface="Times New Roman" panose="02020603050405020304" pitchFamily="18" charset="0"/>
+              <a:cs typeface="Times New Roman" panose="02020603050405020304" pitchFamily="18" charset="0"/>
+            </a:endParaRPr>
+          </a:p>
+        </p:txBody>
+      </p:sp>
+      <p:sp>
+        <p:nvSpPr>
+          <p:cNvPr id="5" name="Footer Placeholder 4"/>
+          <p:cNvSpPr>
+            <a:spLocks noGrp="1"/>
+          </p:cNvSpPr>
+          <p:nvPr>
+            <p:ph type="ftr" sz="quarter" idx="11"/>
+          </p:nvPr>
+        </p:nvSpPr>
+        <p:spPr/>
+        <p:txBody>
+          <a:bodyPr/>
+          <a:lstStyle/>
+          <a:p>
+            <a:pPr>
+              <a:defRPr/>
+            </a:pPr>
+            <a:r>
+              <a:rPr lang="en-US" altLang="en-US" dirty="0">
+                <a:latin typeface="Times New Roman" panose="02020603050405020304" pitchFamily="18" charset="0"/>
+                <a:cs typeface="Times New Roman" panose="02020603050405020304" pitchFamily="18" charset="0"/>
+              </a:rPr>
+              <a:t>Dung &amp; Hady: Scalable Recommendation Retrieval</a:t>
+            </a:r>
+          </a:p>
+        </p:txBody>
+      </p:sp>
+      <mc:AlternateContent xmlns:mc="http://schemas.openxmlformats.org/markup-compatibility/2006">
+        <mc:Choice xmlns:a14="http://schemas.microsoft.com/office/drawing/2010/main" Requires="a14">
+          <p:sp>
+            <p:nvSpPr>
+              <p:cNvPr id="18" name="Content Placeholder 2"/>
+              <p:cNvSpPr>
+                <a:spLocks noGrp="1"/>
+              </p:cNvSpPr>
+              <p:nvPr>
+                <p:ph idx="1"/>
+              </p:nvPr>
+            </p:nvSpPr>
+            <p:spPr>
+              <a:xfrm>
+                <a:off x="152400" y="1292554"/>
+                <a:ext cx="8991600" cy="5336846"/>
+              </a:xfrm>
+            </p:spPr>
+            <p:txBody>
+              <a:bodyPr/>
+              <a:lstStyle/>
+              <a:p>
+                <a:pPr marL="857250" lvl="1" indent="-457200">
+                  <a:buFont typeface="+mj-lt"/>
+                  <a:buAutoNum type="arabicPeriod"/>
+                </a:pPr>
+                <a:r>
+                  <a:rPr lang="en-US" sz="2800" b="1" dirty="0" smtClean="0">
+                    <a:latin typeface="Times New Roman" panose="02020603050405020304" pitchFamily="18" charset="0"/>
+                    <a:cs typeface="Times New Roman" panose="02020603050405020304" pitchFamily="18" charset="0"/>
+                  </a:rPr>
+                  <a:t>Candidate </a:t>
+                </a:r>
+                <a:r>
+                  <a:rPr lang="en-US" sz="2800" b="1" dirty="0">
+                    <a:latin typeface="Times New Roman" panose="02020603050405020304" pitchFamily="18" charset="0"/>
+                    <a:cs typeface="Times New Roman" panose="02020603050405020304" pitchFamily="18" charset="0"/>
+                  </a:rPr>
+                  <a:t>Screening</a:t>
+                </a:r>
+              </a:p>
+              <a:p>
+                <a:pPr lvl="2" indent="-342900"/>
+                <a:r>
+                  <a:rPr lang="en-US" sz="2800" dirty="0">
+                    <a:latin typeface="Times New Roman" panose="02020603050405020304" pitchFamily="18" charset="0"/>
+                    <a:cs typeface="Times New Roman" panose="02020603050405020304" pitchFamily="18" charset="0"/>
+                  </a:rPr>
+                  <a:t>An efficient procedure is performed to filter candidates </a:t>
+                </a:r>
+                <a14:m>
+                  <m:oMath xmlns:m="http://schemas.openxmlformats.org/officeDocument/2006/math">
+                    <m:sSub>
+                      <m:sSubPr>
+                        <m:ctrlPr>
+                          <a:rPr lang="en-US" sz="2800" b="0" i="1" smtClean="0">
+                            <a:latin typeface="Cambria Math" charset="0"/>
+                            <a:cs typeface="Times New Roman" panose="02020603050405020304" pitchFamily="18" charset="0"/>
+                          </a:rPr>
+                        </m:ctrlPr>
+                      </m:sSubPr>
+                      <m:e>
+                        <m:r>
+                          <a:rPr lang="en-US" sz="2800" b="0" i="1" smtClean="0">
+                            <a:latin typeface="Cambria Math" panose="02040503050406030204" pitchFamily="18" charset="0"/>
+                            <a:cs typeface="Times New Roman" panose="02020603050405020304" pitchFamily="18" charset="0"/>
+                          </a:rPr>
+                          <m:t>𝐶</m:t>
+                        </m:r>
+                      </m:e>
+                      <m:sub>
+                        <m:r>
+                          <a:rPr lang="en-US" sz="2800" b="0" i="1" smtClean="0">
+                            <a:latin typeface="Cambria Math" panose="02040503050406030204" pitchFamily="18" charset="0"/>
+                            <a:cs typeface="Times New Roman" panose="02020603050405020304" pitchFamily="18" charset="0"/>
+                          </a:rPr>
+                          <m:t>𝑢</m:t>
+                        </m:r>
+                      </m:sub>
+                    </m:sSub>
+                  </m:oMath>
+                </a14:m>
+                <a:r>
+                  <a:rPr lang="en-US" sz="2800" dirty="0">
+                    <a:latin typeface="Times New Roman" panose="02020603050405020304" pitchFamily="18" charset="0"/>
+                    <a:cs typeface="Times New Roman" panose="02020603050405020304" pitchFamily="18" charset="0"/>
+                  </a:rPr>
+                  <a:t>.</a:t>
+                </a:r>
+              </a:p>
+              <a:p>
+                <a:pPr lvl="2" indent="-342900"/>
+                <a14:m>
+                  <m:oMath xmlns:m="http://schemas.openxmlformats.org/officeDocument/2006/math">
+                    <m:d>
+                      <m:dPr>
+                        <m:begChr m:val="|"/>
+                        <m:endChr m:val="|"/>
+                        <m:ctrlPr>
+                          <a:rPr lang="en-US" sz="2800" b="0" i="1" smtClean="0">
+                            <a:latin typeface="Cambria Math" charset="0"/>
+                            <a:cs typeface="Times New Roman" panose="02020603050405020304" pitchFamily="18" charset="0"/>
+                          </a:rPr>
+                        </m:ctrlPr>
+                      </m:dPr>
+                      <m:e>
+                        <m:sSub>
+                          <m:sSubPr>
+                            <m:ctrlPr>
+                              <a:rPr lang="en-US" sz="2800" b="0" i="1" smtClean="0">
+                                <a:latin typeface="Cambria Math" charset="0"/>
+                                <a:cs typeface="Times New Roman" panose="02020603050405020304" pitchFamily="18" charset="0"/>
+                              </a:rPr>
+                            </m:ctrlPr>
+                          </m:sSubPr>
+                          <m:e>
+                            <m:r>
+                              <m:rPr>
+                                <m:sty m:val="p"/>
+                              </m:rPr>
+                              <a:rPr lang="en-US" sz="2800" b="0" i="0" smtClean="0">
+                                <a:latin typeface="Cambria Math" panose="02040503050406030204" pitchFamily="18" charset="0"/>
+                                <a:cs typeface="Times New Roman" panose="02020603050405020304" pitchFamily="18" charset="0"/>
+                              </a:rPr>
+                              <m:t>C</m:t>
+                            </m:r>
+                          </m:e>
+                          <m:sub>
+                            <m:r>
+                              <m:rPr>
+                                <m:sty m:val="p"/>
+                              </m:rPr>
+                              <a:rPr lang="en-US" sz="2800" b="0" i="0" smtClean="0">
+                                <a:latin typeface="Cambria Math" panose="02040503050406030204" pitchFamily="18" charset="0"/>
+                                <a:cs typeface="Times New Roman" panose="02020603050405020304" pitchFamily="18" charset="0"/>
+                              </a:rPr>
+                              <m:t>u</m:t>
+                            </m:r>
+                          </m:sub>
+                        </m:sSub>
+                      </m:e>
+                    </m:d>
+                    <m:r>
+                      <a:rPr lang="en-US" sz="2800" b="0" i="0" smtClean="0">
+                        <a:latin typeface="Cambria Math" panose="02040503050406030204" pitchFamily="18" charset="0"/>
+                        <a:cs typeface="Times New Roman" panose="02020603050405020304" pitchFamily="18" charset="0"/>
+                      </a:rPr>
+                      <m:t>&lt;</m:t>
+                    </m:r>
+                    <m:r>
+                      <m:rPr>
+                        <m:sty m:val="p"/>
+                      </m:rPr>
+                      <a:rPr lang="en-US" sz="2800" b="0" i="0" smtClean="0">
+                        <a:latin typeface="Cambria Math" panose="02040503050406030204" pitchFamily="18" charset="0"/>
+                        <a:cs typeface="Times New Roman" panose="02020603050405020304" pitchFamily="18" charset="0"/>
+                      </a:rPr>
+                      <m:t>n</m:t>
+                    </m:r>
+                  </m:oMath>
+                </a14:m>
+                <a:endParaRPr lang="en-US" sz="3000" b="1" dirty="0" smtClean="0">
+                  <a:latin typeface="Times New Roman" panose="02020603050405020304" pitchFamily="18" charset="0"/>
+                  <a:cs typeface="Times New Roman" panose="02020603050405020304" pitchFamily="18" charset="0"/>
+                </a:endParaRPr>
+              </a:p>
+              <a:p>
+                <a:pPr lvl="2" indent="-342900"/>
+                <a:endParaRPr lang="en-US" sz="3000" b="1" dirty="0">
+                  <a:latin typeface="Times New Roman" panose="02020603050405020304" pitchFamily="18" charset="0"/>
+                  <a:cs typeface="Times New Roman" panose="02020603050405020304" pitchFamily="18" charset="0"/>
+                </a:endParaRPr>
+              </a:p>
+              <a:p>
+                <a:pPr marL="914400" lvl="1" indent="-514350">
+                  <a:buFont typeface="+mj-lt"/>
+                  <a:buAutoNum type="arabicPeriod"/>
+                </a:pPr>
+                <a:r>
+                  <a:rPr lang="en-US" sz="2800" b="1" dirty="0">
+                    <a:latin typeface="Times New Roman" panose="02020603050405020304" pitchFamily="18" charset="0"/>
+                    <a:cs typeface="Times New Roman" panose="02020603050405020304" pitchFamily="18" charset="0"/>
+                  </a:rPr>
+                  <a:t>Candidate Ranking</a:t>
+                </a:r>
+              </a:p>
+              <a:p>
+                <a:pPr lvl="2" indent="-342900"/>
+                <a:r>
+                  <a:rPr lang="en-US" sz="2800" dirty="0">
+                    <a:latin typeface="Times New Roman" panose="02020603050405020304" pitchFamily="18" charset="0"/>
+                    <a:cs typeface="Times New Roman" panose="02020603050405020304" pitchFamily="18" charset="0"/>
+                  </a:rPr>
+                  <a:t>An exact ranking is performed on the selected candidates </a:t>
+                </a:r>
+                <a14:m>
+                  <m:oMath xmlns:m="http://schemas.openxmlformats.org/officeDocument/2006/math">
+                    <m:sSub>
+                      <m:sSubPr>
+                        <m:ctrlPr>
+                          <a:rPr lang="en-US" sz="2800" b="0" i="1" smtClean="0">
+                            <a:latin typeface="Cambria Math" charset="0"/>
+                            <a:cs typeface="Times New Roman" panose="02020603050405020304" pitchFamily="18" charset="0"/>
+                          </a:rPr>
+                        </m:ctrlPr>
+                      </m:sSubPr>
+                      <m:e>
+                        <m:r>
+                          <a:rPr lang="en-US" sz="2800" b="0" i="1" smtClean="0">
+                            <a:latin typeface="Cambria Math" panose="02040503050406030204" pitchFamily="18" charset="0"/>
+                            <a:cs typeface="Times New Roman" panose="02020603050405020304" pitchFamily="18" charset="0"/>
+                          </a:rPr>
+                          <m:t>𝐶</m:t>
+                        </m:r>
+                      </m:e>
+                      <m:sub>
+                        <m:r>
+                          <a:rPr lang="en-US" sz="2800" b="0" i="1" smtClean="0">
+                            <a:latin typeface="Cambria Math" panose="02040503050406030204" pitchFamily="18" charset="0"/>
+                            <a:cs typeface="Times New Roman" panose="02020603050405020304" pitchFamily="18" charset="0"/>
+                          </a:rPr>
+                          <m:t>𝑢</m:t>
+                        </m:r>
+                      </m:sub>
+                    </m:sSub>
+                  </m:oMath>
+                </a14:m>
+                <a:r>
+                  <a:rPr lang="en-US" sz="2800" dirty="0">
+                    <a:latin typeface="Times New Roman" panose="02020603050405020304" pitchFamily="18" charset="0"/>
+                    <a:cs typeface="Times New Roman" panose="02020603050405020304" pitchFamily="18" charset="0"/>
+                  </a:rPr>
+                  <a:t>.</a:t>
+                </a:r>
+              </a:p>
+              <a:p>
+                <a:pPr lvl="2" indent="-342900"/>
+                <a:r>
+                  <a:rPr lang="en-US" sz="2800" dirty="0">
+                    <a:latin typeface="Times New Roman" panose="02020603050405020304" pitchFamily="18" charset="0"/>
+                    <a:cs typeface="Times New Roman" panose="02020603050405020304" pitchFamily="18" charset="0"/>
+                  </a:rPr>
+                  <a:t>Time complexity:  </a:t>
+                </a:r>
+                <a14:m>
+                  <m:oMath xmlns:m="http://schemas.openxmlformats.org/officeDocument/2006/math">
+                    <m:r>
+                      <a:rPr lang="en-US" sz="2800" i="1">
+                        <a:latin typeface="Cambria Math" panose="02040503050406030204" pitchFamily="18" charset="0"/>
+                      </a:rPr>
+                      <m:t>𝑂</m:t>
+                    </m:r>
+                    <m:d>
+                      <m:dPr>
+                        <m:ctrlPr>
+                          <a:rPr lang="en-US" sz="2800" i="1">
+                            <a:latin typeface="Cambria Math" charset="0"/>
+                          </a:rPr>
+                        </m:ctrlPr>
+                      </m:dPr>
+                      <m:e>
+                        <m:d>
+                          <m:dPr>
+                            <m:begChr m:val="|"/>
+                            <m:endChr m:val="|"/>
+                            <m:ctrlPr>
+                              <a:rPr lang="en-US" sz="2800" b="0" i="1" smtClean="0">
+                                <a:latin typeface="Cambria Math" charset="0"/>
+                              </a:rPr>
+                            </m:ctrlPr>
+                          </m:dPr>
+                          <m:e>
+                            <m:sSub>
+                              <m:sSubPr>
+                                <m:ctrlPr>
+                                  <a:rPr lang="en-US" sz="2800" b="0" i="1" smtClean="0">
+                                    <a:latin typeface="Cambria Math" charset="0"/>
+                                  </a:rPr>
+                                </m:ctrlPr>
+                              </m:sSubPr>
+                              <m:e>
+                                <m:r>
+                                  <a:rPr lang="en-US" sz="2800" b="0" i="1" smtClean="0">
+                                    <a:latin typeface="Cambria Math" panose="02040503050406030204" pitchFamily="18" charset="0"/>
+                                  </a:rPr>
+                                  <m:t>𝐶</m:t>
+                                </m:r>
+                              </m:e>
+                              <m:sub>
+                                <m:r>
+                                  <a:rPr lang="en-US" sz="2800" b="0" i="1" smtClean="0">
+                                    <a:latin typeface="Cambria Math" panose="02040503050406030204" pitchFamily="18" charset="0"/>
+                                  </a:rPr>
+                                  <m:t>𝑢</m:t>
+                                </m:r>
+                              </m:sub>
+                            </m:sSub>
+                          </m:e>
+                        </m:d>
+                        <m:r>
+                          <a:rPr lang="en-US" sz="2800" i="1">
+                            <a:latin typeface="Cambria Math" panose="02040503050406030204" pitchFamily="18" charset="0"/>
+                          </a:rPr>
+                          <m:t>×</m:t>
+                        </m:r>
+                        <m:r>
+                          <a:rPr lang="en-US" sz="2800" i="1">
+                            <a:latin typeface="Cambria Math" panose="02040503050406030204" pitchFamily="18" charset="0"/>
+                          </a:rPr>
+                          <m:t>𝑘</m:t>
+                        </m:r>
+                        <m:r>
+                          <a:rPr lang="en-US" sz="2800" i="1">
+                            <a:latin typeface="Cambria Math" panose="02040503050406030204" pitchFamily="18" charset="0"/>
+                          </a:rPr>
+                          <m:t>+</m:t>
+                        </m:r>
+                        <m:d>
+                          <m:dPr>
+                            <m:begChr m:val="|"/>
+                            <m:endChr m:val="|"/>
+                            <m:ctrlPr>
+                              <a:rPr lang="en-US" sz="2800" b="0" i="1" smtClean="0">
+                                <a:latin typeface="Cambria Math" charset="0"/>
+                              </a:rPr>
+                            </m:ctrlPr>
+                          </m:dPr>
+                          <m:e>
+                            <m:sSub>
+                              <m:sSubPr>
+                                <m:ctrlPr>
+                                  <a:rPr lang="en-US" sz="2800" b="0" i="1" smtClean="0">
+                                    <a:latin typeface="Cambria Math" charset="0"/>
+                                  </a:rPr>
+                                </m:ctrlPr>
+                              </m:sSubPr>
+                              <m:e>
+                                <m:r>
+                                  <a:rPr lang="en-US" sz="2800" b="0" i="1" smtClean="0">
+                                    <a:latin typeface="Cambria Math" panose="02040503050406030204" pitchFamily="18" charset="0"/>
+                                  </a:rPr>
+                                  <m:t>𝐶</m:t>
+                                </m:r>
+                              </m:e>
+                              <m:sub>
+                                <m:r>
+                                  <a:rPr lang="en-US" sz="2800" b="0" i="1" smtClean="0">
+                                    <a:latin typeface="Cambria Math" panose="02040503050406030204" pitchFamily="18" charset="0"/>
+                                  </a:rPr>
+                                  <m:t>𝑢</m:t>
+                                </m:r>
+                              </m:sub>
+                            </m:sSub>
+                          </m:e>
+                        </m:d>
+                        <m:r>
+                          <a:rPr lang="en-US" sz="2800" i="1">
+                            <a:latin typeface="Cambria Math" panose="02040503050406030204" pitchFamily="18" charset="0"/>
+                          </a:rPr>
+                          <m:t>×</m:t>
+                        </m:r>
+                        <m:func>
+                          <m:funcPr>
+                            <m:ctrlPr>
+                              <a:rPr lang="en-US" sz="2800" i="1">
+                                <a:latin typeface="Cambria Math" charset="0"/>
+                              </a:rPr>
+                            </m:ctrlPr>
+                          </m:funcPr>
+                          <m:fName>
+                            <m:r>
+                              <m:rPr>
+                                <m:sty m:val="p"/>
+                              </m:rPr>
+                              <a:rPr lang="en-US" sz="2800">
+                                <a:latin typeface="Cambria Math" panose="02040503050406030204" pitchFamily="18" charset="0"/>
+                              </a:rPr>
+                              <m:t>log</m:t>
+                            </m:r>
+                          </m:fName>
+                          <m:e>
+                            <m:d>
+                              <m:dPr>
+                                <m:ctrlPr>
+                                  <a:rPr lang="en-US" sz="2800" b="0" i="1" smtClean="0">
+                                    <a:latin typeface="Cambria Math" charset="0"/>
+                                  </a:rPr>
+                                </m:ctrlPr>
+                              </m:dPr>
+                              <m:e>
+                                <m:d>
+                                  <m:dPr>
+                                    <m:begChr m:val="|"/>
+                                    <m:endChr m:val="|"/>
+                                    <m:ctrlPr>
+                                      <a:rPr lang="en-US" sz="2800" b="0" i="1" smtClean="0">
+                                        <a:latin typeface="Cambria Math" charset="0"/>
+                                      </a:rPr>
+                                    </m:ctrlPr>
+                                  </m:dPr>
+                                  <m:e>
+                                    <m:sSub>
+                                      <m:sSubPr>
+                                        <m:ctrlPr>
+                                          <a:rPr lang="en-US" sz="2800" b="0" i="1" smtClean="0">
+                                            <a:latin typeface="Cambria Math" charset="0"/>
+                                          </a:rPr>
+                                        </m:ctrlPr>
+                                      </m:sSubPr>
+                                      <m:e>
+                                        <m:r>
+                                          <a:rPr lang="en-US" sz="2800" b="0" i="1" smtClean="0">
+                                            <a:latin typeface="Cambria Math" panose="02040503050406030204" pitchFamily="18" charset="0"/>
+                                          </a:rPr>
+                                          <m:t>𝐶</m:t>
+                                        </m:r>
+                                      </m:e>
+                                      <m:sub>
+                                        <m:r>
+                                          <a:rPr lang="en-US" sz="2800" b="0" i="1" smtClean="0">
+                                            <a:latin typeface="Cambria Math" panose="02040503050406030204" pitchFamily="18" charset="0"/>
+                                          </a:rPr>
+                                          <m:t>𝑢</m:t>
+                                        </m:r>
+                                      </m:sub>
+                                    </m:sSub>
+                                  </m:e>
+                                </m:d>
+                              </m:e>
+                            </m:d>
+                          </m:e>
+                        </m:func>
+                      </m:e>
+                    </m:d>
+                    <m:r>
+                      <a:rPr lang="en-US" sz="2800" b="0" i="1" smtClean="0">
+                        <a:latin typeface="Cambria Math" charset="0"/>
+                      </a:rPr>
+                      <m:t> </m:t>
+                    </m:r>
+                  </m:oMath>
+                </a14:m>
+                <a:endParaRPr lang="en-SG" sz="2400" dirty="0">
+                  <a:latin typeface="Times New Roman" panose="02020603050405020304" pitchFamily="18" charset="0"/>
+                  <a:cs typeface="Times New Roman" panose="02020603050405020304" pitchFamily="18" charset="0"/>
+                </a:endParaRPr>
+              </a:p>
+              <a:p>
+                <a:pPr marL="800100" lvl="2" indent="0">
+                  <a:buNone/>
+                </a:pPr>
+                <a:endParaRPr lang="en-US" sz="2400" dirty="0">
+                  <a:latin typeface="Times New Roman" panose="02020603050405020304" pitchFamily="18" charset="0"/>
+                  <a:cs typeface="Times New Roman" panose="02020603050405020304" pitchFamily="18" charset="0"/>
+                </a:endParaRPr>
+              </a:p>
+              <a:p>
+                <a:pPr marL="1257300" lvl="2" indent="-457200">
+                  <a:buFont typeface="Arial" panose="020B0604020202020204" pitchFamily="34" charset="0"/>
+                  <a:buChar char="•"/>
+                </a:pPr>
+                <a:endParaRPr lang="en-US" sz="1800" dirty="0">
+                  <a:latin typeface="Times New Roman" panose="02020603050405020304" pitchFamily="18" charset="0"/>
+                  <a:cs typeface="Times New Roman" panose="02020603050405020304" pitchFamily="18" charset="0"/>
+                </a:endParaRPr>
+              </a:p>
+            </p:txBody>
+          </p:sp>
+        </mc:Choice>
+        <mc:Fallback>
+          <p:sp>
+            <p:nvSpPr>
+              <p:cNvPr id="18" name="Content Placeholder 2"/>
+              <p:cNvSpPr>
+                <a:spLocks noGrp="1" noRot="1" noChangeAspect="1" noMove="1" noResize="1" noEditPoints="1" noAdjustHandles="1" noChangeArrowheads="1" noChangeShapeType="1" noTextEdit="1"/>
+              </p:cNvSpPr>
+              <p:nvPr>
+                <p:ph idx="1"/>
+              </p:nvPr>
+            </p:nvSpPr>
+            <p:spPr>
+              <a:xfrm>
+                <a:off x="152400" y="1292554"/>
+                <a:ext cx="8991600" cy="5336846"/>
+              </a:xfrm>
+              <a:blipFill rotWithShape="0">
+                <a:blip r:embed="rId2"/>
+                <a:stretch>
+                  <a:fillRect t="-1142"/>
+                </a:stretch>
+              </a:blipFill>
+            </p:spPr>
+            <p:txBody>
+              <a:bodyPr/>
+              <a:lstStyle/>
+              <a:p>
+                <a:r>
+                  <a:rPr lang="en-US">
+                    <a:noFill/>
+                  </a:rPr>
+                  <a:t> </a:t>
+                </a:r>
+              </a:p>
+            </p:txBody>
+          </p:sp>
+        </mc:Fallback>
+      </mc:AlternateContent>
+      <p:sp>
+        <p:nvSpPr>
+          <p:cNvPr id="3" name="Slide Number Placeholder 2"/>
+          <p:cNvSpPr>
+            <a:spLocks noGrp="1"/>
+          </p:cNvSpPr>
+          <p:nvPr>
+            <p:ph type="sldNum" sz="quarter" idx="12"/>
+          </p:nvPr>
+        </p:nvSpPr>
+        <p:spPr/>
+        <p:txBody>
+          <a:bodyPr/>
+          <a:lstStyle/>
+          <a:p>
+            <a:pPr>
+              <a:defRPr/>
+            </a:pPr>
+            <a:fld id="{0C1A19D8-1474-485E-AF0B-775079405AF1}" type="slidenum">
+              <a:rPr lang="en-US" altLang="en-US" smtClean="0"/>
+              <a:pPr>
+                <a:defRPr/>
+              </a:pPr>
+              <a:t>25</a:t>
+            </a:fld>
+            <a:endParaRPr lang="en-US" altLang="en-US"/>
+          </a:p>
+        </p:txBody>
+      </p:sp>
+    </p:spTree>
+    <p:extLst>
+      <p:ext uri="{BB962C8B-B14F-4D97-AF65-F5344CB8AC3E}">
+        <p14:creationId xmlns:p14="http://schemas.microsoft.com/office/powerpoint/2010/main" val="2354673085"/>
+      </p:ext>
+    </p:extLst>
+  </p:cSld>
+  <p:clrMapOvr>
+    <a:masterClrMapping/>
+  </p:clrMapOvr>
+  <p:timing>
+    <p:tnLst>
+      <p:par>
+        <p:cTn id="1" dur="indefinite" restart="never" nodeType="tmRoot"/>
+      </p:par>
+    </p:tnLst>
+  </p:timing>
+</p:sld>
+</file>
+
+<file path=ppt/slides/slide26.xml><?xml version="1.0" encoding="utf-8"?>
+<p:sld xmlns:a="http://schemas.openxmlformats.org/drawingml/2006/main" xmlns:r="http://schemas.openxmlformats.org/officeDocument/2006/relationships" xmlns:p="http://schemas.openxmlformats.org/presentationml/2006/main">
+  <p:cSld>
+    <p:spTree>
+      <p:nvGrpSpPr>
+        <p:cNvPr id="1" name=""/>
+        <p:cNvGrpSpPr/>
+        <p:nvPr/>
+      </p:nvGrpSpPr>
+      <p:grpSpPr>
+        <a:xfrm>
+          <a:off x="0" y="0"/>
+          <a:ext cx="0" cy="0"/>
+          <a:chOff x="0" y="0"/>
+          <a:chExt cx="0" cy="0"/>
+        </a:xfrm>
+      </p:grpSpPr>
+      <p:sp>
+        <p:nvSpPr>
+          <p:cNvPr id="2" name="Title 1"/>
+          <p:cNvSpPr>
+            <a:spLocks noGrp="1"/>
+          </p:cNvSpPr>
+          <p:nvPr>
+            <p:ph type="title"/>
+          </p:nvPr>
+        </p:nvSpPr>
+        <p:spPr>
+          <a:xfrm>
+            <a:off x="152400" y="43626"/>
+            <a:ext cx="6553200" cy="954107"/>
+          </a:xfrm>
+        </p:spPr>
+        <p:txBody>
+          <a:bodyPr/>
+          <a:lstStyle/>
+          <a:p>
+            <a:r>
+              <a:rPr lang="en-US" sz="2800" dirty="0" smtClean="0"/>
+              <a:t>Idea: </a:t>
+            </a:r>
+            <a:r>
+              <a:rPr lang="en-US" sz="2800" dirty="0" smtClean="0"/>
+              <a:t>Sequential Scanning with Upper-Bound</a:t>
+            </a:r>
+            <a:endParaRPr lang="en-US" sz="2800" dirty="0"/>
+          </a:p>
+        </p:txBody>
+      </p:sp>
+      <p:sp>
+        <p:nvSpPr>
+          <p:cNvPr id="5" name="Slide Number Placeholder 4"/>
+          <p:cNvSpPr>
+            <a:spLocks noGrp="1"/>
+          </p:cNvSpPr>
+          <p:nvPr>
+            <p:ph type="sldNum" sz="quarter" idx="12"/>
+          </p:nvPr>
+        </p:nvSpPr>
+        <p:spPr/>
+        <p:txBody>
+          <a:bodyPr/>
+          <a:lstStyle/>
+          <a:p>
+            <a:pPr>
+              <a:defRPr/>
+            </a:pPr>
+            <a:fld id="{0C1A19D8-1474-485E-AF0B-775079405AF1}" type="slidenum">
+              <a:rPr lang="en-US" altLang="en-US" smtClean="0"/>
+              <a:pPr>
+                <a:defRPr/>
+              </a:pPr>
+              <a:t>26</a:t>
             </a:fld>
             <a:endParaRPr lang="en-US" altLang="en-US"/>
           </a:p>
@@ -32863,7 +34209,7 @@
                         <m:sSupPr>
                           <m:ctrlPr>
                             <a:rPr lang="en-US" b="0" i="1" smtClean="0">
-                              <a:latin typeface="Cambria Math" panose="02040503050406030204" pitchFamily="18" charset="0"/>
+                              <a:latin typeface="Cambria Math" charset="0"/>
                             </a:rPr>
                           </m:ctrlPr>
                         </m:sSupPr>
@@ -32902,7 +34248,7 @@
                           <m:endChr m:val="|"/>
                           <m:ctrlPr>
                             <a:rPr lang="en-US" b="0" i="1" smtClean="0">
-                              <a:latin typeface="Cambria Math" panose="02040503050406030204" pitchFamily="18" charset="0"/>
+                              <a:latin typeface="Cambria Math" charset="0"/>
                             </a:rPr>
                           </m:ctrlPr>
                         </m:dPr>
@@ -32913,7 +34259,7 @@
                               <m:endChr m:val="|"/>
                               <m:ctrlPr>
                                 <a:rPr lang="en-US" b="0" i="1" smtClean="0">
-                                  <a:latin typeface="Cambria Math" panose="02040503050406030204" pitchFamily="18" charset="0"/>
+                                  <a:latin typeface="Cambria Math" charset="0"/>
                                 </a:rPr>
                               </m:ctrlPr>
                             </m:dPr>
@@ -32940,7 +34286,7 @@
                           <m:endChr m:val="|"/>
                           <m:ctrlPr>
                             <a:rPr lang="en-US" b="0" i="1" smtClean="0">
-                              <a:latin typeface="Cambria Math" panose="02040503050406030204" pitchFamily="18" charset="0"/>
+                              <a:latin typeface="Cambria Math" charset="0"/>
                             </a:rPr>
                           </m:ctrlPr>
                         </m:dPr>
@@ -32951,7 +34297,7 @@
                               <m:endChr m:val="|"/>
                               <m:ctrlPr>
                                 <a:rPr lang="en-US" b="0" i="1" smtClean="0">
-                                  <a:latin typeface="Cambria Math" panose="02040503050406030204" pitchFamily="18" charset="0"/>
+                                  <a:latin typeface="Cambria Math" charset="0"/>
                                 </a:rPr>
                               </m:ctrlPr>
                             </m:dPr>
@@ -33165,6 +34511,14 @@
   <p:clrMapOvr>
     <a:masterClrMapping/>
   </p:clrMapOvr>
+  <mc:AlternateContent xmlns:mc="http://schemas.openxmlformats.org/markup-compatibility/2006">
+    <mc:Choice xmlns:p14="http://schemas.microsoft.com/office/powerpoint/2010/main" Requires="p14">
+      <p:transition spd="slow" p14:dur="2000"/>
+    </mc:Choice>
+    <mc:Fallback>
+      <p:transition spd="slow"/>
+    </mc:Fallback>
+  </mc:AlternateContent>
   <p:timing>
     <p:tnLst>
       <p:par>
@@ -33175,7 +34529,7 @@
 </p:sld>
 </file>
 
-<file path=ppt/slides/slide23.xml><?xml version="1.0" encoding="utf-8"?>
+<file path=ppt/slides/slide27.xml><?xml version="1.0" encoding="utf-8"?>
 <p:sld xmlns:a="http://schemas.openxmlformats.org/drawingml/2006/main" xmlns:r="http://schemas.openxmlformats.org/officeDocument/2006/relationships" xmlns:p="http://schemas.openxmlformats.org/presentationml/2006/main">
   <p:cSld>
     <p:spTree>
@@ -33214,7 +34568,11 @@
           <a:p>
             <a:r>
               <a:rPr lang="en-US" sz="2800" dirty="0" smtClean="0"/>
-              <a:t>Idea 3: Sampling</a:t>
+              <a:t>Idea: </a:t>
+            </a:r>
+            <a:r>
+              <a:rPr lang="en-US" sz="2800" dirty="0" smtClean="0"/>
+              <a:t>Sampling</a:t>
             </a:r>
             <a:endParaRPr lang="en-US" sz="2800" dirty="0"/>
           </a:p>
@@ -33269,7 +34627,7 @@
               <a:pPr>
                 <a:defRPr/>
               </a:pPr>
-              <a:t>23</a:t>
+              <a:t>27</a:t>
             </a:fld>
             <a:endParaRPr lang="en-US" altLang="en-US"/>
           </a:p>
@@ -33315,6 +34673,14 @@
   <p:clrMapOvr>
     <a:masterClrMapping/>
   </p:clrMapOvr>
+  <mc:AlternateContent xmlns:mc="http://schemas.openxmlformats.org/markup-compatibility/2006">
+    <mc:Choice xmlns:p14="http://schemas.microsoft.com/office/powerpoint/2010/main" Requires="p14">
+      <p:transition spd="slow" p14:dur="2000"/>
+    </mc:Choice>
+    <mc:Fallback>
+      <p:transition spd="slow"/>
+    </mc:Fallback>
+  </mc:AlternateContent>
   <p:timing>
     <p:tnLst>
       <p:par>
@@ -33325,7 +34691,7 @@
 </p:sld>
 </file>
 
-<file path=ppt/slides/slide24.xml><?xml version="1.0" encoding="utf-8"?>
+<file path=ppt/slides/slide28.xml><?xml version="1.0" encoding="utf-8"?>
 <p:sld xmlns:a="http://schemas.openxmlformats.org/drawingml/2006/main" xmlns:r="http://schemas.openxmlformats.org/officeDocument/2006/relationships" xmlns:p="http://schemas.openxmlformats.org/presentationml/2006/main">
   <p:cSld>
     <p:spTree>
@@ -33391,7 +34757,7 @@
               <a:pPr>
                 <a:defRPr/>
               </a:pPr>
-              <a:t>24</a:t>
+              <a:t>28</a:t>
             </a:fld>
             <a:endParaRPr lang="en-US" altLang="en-US"/>
           </a:p>
@@ -33587,7 +34953,11 @@
           <a:p>
             <a:r>
               <a:rPr lang="en-US" sz="2800" kern="0" dirty="0" smtClean="0"/>
-              <a:t>Idea 3: Sampling</a:t>
+              <a:t>Idea: </a:t>
+            </a:r>
+            <a:r>
+              <a:rPr lang="en-US" sz="2800" kern="0" dirty="0" smtClean="0"/>
+              <a:t>Sampling</a:t>
             </a:r>
             <a:endParaRPr lang="en-US" sz="2800" kern="0" dirty="0"/>
           </a:p>
@@ -33633,6 +35003,14 @@
   <p:clrMapOvr>
     <a:masterClrMapping/>
   </p:clrMapOvr>
+  <mc:AlternateContent xmlns:mc="http://schemas.openxmlformats.org/markup-compatibility/2006">
+    <mc:Choice xmlns:p14="http://schemas.microsoft.com/office/powerpoint/2010/main" Requires="p14">
+      <p:transition spd="slow" p14:dur="2000"/>
+    </mc:Choice>
+    <mc:Fallback>
+      <p:transition spd="slow"/>
+    </mc:Fallback>
+  </mc:AlternateContent>
   <p:timing>
     <p:tnLst>
       <p:par>
@@ -33643,7 +35021,7 @@
 </p:sld>
 </file>
 
-<file path=ppt/slides/slide25.xml><?xml version="1.0" encoding="utf-8"?>
+<file path=ppt/slides/slide29.xml><?xml version="1.0" encoding="utf-8"?>
 <p:sld xmlns:a="http://schemas.openxmlformats.org/drawingml/2006/main" xmlns:r="http://schemas.openxmlformats.org/officeDocument/2006/relationships" xmlns:p="http://schemas.openxmlformats.org/presentationml/2006/main">
   <p:cSld>
     <p:spTree>
@@ -33709,7 +35087,7 @@
               <a:pPr>
                 <a:defRPr/>
               </a:pPr>
-              <a:t>25</a:t>
+              <a:t>29</a:t>
             </a:fld>
             <a:endParaRPr lang="en-US" altLang="en-US"/>
           </a:p>
@@ -33905,7 +35283,11 @@
           <a:p>
             <a:r>
               <a:rPr lang="en-US" sz="2800" kern="0" dirty="0" smtClean="0"/>
-              <a:t>Idea 3: Sampling</a:t>
+              <a:t>Idea: </a:t>
+            </a:r>
+            <a:r>
+              <a:rPr lang="en-US" sz="2800" kern="0" dirty="0" smtClean="0"/>
+              <a:t>Sampling</a:t>
             </a:r>
             <a:endParaRPr lang="en-US" sz="2800" kern="0" dirty="0"/>
           </a:p>
@@ -33951,1545 +35333,14 @@
   <p:clrMapOvr>
     <a:masterClrMapping/>
   </p:clrMapOvr>
-  <p:timing>
-    <p:tnLst>
-      <p:par>
-        <p:cTn id="1" dur="indefinite" restart="never" nodeType="tmRoot"/>
-      </p:par>
-    </p:tnLst>
-  </p:timing>
-</p:sld>
-</file>
-
-<file path=ppt/slides/slide26.xml><?xml version="1.0" encoding="utf-8"?>
-<p:sld xmlns:a="http://schemas.openxmlformats.org/drawingml/2006/main" xmlns:r="http://schemas.openxmlformats.org/officeDocument/2006/relationships" xmlns:p="http://schemas.openxmlformats.org/presentationml/2006/main">
-  <p:cSld>
-    <p:spTree>
-      <p:nvGrpSpPr>
-        <p:cNvPr id="1" name=""/>
-        <p:cNvGrpSpPr/>
-        <p:nvPr/>
-      </p:nvGrpSpPr>
-      <p:grpSpPr>
-        <a:xfrm>
-          <a:off x="0" y="0"/>
-          <a:ext cx="0" cy="0"/>
-          <a:chOff x="0" y="0"/>
-          <a:chExt cx="0" cy="0"/>
-        </a:xfrm>
-      </p:grpSpPr>
-      <p:sp>
-        <p:nvSpPr>
-          <p:cNvPr id="4" name="Footer Placeholder 3"/>
-          <p:cNvSpPr>
-            <a:spLocks noGrp="1"/>
-          </p:cNvSpPr>
-          <p:nvPr>
-            <p:ph type="ftr" sz="quarter" idx="11"/>
-          </p:nvPr>
-        </p:nvSpPr>
-        <p:spPr/>
-        <p:txBody>
-          <a:bodyPr/>
-          <a:lstStyle/>
-          <a:p>
-            <a:pPr>
-              <a:defRPr/>
-            </a:pPr>
-            <a:r>
-              <a:rPr lang="en-US" altLang="en-US" smtClean="0"/>
-              <a:t>Dung &amp; Hady: Scalable Recommendation Retrieval</a:t>
-            </a:r>
-            <a:endParaRPr lang="en-US" altLang="en-US"/>
-          </a:p>
-        </p:txBody>
-      </p:sp>
-      <p:sp>
-        <p:nvSpPr>
-          <p:cNvPr id="5" name="Slide Number Placeholder 4"/>
-          <p:cNvSpPr>
-            <a:spLocks noGrp="1"/>
-          </p:cNvSpPr>
-          <p:nvPr>
-            <p:ph type="sldNum" sz="quarter" idx="12"/>
-          </p:nvPr>
-        </p:nvSpPr>
-        <p:spPr/>
-        <p:txBody>
-          <a:bodyPr/>
-          <a:lstStyle/>
-          <a:p>
-            <a:pPr>
-              <a:defRPr/>
-            </a:pPr>
-            <a:fld id="{0C1A19D8-1474-485E-AF0B-775079405AF1}" type="slidenum">
-              <a:rPr lang="en-US" altLang="en-US" smtClean="0"/>
-              <a:pPr>
-                <a:defRPr/>
-              </a:pPr>
-              <a:t>26</a:t>
-            </a:fld>
-            <a:endParaRPr lang="en-US" altLang="en-US"/>
-          </a:p>
-        </p:txBody>
-      </p:sp>
-      <p:sp>
-        <p:nvSpPr>
-          <p:cNvPr id="6" name="Title 1"/>
-          <p:cNvSpPr txBox="1">
-            <a:spLocks/>
-          </p:cNvSpPr>
-          <p:nvPr/>
-        </p:nvSpPr>
-        <p:spPr bwMode="auto">
-          <a:xfrm>
-            <a:off x="228600" y="259377"/>
-            <a:ext cx="6553200" cy="523220"/>
-          </a:xfrm>
-          <a:prstGeom prst="rect">
-            <a:avLst/>
-          </a:prstGeom>
-          <a:noFill/>
-          <a:ln>
-            <a:noFill/>
-          </a:ln>
-          <a:effectLst/>
-          <a:extLst>
-            <a:ext uri="{909E8E84-426E-40DD-AFC4-6F175D3DCCD1}">
-              <a14:hiddenFill xmlns:a14="http://schemas.microsoft.com/office/drawing/2010/main">
-                <a:solidFill>
-                  <a:schemeClr val="accent1"/>
-                </a:solidFill>
-              </a14:hiddenFill>
-            </a:ext>
-            <a:ext uri="{91240B29-F687-4F45-9708-019B960494DF}">
-              <a14:hiddenLine xmlns:a14="http://schemas.microsoft.com/office/drawing/2010/main" w="9525">
-                <a:solidFill>
-                  <a:schemeClr val="tx1"/>
-                </a:solidFill>
-                <a:miter lim="800000"/>
-                <a:headEnd/>
-                <a:tailEnd/>
-              </a14:hiddenLine>
-            </a:ext>
-            <a:ext uri="{AF507438-7753-43E0-B8FC-AC1667EBCBE1}">
-              <a14:hiddenEffects xmlns:a14="http://schemas.microsoft.com/office/drawing/2010/main">
-                <a:effectLst>
-                  <a:outerShdw dist="35921" dir="2700000" algn="ctr" rotWithShape="0">
-                    <a:schemeClr val="bg2"/>
-                  </a:outerShdw>
-                </a:effectLst>
-              </a14:hiddenEffects>
-            </a:ext>
-          </a:extLst>
-        </p:spPr>
-        <p:txBody>
-          <a:bodyPr vert="horz" wrap="square" lIns="91440" tIns="45720" rIns="91440" bIns="45720" numCol="1" anchor="ctr" anchorCtr="0" compatLnSpc="1">
-            <a:prstTxWarp prst="textNoShape">
-              <a:avLst/>
-            </a:prstTxWarp>
-            <a:spAutoFit/>
-          </a:bodyPr>
-          <a:lstStyle>
-            <a:lvl1pPr algn="l" rtl="0" eaLnBrk="0" fontAlgn="base" hangingPunct="0">
-              <a:spcBef>
-                <a:spcPct val="0"/>
-              </a:spcBef>
-              <a:spcAft>
-                <a:spcPct val="0"/>
-              </a:spcAft>
-              <a:defRPr sz="3200" b="1">
-                <a:solidFill>
-                  <a:srgbClr val="C69200"/>
-                </a:solidFill>
-                <a:latin typeface="Century Gothic" panose="020B0502020202020204" pitchFamily="34" charset="0"/>
-                <a:ea typeface="+mj-ea"/>
-                <a:cs typeface="+mj-cs"/>
-              </a:defRPr>
-            </a:lvl1pPr>
-            <a:lvl2pPr algn="l" rtl="0" eaLnBrk="0" fontAlgn="base" hangingPunct="0">
-              <a:spcBef>
-                <a:spcPct val="0"/>
-              </a:spcBef>
-              <a:spcAft>
-                <a:spcPct val="0"/>
-              </a:spcAft>
-              <a:defRPr sz="3600" b="1">
-                <a:solidFill>
-                  <a:srgbClr val="C69200"/>
-                </a:solidFill>
-                <a:latin typeface="Arial" charset="0"/>
-              </a:defRPr>
-            </a:lvl2pPr>
-            <a:lvl3pPr algn="l" rtl="0" eaLnBrk="0" fontAlgn="base" hangingPunct="0">
-              <a:spcBef>
-                <a:spcPct val="0"/>
-              </a:spcBef>
-              <a:spcAft>
-                <a:spcPct val="0"/>
-              </a:spcAft>
-              <a:defRPr sz="3600" b="1">
-                <a:solidFill>
-                  <a:srgbClr val="C69200"/>
-                </a:solidFill>
-                <a:latin typeface="Arial" charset="0"/>
-              </a:defRPr>
-            </a:lvl3pPr>
-            <a:lvl4pPr algn="l" rtl="0" eaLnBrk="0" fontAlgn="base" hangingPunct="0">
-              <a:spcBef>
-                <a:spcPct val="0"/>
-              </a:spcBef>
-              <a:spcAft>
-                <a:spcPct val="0"/>
-              </a:spcAft>
-              <a:defRPr sz="3600" b="1">
-                <a:solidFill>
-                  <a:srgbClr val="C69200"/>
-                </a:solidFill>
-                <a:latin typeface="Arial" charset="0"/>
-              </a:defRPr>
-            </a:lvl4pPr>
-            <a:lvl5pPr algn="l" rtl="0" eaLnBrk="0" fontAlgn="base" hangingPunct="0">
-              <a:spcBef>
-                <a:spcPct val="0"/>
-              </a:spcBef>
-              <a:spcAft>
-                <a:spcPct val="0"/>
-              </a:spcAft>
-              <a:defRPr sz="3600" b="1">
-                <a:solidFill>
-                  <a:srgbClr val="C69200"/>
-                </a:solidFill>
-                <a:latin typeface="Arial" charset="0"/>
-              </a:defRPr>
-            </a:lvl5pPr>
-            <a:lvl6pPr marL="457200" algn="l" rtl="0" fontAlgn="base">
-              <a:spcBef>
-                <a:spcPct val="0"/>
-              </a:spcBef>
-              <a:spcAft>
-                <a:spcPct val="0"/>
-              </a:spcAft>
-              <a:defRPr sz="3600" b="1">
-                <a:solidFill>
-                  <a:srgbClr val="C69200"/>
-                </a:solidFill>
-                <a:latin typeface="Arial" charset="0"/>
-              </a:defRPr>
-            </a:lvl6pPr>
-            <a:lvl7pPr marL="914400" algn="l" rtl="0" fontAlgn="base">
-              <a:spcBef>
-                <a:spcPct val="0"/>
-              </a:spcBef>
-              <a:spcAft>
-                <a:spcPct val="0"/>
-              </a:spcAft>
-              <a:defRPr sz="3600" b="1">
-                <a:solidFill>
-                  <a:srgbClr val="C69200"/>
-                </a:solidFill>
-                <a:latin typeface="Arial" charset="0"/>
-              </a:defRPr>
-            </a:lvl7pPr>
-            <a:lvl8pPr marL="1371600" algn="l" rtl="0" fontAlgn="base">
-              <a:spcBef>
-                <a:spcPct val="0"/>
-              </a:spcBef>
-              <a:spcAft>
-                <a:spcPct val="0"/>
-              </a:spcAft>
-              <a:defRPr sz="3600" b="1">
-                <a:solidFill>
-                  <a:srgbClr val="C69200"/>
-                </a:solidFill>
-                <a:latin typeface="Arial" charset="0"/>
-              </a:defRPr>
-            </a:lvl8pPr>
-            <a:lvl9pPr marL="1828800" algn="l" rtl="0" fontAlgn="base">
-              <a:spcBef>
-                <a:spcPct val="0"/>
-              </a:spcBef>
-              <a:spcAft>
-                <a:spcPct val="0"/>
-              </a:spcAft>
-              <a:defRPr sz="3600" b="1">
-                <a:solidFill>
-                  <a:srgbClr val="C69200"/>
-                </a:solidFill>
-                <a:latin typeface="Arial" charset="0"/>
-              </a:defRPr>
-            </a:lvl9pPr>
-          </a:lstStyle>
-          <a:p>
-            <a:r>
-              <a:rPr lang="en-US" sz="2800" kern="0" dirty="0" smtClean="0"/>
-              <a:t>Idea 3: Sampling</a:t>
-            </a:r>
-            <a:endParaRPr lang="en-US" sz="2800" kern="0" dirty="0"/>
-          </a:p>
-        </p:txBody>
-      </p:sp>
-      <p:pic>
-        <p:nvPicPr>
-          <p:cNvPr id="3" name="Picture 2"/>
-          <p:cNvPicPr>
-            <a:picLocks noChangeAspect="1"/>
-          </p:cNvPicPr>
-          <p:nvPr/>
-        </p:nvPicPr>
-        <p:blipFill>
-          <a:blip r:embed="rId2">
-            <a:extLst>
-              <a:ext uri="{28A0092B-C50C-407E-A947-70E740481C1C}">
-                <a14:useLocalDpi xmlns:a14="http://schemas.microsoft.com/office/drawing/2010/main" val="0"/>
-              </a:ext>
-            </a:extLst>
-          </a:blip>
-          <a:stretch>
-            <a:fillRect/>
-          </a:stretch>
-        </p:blipFill>
-        <p:spPr>
-          <a:xfrm>
-            <a:off x="0" y="753844"/>
-            <a:ext cx="9144000" cy="5350312"/>
-          </a:xfrm>
-          <a:prstGeom prst="rect">
-            <a:avLst/>
-          </a:prstGeom>
-        </p:spPr>
-      </p:pic>
-    </p:spTree>
-    <p:extLst>
-      <p:ext uri="{BB962C8B-B14F-4D97-AF65-F5344CB8AC3E}">
-        <p14:creationId xmlns:p14="http://schemas.microsoft.com/office/powerpoint/2010/main" val="3248307083"/>
-      </p:ext>
-    </p:extLst>
-  </p:cSld>
-  <p:clrMapOvr>
-    <a:masterClrMapping/>
-  </p:clrMapOvr>
-  <p:timing>
-    <p:tnLst>
-      <p:par>
-        <p:cTn id="1" dur="indefinite" restart="never" nodeType="tmRoot"/>
-      </p:par>
-    </p:tnLst>
-  </p:timing>
-</p:sld>
-</file>
-
-<file path=ppt/slides/slide27.xml><?xml version="1.0" encoding="utf-8"?>
-<p:sld xmlns:a="http://schemas.openxmlformats.org/drawingml/2006/main" xmlns:r="http://schemas.openxmlformats.org/officeDocument/2006/relationships" xmlns:p="http://schemas.openxmlformats.org/presentationml/2006/main">
-  <p:cSld>
-    <p:spTree>
-      <p:nvGrpSpPr>
-        <p:cNvPr id="1" name=""/>
-        <p:cNvGrpSpPr/>
-        <p:nvPr/>
-      </p:nvGrpSpPr>
-      <p:grpSpPr>
-        <a:xfrm>
-          <a:off x="0" y="0"/>
-          <a:ext cx="0" cy="0"/>
-          <a:chOff x="0" y="0"/>
-          <a:chExt cx="0" cy="0"/>
-        </a:xfrm>
-      </p:grpSpPr>
-      <p:sp>
-        <p:nvSpPr>
-          <p:cNvPr id="2" name="Title 1"/>
-          <p:cNvSpPr>
-            <a:spLocks noGrp="1"/>
-          </p:cNvSpPr>
-          <p:nvPr>
-            <p:ph type="title"/>
-          </p:nvPr>
-        </p:nvSpPr>
-        <p:spPr>
-          <a:xfrm>
-            <a:off x="152400" y="278993"/>
-            <a:ext cx="6883773" cy="523220"/>
-          </a:xfrm>
-        </p:spPr>
-        <p:txBody>
-          <a:bodyPr/>
-          <a:lstStyle/>
-          <a:p>
-            <a:r>
-              <a:rPr lang="en-US" sz="2800" dirty="0">
-                <a:latin typeface="Times New Roman" panose="02020603050405020304" pitchFamily="18" charset="0"/>
-                <a:cs typeface="Times New Roman" panose="02020603050405020304" pitchFamily="18" charset="0"/>
-              </a:rPr>
-              <a:t>Essential Components for a </a:t>
-            </a:r>
-            <a:r>
-              <a:rPr lang="en-US" sz="2800" dirty="0" smtClean="0">
-                <a:latin typeface="Times New Roman" panose="02020603050405020304" pitchFamily="18" charset="0"/>
-                <a:cs typeface="Times New Roman" panose="02020603050405020304" pitchFamily="18" charset="0"/>
-              </a:rPr>
-              <a:t>Fast MIPS</a:t>
-            </a:r>
-            <a:endParaRPr lang="en-SG" sz="2800" dirty="0">
-              <a:latin typeface="Times New Roman" panose="02020603050405020304" pitchFamily="18" charset="0"/>
-              <a:cs typeface="Times New Roman" panose="02020603050405020304" pitchFamily="18" charset="0"/>
-            </a:endParaRPr>
-          </a:p>
-        </p:txBody>
-      </p:sp>
-      <p:sp>
-        <p:nvSpPr>
-          <p:cNvPr id="5" name="Footer Placeholder 4"/>
-          <p:cNvSpPr>
-            <a:spLocks noGrp="1"/>
-          </p:cNvSpPr>
-          <p:nvPr>
-            <p:ph type="ftr" sz="quarter" idx="11"/>
-          </p:nvPr>
-        </p:nvSpPr>
-        <p:spPr/>
-        <p:txBody>
-          <a:bodyPr/>
-          <a:lstStyle/>
-          <a:p>
-            <a:pPr>
-              <a:defRPr/>
-            </a:pPr>
-            <a:r>
-              <a:rPr lang="en-US" altLang="en-US" dirty="0">
-                <a:latin typeface="Times New Roman" panose="02020603050405020304" pitchFamily="18" charset="0"/>
-                <a:cs typeface="Times New Roman" panose="02020603050405020304" pitchFamily="18" charset="0"/>
-              </a:rPr>
-              <a:t>Dung &amp; Hady: Scalable Recommendation Retrieval</a:t>
-            </a:r>
-          </a:p>
-        </p:txBody>
-      </p:sp>
-      <mc:AlternateContent xmlns:mc="http://schemas.openxmlformats.org/markup-compatibility/2006" xmlns:a14="http://schemas.microsoft.com/office/drawing/2010/main">
-        <mc:Choice Requires="a14">
-          <p:sp>
-            <p:nvSpPr>
-              <p:cNvPr id="18" name="Content Placeholder 2"/>
-              <p:cNvSpPr>
-                <a:spLocks noGrp="1"/>
-              </p:cNvSpPr>
-              <p:nvPr>
-                <p:ph idx="1"/>
-              </p:nvPr>
-            </p:nvSpPr>
-            <p:spPr>
-              <a:xfrm>
-                <a:off x="0" y="1289361"/>
-                <a:ext cx="8991600" cy="5121402"/>
-              </a:xfrm>
-            </p:spPr>
-            <p:txBody>
-              <a:bodyPr/>
-              <a:lstStyle/>
-              <a:p>
-                <a:pPr marL="971550" lvl="1" indent="-571500">
-                  <a:buFont typeface="+mj-lt"/>
-                  <a:buAutoNum type="romanUcPeriod"/>
-                </a:pPr>
-                <a:r>
-                  <a:rPr lang="en-US" sz="2800" b="1" dirty="0" smtClean="0">
-                    <a:latin typeface="Times New Roman" panose="02020603050405020304" pitchFamily="18" charset="0"/>
-                    <a:cs typeface="Times New Roman" panose="02020603050405020304" pitchFamily="18" charset="0"/>
-                  </a:rPr>
-                  <a:t>Before any query request</a:t>
-                </a:r>
-                <a:endParaRPr lang="en-US" sz="2800" b="1" dirty="0">
-                  <a:latin typeface="Times New Roman" panose="02020603050405020304" pitchFamily="18" charset="0"/>
-                  <a:cs typeface="Times New Roman" panose="02020603050405020304" pitchFamily="18" charset="0"/>
-                </a:endParaRPr>
-              </a:p>
-              <a:p>
-                <a:pPr lvl="2" indent="-342900"/>
-                <a:r>
-                  <a:rPr lang="en-US" sz="2800" dirty="0" smtClean="0">
-                    <a:latin typeface="Times New Roman" panose="02020603050405020304" pitchFamily="18" charset="0"/>
-                    <a:cs typeface="Times New Roman" panose="02020603050405020304" pitchFamily="18" charset="0"/>
-                  </a:rPr>
-                  <a:t>Query-independent Data Structure Construction:</a:t>
-                </a:r>
-              </a:p>
-              <a:p>
-                <a:pPr marL="800100" lvl="2" indent="0">
-                  <a:buNone/>
-                </a:pPr>
-                <a:r>
-                  <a:rPr lang="en-US" sz="2800" dirty="0" smtClean="0">
-                    <a:latin typeface="Times New Roman" panose="02020603050405020304" pitchFamily="18" charset="0"/>
-                    <a:cs typeface="Times New Roman" panose="02020603050405020304" pitchFamily="18" charset="0"/>
-                  </a:rPr>
-                  <a:t>	   A preprocessing procedure is performed on the entire </a:t>
-                </a:r>
-              </a:p>
-              <a:p>
-                <a:pPr marL="800100" lvl="2" indent="0">
-                  <a:buNone/>
-                </a:pPr>
-                <a:r>
-                  <a:rPr lang="en-US" sz="2800" dirty="0">
-                    <a:latin typeface="Times New Roman" panose="02020603050405020304" pitchFamily="18" charset="0"/>
-                    <a:cs typeface="Times New Roman" panose="02020603050405020304" pitchFamily="18" charset="0"/>
-                  </a:rPr>
-                  <a:t>i</a:t>
-                </a:r>
-                <a:r>
-                  <a:rPr lang="en-US" sz="2800" dirty="0" smtClean="0">
-                    <a:latin typeface="Times New Roman" panose="02020603050405020304" pitchFamily="18" charset="0"/>
-                    <a:cs typeface="Times New Roman" panose="02020603050405020304" pitchFamily="18" charset="0"/>
-                  </a:rPr>
-                  <a:t>tem vectors </a:t>
-                </a:r>
-                <a14:m>
-                  <m:oMath xmlns:m="http://schemas.openxmlformats.org/officeDocument/2006/math">
-                    <m:r>
-                      <m:rPr>
-                        <m:sty m:val="p"/>
-                      </m:rPr>
-                      <a:rPr lang="en-US" sz="2800" i="1">
-                        <a:latin typeface="Cambria Math" charset="0"/>
-                        <a:cs typeface="Times New Roman" panose="02020603050405020304" pitchFamily="18" charset="0"/>
-                      </a:rPr>
-                      <m:t>Y</m:t>
-                    </m:r>
-                  </m:oMath>
-                </a14:m>
-                <a:r>
-                  <a:rPr lang="en-US" sz="3000" dirty="0" smtClean="0">
-                    <a:latin typeface="Times New Roman" panose="02020603050405020304" pitchFamily="18" charset="0"/>
-                    <a:cs typeface="Times New Roman" panose="02020603050405020304" pitchFamily="18" charset="0"/>
-                  </a:rPr>
-                  <a:t> to construct a data structure </a:t>
-                </a:r>
-                <a14:m>
-                  <m:oMath xmlns:m="http://schemas.openxmlformats.org/officeDocument/2006/math">
-                    <m:r>
-                      <a:rPr lang="vi-VN" sz="3000" b="0" i="1" dirty="0" smtClean="0">
-                        <a:latin typeface="Cambria Math" charset="0"/>
-                        <a:cs typeface="Times New Roman" panose="02020603050405020304" pitchFamily="18" charset="0"/>
-                      </a:rPr>
-                      <m:t>𝐷</m:t>
-                    </m:r>
-                  </m:oMath>
-                </a14:m>
-                <a:r>
-                  <a:rPr lang="en-US" sz="3000" dirty="0" smtClean="0">
-                    <a:latin typeface="Times New Roman" panose="02020603050405020304" pitchFamily="18" charset="0"/>
-                    <a:cs typeface="Times New Roman" panose="02020603050405020304" pitchFamily="18" charset="0"/>
-                  </a:rPr>
-                  <a:t> to store information about </a:t>
-                </a:r>
-                <a14:m>
-                  <m:oMath xmlns:m="http://schemas.openxmlformats.org/officeDocument/2006/math">
-                    <m:r>
-                      <a:rPr lang="vi-VN" sz="3000" b="0" i="1" smtClean="0">
-                        <a:latin typeface="Cambria Math" charset="0"/>
-                        <a:cs typeface="Times New Roman" panose="02020603050405020304" pitchFamily="18" charset="0"/>
-                      </a:rPr>
-                      <m:t>𝑌</m:t>
-                    </m:r>
-                    <m:r>
-                      <a:rPr lang="vi-VN" sz="3000" b="0" i="1" smtClean="0">
-                        <a:latin typeface="Cambria Math" charset="0"/>
-                        <a:cs typeface="Times New Roman" panose="02020603050405020304" pitchFamily="18" charset="0"/>
-                      </a:rPr>
-                      <m:t>.</m:t>
-                    </m:r>
-                  </m:oMath>
-                </a14:m>
-                <a:endParaRPr lang="en-US" sz="3000" b="0" dirty="0" smtClean="0">
-                  <a:latin typeface="Times New Roman" panose="02020603050405020304" pitchFamily="18" charset="0"/>
-                  <a:cs typeface="Times New Roman" panose="02020603050405020304" pitchFamily="18" charset="0"/>
-                </a:endParaRPr>
-              </a:p>
-              <a:p>
-                <a:pPr marL="800100" lvl="2" indent="0">
-                  <a:buNone/>
-                </a:pPr>
-                <a:endParaRPr lang="en-US" sz="3000" b="0" dirty="0" smtClean="0">
-                  <a:latin typeface="Times New Roman" panose="02020603050405020304" pitchFamily="18" charset="0"/>
-                  <a:cs typeface="Times New Roman" panose="02020603050405020304" pitchFamily="18" charset="0"/>
-                </a:endParaRPr>
-              </a:p>
-              <a:p>
-                <a:pPr marL="971550" lvl="1" indent="-571500">
-                  <a:buFont typeface="+mj-lt"/>
-                  <a:buAutoNum type="romanUcPeriod"/>
-                </a:pPr>
-                <a:r>
-                  <a:rPr lang="en-US" sz="2800" dirty="0" smtClean="0">
-                    <a:latin typeface="Times New Roman" panose="02020603050405020304" pitchFamily="18" charset="0"/>
-                    <a:cs typeface="Times New Roman" panose="02020603050405020304" pitchFamily="18" charset="0"/>
-                  </a:rPr>
-                  <a:t>Given </a:t>
-                </a:r>
-                <a:r>
-                  <a:rPr lang="en-US" sz="2800" dirty="0">
-                    <a:latin typeface="Times New Roman" panose="02020603050405020304" pitchFamily="18" charset="0"/>
-                    <a:cs typeface="Times New Roman" panose="02020603050405020304" pitchFamily="18" charset="0"/>
-                  </a:rPr>
-                  <a:t>a query </a:t>
-                </a:r>
-                <a14:m>
-                  <m:oMath xmlns:m="http://schemas.openxmlformats.org/officeDocument/2006/math">
-                    <m:sSub>
-                      <m:sSubPr>
-                        <m:ctrlPr>
-                          <a:rPr lang="en-US" sz="2800" i="1">
-                            <a:latin typeface="Cambria Math" panose="02040503050406030204" pitchFamily="18" charset="0"/>
-                            <a:cs typeface="Times New Roman" panose="02020603050405020304" pitchFamily="18" charset="0"/>
-                          </a:rPr>
-                        </m:ctrlPr>
-                      </m:sSubPr>
-                      <m:e>
-                        <m:r>
-                          <a:rPr lang="en-US" sz="2800" b="0" i="1">
-                            <a:latin typeface="Cambria Math" panose="02040503050406030204" pitchFamily="18" charset="0"/>
-                            <a:cs typeface="Times New Roman" panose="02020603050405020304" pitchFamily="18" charset="0"/>
-                          </a:rPr>
-                          <m:t>𝑥</m:t>
-                        </m:r>
-                      </m:e>
-                      <m:sub>
-                        <m:r>
-                          <a:rPr lang="en-US" sz="2800" b="0" i="1">
-                            <a:latin typeface="Cambria Math" panose="02040503050406030204" pitchFamily="18" charset="0"/>
-                            <a:cs typeface="Times New Roman" panose="02020603050405020304" pitchFamily="18" charset="0"/>
-                          </a:rPr>
-                          <m:t>𝑢</m:t>
-                        </m:r>
-                      </m:sub>
-                    </m:sSub>
-                  </m:oMath>
-                </a14:m>
-                <a:r>
-                  <a:rPr lang="en-US" sz="2800" dirty="0">
-                    <a:latin typeface="Times New Roman" panose="02020603050405020304" pitchFamily="18" charset="0"/>
-                    <a:cs typeface="Times New Roman" panose="02020603050405020304" pitchFamily="18" charset="0"/>
-                  </a:rPr>
-                  <a:t>, there are two necessary steps</a:t>
-                </a:r>
-                <a:r>
-                  <a:rPr lang="en-US" sz="2800" dirty="0" smtClean="0">
-                    <a:latin typeface="Times New Roman" panose="02020603050405020304" pitchFamily="18" charset="0"/>
-                    <a:cs typeface="Times New Roman" panose="02020603050405020304" pitchFamily="18" charset="0"/>
-                  </a:rPr>
-                  <a:t>:</a:t>
-                </a:r>
-                <a:endParaRPr lang="en-US" sz="2800" dirty="0">
-                  <a:latin typeface="Times New Roman" panose="02020603050405020304" pitchFamily="18" charset="0"/>
-                  <a:cs typeface="Times New Roman" panose="02020603050405020304" pitchFamily="18" charset="0"/>
-                </a:endParaRPr>
-              </a:p>
-              <a:p>
-                <a:pPr marL="1314450" lvl="2" indent="-514350">
-                  <a:buFont typeface="+mj-lt"/>
-                  <a:buAutoNum type="arabicPeriod"/>
-                </a:pPr>
-                <a:r>
-                  <a:rPr lang="en-US" sz="2600" b="1" dirty="0">
-                    <a:latin typeface="Times New Roman" panose="02020603050405020304" pitchFamily="18" charset="0"/>
-                    <a:cs typeface="Times New Roman" panose="02020603050405020304" pitchFamily="18" charset="0"/>
-                  </a:rPr>
-                  <a:t>Query-dependent preprocessing: </a:t>
-                </a:r>
-              </a:p>
-              <a:p>
-                <a:pPr marL="1257300" lvl="3" indent="0">
-                  <a:buNone/>
-                </a:pPr>
-                <a:r>
-                  <a:rPr lang="en-US" sz="2400" dirty="0">
-                    <a:latin typeface="Times New Roman" panose="02020603050405020304" pitchFamily="18" charset="0"/>
-                    <a:cs typeface="Times New Roman" panose="02020603050405020304" pitchFamily="18" charset="0"/>
-                  </a:rPr>
-                  <a:t>A pre-processing procedure </a:t>
-                </a:r>
-                <a:r>
-                  <a:rPr lang="en-US" sz="2400" dirty="0" smtClean="0">
-                    <a:latin typeface="Times New Roman" panose="02020603050405020304" pitchFamily="18" charset="0"/>
-                    <a:cs typeface="Times New Roman" panose="02020603050405020304" pitchFamily="18" charset="0"/>
-                  </a:rPr>
-                  <a:t>for </a:t>
-                </a:r>
-                <a:r>
-                  <a:rPr lang="en-US" sz="2400" dirty="0">
-                    <a:latin typeface="Times New Roman" panose="02020603050405020304" pitchFamily="18" charset="0"/>
-                    <a:cs typeface="Times New Roman" panose="02020603050405020304" pitchFamily="18" charset="0"/>
-                  </a:rPr>
-                  <a:t>the query. </a:t>
-                </a:r>
-                <a:r>
-                  <a:rPr lang="en-US" sz="2400" b="1" dirty="0">
-                    <a:latin typeface="Times New Roman" panose="02020603050405020304" pitchFamily="18" charset="0"/>
-                    <a:cs typeface="Times New Roman" panose="02020603050405020304" pitchFamily="18" charset="0"/>
-                  </a:rPr>
-                  <a:t> </a:t>
-                </a:r>
-              </a:p>
-              <a:p>
-                <a:pPr marL="800100" lvl="2" indent="0">
-                  <a:buNone/>
-                </a:pPr>
-                <a:endParaRPr lang="en-US" sz="3000" dirty="0" smtClean="0">
-                  <a:latin typeface="Times New Roman" panose="02020603050405020304" pitchFamily="18" charset="0"/>
-                  <a:cs typeface="Times New Roman" panose="02020603050405020304" pitchFamily="18" charset="0"/>
-                </a:endParaRPr>
-              </a:p>
-            </p:txBody>
-          </p:sp>
-        </mc:Choice>
-        <mc:Fallback xmlns="">
-          <p:sp>
-            <p:nvSpPr>
-              <p:cNvPr id="18" name="Content Placeholder 2"/>
-              <p:cNvSpPr>
-                <a:spLocks noGrp="1" noRot="1" noChangeAspect="1" noMove="1" noResize="1" noEditPoints="1" noAdjustHandles="1" noChangeArrowheads="1" noChangeShapeType="1" noTextEdit="1"/>
-              </p:cNvSpPr>
-              <p:nvPr>
-                <p:ph idx="1"/>
-              </p:nvPr>
-            </p:nvSpPr>
-            <p:spPr>
-              <a:xfrm>
-                <a:off x="0" y="1289361"/>
-                <a:ext cx="8991600" cy="5121402"/>
-              </a:xfrm>
-              <a:blipFill rotWithShape="0">
-                <a:blip r:embed="rId2"/>
-                <a:stretch>
-                  <a:fillRect t="-1310" r="-1898"/>
-                </a:stretch>
-              </a:blipFill>
-            </p:spPr>
-            <p:txBody>
-              <a:bodyPr/>
-              <a:lstStyle/>
-              <a:p>
-                <a:r>
-                  <a:rPr lang="en-SG">
-                    <a:noFill/>
-                  </a:rPr>
-                  <a:t> </a:t>
-                </a:r>
-              </a:p>
-            </p:txBody>
-          </p:sp>
-        </mc:Fallback>
-      </mc:AlternateContent>
-      <p:sp>
-        <p:nvSpPr>
-          <p:cNvPr id="3" name="Slide Number Placeholder 2"/>
-          <p:cNvSpPr>
-            <a:spLocks noGrp="1"/>
-          </p:cNvSpPr>
-          <p:nvPr>
-            <p:ph type="sldNum" sz="quarter" idx="12"/>
-          </p:nvPr>
-        </p:nvSpPr>
-        <p:spPr/>
-        <p:txBody>
-          <a:bodyPr/>
-          <a:lstStyle/>
-          <a:p>
-            <a:pPr>
-              <a:defRPr/>
-            </a:pPr>
-            <a:fld id="{0C1A19D8-1474-485E-AF0B-775079405AF1}" type="slidenum">
-              <a:rPr lang="en-US" altLang="en-US" smtClean="0"/>
-              <a:pPr>
-                <a:defRPr/>
-              </a:pPr>
-              <a:t>27</a:t>
-            </a:fld>
-            <a:endParaRPr lang="en-US" altLang="en-US" dirty="0"/>
-          </a:p>
-        </p:txBody>
-      </p:sp>
-    </p:spTree>
-    <p:extLst>
-      <p:ext uri="{BB962C8B-B14F-4D97-AF65-F5344CB8AC3E}">
-        <p14:creationId xmlns:p14="http://schemas.microsoft.com/office/powerpoint/2010/main" val="2022171261"/>
-      </p:ext>
-    </p:extLst>
-  </p:cSld>
-  <p:clrMapOvr>
-    <a:masterClrMapping/>
-  </p:clrMapOvr>
-  <p:timing>
-    <p:tnLst>
-      <p:par>
-        <p:cTn id="1" dur="indefinite" restart="never" nodeType="tmRoot"/>
-      </p:par>
-    </p:tnLst>
-  </p:timing>
-</p:sld>
-</file>
-
-<file path=ppt/slides/slide28.xml><?xml version="1.0" encoding="utf-8"?>
-<p:sld xmlns:a="http://schemas.openxmlformats.org/drawingml/2006/main" xmlns:r="http://schemas.openxmlformats.org/officeDocument/2006/relationships" xmlns:p="http://schemas.openxmlformats.org/presentationml/2006/main">
-  <p:cSld>
-    <p:spTree>
-      <p:nvGrpSpPr>
-        <p:cNvPr id="1" name=""/>
-        <p:cNvGrpSpPr/>
-        <p:nvPr/>
-      </p:nvGrpSpPr>
-      <p:grpSpPr>
-        <a:xfrm>
-          <a:off x="0" y="0"/>
-          <a:ext cx="0" cy="0"/>
-          <a:chOff x="0" y="0"/>
-          <a:chExt cx="0" cy="0"/>
-        </a:xfrm>
-      </p:grpSpPr>
-      <p:sp>
-        <p:nvSpPr>
-          <p:cNvPr id="2" name="Title 1"/>
-          <p:cNvSpPr>
-            <a:spLocks noGrp="1"/>
-          </p:cNvSpPr>
-          <p:nvPr>
-            <p:ph type="title"/>
-          </p:nvPr>
-        </p:nvSpPr>
-        <p:spPr>
-          <a:xfrm>
-            <a:off x="152400" y="278993"/>
-            <a:ext cx="6883773" cy="523220"/>
-          </a:xfrm>
-        </p:spPr>
-        <p:txBody>
-          <a:bodyPr/>
-          <a:lstStyle/>
-          <a:p>
-            <a:r>
-              <a:rPr lang="en-US" sz="2800" dirty="0">
-                <a:latin typeface="Times New Roman" panose="02020603050405020304" pitchFamily="18" charset="0"/>
-                <a:cs typeface="Times New Roman" panose="02020603050405020304" pitchFamily="18" charset="0"/>
-              </a:rPr>
-              <a:t>Essential Components for a </a:t>
-            </a:r>
-            <a:r>
-              <a:rPr lang="en-US" sz="2800" dirty="0" smtClean="0">
-                <a:latin typeface="Times New Roman" panose="02020603050405020304" pitchFamily="18" charset="0"/>
-                <a:cs typeface="Times New Roman" panose="02020603050405020304" pitchFamily="18" charset="0"/>
-              </a:rPr>
-              <a:t>Fast MIPS</a:t>
-            </a:r>
-            <a:endParaRPr lang="en-SG" sz="2800" dirty="0">
-              <a:latin typeface="Times New Roman" panose="02020603050405020304" pitchFamily="18" charset="0"/>
-              <a:cs typeface="Times New Roman" panose="02020603050405020304" pitchFamily="18" charset="0"/>
-            </a:endParaRPr>
-          </a:p>
-        </p:txBody>
-      </p:sp>
-      <p:sp>
-        <p:nvSpPr>
-          <p:cNvPr id="5" name="Footer Placeholder 4"/>
-          <p:cNvSpPr>
-            <a:spLocks noGrp="1"/>
-          </p:cNvSpPr>
-          <p:nvPr>
-            <p:ph type="ftr" sz="quarter" idx="11"/>
-          </p:nvPr>
-        </p:nvSpPr>
-        <p:spPr/>
-        <p:txBody>
-          <a:bodyPr/>
-          <a:lstStyle/>
-          <a:p>
-            <a:pPr>
-              <a:defRPr/>
-            </a:pPr>
-            <a:r>
-              <a:rPr lang="en-US" altLang="en-US" dirty="0">
-                <a:latin typeface="Times New Roman" panose="02020603050405020304" pitchFamily="18" charset="0"/>
-                <a:cs typeface="Times New Roman" panose="02020603050405020304" pitchFamily="18" charset="0"/>
-              </a:rPr>
-              <a:t>Dung &amp; Hady: Scalable Recommendation Retrieval</a:t>
-            </a:r>
-          </a:p>
-        </p:txBody>
-      </p:sp>
-      <mc:AlternateContent xmlns:mc="http://schemas.openxmlformats.org/markup-compatibility/2006" xmlns:a14="http://schemas.microsoft.com/office/drawing/2010/main">
-        <mc:Choice Requires="a14">
-          <p:sp>
-            <p:nvSpPr>
-              <p:cNvPr id="18" name="Content Placeholder 2"/>
-              <p:cNvSpPr>
-                <a:spLocks noGrp="1"/>
-              </p:cNvSpPr>
-              <p:nvPr>
-                <p:ph idx="1"/>
-              </p:nvPr>
-            </p:nvSpPr>
-            <p:spPr>
-              <a:xfrm>
-                <a:off x="152400" y="1292554"/>
-                <a:ext cx="8991600" cy="5336846"/>
-              </a:xfrm>
-            </p:spPr>
-            <p:txBody>
-              <a:bodyPr/>
-              <a:lstStyle/>
-              <a:p>
-                <a:pPr marL="857250" lvl="1" indent="-457200">
-                  <a:buFont typeface="+mj-lt"/>
-                  <a:buAutoNum type="arabicPeriod"/>
-                </a:pPr>
-                <a:r>
-                  <a:rPr lang="en-US" sz="2800" b="1" dirty="0" smtClean="0">
-                    <a:latin typeface="Times New Roman" panose="02020603050405020304" pitchFamily="18" charset="0"/>
-                    <a:cs typeface="Times New Roman" panose="02020603050405020304" pitchFamily="18" charset="0"/>
-                  </a:rPr>
-                  <a:t>Candidate </a:t>
-                </a:r>
-                <a:r>
-                  <a:rPr lang="en-US" sz="2800" b="1" dirty="0">
-                    <a:latin typeface="Times New Roman" panose="02020603050405020304" pitchFamily="18" charset="0"/>
-                    <a:cs typeface="Times New Roman" panose="02020603050405020304" pitchFamily="18" charset="0"/>
-                  </a:rPr>
-                  <a:t>Screening</a:t>
-                </a:r>
-              </a:p>
-              <a:p>
-                <a:pPr lvl="2" indent="-342900"/>
-                <a:r>
-                  <a:rPr lang="en-US" sz="2800" dirty="0">
-                    <a:latin typeface="Times New Roman" panose="02020603050405020304" pitchFamily="18" charset="0"/>
-                    <a:cs typeface="Times New Roman" panose="02020603050405020304" pitchFamily="18" charset="0"/>
-                  </a:rPr>
-                  <a:t>An efficient procedure is performed to filter candidates </a:t>
-                </a:r>
-                <a14:m>
-                  <m:oMath xmlns:m="http://schemas.openxmlformats.org/officeDocument/2006/math">
-                    <m:sSub>
-                      <m:sSubPr>
-                        <m:ctrlPr>
-                          <a:rPr lang="en-US" sz="2800" b="0" i="1" smtClean="0">
-                            <a:latin typeface="Cambria Math" panose="02040503050406030204" pitchFamily="18" charset="0"/>
-                            <a:cs typeface="Times New Roman" panose="02020603050405020304" pitchFamily="18" charset="0"/>
-                          </a:rPr>
-                        </m:ctrlPr>
-                      </m:sSubPr>
-                      <m:e>
-                        <m:r>
-                          <a:rPr lang="en-US" sz="2800" b="0" i="1" smtClean="0">
-                            <a:latin typeface="Cambria Math" panose="02040503050406030204" pitchFamily="18" charset="0"/>
-                            <a:cs typeface="Times New Roman" panose="02020603050405020304" pitchFamily="18" charset="0"/>
-                          </a:rPr>
-                          <m:t>𝐶</m:t>
-                        </m:r>
-                      </m:e>
-                      <m:sub>
-                        <m:r>
-                          <a:rPr lang="en-US" sz="2800" b="0" i="1" smtClean="0">
-                            <a:latin typeface="Cambria Math" panose="02040503050406030204" pitchFamily="18" charset="0"/>
-                            <a:cs typeface="Times New Roman" panose="02020603050405020304" pitchFamily="18" charset="0"/>
-                          </a:rPr>
-                          <m:t>𝑢</m:t>
-                        </m:r>
-                      </m:sub>
-                    </m:sSub>
-                  </m:oMath>
-                </a14:m>
-                <a:r>
-                  <a:rPr lang="en-US" sz="2800" dirty="0">
-                    <a:latin typeface="Times New Roman" panose="02020603050405020304" pitchFamily="18" charset="0"/>
-                    <a:cs typeface="Times New Roman" panose="02020603050405020304" pitchFamily="18" charset="0"/>
-                  </a:rPr>
-                  <a:t>.</a:t>
-                </a:r>
-              </a:p>
-              <a:p>
-                <a:pPr lvl="2" indent="-342900"/>
-                <a14:m>
-                  <m:oMath xmlns:m="http://schemas.openxmlformats.org/officeDocument/2006/math">
-                    <m:d>
-                      <m:dPr>
-                        <m:begChr m:val="|"/>
-                        <m:endChr m:val="|"/>
-                        <m:ctrlPr>
-                          <a:rPr lang="en-US" sz="2800" b="0" i="1" smtClean="0">
-                            <a:latin typeface="Cambria Math" panose="02040503050406030204" pitchFamily="18" charset="0"/>
-                            <a:cs typeface="Times New Roman" panose="02020603050405020304" pitchFamily="18" charset="0"/>
-                          </a:rPr>
-                        </m:ctrlPr>
-                      </m:dPr>
-                      <m:e>
-                        <m:sSub>
-                          <m:sSubPr>
-                            <m:ctrlPr>
-                              <a:rPr lang="en-US" sz="2800" b="0" i="1" smtClean="0">
-                                <a:latin typeface="Cambria Math" panose="02040503050406030204" pitchFamily="18" charset="0"/>
-                                <a:cs typeface="Times New Roman" panose="02020603050405020304" pitchFamily="18" charset="0"/>
-                              </a:rPr>
-                            </m:ctrlPr>
-                          </m:sSubPr>
-                          <m:e>
-                            <m:r>
-                              <m:rPr>
-                                <m:sty m:val="p"/>
-                              </m:rPr>
-                              <a:rPr lang="en-US" sz="2800" b="0" i="0" smtClean="0">
-                                <a:latin typeface="Cambria Math" panose="02040503050406030204" pitchFamily="18" charset="0"/>
-                                <a:cs typeface="Times New Roman" panose="02020603050405020304" pitchFamily="18" charset="0"/>
-                              </a:rPr>
-                              <m:t>C</m:t>
-                            </m:r>
-                          </m:e>
-                          <m:sub>
-                            <m:r>
-                              <m:rPr>
-                                <m:sty m:val="p"/>
-                              </m:rPr>
-                              <a:rPr lang="en-US" sz="2800" b="0" i="0" smtClean="0">
-                                <a:latin typeface="Cambria Math" panose="02040503050406030204" pitchFamily="18" charset="0"/>
-                                <a:cs typeface="Times New Roman" panose="02020603050405020304" pitchFamily="18" charset="0"/>
-                              </a:rPr>
-                              <m:t>u</m:t>
-                            </m:r>
-                          </m:sub>
-                        </m:sSub>
-                      </m:e>
-                    </m:d>
-                    <m:r>
-                      <a:rPr lang="en-US" sz="2800" b="0" i="0" smtClean="0">
-                        <a:latin typeface="Cambria Math" panose="02040503050406030204" pitchFamily="18" charset="0"/>
-                        <a:cs typeface="Times New Roman" panose="02020603050405020304" pitchFamily="18" charset="0"/>
-                      </a:rPr>
-                      <m:t>&lt;</m:t>
-                    </m:r>
-                    <m:r>
-                      <m:rPr>
-                        <m:sty m:val="p"/>
-                      </m:rPr>
-                      <a:rPr lang="en-US" sz="2800" b="0" i="0" smtClean="0">
-                        <a:latin typeface="Cambria Math" panose="02040503050406030204" pitchFamily="18" charset="0"/>
-                        <a:cs typeface="Times New Roman" panose="02020603050405020304" pitchFamily="18" charset="0"/>
-                      </a:rPr>
-                      <m:t>n</m:t>
-                    </m:r>
-                  </m:oMath>
-                </a14:m>
-                <a:endParaRPr lang="en-US" sz="3000" b="1" dirty="0" smtClean="0">
-                  <a:latin typeface="Times New Roman" panose="02020603050405020304" pitchFamily="18" charset="0"/>
-                  <a:cs typeface="Times New Roman" panose="02020603050405020304" pitchFamily="18" charset="0"/>
-                </a:endParaRPr>
-              </a:p>
-              <a:p>
-                <a:pPr lvl="2" indent="-342900"/>
-                <a:endParaRPr lang="en-US" sz="3000" b="1" dirty="0">
-                  <a:latin typeface="Times New Roman" panose="02020603050405020304" pitchFamily="18" charset="0"/>
-                  <a:cs typeface="Times New Roman" panose="02020603050405020304" pitchFamily="18" charset="0"/>
-                </a:endParaRPr>
-              </a:p>
-              <a:p>
-                <a:pPr marL="914400" lvl="1" indent="-514350">
-                  <a:buFont typeface="+mj-lt"/>
-                  <a:buAutoNum type="arabicPeriod"/>
-                </a:pPr>
-                <a:r>
-                  <a:rPr lang="en-US" sz="2800" b="1" dirty="0">
-                    <a:latin typeface="Times New Roman" panose="02020603050405020304" pitchFamily="18" charset="0"/>
-                    <a:cs typeface="Times New Roman" panose="02020603050405020304" pitchFamily="18" charset="0"/>
-                  </a:rPr>
-                  <a:t>Candidate Ranking</a:t>
-                </a:r>
-              </a:p>
-              <a:p>
-                <a:pPr lvl="2" indent="-342900"/>
-                <a:r>
-                  <a:rPr lang="en-US" sz="2800" dirty="0">
-                    <a:latin typeface="Times New Roman" panose="02020603050405020304" pitchFamily="18" charset="0"/>
-                    <a:cs typeface="Times New Roman" panose="02020603050405020304" pitchFamily="18" charset="0"/>
-                  </a:rPr>
-                  <a:t>An exact ranking is performed on the selected candidates </a:t>
-                </a:r>
-                <a14:m>
-                  <m:oMath xmlns:m="http://schemas.openxmlformats.org/officeDocument/2006/math">
-                    <m:sSub>
-                      <m:sSubPr>
-                        <m:ctrlPr>
-                          <a:rPr lang="en-US" sz="2800" b="0" i="1" smtClean="0">
-                            <a:latin typeface="Cambria Math" panose="02040503050406030204" pitchFamily="18" charset="0"/>
-                            <a:cs typeface="Times New Roman" panose="02020603050405020304" pitchFamily="18" charset="0"/>
-                          </a:rPr>
-                        </m:ctrlPr>
-                      </m:sSubPr>
-                      <m:e>
-                        <m:r>
-                          <a:rPr lang="en-US" sz="2800" b="0" i="1" smtClean="0">
-                            <a:latin typeface="Cambria Math" panose="02040503050406030204" pitchFamily="18" charset="0"/>
-                            <a:cs typeface="Times New Roman" panose="02020603050405020304" pitchFamily="18" charset="0"/>
-                          </a:rPr>
-                          <m:t>𝐶</m:t>
-                        </m:r>
-                      </m:e>
-                      <m:sub>
-                        <m:r>
-                          <a:rPr lang="en-US" sz="2800" b="0" i="1" smtClean="0">
-                            <a:latin typeface="Cambria Math" panose="02040503050406030204" pitchFamily="18" charset="0"/>
-                            <a:cs typeface="Times New Roman" panose="02020603050405020304" pitchFamily="18" charset="0"/>
-                          </a:rPr>
-                          <m:t>𝑢</m:t>
-                        </m:r>
-                      </m:sub>
-                    </m:sSub>
-                  </m:oMath>
-                </a14:m>
-                <a:r>
-                  <a:rPr lang="en-US" sz="2800" dirty="0">
-                    <a:latin typeface="Times New Roman" panose="02020603050405020304" pitchFamily="18" charset="0"/>
-                    <a:cs typeface="Times New Roman" panose="02020603050405020304" pitchFamily="18" charset="0"/>
-                  </a:rPr>
-                  <a:t>.</a:t>
-                </a:r>
-              </a:p>
-              <a:p>
-                <a:pPr lvl="2" indent="-342900"/>
-                <a:r>
-                  <a:rPr lang="en-US" sz="2800" dirty="0">
-                    <a:latin typeface="Times New Roman" panose="02020603050405020304" pitchFamily="18" charset="0"/>
-                    <a:cs typeface="Times New Roman" panose="02020603050405020304" pitchFamily="18" charset="0"/>
-                  </a:rPr>
-                  <a:t>Time complexity:  </a:t>
-                </a:r>
-                <a14:m>
-                  <m:oMath xmlns:m="http://schemas.openxmlformats.org/officeDocument/2006/math">
-                    <m:r>
-                      <a:rPr lang="en-US" sz="2800" i="1">
-                        <a:latin typeface="Cambria Math" panose="02040503050406030204" pitchFamily="18" charset="0"/>
-                      </a:rPr>
-                      <m:t>𝑂</m:t>
-                    </m:r>
-                    <m:d>
-                      <m:dPr>
-                        <m:ctrlPr>
-                          <a:rPr lang="en-US" sz="2800" i="1">
-                            <a:latin typeface="Cambria Math" panose="02040503050406030204" pitchFamily="18" charset="0"/>
-                          </a:rPr>
-                        </m:ctrlPr>
-                      </m:dPr>
-                      <m:e>
-                        <m:d>
-                          <m:dPr>
-                            <m:begChr m:val="|"/>
-                            <m:endChr m:val="|"/>
-                            <m:ctrlPr>
-                              <a:rPr lang="en-US" sz="2800" b="0" i="1" smtClean="0">
-                                <a:latin typeface="Cambria Math" panose="02040503050406030204" pitchFamily="18" charset="0"/>
-                              </a:rPr>
-                            </m:ctrlPr>
-                          </m:dPr>
-                          <m:e>
-                            <m:sSub>
-                              <m:sSubPr>
-                                <m:ctrlPr>
-                                  <a:rPr lang="en-US" sz="2800" b="0" i="1" smtClean="0">
-                                    <a:latin typeface="Cambria Math" panose="02040503050406030204" pitchFamily="18" charset="0"/>
-                                  </a:rPr>
-                                </m:ctrlPr>
-                              </m:sSubPr>
-                              <m:e>
-                                <m:r>
-                                  <a:rPr lang="en-US" sz="2800" b="0" i="1" smtClean="0">
-                                    <a:latin typeface="Cambria Math" panose="02040503050406030204" pitchFamily="18" charset="0"/>
-                                  </a:rPr>
-                                  <m:t>𝐶</m:t>
-                                </m:r>
-                              </m:e>
-                              <m:sub>
-                                <m:r>
-                                  <a:rPr lang="en-US" sz="2800" b="0" i="1" smtClean="0">
-                                    <a:latin typeface="Cambria Math" panose="02040503050406030204" pitchFamily="18" charset="0"/>
-                                  </a:rPr>
-                                  <m:t>𝑢</m:t>
-                                </m:r>
-                              </m:sub>
-                            </m:sSub>
-                          </m:e>
-                        </m:d>
-                        <m:r>
-                          <a:rPr lang="en-US" sz="2800" i="1">
-                            <a:latin typeface="Cambria Math" panose="02040503050406030204" pitchFamily="18" charset="0"/>
-                          </a:rPr>
-                          <m:t>×</m:t>
-                        </m:r>
-                        <m:r>
-                          <a:rPr lang="en-US" sz="2800" i="1">
-                            <a:latin typeface="Cambria Math" panose="02040503050406030204" pitchFamily="18" charset="0"/>
-                          </a:rPr>
-                          <m:t>𝑘</m:t>
-                        </m:r>
-                        <m:r>
-                          <a:rPr lang="en-US" sz="2800" i="1">
-                            <a:latin typeface="Cambria Math" panose="02040503050406030204" pitchFamily="18" charset="0"/>
-                          </a:rPr>
-                          <m:t>+</m:t>
-                        </m:r>
-                        <m:d>
-                          <m:dPr>
-                            <m:begChr m:val="|"/>
-                            <m:endChr m:val="|"/>
-                            <m:ctrlPr>
-                              <a:rPr lang="en-US" sz="2800" b="0" i="1" smtClean="0">
-                                <a:latin typeface="Cambria Math" panose="02040503050406030204" pitchFamily="18" charset="0"/>
-                              </a:rPr>
-                            </m:ctrlPr>
-                          </m:dPr>
-                          <m:e>
-                            <m:sSub>
-                              <m:sSubPr>
-                                <m:ctrlPr>
-                                  <a:rPr lang="en-US" sz="2800" b="0" i="1" smtClean="0">
-                                    <a:latin typeface="Cambria Math" panose="02040503050406030204" pitchFamily="18" charset="0"/>
-                                  </a:rPr>
-                                </m:ctrlPr>
-                              </m:sSubPr>
-                              <m:e>
-                                <m:r>
-                                  <a:rPr lang="en-US" sz="2800" b="0" i="1" smtClean="0">
-                                    <a:latin typeface="Cambria Math" panose="02040503050406030204" pitchFamily="18" charset="0"/>
-                                  </a:rPr>
-                                  <m:t>𝐶</m:t>
-                                </m:r>
-                              </m:e>
-                              <m:sub>
-                                <m:r>
-                                  <a:rPr lang="en-US" sz="2800" b="0" i="1" smtClean="0">
-                                    <a:latin typeface="Cambria Math" panose="02040503050406030204" pitchFamily="18" charset="0"/>
-                                  </a:rPr>
-                                  <m:t>𝑢</m:t>
-                                </m:r>
-                              </m:sub>
-                            </m:sSub>
-                          </m:e>
-                        </m:d>
-                        <m:r>
-                          <a:rPr lang="en-US" sz="2800" i="1">
-                            <a:latin typeface="Cambria Math" panose="02040503050406030204" pitchFamily="18" charset="0"/>
-                          </a:rPr>
-                          <m:t>×</m:t>
-                        </m:r>
-                        <m:func>
-                          <m:funcPr>
-                            <m:ctrlPr>
-                              <a:rPr lang="en-US" sz="2800" i="1">
-                                <a:latin typeface="Cambria Math" panose="02040503050406030204" pitchFamily="18" charset="0"/>
-                              </a:rPr>
-                            </m:ctrlPr>
-                          </m:funcPr>
-                          <m:fName>
-                            <m:r>
-                              <m:rPr>
-                                <m:sty m:val="p"/>
-                              </m:rPr>
-                              <a:rPr lang="en-US" sz="2800">
-                                <a:latin typeface="Cambria Math" panose="02040503050406030204" pitchFamily="18" charset="0"/>
-                              </a:rPr>
-                              <m:t>log</m:t>
-                            </m:r>
-                          </m:fName>
-                          <m:e>
-                            <m:d>
-                              <m:dPr>
-                                <m:ctrlPr>
-                                  <a:rPr lang="en-US" sz="2800" b="0" i="1" smtClean="0">
-                                    <a:latin typeface="Cambria Math" panose="02040503050406030204" pitchFamily="18" charset="0"/>
-                                  </a:rPr>
-                                </m:ctrlPr>
-                              </m:dPr>
-                              <m:e>
-                                <m:d>
-                                  <m:dPr>
-                                    <m:begChr m:val="|"/>
-                                    <m:endChr m:val="|"/>
-                                    <m:ctrlPr>
-                                      <a:rPr lang="en-US" sz="2800" b="0" i="1" smtClean="0">
-                                        <a:latin typeface="Cambria Math" panose="02040503050406030204" pitchFamily="18" charset="0"/>
-                                      </a:rPr>
-                                    </m:ctrlPr>
-                                  </m:dPr>
-                                  <m:e>
-                                    <m:sSub>
-                                      <m:sSubPr>
-                                        <m:ctrlPr>
-                                          <a:rPr lang="en-US" sz="2800" b="0" i="1" smtClean="0">
-                                            <a:latin typeface="Cambria Math" panose="02040503050406030204" pitchFamily="18" charset="0"/>
-                                          </a:rPr>
-                                        </m:ctrlPr>
-                                      </m:sSubPr>
-                                      <m:e>
-                                        <m:r>
-                                          <a:rPr lang="en-US" sz="2800" b="0" i="1" smtClean="0">
-                                            <a:latin typeface="Cambria Math" panose="02040503050406030204" pitchFamily="18" charset="0"/>
-                                          </a:rPr>
-                                          <m:t>𝐶</m:t>
-                                        </m:r>
-                                      </m:e>
-                                      <m:sub>
-                                        <m:r>
-                                          <a:rPr lang="en-US" sz="2800" b="0" i="1" smtClean="0">
-                                            <a:latin typeface="Cambria Math" panose="02040503050406030204" pitchFamily="18" charset="0"/>
-                                          </a:rPr>
-                                          <m:t>𝑢</m:t>
-                                        </m:r>
-                                      </m:sub>
-                                    </m:sSub>
-                                  </m:e>
-                                </m:d>
-                              </m:e>
-                            </m:d>
-                          </m:e>
-                        </m:func>
-                      </m:e>
-                    </m:d>
-                  </m:oMath>
-                </a14:m>
-                <a:endParaRPr lang="en-SG" sz="2400" dirty="0">
-                  <a:latin typeface="Times New Roman" panose="02020603050405020304" pitchFamily="18" charset="0"/>
-                  <a:cs typeface="Times New Roman" panose="02020603050405020304" pitchFamily="18" charset="0"/>
-                </a:endParaRPr>
-              </a:p>
-              <a:p>
-                <a:pPr marL="800100" lvl="2" indent="0">
-                  <a:buNone/>
-                </a:pPr>
-                <a:endParaRPr lang="en-US" sz="2400" dirty="0">
-                  <a:latin typeface="Times New Roman" panose="02020603050405020304" pitchFamily="18" charset="0"/>
-                  <a:cs typeface="Times New Roman" panose="02020603050405020304" pitchFamily="18" charset="0"/>
-                </a:endParaRPr>
-              </a:p>
-              <a:p>
-                <a:pPr marL="1257300" lvl="2" indent="-457200">
-                  <a:buFont typeface="Arial" panose="020B0604020202020204" pitchFamily="34" charset="0"/>
-                  <a:buChar char="•"/>
-                </a:pPr>
-                <a:endParaRPr lang="en-US" sz="1800" dirty="0">
-                  <a:latin typeface="Times New Roman" panose="02020603050405020304" pitchFamily="18" charset="0"/>
-                  <a:cs typeface="Times New Roman" panose="02020603050405020304" pitchFamily="18" charset="0"/>
-                </a:endParaRPr>
-              </a:p>
-            </p:txBody>
-          </p:sp>
-        </mc:Choice>
-        <mc:Fallback xmlns="">
-          <p:sp>
-            <p:nvSpPr>
-              <p:cNvPr id="18" name="Content Placeholder 2"/>
-              <p:cNvSpPr>
-                <a:spLocks noGrp="1" noRot="1" noChangeAspect="1" noMove="1" noResize="1" noEditPoints="1" noAdjustHandles="1" noChangeArrowheads="1" noChangeShapeType="1" noTextEdit="1"/>
-              </p:cNvSpPr>
-              <p:nvPr>
-                <p:ph idx="1"/>
-              </p:nvPr>
-            </p:nvSpPr>
-            <p:spPr>
-              <a:xfrm>
-                <a:off x="152400" y="1292554"/>
-                <a:ext cx="8991600" cy="5336846"/>
-              </a:xfrm>
-              <a:blipFill rotWithShape="0">
-                <a:blip r:embed="rId2"/>
-                <a:stretch>
-                  <a:fillRect t="-1142"/>
-                </a:stretch>
-              </a:blipFill>
-            </p:spPr>
-            <p:txBody>
-              <a:bodyPr/>
-              <a:lstStyle/>
-              <a:p>
-                <a:r>
-                  <a:rPr lang="en-SG">
-                    <a:noFill/>
-                  </a:rPr>
-                  <a:t> </a:t>
-                </a:r>
-              </a:p>
-            </p:txBody>
-          </p:sp>
-        </mc:Fallback>
-      </mc:AlternateContent>
-      <p:sp>
-        <p:nvSpPr>
-          <p:cNvPr id="3" name="Slide Number Placeholder 2"/>
-          <p:cNvSpPr>
-            <a:spLocks noGrp="1"/>
-          </p:cNvSpPr>
-          <p:nvPr>
-            <p:ph type="sldNum" sz="quarter" idx="12"/>
-          </p:nvPr>
-        </p:nvSpPr>
-        <p:spPr/>
-        <p:txBody>
-          <a:bodyPr/>
-          <a:lstStyle/>
-          <a:p>
-            <a:pPr>
-              <a:defRPr/>
-            </a:pPr>
-            <a:fld id="{0C1A19D8-1474-485E-AF0B-775079405AF1}" type="slidenum">
-              <a:rPr lang="en-US" altLang="en-US" smtClean="0"/>
-              <a:pPr>
-                <a:defRPr/>
-              </a:pPr>
-              <a:t>28</a:t>
-            </a:fld>
-            <a:endParaRPr lang="en-US" altLang="en-US"/>
-          </a:p>
-        </p:txBody>
-      </p:sp>
-    </p:spTree>
-    <p:extLst>
-      <p:ext uri="{BB962C8B-B14F-4D97-AF65-F5344CB8AC3E}">
-        <p14:creationId xmlns:p14="http://schemas.microsoft.com/office/powerpoint/2010/main" val="2354673085"/>
-      </p:ext>
-    </p:extLst>
-  </p:cSld>
-  <p:clrMapOvr>
-    <a:masterClrMapping/>
-  </p:clrMapOvr>
-  <p:timing>
-    <p:tnLst>
-      <p:par>
-        <p:cTn id="1" dur="indefinite" restart="never" nodeType="tmRoot"/>
-      </p:par>
-    </p:tnLst>
-  </p:timing>
-</p:sld>
-</file>
-
-<file path=ppt/slides/slide29.xml><?xml version="1.0" encoding="utf-8"?>
-<p:sld xmlns:a="http://schemas.openxmlformats.org/drawingml/2006/main" xmlns:r="http://schemas.openxmlformats.org/officeDocument/2006/relationships" xmlns:p="http://schemas.openxmlformats.org/presentationml/2006/main">
-  <p:cSld>
-    <p:spTree>
-      <p:nvGrpSpPr>
-        <p:cNvPr id="1" name=""/>
-        <p:cNvGrpSpPr/>
-        <p:nvPr/>
-      </p:nvGrpSpPr>
-      <p:grpSpPr>
-        <a:xfrm>
-          <a:off x="0" y="0"/>
-          <a:ext cx="0" cy="0"/>
-          <a:chOff x="0" y="0"/>
-          <a:chExt cx="0" cy="0"/>
-        </a:xfrm>
-      </p:grpSpPr>
-      <p:sp>
-        <p:nvSpPr>
-          <p:cNvPr id="3" name="Text Placeholder 2"/>
-          <p:cNvSpPr>
-            <a:spLocks noGrp="1"/>
-          </p:cNvSpPr>
-          <p:nvPr>
-            <p:ph type="body" idx="1"/>
-          </p:nvPr>
-        </p:nvSpPr>
-        <p:spPr>
-          <a:xfrm>
-            <a:off x="722313" y="3721388"/>
-            <a:ext cx="7772400" cy="523220"/>
-          </a:xfrm>
-        </p:spPr>
-        <p:txBody>
-          <a:bodyPr/>
-          <a:lstStyle/>
-          <a:p>
-            <a:r>
-              <a:rPr lang="en-US" sz="2800" b="1" dirty="0">
-                <a:latin typeface="Times New Roman" panose="02020603050405020304" pitchFamily="18" charset="0"/>
-                <a:cs typeface="Times New Roman" panose="02020603050405020304" pitchFamily="18" charset="0"/>
-              </a:rPr>
-              <a:t>2. </a:t>
-            </a:r>
-            <a:r>
-              <a:rPr lang="en-US" sz="2800" b="1" dirty="0" err="1">
-                <a:latin typeface="Times New Roman" panose="02020603050405020304" pitchFamily="18" charset="0"/>
-                <a:cs typeface="Times New Roman" panose="02020603050405020304" pitchFamily="18" charset="0"/>
-              </a:rPr>
-              <a:t>Indexable</a:t>
-            </a:r>
-            <a:r>
-              <a:rPr lang="en-US" sz="2800" b="1" dirty="0">
-                <a:latin typeface="Times New Roman" panose="02020603050405020304" pitchFamily="18" charset="0"/>
-                <a:cs typeface="Times New Roman" panose="02020603050405020304" pitchFamily="18" charset="0"/>
-              </a:rPr>
-              <a:t> Representations</a:t>
-            </a:r>
-          </a:p>
-        </p:txBody>
-      </p:sp>
-      <p:sp>
-        <p:nvSpPr>
-          <p:cNvPr id="4" name="Footer Placeholder 3"/>
-          <p:cNvSpPr>
-            <a:spLocks noGrp="1"/>
-          </p:cNvSpPr>
-          <p:nvPr>
-            <p:ph type="ftr" sz="quarter" idx="11"/>
-          </p:nvPr>
-        </p:nvSpPr>
-        <p:spPr/>
-        <p:txBody>
-          <a:bodyPr/>
-          <a:lstStyle/>
-          <a:p>
-            <a:pPr>
-              <a:defRPr/>
-            </a:pPr>
-            <a:r>
-              <a:rPr lang="en-US" altLang="en-US"/>
-              <a:t>Dung &amp; Hady: Scalable Recommendation Retrieval</a:t>
-            </a:r>
-          </a:p>
-        </p:txBody>
-      </p:sp>
-      <p:sp>
-        <p:nvSpPr>
-          <p:cNvPr id="2" name="Slide Number Placeholder 1"/>
-          <p:cNvSpPr>
-            <a:spLocks noGrp="1"/>
-          </p:cNvSpPr>
-          <p:nvPr>
-            <p:ph type="sldNum" sz="quarter" idx="12"/>
-          </p:nvPr>
-        </p:nvSpPr>
-        <p:spPr/>
-        <p:txBody>
-          <a:bodyPr/>
-          <a:lstStyle/>
-          <a:p>
-            <a:pPr>
-              <a:defRPr/>
-            </a:pPr>
-            <a:fld id="{7826556C-EC84-4ECE-8191-F1FF3A7E9999}" type="slidenum">
-              <a:rPr lang="en-US" altLang="en-US" smtClean="0"/>
-              <a:pPr>
-                <a:defRPr/>
-              </a:pPr>
-              <a:t>29</a:t>
-            </a:fld>
-            <a:endParaRPr lang="en-US" altLang="en-US"/>
-          </a:p>
-        </p:txBody>
-      </p:sp>
-    </p:spTree>
-    <p:extLst>
-      <p:ext uri="{BB962C8B-B14F-4D97-AF65-F5344CB8AC3E}">
-        <p14:creationId xmlns:p14="http://schemas.microsoft.com/office/powerpoint/2010/main" val="3701607785"/>
-      </p:ext>
-    </p:extLst>
-  </p:cSld>
-  <p:clrMapOvr>
-    <a:masterClrMapping/>
-  </p:clrMapOvr>
+  <mc:AlternateContent xmlns:mc="http://schemas.openxmlformats.org/markup-compatibility/2006">
+    <mc:Choice xmlns:p14="http://schemas.microsoft.com/office/powerpoint/2010/main" Requires="p14">
+      <p:transition spd="slow" p14:dur="2000"/>
+    </mc:Choice>
+    <mc:Fallback>
+      <p:transition spd="slow"/>
+    </mc:Fallback>
+  </mc:AlternateContent>
   <p:timing>
     <p:tnLst>
       <p:par>
@@ -35776,6 +35627,32 @@
       </p:grpSpPr>
       <p:sp>
         <p:nvSpPr>
+          <p:cNvPr id="4" name="Footer Placeholder 3"/>
+          <p:cNvSpPr>
+            <a:spLocks noGrp="1"/>
+          </p:cNvSpPr>
+          <p:nvPr>
+            <p:ph type="ftr" sz="quarter" idx="11"/>
+          </p:nvPr>
+        </p:nvSpPr>
+        <p:spPr/>
+        <p:txBody>
+          <a:bodyPr/>
+          <a:lstStyle/>
+          <a:p>
+            <a:pPr>
+              <a:defRPr/>
+            </a:pPr>
+            <a:r>
+              <a:rPr lang="en-US" altLang="en-US" smtClean="0"/>
+              <a:t>Dung &amp; Hady: Scalable Recommendation Retrieval</a:t>
+            </a:r>
+            <a:endParaRPr lang="en-US" altLang="en-US"/>
+          </a:p>
+        </p:txBody>
+      </p:sp>
+      <p:sp>
+        <p:nvSpPr>
           <p:cNvPr id="5" name="Slide Number Placeholder 4"/>
           <p:cNvSpPr>
             <a:spLocks noGrp="1"/>
@@ -35993,11 +35870,11 @@
           <a:p>
             <a:r>
               <a:rPr lang="en-US" sz="2800" kern="0" dirty="0" smtClean="0"/>
-              <a:t>Euclidean </a:t>
+              <a:t>Idea: </a:t>
             </a:r>
             <a:r>
               <a:rPr lang="en-US" sz="2800" kern="0" dirty="0" smtClean="0"/>
-              <a:t>Embedding</a:t>
+              <a:t>Sampling</a:t>
             </a:r>
             <a:endParaRPr lang="en-US" sz="2800" kern="0" dirty="0"/>
           </a:p>
@@ -36025,149 +35902,161 @@
         </p:blipFill>
         <p:spPr>
           <a:xfrm>
-            <a:off x="2438400" y="1551904"/>
-            <a:ext cx="4121083" cy="3791397"/>
+            <a:off x="0" y="753844"/>
+            <a:ext cx="9144000" cy="5350312"/>
           </a:xfrm>
           <a:prstGeom prst="rect">
             <a:avLst/>
           </a:prstGeom>
         </p:spPr>
       </p:pic>
+    </p:spTree>
+    <p:extLst>
+      <p:ext uri="{BB962C8B-B14F-4D97-AF65-F5344CB8AC3E}">
+        <p14:creationId xmlns:p14="http://schemas.microsoft.com/office/powerpoint/2010/main" val="3248307083"/>
+      </p:ext>
+    </p:extLst>
+  </p:cSld>
+  <p:clrMapOvr>
+    <a:masterClrMapping/>
+  </p:clrMapOvr>
+  <mc:AlternateContent xmlns:mc="http://schemas.openxmlformats.org/markup-compatibility/2006">
+    <mc:Choice xmlns:p14="http://schemas.microsoft.com/office/powerpoint/2010/main" Requires="p14">
+      <p:transition spd="slow" p14:dur="2000"/>
+    </mc:Choice>
+    <mc:Fallback>
+      <p:transition spd="slow"/>
+    </mc:Fallback>
+  </mc:AlternateContent>
+  <p:timing>
+    <p:tnLst>
+      <p:par>
+        <p:cTn id="1" dur="indefinite" restart="never" nodeType="tmRoot"/>
+      </p:par>
+    </p:tnLst>
+  </p:timing>
+</p:sld>
+</file>
+
+<file path=ppt/slides/slide31.xml><?xml version="1.0" encoding="utf-8"?>
+<p:sld xmlns:a="http://schemas.openxmlformats.org/drawingml/2006/main" xmlns:r="http://schemas.openxmlformats.org/officeDocument/2006/relationships" xmlns:p="http://schemas.openxmlformats.org/presentationml/2006/main">
+  <p:cSld>
+    <p:spTree>
+      <p:nvGrpSpPr>
+        <p:cNvPr id="1" name=""/>
+        <p:cNvGrpSpPr/>
+        <p:nvPr/>
+      </p:nvGrpSpPr>
+      <p:grpSpPr>
+        <a:xfrm>
+          <a:off x="0" y="0"/>
+          <a:ext cx="0" cy="0"/>
+          <a:chOff x="0" y="0"/>
+          <a:chExt cx="0" cy="0"/>
+        </a:xfrm>
+      </p:grpSpPr>
       <p:sp>
         <p:nvSpPr>
-          <p:cNvPr id="7" name="Rectangle 6"/>
-          <p:cNvSpPr/>
-          <p:nvPr/>
+          <p:cNvPr id="3" name="Text Placeholder 2"/>
+          <p:cNvSpPr>
+            <a:spLocks noGrp="1"/>
+          </p:cNvSpPr>
+          <p:nvPr>
+            <p:ph type="body" idx="1"/>
+          </p:nvPr>
         </p:nvSpPr>
         <p:spPr>
           <a:xfrm>
-            <a:off x="762000" y="6112609"/>
-            <a:ext cx="7821215" cy="646331"/>
+            <a:off x="722313" y="3721388"/>
+            <a:ext cx="7772400" cy="523220"/>
           </a:xfrm>
-          <a:prstGeom prst="rect">
-            <a:avLst/>
-          </a:prstGeom>
         </p:spPr>
         <p:txBody>
-          <a:bodyPr wrap="square">
-            <a:spAutoFit/>
-          </a:bodyPr>
+          <a:bodyPr/>
           <a:lstStyle/>
           <a:p>
             <a:r>
-              <a:rPr lang="en-SG" sz="900" dirty="0" smtClean="0">
-                <a:solidFill>
-                  <a:srgbClr val="222222"/>
-                </a:solidFill>
-                <a:latin typeface="Arial Narrow" panose="020B0606020202030204" pitchFamily="34" charset="0"/>
+              <a:rPr lang="en-US" sz="2800" b="1" dirty="0">
+                <a:latin typeface="Times New Roman" panose="02020603050405020304" pitchFamily="18" charset="0"/>
+                <a:cs typeface="Times New Roman" panose="02020603050405020304" pitchFamily="18" charset="0"/>
               </a:rPr>
-              <a:t>[1] Le</a:t>
+              <a:t>2. </a:t>
             </a:r>
             <a:r>
-              <a:rPr lang="en-SG" sz="900" dirty="0">
-                <a:solidFill>
-                  <a:srgbClr val="222222"/>
-                </a:solidFill>
-                <a:latin typeface="Arial Narrow" panose="020B0606020202030204" pitchFamily="34" charset="0"/>
+              <a:rPr lang="en-US" sz="2800" b="1" dirty="0" err="1">
+                <a:latin typeface="Times New Roman" panose="02020603050405020304" pitchFamily="18" charset="0"/>
+                <a:cs typeface="Times New Roman" panose="02020603050405020304" pitchFamily="18" charset="0"/>
               </a:rPr>
-              <a:t>, D. D., &amp; </a:t>
+              <a:t>Indexable</a:t>
             </a:r>
             <a:r>
-              <a:rPr lang="en-SG" sz="900" dirty="0" err="1">
-                <a:solidFill>
-                  <a:srgbClr val="222222"/>
-                </a:solidFill>
-                <a:latin typeface="Arial Narrow" panose="020B0606020202030204" pitchFamily="34" charset="0"/>
+              <a:rPr lang="en-US" sz="2800" b="1" dirty="0">
+                <a:latin typeface="Times New Roman" panose="02020603050405020304" pitchFamily="18" charset="0"/>
+                <a:cs typeface="Times New Roman" panose="02020603050405020304" pitchFamily="18" charset="0"/>
               </a:rPr>
-              <a:t>Lauw</a:t>
-            </a:r>
-            <a:r>
-              <a:rPr lang="en-SG" sz="900" dirty="0">
-                <a:solidFill>
-                  <a:srgbClr val="222222"/>
-                </a:solidFill>
-                <a:latin typeface="Arial Narrow" panose="020B0606020202030204" pitchFamily="34" charset="0"/>
-              </a:rPr>
-              <a:t>, H. W. (2016, June). Euclidean co-embedding of ordinal data for multi-type visualization. In </a:t>
-            </a:r>
-            <a:r>
-              <a:rPr lang="en-SG" sz="900" i="1" dirty="0">
-                <a:solidFill>
-                  <a:srgbClr val="222222"/>
-                </a:solidFill>
-                <a:latin typeface="Arial Narrow" panose="020B0606020202030204" pitchFamily="34" charset="0"/>
-              </a:rPr>
-              <a:t>Proceedings of the 2016 SIAM International Conference on Data Mining</a:t>
-            </a:r>
-            <a:r>
-              <a:rPr lang="en-SG" sz="900" dirty="0">
-                <a:solidFill>
-                  <a:srgbClr val="222222"/>
-                </a:solidFill>
-                <a:latin typeface="Arial Narrow" panose="020B0606020202030204" pitchFamily="34" charset="0"/>
-              </a:rPr>
-              <a:t> (pp. 396-404). Society for Industrial and Applied Mathematics</a:t>
-            </a:r>
-            <a:r>
-              <a:rPr lang="en-SG" sz="900" dirty="0" smtClean="0">
-                <a:solidFill>
-                  <a:srgbClr val="222222"/>
-                </a:solidFill>
-                <a:latin typeface="Arial Narrow" panose="020B0606020202030204" pitchFamily="34" charset="0"/>
-              </a:rPr>
-              <a:t>.</a:t>
+              <a:t> Representations</a:t>
             </a:r>
           </a:p>
+        </p:txBody>
+      </p:sp>
+      <p:sp>
+        <p:nvSpPr>
+          <p:cNvPr id="4" name="Footer Placeholder 3"/>
+          <p:cNvSpPr>
+            <a:spLocks noGrp="1"/>
+          </p:cNvSpPr>
+          <p:nvPr>
+            <p:ph type="ftr" sz="quarter" idx="11"/>
+          </p:nvPr>
+        </p:nvSpPr>
+        <p:spPr/>
+        <p:txBody>
+          <a:bodyPr/>
+          <a:lstStyle/>
           <a:p>
+            <a:pPr>
+              <a:defRPr/>
+            </a:pPr>
             <a:r>
-              <a:rPr lang="en-SG" sz="900" dirty="0" smtClean="0">
-                <a:latin typeface="Arial Narrow" panose="020B0606020202030204" pitchFamily="34" charset="0"/>
-              </a:rPr>
-              <a:t>[2] </a:t>
+              <a:rPr lang="en-US" altLang="en-US"/>
+              <a:t>Dung &amp; Hady: Scalable Recommendation Retrieval</a:t>
             </a:r>
-            <a:r>
-              <a:rPr lang="en-SG" sz="900" dirty="0" err="1" smtClean="0">
-                <a:latin typeface="Arial Narrow" panose="020B0606020202030204" pitchFamily="34" charset="0"/>
-              </a:rPr>
-              <a:t>Khoshneshin</a:t>
-            </a:r>
-            <a:r>
-              <a:rPr lang="en-SG" sz="900" dirty="0">
-                <a:latin typeface="Arial Narrow" panose="020B0606020202030204" pitchFamily="34" charset="0"/>
-              </a:rPr>
-              <a:t>, M., &amp; Street, W. N. (2010, September). Collaborative filtering via </a:t>
-            </a:r>
-            <a:r>
-              <a:rPr lang="en-SG" sz="900" dirty="0" err="1">
-                <a:latin typeface="Arial Narrow" panose="020B0606020202030204" pitchFamily="34" charset="0"/>
-              </a:rPr>
-              <a:t>euclidean</a:t>
-            </a:r>
-            <a:r>
-              <a:rPr lang="en-SG" sz="900" dirty="0">
-                <a:latin typeface="Arial Narrow" panose="020B0606020202030204" pitchFamily="34" charset="0"/>
-              </a:rPr>
-              <a:t> embedding. In </a:t>
-            </a:r>
-            <a:r>
-              <a:rPr lang="en-SG" sz="900" i="1" dirty="0">
-                <a:latin typeface="Arial Narrow" panose="020B0606020202030204" pitchFamily="34" charset="0"/>
-              </a:rPr>
-              <a:t>Proceedings of the fourth ACM conference on Recommender systems</a:t>
-            </a:r>
-            <a:r>
-              <a:rPr lang="en-SG" sz="900" dirty="0">
-                <a:latin typeface="Arial Narrow" panose="020B0606020202030204" pitchFamily="34" charset="0"/>
-              </a:rPr>
-              <a:t> (pp. 87-94). ACM.</a:t>
-            </a:r>
+          </a:p>
+        </p:txBody>
+      </p:sp>
+      <p:sp>
+        <p:nvSpPr>
+          <p:cNvPr id="2" name="Slide Number Placeholder 1"/>
+          <p:cNvSpPr>
+            <a:spLocks noGrp="1"/>
+          </p:cNvSpPr>
+          <p:nvPr>
+            <p:ph type="sldNum" sz="quarter" idx="12"/>
+          </p:nvPr>
+        </p:nvSpPr>
+        <p:spPr/>
+        <p:txBody>
+          <a:bodyPr/>
+          <a:lstStyle/>
+          <a:p>
+            <a:pPr>
+              <a:defRPr/>
+            </a:pPr>
+            <a:fld id="{7826556C-EC84-4ECE-8191-F1FF3A7E9999}" type="slidenum">
+              <a:rPr lang="en-US" altLang="en-US" smtClean="0"/>
+              <a:pPr>
+                <a:defRPr/>
+              </a:pPr>
+              <a:t>31</a:t>
+            </a:fld>
+            <a:endParaRPr lang="en-US" altLang="en-US"/>
           </a:p>
         </p:txBody>
       </p:sp>
     </p:spTree>
     <p:extLst>
       <p:ext uri="{BB962C8B-B14F-4D97-AF65-F5344CB8AC3E}">
-        <p14:creationId xmlns:p14="http://schemas.microsoft.com/office/powerpoint/2010/main" val="1410642712"/>
+        <p14:creationId xmlns:p14="http://schemas.microsoft.com/office/powerpoint/2010/main" val="3701607785"/>
       </p:ext>
     </p:extLst>
   </p:cSld>
@@ -36184,7 +36073,7 @@
 </p:sld>
 </file>
 
-<file path=ppt/slides/slide31.xml><?xml version="1.0" encoding="utf-8"?>
+<file path=ppt/slides/slide32.xml><?xml version="1.0" encoding="utf-8"?>
 <p:sld xmlns:a="http://schemas.openxmlformats.org/drawingml/2006/main" xmlns:r="http://schemas.openxmlformats.org/officeDocument/2006/relationships" xmlns:p="http://schemas.openxmlformats.org/presentationml/2006/main">
   <p:cSld>
     <p:spTree>
@@ -36224,7 +36113,7 @@
               <a:pPr>
                 <a:defRPr/>
               </a:pPr>
-              <a:t>31</a:t>
+              <a:t>32</a:t>
             </a:fld>
             <a:endParaRPr lang="en-US" altLang="en-US"/>
           </a:p>
@@ -36420,11 +36309,430 @@
           <a:p>
             <a:r>
               <a:rPr lang="en-US" sz="2800" kern="0" dirty="0" smtClean="0"/>
-              <a:t>Euclidean </a:t>
+              <a:t>Euclidean Embedding</a:t>
+            </a:r>
+            <a:endParaRPr lang="en-US" sz="2800" kern="0" dirty="0"/>
+          </a:p>
+        </p:txBody>
+      </p:sp>
+      <p:pic>
+        <p:nvPicPr>
+          <p:cNvPr id="3" name="Picture 2"/>
+          <p:cNvPicPr>
+            <a:picLocks noChangeAspect="1"/>
+          </p:cNvPicPr>
+          <p:nvPr/>
+        </p:nvPicPr>
+        <p:blipFill>
+          <a:blip r:embed="rId2">
+            <a:extLst>
+              <a:ext uri="{28A0092B-C50C-407E-A947-70E740481C1C}">
+                <a14:useLocalDpi xmlns:a14="http://schemas.microsoft.com/office/drawing/2010/main" val="0"/>
+              </a:ext>
+            </a:extLst>
+          </a:blip>
+          <a:stretch>
+            <a:fillRect/>
+          </a:stretch>
+        </p:blipFill>
+        <p:spPr>
+          <a:xfrm>
+            <a:off x="2438400" y="1551904"/>
+            <a:ext cx="4121083" cy="3791397"/>
+          </a:xfrm>
+          <a:prstGeom prst="rect">
+            <a:avLst/>
+          </a:prstGeom>
+        </p:spPr>
+      </p:pic>
+      <p:sp>
+        <p:nvSpPr>
+          <p:cNvPr id="7" name="Rectangle 6"/>
+          <p:cNvSpPr/>
+          <p:nvPr/>
+        </p:nvSpPr>
+        <p:spPr>
+          <a:xfrm>
+            <a:off x="762000" y="6112609"/>
+            <a:ext cx="7821215" cy="646331"/>
+          </a:xfrm>
+          <a:prstGeom prst="rect">
+            <a:avLst/>
+          </a:prstGeom>
+        </p:spPr>
+        <p:txBody>
+          <a:bodyPr wrap="square">
+            <a:spAutoFit/>
+          </a:bodyPr>
+          <a:lstStyle/>
+          <a:p>
+            <a:r>
+              <a:rPr lang="en-SG" sz="900" dirty="0" smtClean="0">
+                <a:solidFill>
+                  <a:srgbClr val="222222"/>
+                </a:solidFill>
+                <a:latin typeface="Arial Narrow" panose="020B0606020202030204" pitchFamily="34" charset="0"/>
+              </a:rPr>
+              <a:t>[1] Le</a:t>
             </a:r>
             <a:r>
+              <a:rPr lang="en-SG" sz="900" dirty="0">
+                <a:solidFill>
+                  <a:srgbClr val="222222"/>
+                </a:solidFill>
+                <a:latin typeface="Arial Narrow" panose="020B0606020202030204" pitchFamily="34" charset="0"/>
+              </a:rPr>
+              <a:t>, D. D., &amp; </a:t>
+            </a:r>
+            <a:r>
+              <a:rPr lang="en-SG" sz="900" dirty="0" err="1">
+                <a:solidFill>
+                  <a:srgbClr val="222222"/>
+                </a:solidFill>
+                <a:latin typeface="Arial Narrow" panose="020B0606020202030204" pitchFamily="34" charset="0"/>
+              </a:rPr>
+              <a:t>Lauw</a:t>
+            </a:r>
+            <a:r>
+              <a:rPr lang="en-SG" sz="900" dirty="0">
+                <a:solidFill>
+                  <a:srgbClr val="222222"/>
+                </a:solidFill>
+                <a:latin typeface="Arial Narrow" panose="020B0606020202030204" pitchFamily="34" charset="0"/>
+              </a:rPr>
+              <a:t>, H. W. (2016, June). Euclidean co-embedding of ordinal data for multi-type visualization. In </a:t>
+            </a:r>
+            <a:r>
+              <a:rPr lang="en-SG" sz="900" i="1" dirty="0">
+                <a:solidFill>
+                  <a:srgbClr val="222222"/>
+                </a:solidFill>
+                <a:latin typeface="Arial Narrow" panose="020B0606020202030204" pitchFamily="34" charset="0"/>
+              </a:rPr>
+              <a:t>Proceedings of the 2016 SIAM International Conference on Data Mining</a:t>
+            </a:r>
+            <a:r>
+              <a:rPr lang="en-SG" sz="900" dirty="0">
+                <a:solidFill>
+                  <a:srgbClr val="222222"/>
+                </a:solidFill>
+                <a:latin typeface="Arial Narrow" panose="020B0606020202030204" pitchFamily="34" charset="0"/>
+              </a:rPr>
+              <a:t> (pp. 396-404). Society for Industrial and Applied Mathematics</a:t>
+            </a:r>
+            <a:r>
+              <a:rPr lang="en-SG" sz="900" dirty="0" smtClean="0">
+                <a:solidFill>
+                  <a:srgbClr val="222222"/>
+                </a:solidFill>
+                <a:latin typeface="Arial Narrow" panose="020B0606020202030204" pitchFamily="34" charset="0"/>
+              </a:rPr>
+              <a:t>.</a:t>
+            </a:r>
+          </a:p>
+          <a:p>
+            <a:r>
+              <a:rPr lang="en-SG" sz="900" dirty="0" smtClean="0">
+                <a:latin typeface="Arial Narrow" panose="020B0606020202030204" pitchFamily="34" charset="0"/>
+              </a:rPr>
+              <a:t>[2] </a:t>
+            </a:r>
+            <a:r>
+              <a:rPr lang="en-SG" sz="900" dirty="0" err="1" smtClean="0">
+                <a:latin typeface="Arial Narrow" panose="020B0606020202030204" pitchFamily="34" charset="0"/>
+              </a:rPr>
+              <a:t>Khoshneshin</a:t>
+            </a:r>
+            <a:r>
+              <a:rPr lang="en-SG" sz="900" dirty="0">
+                <a:latin typeface="Arial Narrow" panose="020B0606020202030204" pitchFamily="34" charset="0"/>
+              </a:rPr>
+              <a:t>, M., &amp; Street, W. N. (2010, September). Collaborative filtering via </a:t>
+            </a:r>
+            <a:r>
+              <a:rPr lang="en-SG" sz="900" dirty="0" err="1">
+                <a:latin typeface="Arial Narrow" panose="020B0606020202030204" pitchFamily="34" charset="0"/>
+              </a:rPr>
+              <a:t>euclidean</a:t>
+            </a:r>
+            <a:r>
+              <a:rPr lang="en-SG" sz="900" dirty="0">
+                <a:latin typeface="Arial Narrow" panose="020B0606020202030204" pitchFamily="34" charset="0"/>
+              </a:rPr>
+              <a:t> embedding. In </a:t>
+            </a:r>
+            <a:r>
+              <a:rPr lang="en-SG" sz="900" i="1" dirty="0">
+                <a:latin typeface="Arial Narrow" panose="020B0606020202030204" pitchFamily="34" charset="0"/>
+              </a:rPr>
+              <a:t>Proceedings of the fourth ACM conference on Recommender systems</a:t>
+            </a:r>
+            <a:r>
+              <a:rPr lang="en-SG" sz="900" dirty="0">
+                <a:latin typeface="Arial Narrow" panose="020B0606020202030204" pitchFamily="34" charset="0"/>
+              </a:rPr>
+              <a:t> (pp. 87-94). ACM.</a:t>
+            </a:r>
+          </a:p>
+        </p:txBody>
+      </p:sp>
+    </p:spTree>
+    <p:extLst>
+      <p:ext uri="{BB962C8B-B14F-4D97-AF65-F5344CB8AC3E}">
+        <p14:creationId xmlns:p14="http://schemas.microsoft.com/office/powerpoint/2010/main" val="1410642712"/>
+      </p:ext>
+    </p:extLst>
+  </p:cSld>
+  <p:clrMapOvr>
+    <a:masterClrMapping/>
+  </p:clrMapOvr>
+  <p:timing>
+    <p:tnLst>
+      <p:par>
+        <p:cTn id="1" dur="indefinite" restart="never" nodeType="tmRoot"/>
+      </p:par>
+    </p:tnLst>
+  </p:timing>
+</p:sld>
+</file>
+
+<file path=ppt/slides/slide33.xml><?xml version="1.0" encoding="utf-8"?>
+<p:sld xmlns:a="http://schemas.openxmlformats.org/drawingml/2006/main" xmlns:r="http://schemas.openxmlformats.org/officeDocument/2006/relationships" xmlns:p="http://schemas.openxmlformats.org/presentationml/2006/main">
+  <p:cSld>
+    <p:spTree>
+      <p:nvGrpSpPr>
+        <p:cNvPr id="1" name=""/>
+        <p:cNvGrpSpPr/>
+        <p:nvPr/>
+      </p:nvGrpSpPr>
+      <p:grpSpPr>
+        <a:xfrm>
+          <a:off x="0" y="0"/>
+          <a:ext cx="0" cy="0"/>
+          <a:chOff x="0" y="0"/>
+          <a:chExt cx="0" cy="0"/>
+        </a:xfrm>
+      </p:grpSpPr>
+      <p:sp>
+        <p:nvSpPr>
+          <p:cNvPr id="5" name="Slide Number Placeholder 4"/>
+          <p:cNvSpPr>
+            <a:spLocks noGrp="1"/>
+          </p:cNvSpPr>
+          <p:nvPr>
+            <p:ph type="sldNum" sz="quarter" idx="12"/>
+          </p:nvPr>
+        </p:nvSpPr>
+        <p:spPr/>
+        <p:txBody>
+          <a:bodyPr/>
+          <a:lstStyle/>
+          <a:p>
+            <a:pPr>
+              <a:defRPr/>
+            </a:pPr>
+            <a:fld id="{0C1A19D8-1474-485E-AF0B-775079405AF1}" type="slidenum">
+              <a:rPr lang="en-US" altLang="en-US" smtClean="0"/>
+              <a:pPr>
+                <a:defRPr/>
+              </a:pPr>
+              <a:t>33</a:t>
+            </a:fld>
+            <a:endParaRPr lang="en-US" altLang="en-US"/>
+          </a:p>
+        </p:txBody>
+      </p:sp>
+      <p:sp>
+        <p:nvSpPr>
+          <p:cNvPr id="6" name="Title 1"/>
+          <p:cNvSpPr txBox="1">
+            <a:spLocks/>
+          </p:cNvSpPr>
+          <p:nvPr/>
+        </p:nvSpPr>
+        <p:spPr bwMode="auto">
+          <a:xfrm>
+            <a:off x="228600" y="259377"/>
+            <a:ext cx="6553200" cy="523220"/>
+          </a:xfrm>
+          <a:prstGeom prst="rect">
+            <a:avLst/>
+          </a:prstGeom>
+          <a:noFill/>
+          <a:ln>
+            <a:noFill/>
+          </a:ln>
+          <a:effectLst/>
+          <a:extLst>
+            <a:ext uri="{909E8E84-426E-40DD-AFC4-6F175D3DCCD1}">
+              <a14:hiddenFill xmlns:a14="http://schemas.microsoft.com/office/drawing/2010/main">
+                <a:solidFill>
+                  <a:schemeClr val="accent1"/>
+                </a:solidFill>
+              </a14:hiddenFill>
+            </a:ext>
+            <a:ext uri="{91240B29-F687-4F45-9708-019B960494DF}">
+              <a14:hiddenLine xmlns:a14="http://schemas.microsoft.com/office/drawing/2010/main" w="9525">
+                <a:solidFill>
+                  <a:schemeClr val="tx1"/>
+                </a:solidFill>
+                <a:miter lim="800000"/>
+                <a:headEnd/>
+                <a:tailEnd/>
+              </a14:hiddenLine>
+            </a:ext>
+            <a:ext uri="{AF507438-7753-43E0-B8FC-AC1667EBCBE1}">
+              <a14:hiddenEffects xmlns:a14="http://schemas.microsoft.com/office/drawing/2010/main">
+                <a:effectLst>
+                  <a:outerShdw dist="35921" dir="2700000" algn="ctr" rotWithShape="0">
+                    <a:schemeClr val="bg2"/>
+                  </a:outerShdw>
+                </a:effectLst>
+              </a14:hiddenEffects>
+            </a:ext>
+          </a:extLst>
+        </p:spPr>
+        <p:txBody>
+          <a:bodyPr vert="horz" wrap="square" lIns="91440" tIns="45720" rIns="91440" bIns="45720" numCol="1" anchor="ctr" anchorCtr="0" compatLnSpc="1">
+            <a:prstTxWarp prst="textNoShape">
+              <a:avLst/>
+            </a:prstTxWarp>
+            <a:spAutoFit/>
+          </a:bodyPr>
+          <a:lstStyle>
+            <a:lvl1pPr algn="l" rtl="0" eaLnBrk="0" fontAlgn="base" hangingPunct="0">
+              <a:spcBef>
+                <a:spcPct val="0"/>
+              </a:spcBef>
+              <a:spcAft>
+                <a:spcPct val="0"/>
+              </a:spcAft>
+              <a:defRPr sz="3200" b="1">
+                <a:solidFill>
+                  <a:srgbClr val="C69200"/>
+                </a:solidFill>
+                <a:latin typeface="Century Gothic" panose="020B0502020202020204" pitchFamily="34" charset="0"/>
+                <a:ea typeface="+mj-ea"/>
+                <a:cs typeface="+mj-cs"/>
+              </a:defRPr>
+            </a:lvl1pPr>
+            <a:lvl2pPr algn="l" rtl="0" eaLnBrk="0" fontAlgn="base" hangingPunct="0">
+              <a:spcBef>
+                <a:spcPct val="0"/>
+              </a:spcBef>
+              <a:spcAft>
+                <a:spcPct val="0"/>
+              </a:spcAft>
+              <a:defRPr sz="3600" b="1">
+                <a:solidFill>
+                  <a:srgbClr val="C69200"/>
+                </a:solidFill>
+                <a:latin typeface="Arial" charset="0"/>
+              </a:defRPr>
+            </a:lvl2pPr>
+            <a:lvl3pPr algn="l" rtl="0" eaLnBrk="0" fontAlgn="base" hangingPunct="0">
+              <a:spcBef>
+                <a:spcPct val="0"/>
+              </a:spcBef>
+              <a:spcAft>
+                <a:spcPct val="0"/>
+              </a:spcAft>
+              <a:defRPr sz="3600" b="1">
+                <a:solidFill>
+                  <a:srgbClr val="C69200"/>
+                </a:solidFill>
+                <a:latin typeface="Arial" charset="0"/>
+              </a:defRPr>
+            </a:lvl3pPr>
+            <a:lvl4pPr algn="l" rtl="0" eaLnBrk="0" fontAlgn="base" hangingPunct="0">
+              <a:spcBef>
+                <a:spcPct val="0"/>
+              </a:spcBef>
+              <a:spcAft>
+                <a:spcPct val="0"/>
+              </a:spcAft>
+              <a:defRPr sz="3600" b="1">
+                <a:solidFill>
+                  <a:srgbClr val="C69200"/>
+                </a:solidFill>
+                <a:latin typeface="Arial" charset="0"/>
+              </a:defRPr>
+            </a:lvl4pPr>
+            <a:lvl5pPr algn="l" rtl="0" eaLnBrk="0" fontAlgn="base" hangingPunct="0">
+              <a:spcBef>
+                <a:spcPct val="0"/>
+              </a:spcBef>
+              <a:spcAft>
+                <a:spcPct val="0"/>
+              </a:spcAft>
+              <a:defRPr sz="3600" b="1">
+                <a:solidFill>
+                  <a:srgbClr val="C69200"/>
+                </a:solidFill>
+                <a:latin typeface="Arial" charset="0"/>
+              </a:defRPr>
+            </a:lvl5pPr>
+            <a:lvl6pPr marL="457200" algn="l" rtl="0" fontAlgn="base">
+              <a:spcBef>
+                <a:spcPct val="0"/>
+              </a:spcBef>
+              <a:spcAft>
+                <a:spcPct val="0"/>
+              </a:spcAft>
+              <a:defRPr sz="3600" b="1">
+                <a:solidFill>
+                  <a:srgbClr val="C69200"/>
+                </a:solidFill>
+                <a:latin typeface="Arial" charset="0"/>
+              </a:defRPr>
+            </a:lvl6pPr>
+            <a:lvl7pPr marL="914400" algn="l" rtl="0" fontAlgn="base">
+              <a:spcBef>
+                <a:spcPct val="0"/>
+              </a:spcBef>
+              <a:spcAft>
+                <a:spcPct val="0"/>
+              </a:spcAft>
+              <a:defRPr sz="3600" b="1">
+                <a:solidFill>
+                  <a:srgbClr val="C69200"/>
+                </a:solidFill>
+                <a:latin typeface="Arial" charset="0"/>
+              </a:defRPr>
+            </a:lvl7pPr>
+            <a:lvl8pPr marL="1371600" algn="l" rtl="0" fontAlgn="base">
+              <a:spcBef>
+                <a:spcPct val="0"/>
+              </a:spcBef>
+              <a:spcAft>
+                <a:spcPct val="0"/>
+              </a:spcAft>
+              <a:defRPr sz="3600" b="1">
+                <a:solidFill>
+                  <a:srgbClr val="C69200"/>
+                </a:solidFill>
+                <a:latin typeface="Arial" charset="0"/>
+              </a:defRPr>
+            </a:lvl8pPr>
+            <a:lvl9pPr marL="1828800" algn="l" rtl="0" fontAlgn="base">
+              <a:spcBef>
+                <a:spcPct val="0"/>
+              </a:spcBef>
+              <a:spcAft>
+                <a:spcPct val="0"/>
+              </a:spcAft>
+              <a:defRPr sz="3600" b="1">
+                <a:solidFill>
+                  <a:srgbClr val="C69200"/>
+                </a:solidFill>
+                <a:latin typeface="Arial" charset="0"/>
+              </a:defRPr>
+            </a:lvl9pPr>
+          </a:lstStyle>
+          <a:p>
+            <a:r>
               <a:rPr lang="en-US" sz="2800" kern="0" dirty="0" smtClean="0"/>
-              <a:t>Embedding</a:t>
+              <a:t>Euclidean Embedding</a:t>
             </a:r>
             <a:endParaRPr lang="en-US" sz="2800" kern="0" dirty="0"/>
           </a:p>
@@ -36611,7 +36919,7 @@
 </p:sld>
 </file>
 
-<file path=ppt/slides/slide32.xml><?xml version="1.0" encoding="utf-8"?>
+<file path=ppt/slides/slide34.xml><?xml version="1.0" encoding="utf-8"?>
 <p:sld xmlns:a="http://schemas.openxmlformats.org/drawingml/2006/main" xmlns:r="http://schemas.openxmlformats.org/officeDocument/2006/relationships" xmlns:p="http://schemas.openxmlformats.org/presentationml/2006/main">
   <p:cSld>
     <p:spTree>
@@ -36651,7 +36959,7 @@
               <a:pPr>
                 <a:defRPr/>
               </a:pPr>
-              <a:t>32</a:t>
+              <a:t>34</a:t>
             </a:fld>
             <a:endParaRPr lang="en-US" altLang="en-US"/>
           </a:p>
@@ -36851,7 +37159,11 @@
             </a:r>
             <a:r>
               <a:rPr lang="en-US" sz="2800" kern="0" dirty="0" smtClean="0"/>
-              <a:t> Representations Learning</a:t>
+              <a:t> </a:t>
+            </a:r>
+            <a:r>
+              <a:rPr lang="en-US" sz="2800" kern="0" dirty="0" smtClean="0"/>
+              <a:t>Representation</a:t>
             </a:r>
             <a:endParaRPr lang="en-US" sz="2800" kern="0" dirty="0"/>
           </a:p>
@@ -37059,7 +37371,7 @@
 </p:sld>
 </file>
 
-<file path=ppt/slides/slide33.xml><?xml version="1.0" encoding="utf-8"?>
+<file path=ppt/slides/slide35.xml><?xml version="1.0" encoding="utf-8"?>
 <p:sld xmlns:a="http://schemas.openxmlformats.org/drawingml/2006/main" xmlns:r="http://schemas.openxmlformats.org/officeDocument/2006/relationships" xmlns:p="http://schemas.openxmlformats.org/presentationml/2006/main">
   <p:cSld>
     <p:spTree>
@@ -37154,7 +37466,7 @@
               <a:pPr>
                 <a:defRPr/>
               </a:pPr>
-              <a:t>33</a:t>
+              <a:t>35</a:t>
             </a:fld>
             <a:endParaRPr lang="en-US" altLang="en-US"/>
           </a:p>
@@ -37180,7 +37492,7 @@
 </p:sld>
 </file>
 
-<file path=ppt/slides/slide34.xml><?xml version="1.0" encoding="utf-8"?>
+<file path=ppt/slides/slide36.xml><?xml version="1.0" encoding="utf-8"?>
 <p:sld xmlns:a="http://schemas.openxmlformats.org/drawingml/2006/main" xmlns:r="http://schemas.openxmlformats.org/officeDocument/2006/relationships" xmlns:p="http://schemas.openxmlformats.org/presentationml/2006/main">
   <p:cSld>
     <p:spTree>
@@ -37306,7 +37618,7 @@
               <a:pPr>
                 <a:defRPr/>
               </a:pPr>
-              <a:t>34</a:t>
+              <a:t>36</a:t>
             </a:fld>
             <a:endParaRPr lang="en-US" altLang="en-US"/>
           </a:p>
@@ -37332,7 +37644,7 @@
 </p:sld>
 </file>
 
-<file path=ppt/slides/slide35.xml><?xml version="1.0" encoding="utf-8"?>
+<file path=ppt/slides/slide37.xml><?xml version="1.0" encoding="utf-8"?>
 <p:sld xmlns:a="http://schemas.openxmlformats.org/drawingml/2006/main" xmlns:r="http://schemas.openxmlformats.org/officeDocument/2006/relationships" xmlns:p="http://schemas.openxmlformats.org/presentationml/2006/main">
   <p:cSld>
     <p:spTree>
@@ -37479,7 +37791,7 @@
               <a:pPr>
                 <a:defRPr/>
               </a:pPr>
-              <a:t>35</a:t>
+              <a:t>37</a:t>
             </a:fld>
             <a:endParaRPr lang="en-US" altLang="en-US"/>
           </a:p>
@@ -38225,8 +38537,8 @@
           </p:sp>
         </mc:Fallback>
       </mc:AlternateContent>
-      <mc:AlternateContent xmlns:mc="http://schemas.openxmlformats.org/markup-compatibility/2006">
-        <mc:Choice xmlns:a14="http://schemas.microsoft.com/office/drawing/2010/main" Requires="a14">
+      <mc:AlternateContent xmlns:mc="http://schemas.openxmlformats.org/markup-compatibility/2006" xmlns:a14="http://schemas.microsoft.com/office/drawing/2010/main">
+        <mc:Choice Requires="a14">
           <p:sp>
             <p:nvSpPr>
               <p:cNvPr id="4" name="TextBox 3"/>
@@ -38281,7 +38593,7 @@
             </p:txBody>
           </p:sp>
         </mc:Choice>
-        <mc:Fallback>
+        <mc:Fallback xmlns="">
           <p:sp>
             <p:nvSpPr>
               <p:cNvPr id="4" name="TextBox 3"/>
@@ -38376,7 +38688,7 @@
                         <m:sSupPr>
                           <m:ctrlPr>
                             <a:rPr lang="en-US" b="0" i="1" dirty="0" smtClean="0">
-                              <a:latin typeface="Cambria Math" panose="02040503050406030204" pitchFamily="18" charset="0"/>
+                              <a:latin typeface="Cambria Math" charset="0"/>
                             </a:rPr>
                           </m:ctrlPr>
                         </m:sSupPr>
@@ -38452,8 +38764,8 @@
           </p:sp>
         </mc:Fallback>
       </mc:AlternateContent>
-      <mc:AlternateContent xmlns:mc="http://schemas.openxmlformats.org/markup-compatibility/2006">
-        <mc:Choice xmlns:a14="http://schemas.microsoft.com/office/drawing/2010/main" Requires="a14">
+      <mc:AlternateContent xmlns:mc="http://schemas.openxmlformats.org/markup-compatibility/2006" xmlns:a14="http://schemas.microsoft.com/office/drawing/2010/main">
+        <mc:Choice Requires="a14">
           <p:sp>
             <p:nvSpPr>
               <p:cNvPr id="7" name="TextBox 6"/>
@@ -38501,7 +38813,7 @@
             </p:txBody>
           </p:sp>
         </mc:Choice>
-        <mc:Fallback>
+        <mc:Fallback xmlns="">
           <p:sp>
             <p:nvSpPr>
               <p:cNvPr id="7" name="TextBox 6"/>
@@ -38540,8 +38852,8 @@
           </p:sp>
         </mc:Fallback>
       </mc:AlternateContent>
-      <mc:AlternateContent xmlns:mc="http://schemas.openxmlformats.org/markup-compatibility/2006">
-        <mc:Choice xmlns:a14="http://schemas.microsoft.com/office/drawing/2010/main" Requires="a14">
+      <mc:AlternateContent xmlns:mc="http://schemas.openxmlformats.org/markup-compatibility/2006" xmlns:a14="http://schemas.microsoft.com/office/drawing/2010/main">
+        <mc:Choice Requires="a14">
           <p:sp>
             <p:nvSpPr>
               <p:cNvPr id="12" name="Rectangle 11"/>
@@ -38609,7 +38921,7 @@
             </p:txBody>
           </p:sp>
         </mc:Choice>
-        <mc:Fallback>
+        <mc:Fallback xmlns="">
           <p:sp>
             <p:nvSpPr>
               <p:cNvPr id="12" name="Rectangle 11"/>
@@ -38653,8 +38965,8 @@
           </p:sp>
         </mc:Fallback>
       </mc:AlternateContent>
-      <mc:AlternateContent xmlns:mc="http://schemas.openxmlformats.org/markup-compatibility/2006">
-        <mc:Choice xmlns:a14="http://schemas.microsoft.com/office/drawing/2010/main" Requires="a14">
+      <mc:AlternateContent xmlns:mc="http://schemas.openxmlformats.org/markup-compatibility/2006" xmlns:a14="http://schemas.microsoft.com/office/drawing/2010/main">
+        <mc:Choice Requires="a14">
           <p:sp>
             <p:nvSpPr>
               <p:cNvPr id="14" name="Rectangle 13"/>
@@ -38709,7 +39021,7 @@
                         <m:sSubPr>
                           <m:ctrlPr>
                             <a:rPr lang="en-US" b="0" i="1" dirty="0" smtClean="0">
-                              <a:latin typeface="Cambria Math" panose="02040503050406030204" pitchFamily="18" charset="0"/>
+                              <a:latin typeface="Cambria Math" charset="0"/>
                             </a:rPr>
                           </m:ctrlPr>
                         </m:sSubPr>
@@ -38741,7 +39053,7 @@
             </p:txBody>
           </p:sp>
         </mc:Choice>
-        <mc:Fallback>
+        <mc:Fallback xmlns="">
           <p:sp>
             <p:nvSpPr>
               <p:cNvPr id="14" name="Rectangle 13"/>
@@ -38785,8 +39097,8 @@
           </p:sp>
         </mc:Fallback>
       </mc:AlternateContent>
-      <mc:AlternateContent xmlns:mc="http://schemas.openxmlformats.org/markup-compatibility/2006">
-        <mc:Choice xmlns:a14="http://schemas.microsoft.com/office/drawing/2010/main" Requires="a14">
+      <mc:AlternateContent xmlns:mc="http://schemas.openxmlformats.org/markup-compatibility/2006" xmlns:a14="http://schemas.microsoft.com/office/drawing/2010/main">
+        <mc:Choice Requires="a14">
           <p:sp>
             <p:nvSpPr>
               <p:cNvPr id="15" name="TextBox 14"/>
@@ -38834,7 +39146,7 @@
             </p:txBody>
           </p:sp>
         </mc:Choice>
-        <mc:Fallback>
+        <mc:Fallback xmlns="">
           <p:sp>
             <p:nvSpPr>
               <p:cNvPr id="15" name="TextBox 14"/>
@@ -38961,8 +39273,8 @@
           </p:sp>
         </mc:Fallback>
       </mc:AlternateContent>
-      <mc:AlternateContent xmlns:mc="http://schemas.openxmlformats.org/markup-compatibility/2006">
-        <mc:Choice xmlns:a14="http://schemas.microsoft.com/office/drawing/2010/main" Requires="a14">
+      <mc:AlternateContent xmlns:mc="http://schemas.openxmlformats.org/markup-compatibility/2006" xmlns:a14="http://schemas.microsoft.com/office/drawing/2010/main">
+        <mc:Choice Requires="a14">
           <p:sp>
             <p:nvSpPr>
               <p:cNvPr id="18" name="Rectangle 17"/>
@@ -39030,7 +39342,7 @@
             </p:txBody>
           </p:sp>
         </mc:Choice>
-        <mc:Fallback>
+        <mc:Fallback xmlns="">
           <p:sp>
             <p:nvSpPr>
               <p:cNvPr id="18" name="Rectangle 17"/>
@@ -39113,8 +39425,8 @@
           </a:fontRef>
         </p:style>
       </p:cxnSp>
-      <mc:AlternateContent xmlns:mc="http://schemas.openxmlformats.org/markup-compatibility/2006">
-        <mc:Choice xmlns:a14="http://schemas.microsoft.com/office/drawing/2010/main" Requires="a14">
+      <mc:AlternateContent xmlns:mc="http://schemas.openxmlformats.org/markup-compatibility/2006" xmlns:a14="http://schemas.microsoft.com/office/drawing/2010/main">
+        <mc:Choice Requires="a14">
           <p:sp>
             <p:nvSpPr>
               <p:cNvPr id="20" name="Rectangle 19"/>
@@ -39178,7 +39490,7 @@
                         <m:sSubPr>
                           <m:ctrlPr>
                             <a:rPr lang="en-US" b="0" i="1" dirty="0" smtClean="0">
-                              <a:latin typeface="Cambria Math" panose="02040503050406030204" pitchFamily="18" charset="0"/>
+                              <a:latin typeface="Cambria Math" charset="0"/>
                             </a:rPr>
                           </m:ctrlPr>
                         </m:sSubPr>
@@ -39216,7 +39528,7 @@
             </p:txBody>
           </p:sp>
         </mc:Choice>
-        <mc:Fallback>
+        <mc:Fallback xmlns="">
           <p:sp>
             <p:nvSpPr>
               <p:cNvPr id="20" name="Rectangle 19"/>
@@ -39260,8 +39572,8 @@
           </p:sp>
         </mc:Fallback>
       </mc:AlternateContent>
-      <mc:AlternateContent xmlns:mc="http://schemas.openxmlformats.org/markup-compatibility/2006">
-        <mc:Choice xmlns:a14="http://schemas.microsoft.com/office/drawing/2010/main" Requires="a14">
+      <mc:AlternateContent xmlns:mc="http://schemas.openxmlformats.org/markup-compatibility/2006" xmlns:a14="http://schemas.microsoft.com/office/drawing/2010/main">
+        <mc:Choice Requires="a14">
           <p:sp>
             <p:nvSpPr>
               <p:cNvPr id="23" name="Rectangle 22"/>
@@ -39335,7 +39647,7 @@
                       <m:sSubPr>
                         <m:ctrlPr>
                           <a:rPr lang="en-US" b="0" i="1" dirty="0" smtClean="0">
-                            <a:latin typeface="Cambria Math" panose="02040503050406030204" pitchFamily="18" charset="0"/>
+                            <a:latin typeface="Cambria Math" charset="0"/>
                           </a:rPr>
                         </m:ctrlPr>
                       </m:sSubPr>
@@ -39372,7 +39684,7 @@
             </p:txBody>
           </p:sp>
         </mc:Choice>
-        <mc:Fallback>
+        <mc:Fallback xmlns="">
           <p:sp>
             <p:nvSpPr>
               <p:cNvPr id="23" name="Rectangle 22"/>
@@ -39717,8 +40029,8 @@
           </a:p>
         </p:txBody>
       </p:sp>
-      <mc:AlternateContent xmlns:mc="http://schemas.openxmlformats.org/markup-compatibility/2006">
-        <mc:Choice xmlns:a14="http://schemas.microsoft.com/office/drawing/2010/main" Requires="a14">
+      <mc:AlternateContent xmlns:mc="http://schemas.openxmlformats.org/markup-compatibility/2006" xmlns:a14="http://schemas.microsoft.com/office/drawing/2010/main">
+        <mc:Choice Requires="a14">
           <p:sp>
             <p:nvSpPr>
               <p:cNvPr id="5" name="Rectangle 4"/>
@@ -39766,7 +40078,7 @@
                               <a:solidFill>
                                 <a:srgbClr val="002060"/>
                               </a:solidFill>
-                              <a:latin typeface="Cambria Math" panose="02040503050406030204" pitchFamily="18" charset="0"/>
+                              <a:latin typeface="Cambria Math" charset="0"/>
                             </a:rPr>
                           </m:ctrlPr>
                         </m:sSubPr>
@@ -39806,7 +40118,7 @@
                               <a:solidFill>
                                 <a:srgbClr val="002060"/>
                               </a:solidFill>
-                              <a:latin typeface="Cambria Math" panose="02040503050406030204" pitchFamily="18" charset="0"/>
+                              <a:latin typeface="Cambria Math" charset="0"/>
                             </a:rPr>
                           </m:ctrlPr>
                         </m:dPr>
@@ -39838,7 +40150,7 @@
                               <a:solidFill>
                                 <a:srgbClr val="002060"/>
                               </a:solidFill>
-                              <a:latin typeface="Cambria Math" panose="02040503050406030204" pitchFamily="18" charset="0"/>
+                              <a:latin typeface="Cambria Math" charset="0"/>
                             </a:rPr>
                           </m:ctrlPr>
                         </m:sSubSupPr>
@@ -39883,7 +40195,7 @@
                               <a:solidFill>
                                 <a:srgbClr val="002060"/>
                               </a:solidFill>
-                              <a:latin typeface="Cambria Math" panose="02040503050406030204" pitchFamily="18" charset="0"/>
+                              <a:latin typeface="Cambria Math" charset="0"/>
                             </a:rPr>
                           </m:ctrlPr>
                         </m:sSubPr>
@@ -39933,7 +40245,7 @@
             </p:txBody>
           </p:sp>
         </mc:Choice>
-        <mc:Fallback>
+        <mc:Fallback xmlns="">
           <p:sp>
             <p:nvSpPr>
               <p:cNvPr id="5" name="Rectangle 4"/>
@@ -40009,8 +40321,8 @@
           </a:fontRef>
         </p:style>
       </p:cxnSp>
-      <mc:AlternateContent xmlns:mc="http://schemas.openxmlformats.org/markup-compatibility/2006">
-        <mc:Choice xmlns:a14="http://schemas.microsoft.com/office/drawing/2010/main" Requires="a14">
+      <mc:AlternateContent xmlns:mc="http://schemas.openxmlformats.org/markup-compatibility/2006" xmlns:a14="http://schemas.microsoft.com/office/drawing/2010/main">
+        <mc:Choice Requires="a14">
           <p:sp>
             <p:nvSpPr>
               <p:cNvPr id="11" name="TextBox 10"/>
@@ -40033,6 +40345,7 @@
               </a:bodyPr>
               <a:lstStyle/>
               <a:p>
+                <a:pPr/>
                 <a14:m>
                   <m:oMathPara xmlns:m="http://schemas.openxmlformats.org/officeDocument/2006/math">
                     <m:oMathParaPr>
@@ -40053,7 +40366,7 @@
             </p:txBody>
           </p:sp>
         </mc:Choice>
-        <mc:Fallback>
+        <mc:Fallback xmlns="">
           <p:sp>
             <p:nvSpPr>
               <p:cNvPr id="11" name="TextBox 10"/>
@@ -40129,8 +40442,8 @@
           </a:fontRef>
         </p:style>
       </p:cxnSp>
-      <mc:AlternateContent xmlns:mc="http://schemas.openxmlformats.org/markup-compatibility/2006">
-        <mc:Choice xmlns:a14="http://schemas.microsoft.com/office/drawing/2010/main" Requires="a14">
+      <mc:AlternateContent xmlns:mc="http://schemas.openxmlformats.org/markup-compatibility/2006" xmlns:a14="http://schemas.microsoft.com/office/drawing/2010/main">
+        <mc:Choice Requires="a14">
           <p:sp>
             <p:nvSpPr>
               <p:cNvPr id="32" name="TextBox 31"/>
@@ -40153,6 +40466,7 @@
               </a:bodyPr>
               <a:lstStyle/>
               <a:p>
+                <a:pPr/>
                 <a14:m>
                   <m:oMathPara xmlns:m="http://schemas.openxmlformats.org/officeDocument/2006/math">
                     <m:oMathParaPr>
@@ -40173,7 +40487,7 @@
             </p:txBody>
           </p:sp>
         </mc:Choice>
-        <mc:Fallback>
+        <mc:Fallback xmlns="">
           <p:sp>
             <p:nvSpPr>
               <p:cNvPr id="32" name="TextBox 31"/>
@@ -40212,8 +40526,8 @@
           </p:sp>
         </mc:Fallback>
       </mc:AlternateContent>
-      <mc:AlternateContent xmlns:mc="http://schemas.openxmlformats.org/markup-compatibility/2006">
-        <mc:Choice xmlns:a14="http://schemas.microsoft.com/office/drawing/2010/main" Requires="a14">
+      <mc:AlternateContent xmlns:mc="http://schemas.openxmlformats.org/markup-compatibility/2006" xmlns:a14="http://schemas.microsoft.com/office/drawing/2010/main">
+        <mc:Choice Requires="a14">
           <p:sp>
             <p:nvSpPr>
               <p:cNvPr id="38" name="TextBox 37"/>
@@ -40236,6 +40550,7 @@
               </a:bodyPr>
               <a:lstStyle/>
               <a:p>
+                <a:pPr/>
                 <a14:m>
                   <m:oMathPara xmlns:m="http://schemas.openxmlformats.org/officeDocument/2006/math">
                     <m:oMathParaPr>
@@ -40256,7 +40571,7 @@
             </p:txBody>
           </p:sp>
         </mc:Choice>
-        <mc:Fallback>
+        <mc:Fallback xmlns="">
           <p:sp>
             <p:nvSpPr>
               <p:cNvPr id="38" name="TextBox 37"/>
@@ -40369,8 +40684,8 @@
           </a:fontRef>
         </p:style>
       </p:cxnSp>
-      <mc:AlternateContent xmlns:mc="http://schemas.openxmlformats.org/markup-compatibility/2006">
-        <mc:Choice xmlns:a14="http://schemas.microsoft.com/office/drawing/2010/main" Requires="a14">
+      <mc:AlternateContent xmlns:mc="http://schemas.openxmlformats.org/markup-compatibility/2006" xmlns:a14="http://schemas.microsoft.com/office/drawing/2010/main">
+        <mc:Choice Requires="a14">
           <p:sp>
             <p:nvSpPr>
               <p:cNvPr id="41" name="TextBox 40"/>
@@ -40393,6 +40708,7 @@
               </a:bodyPr>
               <a:lstStyle/>
               <a:p>
+                <a:pPr/>
                 <a14:m>
                   <m:oMathPara xmlns:m="http://schemas.openxmlformats.org/officeDocument/2006/math">
                     <m:oMathParaPr>
@@ -40413,7 +40729,7 @@
             </p:txBody>
           </p:sp>
         </mc:Choice>
-        <mc:Fallback>
+        <mc:Fallback xmlns="">
           <p:sp>
             <p:nvSpPr>
               <p:cNvPr id="41" name="TextBox 40"/>
@@ -40452,8 +40768,8 @@
           </p:sp>
         </mc:Fallback>
       </mc:AlternateContent>
-      <mc:AlternateContent xmlns:mc="http://schemas.openxmlformats.org/markup-compatibility/2006">
-        <mc:Choice xmlns:a14="http://schemas.microsoft.com/office/drawing/2010/main" Requires="a14">
+      <mc:AlternateContent xmlns:mc="http://schemas.openxmlformats.org/markup-compatibility/2006" xmlns:a14="http://schemas.microsoft.com/office/drawing/2010/main">
+        <mc:Choice Requires="a14">
           <p:sp>
             <p:nvSpPr>
               <p:cNvPr id="42" name="TextBox 41"/>
@@ -40476,6 +40792,7 @@
               </a:bodyPr>
               <a:lstStyle/>
               <a:p>
+                <a:pPr/>
                 <a14:m>
                   <m:oMathPara xmlns:m="http://schemas.openxmlformats.org/officeDocument/2006/math">
                     <m:oMathParaPr>
@@ -40496,7 +40813,7 @@
             </p:txBody>
           </p:sp>
         </mc:Choice>
-        <mc:Fallback>
+        <mc:Fallback xmlns="">
           <p:sp>
             <p:nvSpPr>
               <p:cNvPr id="42" name="TextBox 41"/>
@@ -40609,8 +40926,8 @@
           </a:fontRef>
         </p:style>
       </p:cxnSp>
-      <mc:AlternateContent xmlns:mc="http://schemas.openxmlformats.org/markup-compatibility/2006">
-        <mc:Choice xmlns:a14="http://schemas.microsoft.com/office/drawing/2010/main" Requires="a14">
+      <mc:AlternateContent xmlns:mc="http://schemas.openxmlformats.org/markup-compatibility/2006" xmlns:a14="http://schemas.microsoft.com/office/drawing/2010/main">
+        <mc:Choice Requires="a14">
           <p:sp>
             <p:nvSpPr>
               <p:cNvPr id="45" name="TextBox 44"/>
@@ -40633,6 +40950,7 @@
               </a:bodyPr>
               <a:lstStyle/>
               <a:p>
+                <a:pPr/>
                 <a14:m>
                   <m:oMathPara xmlns:m="http://schemas.openxmlformats.org/officeDocument/2006/math">
                     <m:oMathParaPr>
@@ -40653,7 +40971,7 @@
             </p:txBody>
           </p:sp>
         </mc:Choice>
-        <mc:Fallback>
+        <mc:Fallback xmlns="">
           <p:sp>
             <p:nvSpPr>
               <p:cNvPr id="45" name="TextBox 44"/>
@@ -40729,8 +41047,8 @@
           </a:fontRef>
         </p:style>
       </p:cxnSp>
-      <mc:AlternateContent xmlns:mc="http://schemas.openxmlformats.org/markup-compatibility/2006">
-        <mc:Choice xmlns:a14="http://schemas.microsoft.com/office/drawing/2010/main" Requires="a14">
+      <mc:AlternateContent xmlns:mc="http://schemas.openxmlformats.org/markup-compatibility/2006" xmlns:a14="http://schemas.microsoft.com/office/drawing/2010/main">
+        <mc:Choice Requires="a14">
           <p:sp>
             <p:nvSpPr>
               <p:cNvPr id="51" name="TextBox 50"/>
@@ -40753,6 +41071,7 @@
               </a:bodyPr>
               <a:lstStyle/>
               <a:p>
+                <a:pPr/>
                 <a14:m>
                   <m:oMathPara xmlns:m="http://schemas.openxmlformats.org/officeDocument/2006/math">
                     <m:oMathParaPr>
@@ -40773,7 +41092,7 @@
             </p:txBody>
           </p:sp>
         </mc:Choice>
-        <mc:Fallback>
+        <mc:Fallback xmlns="">
           <p:sp>
             <p:nvSpPr>
               <p:cNvPr id="51" name="TextBox 50"/>
@@ -40849,8 +41168,8 @@
           </a:fontRef>
         </p:style>
       </p:cxnSp>
-      <mc:AlternateContent xmlns:mc="http://schemas.openxmlformats.org/markup-compatibility/2006">
-        <mc:Choice xmlns:a14="http://schemas.microsoft.com/office/drawing/2010/main" Requires="a14">
+      <mc:AlternateContent xmlns:mc="http://schemas.openxmlformats.org/markup-compatibility/2006" xmlns:a14="http://schemas.microsoft.com/office/drawing/2010/main">
+        <mc:Choice Requires="a14">
           <p:sp>
             <p:nvSpPr>
               <p:cNvPr id="53" name="TextBox 52"/>
@@ -40873,6 +41192,7 @@
               </a:bodyPr>
               <a:lstStyle/>
               <a:p>
+                <a:pPr/>
                 <a14:m>
                   <m:oMathPara xmlns:m="http://schemas.openxmlformats.org/officeDocument/2006/math">
                     <m:oMathParaPr>
@@ -40893,7 +41213,7 @@
             </p:txBody>
           </p:sp>
         </mc:Choice>
-        <mc:Fallback>
+        <mc:Fallback xmlns="">
           <p:sp>
             <p:nvSpPr>
               <p:cNvPr id="53" name="TextBox 52"/>
@@ -40969,8 +41289,8 @@
           </a:fontRef>
         </p:style>
       </p:cxnSp>
-      <mc:AlternateContent xmlns:mc="http://schemas.openxmlformats.org/markup-compatibility/2006">
-        <mc:Choice xmlns:a14="http://schemas.microsoft.com/office/drawing/2010/main" Requires="a14">
+      <mc:AlternateContent xmlns:mc="http://schemas.openxmlformats.org/markup-compatibility/2006" xmlns:a14="http://schemas.microsoft.com/office/drawing/2010/main">
+        <mc:Choice Requires="a14">
           <p:sp>
             <p:nvSpPr>
               <p:cNvPr id="57" name="TextBox 56"/>
@@ -40993,6 +41313,7 @@
               </a:bodyPr>
               <a:lstStyle/>
               <a:p>
+                <a:pPr/>
                 <a14:m>
                   <m:oMathPara xmlns:m="http://schemas.openxmlformats.org/officeDocument/2006/math">
                     <m:oMathParaPr>
@@ -41013,7 +41334,7 @@
             </p:txBody>
           </p:sp>
         </mc:Choice>
-        <mc:Fallback>
+        <mc:Fallback xmlns="">
           <p:sp>
             <p:nvSpPr>
               <p:cNvPr id="57" name="TextBox 56"/>
@@ -41089,8 +41410,8 @@
           </a:fontRef>
         </p:style>
       </p:cxnSp>
-      <mc:AlternateContent xmlns:mc="http://schemas.openxmlformats.org/markup-compatibility/2006">
-        <mc:Choice xmlns:a14="http://schemas.microsoft.com/office/drawing/2010/main" Requires="a14">
+      <mc:AlternateContent xmlns:mc="http://schemas.openxmlformats.org/markup-compatibility/2006" xmlns:a14="http://schemas.microsoft.com/office/drawing/2010/main">
+        <mc:Choice Requires="a14">
           <p:sp>
             <p:nvSpPr>
               <p:cNvPr id="59" name="TextBox 58"/>
@@ -41113,6 +41434,7 @@
               </a:bodyPr>
               <a:lstStyle/>
               <a:p>
+                <a:pPr/>
                 <a14:m>
                   <m:oMathPara xmlns:m="http://schemas.openxmlformats.org/officeDocument/2006/math">
                     <m:oMathParaPr>
@@ -41133,7 +41455,7 @@
             </p:txBody>
           </p:sp>
         </mc:Choice>
-        <mc:Fallback>
+        <mc:Fallback xmlns="">
           <p:sp>
             <p:nvSpPr>
               <p:cNvPr id="59" name="TextBox 58"/>
@@ -41209,8 +41531,8 @@
           </a:fontRef>
         </p:style>
       </p:cxnSp>
-      <mc:AlternateContent xmlns:mc="http://schemas.openxmlformats.org/markup-compatibility/2006">
-        <mc:Choice xmlns:a14="http://schemas.microsoft.com/office/drawing/2010/main" Requires="a14">
+      <mc:AlternateContent xmlns:mc="http://schemas.openxmlformats.org/markup-compatibility/2006" xmlns:a14="http://schemas.microsoft.com/office/drawing/2010/main">
+        <mc:Choice Requires="a14">
           <p:sp>
             <p:nvSpPr>
               <p:cNvPr id="62" name="TextBox 61"/>
@@ -41233,6 +41555,7 @@
               </a:bodyPr>
               <a:lstStyle/>
               <a:p>
+                <a:pPr/>
                 <a14:m>
                   <m:oMathPara xmlns:m="http://schemas.openxmlformats.org/officeDocument/2006/math">
                     <m:oMathParaPr>
@@ -41253,7 +41576,7 @@
             </p:txBody>
           </p:sp>
         </mc:Choice>
-        <mc:Fallback>
+        <mc:Fallback xmlns="">
           <p:sp>
             <p:nvSpPr>
               <p:cNvPr id="62" name="TextBox 61"/>
@@ -41329,8 +41652,8 @@
           </a:fontRef>
         </p:style>
       </p:cxnSp>
-      <mc:AlternateContent xmlns:mc="http://schemas.openxmlformats.org/markup-compatibility/2006">
-        <mc:Choice xmlns:a14="http://schemas.microsoft.com/office/drawing/2010/main" Requires="a14">
+      <mc:AlternateContent xmlns:mc="http://schemas.openxmlformats.org/markup-compatibility/2006" xmlns:a14="http://schemas.microsoft.com/office/drawing/2010/main">
+        <mc:Choice Requires="a14">
           <p:sp>
             <p:nvSpPr>
               <p:cNvPr id="64" name="TextBox 63"/>
@@ -41353,6 +41676,7 @@
               </a:bodyPr>
               <a:lstStyle/>
               <a:p>
+                <a:pPr/>
                 <a14:m>
                   <m:oMathPara xmlns:m="http://schemas.openxmlformats.org/officeDocument/2006/math">
                     <m:oMathParaPr>
@@ -41373,7 +41697,7 @@
             </p:txBody>
           </p:sp>
         </mc:Choice>
-        <mc:Fallback>
+        <mc:Fallback xmlns="">
           <p:sp>
             <p:nvSpPr>
               <p:cNvPr id="64" name="TextBox 63"/>
@@ -41449,8 +41773,8 @@
           </a:fontRef>
         </p:style>
       </p:cxnSp>
-      <mc:AlternateContent xmlns:mc="http://schemas.openxmlformats.org/markup-compatibility/2006">
-        <mc:Choice xmlns:a14="http://schemas.microsoft.com/office/drawing/2010/main" Requires="a14">
+      <mc:AlternateContent xmlns:mc="http://schemas.openxmlformats.org/markup-compatibility/2006" xmlns:a14="http://schemas.microsoft.com/office/drawing/2010/main">
+        <mc:Choice Requires="a14">
           <p:sp>
             <p:nvSpPr>
               <p:cNvPr id="67" name="TextBox 66"/>
@@ -41473,6 +41797,7 @@
               </a:bodyPr>
               <a:lstStyle/>
               <a:p>
+                <a:pPr/>
                 <a14:m>
                   <m:oMathPara xmlns:m="http://schemas.openxmlformats.org/officeDocument/2006/math">
                     <m:oMathParaPr>
@@ -41493,7 +41818,7 @@
             </p:txBody>
           </p:sp>
         </mc:Choice>
-        <mc:Fallback>
+        <mc:Fallback xmlns="">
           <p:sp>
             <p:nvSpPr>
               <p:cNvPr id="67" name="TextBox 66"/>
@@ -41569,8 +41894,8 @@
           </a:fontRef>
         </p:style>
       </p:cxnSp>
-      <mc:AlternateContent xmlns:mc="http://schemas.openxmlformats.org/markup-compatibility/2006">
-        <mc:Choice xmlns:a14="http://schemas.microsoft.com/office/drawing/2010/main" Requires="a14">
+      <mc:AlternateContent xmlns:mc="http://schemas.openxmlformats.org/markup-compatibility/2006" xmlns:a14="http://schemas.microsoft.com/office/drawing/2010/main">
+        <mc:Choice Requires="a14">
           <p:sp>
             <p:nvSpPr>
               <p:cNvPr id="69" name="TextBox 68"/>
@@ -41593,6 +41918,7 @@
               </a:bodyPr>
               <a:lstStyle/>
               <a:p>
+                <a:pPr/>
                 <a14:m>
                   <m:oMathPara xmlns:m="http://schemas.openxmlformats.org/officeDocument/2006/math">
                     <m:oMathParaPr>
@@ -41613,7 +41939,7 @@
             </p:txBody>
           </p:sp>
         </mc:Choice>
-        <mc:Fallback>
+        <mc:Fallback xmlns="">
           <p:sp>
             <p:nvSpPr>
               <p:cNvPr id="69" name="TextBox 68"/>
@@ -41833,8 +42159,8 @@
           </a:p>
         </p:txBody>
       </p:sp>
-      <mc:AlternateContent xmlns:mc="http://schemas.openxmlformats.org/markup-compatibility/2006">
-        <mc:Choice xmlns:a14="http://schemas.microsoft.com/office/drawing/2010/main" Requires="a14">
+      <mc:AlternateContent xmlns:mc="http://schemas.openxmlformats.org/markup-compatibility/2006" xmlns:a14="http://schemas.microsoft.com/office/drawing/2010/main">
+        <mc:Choice Requires="a14">
           <p:sp>
             <p:nvSpPr>
               <p:cNvPr id="4" name="TextBox 3"/>
@@ -41870,7 +42196,7 @@
                       <m:sSubPr>
                         <m:ctrlPr>
                           <a:rPr lang="en-US" sz="2400" b="0" i="1" smtClean="0">
-                            <a:latin typeface="Cambria Math" panose="02040503050406030204" pitchFamily="18" charset="0"/>
+                            <a:latin typeface="Cambria Math" charset="0"/>
                           </a:rPr>
                         </m:ctrlPr>
                       </m:sSubPr>
@@ -42012,7 +42338,7 @@
                       <m:funcPr>
                         <m:ctrlPr>
                           <a:rPr lang="en-US" sz="2400" b="1" i="1" smtClean="0">
-                            <a:latin typeface="Cambria Math" panose="02040503050406030204" pitchFamily="18" charset="0"/>
+                            <a:latin typeface="Cambria Math" charset="0"/>
                           </a:rPr>
                         </m:ctrlPr>
                       </m:funcPr>
@@ -42143,7 +42469,7 @@
                       <m:funcPr>
                         <m:ctrlPr>
                           <a:rPr lang="en-US" sz="2400" b="0" i="1" smtClean="0">
-                            <a:latin typeface="Cambria Math" panose="02040503050406030204" pitchFamily="18" charset="0"/>
+                            <a:latin typeface="Cambria Math" charset="0"/>
                           </a:rPr>
                         </m:ctrlPr>
                       </m:funcPr>
@@ -42195,7 +42521,7 @@
             </p:txBody>
           </p:sp>
         </mc:Choice>
-        <mc:Fallback>
+        <mc:Fallback xmlns="">
           <p:sp>
             <p:nvSpPr>
               <p:cNvPr id="4" name="TextBox 3"/>
@@ -42263,8 +42589,8 @@
           </a:p>
         </p:txBody>
       </p:sp>
-      <mc:AlternateContent xmlns:mc="http://schemas.openxmlformats.org/markup-compatibility/2006">
-        <mc:Choice xmlns:a14="http://schemas.microsoft.com/office/drawing/2010/main" Requires="a14">
+      <mc:AlternateContent xmlns:mc="http://schemas.openxmlformats.org/markup-compatibility/2006" xmlns:a14="http://schemas.microsoft.com/office/drawing/2010/main">
+        <mc:Choice Requires="a14">
           <p:sp>
             <p:nvSpPr>
               <p:cNvPr id="49" name="Rectangle 48"/>
@@ -42332,7 +42658,7 @@
             </p:txBody>
           </p:sp>
         </mc:Choice>
-        <mc:Fallback>
+        <mc:Fallback xmlns="">
           <p:sp>
             <p:nvSpPr>
               <p:cNvPr id="49" name="Rectangle 48"/>
@@ -42376,8 +42702,8 @@
           </p:sp>
         </mc:Fallback>
       </mc:AlternateContent>
-      <mc:AlternateContent xmlns:mc="http://schemas.openxmlformats.org/markup-compatibility/2006">
-        <mc:Choice xmlns:a14="http://schemas.microsoft.com/office/drawing/2010/main" Requires="a14">
+      <mc:AlternateContent xmlns:mc="http://schemas.openxmlformats.org/markup-compatibility/2006" xmlns:a14="http://schemas.microsoft.com/office/drawing/2010/main">
+        <mc:Choice Requires="a14">
           <p:sp>
             <p:nvSpPr>
               <p:cNvPr id="50" name="Rectangle 49"/>
@@ -42432,7 +42758,7 @@
                         <m:sSubPr>
                           <m:ctrlPr>
                             <a:rPr lang="en-US" b="0" i="1" dirty="0" smtClean="0">
-                              <a:latin typeface="Cambria Math" panose="02040503050406030204" pitchFamily="18" charset="0"/>
+                              <a:latin typeface="Cambria Math" charset="0"/>
                             </a:rPr>
                           </m:ctrlPr>
                         </m:sSubPr>
@@ -42464,7 +42790,7 @@
             </p:txBody>
           </p:sp>
         </mc:Choice>
-        <mc:Fallback>
+        <mc:Fallback xmlns="">
           <p:sp>
             <p:nvSpPr>
               <p:cNvPr id="50" name="Rectangle 49"/>
@@ -42508,8 +42834,8 @@
           </p:sp>
         </mc:Fallback>
       </mc:AlternateContent>
-      <mc:AlternateContent xmlns:mc="http://schemas.openxmlformats.org/markup-compatibility/2006">
-        <mc:Choice xmlns:a14="http://schemas.microsoft.com/office/drawing/2010/main" Requires="a14">
+      <mc:AlternateContent xmlns:mc="http://schemas.openxmlformats.org/markup-compatibility/2006" xmlns:a14="http://schemas.microsoft.com/office/drawing/2010/main">
+        <mc:Choice Requires="a14">
           <p:sp>
             <p:nvSpPr>
               <p:cNvPr id="51" name="TextBox 50"/>
@@ -42557,7 +42883,7 @@
             </p:txBody>
           </p:sp>
         </mc:Choice>
-        <mc:Fallback>
+        <mc:Fallback xmlns="">
           <p:sp>
             <p:nvSpPr>
               <p:cNvPr id="51" name="TextBox 50"/>
@@ -42596,8 +42922,8 @@
           </p:sp>
         </mc:Fallback>
       </mc:AlternateContent>
-      <mc:AlternateContent xmlns:mc="http://schemas.openxmlformats.org/markup-compatibility/2006">
-        <mc:Choice xmlns:a14="http://schemas.microsoft.com/office/drawing/2010/main" Requires="a14">
+      <mc:AlternateContent xmlns:mc="http://schemas.openxmlformats.org/markup-compatibility/2006" xmlns:a14="http://schemas.microsoft.com/office/drawing/2010/main">
+        <mc:Choice Requires="a14">
           <p:sp>
             <p:nvSpPr>
               <p:cNvPr id="52" name="TextBox 51"/>
@@ -42645,7 +42971,7 @@
             </p:txBody>
           </p:sp>
         </mc:Choice>
-        <mc:Fallback>
+        <mc:Fallback xmlns="">
           <p:sp>
             <p:nvSpPr>
               <p:cNvPr id="52" name="TextBox 51"/>
@@ -42684,8 +43010,8 @@
           </p:sp>
         </mc:Fallback>
       </mc:AlternateContent>
-      <mc:AlternateContent xmlns:mc="http://schemas.openxmlformats.org/markup-compatibility/2006">
-        <mc:Choice xmlns:a14="http://schemas.microsoft.com/office/drawing/2010/main" Requires="a14">
+      <mc:AlternateContent xmlns:mc="http://schemas.openxmlformats.org/markup-compatibility/2006" xmlns:a14="http://schemas.microsoft.com/office/drawing/2010/main">
+        <mc:Choice Requires="a14">
           <p:sp>
             <p:nvSpPr>
               <p:cNvPr id="53" name="Rectangle 52"/>
@@ -42749,7 +43075,7 @@
                         <m:sSubPr>
                           <m:ctrlPr>
                             <a:rPr lang="en-US" b="0" i="1" dirty="0" smtClean="0">
-                              <a:latin typeface="Cambria Math" panose="02040503050406030204" pitchFamily="18" charset="0"/>
+                              <a:latin typeface="Cambria Math" charset="0"/>
                             </a:rPr>
                           </m:ctrlPr>
                         </m:sSubPr>
@@ -42787,7 +43113,7 @@
             </p:txBody>
           </p:sp>
         </mc:Choice>
-        <mc:Fallback>
+        <mc:Fallback xmlns="">
           <p:sp>
             <p:nvSpPr>
               <p:cNvPr id="53" name="Rectangle 52"/>
@@ -42831,8 +43157,8 @@
           </p:sp>
         </mc:Fallback>
       </mc:AlternateContent>
-      <mc:AlternateContent xmlns:mc="http://schemas.openxmlformats.org/markup-compatibility/2006">
-        <mc:Choice xmlns:a14="http://schemas.microsoft.com/office/drawing/2010/main" Requires="a14">
+      <mc:AlternateContent xmlns:mc="http://schemas.openxmlformats.org/markup-compatibility/2006" xmlns:a14="http://schemas.microsoft.com/office/drawing/2010/main">
+        <mc:Choice Requires="a14">
           <p:sp>
             <p:nvSpPr>
               <p:cNvPr id="54" name="Rectangle 53"/>
@@ -42906,7 +43232,7 @@
                       <m:sSubPr>
                         <m:ctrlPr>
                           <a:rPr lang="en-US" b="0" i="1" dirty="0" smtClean="0">
-                            <a:latin typeface="Cambria Math" panose="02040503050406030204" pitchFamily="18" charset="0"/>
+                            <a:latin typeface="Cambria Math" charset="0"/>
                           </a:rPr>
                         </m:ctrlPr>
                       </m:sSubPr>
@@ -42943,7 +43269,7 @@
             </p:txBody>
           </p:sp>
         </mc:Choice>
-        <mc:Fallback>
+        <mc:Fallback xmlns="">
           <p:sp>
             <p:nvSpPr>
               <p:cNvPr id="54" name="Rectangle 53"/>
@@ -43166,8 +43492,8 @@
           </a:p>
         </p:txBody>
       </p:sp>
-      <mc:AlternateContent xmlns:mc="http://schemas.openxmlformats.org/markup-compatibility/2006">
-        <mc:Choice xmlns:a14="http://schemas.microsoft.com/office/drawing/2010/main" Requires="a14">
+      <mc:AlternateContent xmlns:mc="http://schemas.openxmlformats.org/markup-compatibility/2006" xmlns:a14="http://schemas.microsoft.com/office/drawing/2010/main">
+        <mc:Choice Requires="a14">
           <p:sp>
             <p:nvSpPr>
               <p:cNvPr id="59" name="Rectangle 58"/>
@@ -43215,7 +43541,7 @@
                               <a:solidFill>
                                 <a:srgbClr val="002060"/>
                               </a:solidFill>
-                              <a:latin typeface="Cambria Math" panose="02040503050406030204" pitchFamily="18" charset="0"/>
+                              <a:latin typeface="Cambria Math" charset="0"/>
                             </a:rPr>
                           </m:ctrlPr>
                         </m:sSubPr>
@@ -43255,7 +43581,7 @@
                               <a:solidFill>
                                 <a:srgbClr val="002060"/>
                               </a:solidFill>
-                              <a:latin typeface="Cambria Math" panose="02040503050406030204" pitchFamily="18" charset="0"/>
+                              <a:latin typeface="Cambria Math" charset="0"/>
                             </a:rPr>
                           </m:ctrlPr>
                         </m:dPr>
@@ -43287,7 +43613,7 @@
                               <a:solidFill>
                                 <a:srgbClr val="002060"/>
                               </a:solidFill>
-                              <a:latin typeface="Cambria Math" panose="02040503050406030204" pitchFamily="18" charset="0"/>
+                              <a:latin typeface="Cambria Math" charset="0"/>
                             </a:rPr>
                           </m:ctrlPr>
                         </m:sSubSupPr>
@@ -43332,7 +43658,7 @@
                               <a:solidFill>
                                 <a:srgbClr val="002060"/>
                               </a:solidFill>
-                              <a:latin typeface="Cambria Math" panose="02040503050406030204" pitchFamily="18" charset="0"/>
+                              <a:latin typeface="Cambria Math" charset="0"/>
                             </a:rPr>
                           </m:ctrlPr>
                         </m:sSubPr>
@@ -43382,7 +43708,7 @@
             </p:txBody>
           </p:sp>
         </mc:Choice>
-        <mc:Fallback>
+        <mc:Fallback xmlns="">
           <p:sp>
             <p:nvSpPr>
               <p:cNvPr id="59" name="Rectangle 58"/>
@@ -43421,8 +43747,8 @@
           </p:sp>
         </mc:Fallback>
       </mc:AlternateContent>
-      <mc:AlternateContent xmlns:mc="http://schemas.openxmlformats.org/markup-compatibility/2006">
-        <mc:Choice xmlns:a14="http://schemas.microsoft.com/office/drawing/2010/main" Requires="a14">
+      <mc:AlternateContent xmlns:mc="http://schemas.openxmlformats.org/markup-compatibility/2006" xmlns:a14="http://schemas.microsoft.com/office/drawing/2010/main">
+        <mc:Choice Requires="a14">
           <p:sp>
             <p:nvSpPr>
               <p:cNvPr id="60" name="TextBox 59"/>
@@ -43445,6 +43771,7 @@
               </a:bodyPr>
               <a:lstStyle/>
               <a:p>
+                <a:pPr/>
                 <a14:m>
                   <m:oMathPara xmlns:m="http://schemas.openxmlformats.org/officeDocument/2006/math">
                     <m:oMathParaPr>
@@ -43465,7 +43792,7 @@
             </p:txBody>
           </p:sp>
         </mc:Choice>
-        <mc:Fallback>
+        <mc:Fallback xmlns="">
           <p:sp>
             <p:nvSpPr>
               <p:cNvPr id="60" name="TextBox 59"/>
@@ -43578,8 +43905,8 @@
           </a:fontRef>
         </p:style>
       </p:cxnSp>
-      <mc:AlternateContent xmlns:mc="http://schemas.openxmlformats.org/markup-compatibility/2006">
-        <mc:Choice xmlns:a14="http://schemas.microsoft.com/office/drawing/2010/main" Requires="a14">
+      <mc:AlternateContent xmlns:mc="http://schemas.openxmlformats.org/markup-compatibility/2006" xmlns:a14="http://schemas.microsoft.com/office/drawing/2010/main">
+        <mc:Choice Requires="a14">
           <p:sp>
             <p:nvSpPr>
               <p:cNvPr id="63" name="TextBox 62"/>
@@ -43602,6 +43929,7 @@
               </a:bodyPr>
               <a:lstStyle/>
               <a:p>
+                <a:pPr/>
                 <a14:m>
                   <m:oMathPara xmlns:m="http://schemas.openxmlformats.org/officeDocument/2006/math">
                     <m:oMathParaPr>
@@ -43622,7 +43950,7 @@
             </p:txBody>
           </p:sp>
         </mc:Choice>
-        <mc:Fallback>
+        <mc:Fallback xmlns="">
           <p:sp>
             <p:nvSpPr>
               <p:cNvPr id="63" name="TextBox 62"/>
@@ -43698,8 +44026,8 @@
           </a:fontRef>
         </p:style>
       </p:cxnSp>
-      <mc:AlternateContent xmlns:mc="http://schemas.openxmlformats.org/markup-compatibility/2006">
-        <mc:Choice xmlns:a14="http://schemas.microsoft.com/office/drawing/2010/main" Requires="a14">
+      <mc:AlternateContent xmlns:mc="http://schemas.openxmlformats.org/markup-compatibility/2006" xmlns:a14="http://schemas.microsoft.com/office/drawing/2010/main">
+        <mc:Choice Requires="a14">
           <p:sp>
             <p:nvSpPr>
               <p:cNvPr id="65" name="TextBox 64"/>
@@ -43722,6 +44050,7 @@
               </a:bodyPr>
               <a:lstStyle/>
               <a:p>
+                <a:pPr/>
                 <a14:m>
                   <m:oMathPara xmlns:m="http://schemas.openxmlformats.org/officeDocument/2006/math">
                     <m:oMathParaPr>
@@ -43742,7 +44071,7 @@
             </p:txBody>
           </p:sp>
         </mc:Choice>
-        <mc:Fallback>
+        <mc:Fallback xmlns="">
           <p:sp>
             <p:nvSpPr>
               <p:cNvPr id="65" name="TextBox 64"/>
@@ -43818,8 +44147,8 @@
           </a:fontRef>
         </p:style>
       </p:cxnSp>
-      <mc:AlternateContent xmlns:mc="http://schemas.openxmlformats.org/markup-compatibility/2006">
-        <mc:Choice xmlns:a14="http://schemas.microsoft.com/office/drawing/2010/main" Requires="a14">
+      <mc:AlternateContent xmlns:mc="http://schemas.openxmlformats.org/markup-compatibility/2006" xmlns:a14="http://schemas.microsoft.com/office/drawing/2010/main">
+        <mc:Choice Requires="a14">
           <p:sp>
             <p:nvSpPr>
               <p:cNvPr id="67" name="TextBox 66"/>
@@ -43842,6 +44171,7 @@
               </a:bodyPr>
               <a:lstStyle/>
               <a:p>
+                <a:pPr/>
                 <a14:m>
                   <m:oMathPara xmlns:m="http://schemas.openxmlformats.org/officeDocument/2006/math">
                     <m:oMathParaPr>
@@ -43862,7 +44192,7 @@
             </p:txBody>
           </p:sp>
         </mc:Choice>
-        <mc:Fallback>
+        <mc:Fallback xmlns="">
           <p:sp>
             <p:nvSpPr>
               <p:cNvPr id="67" name="TextBox 66"/>
@@ -43938,8 +44268,8 @@
           </a:fontRef>
         </p:style>
       </p:cxnSp>
-      <mc:AlternateContent xmlns:mc="http://schemas.openxmlformats.org/markup-compatibility/2006">
-        <mc:Choice xmlns:a14="http://schemas.microsoft.com/office/drawing/2010/main" Requires="a14">
+      <mc:AlternateContent xmlns:mc="http://schemas.openxmlformats.org/markup-compatibility/2006" xmlns:a14="http://schemas.microsoft.com/office/drawing/2010/main">
+        <mc:Choice Requires="a14">
           <p:sp>
             <p:nvSpPr>
               <p:cNvPr id="69" name="TextBox 68"/>
@@ -43962,6 +44292,7 @@
               </a:bodyPr>
               <a:lstStyle/>
               <a:p>
+                <a:pPr/>
                 <a14:m>
                   <m:oMathPara xmlns:m="http://schemas.openxmlformats.org/officeDocument/2006/math">
                     <m:oMathParaPr>
@@ -43982,7 +44313,7 @@
             </p:txBody>
           </p:sp>
         </mc:Choice>
-        <mc:Fallback>
+        <mc:Fallback xmlns="">
           <p:sp>
             <p:nvSpPr>
               <p:cNvPr id="69" name="TextBox 68"/>
@@ -44058,8 +44389,8 @@
           </a:fontRef>
         </p:style>
       </p:cxnSp>
-      <mc:AlternateContent xmlns:mc="http://schemas.openxmlformats.org/markup-compatibility/2006">
-        <mc:Choice xmlns:a14="http://schemas.microsoft.com/office/drawing/2010/main" Requires="a14">
+      <mc:AlternateContent xmlns:mc="http://schemas.openxmlformats.org/markup-compatibility/2006" xmlns:a14="http://schemas.microsoft.com/office/drawing/2010/main">
+        <mc:Choice Requires="a14">
           <p:sp>
             <p:nvSpPr>
               <p:cNvPr id="71" name="TextBox 70"/>
@@ -44082,6 +44413,7 @@
               </a:bodyPr>
               <a:lstStyle/>
               <a:p>
+                <a:pPr/>
                 <a14:m>
                   <m:oMathPara xmlns:m="http://schemas.openxmlformats.org/officeDocument/2006/math">
                     <m:oMathParaPr>
@@ -44102,7 +44434,7 @@
             </p:txBody>
           </p:sp>
         </mc:Choice>
-        <mc:Fallback>
+        <mc:Fallback xmlns="">
           <p:sp>
             <p:nvSpPr>
               <p:cNvPr id="71" name="TextBox 70"/>
@@ -44178,8 +44510,8 @@
           </a:fontRef>
         </p:style>
       </p:cxnSp>
-      <mc:AlternateContent xmlns:mc="http://schemas.openxmlformats.org/markup-compatibility/2006">
-        <mc:Choice xmlns:a14="http://schemas.microsoft.com/office/drawing/2010/main" Requires="a14">
+      <mc:AlternateContent xmlns:mc="http://schemas.openxmlformats.org/markup-compatibility/2006" xmlns:a14="http://schemas.microsoft.com/office/drawing/2010/main">
+        <mc:Choice Requires="a14">
           <p:sp>
             <p:nvSpPr>
               <p:cNvPr id="73" name="TextBox 72"/>
@@ -44202,6 +44534,7 @@
               </a:bodyPr>
               <a:lstStyle/>
               <a:p>
+                <a:pPr/>
                 <a14:m>
                   <m:oMathPara xmlns:m="http://schemas.openxmlformats.org/officeDocument/2006/math">
                     <m:oMathParaPr>
@@ -44222,7 +44555,7 @@
             </p:txBody>
           </p:sp>
         </mc:Choice>
-        <mc:Fallback>
+        <mc:Fallback xmlns="">
           <p:sp>
             <p:nvSpPr>
               <p:cNvPr id="73" name="TextBox 72"/>
@@ -44298,8 +44631,8 @@
           </a:fontRef>
         </p:style>
       </p:cxnSp>
-      <mc:AlternateContent xmlns:mc="http://schemas.openxmlformats.org/markup-compatibility/2006">
-        <mc:Choice xmlns:a14="http://schemas.microsoft.com/office/drawing/2010/main" Requires="a14">
+      <mc:AlternateContent xmlns:mc="http://schemas.openxmlformats.org/markup-compatibility/2006" xmlns:a14="http://schemas.microsoft.com/office/drawing/2010/main">
+        <mc:Choice Requires="a14">
           <p:sp>
             <p:nvSpPr>
               <p:cNvPr id="75" name="TextBox 74"/>
@@ -44322,6 +44655,7 @@
               </a:bodyPr>
               <a:lstStyle/>
               <a:p>
+                <a:pPr/>
                 <a14:m>
                   <m:oMathPara xmlns:m="http://schemas.openxmlformats.org/officeDocument/2006/math">
                     <m:oMathParaPr>
@@ -44342,7 +44676,7 @@
             </p:txBody>
           </p:sp>
         </mc:Choice>
-        <mc:Fallback>
+        <mc:Fallback xmlns="">
           <p:sp>
             <p:nvSpPr>
               <p:cNvPr id="75" name="TextBox 74"/>
@@ -44677,14 +45011,7 @@
                 <a:latin typeface="Times New Roman" panose="02020603050405020304" pitchFamily="18" charset="0"/>
                 <a:cs typeface="Times New Roman" panose="02020603050405020304" pitchFamily="18" charset="0"/>
               </a:rPr>
-              <a:t>A </a:t>
-            </a:r>
-            <a:r>
-              <a:rPr lang="en-US" sz="2800" dirty="0" smtClean="0">
-                <a:latin typeface="Times New Roman" panose="02020603050405020304" pitchFamily="18" charset="0"/>
-                <a:cs typeface="Times New Roman" panose="02020603050405020304" pitchFamily="18" charset="0"/>
-              </a:rPr>
-              <a:t>Categorization of Approaches</a:t>
+              <a:t>A Categorization of Approaches</a:t>
             </a:r>
             <a:r>
               <a:rPr lang="en-US" sz="3400" dirty="0" smtClean="0">

--- a/slides/aaai19-tutorial.pptx
+++ b/slides/aaai19-tutorial.pptx
@@ -280,7 +280,7 @@
           <a:p>
             <a:fld id="{D6B7C6C1-58CA-4905-AEDC-9C13740575B8}" type="datetimeFigureOut">
               <a:rPr lang="en-SG" smtClean="0"/>
-              <a:t>1/1/19</a:t>
+              <a:t>2/1/2019</a:t>
             </a:fld>
             <a:endParaRPr lang="en-SG"/>
           </a:p>
@@ -5651,7 +5651,7 @@
                               <a:solidFill>
                                 <a:srgbClr val="002060"/>
                               </a:solidFill>
-                              <a:latin typeface="Cambria Math" charset="0"/>
+                              <a:latin typeface="Cambria Math" panose="02040503050406030204" pitchFamily="18" charset="0"/>
                               <a:cs typeface="Times New Roman" panose="02020603050405020304" pitchFamily="18" charset="0"/>
                             </a:rPr>
                           </m:ctrlPr>
@@ -5679,7 +5679,7 @@
                                   <a:solidFill>
                                     <a:srgbClr val="002060"/>
                                   </a:solidFill>
-                                  <a:latin typeface="Cambria Math" charset="0"/>
+                                  <a:latin typeface="Cambria Math" panose="02040503050406030204" pitchFamily="18" charset="0"/>
                                   <a:cs typeface="Times New Roman" panose="02020603050405020304" pitchFamily="18" charset="0"/>
                                 </a:rPr>
                               </m:ctrlPr>
@@ -5692,7 +5692,7 @@
                                       <a:solidFill>
                                         <a:srgbClr val="002060"/>
                                       </a:solidFill>
-                                      <a:latin typeface="Cambria Math" charset="0"/>
+                                      <a:latin typeface="Cambria Math" panose="02040503050406030204" pitchFamily="18" charset="0"/>
                                       <a:cs typeface="Times New Roman" panose="02020603050405020304" pitchFamily="18" charset="0"/>
                                     </a:rPr>
                                   </m:ctrlPr>
@@ -5764,7 +5764,7 @@
                                       <a:solidFill>
                                         <a:srgbClr val="002060"/>
                                       </a:solidFill>
-                                      <a:latin typeface="Cambria Math" charset="0"/>
+                                      <a:latin typeface="Cambria Math" panose="02040503050406030204" pitchFamily="18" charset="0"/>
                                       <a:cs typeface="Times New Roman" panose="02020603050405020304" pitchFamily="18" charset="0"/>
                                     </a:rPr>
                                   </m:ctrlPr>
@@ -5813,7 +5813,7 @@
                                       <a:solidFill>
                                         <a:srgbClr val="002060"/>
                                       </a:solidFill>
-                                      <a:latin typeface="Cambria Math" charset="0"/>
+                                      <a:latin typeface="Cambria Math" panose="02040503050406030204" pitchFamily="18" charset="0"/>
                                       <a:cs typeface="Times New Roman" panose="02020603050405020304" pitchFamily="18" charset="0"/>
                                     </a:rPr>
                                   </m:ctrlPr>
@@ -5953,7 +5953,7 @@
                       <m:sSubPr>
                         <m:ctrlPr>
                           <a:rPr lang="en-US" sz="3200" i="1">
-                            <a:latin typeface="Cambria Math" charset="0"/>
+                            <a:latin typeface="Cambria Math" panose="02040503050406030204" pitchFamily="18" charset="0"/>
                             <a:cs typeface="Times New Roman" panose="02020603050405020304" pitchFamily="18" charset="0"/>
                           </a:rPr>
                         </m:ctrlPr>
@@ -6330,7 +6330,7 @@
                               <a:solidFill>
                                 <a:srgbClr val="002060"/>
                               </a:solidFill>
-                              <a:latin typeface="Cambria Math" charset="0"/>
+                              <a:latin typeface="Cambria Math" panose="02040503050406030204" pitchFamily="18" charset="0"/>
                               <a:cs typeface="Times New Roman" panose="02020603050405020304" pitchFamily="18" charset="0"/>
                             </a:rPr>
                           </m:ctrlPr>
@@ -6358,7 +6358,7 @@
                                   <a:solidFill>
                                     <a:srgbClr val="002060"/>
                                   </a:solidFill>
-                                  <a:latin typeface="Cambria Math" charset="0"/>
+                                  <a:latin typeface="Cambria Math" panose="02040503050406030204" pitchFamily="18" charset="0"/>
                                   <a:cs typeface="Times New Roman" panose="02020603050405020304" pitchFamily="18" charset="0"/>
                                 </a:rPr>
                               </m:ctrlPr>
@@ -6371,7 +6371,7 @@
                                       <a:solidFill>
                                         <a:srgbClr val="002060"/>
                                       </a:solidFill>
-                                      <a:latin typeface="Cambria Math" charset="0"/>
+                                      <a:latin typeface="Cambria Math" panose="02040503050406030204" pitchFamily="18" charset="0"/>
                                       <a:cs typeface="Times New Roman" panose="02020603050405020304" pitchFamily="18" charset="0"/>
                                     </a:rPr>
                                   </m:ctrlPr>
@@ -6456,7 +6456,7 @@
                                       <a:solidFill>
                                         <a:srgbClr val="002060"/>
                                       </a:solidFill>
-                                      <a:latin typeface="Cambria Math" charset="0"/>
+                                      <a:latin typeface="Cambria Math" panose="02040503050406030204" pitchFamily="18" charset="0"/>
                                       <a:cs typeface="Times New Roman" panose="02020603050405020304" pitchFamily="18" charset="0"/>
                                     </a:rPr>
                                   </m:ctrlPr>
@@ -6471,7 +6471,7 @@
                                           <a:solidFill>
                                             <a:srgbClr val="002060"/>
                                           </a:solidFill>
-                                          <a:latin typeface="Cambria Math" charset="0"/>
+                                          <a:latin typeface="Cambria Math" panose="02040503050406030204" pitchFamily="18" charset="0"/>
                                           <a:cs typeface="Times New Roman" panose="02020603050405020304" pitchFamily="18" charset="0"/>
                                         </a:rPr>
                                       </m:ctrlPr>
@@ -6486,7 +6486,7 @@
                                               <a:solidFill>
                                                 <a:srgbClr val="002060"/>
                                               </a:solidFill>
-                                              <a:latin typeface="Cambria Math" charset="0"/>
+                                              <a:latin typeface="Cambria Math" panose="02040503050406030204" pitchFamily="18" charset="0"/>
                                               <a:cs typeface="Times New Roman" panose="02020603050405020304" pitchFamily="18" charset="0"/>
                                             </a:rPr>
                                           </m:ctrlPr>
@@ -6499,7 +6499,7 @@
                                                   <a:solidFill>
                                                     <a:srgbClr val="002060"/>
                                                   </a:solidFill>
-                                                  <a:latin typeface="Cambria Math" charset="0"/>
+                                                  <a:latin typeface="Cambria Math" panose="02040503050406030204" pitchFamily="18" charset="0"/>
                                                   <a:cs typeface="Times New Roman" panose="02020603050405020304" pitchFamily="18" charset="0"/>
                                                 </a:rPr>
                                               </m:ctrlPr>
@@ -6546,7 +6546,7 @@
                                                   <a:solidFill>
                                                     <a:srgbClr val="002060"/>
                                                   </a:solidFill>
-                                                  <a:latin typeface="Cambria Math" charset="0"/>
+                                                  <a:latin typeface="Cambria Math" panose="02040503050406030204" pitchFamily="18" charset="0"/>
                                                   <a:cs typeface="Times New Roman" panose="02020603050405020304" pitchFamily="18" charset="0"/>
                                                 </a:rPr>
                                               </m:ctrlPr>
@@ -6615,7 +6615,7 @@
                               <a:solidFill>
                                 <a:srgbClr val="002060"/>
                               </a:solidFill>
-                              <a:latin typeface="Cambria Math" charset="0"/>
+                              <a:latin typeface="Cambria Math" panose="02040503050406030204" pitchFamily="18" charset="0"/>
                               <a:cs typeface="Times New Roman" panose="02020603050405020304" pitchFamily="18" charset="0"/>
                             </a:rPr>
                           </m:ctrlPr>
@@ -6643,7 +6643,7 @@
                                   <a:solidFill>
                                     <a:srgbClr val="002060"/>
                                   </a:solidFill>
-                                  <a:latin typeface="Cambria Math" charset="0"/>
+                                  <a:latin typeface="Cambria Math" panose="02040503050406030204" pitchFamily="18" charset="0"/>
                                   <a:cs typeface="Times New Roman" panose="02020603050405020304" pitchFamily="18" charset="0"/>
                                 </a:rPr>
                               </m:ctrlPr>
@@ -6656,7 +6656,7 @@
                                       <a:solidFill>
                                         <a:srgbClr val="002060"/>
                                       </a:solidFill>
-                                      <a:latin typeface="Cambria Math" charset="0"/>
+                                      <a:latin typeface="Cambria Math" panose="02040503050406030204" pitchFamily="18" charset="0"/>
                                       <a:cs typeface="Times New Roman" panose="02020603050405020304" pitchFamily="18" charset="0"/>
                                     </a:rPr>
                                   </m:ctrlPr>
@@ -6741,7 +6741,7 @@
                                       <a:solidFill>
                                         <a:srgbClr val="002060"/>
                                       </a:solidFill>
-                                      <a:latin typeface="Cambria Math" charset="0"/>
+                                      <a:latin typeface="Cambria Math" panose="02040503050406030204" pitchFamily="18" charset="0"/>
                                       <a:cs typeface="Times New Roman" panose="02020603050405020304" pitchFamily="18" charset="0"/>
                                     </a:rPr>
                                   </m:ctrlPr>
@@ -6754,7 +6754,7 @@
                                           <a:solidFill>
                                             <a:srgbClr val="002060"/>
                                           </a:solidFill>
-                                          <a:latin typeface="Cambria Math" charset="0"/>
+                                          <a:latin typeface="Cambria Math" panose="02040503050406030204" pitchFamily="18" charset="0"/>
                                           <a:cs typeface="Times New Roman" panose="02020603050405020304" pitchFamily="18" charset="0"/>
                                         </a:rPr>
                                       </m:ctrlPr>
@@ -6769,7 +6769,7 @@
                                               <a:solidFill>
                                                 <a:srgbClr val="002060"/>
                                               </a:solidFill>
-                                              <a:latin typeface="Cambria Math" charset="0"/>
+                                              <a:latin typeface="Cambria Math" panose="02040503050406030204" pitchFamily="18" charset="0"/>
                                               <a:cs typeface="Times New Roman" panose="02020603050405020304" pitchFamily="18" charset="0"/>
                                             </a:rPr>
                                           </m:ctrlPr>
@@ -6784,7 +6784,7 @@
                                                   <a:solidFill>
                                                     <a:srgbClr val="002060"/>
                                                   </a:solidFill>
-                                                  <a:latin typeface="Cambria Math" charset="0"/>
+                                                  <a:latin typeface="Cambria Math" panose="02040503050406030204" pitchFamily="18" charset="0"/>
                                                   <a:cs typeface="Times New Roman" panose="02020603050405020304" pitchFamily="18" charset="0"/>
                                                 </a:rPr>
                                               </m:ctrlPr>
@@ -6797,7 +6797,7 @@
                                                       <a:solidFill>
                                                         <a:srgbClr val="002060"/>
                                                       </a:solidFill>
-                                                      <a:latin typeface="Cambria Math" charset="0"/>
+                                                      <a:latin typeface="Cambria Math" panose="02040503050406030204" pitchFamily="18" charset="0"/>
                                                       <a:cs typeface="Times New Roman" panose="02020603050405020304" pitchFamily="18" charset="0"/>
                                                     </a:rPr>
                                                   </m:ctrlPr>
@@ -6874,7 +6874,7 @@
                                           <a:solidFill>
                                             <a:srgbClr val="002060"/>
                                           </a:solidFill>
-                                          <a:latin typeface="Cambria Math" charset="0"/>
+                                          <a:latin typeface="Cambria Math" panose="02040503050406030204" pitchFamily="18" charset="0"/>
                                           <a:cs typeface="Times New Roman" panose="02020603050405020304" pitchFamily="18" charset="0"/>
                                         </a:rPr>
                                       </m:ctrlPr>
@@ -6923,7 +6923,7 @@
                                           <a:solidFill>
                                             <a:srgbClr val="002060"/>
                                           </a:solidFill>
-                                          <a:latin typeface="Cambria Math" charset="0"/>
+                                          <a:latin typeface="Cambria Math" panose="02040503050406030204" pitchFamily="18" charset="0"/>
                                           <a:cs typeface="Times New Roman" panose="02020603050405020304" pitchFamily="18" charset="0"/>
                                         </a:rPr>
                                       </m:ctrlPr>
@@ -7051,7 +7051,7 @@
                             <a:solidFill>
                               <a:srgbClr val="002060"/>
                             </a:solidFill>
-                            <a:latin typeface="Cambria Math" charset="0"/>
+                            <a:latin typeface="Cambria Math" panose="02040503050406030204" pitchFamily="18" charset="0"/>
                             <a:cs typeface="Times New Roman" panose="02020603050405020304" pitchFamily="18" charset="0"/>
                           </a:rPr>
                         </m:ctrlPr>
@@ -7079,7 +7079,7 @@
                                 <a:solidFill>
                                   <a:srgbClr val="002060"/>
                                 </a:solidFill>
-                                <a:latin typeface="Cambria Math" charset="0"/>
+                                <a:latin typeface="Cambria Math" panose="02040503050406030204" pitchFamily="18" charset="0"/>
                                 <a:cs typeface="Times New Roman" panose="02020603050405020304" pitchFamily="18" charset="0"/>
                               </a:rPr>
                             </m:ctrlPr>
@@ -7092,7 +7092,7 @@
                                     <a:solidFill>
                                       <a:srgbClr val="002060"/>
                                     </a:solidFill>
-                                    <a:latin typeface="Cambria Math" charset="0"/>
+                                    <a:latin typeface="Cambria Math" panose="02040503050406030204" pitchFamily="18" charset="0"/>
                                     <a:cs typeface="Times New Roman" panose="02020603050405020304" pitchFamily="18" charset="0"/>
                                   </a:rPr>
                                 </m:ctrlPr>
@@ -7164,7 +7164,7 @@
                                     <a:solidFill>
                                       <a:srgbClr val="002060"/>
                                     </a:solidFill>
-                                    <a:latin typeface="Cambria Math" charset="0"/>
+                                    <a:latin typeface="Cambria Math" panose="02040503050406030204" pitchFamily="18" charset="0"/>
                                     <a:cs typeface="Times New Roman" panose="02020603050405020304" pitchFamily="18" charset="0"/>
                                   </a:rPr>
                                 </m:ctrlPr>
@@ -7213,7 +7213,7 @@
                                     <a:solidFill>
                                       <a:srgbClr val="002060"/>
                                     </a:solidFill>
-                                    <a:latin typeface="Cambria Math" charset="0"/>
+                                    <a:latin typeface="Cambria Math" panose="02040503050406030204" pitchFamily="18" charset="0"/>
                                     <a:cs typeface="Times New Roman" panose="02020603050405020304" pitchFamily="18" charset="0"/>
                                   </a:rPr>
                                 </m:ctrlPr>
@@ -7833,7 +7833,7 @@
                         <m:sSubPr>
                           <m:ctrlPr>
                             <a:rPr lang="en-US" b="1" i="1" smtClean="0">
-                              <a:latin typeface="Cambria Math" charset="0"/>
+                              <a:latin typeface="Cambria Math" panose="02040503050406030204" pitchFamily="18" charset="0"/>
                             </a:rPr>
                           </m:ctrlPr>
                         </m:sSubPr>
@@ -7966,7 +7966,7 @@
                         <m:sSubPr>
                           <m:ctrlPr>
                             <a:rPr lang="en-US" b="1" i="1" smtClean="0">
-                              <a:latin typeface="Cambria Math" charset="0"/>
+                              <a:latin typeface="Cambria Math" panose="02040503050406030204" pitchFamily="18" charset="0"/>
                             </a:rPr>
                           </m:ctrlPr>
                         </m:sSubPr>
@@ -8099,7 +8099,7 @@
                         <m:sSubPr>
                           <m:ctrlPr>
                             <a:rPr lang="en-US" b="1" i="1" smtClean="0">
-                              <a:latin typeface="Cambria Math" charset="0"/>
+                              <a:latin typeface="Cambria Math" panose="02040503050406030204" pitchFamily="18" charset="0"/>
                             </a:rPr>
                           </m:ctrlPr>
                         </m:sSubPr>
@@ -8247,7 +8247,7 @@
                               <a:solidFill>
                                 <a:srgbClr val="002060"/>
                               </a:solidFill>
-                              <a:latin typeface="Cambria Math" charset="0"/>
+                              <a:latin typeface="Cambria Math" panose="02040503050406030204" pitchFamily="18" charset="0"/>
                             </a:rPr>
                           </m:ctrlPr>
                         </m:sSubPr>
@@ -8290,7 +8290,7 @@
                               <a:solidFill>
                                 <a:srgbClr val="002060"/>
                               </a:solidFill>
-                              <a:latin typeface="Cambria Math" charset="0"/>
+                              <a:latin typeface="Cambria Math" panose="02040503050406030204" pitchFamily="18" charset="0"/>
                             </a:rPr>
                           </m:ctrlPr>
                         </m:sSubSupPr>
@@ -8398,7 +8398,7 @@
                               <a:solidFill>
                                 <a:srgbClr val="002060"/>
                               </a:solidFill>
-                              <a:latin typeface="Cambria Math" charset="0"/>
+                              <a:latin typeface="Cambria Math" panose="02040503050406030204" pitchFamily="18" charset="0"/>
                             </a:rPr>
                           </m:ctrlPr>
                         </m:sSubPr>
@@ -8441,7 +8441,7 @@
                               <a:solidFill>
                                 <a:srgbClr val="002060"/>
                               </a:solidFill>
-                              <a:latin typeface="Cambria Math" charset="0"/>
+                              <a:latin typeface="Cambria Math" panose="02040503050406030204" pitchFamily="18" charset="0"/>
                             </a:rPr>
                           </m:ctrlPr>
                         </m:sSubSupPr>
@@ -8512,7 +8512,7 @@
                               <a:solidFill>
                                 <a:srgbClr val="002060"/>
                               </a:solidFill>
-                              <a:latin typeface="Cambria Math" charset="0"/>
+                              <a:latin typeface="Cambria Math" panose="02040503050406030204" pitchFamily="18" charset="0"/>
                             </a:rPr>
                           </m:ctrlPr>
                         </m:dPr>
@@ -8526,7 +8526,7 @@
                                   <a:solidFill>
                                     <a:srgbClr val="002060"/>
                                   </a:solidFill>
-                                  <a:latin typeface="Cambria Math" charset="0"/>
+                                  <a:latin typeface="Cambria Math" panose="02040503050406030204" pitchFamily="18" charset="0"/>
                                 </a:rPr>
                               </m:ctrlPr>
                             </m:dPr>
@@ -8538,7 +8538,7 @@
                                       <a:solidFill>
                                         <a:srgbClr val="002060"/>
                                       </a:solidFill>
-                                      <a:latin typeface="Cambria Math" charset="0"/>
+                                      <a:latin typeface="Cambria Math" panose="02040503050406030204" pitchFamily="18" charset="0"/>
                                     </a:rPr>
                                   </m:ctrlPr>
                                 </m:sSubPr>
@@ -8581,7 +8581,7 @@
                                       <a:solidFill>
                                         <a:srgbClr val="002060"/>
                                       </a:solidFill>
-                                      <a:latin typeface="Cambria Math" charset="0"/>
+                                      <a:latin typeface="Cambria Math" panose="02040503050406030204" pitchFamily="18" charset="0"/>
                                     </a:rPr>
                                   </m:ctrlPr>
                                 </m:sSubPr>
@@ -8684,7 +8684,7 @@
                               <a:solidFill>
                                 <a:srgbClr val="002060"/>
                               </a:solidFill>
-                              <a:latin typeface="Cambria Math" charset="0"/>
+                              <a:latin typeface="Cambria Math" panose="02040503050406030204" pitchFamily="18" charset="0"/>
                             </a:rPr>
                           </m:ctrlPr>
                         </m:dPr>
@@ -8698,7 +8698,7 @@
                                   <a:solidFill>
                                     <a:srgbClr val="002060"/>
                                   </a:solidFill>
-                                  <a:latin typeface="Cambria Math" charset="0"/>
+                                  <a:latin typeface="Cambria Math" panose="02040503050406030204" pitchFamily="18" charset="0"/>
                                 </a:rPr>
                               </m:ctrlPr>
                             </m:dPr>
@@ -8710,7 +8710,7 @@
                                       <a:solidFill>
                                         <a:srgbClr val="002060"/>
                                       </a:solidFill>
-                                      <a:latin typeface="Cambria Math" charset="0"/>
+                                      <a:latin typeface="Cambria Math" panose="02040503050406030204" pitchFamily="18" charset="0"/>
                                     </a:rPr>
                                   </m:ctrlPr>
                                 </m:sSubPr>
@@ -8753,7 +8753,7 @@
                                       <a:solidFill>
                                         <a:srgbClr val="002060"/>
                                       </a:solidFill>
-                                      <a:latin typeface="Cambria Math" charset="0"/>
+                                      <a:latin typeface="Cambria Math" panose="02040503050406030204" pitchFamily="18" charset="0"/>
                                     </a:rPr>
                                   </m:ctrlPr>
                                 </m:sSubPr>
@@ -8818,7 +8818,7 @@
                             <a:solidFill>
                               <a:srgbClr val="002060"/>
                             </a:solidFill>
-                            <a:latin typeface="Cambria Math" charset="0"/>
+                            <a:latin typeface="Cambria Math" panose="02040503050406030204" pitchFamily="18" charset="0"/>
                           </a:rPr>
                         </m:ctrlPr>
                       </m:fPr>
@@ -8830,7 +8830,7 @@
                                 <a:solidFill>
                                   <a:srgbClr val="002060"/>
                                 </a:solidFill>
-                                <a:latin typeface="Cambria Math" charset="0"/>
+                                <a:latin typeface="Cambria Math" panose="02040503050406030204" pitchFamily="18" charset="0"/>
                               </a:rPr>
                             </m:ctrlPr>
                           </m:sSubPr>
@@ -8873,7 +8873,7 @@
                                 <a:solidFill>
                                   <a:srgbClr val="002060"/>
                                 </a:solidFill>
-                                <a:latin typeface="Cambria Math" charset="0"/>
+                                <a:latin typeface="Cambria Math" panose="02040503050406030204" pitchFamily="18" charset="0"/>
                               </a:rPr>
                             </m:ctrlPr>
                           </m:sSubSupPr>
@@ -8922,7 +8922,7 @@
                                 <a:solidFill>
                                   <a:srgbClr val="002060"/>
                                 </a:solidFill>
-                                <a:latin typeface="Cambria Math" charset="0"/>
+                                <a:latin typeface="Cambria Math" panose="02040503050406030204" pitchFamily="18" charset="0"/>
                               </a:rPr>
                             </m:ctrlPr>
                           </m:dPr>
@@ -8936,7 +8936,7 @@
                                     <a:solidFill>
                                       <a:srgbClr val="002060"/>
                                     </a:solidFill>
-                                    <a:latin typeface="Cambria Math" charset="0"/>
+                                    <a:latin typeface="Cambria Math" panose="02040503050406030204" pitchFamily="18" charset="0"/>
                                   </a:rPr>
                                 </m:ctrlPr>
                               </m:dPr>
@@ -8948,7 +8948,7 @@
                                         <a:solidFill>
                                           <a:srgbClr val="002060"/>
                                         </a:solidFill>
-                                        <a:latin typeface="Cambria Math" charset="0"/>
+                                        <a:latin typeface="Cambria Math" panose="02040503050406030204" pitchFamily="18" charset="0"/>
                                       </a:rPr>
                                     </m:ctrlPr>
                                   </m:sSubPr>
@@ -8997,7 +8997,7 @@
                                 <a:solidFill>
                                   <a:srgbClr val="002060"/>
                                 </a:solidFill>
-                                <a:latin typeface="Cambria Math" charset="0"/>
+                                <a:latin typeface="Cambria Math" panose="02040503050406030204" pitchFamily="18" charset="0"/>
                               </a:rPr>
                             </m:ctrlPr>
                           </m:dPr>
@@ -9011,7 +9011,7 @@
                                     <a:solidFill>
                                       <a:srgbClr val="002060"/>
                                     </a:solidFill>
-                                    <a:latin typeface="Cambria Math" charset="0"/>
+                                    <a:latin typeface="Cambria Math" panose="02040503050406030204" pitchFamily="18" charset="0"/>
                                   </a:rPr>
                                 </m:ctrlPr>
                               </m:dPr>
@@ -9023,7 +9023,7 @@
                                         <a:solidFill>
                                           <a:srgbClr val="002060"/>
                                         </a:solidFill>
-                                        <a:latin typeface="Cambria Math" charset="0"/>
+                                        <a:latin typeface="Cambria Math" panose="02040503050406030204" pitchFamily="18" charset="0"/>
                                       </a:rPr>
                                     </m:ctrlPr>
                                   </m:sSubPr>
@@ -9144,7 +9144,7 @@
                             <a:solidFill>
                               <a:srgbClr val="002060"/>
                             </a:solidFill>
-                            <a:latin typeface="Cambria Math" charset="0"/>
+                            <a:latin typeface="Cambria Math" panose="02040503050406030204" pitchFamily="18" charset="0"/>
                           </a:rPr>
                         </m:ctrlPr>
                       </m:fPr>
@@ -9156,7 +9156,7 @@
                                 <a:solidFill>
                                   <a:srgbClr val="002060"/>
                                 </a:solidFill>
-                                <a:latin typeface="Cambria Math" charset="0"/>
+                                <a:latin typeface="Cambria Math" panose="02040503050406030204" pitchFamily="18" charset="0"/>
                               </a:rPr>
                             </m:ctrlPr>
                           </m:sSubPr>
@@ -9199,7 +9199,7 @@
                                 <a:solidFill>
                                   <a:srgbClr val="002060"/>
                                 </a:solidFill>
-                                <a:latin typeface="Cambria Math" charset="0"/>
+                                <a:latin typeface="Cambria Math" panose="02040503050406030204" pitchFamily="18" charset="0"/>
                               </a:rPr>
                             </m:ctrlPr>
                           </m:sSubSupPr>
@@ -9248,7 +9248,7 @@
                                 <a:solidFill>
                                   <a:srgbClr val="002060"/>
                                 </a:solidFill>
-                                <a:latin typeface="Cambria Math" charset="0"/>
+                                <a:latin typeface="Cambria Math" panose="02040503050406030204" pitchFamily="18" charset="0"/>
                               </a:rPr>
                             </m:ctrlPr>
                           </m:dPr>
@@ -9262,7 +9262,7 @@
                                     <a:solidFill>
                                       <a:srgbClr val="002060"/>
                                     </a:solidFill>
-                                    <a:latin typeface="Cambria Math" charset="0"/>
+                                    <a:latin typeface="Cambria Math" panose="02040503050406030204" pitchFamily="18" charset="0"/>
                                   </a:rPr>
                                 </m:ctrlPr>
                               </m:dPr>
@@ -9274,7 +9274,7 @@
                                         <a:solidFill>
                                           <a:srgbClr val="002060"/>
                                         </a:solidFill>
-                                        <a:latin typeface="Cambria Math" charset="0"/>
+                                        <a:latin typeface="Cambria Math" panose="02040503050406030204" pitchFamily="18" charset="0"/>
                                       </a:rPr>
                                     </m:ctrlPr>
                                   </m:sSubPr>
@@ -9323,7 +9323,7 @@
                                 <a:solidFill>
                                   <a:srgbClr val="002060"/>
                                 </a:solidFill>
-                                <a:latin typeface="Cambria Math" charset="0"/>
+                                <a:latin typeface="Cambria Math" panose="02040503050406030204" pitchFamily="18" charset="0"/>
                               </a:rPr>
                             </m:ctrlPr>
                           </m:dPr>
@@ -9337,7 +9337,7 @@
                                     <a:solidFill>
                                       <a:srgbClr val="002060"/>
                                     </a:solidFill>
-                                    <a:latin typeface="Cambria Math" charset="0"/>
+                                    <a:latin typeface="Cambria Math" panose="02040503050406030204" pitchFamily="18" charset="0"/>
                                   </a:rPr>
                                 </m:ctrlPr>
                               </m:dPr>
@@ -9349,7 +9349,7 @@
                                         <a:solidFill>
                                           <a:srgbClr val="002060"/>
                                         </a:solidFill>
-                                        <a:latin typeface="Cambria Math" charset="0"/>
+                                        <a:latin typeface="Cambria Math" panose="02040503050406030204" pitchFamily="18" charset="0"/>
                                       </a:rPr>
                                     </m:ctrlPr>
                                   </m:sSubPr>
@@ -9786,7 +9786,7 @@
         </p:nvSpPr>
         <p:spPr>
           <a:xfrm>
-            <a:off x="381000" y="287978"/>
+            <a:off x="152400" y="287978"/>
             <a:ext cx="6553200" cy="523220"/>
           </a:xfrm>
         </p:spPr>
@@ -9916,7 +9916,7 @@
                         <m:sSubSupPr>
                           <m:ctrlPr>
                             <a:rPr lang="en-US" b="0" i="1" smtClean="0">
-                              <a:latin typeface="Cambria Math" charset="0"/>
+                              <a:latin typeface="Cambria Math" panose="02040503050406030204" pitchFamily="18" charset="0"/>
                             </a:rPr>
                           </m:ctrlPr>
                         </m:sSubSupPr>
@@ -9953,7 +9953,7 @@
                             <m:sSubPr>
                               <m:ctrlPr>
                                 <a:rPr lang="en-US" b="0" i="1" smtClean="0">
-                                  <a:latin typeface="Cambria Math" charset="0"/>
+                                  <a:latin typeface="Cambria Math" panose="02040503050406030204" pitchFamily="18" charset="0"/>
                                 </a:rPr>
                               </m:ctrlPr>
                             </m:sSubPr>
@@ -9988,7 +9988,7 @@
                           <m:endChr m:val="⌋"/>
                           <m:ctrlPr>
                             <a:rPr lang="en-US" b="0" i="1" smtClean="0">
-                              <a:latin typeface="Cambria Math" charset="0"/>
+                              <a:latin typeface="Cambria Math" panose="02040503050406030204" pitchFamily="18" charset="0"/>
                             </a:rPr>
                           </m:ctrlPr>
                         </m:dPr>
@@ -9997,7 +9997,7 @@
                             <m:fPr>
                               <m:ctrlPr>
                                 <a:rPr lang="en-US" b="0" i="1" smtClean="0">
-                                  <a:latin typeface="Cambria Math" charset="0"/>
+                                  <a:latin typeface="Cambria Math" panose="02040503050406030204" pitchFamily="18" charset="0"/>
                                 </a:rPr>
                               </m:ctrlPr>
                             </m:fPr>
@@ -10006,7 +10006,7 @@
                                 <m:sSupPr>
                                   <m:ctrlPr>
                                     <a:rPr lang="en-US" b="0" i="1" smtClean="0">
-                                      <a:latin typeface="Cambria Math" charset="0"/>
+                                      <a:latin typeface="Cambria Math" panose="02040503050406030204" pitchFamily="18" charset="0"/>
                                     </a:rPr>
                                   </m:ctrlPr>
                                 </m:sSupPr>
@@ -10139,7 +10139,7 @@
                         <m:sSubPr>
                           <m:ctrlPr>
                             <a:rPr lang="en-US" b="0" i="1" smtClean="0">
-                              <a:latin typeface="Cambria Math" charset="0"/>
+                              <a:latin typeface="Cambria Math" panose="02040503050406030204" pitchFamily="18" charset="0"/>
                             </a:rPr>
                           </m:ctrlPr>
                         </m:sSubPr>
@@ -10176,7 +10176,7 @@
                         <m:dPr>
                           <m:ctrlPr>
                             <a:rPr lang="en-US" b="0" i="1" smtClean="0">
-                              <a:latin typeface="Cambria Math" charset="0"/>
+                              <a:latin typeface="Cambria Math" panose="02040503050406030204" pitchFamily="18" charset="0"/>
                             </a:rPr>
                           </m:ctrlPr>
                         </m:dPr>
@@ -10224,7 +10224,7 @@
                         <m:dPr>
                           <m:ctrlPr>
                             <a:rPr lang="en-US" i="1">
-                              <a:latin typeface="Cambria Math" charset="0"/>
+                              <a:latin typeface="Cambria Math" panose="02040503050406030204" pitchFamily="18" charset="0"/>
                             </a:rPr>
                           </m:ctrlPr>
                         </m:dPr>
@@ -10339,7 +10339,7 @@
         </p:nvSpPr>
         <p:spPr>
           <a:xfrm>
-            <a:off x="76200" y="259377"/>
+            <a:off x="76200" y="314980"/>
             <a:ext cx="7315200" cy="523220"/>
           </a:xfrm>
         </p:spPr>
@@ -10795,7 +10795,7 @@
                               <a:effectLst/>
                               <a:uLnTx/>
                               <a:uFillTx/>
-                              <a:latin typeface="Cambria Math" charset="0"/>
+                              <a:latin typeface="Cambria Math" panose="02040503050406030204" pitchFamily="18" charset="0"/>
                               <a:ea typeface="+mn-ea"/>
                               <a:cs typeface="+mn-cs"/>
                             </a:rPr>
@@ -10999,7 +10999,7 @@
                               <a:solidFill>
                                 <a:prstClr val="black"/>
                               </a:solidFill>
-                              <a:latin typeface="Cambria Math" charset="0"/>
+                              <a:latin typeface="Cambria Math" panose="02040503050406030204" pitchFamily="18" charset="0"/>
                             </a:rPr>
                           </m:ctrlPr>
                         </m:sSubPr>
@@ -13004,7 +13004,7 @@
                                 <a:effectLst/>
                                 <a:uLnTx/>
                                 <a:uFillTx/>
-                                <a:latin typeface="Cambria Math" charset="0"/>
+                                <a:latin typeface="Cambria Math" panose="02040503050406030204" pitchFamily="18" charset="0"/>
                                 <a:ea typeface="+mn-ea"/>
                                 <a:cs typeface="+mn-cs"/>
                               </a:rPr>
@@ -13156,7 +13156,7 @@
                               <a:solidFill>
                                 <a:prstClr val="black"/>
                               </a:solidFill>
-                              <a:latin typeface="Cambria Math" charset="0"/>
+                              <a:latin typeface="Cambria Math" panose="02040503050406030204" pitchFamily="18" charset="0"/>
                             </a:rPr>
                           </m:ctrlPr>
                         </m:sSubPr>
@@ -13883,7 +13883,7 @@
                               <a:solidFill>
                                 <a:srgbClr val="002060"/>
                               </a:solidFill>
-                              <a:latin typeface="Cambria Math" charset="0"/>
+                              <a:latin typeface="Cambria Math" panose="02040503050406030204" pitchFamily="18" charset="0"/>
                               <a:cs typeface="Times New Roman" panose="02020603050405020304" pitchFamily="18" charset="0"/>
                             </a:rPr>
                           </m:ctrlPr>
@@ -13898,7 +13898,7 @@
                                   <a:solidFill>
                                     <a:srgbClr val="002060"/>
                                   </a:solidFill>
-                                  <a:latin typeface="Cambria Math" charset="0"/>
+                                  <a:latin typeface="Cambria Math" panose="02040503050406030204" pitchFamily="18" charset="0"/>
                                   <a:cs typeface="Times New Roman" panose="02020603050405020304" pitchFamily="18" charset="0"/>
                                 </a:rPr>
                               </m:ctrlPr>
@@ -13911,7 +13911,7 @@
                                       <a:solidFill>
                                         <a:srgbClr val="002060"/>
                                       </a:solidFill>
-                                      <a:latin typeface="Cambria Math" charset="0"/>
+                                      <a:latin typeface="Cambria Math" panose="02040503050406030204" pitchFamily="18" charset="0"/>
                                       <a:cs typeface="Times New Roman" panose="02020603050405020304" pitchFamily="18" charset="0"/>
                                     </a:rPr>
                                   </m:ctrlPr>
@@ -13962,7 +13962,7 @@
                               <a:solidFill>
                                 <a:srgbClr val="002060"/>
                               </a:solidFill>
-                              <a:latin typeface="Cambria Math" charset="0"/>
+                              <a:latin typeface="Cambria Math" panose="02040503050406030204" pitchFamily="18" charset="0"/>
                               <a:cs typeface="Times New Roman" panose="02020603050405020304" pitchFamily="18" charset="0"/>
                             </a:rPr>
                           </m:ctrlPr>
@@ -14297,7 +14297,7 @@
                               <a:solidFill>
                                 <a:srgbClr val="002060"/>
                               </a:solidFill>
-                              <a:latin typeface="Cambria Math" charset="0"/>
+                              <a:latin typeface="Cambria Math" panose="02040503050406030204" pitchFamily="18" charset="0"/>
                               <a:cs typeface="Times New Roman" panose="02020603050405020304" pitchFamily="18" charset="0"/>
                             </a:rPr>
                           </m:ctrlPr>
@@ -14310,7 +14310,7 @@
                                   <a:solidFill>
                                     <a:srgbClr val="002060"/>
                                   </a:solidFill>
-                                  <a:latin typeface="Cambria Math" charset="0"/>
+                                  <a:latin typeface="Cambria Math" panose="02040503050406030204" pitchFamily="18" charset="0"/>
                                   <a:cs typeface="Times New Roman" panose="02020603050405020304" pitchFamily="18" charset="0"/>
                                 </a:rPr>
                               </m:ctrlPr>
@@ -14361,7 +14361,7 @@
                               <a:solidFill>
                                 <a:srgbClr val="002060"/>
                               </a:solidFill>
-                              <a:latin typeface="Cambria Math" charset="0"/>
+                              <a:latin typeface="Cambria Math" panose="02040503050406030204" pitchFamily="18" charset="0"/>
                               <a:cs typeface="Times New Roman" panose="02020603050405020304" pitchFamily="18" charset="0"/>
                             </a:rPr>
                           </m:ctrlPr>
@@ -14374,7 +14374,7 @@
                                   <a:solidFill>
                                     <a:srgbClr val="002060"/>
                                   </a:solidFill>
-                                  <a:latin typeface="Cambria Math" charset="0"/>
+                                  <a:latin typeface="Cambria Math" panose="02040503050406030204" pitchFamily="18" charset="0"/>
                                   <a:cs typeface="Times New Roman" panose="02020603050405020304" pitchFamily="18" charset="0"/>
                                 </a:rPr>
                               </m:ctrlPr>
@@ -14421,7 +14421,7 @@
                                   <a:solidFill>
                                     <a:srgbClr val="002060"/>
                                   </a:solidFill>
-                                  <a:latin typeface="Cambria Math" charset="0"/>
+                                  <a:latin typeface="Cambria Math" panose="02040503050406030204" pitchFamily="18" charset="0"/>
                                   <a:cs typeface="Times New Roman" panose="02020603050405020304" pitchFamily="18" charset="0"/>
                                 </a:rPr>
                               </m:ctrlPr>
@@ -14436,7 +14436,7 @@
                                       <a:solidFill>
                                         <a:srgbClr val="002060"/>
                                       </a:solidFill>
-                                      <a:latin typeface="Cambria Math" charset="0"/>
+                                      <a:latin typeface="Cambria Math" panose="02040503050406030204" pitchFamily="18" charset="0"/>
                                       <a:cs typeface="Times New Roman" panose="02020603050405020304" pitchFamily="18" charset="0"/>
                                     </a:rPr>
                                   </m:ctrlPr>
@@ -14451,7 +14451,7 @@
                                           <a:solidFill>
                                             <a:srgbClr val="002060"/>
                                           </a:solidFill>
-                                          <a:latin typeface="Cambria Math" charset="0"/>
+                                          <a:latin typeface="Cambria Math" panose="02040503050406030204" pitchFamily="18" charset="0"/>
                                           <a:cs typeface="Times New Roman" panose="02020603050405020304" pitchFamily="18" charset="0"/>
                                         </a:rPr>
                                       </m:ctrlPr>
@@ -14464,7 +14464,7 @@
                                               <a:solidFill>
                                                 <a:srgbClr val="002060"/>
                                               </a:solidFill>
-                                              <a:latin typeface="Cambria Math" charset="0"/>
+                                              <a:latin typeface="Cambria Math" panose="02040503050406030204" pitchFamily="18" charset="0"/>
                                               <a:cs typeface="Times New Roman" panose="02020603050405020304" pitchFamily="18" charset="0"/>
                                             </a:rPr>
                                           </m:ctrlPr>
@@ -14529,7 +14529,7 @@
                                   <a:solidFill>
                                     <a:srgbClr val="002060"/>
                                   </a:solidFill>
-                                  <a:latin typeface="Cambria Math" charset="0"/>
+                                  <a:latin typeface="Cambria Math" panose="02040503050406030204" pitchFamily="18" charset="0"/>
                                   <a:cs typeface="Times New Roman" panose="02020603050405020304" pitchFamily="18" charset="0"/>
                                 </a:rPr>
                               </m:ctrlPr>
@@ -14544,7 +14544,7 @@
                                       <a:solidFill>
                                         <a:srgbClr val="002060"/>
                                       </a:solidFill>
-                                      <a:latin typeface="Cambria Math" charset="0"/>
+                                      <a:latin typeface="Cambria Math" panose="02040503050406030204" pitchFamily="18" charset="0"/>
                                       <a:cs typeface="Times New Roman" panose="02020603050405020304" pitchFamily="18" charset="0"/>
                                     </a:rPr>
                                   </m:ctrlPr>
@@ -14559,7 +14559,7 @@
                                           <a:solidFill>
                                             <a:srgbClr val="002060"/>
                                           </a:solidFill>
-                                          <a:latin typeface="Cambria Math" charset="0"/>
+                                          <a:latin typeface="Cambria Math" panose="02040503050406030204" pitchFamily="18" charset="0"/>
                                           <a:cs typeface="Times New Roman" panose="02020603050405020304" pitchFamily="18" charset="0"/>
                                         </a:rPr>
                                       </m:ctrlPr>
@@ -14572,7 +14572,7 @@
                                               <a:solidFill>
                                                 <a:srgbClr val="002060"/>
                                               </a:solidFill>
-                                              <a:latin typeface="Cambria Math" charset="0"/>
+                                              <a:latin typeface="Cambria Math" panose="02040503050406030204" pitchFamily="18" charset="0"/>
                                               <a:cs typeface="Times New Roman" panose="02020603050405020304" pitchFamily="18" charset="0"/>
                                             </a:rPr>
                                           </m:ctrlPr>
@@ -14637,7 +14637,7 @@
                                   <a:solidFill>
                                     <a:srgbClr val="002060"/>
                                   </a:solidFill>
-                                  <a:latin typeface="Cambria Math" charset="0"/>
+                                  <a:latin typeface="Cambria Math" panose="02040503050406030204" pitchFamily="18" charset="0"/>
                                   <a:cs typeface="Times New Roman" panose="02020603050405020304" pitchFamily="18" charset="0"/>
                                 </a:rPr>
                               </m:ctrlPr>
@@ -14652,7 +14652,7 @@
                                       <a:solidFill>
                                         <a:srgbClr val="002060"/>
                                       </a:solidFill>
-                                      <a:latin typeface="Cambria Math" charset="0"/>
+                                      <a:latin typeface="Cambria Math" panose="02040503050406030204" pitchFamily="18" charset="0"/>
                                       <a:cs typeface="Times New Roman" panose="02020603050405020304" pitchFamily="18" charset="0"/>
                                     </a:rPr>
                                   </m:ctrlPr>
@@ -14667,7 +14667,7 @@
                                           <a:solidFill>
                                             <a:srgbClr val="002060"/>
                                           </a:solidFill>
-                                          <a:latin typeface="Cambria Math" charset="0"/>
+                                          <a:latin typeface="Cambria Math" panose="02040503050406030204" pitchFamily="18" charset="0"/>
                                           <a:cs typeface="Times New Roman" panose="02020603050405020304" pitchFamily="18" charset="0"/>
                                         </a:rPr>
                                       </m:ctrlPr>
@@ -14680,7 +14680,7 @@
                                               <a:solidFill>
                                                 <a:srgbClr val="002060"/>
                                               </a:solidFill>
-                                              <a:latin typeface="Cambria Math" charset="0"/>
+                                              <a:latin typeface="Cambria Math" panose="02040503050406030204" pitchFamily="18" charset="0"/>
                                               <a:cs typeface="Times New Roman" panose="02020603050405020304" pitchFamily="18" charset="0"/>
                                             </a:rPr>
                                           </m:ctrlPr>
@@ -14723,7 +14723,7 @@
                                       <a:solidFill>
                                         <a:srgbClr val="002060"/>
                                       </a:solidFill>
-                                      <a:latin typeface="Cambria Math" charset="0"/>
+                                      <a:latin typeface="Cambria Math" panose="02040503050406030204" pitchFamily="18" charset="0"/>
                                       <a:cs typeface="Times New Roman" panose="02020603050405020304" pitchFamily="18" charset="0"/>
                                     </a:rPr>
                                   </m:ctrlPr>
@@ -15075,7 +15075,7 @@
                               <a:solidFill>
                                 <a:srgbClr val="002060"/>
                               </a:solidFill>
-                              <a:latin typeface="Cambria Math" charset="0"/>
+                              <a:latin typeface="Cambria Math" panose="02040503050406030204" pitchFamily="18" charset="0"/>
                               <a:cs typeface="Times New Roman" panose="02020603050405020304" pitchFamily="18" charset="0"/>
                             </a:rPr>
                           </m:ctrlPr>
@@ -15088,7 +15088,7 @@
                                   <a:solidFill>
                                     <a:srgbClr val="002060"/>
                                   </a:solidFill>
-                                  <a:latin typeface="Cambria Math" charset="0"/>
+                                  <a:latin typeface="Cambria Math" panose="02040503050406030204" pitchFamily="18" charset="0"/>
                                   <a:cs typeface="Times New Roman" panose="02020603050405020304" pitchFamily="18" charset="0"/>
                                 </a:rPr>
                               </m:ctrlPr>
@@ -15139,7 +15139,7 @@
                               <a:solidFill>
                                 <a:srgbClr val="002060"/>
                               </a:solidFill>
-                              <a:latin typeface="Cambria Math" charset="0"/>
+                              <a:latin typeface="Cambria Math" panose="02040503050406030204" pitchFamily="18" charset="0"/>
                               <a:cs typeface="Times New Roman" panose="02020603050405020304" pitchFamily="18" charset="0"/>
                             </a:rPr>
                           </m:ctrlPr>
@@ -15152,7 +15152,7 @@
                                   <a:solidFill>
                                     <a:srgbClr val="002060"/>
                                   </a:solidFill>
-                                  <a:latin typeface="Cambria Math" charset="0"/>
+                                  <a:latin typeface="Cambria Math" panose="02040503050406030204" pitchFamily="18" charset="0"/>
                                   <a:cs typeface="Times New Roman" panose="02020603050405020304" pitchFamily="18" charset="0"/>
                                 </a:rPr>
                               </m:ctrlPr>
@@ -15199,7 +15199,7 @@
                                   <a:solidFill>
                                     <a:srgbClr val="002060"/>
                                   </a:solidFill>
-                                  <a:latin typeface="Cambria Math" charset="0"/>
+                                  <a:latin typeface="Cambria Math" panose="02040503050406030204" pitchFamily="18" charset="0"/>
                                   <a:cs typeface="Times New Roman" panose="02020603050405020304" pitchFamily="18" charset="0"/>
                                 </a:rPr>
                               </m:ctrlPr>
@@ -15246,7 +15246,7 @@
                                   <a:solidFill>
                                     <a:srgbClr val="002060"/>
                                   </a:solidFill>
-                                  <a:latin typeface="Cambria Math" charset="0"/>
+                                  <a:latin typeface="Cambria Math" panose="02040503050406030204" pitchFamily="18" charset="0"/>
                                   <a:cs typeface="Times New Roman" panose="02020603050405020304" pitchFamily="18" charset="0"/>
                                 </a:rPr>
                               </m:ctrlPr>
@@ -15293,7 +15293,7 @@
                                   <a:solidFill>
                                     <a:srgbClr val="002060"/>
                                   </a:solidFill>
-                                  <a:latin typeface="Cambria Math" charset="0"/>
+                                  <a:latin typeface="Cambria Math" panose="02040503050406030204" pitchFamily="18" charset="0"/>
                                   <a:cs typeface="Times New Roman" panose="02020603050405020304" pitchFamily="18" charset="0"/>
                                 </a:rPr>
                               </m:ctrlPr>
@@ -15703,7 +15703,7 @@
                               <a:solidFill>
                                 <a:srgbClr val="002060"/>
                               </a:solidFill>
-                              <a:latin typeface="Cambria Math" charset="0"/>
+                              <a:latin typeface="Cambria Math" panose="02040503050406030204" pitchFamily="18" charset="0"/>
                               <a:cs typeface="Times New Roman" panose="02020603050405020304" pitchFamily="18" charset="0"/>
                             </a:rPr>
                           </m:ctrlPr>
@@ -15718,7 +15718,7 @@
                                   <a:solidFill>
                                     <a:srgbClr val="002060"/>
                                   </a:solidFill>
-                                  <a:latin typeface="Cambria Math" charset="0"/>
+                                  <a:latin typeface="Cambria Math" panose="02040503050406030204" pitchFamily="18" charset="0"/>
                                   <a:cs typeface="Times New Roman" panose="02020603050405020304" pitchFamily="18" charset="0"/>
                                 </a:rPr>
                               </m:ctrlPr>
@@ -15733,7 +15733,7 @@
                                       <a:solidFill>
                                         <a:srgbClr val="002060"/>
                                       </a:solidFill>
-                                      <a:latin typeface="Cambria Math" charset="0"/>
+                                      <a:latin typeface="Cambria Math" panose="02040503050406030204" pitchFamily="18" charset="0"/>
                                       <a:cs typeface="Times New Roman" panose="02020603050405020304" pitchFamily="18" charset="0"/>
                                     </a:rPr>
                                   </m:ctrlPr>
@@ -15756,7 +15756,7 @@
                                           <a:solidFill>
                                             <a:srgbClr val="002060"/>
                                           </a:solidFill>
-                                          <a:latin typeface="Cambria Math" charset="0"/>
+                                          <a:latin typeface="Cambria Math" panose="02040503050406030204" pitchFamily="18" charset="0"/>
                                           <a:cs typeface="Times New Roman" panose="02020603050405020304" pitchFamily="18" charset="0"/>
                                         </a:rPr>
                                       </m:ctrlPr>
@@ -15769,7 +15769,7 @@
                                               <a:solidFill>
                                                 <a:srgbClr val="002060"/>
                                               </a:solidFill>
-                                              <a:latin typeface="Cambria Math" charset="0"/>
+                                              <a:latin typeface="Cambria Math" panose="02040503050406030204" pitchFamily="18" charset="0"/>
                                               <a:cs typeface="Times New Roman" panose="02020603050405020304" pitchFamily="18" charset="0"/>
                                             </a:rPr>
                                           </m:ctrlPr>
@@ -15828,7 +15828,7 @@
                                           <a:solidFill>
                                             <a:srgbClr val="002060"/>
                                           </a:solidFill>
-                                          <a:latin typeface="Cambria Math" charset="0"/>
+                                          <a:latin typeface="Cambria Math" panose="02040503050406030204" pitchFamily="18" charset="0"/>
                                           <a:cs typeface="Times New Roman" panose="02020603050405020304" pitchFamily="18" charset="0"/>
                                         </a:rPr>
                                       </m:ctrlPr>
@@ -15841,7 +15841,7 @@
                                               <a:solidFill>
                                                 <a:srgbClr val="002060"/>
                                               </a:solidFill>
-                                              <a:latin typeface="Cambria Math" charset="0"/>
+                                              <a:latin typeface="Cambria Math" panose="02040503050406030204" pitchFamily="18" charset="0"/>
                                               <a:cs typeface="Times New Roman" panose="02020603050405020304" pitchFamily="18" charset="0"/>
                                             </a:rPr>
                                           </m:ctrlPr>
@@ -15908,7 +15908,7 @@
                               <a:solidFill>
                                 <a:srgbClr val="002060"/>
                               </a:solidFill>
-                              <a:latin typeface="Cambria Math" charset="0"/>
+                              <a:latin typeface="Cambria Math" panose="02040503050406030204" pitchFamily="18" charset="0"/>
                               <a:cs typeface="Times New Roman" panose="02020603050405020304" pitchFamily="18" charset="0"/>
                             </a:rPr>
                           </m:ctrlPr>
@@ -15921,7 +15921,7 @@
                                   <a:solidFill>
                                     <a:srgbClr val="002060"/>
                                   </a:solidFill>
-                                  <a:latin typeface="Cambria Math" charset="0"/>
+                                  <a:latin typeface="Cambria Math" panose="02040503050406030204" pitchFamily="18" charset="0"/>
                                   <a:cs typeface="Times New Roman" panose="02020603050405020304" pitchFamily="18" charset="0"/>
                                 </a:rPr>
                               </m:ctrlPr>
@@ -15936,7 +15936,7 @@
                                       <a:solidFill>
                                         <a:srgbClr val="002060"/>
                                       </a:solidFill>
-                                      <a:latin typeface="Cambria Math" charset="0"/>
+                                      <a:latin typeface="Cambria Math" panose="02040503050406030204" pitchFamily="18" charset="0"/>
                                       <a:cs typeface="Times New Roman" panose="02020603050405020304" pitchFamily="18" charset="0"/>
                                     </a:rPr>
                                   </m:ctrlPr>
@@ -15951,7 +15951,7 @@
                                           <a:solidFill>
                                             <a:srgbClr val="002060"/>
                                           </a:solidFill>
-                                          <a:latin typeface="Cambria Math" charset="0"/>
+                                          <a:latin typeface="Cambria Math" panose="02040503050406030204" pitchFamily="18" charset="0"/>
                                           <a:cs typeface="Times New Roman" panose="02020603050405020304" pitchFamily="18" charset="0"/>
                                         </a:rPr>
                                       </m:ctrlPr>
@@ -15964,7 +15964,7 @@
                                               <a:solidFill>
                                                 <a:srgbClr val="002060"/>
                                               </a:solidFill>
-                                              <a:latin typeface="Cambria Math" charset="0"/>
+                                              <a:latin typeface="Cambria Math" panose="02040503050406030204" pitchFamily="18" charset="0"/>
                                               <a:cs typeface="Times New Roman" panose="02020603050405020304" pitchFamily="18" charset="0"/>
                                             </a:rPr>
                                           </m:ctrlPr>
@@ -16029,7 +16029,7 @@
                                   <a:solidFill>
                                     <a:srgbClr val="002060"/>
                                   </a:solidFill>
-                                  <a:latin typeface="Cambria Math" charset="0"/>
+                                  <a:latin typeface="Cambria Math" panose="02040503050406030204" pitchFamily="18" charset="0"/>
                                   <a:cs typeface="Times New Roman" panose="02020603050405020304" pitchFamily="18" charset="0"/>
                                 </a:rPr>
                               </m:ctrlPr>
@@ -16078,7 +16078,7 @@
                               <a:solidFill>
                                 <a:srgbClr val="002060"/>
                               </a:solidFill>
-                              <a:latin typeface="Cambria Math" charset="0"/>
+                              <a:latin typeface="Cambria Math" panose="02040503050406030204" pitchFamily="18" charset="0"/>
                               <a:cs typeface="Times New Roman" panose="02020603050405020304" pitchFamily="18" charset="0"/>
                             </a:rPr>
                           </m:ctrlPr>
@@ -16127,7 +16127,7 @@
                               <a:solidFill>
                                 <a:srgbClr val="002060"/>
                               </a:solidFill>
-                              <a:latin typeface="Cambria Math" charset="0"/>
+                              <a:latin typeface="Cambria Math" panose="02040503050406030204" pitchFamily="18" charset="0"/>
                               <a:cs typeface="Times New Roman" panose="02020603050405020304" pitchFamily="18" charset="0"/>
                             </a:rPr>
                           </m:ctrlPr>
@@ -16174,7 +16174,7 @@
                               <a:solidFill>
                                 <a:srgbClr val="002060"/>
                               </a:solidFill>
-                              <a:latin typeface="Cambria Math" charset="0"/>
+                              <a:latin typeface="Cambria Math" panose="02040503050406030204" pitchFamily="18" charset="0"/>
                               <a:cs typeface="Times New Roman" panose="02020603050405020304" pitchFamily="18" charset="0"/>
                             </a:rPr>
                           </m:ctrlPr>
@@ -16189,7 +16189,7 @@
                                   <a:solidFill>
                                     <a:srgbClr val="002060"/>
                                   </a:solidFill>
-                                  <a:latin typeface="Cambria Math" charset="0"/>
+                                  <a:latin typeface="Cambria Math" panose="02040503050406030204" pitchFamily="18" charset="0"/>
                                   <a:cs typeface="Times New Roman" panose="02020603050405020304" pitchFamily="18" charset="0"/>
                                 </a:rPr>
                               </m:ctrlPr>
@@ -16204,7 +16204,7 @@
                                       <a:solidFill>
                                         <a:srgbClr val="002060"/>
                                       </a:solidFill>
-                                      <a:latin typeface="Cambria Math" charset="0"/>
+                                      <a:latin typeface="Cambria Math" panose="02040503050406030204" pitchFamily="18" charset="0"/>
                                       <a:cs typeface="Times New Roman" panose="02020603050405020304" pitchFamily="18" charset="0"/>
                                     </a:rPr>
                                   </m:ctrlPr>
@@ -16217,7 +16217,7 @@
                                           <a:solidFill>
                                             <a:srgbClr val="002060"/>
                                           </a:solidFill>
-                                          <a:latin typeface="Cambria Math" charset="0"/>
+                                          <a:latin typeface="Cambria Math" panose="02040503050406030204" pitchFamily="18" charset="0"/>
                                           <a:cs typeface="Times New Roman" panose="02020603050405020304" pitchFamily="18" charset="0"/>
                                         </a:rPr>
                                       </m:ctrlPr>
@@ -16260,7 +16260,7 @@
                                   <a:solidFill>
                                     <a:srgbClr val="002060"/>
                                   </a:solidFill>
-                                  <a:latin typeface="Cambria Math" charset="0"/>
+                                  <a:latin typeface="Cambria Math" panose="02040503050406030204" pitchFamily="18" charset="0"/>
                                   <a:cs typeface="Times New Roman" panose="02020603050405020304" pitchFamily="18" charset="0"/>
                                 </a:rPr>
                               </m:ctrlPr>
@@ -16610,7 +16610,7 @@
                               <a:solidFill>
                                 <a:srgbClr val="002060"/>
                               </a:solidFill>
-                              <a:latin typeface="Cambria Math" charset="0"/>
+                              <a:latin typeface="Cambria Math" panose="02040503050406030204" pitchFamily="18" charset="0"/>
                               <a:cs typeface="Times New Roman" panose="02020603050405020304" pitchFamily="18" charset="0"/>
                             </a:rPr>
                           </m:ctrlPr>
@@ -16638,7 +16638,7 @@
                                   <a:solidFill>
                                     <a:srgbClr val="002060"/>
                                   </a:solidFill>
-                                  <a:latin typeface="Cambria Math" charset="0"/>
+                                  <a:latin typeface="Cambria Math" panose="02040503050406030204" pitchFamily="18" charset="0"/>
                                   <a:cs typeface="Times New Roman" panose="02020603050405020304" pitchFamily="18" charset="0"/>
                                 </a:rPr>
                               </m:ctrlPr>
@@ -16651,7 +16651,7 @@
                                       <a:solidFill>
                                         <a:srgbClr val="002060"/>
                                       </a:solidFill>
-                                      <a:latin typeface="Cambria Math" charset="0"/>
+                                      <a:latin typeface="Cambria Math" panose="02040503050406030204" pitchFamily="18" charset="0"/>
                                       <a:cs typeface="Times New Roman" panose="02020603050405020304" pitchFamily="18" charset="0"/>
                                     </a:rPr>
                                   </m:ctrlPr>
@@ -16733,7 +16733,7 @@
                                       <a:solidFill>
                                         <a:srgbClr val="002060"/>
                                       </a:solidFill>
-                                      <a:latin typeface="Cambria Math" charset="0"/>
+                                      <a:latin typeface="Cambria Math" panose="02040503050406030204" pitchFamily="18" charset="0"/>
                                       <a:cs typeface="Times New Roman" panose="02020603050405020304" pitchFamily="18" charset="0"/>
                                     </a:rPr>
                                   </m:ctrlPr>
@@ -16782,7 +16782,7 @@
                                       <a:solidFill>
                                         <a:srgbClr val="002060"/>
                                       </a:solidFill>
-                                      <a:latin typeface="Cambria Math" charset="0"/>
+                                      <a:latin typeface="Cambria Math" panose="02040503050406030204" pitchFamily="18" charset="0"/>
                                       <a:cs typeface="Times New Roman" panose="02020603050405020304" pitchFamily="18" charset="0"/>
                                     </a:rPr>
                                   </m:ctrlPr>
@@ -16829,7 +16829,7 @@
                                       <a:solidFill>
                                         <a:srgbClr val="002060"/>
                                       </a:solidFill>
-                                      <a:latin typeface="Cambria Math" charset="0"/>
+                                      <a:latin typeface="Cambria Math" panose="02040503050406030204" pitchFamily="18" charset="0"/>
                                       <a:cs typeface="Times New Roman" panose="02020603050405020304" pitchFamily="18" charset="0"/>
                                     </a:rPr>
                                   </m:ctrlPr>
@@ -16857,7 +16857,7 @@
                                           <a:solidFill>
                                             <a:srgbClr val="002060"/>
                                           </a:solidFill>
-                                          <a:latin typeface="Cambria Math" charset="0"/>
+                                          <a:latin typeface="Cambria Math" panose="02040503050406030204" pitchFamily="18" charset="0"/>
                                           <a:cs typeface="Times New Roman" panose="02020603050405020304" pitchFamily="18" charset="0"/>
                                         </a:rPr>
                                       </m:ctrlPr>
@@ -16870,7 +16870,7 @@
                                               <a:solidFill>
                                                 <a:srgbClr val="002060"/>
                                               </a:solidFill>
-                                              <a:latin typeface="Cambria Math" charset="0"/>
+                                              <a:latin typeface="Cambria Math" panose="02040503050406030204" pitchFamily="18" charset="0"/>
                                               <a:cs typeface="Times New Roman" panose="02020603050405020304" pitchFamily="18" charset="0"/>
                                             </a:rPr>
                                           </m:ctrlPr>
@@ -16954,7 +16954,7 @@
                                               <a:solidFill>
                                                 <a:srgbClr val="002060"/>
                                               </a:solidFill>
-                                              <a:latin typeface="Cambria Math" charset="0"/>
+                                              <a:latin typeface="Cambria Math" panose="02040503050406030204" pitchFamily="18" charset="0"/>
                                               <a:cs typeface="Times New Roman" panose="02020603050405020304" pitchFamily="18" charset="0"/>
                                             </a:rPr>
                                           </m:ctrlPr>
@@ -16969,7 +16969,7 @@
                                                   <a:solidFill>
                                                     <a:srgbClr val="002060"/>
                                                   </a:solidFill>
-                                                  <a:latin typeface="Cambria Math" charset="0"/>
+                                                  <a:latin typeface="Cambria Math" panose="02040503050406030204" pitchFamily="18" charset="0"/>
                                                   <a:cs typeface="Times New Roman" panose="02020603050405020304" pitchFamily="18" charset="0"/>
                                                 </a:rPr>
                                               </m:ctrlPr>
@@ -16992,7 +16992,7 @@
                                                       <a:solidFill>
                                                         <a:srgbClr val="002060"/>
                                                       </a:solidFill>
-                                                      <a:latin typeface="Cambria Math" charset="0"/>
+                                                      <a:latin typeface="Cambria Math" panose="02040503050406030204" pitchFamily="18" charset="0"/>
                                                       <a:cs typeface="Times New Roman" panose="02020603050405020304" pitchFamily="18" charset="0"/>
                                                     </a:rPr>
                                                   </m:ctrlPr>
@@ -17005,7 +17005,7 @@
                                                           <a:solidFill>
                                                             <a:srgbClr val="002060"/>
                                                           </a:solidFill>
-                                                          <a:latin typeface="Cambria Math" charset="0"/>
+                                                          <a:latin typeface="Cambria Math" panose="02040503050406030204" pitchFamily="18" charset="0"/>
                                                           <a:cs typeface="Times New Roman" panose="02020603050405020304" pitchFamily="18" charset="0"/>
                                                         </a:rPr>
                                                       </m:ctrlPr>
@@ -17064,7 +17064,7 @@
                                                       <a:solidFill>
                                                         <a:srgbClr val="002060"/>
                                                       </a:solidFill>
-                                                      <a:latin typeface="Cambria Math" charset="0"/>
+                                                      <a:latin typeface="Cambria Math" panose="02040503050406030204" pitchFamily="18" charset="0"/>
                                                       <a:cs typeface="Times New Roman" panose="02020603050405020304" pitchFamily="18" charset="0"/>
                                                     </a:rPr>
                                                   </m:ctrlPr>
@@ -17077,7 +17077,7 @@
                                                           <a:solidFill>
                                                             <a:srgbClr val="002060"/>
                                                           </a:solidFill>
-                                                          <a:latin typeface="Cambria Math" charset="0"/>
+                                                          <a:latin typeface="Cambria Math" panose="02040503050406030204" pitchFamily="18" charset="0"/>
                                                           <a:cs typeface="Times New Roman" panose="02020603050405020304" pitchFamily="18" charset="0"/>
                                                         </a:rPr>
                                                       </m:ctrlPr>
@@ -17570,7 +17570,7 @@
                         <m:sSupPr>
                           <m:ctrlPr>
                             <a:rPr lang="en-US" b="0" i="1" dirty="0" smtClean="0">
-                              <a:latin typeface="Cambria Math" charset="0"/>
+                              <a:latin typeface="Cambria Math" panose="02040503050406030204" pitchFamily="18" charset="0"/>
                             </a:rPr>
                           </m:ctrlPr>
                         </m:sSupPr>
@@ -18913,7 +18913,7 @@
                               <a:solidFill>
                                 <a:srgbClr val="002060"/>
                               </a:solidFill>
-                              <a:latin typeface="Cambria Math" charset="0"/>
+                              <a:latin typeface="Cambria Math" panose="02040503050406030204" pitchFamily="18" charset="0"/>
                               <a:cs typeface="Times New Roman" panose="02020603050405020304" pitchFamily="18" charset="0"/>
                             </a:rPr>
                           </m:ctrlPr>
@@ -18928,7 +18928,7 @@
                                   <a:solidFill>
                                     <a:srgbClr val="002060"/>
                                   </a:solidFill>
-                                  <a:latin typeface="Cambria Math" charset="0"/>
+                                  <a:latin typeface="Cambria Math" panose="02040503050406030204" pitchFamily="18" charset="0"/>
                                   <a:cs typeface="Times New Roman" panose="02020603050405020304" pitchFamily="18" charset="0"/>
                                 </a:rPr>
                               </m:ctrlPr>
@@ -18941,7 +18941,7 @@
                                       <a:solidFill>
                                         <a:srgbClr val="002060"/>
                                       </a:solidFill>
-                                      <a:latin typeface="Cambria Math" charset="0"/>
+                                      <a:latin typeface="Cambria Math" panose="02040503050406030204" pitchFamily="18" charset="0"/>
                                       <a:cs typeface="Times New Roman" panose="02020603050405020304" pitchFamily="18" charset="0"/>
                                     </a:rPr>
                                   </m:ctrlPr>
@@ -18992,7 +18992,7 @@
                               <a:solidFill>
                                 <a:srgbClr val="002060"/>
                               </a:solidFill>
-                              <a:latin typeface="Cambria Math" charset="0"/>
+                              <a:latin typeface="Cambria Math" panose="02040503050406030204" pitchFamily="18" charset="0"/>
                               <a:cs typeface="Times New Roman" panose="02020603050405020304" pitchFamily="18" charset="0"/>
                             </a:rPr>
                           </m:ctrlPr>
@@ -19327,7 +19327,7 @@
                               <a:solidFill>
                                 <a:srgbClr val="002060"/>
                               </a:solidFill>
-                              <a:latin typeface="Cambria Math" charset="0"/>
+                              <a:latin typeface="Cambria Math" panose="02040503050406030204" pitchFamily="18" charset="0"/>
                               <a:cs typeface="Times New Roman" panose="02020603050405020304" pitchFamily="18" charset="0"/>
                             </a:rPr>
                           </m:ctrlPr>
@@ -19340,7 +19340,7 @@
                                   <a:solidFill>
                                     <a:srgbClr val="002060"/>
                                   </a:solidFill>
-                                  <a:latin typeface="Cambria Math" charset="0"/>
+                                  <a:latin typeface="Cambria Math" panose="02040503050406030204" pitchFamily="18" charset="0"/>
                                   <a:cs typeface="Times New Roman" panose="02020603050405020304" pitchFamily="18" charset="0"/>
                                 </a:rPr>
                               </m:ctrlPr>
@@ -19391,7 +19391,7 @@
                               <a:solidFill>
                                 <a:srgbClr val="002060"/>
                               </a:solidFill>
-                              <a:latin typeface="Cambria Math" charset="0"/>
+                              <a:latin typeface="Cambria Math" panose="02040503050406030204" pitchFamily="18" charset="0"/>
                               <a:cs typeface="Times New Roman" panose="02020603050405020304" pitchFamily="18" charset="0"/>
                             </a:rPr>
                           </m:ctrlPr>
@@ -19404,7 +19404,7 @@
                                   <a:solidFill>
                                     <a:srgbClr val="002060"/>
                                   </a:solidFill>
-                                  <a:latin typeface="Cambria Math" charset="0"/>
+                                  <a:latin typeface="Cambria Math" panose="02040503050406030204" pitchFamily="18" charset="0"/>
                                   <a:cs typeface="Times New Roman" panose="02020603050405020304" pitchFamily="18" charset="0"/>
                                 </a:rPr>
                               </m:ctrlPr>
@@ -19451,7 +19451,7 @@
                                   <a:solidFill>
                                     <a:srgbClr val="002060"/>
                                   </a:solidFill>
-                                  <a:latin typeface="Cambria Math" charset="0"/>
+                                  <a:latin typeface="Cambria Math" panose="02040503050406030204" pitchFamily="18" charset="0"/>
                                   <a:cs typeface="Times New Roman" panose="02020603050405020304" pitchFamily="18" charset="0"/>
                                 </a:rPr>
                               </m:ctrlPr>
@@ -19464,7 +19464,7 @@
                                       <a:solidFill>
                                         <a:srgbClr val="002060"/>
                                       </a:solidFill>
-                                      <a:latin typeface="Cambria Math" charset="0"/>
+                                      <a:latin typeface="Cambria Math" panose="02040503050406030204" pitchFamily="18" charset="0"/>
                                       <a:cs typeface="Times New Roman" panose="02020603050405020304" pitchFamily="18" charset="0"/>
                                     </a:rPr>
                                   </m:ctrlPr>
@@ -19513,7 +19513,7 @@
                                       <a:solidFill>
                                         <a:srgbClr val="002060"/>
                                       </a:solidFill>
-                                      <a:latin typeface="Cambria Math" charset="0"/>
+                                      <a:latin typeface="Cambria Math" panose="02040503050406030204" pitchFamily="18" charset="0"/>
                                       <a:cs typeface="Times New Roman" panose="02020603050405020304" pitchFamily="18" charset="0"/>
                                     </a:rPr>
                                   </m:ctrlPr>
@@ -19528,7 +19528,7 @@
                                           <a:solidFill>
                                             <a:srgbClr val="002060"/>
                                           </a:solidFill>
-                                          <a:latin typeface="Cambria Math" charset="0"/>
+                                          <a:latin typeface="Cambria Math" panose="02040503050406030204" pitchFamily="18" charset="0"/>
                                           <a:cs typeface="Times New Roman" panose="02020603050405020304" pitchFamily="18" charset="0"/>
                                         </a:rPr>
                                       </m:ctrlPr>
@@ -19541,7 +19541,7 @@
                                               <a:solidFill>
                                                 <a:srgbClr val="002060"/>
                                               </a:solidFill>
-                                              <a:latin typeface="Cambria Math" charset="0"/>
+                                              <a:latin typeface="Cambria Math" panose="02040503050406030204" pitchFamily="18" charset="0"/>
                                               <a:cs typeface="Times New Roman" panose="02020603050405020304" pitchFamily="18" charset="0"/>
                                             </a:rPr>
                                           </m:ctrlPr>
@@ -19606,7 +19606,7 @@
                                   <a:solidFill>
                                     <a:srgbClr val="002060"/>
                                   </a:solidFill>
-                                  <a:latin typeface="Cambria Math" charset="0"/>
+                                  <a:latin typeface="Cambria Math" panose="02040503050406030204" pitchFamily="18" charset="0"/>
                                   <a:cs typeface="Times New Roman" panose="02020603050405020304" pitchFamily="18" charset="0"/>
                                 </a:rPr>
                               </m:ctrlPr>
@@ -19653,7 +19653,7 @@
                                   <a:solidFill>
                                     <a:srgbClr val="002060"/>
                                   </a:solidFill>
-                                  <a:latin typeface="Cambria Math" charset="0"/>
+                                  <a:latin typeface="Cambria Math" panose="02040503050406030204" pitchFamily="18" charset="0"/>
                                   <a:cs typeface="Times New Roman" panose="02020603050405020304" pitchFamily="18" charset="0"/>
                                 </a:rPr>
                               </m:ctrlPr>
@@ -19668,7 +19668,7 @@
                                       <a:solidFill>
                                         <a:srgbClr val="002060"/>
                                       </a:solidFill>
-                                      <a:latin typeface="Cambria Math" charset="0"/>
+                                      <a:latin typeface="Cambria Math" panose="02040503050406030204" pitchFamily="18" charset="0"/>
                                       <a:cs typeface="Times New Roman" panose="02020603050405020304" pitchFamily="18" charset="0"/>
                                     </a:rPr>
                                   </m:ctrlPr>
@@ -19683,7 +19683,7 @@
                                           <a:solidFill>
                                             <a:srgbClr val="002060"/>
                                           </a:solidFill>
-                                          <a:latin typeface="Cambria Math" charset="0"/>
+                                          <a:latin typeface="Cambria Math" panose="02040503050406030204" pitchFamily="18" charset="0"/>
                                           <a:cs typeface="Times New Roman" panose="02020603050405020304" pitchFamily="18" charset="0"/>
                                         </a:rPr>
                                       </m:ctrlPr>
@@ -19696,7 +19696,7 @@
                                               <a:solidFill>
                                                 <a:srgbClr val="002060"/>
                                               </a:solidFill>
-                                              <a:latin typeface="Cambria Math" charset="0"/>
+                                              <a:latin typeface="Cambria Math" panose="02040503050406030204" pitchFamily="18" charset="0"/>
                                               <a:cs typeface="Times New Roman" panose="02020603050405020304" pitchFamily="18" charset="0"/>
                                             </a:rPr>
                                           </m:ctrlPr>
@@ -19761,7 +19761,7 @@
                                   <a:solidFill>
                                     <a:srgbClr val="002060"/>
                                   </a:solidFill>
-                                  <a:latin typeface="Cambria Math" charset="0"/>
+                                  <a:latin typeface="Cambria Math" panose="02040503050406030204" pitchFamily="18" charset="0"/>
                                   <a:cs typeface="Times New Roman" panose="02020603050405020304" pitchFamily="18" charset="0"/>
                                 </a:rPr>
                               </m:ctrlPr>
@@ -19774,7 +19774,7 @@
                                       <a:solidFill>
                                         <a:srgbClr val="002060"/>
                                       </a:solidFill>
-                                      <a:latin typeface="Cambria Math" charset="0"/>
+                                      <a:latin typeface="Cambria Math" panose="02040503050406030204" pitchFamily="18" charset="0"/>
                                       <a:cs typeface="Times New Roman" panose="02020603050405020304" pitchFamily="18" charset="0"/>
                                     </a:rPr>
                                   </m:ctrlPr>
@@ -19823,7 +19823,7 @@
                                       <a:solidFill>
                                         <a:srgbClr val="002060"/>
                                       </a:solidFill>
-                                      <a:latin typeface="Cambria Math" charset="0"/>
+                                      <a:latin typeface="Cambria Math" panose="02040503050406030204" pitchFamily="18" charset="0"/>
                                       <a:cs typeface="Times New Roman" panose="02020603050405020304" pitchFamily="18" charset="0"/>
                                     </a:rPr>
                                   </m:ctrlPr>
@@ -19838,7 +19838,7 @@
                                           <a:solidFill>
                                             <a:srgbClr val="002060"/>
                                           </a:solidFill>
-                                          <a:latin typeface="Cambria Math" charset="0"/>
+                                          <a:latin typeface="Cambria Math" panose="02040503050406030204" pitchFamily="18" charset="0"/>
                                           <a:cs typeface="Times New Roman" panose="02020603050405020304" pitchFamily="18" charset="0"/>
                                         </a:rPr>
                                       </m:ctrlPr>
@@ -19851,7 +19851,7 @@
                                               <a:solidFill>
                                                 <a:srgbClr val="002060"/>
                                               </a:solidFill>
-                                              <a:latin typeface="Cambria Math" charset="0"/>
+                                              <a:latin typeface="Cambria Math" panose="02040503050406030204" pitchFamily="18" charset="0"/>
                                               <a:cs typeface="Times New Roman" panose="02020603050405020304" pitchFamily="18" charset="0"/>
                                             </a:rPr>
                                           </m:ctrlPr>
@@ -19894,7 +19894,7 @@
                                       <a:solidFill>
                                         <a:srgbClr val="002060"/>
                                       </a:solidFill>
-                                      <a:latin typeface="Cambria Math" charset="0"/>
+                                      <a:latin typeface="Cambria Math" panose="02040503050406030204" pitchFamily="18" charset="0"/>
                                       <a:cs typeface="Times New Roman" panose="02020603050405020304" pitchFamily="18" charset="0"/>
                                     </a:rPr>
                                   </m:ctrlPr>
@@ -20246,7 +20246,7 @@
                               <a:solidFill>
                                 <a:srgbClr val="002060"/>
                               </a:solidFill>
-                              <a:latin typeface="Cambria Math" charset="0"/>
+                              <a:latin typeface="Cambria Math" panose="02040503050406030204" pitchFamily="18" charset="0"/>
                               <a:cs typeface="Times New Roman" panose="02020603050405020304" pitchFamily="18" charset="0"/>
                             </a:rPr>
                           </m:ctrlPr>
@@ -20259,7 +20259,7 @@
                                   <a:solidFill>
                                     <a:srgbClr val="002060"/>
                                   </a:solidFill>
-                                  <a:latin typeface="Cambria Math" charset="0"/>
+                                  <a:latin typeface="Cambria Math" panose="02040503050406030204" pitchFamily="18" charset="0"/>
                                   <a:cs typeface="Times New Roman" panose="02020603050405020304" pitchFamily="18" charset="0"/>
                                 </a:rPr>
                               </m:ctrlPr>
@@ -20310,7 +20310,7 @@
                               <a:solidFill>
                                 <a:srgbClr val="002060"/>
                               </a:solidFill>
-                              <a:latin typeface="Cambria Math" charset="0"/>
+                              <a:latin typeface="Cambria Math" panose="02040503050406030204" pitchFamily="18" charset="0"/>
                               <a:cs typeface="Times New Roman" panose="02020603050405020304" pitchFamily="18" charset="0"/>
                             </a:rPr>
                           </m:ctrlPr>
@@ -20323,7 +20323,7 @@
                                   <a:solidFill>
                                     <a:srgbClr val="002060"/>
                                   </a:solidFill>
-                                  <a:latin typeface="Cambria Math" charset="0"/>
+                                  <a:latin typeface="Cambria Math" panose="02040503050406030204" pitchFamily="18" charset="0"/>
                                   <a:cs typeface="Times New Roman" panose="02020603050405020304" pitchFamily="18" charset="0"/>
                                 </a:rPr>
                               </m:ctrlPr>
@@ -20773,7 +20773,7 @@
                               <a:solidFill>
                                 <a:srgbClr val="002060"/>
                               </a:solidFill>
-                              <a:latin typeface="Cambria Math" charset="0"/>
+                              <a:latin typeface="Cambria Math" panose="02040503050406030204" pitchFamily="18" charset="0"/>
                               <a:cs typeface="Times New Roman" panose="02020603050405020304" pitchFamily="18" charset="0"/>
                             </a:rPr>
                           </m:ctrlPr>
@@ -20801,7 +20801,7 @@
                                   <a:solidFill>
                                     <a:srgbClr val="002060"/>
                                   </a:solidFill>
-                                  <a:latin typeface="Cambria Math" charset="0"/>
+                                  <a:latin typeface="Cambria Math" panose="02040503050406030204" pitchFamily="18" charset="0"/>
                                   <a:cs typeface="Times New Roman" panose="02020603050405020304" pitchFamily="18" charset="0"/>
                                 </a:rPr>
                               </m:ctrlPr>
@@ -20814,7 +20814,7 @@
                                       <a:solidFill>
                                         <a:srgbClr val="002060"/>
                                       </a:solidFill>
-                                      <a:latin typeface="Cambria Math" charset="0"/>
+                                      <a:latin typeface="Cambria Math" panose="02040503050406030204" pitchFamily="18" charset="0"/>
                                       <a:cs typeface="Times New Roman" panose="02020603050405020304" pitchFamily="18" charset="0"/>
                                     </a:rPr>
                                   </m:ctrlPr>
@@ -20896,7 +20896,7 @@
                                       <a:solidFill>
                                         <a:srgbClr val="002060"/>
                                       </a:solidFill>
-                                      <a:latin typeface="Cambria Math" charset="0"/>
+                                      <a:latin typeface="Cambria Math" panose="02040503050406030204" pitchFamily="18" charset="0"/>
                                       <a:cs typeface="Times New Roman" panose="02020603050405020304" pitchFamily="18" charset="0"/>
                                     </a:rPr>
                                   </m:ctrlPr>
@@ -20945,7 +20945,7 @@
                                       <a:solidFill>
                                         <a:srgbClr val="002060"/>
                                       </a:solidFill>
-                                      <a:latin typeface="Cambria Math" charset="0"/>
+                                      <a:latin typeface="Cambria Math" panose="02040503050406030204" pitchFamily="18" charset="0"/>
                                       <a:cs typeface="Times New Roman" panose="02020603050405020304" pitchFamily="18" charset="0"/>
                                     </a:rPr>
                                   </m:ctrlPr>
@@ -20992,7 +20992,7 @@
                                       <a:solidFill>
                                         <a:srgbClr val="002060"/>
                                       </a:solidFill>
-                                      <a:latin typeface="Cambria Math" charset="0"/>
+                                      <a:latin typeface="Cambria Math" panose="02040503050406030204" pitchFamily="18" charset="0"/>
                                       <a:cs typeface="Times New Roman" panose="02020603050405020304" pitchFamily="18" charset="0"/>
                                     </a:rPr>
                                   </m:ctrlPr>
@@ -21020,7 +21020,7 @@
                                           <a:solidFill>
                                             <a:srgbClr val="002060"/>
                                           </a:solidFill>
-                                          <a:latin typeface="Cambria Math" charset="0"/>
+                                          <a:latin typeface="Cambria Math" panose="02040503050406030204" pitchFamily="18" charset="0"/>
                                           <a:cs typeface="Times New Roman" panose="02020603050405020304" pitchFamily="18" charset="0"/>
                                         </a:rPr>
                                       </m:ctrlPr>
@@ -21033,7 +21033,7 @@
                                               <a:solidFill>
                                                 <a:srgbClr val="002060"/>
                                               </a:solidFill>
-                                              <a:latin typeface="Cambria Math" charset="0"/>
+                                              <a:latin typeface="Cambria Math" panose="02040503050406030204" pitchFamily="18" charset="0"/>
                                               <a:cs typeface="Times New Roman" panose="02020603050405020304" pitchFamily="18" charset="0"/>
                                             </a:rPr>
                                           </m:ctrlPr>
@@ -21125,7 +21125,7 @@
                                               <a:solidFill>
                                                 <a:srgbClr val="002060"/>
                                               </a:solidFill>
-                                              <a:latin typeface="Cambria Math" charset="0"/>
+                                              <a:latin typeface="Cambria Math" panose="02040503050406030204" pitchFamily="18" charset="0"/>
                                               <a:cs typeface="Times New Roman" panose="02020603050405020304" pitchFamily="18" charset="0"/>
                                             </a:rPr>
                                           </m:ctrlPr>
@@ -21148,7 +21148,7 @@
                                                   <a:solidFill>
                                                     <a:srgbClr val="002060"/>
                                                   </a:solidFill>
-                                                  <a:latin typeface="Cambria Math" charset="0"/>
+                                                  <a:latin typeface="Cambria Math" panose="02040503050406030204" pitchFamily="18" charset="0"/>
                                                   <a:cs typeface="Times New Roman" panose="02020603050405020304" pitchFamily="18" charset="0"/>
                                                 </a:rPr>
                                               </m:ctrlPr>
@@ -21161,7 +21161,7 @@
                                                       <a:solidFill>
                                                         <a:srgbClr val="002060"/>
                                                       </a:solidFill>
-                                                      <a:latin typeface="Cambria Math" charset="0"/>
+                                                      <a:latin typeface="Cambria Math" panose="02040503050406030204" pitchFamily="18" charset="0"/>
                                                       <a:cs typeface="Times New Roman" panose="02020603050405020304" pitchFamily="18" charset="0"/>
                                                     </a:rPr>
                                                   </m:ctrlPr>
@@ -21174,7 +21174,7 @@
                                                           <a:solidFill>
                                                             <a:srgbClr val="002060"/>
                                                           </a:solidFill>
-                                                          <a:latin typeface="Cambria Math" charset="0"/>
+                                                          <a:latin typeface="Cambria Math" panose="02040503050406030204" pitchFamily="18" charset="0"/>
                                                           <a:cs typeface="Times New Roman" panose="02020603050405020304" pitchFamily="18" charset="0"/>
                                                         </a:rPr>
                                                       </m:ctrlPr>
@@ -21237,7 +21237,7 @@
                                                   <a:solidFill>
                                                     <a:srgbClr val="002060"/>
                                                   </a:solidFill>
-                                                  <a:latin typeface="Cambria Math" charset="0"/>
+                                                  <a:latin typeface="Cambria Math" panose="02040503050406030204" pitchFamily="18" charset="0"/>
                                                   <a:cs typeface="Times New Roman" panose="02020603050405020304" pitchFamily="18" charset="0"/>
                                                 </a:rPr>
                                               </m:ctrlPr>
@@ -21250,7 +21250,7 @@
                                                       <a:solidFill>
                                                         <a:srgbClr val="002060"/>
                                                       </a:solidFill>
-                                                      <a:latin typeface="Cambria Math" charset="0"/>
+                                                      <a:latin typeface="Cambria Math" panose="02040503050406030204" pitchFamily="18" charset="0"/>
                                                       <a:cs typeface="Times New Roman" panose="02020603050405020304" pitchFamily="18" charset="0"/>
                                                     </a:rPr>
                                                   </m:ctrlPr>
@@ -21293,7 +21293,7 @@
                                                   <a:solidFill>
                                                     <a:srgbClr val="002060"/>
                                                   </a:solidFill>
-                                                  <a:latin typeface="Cambria Math" charset="0"/>
+                                                  <a:latin typeface="Cambria Math" panose="02040503050406030204" pitchFamily="18" charset="0"/>
                                                   <a:cs typeface="Times New Roman" panose="02020603050405020304" pitchFamily="18" charset="0"/>
                                                 </a:rPr>
                                               </m:ctrlPr>
@@ -21308,7 +21308,7 @@
                                                       <a:solidFill>
                                                         <a:srgbClr val="002060"/>
                                                       </a:solidFill>
-                                                      <a:latin typeface="Cambria Math" charset="0"/>
+                                                      <a:latin typeface="Cambria Math" panose="02040503050406030204" pitchFamily="18" charset="0"/>
                                                       <a:cs typeface="Times New Roman" panose="02020603050405020304" pitchFamily="18" charset="0"/>
                                                     </a:rPr>
                                                   </m:ctrlPr>
@@ -21331,7 +21331,7 @@
                                                           <a:solidFill>
                                                             <a:srgbClr val="002060"/>
                                                           </a:solidFill>
-                                                          <a:latin typeface="Cambria Math" charset="0"/>
+                                                          <a:latin typeface="Cambria Math" panose="02040503050406030204" pitchFamily="18" charset="0"/>
                                                           <a:cs typeface="Times New Roman" panose="02020603050405020304" pitchFamily="18" charset="0"/>
                                                         </a:rPr>
                                                       </m:ctrlPr>
@@ -21344,7 +21344,7 @@
                                                               <a:solidFill>
                                                                 <a:srgbClr val="002060"/>
                                                               </a:solidFill>
-                                                              <a:latin typeface="Cambria Math" charset="0"/>
+                                                              <a:latin typeface="Cambria Math" panose="02040503050406030204" pitchFamily="18" charset="0"/>
                                                               <a:cs typeface="Times New Roman" panose="02020603050405020304" pitchFamily="18" charset="0"/>
                                                             </a:rPr>
                                                           </m:ctrlPr>
@@ -21399,7 +21399,7 @@
                                                   <a:solidFill>
                                                     <a:srgbClr val="002060"/>
                                                   </a:solidFill>
-                                                  <a:latin typeface="Cambria Math" charset="0"/>
+                                                  <a:latin typeface="Cambria Math" panose="02040503050406030204" pitchFamily="18" charset="0"/>
                                                   <a:cs typeface="Times New Roman" panose="02020603050405020304" pitchFamily="18" charset="0"/>
                                                 </a:rPr>
                                               </m:ctrlPr>
@@ -21414,7 +21414,7 @@
                                                       <a:solidFill>
                                                         <a:srgbClr val="002060"/>
                                                       </a:solidFill>
-                                                      <a:latin typeface="Cambria Math" charset="0"/>
+                                                      <a:latin typeface="Cambria Math" panose="02040503050406030204" pitchFamily="18" charset="0"/>
                                                       <a:cs typeface="Times New Roman" panose="02020603050405020304" pitchFamily="18" charset="0"/>
                                                     </a:rPr>
                                                   </m:ctrlPr>
@@ -21437,7 +21437,7 @@
                                                           <a:solidFill>
                                                             <a:srgbClr val="002060"/>
                                                           </a:solidFill>
-                                                          <a:latin typeface="Cambria Math" charset="0"/>
+                                                          <a:latin typeface="Cambria Math" panose="02040503050406030204" pitchFamily="18" charset="0"/>
                                                           <a:cs typeface="Times New Roman" panose="02020603050405020304" pitchFamily="18" charset="0"/>
                                                         </a:rPr>
                                                       </m:ctrlPr>
@@ -21450,7 +21450,7 @@
                                                               <a:solidFill>
                                                                 <a:srgbClr val="002060"/>
                                                               </a:solidFill>
-                                                              <a:latin typeface="Cambria Math" charset="0"/>
+                                                              <a:latin typeface="Cambria Math" panose="02040503050406030204" pitchFamily="18" charset="0"/>
                                                               <a:cs typeface="Times New Roman" panose="02020603050405020304" pitchFamily="18" charset="0"/>
                                                             </a:rPr>
                                                           </m:ctrlPr>
@@ -21908,7 +21908,7 @@
                         <m:sSupPr>
                           <m:ctrlPr>
                             <a:rPr lang="en-US" b="0" i="1" dirty="0" smtClean="0">
-                              <a:latin typeface="Cambria Math" charset="0"/>
+                              <a:latin typeface="Cambria Math" panose="02040503050406030204" pitchFamily="18" charset="0"/>
                             </a:rPr>
                           </m:ctrlPr>
                         </m:sSupPr>
@@ -23178,7 +23178,7 @@
                               <a:solidFill>
                                 <a:srgbClr val="002060"/>
                               </a:solidFill>
-                              <a:latin typeface="Cambria Math" charset="0"/>
+                              <a:latin typeface="Cambria Math" panose="02040503050406030204" pitchFamily="18" charset="0"/>
                               <a:cs typeface="Times New Roman" panose="02020603050405020304" pitchFamily="18" charset="0"/>
                             </a:rPr>
                           </m:ctrlPr>
@@ -23193,7 +23193,7 @@
                                   <a:solidFill>
                                     <a:srgbClr val="002060"/>
                                   </a:solidFill>
-                                  <a:latin typeface="Cambria Math" charset="0"/>
+                                  <a:latin typeface="Cambria Math" panose="02040503050406030204" pitchFamily="18" charset="0"/>
                                   <a:cs typeface="Times New Roman" panose="02020603050405020304" pitchFamily="18" charset="0"/>
                                 </a:rPr>
                               </m:ctrlPr>
@@ -23206,7 +23206,7 @@
                                       <a:solidFill>
                                         <a:srgbClr val="002060"/>
                                       </a:solidFill>
-                                      <a:latin typeface="Cambria Math" charset="0"/>
+                                      <a:latin typeface="Cambria Math" panose="02040503050406030204" pitchFamily="18" charset="0"/>
                                       <a:cs typeface="Times New Roman" panose="02020603050405020304" pitchFamily="18" charset="0"/>
                                     </a:rPr>
                                   </m:ctrlPr>
@@ -23277,7 +23277,7 @@
                               <a:solidFill>
                                 <a:srgbClr val="002060"/>
                               </a:solidFill>
-                              <a:latin typeface="Cambria Math" charset="0"/>
+                              <a:latin typeface="Cambria Math" panose="02040503050406030204" pitchFamily="18" charset="0"/>
                               <a:cs typeface="Times New Roman" panose="02020603050405020304" pitchFamily="18" charset="0"/>
                             </a:rPr>
                           </m:ctrlPr>
@@ -23612,7 +23612,7 @@
                               <a:solidFill>
                                 <a:srgbClr val="002060"/>
                               </a:solidFill>
-                              <a:latin typeface="Cambria Math" charset="0"/>
+                              <a:latin typeface="Cambria Math" panose="02040503050406030204" pitchFamily="18" charset="0"/>
                               <a:cs typeface="Times New Roman" panose="02020603050405020304" pitchFamily="18" charset="0"/>
                             </a:rPr>
                           </m:ctrlPr>
@@ -23625,7 +23625,7 @@
                                   <a:solidFill>
                                     <a:srgbClr val="002060"/>
                                   </a:solidFill>
-                                  <a:latin typeface="Cambria Math" charset="0"/>
+                                  <a:latin typeface="Cambria Math" panose="02040503050406030204" pitchFamily="18" charset="0"/>
                                   <a:cs typeface="Times New Roman" panose="02020603050405020304" pitchFamily="18" charset="0"/>
                                 </a:rPr>
                               </m:ctrlPr>
@@ -23676,7 +23676,7 @@
                               <a:solidFill>
                                 <a:srgbClr val="002060"/>
                               </a:solidFill>
-                              <a:latin typeface="Cambria Math" charset="0"/>
+                              <a:latin typeface="Cambria Math" panose="02040503050406030204" pitchFamily="18" charset="0"/>
                               <a:cs typeface="Times New Roman" panose="02020603050405020304" pitchFamily="18" charset="0"/>
                             </a:rPr>
                           </m:ctrlPr>
@@ -23689,7 +23689,7 @@
                                   <a:solidFill>
                                     <a:srgbClr val="002060"/>
                                   </a:solidFill>
-                                  <a:latin typeface="Cambria Math" charset="0"/>
+                                  <a:latin typeface="Cambria Math" panose="02040503050406030204" pitchFamily="18" charset="0"/>
                                   <a:cs typeface="Times New Roman" panose="02020603050405020304" pitchFamily="18" charset="0"/>
                                 </a:rPr>
                               </m:ctrlPr>
@@ -23737,7 +23737,7 @@
                                   <a:solidFill>
                                     <a:srgbClr val="002060"/>
                                   </a:solidFill>
-                                  <a:latin typeface="Cambria Math" charset="0"/>
+                                  <a:latin typeface="Cambria Math" panose="02040503050406030204" pitchFamily="18" charset="0"/>
                                   <a:cs typeface="Times New Roman" panose="02020603050405020304" pitchFamily="18" charset="0"/>
                                 </a:rPr>
                               </m:ctrlPr>
@@ -23751,7 +23751,7 @@
                                       <a:solidFill>
                                         <a:srgbClr val="002060"/>
                                       </a:solidFill>
-                                      <a:latin typeface="Cambria Math" charset="0"/>
+                                      <a:latin typeface="Cambria Math" panose="02040503050406030204" pitchFamily="18" charset="0"/>
                                       <a:cs typeface="Times New Roman" panose="02020603050405020304" pitchFamily="18" charset="0"/>
                                     </a:rPr>
                                   </m:ctrlPr>
@@ -23798,7 +23798,7 @@
                                       <a:solidFill>
                                         <a:srgbClr val="002060"/>
                                       </a:solidFill>
-                                      <a:latin typeface="Cambria Math" charset="0"/>
+                                      <a:latin typeface="Cambria Math" panose="02040503050406030204" pitchFamily="18" charset="0"/>
                                       <a:cs typeface="Times New Roman" panose="02020603050405020304" pitchFamily="18" charset="0"/>
                                     </a:rPr>
                                   </m:ctrlPr>
@@ -23813,7 +23813,7 @@
                                           <a:solidFill>
                                             <a:srgbClr val="002060"/>
                                           </a:solidFill>
-                                          <a:latin typeface="Cambria Math" charset="0"/>
+                                          <a:latin typeface="Cambria Math" panose="02040503050406030204" pitchFamily="18" charset="0"/>
                                           <a:cs typeface="Times New Roman" panose="02020603050405020304" pitchFamily="18" charset="0"/>
                                         </a:rPr>
                                       </m:ctrlPr>
@@ -23828,7 +23828,7 @@
                                               <a:solidFill>
                                                 <a:srgbClr val="002060"/>
                                               </a:solidFill>
-                                              <a:latin typeface="Cambria Math" charset="0"/>
+                                              <a:latin typeface="Cambria Math" panose="02040503050406030204" pitchFamily="18" charset="0"/>
                                               <a:cs typeface="Times New Roman" panose="02020603050405020304" pitchFamily="18" charset="0"/>
                                             </a:rPr>
                                           </m:ctrlPr>
@@ -23841,7 +23841,7 @@
                                                   <a:solidFill>
                                                     <a:srgbClr val="002060"/>
                                                   </a:solidFill>
-                                                  <a:latin typeface="Cambria Math" charset="0"/>
+                                                  <a:latin typeface="Cambria Math" panose="02040503050406030204" pitchFamily="18" charset="0"/>
                                                   <a:cs typeface="Times New Roman" panose="02020603050405020304" pitchFamily="18" charset="0"/>
                                                 </a:rPr>
                                               </m:ctrlPr>
@@ -24211,7 +24211,7 @@
                               <a:solidFill>
                                 <a:srgbClr val="002060"/>
                               </a:solidFill>
-                              <a:latin typeface="Cambria Math" charset="0"/>
+                              <a:latin typeface="Cambria Math" panose="02040503050406030204" pitchFamily="18" charset="0"/>
                               <a:cs typeface="Times New Roman" panose="02020603050405020304" pitchFamily="18" charset="0"/>
                             </a:rPr>
                           </m:ctrlPr>
@@ -24224,7 +24224,7 @@
                                   <a:solidFill>
                                     <a:srgbClr val="002060"/>
                                   </a:solidFill>
-                                  <a:latin typeface="Cambria Math" charset="0"/>
+                                  <a:latin typeface="Cambria Math" panose="02040503050406030204" pitchFamily="18" charset="0"/>
                                   <a:cs typeface="Times New Roman" panose="02020603050405020304" pitchFamily="18" charset="0"/>
                                 </a:rPr>
                               </m:ctrlPr>
@@ -24275,7 +24275,7 @@
                               <a:solidFill>
                                 <a:srgbClr val="002060"/>
                               </a:solidFill>
-                              <a:latin typeface="Cambria Math" charset="0"/>
+                              <a:latin typeface="Cambria Math" panose="02040503050406030204" pitchFamily="18" charset="0"/>
                               <a:cs typeface="Times New Roman" panose="02020603050405020304" pitchFamily="18" charset="0"/>
                             </a:rPr>
                           </m:ctrlPr>
@@ -24288,7 +24288,7 @@
                                   <a:solidFill>
                                     <a:srgbClr val="002060"/>
                                   </a:solidFill>
-                                  <a:latin typeface="Cambria Math" charset="0"/>
+                                  <a:latin typeface="Cambria Math" panose="02040503050406030204" pitchFamily="18" charset="0"/>
                                   <a:cs typeface="Times New Roman" panose="02020603050405020304" pitchFamily="18" charset="0"/>
                                 </a:rPr>
                               </m:ctrlPr>
@@ -24708,7 +24708,7 @@
                               <a:solidFill>
                                 <a:srgbClr val="002060"/>
                               </a:solidFill>
-                              <a:latin typeface="Cambria Math" charset="0"/>
+                              <a:latin typeface="Cambria Math" panose="02040503050406030204" pitchFamily="18" charset="0"/>
                               <a:cs typeface="Times New Roman" panose="02020603050405020304" pitchFamily="18" charset="0"/>
                             </a:rPr>
                           </m:ctrlPr>
@@ -24736,7 +24736,7 @@
                                   <a:solidFill>
                                     <a:srgbClr val="002060"/>
                                   </a:solidFill>
-                                  <a:latin typeface="Cambria Math" charset="0"/>
+                                  <a:latin typeface="Cambria Math" panose="02040503050406030204" pitchFamily="18" charset="0"/>
                                   <a:cs typeface="Times New Roman" panose="02020603050405020304" pitchFamily="18" charset="0"/>
                                 </a:rPr>
                               </m:ctrlPr>
@@ -24749,7 +24749,7 @@
                                       <a:solidFill>
                                         <a:srgbClr val="002060"/>
                                       </a:solidFill>
-                                      <a:latin typeface="Cambria Math" charset="0"/>
+                                      <a:latin typeface="Cambria Math" panose="02040503050406030204" pitchFamily="18" charset="0"/>
                                       <a:cs typeface="Times New Roman" panose="02020603050405020304" pitchFamily="18" charset="0"/>
                                     </a:rPr>
                                   </m:ctrlPr>
@@ -24831,7 +24831,7 @@
                                       <a:solidFill>
                                         <a:srgbClr val="002060"/>
                                       </a:solidFill>
-                                      <a:latin typeface="Cambria Math" charset="0"/>
+                                      <a:latin typeface="Cambria Math" panose="02040503050406030204" pitchFamily="18" charset="0"/>
                                       <a:cs typeface="Times New Roman" panose="02020603050405020304" pitchFamily="18" charset="0"/>
                                     </a:rPr>
                                   </m:ctrlPr>
@@ -24880,7 +24880,7 @@
                                       <a:solidFill>
                                         <a:srgbClr val="002060"/>
                                       </a:solidFill>
-                                      <a:latin typeface="Cambria Math" charset="0"/>
+                                      <a:latin typeface="Cambria Math" panose="02040503050406030204" pitchFamily="18" charset="0"/>
                                       <a:cs typeface="Times New Roman" panose="02020603050405020304" pitchFamily="18" charset="0"/>
                                     </a:rPr>
                                   </m:ctrlPr>
@@ -24927,7 +24927,7 @@
                                       <a:solidFill>
                                         <a:srgbClr val="002060"/>
                                       </a:solidFill>
-                                      <a:latin typeface="Cambria Math" charset="0"/>
+                                      <a:latin typeface="Cambria Math" panose="02040503050406030204" pitchFamily="18" charset="0"/>
                                       <a:cs typeface="Times New Roman" panose="02020603050405020304" pitchFamily="18" charset="0"/>
                                     </a:rPr>
                                   </m:ctrlPr>
@@ -24955,7 +24955,7 @@
                                           <a:solidFill>
                                             <a:srgbClr val="002060"/>
                                           </a:solidFill>
-                                          <a:latin typeface="Cambria Math" charset="0"/>
+                                          <a:latin typeface="Cambria Math" panose="02040503050406030204" pitchFamily="18" charset="0"/>
                                           <a:cs typeface="Times New Roman" panose="02020603050405020304" pitchFamily="18" charset="0"/>
                                         </a:rPr>
                                       </m:ctrlPr>
@@ -24968,7 +24968,7 @@
                                               <a:solidFill>
                                                 <a:srgbClr val="002060"/>
                                               </a:solidFill>
-                                              <a:latin typeface="Cambria Math" charset="0"/>
+                                              <a:latin typeface="Cambria Math" panose="02040503050406030204" pitchFamily="18" charset="0"/>
                                               <a:cs typeface="Times New Roman" panose="02020603050405020304" pitchFamily="18" charset="0"/>
                                             </a:rPr>
                                           </m:ctrlPr>
@@ -25052,7 +25052,7 @@
                                               <a:solidFill>
                                                 <a:srgbClr val="002060"/>
                                               </a:solidFill>
-                                              <a:latin typeface="Cambria Math" charset="0"/>
+                                              <a:latin typeface="Cambria Math" panose="02040503050406030204" pitchFamily="18" charset="0"/>
                                               <a:cs typeface="Times New Roman" panose="02020603050405020304" pitchFamily="18" charset="0"/>
                                             </a:rPr>
                                           </m:ctrlPr>
@@ -25067,7 +25067,7 @@
                                                   <a:solidFill>
                                                     <a:srgbClr val="002060"/>
                                                   </a:solidFill>
-                                                  <a:latin typeface="Cambria Math" charset="0"/>
+                                                  <a:latin typeface="Cambria Math" panose="02040503050406030204" pitchFamily="18" charset="0"/>
                                                   <a:cs typeface="Times New Roman" panose="02020603050405020304" pitchFamily="18" charset="0"/>
                                                 </a:rPr>
                                               </m:ctrlPr>
@@ -25090,7 +25090,7 @@
                                                       <a:solidFill>
                                                         <a:srgbClr val="002060"/>
                                                       </a:solidFill>
-                                                      <a:latin typeface="Cambria Math" charset="0"/>
+                                                      <a:latin typeface="Cambria Math" panose="02040503050406030204" pitchFamily="18" charset="0"/>
                                                       <a:cs typeface="Times New Roman" panose="02020603050405020304" pitchFamily="18" charset="0"/>
                                                     </a:rPr>
                                                   </m:ctrlPr>
@@ -25103,7 +25103,7 @@
                                                           <a:solidFill>
                                                             <a:srgbClr val="002060"/>
                                                           </a:solidFill>
-                                                          <a:latin typeface="Cambria Math" charset="0"/>
+                                                          <a:latin typeface="Cambria Math" panose="02040503050406030204" pitchFamily="18" charset="0"/>
                                                           <a:cs typeface="Times New Roman" panose="02020603050405020304" pitchFamily="18" charset="0"/>
                                                         </a:rPr>
                                                       </m:ctrlPr>
@@ -25162,7 +25162,7 @@
                                                       <a:solidFill>
                                                         <a:srgbClr val="002060"/>
                                                       </a:solidFill>
-                                                      <a:latin typeface="Cambria Math" charset="0"/>
+                                                      <a:latin typeface="Cambria Math" panose="02040503050406030204" pitchFamily="18" charset="0"/>
                                                       <a:cs typeface="Times New Roman" panose="02020603050405020304" pitchFamily="18" charset="0"/>
                                                     </a:rPr>
                                                   </m:ctrlPr>
@@ -25175,7 +25175,7 @@
                                                           <a:solidFill>
                                                             <a:srgbClr val="002060"/>
                                                           </a:solidFill>
-                                                          <a:latin typeface="Cambria Math" charset="0"/>
+                                                          <a:latin typeface="Cambria Math" panose="02040503050406030204" pitchFamily="18" charset="0"/>
                                                           <a:cs typeface="Times New Roman" panose="02020603050405020304" pitchFamily="18" charset="0"/>
                                                         </a:rPr>
                                                       </m:ctrlPr>
@@ -25230,7 +25230,7 @@
                                           <a:solidFill>
                                             <a:srgbClr val="002060"/>
                                           </a:solidFill>
-                                          <a:latin typeface="Cambria Math" charset="0"/>
+                                          <a:latin typeface="Cambria Math" panose="02040503050406030204" pitchFamily="18" charset="0"/>
                                           <a:cs typeface="Times New Roman" panose="02020603050405020304" pitchFamily="18" charset="0"/>
                                         </a:rPr>
                                       </m:ctrlPr>
@@ -25258,7 +25258,7 @@
                                               <a:solidFill>
                                                 <a:srgbClr val="002060"/>
                                               </a:solidFill>
-                                              <a:latin typeface="Cambria Math" charset="0"/>
+                                              <a:latin typeface="Cambria Math" panose="02040503050406030204" pitchFamily="18" charset="0"/>
                                               <a:cs typeface="Times New Roman" panose="02020603050405020304" pitchFamily="18" charset="0"/>
                                             </a:rPr>
                                           </m:ctrlPr>
@@ -25271,7 +25271,7 @@
                                                   <a:solidFill>
                                                     <a:srgbClr val="002060"/>
                                                   </a:solidFill>
-                                                  <a:latin typeface="Cambria Math" charset="0"/>
+                                                  <a:latin typeface="Cambria Math" panose="02040503050406030204" pitchFamily="18" charset="0"/>
                                                   <a:cs typeface="Times New Roman" panose="02020603050405020304" pitchFamily="18" charset="0"/>
                                                 </a:rPr>
                                               </m:ctrlPr>
@@ -25363,7 +25363,7 @@
                                                   <a:solidFill>
                                                     <a:srgbClr val="002060"/>
                                                   </a:solidFill>
-                                                  <a:latin typeface="Cambria Math" charset="0"/>
+                                                  <a:latin typeface="Cambria Math" panose="02040503050406030204" pitchFamily="18" charset="0"/>
                                                   <a:cs typeface="Times New Roman" panose="02020603050405020304" pitchFamily="18" charset="0"/>
                                                 </a:rPr>
                                               </m:ctrlPr>
@@ -25386,7 +25386,7 @@
                                                       <a:solidFill>
                                                         <a:srgbClr val="002060"/>
                                                       </a:solidFill>
-                                                      <a:latin typeface="Cambria Math" charset="0"/>
+                                                      <a:latin typeface="Cambria Math" panose="02040503050406030204" pitchFamily="18" charset="0"/>
                                                       <a:cs typeface="Times New Roman" panose="02020603050405020304" pitchFamily="18" charset="0"/>
                                                     </a:rPr>
                                                   </m:ctrlPr>
@@ -25399,7 +25399,7 @@
                                                           <a:solidFill>
                                                             <a:srgbClr val="002060"/>
                                                           </a:solidFill>
-                                                          <a:latin typeface="Cambria Math" charset="0"/>
+                                                          <a:latin typeface="Cambria Math" panose="02040503050406030204" pitchFamily="18" charset="0"/>
                                                           <a:cs typeface="Times New Roman" panose="02020603050405020304" pitchFamily="18" charset="0"/>
                                                         </a:rPr>
                                                       </m:ctrlPr>
@@ -25412,7 +25412,7 @@
                                                               <a:solidFill>
                                                                 <a:srgbClr val="002060"/>
                                                               </a:solidFill>
-                                                              <a:latin typeface="Cambria Math" charset="0"/>
+                                                              <a:latin typeface="Cambria Math" panose="02040503050406030204" pitchFamily="18" charset="0"/>
                                                               <a:cs typeface="Times New Roman" panose="02020603050405020304" pitchFamily="18" charset="0"/>
                                                             </a:rPr>
                                                           </m:ctrlPr>
@@ -25475,7 +25475,7 @@
                                                       <a:solidFill>
                                                         <a:srgbClr val="002060"/>
                                                       </a:solidFill>
-                                                      <a:latin typeface="Cambria Math" charset="0"/>
+                                                      <a:latin typeface="Cambria Math" panose="02040503050406030204" pitchFamily="18" charset="0"/>
                                                       <a:cs typeface="Times New Roman" panose="02020603050405020304" pitchFamily="18" charset="0"/>
                                                     </a:rPr>
                                                   </m:ctrlPr>
@@ -25488,7 +25488,7 @@
                                                           <a:solidFill>
                                                             <a:srgbClr val="002060"/>
                                                           </a:solidFill>
-                                                          <a:latin typeface="Cambria Math" charset="0"/>
+                                                          <a:latin typeface="Cambria Math" panose="02040503050406030204" pitchFamily="18" charset="0"/>
                                                           <a:cs typeface="Times New Roman" panose="02020603050405020304" pitchFamily="18" charset="0"/>
                                                         </a:rPr>
                                                       </m:ctrlPr>
@@ -25531,7 +25531,7 @@
                                                       <a:solidFill>
                                                         <a:srgbClr val="002060"/>
                                                       </a:solidFill>
-                                                      <a:latin typeface="Cambria Math" charset="0"/>
+                                                      <a:latin typeface="Cambria Math" panose="02040503050406030204" pitchFamily="18" charset="0"/>
                                                       <a:cs typeface="Times New Roman" panose="02020603050405020304" pitchFamily="18" charset="0"/>
                                                     </a:rPr>
                                                   </m:ctrlPr>
@@ -25546,7 +25546,7 @@
                                                           <a:solidFill>
                                                             <a:srgbClr val="002060"/>
                                                           </a:solidFill>
-                                                          <a:latin typeface="Cambria Math" charset="0"/>
+                                                          <a:latin typeface="Cambria Math" panose="02040503050406030204" pitchFamily="18" charset="0"/>
                                                           <a:cs typeface="Times New Roman" panose="02020603050405020304" pitchFamily="18" charset="0"/>
                                                         </a:rPr>
                                                       </m:ctrlPr>
@@ -25569,7 +25569,7 @@
                                                               <a:solidFill>
                                                                 <a:srgbClr val="002060"/>
                                                               </a:solidFill>
-                                                              <a:latin typeface="Cambria Math" charset="0"/>
+                                                              <a:latin typeface="Cambria Math" panose="02040503050406030204" pitchFamily="18" charset="0"/>
                                                               <a:cs typeface="Times New Roman" panose="02020603050405020304" pitchFamily="18" charset="0"/>
                                                             </a:rPr>
                                                           </m:ctrlPr>
@@ -25582,7 +25582,7 @@
                                                                   <a:solidFill>
                                                                     <a:srgbClr val="002060"/>
                                                                   </a:solidFill>
-                                                                  <a:latin typeface="Cambria Math" charset="0"/>
+                                                                  <a:latin typeface="Cambria Math" panose="02040503050406030204" pitchFamily="18" charset="0"/>
                                                                   <a:cs typeface="Times New Roman" panose="02020603050405020304" pitchFamily="18" charset="0"/>
                                                                 </a:rPr>
                                                               </m:ctrlPr>
@@ -25637,7 +25637,7 @@
                                                       <a:solidFill>
                                                         <a:srgbClr val="002060"/>
                                                       </a:solidFill>
-                                                      <a:latin typeface="Cambria Math" charset="0"/>
+                                                      <a:latin typeface="Cambria Math" panose="02040503050406030204" pitchFamily="18" charset="0"/>
                                                       <a:cs typeface="Times New Roman" panose="02020603050405020304" pitchFamily="18" charset="0"/>
                                                     </a:rPr>
                                                   </m:ctrlPr>
@@ -25652,7 +25652,7 @@
                                                           <a:solidFill>
                                                             <a:srgbClr val="002060"/>
                                                           </a:solidFill>
-                                                          <a:latin typeface="Cambria Math" charset="0"/>
+                                                          <a:latin typeface="Cambria Math" panose="02040503050406030204" pitchFamily="18" charset="0"/>
                                                           <a:cs typeface="Times New Roman" panose="02020603050405020304" pitchFamily="18" charset="0"/>
                                                         </a:rPr>
                                                       </m:ctrlPr>
@@ -25675,7 +25675,7 @@
                                                               <a:solidFill>
                                                                 <a:srgbClr val="002060"/>
                                                               </a:solidFill>
-                                                              <a:latin typeface="Cambria Math" charset="0"/>
+                                                              <a:latin typeface="Cambria Math" panose="02040503050406030204" pitchFamily="18" charset="0"/>
                                                               <a:cs typeface="Times New Roman" panose="02020603050405020304" pitchFamily="18" charset="0"/>
                                                             </a:rPr>
                                                           </m:ctrlPr>
@@ -25688,7 +25688,7 @@
                                                                   <a:solidFill>
                                                                     <a:srgbClr val="002060"/>
                                                                   </a:solidFill>
-                                                                  <a:latin typeface="Cambria Math" charset="0"/>
+                                                                  <a:latin typeface="Cambria Math" panose="02040503050406030204" pitchFamily="18" charset="0"/>
                                                                   <a:cs typeface="Times New Roman" panose="02020603050405020304" pitchFamily="18" charset="0"/>
                                                                 </a:rPr>
                                                               </m:ctrlPr>
@@ -26281,7 +26281,7 @@
                         <m:sSupPr>
                           <m:ctrlPr>
                             <a:rPr lang="en-US" b="0" i="1" dirty="0" smtClean="0">
-                              <a:latin typeface="Cambria Math" charset="0"/>
+                              <a:latin typeface="Cambria Math" panose="02040503050406030204" pitchFamily="18" charset="0"/>
                             </a:rPr>
                           </m:ctrlPr>
                         </m:sSupPr>
@@ -28422,7 +28422,7 @@
                                 <a:solidFill>
                                   <a:srgbClr val="FF0000"/>
                                 </a:solidFill>
-                                <a:latin typeface="Cambria Math" charset="0"/>
+                                <a:latin typeface="Cambria Math" panose="02040503050406030204" pitchFamily="18" charset="0"/>
                               </a:rPr>
                             </m:ctrlPr>
                           </m:sSubPr>
@@ -28535,7 +28535,7 @@
                           <m:sSubPr>
                             <m:ctrlPr>
                               <a:rPr lang="en-US" sz="1400" b="0" i="1" smtClean="0">
-                                <a:latin typeface="Cambria Math" charset="0"/>
+                                <a:latin typeface="Cambria Math" panose="02040503050406030204" pitchFamily="18" charset="0"/>
                               </a:rPr>
                             </m:ctrlPr>
                           </m:sSubPr>
@@ -28638,7 +28638,7 @@
                           <m:sSubPr>
                             <m:ctrlPr>
                               <a:rPr lang="en-US" sz="1400" b="0" i="1" smtClean="0">
-                                <a:latin typeface="Cambria Math" charset="0"/>
+                                <a:latin typeface="Cambria Math" panose="02040503050406030204" pitchFamily="18" charset="0"/>
                               </a:rPr>
                             </m:ctrlPr>
                           </m:sSubPr>
@@ -28741,7 +28741,7 @@
                           <m:sSubPr>
                             <m:ctrlPr>
                               <a:rPr lang="en-US" sz="1400" b="0" i="1" smtClean="0">
-                                <a:latin typeface="Cambria Math" charset="0"/>
+                                <a:latin typeface="Cambria Math" panose="02040503050406030204" pitchFamily="18" charset="0"/>
                               </a:rPr>
                             </m:ctrlPr>
                           </m:sSubPr>
@@ -28865,7 +28865,7 @@
                                 <a:solidFill>
                                   <a:srgbClr val="FF0000"/>
                                 </a:solidFill>
-                                <a:latin typeface="Cambria Math" charset="0"/>
+                                <a:latin typeface="Cambria Math" panose="02040503050406030204" pitchFamily="18" charset="0"/>
                               </a:rPr>
                             </m:ctrlPr>
                           </m:sSubPr>
@@ -28987,7 +28987,7 @@
                           <m:sSubPr>
                             <m:ctrlPr>
                               <a:rPr lang="en-US" sz="1400" b="1" i="1" smtClean="0">
-                                <a:latin typeface="Cambria Math" charset="0"/>
+                                <a:latin typeface="Cambria Math" panose="02040503050406030204" pitchFamily="18" charset="0"/>
                               </a:rPr>
                             </m:ctrlPr>
                           </m:sSubPr>
@@ -29107,7 +29107,7 @@
                           <m:sSubPr>
                             <m:ctrlPr>
                               <a:rPr lang="en-US" sz="1400" b="1" i="1" smtClean="0">
-                                <a:latin typeface="Cambria Math" charset="0"/>
+                                <a:latin typeface="Cambria Math" panose="02040503050406030204" pitchFamily="18" charset="0"/>
                               </a:rPr>
                             </m:ctrlPr>
                           </m:sSubPr>
@@ -29227,7 +29227,7 @@
                           <m:sSubPr>
                             <m:ctrlPr>
                               <a:rPr lang="en-US" sz="1400" b="1" i="1" smtClean="0">
-                                <a:latin typeface="Cambria Math" charset="0"/>
+                                <a:latin typeface="Cambria Math" panose="02040503050406030204" pitchFamily="18" charset="0"/>
                               </a:rPr>
                             </m:ctrlPr>
                           </m:sSubPr>
@@ -30639,7 +30639,7 @@
                               <a:solidFill>
                                 <a:srgbClr val="002060"/>
                               </a:solidFill>
-                              <a:latin typeface="Cambria Math" charset="0"/>
+                              <a:latin typeface="Cambria Math" panose="02040503050406030204" pitchFamily="18" charset="0"/>
                               <a:cs typeface="Times New Roman" panose="02020603050405020304" pitchFamily="18" charset="0"/>
                             </a:rPr>
                           </m:ctrlPr>
@@ -30652,7 +30652,7 @@
                                   <a:solidFill>
                                     <a:srgbClr val="002060"/>
                                   </a:solidFill>
-                                  <a:latin typeface="Cambria Math" charset="0"/>
+                                  <a:latin typeface="Cambria Math" panose="02040503050406030204" pitchFamily="18" charset="0"/>
                                   <a:cs typeface="Times New Roman" panose="02020603050405020304" pitchFamily="18" charset="0"/>
                                 </a:rPr>
                               </m:ctrlPr>
@@ -30703,7 +30703,7 @@
                               <a:solidFill>
                                 <a:srgbClr val="002060"/>
                               </a:solidFill>
-                              <a:latin typeface="Cambria Math" charset="0"/>
+                              <a:latin typeface="Cambria Math" panose="02040503050406030204" pitchFamily="18" charset="0"/>
                               <a:cs typeface="Times New Roman" panose="02020603050405020304" pitchFamily="18" charset="0"/>
                             </a:rPr>
                           </m:ctrlPr>
@@ -30716,7 +30716,7 @@
                                   <a:solidFill>
                                     <a:srgbClr val="002060"/>
                                   </a:solidFill>
-                                  <a:latin typeface="Cambria Math" charset="0"/>
+                                  <a:latin typeface="Cambria Math" panose="02040503050406030204" pitchFamily="18" charset="0"/>
                                   <a:cs typeface="Times New Roman" panose="02020603050405020304" pitchFamily="18" charset="0"/>
                                 </a:rPr>
                               </m:ctrlPr>
@@ -30764,7 +30764,7 @@
                                   <a:solidFill>
                                     <a:srgbClr val="002060"/>
                                   </a:solidFill>
-                                  <a:latin typeface="Cambria Math" charset="0"/>
+                                  <a:latin typeface="Cambria Math" panose="02040503050406030204" pitchFamily="18" charset="0"/>
                                   <a:cs typeface="Times New Roman" panose="02020603050405020304" pitchFamily="18" charset="0"/>
                                 </a:rPr>
                               </m:ctrlPr>
@@ -30778,7 +30778,7 @@
                                       <a:solidFill>
                                         <a:srgbClr val="002060"/>
                                       </a:solidFill>
-                                      <a:latin typeface="Cambria Math" charset="0"/>
+                                      <a:latin typeface="Cambria Math" panose="02040503050406030204" pitchFamily="18" charset="0"/>
                                       <a:cs typeface="Times New Roman" panose="02020603050405020304" pitchFamily="18" charset="0"/>
                                     </a:rPr>
                                   </m:ctrlPr>
@@ -30825,7 +30825,7 @@
                                       <a:solidFill>
                                         <a:srgbClr val="002060"/>
                                       </a:solidFill>
-                                      <a:latin typeface="Cambria Math" charset="0"/>
+                                      <a:latin typeface="Cambria Math" panose="02040503050406030204" pitchFamily="18" charset="0"/>
                                       <a:cs typeface="Times New Roman" panose="02020603050405020304" pitchFamily="18" charset="0"/>
                                     </a:rPr>
                                   </m:ctrlPr>
@@ -30840,7 +30840,7 @@
                                           <a:solidFill>
                                             <a:srgbClr val="002060"/>
                                           </a:solidFill>
-                                          <a:latin typeface="Cambria Math" charset="0"/>
+                                          <a:latin typeface="Cambria Math" panose="02040503050406030204" pitchFamily="18" charset="0"/>
                                           <a:cs typeface="Times New Roman" panose="02020603050405020304" pitchFamily="18" charset="0"/>
                                         </a:rPr>
                                       </m:ctrlPr>
@@ -30855,7 +30855,7 @@
                                               <a:solidFill>
                                                 <a:srgbClr val="002060"/>
                                               </a:solidFill>
-                                              <a:latin typeface="Cambria Math" charset="0"/>
+                                              <a:latin typeface="Cambria Math" panose="02040503050406030204" pitchFamily="18" charset="0"/>
                                               <a:cs typeface="Times New Roman" panose="02020603050405020304" pitchFamily="18" charset="0"/>
                                             </a:rPr>
                                           </m:ctrlPr>
@@ -30868,7 +30868,7 @@
                                                   <a:solidFill>
                                                     <a:srgbClr val="002060"/>
                                                   </a:solidFill>
-                                                  <a:latin typeface="Cambria Math" charset="0"/>
+                                                  <a:latin typeface="Cambria Math" panose="02040503050406030204" pitchFamily="18" charset="0"/>
                                                   <a:cs typeface="Times New Roman" panose="02020603050405020304" pitchFamily="18" charset="0"/>
                                                 </a:rPr>
                                               </m:ctrlPr>
@@ -31238,7 +31238,7 @@
                               <a:solidFill>
                                 <a:srgbClr val="002060"/>
                               </a:solidFill>
-                              <a:latin typeface="Cambria Math" charset="0"/>
+                              <a:latin typeface="Cambria Math" panose="02040503050406030204" pitchFamily="18" charset="0"/>
                               <a:cs typeface="Times New Roman" panose="02020603050405020304" pitchFamily="18" charset="0"/>
                             </a:rPr>
                           </m:ctrlPr>
@@ -31251,7 +31251,7 @@
                                   <a:solidFill>
                                     <a:srgbClr val="002060"/>
                                   </a:solidFill>
-                                  <a:latin typeface="Cambria Math" charset="0"/>
+                                  <a:latin typeface="Cambria Math" panose="02040503050406030204" pitchFamily="18" charset="0"/>
                                   <a:cs typeface="Times New Roman" panose="02020603050405020304" pitchFamily="18" charset="0"/>
                                 </a:rPr>
                               </m:ctrlPr>
@@ -31302,7 +31302,7 @@
                               <a:solidFill>
                                 <a:srgbClr val="002060"/>
                               </a:solidFill>
-                              <a:latin typeface="Cambria Math" charset="0"/>
+                              <a:latin typeface="Cambria Math" panose="02040503050406030204" pitchFamily="18" charset="0"/>
                               <a:cs typeface="Times New Roman" panose="02020603050405020304" pitchFamily="18" charset="0"/>
                             </a:rPr>
                           </m:ctrlPr>
@@ -31315,7 +31315,7 @@
                                   <a:solidFill>
                                     <a:srgbClr val="002060"/>
                                   </a:solidFill>
-                                  <a:latin typeface="Cambria Math" charset="0"/>
+                                  <a:latin typeface="Cambria Math" panose="02040503050406030204" pitchFamily="18" charset="0"/>
                                   <a:cs typeface="Times New Roman" panose="02020603050405020304" pitchFamily="18" charset="0"/>
                                 </a:rPr>
                               </m:ctrlPr>
@@ -31675,7 +31675,7 @@
                               <a:solidFill>
                                 <a:srgbClr val="002060"/>
                               </a:solidFill>
-                              <a:latin typeface="Cambria Math" charset="0"/>
+                              <a:latin typeface="Cambria Math" panose="02040503050406030204" pitchFamily="18" charset="0"/>
                               <a:cs typeface="Times New Roman" panose="02020603050405020304" pitchFamily="18" charset="0"/>
                             </a:rPr>
                           </m:ctrlPr>
@@ -31688,7 +31688,7 @@
                                   <a:solidFill>
                                     <a:srgbClr val="002060"/>
                                   </a:solidFill>
-                                  <a:latin typeface="Cambria Math" charset="0"/>
+                                  <a:latin typeface="Cambria Math" panose="02040503050406030204" pitchFamily="18" charset="0"/>
                                   <a:cs typeface="Times New Roman" panose="02020603050405020304" pitchFamily="18" charset="0"/>
                                 </a:rPr>
                               </m:ctrlPr>
@@ -31739,7 +31739,7 @@
                               <a:solidFill>
                                 <a:srgbClr val="002060"/>
                               </a:solidFill>
-                              <a:latin typeface="Cambria Math" charset="0"/>
+                              <a:latin typeface="Cambria Math" panose="02040503050406030204" pitchFamily="18" charset="0"/>
                               <a:cs typeface="Times New Roman" panose="02020603050405020304" pitchFamily="18" charset="0"/>
                             </a:rPr>
                           </m:ctrlPr>
@@ -31752,7 +31752,7 @@
                                   <a:solidFill>
                                     <a:srgbClr val="002060"/>
                                   </a:solidFill>
-                                  <a:latin typeface="Cambria Math" charset="0"/>
+                                  <a:latin typeface="Cambria Math" panose="02040503050406030204" pitchFamily="18" charset="0"/>
                                   <a:cs typeface="Times New Roman" panose="02020603050405020304" pitchFamily="18" charset="0"/>
                                 </a:rPr>
                               </m:ctrlPr>
@@ -31800,7 +31800,7 @@
                                   <a:solidFill>
                                     <a:srgbClr val="002060"/>
                                   </a:solidFill>
-                                  <a:latin typeface="Cambria Math" charset="0"/>
+                                  <a:latin typeface="Cambria Math" panose="02040503050406030204" pitchFamily="18" charset="0"/>
                                   <a:cs typeface="Times New Roman" panose="02020603050405020304" pitchFamily="18" charset="0"/>
                                 </a:rPr>
                               </m:ctrlPr>
@@ -31814,7 +31814,7 @@
                                       <a:solidFill>
                                         <a:srgbClr val="002060"/>
                                       </a:solidFill>
-                                      <a:latin typeface="Cambria Math" charset="0"/>
+                                      <a:latin typeface="Cambria Math" panose="02040503050406030204" pitchFamily="18" charset="0"/>
                                       <a:cs typeface="Times New Roman" panose="02020603050405020304" pitchFamily="18" charset="0"/>
                                     </a:rPr>
                                   </m:ctrlPr>
@@ -31861,7 +31861,7 @@
                                       <a:solidFill>
                                         <a:srgbClr val="002060"/>
                                       </a:solidFill>
-                                      <a:latin typeface="Cambria Math" charset="0"/>
+                                      <a:latin typeface="Cambria Math" panose="02040503050406030204" pitchFamily="18" charset="0"/>
                                       <a:cs typeface="Times New Roman" panose="02020603050405020304" pitchFamily="18" charset="0"/>
                                     </a:rPr>
                                   </m:ctrlPr>
@@ -31876,7 +31876,7 @@
                                           <a:solidFill>
                                             <a:srgbClr val="002060"/>
                                           </a:solidFill>
-                                          <a:latin typeface="Cambria Math" charset="0"/>
+                                          <a:latin typeface="Cambria Math" panose="02040503050406030204" pitchFamily="18" charset="0"/>
                                           <a:cs typeface="Times New Roman" panose="02020603050405020304" pitchFamily="18" charset="0"/>
                                         </a:rPr>
                                       </m:ctrlPr>
@@ -31891,7 +31891,7 @@
                                               <a:solidFill>
                                                 <a:srgbClr val="002060"/>
                                               </a:solidFill>
-                                              <a:latin typeface="Cambria Math" charset="0"/>
+                                              <a:latin typeface="Cambria Math" panose="02040503050406030204" pitchFamily="18" charset="0"/>
                                               <a:cs typeface="Times New Roman" panose="02020603050405020304" pitchFamily="18" charset="0"/>
                                             </a:rPr>
                                           </m:ctrlPr>
@@ -31904,7 +31904,7 @@
                                                   <a:solidFill>
                                                     <a:srgbClr val="002060"/>
                                                   </a:solidFill>
-                                                  <a:latin typeface="Cambria Math" charset="0"/>
+                                                  <a:latin typeface="Cambria Math" panose="02040503050406030204" pitchFamily="18" charset="0"/>
                                                   <a:cs typeface="Times New Roman" panose="02020603050405020304" pitchFamily="18" charset="0"/>
                                                 </a:rPr>
                                               </m:ctrlPr>
@@ -32274,7 +32274,7 @@
                               <a:solidFill>
                                 <a:srgbClr val="002060"/>
                               </a:solidFill>
-                              <a:latin typeface="Cambria Math" charset="0"/>
+                              <a:latin typeface="Cambria Math" panose="02040503050406030204" pitchFamily="18" charset="0"/>
                               <a:cs typeface="Times New Roman" panose="02020603050405020304" pitchFamily="18" charset="0"/>
                             </a:rPr>
                           </m:ctrlPr>
@@ -32287,7 +32287,7 @@
                                   <a:solidFill>
                                     <a:srgbClr val="002060"/>
                                   </a:solidFill>
-                                  <a:latin typeface="Cambria Math" charset="0"/>
+                                  <a:latin typeface="Cambria Math" panose="02040503050406030204" pitchFamily="18" charset="0"/>
                                   <a:cs typeface="Times New Roman" panose="02020603050405020304" pitchFamily="18" charset="0"/>
                                 </a:rPr>
                               </m:ctrlPr>
@@ -32338,7 +32338,7 @@
                               <a:solidFill>
                                 <a:srgbClr val="002060"/>
                               </a:solidFill>
-                              <a:latin typeface="Cambria Math" charset="0"/>
+                              <a:latin typeface="Cambria Math" panose="02040503050406030204" pitchFamily="18" charset="0"/>
                               <a:cs typeface="Times New Roman" panose="02020603050405020304" pitchFamily="18" charset="0"/>
                             </a:rPr>
                           </m:ctrlPr>
@@ -32351,7 +32351,7 @@
                                   <a:solidFill>
                                     <a:srgbClr val="002060"/>
                                   </a:solidFill>
-                                  <a:latin typeface="Cambria Math" charset="0"/>
+                                  <a:latin typeface="Cambria Math" panose="02040503050406030204" pitchFamily="18" charset="0"/>
                                   <a:cs typeface="Times New Roman" panose="02020603050405020304" pitchFamily="18" charset="0"/>
                                 </a:rPr>
                               </m:ctrlPr>
@@ -32440,7 +32440,7 @@
                               <a:solidFill>
                                 <a:srgbClr val="002060"/>
                               </a:solidFill>
-                              <a:latin typeface="Cambria Math" charset="0"/>
+                              <a:latin typeface="Cambria Math" panose="02040503050406030204" pitchFamily="18" charset="0"/>
                               <a:cs typeface="Times New Roman" panose="02020603050405020304" pitchFamily="18" charset="0"/>
                             </a:rPr>
                           </m:ctrlPr>
@@ -32467,7 +32467,7 @@
                                   <a:solidFill>
                                     <a:srgbClr val="002060"/>
                                   </a:solidFill>
-                                  <a:latin typeface="Cambria Math" charset="0"/>
+                                  <a:latin typeface="Cambria Math" panose="02040503050406030204" pitchFamily="18" charset="0"/>
                                   <a:cs typeface="Times New Roman" panose="02020603050405020304" pitchFamily="18" charset="0"/>
                                 </a:rPr>
                               </m:ctrlPr>
@@ -32482,7 +32482,7 @@
                                       <a:solidFill>
                                         <a:srgbClr val="002060"/>
                                       </a:solidFill>
-                                      <a:latin typeface="Cambria Math" charset="0"/>
+                                      <a:latin typeface="Cambria Math" panose="02040503050406030204" pitchFamily="18" charset="0"/>
                                       <a:cs typeface="Times New Roman" panose="02020603050405020304" pitchFamily="18" charset="0"/>
                                     </a:rPr>
                                   </m:ctrlPr>
@@ -32495,7 +32495,7 @@
                                           <a:solidFill>
                                             <a:srgbClr val="002060"/>
                                           </a:solidFill>
-                                          <a:latin typeface="Cambria Math" charset="0"/>
+                                          <a:latin typeface="Cambria Math" panose="02040503050406030204" pitchFamily="18" charset="0"/>
                                           <a:cs typeface="Times New Roman" panose="02020603050405020304" pitchFamily="18" charset="0"/>
                                         </a:rPr>
                                       </m:ctrlPr>
@@ -32665,7 +32665,7 @@
         </p:nvSpPr>
         <p:spPr>
           <a:xfrm>
-            <a:off x="381000" y="287978"/>
+            <a:off x="76200" y="287978"/>
             <a:ext cx="6553200" cy="523220"/>
           </a:xfrm>
         </p:spPr>
@@ -32678,51 +32678,6 @@
               <a:t>Idea: Quantization-based</a:t>
             </a:r>
             <a:endParaRPr lang="en-US" sz="2800" dirty="0"/>
-          </a:p>
-        </p:txBody>
-      </p:sp>
-      <p:sp>
-        <p:nvSpPr>
-          <p:cNvPr id="3" name="Content Placeholder 2"/>
-          <p:cNvSpPr>
-            <a:spLocks noGrp="1"/>
-          </p:cNvSpPr>
-          <p:nvPr>
-            <p:ph idx="1"/>
-          </p:nvPr>
-        </p:nvSpPr>
-        <p:spPr/>
-        <p:txBody>
-          <a:bodyPr/>
-          <a:lstStyle/>
-          <a:p>
-            <a:endParaRPr lang="en-US"/>
-          </a:p>
-        </p:txBody>
-      </p:sp>
-      <p:sp>
-        <p:nvSpPr>
-          <p:cNvPr id="4" name="Footer Placeholder 3"/>
-          <p:cNvSpPr>
-            <a:spLocks noGrp="1"/>
-          </p:cNvSpPr>
-          <p:nvPr>
-            <p:ph type="ftr" sz="quarter" idx="11"/>
-          </p:nvPr>
-        </p:nvSpPr>
-        <p:spPr/>
-        <p:txBody>
-          <a:bodyPr/>
-          <a:lstStyle/>
-          <a:p>
-            <a:pPr>
-              <a:defRPr/>
-            </a:pPr>
-            <a:r>
-              <a:rPr lang="en-US" altLang="en-US" smtClean="0"/>
-              <a:t>Dung &amp; Hady: Scalable Recommendation Retrieval</a:t>
-            </a:r>
-            <a:endParaRPr lang="en-US" altLang="en-US"/>
           </a:p>
         </p:txBody>
       </p:sp>
@@ -32755,6 +32710,1676 @@
           </a:p>
         </p:txBody>
       </p:sp>
+      <mc:AlternateContent xmlns:mc="http://schemas.openxmlformats.org/markup-compatibility/2006">
+        <mc:Choice xmlns:a14="http://schemas.microsoft.com/office/drawing/2010/main" Requires="a14">
+          <p:sp>
+            <p:nvSpPr>
+              <p:cNvPr id="6" name="TextBox 5"/>
+              <p:cNvSpPr txBox="1"/>
+              <p:nvPr/>
+            </p:nvSpPr>
+            <p:spPr>
+              <a:xfrm>
+                <a:off x="228600" y="1295400"/>
+                <a:ext cx="7226658" cy="1323439"/>
+              </a:xfrm>
+              <a:prstGeom prst="rect">
+                <a:avLst/>
+              </a:prstGeom>
+              <a:noFill/>
+            </p:spPr>
+            <p:txBody>
+              <a:bodyPr wrap="none" rtlCol="0">
+                <a:spAutoFit/>
+              </a:bodyPr>
+              <a:lstStyle/>
+              <a:p>
+                <a:pPr marL="285750" indent="-285750">
+                  <a:buFont typeface="Arial" panose="020B0604020202020204" pitchFamily="34" charset="0"/>
+                  <a:buChar char="•"/>
+                </a:pPr>
+                <a:r>
+                  <a:rPr lang="en-US" sz="2000" dirty="0" smtClean="0"/>
+                  <a:t>Mapping each vector to a set of </a:t>
+                </a:r>
+                <a14:m>
+                  <m:oMath xmlns:m="http://schemas.openxmlformats.org/officeDocument/2006/math">
+                    <m:r>
+                      <a:rPr lang="en-US" sz="2000" b="0" i="1" smtClean="0">
+                        <a:latin typeface="Cambria Math" panose="02040503050406030204" pitchFamily="18" charset="0"/>
+                      </a:rPr>
+                      <m:t>𝐾</m:t>
+                    </m:r>
+                  </m:oMath>
+                </a14:m>
+                <a:r>
+                  <a:rPr lang="en-US" sz="2000" dirty="0" smtClean="0"/>
+                  <a:t> subspaces.</a:t>
+                </a:r>
+              </a:p>
+              <a:p>
+                <a:pPr marL="285750" indent="-285750">
+                  <a:buFont typeface="Arial" panose="020B0604020202020204" pitchFamily="34" charset="0"/>
+                  <a:buChar char="•"/>
+                </a:pPr>
+                <a:r>
+                  <a:rPr lang="en-US" sz="2000" dirty="0" smtClean="0"/>
+                  <a:t>Followed by independent quantization of data base vectors </a:t>
+                </a:r>
+              </a:p>
+              <a:p>
+                <a:r>
+                  <a:rPr lang="en-US" sz="2000" dirty="0"/>
+                  <a:t> </a:t>
+                </a:r>
+                <a:r>
+                  <a:rPr lang="en-US" sz="2000" dirty="0" smtClean="0"/>
+                  <a:t>   in each subspace.</a:t>
+                </a:r>
+              </a:p>
+              <a:p>
+                <a:pPr marL="285750" indent="-285750">
+                  <a:buFont typeface="Arial" panose="020B0604020202020204" pitchFamily="34" charset="0"/>
+                  <a:buChar char="•"/>
+                </a:pPr>
+                <a:endParaRPr lang="en-SG" sz="2000" dirty="0"/>
+              </a:p>
+            </p:txBody>
+          </p:sp>
+        </mc:Choice>
+        <mc:Fallback>
+          <p:sp>
+            <p:nvSpPr>
+              <p:cNvPr id="6" name="TextBox 5"/>
+              <p:cNvSpPr txBox="1">
+                <a:spLocks noRot="1" noChangeAspect="1" noMove="1" noResize="1" noEditPoints="1" noAdjustHandles="1" noChangeArrowheads="1" noChangeShapeType="1" noTextEdit="1"/>
+              </p:cNvSpPr>
+              <p:nvPr/>
+            </p:nvSpPr>
+            <p:spPr>
+              <a:xfrm>
+                <a:off x="228600" y="1295400"/>
+                <a:ext cx="7226658" cy="1323439"/>
+              </a:xfrm>
+              <a:prstGeom prst="rect">
+                <a:avLst/>
+              </a:prstGeom>
+              <a:blipFill rotWithShape="0">
+                <a:blip r:embed="rId2"/>
+                <a:stretch>
+                  <a:fillRect l="-759" t="-2304"/>
+                </a:stretch>
+              </a:blipFill>
+            </p:spPr>
+            <p:txBody>
+              <a:bodyPr/>
+              <a:lstStyle/>
+              <a:p>
+                <a:r>
+                  <a:rPr lang="en-SG">
+                    <a:noFill/>
+                  </a:rPr>
+                  <a:t> </a:t>
+                </a:r>
+              </a:p>
+            </p:txBody>
+          </p:sp>
+        </mc:Fallback>
+      </mc:AlternateContent>
+      <mc:AlternateContent xmlns:mc="http://schemas.openxmlformats.org/markup-compatibility/2006">
+        <mc:Choice xmlns:a14="http://schemas.microsoft.com/office/drawing/2010/main" Requires="a14">
+          <p:sp>
+            <p:nvSpPr>
+              <p:cNvPr id="7" name="Content Placeholder 2"/>
+              <p:cNvSpPr txBox="1">
+                <a:spLocks/>
+              </p:cNvSpPr>
+              <p:nvPr/>
+            </p:nvSpPr>
+            <p:spPr bwMode="auto">
+              <a:xfrm>
+                <a:off x="1295400" y="2618839"/>
+                <a:ext cx="5943600" cy="2827249"/>
+              </a:xfrm>
+              <a:prstGeom prst="rect">
+                <a:avLst/>
+              </a:prstGeom>
+              <a:noFill/>
+              <a:ln>
+                <a:noFill/>
+              </a:ln>
+              <a:effectLst/>
+              <a:extLst>
+                <a:ext uri="{909E8E84-426E-40DD-AFC4-6F175D3DCCD1}">
+                  <a14:hiddenFill>
+                    <a:solidFill>
+                      <a:schemeClr val="accent1"/>
+                    </a:solidFill>
+                  </a14:hiddenFill>
+                </a:ext>
+                <a:ext uri="{91240B29-F687-4F45-9708-019B960494DF}">
+                  <a14:hiddenLine w="9525">
+                    <a:solidFill>
+                      <a:schemeClr val="tx1"/>
+                    </a:solidFill>
+                    <a:miter lim="800000"/>
+                    <a:headEnd/>
+                    <a:tailEnd/>
+                  </a14:hiddenLine>
+                </a:ext>
+                <a:ext uri="{AF507438-7753-43E0-B8FC-AC1667EBCBE1}">
+                  <a14:hiddenEffects>
+                    <a:effectLst>
+                      <a:outerShdw dist="35921" dir="2700000" algn="ctr" rotWithShape="0">
+                        <a:schemeClr val="bg2"/>
+                      </a:outerShdw>
+                    </a:effectLst>
+                  </a14:hiddenEffects>
+                </a:ext>
+              </a:extLst>
+            </p:spPr>
+            <p:txBody>
+              <a:bodyPr vert="horz" wrap="square" lIns="91440" tIns="45720" rIns="91440" bIns="45720" numCol="1" anchor="t" anchorCtr="0" compatLnSpc="1">
+                <a:prstTxWarp prst="textNoShape">
+                  <a:avLst/>
+                </a:prstTxWarp>
+                <a:spAutoFit/>
+              </a:bodyPr>
+              <a:lstStyle>
+                <a:lvl1pPr marL="342900" indent="-342900" algn="l" rtl="0" eaLnBrk="0" fontAlgn="base" hangingPunct="0">
+                  <a:spcBef>
+                    <a:spcPct val="20000"/>
+                  </a:spcBef>
+                  <a:spcAft>
+                    <a:spcPct val="0"/>
+                  </a:spcAft>
+                  <a:buChar char="•"/>
+                  <a:defRPr sz="2000">
+                    <a:solidFill>
+                      <a:schemeClr val="tx1"/>
+                    </a:solidFill>
+                    <a:latin typeface="+mn-lt"/>
+                    <a:ea typeface="+mn-ea"/>
+                    <a:cs typeface="+mn-cs"/>
+                  </a:defRPr>
+                </a:lvl1pPr>
+                <a:lvl2pPr marL="742950" indent="-285750" algn="l" rtl="0" eaLnBrk="0" fontAlgn="base" hangingPunct="0">
+                  <a:spcBef>
+                    <a:spcPct val="20000"/>
+                  </a:spcBef>
+                  <a:spcAft>
+                    <a:spcPct val="0"/>
+                  </a:spcAft>
+                  <a:buChar char="–"/>
+                  <a:defRPr sz="1800">
+                    <a:solidFill>
+                      <a:schemeClr val="tx1"/>
+                    </a:solidFill>
+                    <a:latin typeface="+mn-lt"/>
+                  </a:defRPr>
+                </a:lvl2pPr>
+                <a:lvl3pPr marL="1143000" indent="-228600" algn="l" rtl="0" eaLnBrk="0" fontAlgn="base" hangingPunct="0">
+                  <a:spcBef>
+                    <a:spcPct val="20000"/>
+                  </a:spcBef>
+                  <a:spcAft>
+                    <a:spcPct val="0"/>
+                  </a:spcAft>
+                  <a:buChar char="•"/>
+                  <a:defRPr sz="1600">
+                    <a:solidFill>
+                      <a:schemeClr val="tx1"/>
+                    </a:solidFill>
+                    <a:latin typeface="+mn-lt"/>
+                  </a:defRPr>
+                </a:lvl3pPr>
+                <a:lvl4pPr marL="1600200" indent="-228600" algn="l" rtl="0" eaLnBrk="0" fontAlgn="base" hangingPunct="0">
+                  <a:spcBef>
+                    <a:spcPct val="20000"/>
+                  </a:spcBef>
+                  <a:spcAft>
+                    <a:spcPct val="0"/>
+                  </a:spcAft>
+                  <a:buChar char="–"/>
+                  <a:defRPr sz="1400">
+                    <a:solidFill>
+                      <a:schemeClr val="tx1"/>
+                    </a:solidFill>
+                    <a:latin typeface="+mn-lt"/>
+                  </a:defRPr>
+                </a:lvl4pPr>
+                <a:lvl5pPr marL="2057400" indent="-228600" algn="l" rtl="0" eaLnBrk="0" fontAlgn="base" hangingPunct="0">
+                  <a:spcBef>
+                    <a:spcPct val="20000"/>
+                  </a:spcBef>
+                  <a:spcAft>
+                    <a:spcPct val="0"/>
+                  </a:spcAft>
+                  <a:buChar char="»"/>
+                  <a:defRPr sz="1400">
+                    <a:solidFill>
+                      <a:schemeClr val="tx1"/>
+                    </a:solidFill>
+                    <a:latin typeface="+mn-lt"/>
+                  </a:defRPr>
+                </a:lvl5pPr>
+                <a:lvl6pPr marL="2514600" indent="-228600" algn="l" rtl="0" fontAlgn="base">
+                  <a:spcBef>
+                    <a:spcPct val="20000"/>
+                  </a:spcBef>
+                  <a:spcAft>
+                    <a:spcPct val="0"/>
+                  </a:spcAft>
+                  <a:buChar char="»"/>
+                  <a:defRPr sz="2000">
+                    <a:solidFill>
+                      <a:schemeClr val="tx1"/>
+                    </a:solidFill>
+                    <a:latin typeface="+mn-lt"/>
+                  </a:defRPr>
+                </a:lvl6pPr>
+                <a:lvl7pPr marL="2971800" indent="-228600" algn="l" rtl="0" fontAlgn="base">
+                  <a:spcBef>
+                    <a:spcPct val="20000"/>
+                  </a:spcBef>
+                  <a:spcAft>
+                    <a:spcPct val="0"/>
+                  </a:spcAft>
+                  <a:buChar char="»"/>
+                  <a:defRPr sz="2000">
+                    <a:solidFill>
+                      <a:schemeClr val="tx1"/>
+                    </a:solidFill>
+                    <a:latin typeface="+mn-lt"/>
+                  </a:defRPr>
+                </a:lvl7pPr>
+                <a:lvl8pPr marL="3429000" indent="-228600" algn="l" rtl="0" fontAlgn="base">
+                  <a:spcBef>
+                    <a:spcPct val="20000"/>
+                  </a:spcBef>
+                  <a:spcAft>
+                    <a:spcPct val="0"/>
+                  </a:spcAft>
+                  <a:buChar char="»"/>
+                  <a:defRPr sz="2000">
+                    <a:solidFill>
+                      <a:schemeClr val="tx1"/>
+                    </a:solidFill>
+                    <a:latin typeface="+mn-lt"/>
+                  </a:defRPr>
+                </a:lvl8pPr>
+                <a:lvl9pPr marL="3886200" indent="-228600" algn="l" rtl="0" fontAlgn="base">
+                  <a:spcBef>
+                    <a:spcPct val="20000"/>
+                  </a:spcBef>
+                  <a:spcAft>
+                    <a:spcPct val="0"/>
+                  </a:spcAft>
+                  <a:buChar char="»"/>
+                  <a:defRPr sz="2000">
+                    <a:solidFill>
+                      <a:schemeClr val="tx1"/>
+                    </a:solidFill>
+                    <a:latin typeface="+mn-lt"/>
+                  </a:defRPr>
+                </a:lvl9pPr>
+              </a:lstStyle>
+              <a:p>
+                <a:pPr marL="457200" indent="-457200" eaLnBrk="1" fontAlgn="auto" hangingPunct="1">
+                  <a:spcBef>
+                    <a:spcPts val="0"/>
+                  </a:spcBef>
+                  <a:spcAft>
+                    <a:spcPts val="0"/>
+                  </a:spcAft>
+                  <a:buFont typeface="+mj-lt"/>
+                  <a:buNone/>
+                  <a:defRPr/>
+                </a:pPr>
+                <a14:m>
+                  <m:oMathPara xmlns:m="http://schemas.openxmlformats.org/officeDocument/2006/math">
+                    <m:oMathParaPr>
+                      <m:jc m:val="centerGroup"/>
+                    </m:oMathParaPr>
+                    <m:oMath xmlns:m="http://schemas.openxmlformats.org/officeDocument/2006/math">
+                      <m:sSub>
+                        <m:sSubPr>
+                          <m:ctrlPr>
+                            <a:rPr lang="en-US" sz="2400" b="0" i="1" kern="0" smtClean="0">
+                              <a:solidFill>
+                                <a:srgbClr val="002060"/>
+                              </a:solidFill>
+                              <a:latin typeface="Cambria Math" panose="02040503050406030204" pitchFamily="18" charset="0"/>
+                              <a:cs typeface="Times New Roman" panose="02020603050405020304" pitchFamily="18" charset="0"/>
+                            </a:rPr>
+                          </m:ctrlPr>
+                        </m:sSubPr>
+                        <m:e>
+                          <m:r>
+                            <a:rPr lang="en-US" sz="2400" b="0" i="1" kern="0" smtClean="0">
+                              <a:solidFill>
+                                <a:srgbClr val="002060"/>
+                              </a:solidFill>
+                              <a:latin typeface="Cambria Math" panose="02040503050406030204" pitchFamily="18" charset="0"/>
+                              <a:cs typeface="Times New Roman" panose="02020603050405020304" pitchFamily="18" charset="0"/>
+                            </a:rPr>
+                            <m:t>𝑥</m:t>
+                          </m:r>
+                        </m:e>
+                        <m:sub>
+                          <m:r>
+                            <a:rPr lang="en-US" sz="2400" b="0" i="1" kern="0" smtClean="0">
+                              <a:solidFill>
+                                <a:srgbClr val="002060"/>
+                              </a:solidFill>
+                              <a:latin typeface="Cambria Math" panose="02040503050406030204" pitchFamily="18" charset="0"/>
+                              <a:cs typeface="Times New Roman" panose="02020603050405020304" pitchFamily="18" charset="0"/>
+                            </a:rPr>
+                            <m:t>𝑢</m:t>
+                          </m:r>
+                        </m:sub>
+                      </m:sSub>
+                      <m:r>
+                        <a:rPr lang="en-US" sz="2400" b="0" i="1" kern="0" smtClean="0">
+                          <a:solidFill>
+                            <a:srgbClr val="002060"/>
+                          </a:solidFill>
+                          <a:latin typeface="Cambria Math" panose="02040503050406030204" pitchFamily="18" charset="0"/>
+                          <a:cs typeface="Times New Roman" panose="02020603050405020304" pitchFamily="18" charset="0"/>
+                        </a:rPr>
+                        <m:t>=</m:t>
+                      </m:r>
+                      <m:d>
+                        <m:dPr>
+                          <m:begChr m:val="["/>
+                          <m:endChr m:val="]"/>
+                          <m:ctrlPr>
+                            <a:rPr lang="en-US" sz="2400" b="0" i="1" kern="0" smtClean="0">
+                              <a:solidFill>
+                                <a:srgbClr val="002060"/>
+                              </a:solidFill>
+                              <a:latin typeface="Cambria Math" panose="02040503050406030204" pitchFamily="18" charset="0"/>
+                              <a:cs typeface="Times New Roman" panose="02020603050405020304" pitchFamily="18" charset="0"/>
+                            </a:rPr>
+                          </m:ctrlPr>
+                        </m:dPr>
+                        <m:e>
+                          <m:sSubSup>
+                            <m:sSubSupPr>
+                              <m:ctrlPr>
+                                <a:rPr lang="en-US" sz="2400" b="0" i="1" kern="0" smtClean="0">
+                                  <a:solidFill>
+                                    <a:srgbClr val="002060"/>
+                                  </a:solidFill>
+                                  <a:latin typeface="Cambria Math" panose="02040503050406030204" pitchFamily="18" charset="0"/>
+                                  <a:cs typeface="Times New Roman" panose="02020603050405020304" pitchFamily="18" charset="0"/>
+                                </a:rPr>
+                              </m:ctrlPr>
+                            </m:sSubSupPr>
+                            <m:e>
+                              <m:r>
+                                <a:rPr lang="en-US" sz="2400" b="0" i="1" kern="0" smtClean="0">
+                                  <a:solidFill>
+                                    <a:srgbClr val="002060"/>
+                                  </a:solidFill>
+                                  <a:latin typeface="Cambria Math" panose="02040503050406030204" pitchFamily="18" charset="0"/>
+                                  <a:cs typeface="Times New Roman" panose="02020603050405020304" pitchFamily="18" charset="0"/>
+                                </a:rPr>
+                                <m:t>𝑥</m:t>
+                              </m:r>
+                            </m:e>
+                            <m:sub>
+                              <m:r>
+                                <a:rPr lang="en-US" sz="2400" b="0" i="1" kern="0" smtClean="0">
+                                  <a:solidFill>
+                                    <a:srgbClr val="002060"/>
+                                  </a:solidFill>
+                                  <a:latin typeface="Cambria Math" panose="02040503050406030204" pitchFamily="18" charset="0"/>
+                                  <a:cs typeface="Times New Roman" panose="02020603050405020304" pitchFamily="18" charset="0"/>
+                                </a:rPr>
+                                <m:t>𝑢</m:t>
+                              </m:r>
+                            </m:sub>
+                            <m:sup>
+                              <m:r>
+                                <a:rPr lang="en-US" sz="2400" b="0" i="1" kern="0" smtClean="0">
+                                  <a:solidFill>
+                                    <a:srgbClr val="002060"/>
+                                  </a:solidFill>
+                                  <a:latin typeface="Cambria Math" panose="02040503050406030204" pitchFamily="18" charset="0"/>
+                                  <a:cs typeface="Times New Roman" panose="02020603050405020304" pitchFamily="18" charset="0"/>
+                                </a:rPr>
+                                <m:t>(1)</m:t>
+                              </m:r>
+                            </m:sup>
+                          </m:sSubSup>
+                          <m:r>
+                            <a:rPr lang="en-US" sz="2400" b="0" i="1" kern="0" smtClean="0">
+                              <a:solidFill>
+                                <a:srgbClr val="002060"/>
+                              </a:solidFill>
+                              <a:latin typeface="Cambria Math" panose="02040503050406030204" pitchFamily="18" charset="0"/>
+                              <a:cs typeface="Times New Roman" panose="02020603050405020304" pitchFamily="18" charset="0"/>
+                            </a:rPr>
+                            <m:t>,</m:t>
+                          </m:r>
+                          <m:sSubSup>
+                            <m:sSubSupPr>
+                              <m:ctrlPr>
+                                <a:rPr lang="en-US" sz="2400" i="1" kern="0">
+                                  <a:solidFill>
+                                    <a:srgbClr val="002060"/>
+                                  </a:solidFill>
+                                  <a:latin typeface="Cambria Math" panose="02040503050406030204" pitchFamily="18" charset="0"/>
+                                  <a:cs typeface="Times New Roman" panose="02020603050405020304" pitchFamily="18" charset="0"/>
+                                </a:rPr>
+                              </m:ctrlPr>
+                            </m:sSubSupPr>
+                            <m:e>
+                              <m:r>
+                                <a:rPr lang="en-US" sz="2400" i="1" kern="0">
+                                  <a:solidFill>
+                                    <a:srgbClr val="002060"/>
+                                  </a:solidFill>
+                                  <a:latin typeface="Cambria Math" panose="02040503050406030204" pitchFamily="18" charset="0"/>
+                                  <a:cs typeface="Times New Roman" panose="02020603050405020304" pitchFamily="18" charset="0"/>
+                                </a:rPr>
+                                <m:t>𝑥</m:t>
+                              </m:r>
+                            </m:e>
+                            <m:sub>
+                              <m:r>
+                                <a:rPr lang="en-US" sz="2400" i="1" kern="0">
+                                  <a:solidFill>
+                                    <a:srgbClr val="002060"/>
+                                  </a:solidFill>
+                                  <a:latin typeface="Cambria Math" panose="02040503050406030204" pitchFamily="18" charset="0"/>
+                                  <a:cs typeface="Times New Roman" panose="02020603050405020304" pitchFamily="18" charset="0"/>
+                                </a:rPr>
+                                <m:t>𝑢</m:t>
+                              </m:r>
+                            </m:sub>
+                            <m:sup>
+                              <m:r>
+                                <a:rPr lang="en-US" sz="2400" i="1" kern="0">
+                                  <a:solidFill>
+                                    <a:srgbClr val="002060"/>
+                                  </a:solidFill>
+                                  <a:latin typeface="Cambria Math" panose="02040503050406030204" pitchFamily="18" charset="0"/>
+                                  <a:cs typeface="Times New Roman" panose="02020603050405020304" pitchFamily="18" charset="0"/>
+                                </a:rPr>
+                                <m:t>(</m:t>
+                              </m:r>
+                              <m:r>
+                                <a:rPr lang="en-US" sz="2400" b="0" i="1" kern="0" smtClean="0">
+                                  <a:solidFill>
+                                    <a:srgbClr val="002060"/>
+                                  </a:solidFill>
+                                  <a:latin typeface="Cambria Math" panose="02040503050406030204" pitchFamily="18" charset="0"/>
+                                  <a:cs typeface="Times New Roman" panose="02020603050405020304" pitchFamily="18" charset="0"/>
+                                </a:rPr>
+                                <m:t>2</m:t>
+                              </m:r>
+                              <m:r>
+                                <a:rPr lang="en-US" sz="2400" i="1" kern="0">
+                                  <a:solidFill>
+                                    <a:srgbClr val="002060"/>
+                                  </a:solidFill>
+                                  <a:latin typeface="Cambria Math" panose="02040503050406030204" pitchFamily="18" charset="0"/>
+                                  <a:cs typeface="Times New Roman" panose="02020603050405020304" pitchFamily="18" charset="0"/>
+                                </a:rPr>
+                                <m:t>)</m:t>
+                              </m:r>
+                            </m:sup>
+                          </m:sSubSup>
+                          <m:r>
+                            <a:rPr lang="en-US" sz="2400" b="0" i="1" kern="0" smtClean="0">
+                              <a:solidFill>
+                                <a:srgbClr val="002060"/>
+                              </a:solidFill>
+                              <a:latin typeface="Cambria Math" panose="02040503050406030204" pitchFamily="18" charset="0"/>
+                              <a:cs typeface="Times New Roman" panose="02020603050405020304" pitchFamily="18" charset="0"/>
+                            </a:rPr>
+                            <m:t>, …,</m:t>
+                          </m:r>
+                          <m:sSubSup>
+                            <m:sSubSupPr>
+                              <m:ctrlPr>
+                                <a:rPr lang="en-US" sz="2400" i="1" kern="0">
+                                  <a:solidFill>
+                                    <a:srgbClr val="002060"/>
+                                  </a:solidFill>
+                                  <a:latin typeface="Cambria Math" panose="02040503050406030204" pitchFamily="18" charset="0"/>
+                                  <a:cs typeface="Times New Roman" panose="02020603050405020304" pitchFamily="18" charset="0"/>
+                                </a:rPr>
+                              </m:ctrlPr>
+                            </m:sSubSupPr>
+                            <m:e>
+                              <m:r>
+                                <a:rPr lang="en-US" sz="2400" i="1" kern="0">
+                                  <a:solidFill>
+                                    <a:srgbClr val="002060"/>
+                                  </a:solidFill>
+                                  <a:latin typeface="Cambria Math" panose="02040503050406030204" pitchFamily="18" charset="0"/>
+                                  <a:cs typeface="Times New Roman" panose="02020603050405020304" pitchFamily="18" charset="0"/>
+                                </a:rPr>
+                                <m:t>𝑥</m:t>
+                              </m:r>
+                            </m:e>
+                            <m:sub>
+                              <m:r>
+                                <a:rPr lang="en-US" sz="2400" i="1" kern="0">
+                                  <a:solidFill>
+                                    <a:srgbClr val="002060"/>
+                                  </a:solidFill>
+                                  <a:latin typeface="Cambria Math" panose="02040503050406030204" pitchFamily="18" charset="0"/>
+                                  <a:cs typeface="Times New Roman" panose="02020603050405020304" pitchFamily="18" charset="0"/>
+                                </a:rPr>
+                                <m:t>𝑢</m:t>
+                              </m:r>
+                            </m:sub>
+                            <m:sup>
+                              <m:r>
+                                <a:rPr lang="en-US" sz="2400" i="1" kern="0">
+                                  <a:solidFill>
+                                    <a:srgbClr val="002060"/>
+                                  </a:solidFill>
+                                  <a:latin typeface="Cambria Math" panose="02040503050406030204" pitchFamily="18" charset="0"/>
+                                  <a:cs typeface="Times New Roman" panose="02020603050405020304" pitchFamily="18" charset="0"/>
+                                </a:rPr>
+                                <m:t>(</m:t>
+                              </m:r>
+                              <m:r>
+                                <a:rPr lang="en-US" sz="2400" b="0" i="1" kern="0" smtClean="0">
+                                  <a:solidFill>
+                                    <a:srgbClr val="002060"/>
+                                  </a:solidFill>
+                                  <a:latin typeface="Cambria Math" panose="02040503050406030204" pitchFamily="18" charset="0"/>
+                                  <a:cs typeface="Times New Roman" panose="02020603050405020304" pitchFamily="18" charset="0"/>
+                                </a:rPr>
+                                <m:t>𝐾</m:t>
+                              </m:r>
+                              <m:r>
+                                <a:rPr lang="en-US" sz="2400" i="1" kern="0">
+                                  <a:solidFill>
+                                    <a:srgbClr val="002060"/>
+                                  </a:solidFill>
+                                  <a:latin typeface="Cambria Math" panose="02040503050406030204" pitchFamily="18" charset="0"/>
+                                  <a:cs typeface="Times New Roman" panose="02020603050405020304" pitchFamily="18" charset="0"/>
+                                </a:rPr>
+                                <m:t>)</m:t>
+                              </m:r>
+                            </m:sup>
+                          </m:sSubSup>
+                        </m:e>
+                      </m:d>
+                      <m:r>
+                        <a:rPr lang="en-US" sz="2400" b="0" i="1" kern="0" smtClean="0">
+                          <a:solidFill>
+                            <a:srgbClr val="002060"/>
+                          </a:solidFill>
+                          <a:latin typeface="Cambria Math" panose="02040503050406030204" pitchFamily="18" charset="0"/>
+                          <a:cs typeface="Times New Roman" panose="02020603050405020304" pitchFamily="18" charset="0"/>
+                        </a:rPr>
+                        <m:t> ∀ </m:t>
+                      </m:r>
+                      <m:r>
+                        <a:rPr lang="en-US" sz="2400" b="0" i="1" kern="0" smtClean="0">
+                          <a:solidFill>
+                            <a:srgbClr val="002060"/>
+                          </a:solidFill>
+                          <a:latin typeface="Cambria Math" panose="02040503050406030204" pitchFamily="18" charset="0"/>
+                          <a:cs typeface="Times New Roman" panose="02020603050405020304" pitchFamily="18" charset="0"/>
+                        </a:rPr>
+                        <m:t>𝑢</m:t>
+                      </m:r>
+                      <m:r>
+                        <a:rPr lang="en-US" sz="2400" b="0" i="1" kern="0" smtClean="0">
+                          <a:solidFill>
+                            <a:srgbClr val="002060"/>
+                          </a:solidFill>
+                          <a:latin typeface="Cambria Math" panose="02040503050406030204" pitchFamily="18" charset="0"/>
+                          <a:cs typeface="Times New Roman" panose="02020603050405020304" pitchFamily="18" charset="0"/>
+                        </a:rPr>
+                        <m:t>∈</m:t>
+                      </m:r>
+                      <m:r>
+                        <a:rPr lang="en-US" sz="2400" b="0" i="1" kern="0" smtClean="0">
+                          <a:solidFill>
+                            <a:srgbClr val="002060"/>
+                          </a:solidFill>
+                          <a:latin typeface="Cambria Math" panose="02040503050406030204" pitchFamily="18" charset="0"/>
+                          <a:cs typeface="Times New Roman" panose="02020603050405020304" pitchFamily="18" charset="0"/>
+                        </a:rPr>
+                        <m:t>𝑈</m:t>
+                      </m:r>
+                    </m:oMath>
+                  </m:oMathPara>
+                </a14:m>
+                <a:endParaRPr lang="en-US" sz="2400" b="0" kern="0" dirty="0" smtClean="0">
+                  <a:solidFill>
+                    <a:srgbClr val="002060"/>
+                  </a:solidFill>
+                  <a:latin typeface="Times New Roman" panose="02020603050405020304" pitchFamily="18" charset="0"/>
+                  <a:cs typeface="Times New Roman" panose="02020603050405020304" pitchFamily="18" charset="0"/>
+                </a:endParaRPr>
+              </a:p>
+              <a:p>
+                <a:pPr marL="457200" indent="-457200" eaLnBrk="1" fontAlgn="auto" hangingPunct="1">
+                  <a:spcBef>
+                    <a:spcPts val="0"/>
+                  </a:spcBef>
+                  <a:spcAft>
+                    <a:spcPts val="0"/>
+                  </a:spcAft>
+                  <a:buFont typeface="+mj-lt"/>
+                  <a:buNone/>
+                  <a:defRPr/>
+                </a:pPr>
+                <a:endParaRPr lang="en-US" sz="2400" kern="0" dirty="0" smtClean="0">
+                  <a:solidFill>
+                    <a:srgbClr val="002060"/>
+                  </a:solidFill>
+                  <a:latin typeface="Times New Roman" panose="02020603050405020304" pitchFamily="18" charset="0"/>
+                  <a:cs typeface="Times New Roman" panose="02020603050405020304" pitchFamily="18" charset="0"/>
+                </a:endParaRPr>
+              </a:p>
+              <a:p>
+                <a:pPr marL="457200" indent="-457200" eaLnBrk="1" fontAlgn="auto" hangingPunct="1">
+                  <a:spcBef>
+                    <a:spcPts val="0"/>
+                  </a:spcBef>
+                  <a:spcAft>
+                    <a:spcPts val="0"/>
+                  </a:spcAft>
+                  <a:buFont typeface="+mj-lt"/>
+                  <a:buNone/>
+                  <a:defRPr/>
+                </a:pPr>
+                <a14:m>
+                  <m:oMathPara xmlns:m="http://schemas.openxmlformats.org/officeDocument/2006/math">
+                    <m:oMathParaPr>
+                      <m:jc m:val="centerGroup"/>
+                    </m:oMathParaPr>
+                    <m:oMath xmlns:m="http://schemas.openxmlformats.org/officeDocument/2006/math">
+                      <m:sSub>
+                        <m:sSubPr>
+                          <m:ctrlPr>
+                            <a:rPr lang="en-US" sz="2400" i="1" kern="0">
+                              <a:solidFill>
+                                <a:srgbClr val="002060"/>
+                              </a:solidFill>
+                              <a:latin typeface="Cambria Math" panose="02040503050406030204" pitchFamily="18" charset="0"/>
+                              <a:cs typeface="Times New Roman" panose="02020603050405020304" pitchFamily="18" charset="0"/>
+                            </a:rPr>
+                          </m:ctrlPr>
+                        </m:sSubPr>
+                        <m:e>
+                          <m:r>
+                            <a:rPr lang="en-US" sz="2400" b="0" i="1" kern="0" smtClean="0">
+                              <a:solidFill>
+                                <a:srgbClr val="002060"/>
+                              </a:solidFill>
+                              <a:latin typeface="Cambria Math" panose="02040503050406030204" pitchFamily="18" charset="0"/>
+                              <a:cs typeface="Times New Roman" panose="02020603050405020304" pitchFamily="18" charset="0"/>
+                            </a:rPr>
+                            <m:t>𝑦</m:t>
+                          </m:r>
+                        </m:e>
+                        <m:sub>
+                          <m:r>
+                            <a:rPr lang="en-US" sz="2400" b="0" i="1" kern="0" smtClean="0">
+                              <a:solidFill>
+                                <a:srgbClr val="002060"/>
+                              </a:solidFill>
+                              <a:latin typeface="Cambria Math" panose="02040503050406030204" pitchFamily="18" charset="0"/>
+                              <a:cs typeface="Times New Roman" panose="02020603050405020304" pitchFamily="18" charset="0"/>
+                            </a:rPr>
+                            <m:t>𝑖</m:t>
+                          </m:r>
+                        </m:sub>
+                      </m:sSub>
+                      <m:r>
+                        <a:rPr lang="en-US" sz="2400" i="1" kern="0">
+                          <a:solidFill>
+                            <a:srgbClr val="002060"/>
+                          </a:solidFill>
+                          <a:latin typeface="Cambria Math" panose="02040503050406030204" pitchFamily="18" charset="0"/>
+                          <a:cs typeface="Times New Roman" panose="02020603050405020304" pitchFamily="18" charset="0"/>
+                        </a:rPr>
+                        <m:t>=</m:t>
+                      </m:r>
+                      <m:d>
+                        <m:dPr>
+                          <m:begChr m:val="["/>
+                          <m:endChr m:val="]"/>
+                          <m:ctrlPr>
+                            <a:rPr lang="en-US" sz="2400" i="1" kern="0">
+                              <a:solidFill>
+                                <a:srgbClr val="002060"/>
+                              </a:solidFill>
+                              <a:latin typeface="Cambria Math" panose="02040503050406030204" pitchFamily="18" charset="0"/>
+                              <a:cs typeface="Times New Roman" panose="02020603050405020304" pitchFamily="18" charset="0"/>
+                            </a:rPr>
+                          </m:ctrlPr>
+                        </m:dPr>
+                        <m:e>
+                          <m:sSubSup>
+                            <m:sSubSupPr>
+                              <m:ctrlPr>
+                                <a:rPr lang="en-US" sz="2400" i="1" kern="0">
+                                  <a:solidFill>
+                                    <a:srgbClr val="002060"/>
+                                  </a:solidFill>
+                                  <a:latin typeface="Cambria Math" panose="02040503050406030204" pitchFamily="18" charset="0"/>
+                                  <a:cs typeface="Times New Roman" panose="02020603050405020304" pitchFamily="18" charset="0"/>
+                                </a:rPr>
+                              </m:ctrlPr>
+                            </m:sSubSupPr>
+                            <m:e>
+                              <m:r>
+                                <a:rPr lang="en-US" sz="2400" b="0" i="1" kern="0" smtClean="0">
+                                  <a:solidFill>
+                                    <a:srgbClr val="002060"/>
+                                  </a:solidFill>
+                                  <a:latin typeface="Cambria Math" panose="02040503050406030204" pitchFamily="18" charset="0"/>
+                                  <a:cs typeface="Times New Roman" panose="02020603050405020304" pitchFamily="18" charset="0"/>
+                                </a:rPr>
+                                <m:t>𝑦</m:t>
+                              </m:r>
+                            </m:e>
+                            <m:sub>
+                              <m:r>
+                                <a:rPr lang="en-US" sz="2400" b="0" i="1" kern="0" smtClean="0">
+                                  <a:solidFill>
+                                    <a:srgbClr val="002060"/>
+                                  </a:solidFill>
+                                  <a:latin typeface="Cambria Math" panose="02040503050406030204" pitchFamily="18" charset="0"/>
+                                  <a:cs typeface="Times New Roman" panose="02020603050405020304" pitchFamily="18" charset="0"/>
+                                </a:rPr>
+                                <m:t>𝑖</m:t>
+                              </m:r>
+                            </m:sub>
+                            <m:sup>
+                              <m:r>
+                                <a:rPr lang="en-US" sz="2400" i="1" kern="0">
+                                  <a:solidFill>
+                                    <a:srgbClr val="002060"/>
+                                  </a:solidFill>
+                                  <a:latin typeface="Cambria Math" panose="02040503050406030204" pitchFamily="18" charset="0"/>
+                                  <a:cs typeface="Times New Roman" panose="02020603050405020304" pitchFamily="18" charset="0"/>
+                                </a:rPr>
+                                <m:t>(1)</m:t>
+                              </m:r>
+                            </m:sup>
+                          </m:sSubSup>
+                          <m:r>
+                            <a:rPr lang="en-US" sz="2400" i="1" kern="0">
+                              <a:solidFill>
+                                <a:srgbClr val="002060"/>
+                              </a:solidFill>
+                              <a:latin typeface="Cambria Math" panose="02040503050406030204" pitchFamily="18" charset="0"/>
+                              <a:cs typeface="Times New Roman" panose="02020603050405020304" pitchFamily="18" charset="0"/>
+                            </a:rPr>
+                            <m:t>,</m:t>
+                          </m:r>
+                          <m:sSubSup>
+                            <m:sSubSupPr>
+                              <m:ctrlPr>
+                                <a:rPr lang="en-US" sz="2400" i="1" kern="0">
+                                  <a:solidFill>
+                                    <a:srgbClr val="002060"/>
+                                  </a:solidFill>
+                                  <a:latin typeface="Cambria Math" panose="02040503050406030204" pitchFamily="18" charset="0"/>
+                                  <a:cs typeface="Times New Roman" panose="02020603050405020304" pitchFamily="18" charset="0"/>
+                                </a:rPr>
+                              </m:ctrlPr>
+                            </m:sSubSupPr>
+                            <m:e>
+                              <m:r>
+                                <a:rPr lang="en-US" sz="2400" b="0" i="1" kern="0" smtClean="0">
+                                  <a:solidFill>
+                                    <a:srgbClr val="002060"/>
+                                  </a:solidFill>
+                                  <a:latin typeface="Cambria Math" panose="02040503050406030204" pitchFamily="18" charset="0"/>
+                                  <a:cs typeface="Times New Roman" panose="02020603050405020304" pitchFamily="18" charset="0"/>
+                                </a:rPr>
+                                <m:t>𝑦</m:t>
+                              </m:r>
+                            </m:e>
+                            <m:sub>
+                              <m:r>
+                                <a:rPr lang="en-US" sz="2400" b="0" i="1" kern="0" smtClean="0">
+                                  <a:solidFill>
+                                    <a:srgbClr val="002060"/>
+                                  </a:solidFill>
+                                  <a:latin typeface="Cambria Math" panose="02040503050406030204" pitchFamily="18" charset="0"/>
+                                  <a:cs typeface="Times New Roman" panose="02020603050405020304" pitchFamily="18" charset="0"/>
+                                </a:rPr>
+                                <m:t>𝑖</m:t>
+                              </m:r>
+                            </m:sub>
+                            <m:sup>
+                              <m:r>
+                                <a:rPr lang="en-US" sz="2400" i="1" kern="0">
+                                  <a:solidFill>
+                                    <a:srgbClr val="002060"/>
+                                  </a:solidFill>
+                                  <a:latin typeface="Cambria Math" panose="02040503050406030204" pitchFamily="18" charset="0"/>
+                                  <a:cs typeface="Times New Roman" panose="02020603050405020304" pitchFamily="18" charset="0"/>
+                                </a:rPr>
+                                <m:t>(</m:t>
+                              </m:r>
+                              <m:r>
+                                <a:rPr lang="en-US" sz="2400" i="1" kern="0">
+                                  <a:solidFill>
+                                    <a:srgbClr val="002060"/>
+                                  </a:solidFill>
+                                  <a:latin typeface="Cambria Math" panose="02040503050406030204" pitchFamily="18" charset="0"/>
+                                  <a:cs typeface="Times New Roman" panose="02020603050405020304" pitchFamily="18" charset="0"/>
+                                </a:rPr>
+                                <m:t>2</m:t>
+                              </m:r>
+                              <m:r>
+                                <a:rPr lang="en-US" sz="2400" i="1" kern="0">
+                                  <a:solidFill>
+                                    <a:srgbClr val="002060"/>
+                                  </a:solidFill>
+                                  <a:latin typeface="Cambria Math" panose="02040503050406030204" pitchFamily="18" charset="0"/>
+                                  <a:cs typeface="Times New Roman" panose="02020603050405020304" pitchFamily="18" charset="0"/>
+                                </a:rPr>
+                                <m:t>)</m:t>
+                              </m:r>
+                            </m:sup>
+                          </m:sSubSup>
+                          <m:r>
+                            <a:rPr lang="en-US" sz="2400" i="1" kern="0">
+                              <a:solidFill>
+                                <a:srgbClr val="002060"/>
+                              </a:solidFill>
+                              <a:latin typeface="Cambria Math" panose="02040503050406030204" pitchFamily="18" charset="0"/>
+                              <a:cs typeface="Times New Roman" panose="02020603050405020304" pitchFamily="18" charset="0"/>
+                            </a:rPr>
+                            <m:t>, …,</m:t>
+                          </m:r>
+                          <m:sSubSup>
+                            <m:sSubSupPr>
+                              <m:ctrlPr>
+                                <a:rPr lang="en-US" sz="2400" i="1" kern="0">
+                                  <a:solidFill>
+                                    <a:srgbClr val="002060"/>
+                                  </a:solidFill>
+                                  <a:latin typeface="Cambria Math" panose="02040503050406030204" pitchFamily="18" charset="0"/>
+                                  <a:cs typeface="Times New Roman" panose="02020603050405020304" pitchFamily="18" charset="0"/>
+                                </a:rPr>
+                              </m:ctrlPr>
+                            </m:sSubSupPr>
+                            <m:e>
+                              <m:r>
+                                <a:rPr lang="en-US" sz="2400" b="0" i="1" kern="0" smtClean="0">
+                                  <a:solidFill>
+                                    <a:srgbClr val="002060"/>
+                                  </a:solidFill>
+                                  <a:latin typeface="Cambria Math" panose="02040503050406030204" pitchFamily="18" charset="0"/>
+                                  <a:cs typeface="Times New Roman" panose="02020603050405020304" pitchFamily="18" charset="0"/>
+                                </a:rPr>
+                                <m:t>𝑦</m:t>
+                              </m:r>
+                            </m:e>
+                            <m:sub>
+                              <m:r>
+                                <a:rPr lang="en-US" sz="2400" b="0" i="1" kern="0" smtClean="0">
+                                  <a:solidFill>
+                                    <a:srgbClr val="002060"/>
+                                  </a:solidFill>
+                                  <a:latin typeface="Cambria Math" panose="02040503050406030204" pitchFamily="18" charset="0"/>
+                                  <a:cs typeface="Times New Roman" panose="02020603050405020304" pitchFamily="18" charset="0"/>
+                                </a:rPr>
+                                <m:t>𝑖</m:t>
+                              </m:r>
+                            </m:sub>
+                            <m:sup>
+                              <m:r>
+                                <a:rPr lang="en-US" sz="2400" i="1" kern="0">
+                                  <a:solidFill>
+                                    <a:srgbClr val="002060"/>
+                                  </a:solidFill>
+                                  <a:latin typeface="Cambria Math" panose="02040503050406030204" pitchFamily="18" charset="0"/>
+                                  <a:cs typeface="Times New Roman" panose="02020603050405020304" pitchFamily="18" charset="0"/>
+                                </a:rPr>
+                                <m:t>(</m:t>
+                              </m:r>
+                              <m:r>
+                                <a:rPr lang="en-US" sz="2400" i="1" kern="0">
+                                  <a:solidFill>
+                                    <a:srgbClr val="002060"/>
+                                  </a:solidFill>
+                                  <a:latin typeface="Cambria Math" panose="02040503050406030204" pitchFamily="18" charset="0"/>
+                                  <a:cs typeface="Times New Roman" panose="02020603050405020304" pitchFamily="18" charset="0"/>
+                                </a:rPr>
+                                <m:t>𝐾</m:t>
+                              </m:r>
+                              <m:r>
+                                <a:rPr lang="en-US" sz="2400" i="1" kern="0">
+                                  <a:solidFill>
+                                    <a:srgbClr val="002060"/>
+                                  </a:solidFill>
+                                  <a:latin typeface="Cambria Math" panose="02040503050406030204" pitchFamily="18" charset="0"/>
+                                  <a:cs typeface="Times New Roman" panose="02020603050405020304" pitchFamily="18" charset="0"/>
+                                </a:rPr>
+                                <m:t>)</m:t>
+                              </m:r>
+                            </m:sup>
+                          </m:sSubSup>
+                        </m:e>
+                      </m:d>
+                      <m:r>
+                        <a:rPr lang="en-US" sz="2400" b="0" i="1" kern="0" smtClean="0">
+                          <a:solidFill>
+                            <a:srgbClr val="002060"/>
+                          </a:solidFill>
+                          <a:latin typeface="Cambria Math" panose="02040503050406030204" pitchFamily="18" charset="0"/>
+                          <a:cs typeface="Times New Roman" panose="02020603050405020304" pitchFamily="18" charset="0"/>
+                        </a:rPr>
+                        <m:t> ∀</m:t>
+                      </m:r>
+                      <m:r>
+                        <a:rPr lang="en-US" sz="2400" b="0" i="1" kern="0" smtClean="0">
+                          <a:solidFill>
+                            <a:srgbClr val="002060"/>
+                          </a:solidFill>
+                          <a:latin typeface="Cambria Math" panose="02040503050406030204" pitchFamily="18" charset="0"/>
+                          <a:cs typeface="Times New Roman" panose="02020603050405020304" pitchFamily="18" charset="0"/>
+                        </a:rPr>
+                        <m:t>𝑖</m:t>
+                      </m:r>
+                      <m:r>
+                        <a:rPr lang="en-US" sz="2400" b="0" i="1" kern="0" smtClean="0">
+                          <a:solidFill>
+                            <a:srgbClr val="002060"/>
+                          </a:solidFill>
+                          <a:latin typeface="Cambria Math" panose="02040503050406030204" pitchFamily="18" charset="0"/>
+                          <a:cs typeface="Times New Roman" panose="02020603050405020304" pitchFamily="18" charset="0"/>
+                        </a:rPr>
+                        <m:t>∈</m:t>
+                      </m:r>
+                      <m:r>
+                        <a:rPr lang="en-US" sz="2400" b="0" i="1" kern="0" smtClean="0">
+                          <a:solidFill>
+                            <a:srgbClr val="002060"/>
+                          </a:solidFill>
+                          <a:latin typeface="Cambria Math" panose="02040503050406030204" pitchFamily="18" charset="0"/>
+                          <a:cs typeface="Times New Roman" panose="02020603050405020304" pitchFamily="18" charset="0"/>
+                        </a:rPr>
+                        <m:t>𝐼</m:t>
+                      </m:r>
+                    </m:oMath>
+                  </m:oMathPara>
+                </a14:m>
+                <a:endParaRPr lang="en-US" sz="2400" kern="0" dirty="0" smtClean="0">
+                  <a:solidFill>
+                    <a:srgbClr val="002060"/>
+                  </a:solidFill>
+                  <a:latin typeface="Times New Roman" panose="02020603050405020304" pitchFamily="18" charset="0"/>
+                  <a:cs typeface="Times New Roman" panose="02020603050405020304" pitchFamily="18" charset="0"/>
+                </a:endParaRPr>
+              </a:p>
+              <a:p>
+                <a:pPr marL="457200" indent="-457200" eaLnBrk="1" fontAlgn="auto" hangingPunct="1">
+                  <a:spcBef>
+                    <a:spcPts val="0"/>
+                  </a:spcBef>
+                  <a:spcAft>
+                    <a:spcPts val="0"/>
+                  </a:spcAft>
+                  <a:buFont typeface="+mj-lt"/>
+                  <a:buNone/>
+                  <a:defRPr/>
+                </a:pPr>
+                <a:endParaRPr lang="en-US" sz="2400" kern="0" dirty="0">
+                  <a:solidFill>
+                    <a:srgbClr val="002060"/>
+                  </a:solidFill>
+                  <a:latin typeface="Times New Roman" panose="02020603050405020304" pitchFamily="18" charset="0"/>
+                  <a:cs typeface="Times New Roman" panose="02020603050405020304" pitchFamily="18" charset="0"/>
+                </a:endParaRPr>
+              </a:p>
+              <a:p>
+                <a:pPr marL="457200" indent="-457200" eaLnBrk="1" fontAlgn="auto" hangingPunct="1">
+                  <a:spcBef>
+                    <a:spcPts val="0"/>
+                  </a:spcBef>
+                  <a:spcAft>
+                    <a:spcPts val="0"/>
+                  </a:spcAft>
+                  <a:buFont typeface="+mj-lt"/>
+                  <a:buNone/>
+                  <a:defRPr/>
+                </a:pPr>
+                <a14:m>
+                  <m:oMathPara xmlns:m="http://schemas.openxmlformats.org/officeDocument/2006/math">
+                    <m:oMathParaPr>
+                      <m:jc m:val="centerGroup"/>
+                    </m:oMathParaPr>
+                    <m:oMath xmlns:m="http://schemas.openxmlformats.org/officeDocument/2006/math">
+                      <m:sSubSup>
+                        <m:sSubSupPr>
+                          <m:ctrlPr>
+                            <a:rPr lang="en-US" sz="2400" b="0" i="1" kern="0" smtClean="0">
+                              <a:solidFill>
+                                <a:srgbClr val="002060"/>
+                              </a:solidFill>
+                              <a:latin typeface="Cambria Math" panose="02040503050406030204" pitchFamily="18" charset="0"/>
+                              <a:cs typeface="Times New Roman" panose="02020603050405020304" pitchFamily="18" charset="0"/>
+                            </a:rPr>
+                          </m:ctrlPr>
+                        </m:sSubSupPr>
+                        <m:e>
+                          <m:r>
+                            <a:rPr lang="en-US" sz="2400" b="0" i="1" kern="0" smtClean="0">
+                              <a:solidFill>
+                                <a:srgbClr val="002060"/>
+                              </a:solidFill>
+                              <a:latin typeface="Cambria Math" panose="02040503050406030204" pitchFamily="18" charset="0"/>
+                              <a:cs typeface="Times New Roman" panose="02020603050405020304" pitchFamily="18" charset="0"/>
+                            </a:rPr>
+                            <m:t>𝑥</m:t>
+                          </m:r>
+                        </m:e>
+                        <m:sub>
+                          <m:r>
+                            <a:rPr lang="en-US" sz="2400" b="0" i="1" kern="0" smtClean="0">
+                              <a:solidFill>
+                                <a:srgbClr val="002060"/>
+                              </a:solidFill>
+                              <a:latin typeface="Cambria Math" panose="02040503050406030204" pitchFamily="18" charset="0"/>
+                              <a:cs typeface="Times New Roman" panose="02020603050405020304" pitchFamily="18" charset="0"/>
+                            </a:rPr>
+                            <m:t>𝑢</m:t>
+                          </m:r>
+                        </m:sub>
+                        <m:sup>
+                          <m:r>
+                            <a:rPr lang="en-US" sz="2400" b="0" i="1" kern="0" smtClean="0">
+                              <a:solidFill>
+                                <a:srgbClr val="002060"/>
+                              </a:solidFill>
+                              <a:latin typeface="Cambria Math" panose="02040503050406030204" pitchFamily="18" charset="0"/>
+                              <a:cs typeface="Times New Roman" panose="02020603050405020304" pitchFamily="18" charset="0"/>
+                            </a:rPr>
+                            <m:t>𝑇</m:t>
+                          </m:r>
+                        </m:sup>
+                      </m:sSubSup>
+                      <m:sSub>
+                        <m:sSubPr>
+                          <m:ctrlPr>
+                            <a:rPr lang="en-US" sz="2400" b="0" i="1" kern="0" smtClean="0">
+                              <a:solidFill>
+                                <a:srgbClr val="002060"/>
+                              </a:solidFill>
+                              <a:latin typeface="Cambria Math" panose="02040503050406030204" pitchFamily="18" charset="0"/>
+                              <a:cs typeface="Times New Roman" panose="02020603050405020304" pitchFamily="18" charset="0"/>
+                            </a:rPr>
+                          </m:ctrlPr>
+                        </m:sSubPr>
+                        <m:e>
+                          <m:r>
+                            <a:rPr lang="en-US" sz="2400" b="0" i="1" kern="0" smtClean="0">
+                              <a:solidFill>
+                                <a:srgbClr val="002060"/>
+                              </a:solidFill>
+                              <a:latin typeface="Cambria Math" panose="02040503050406030204" pitchFamily="18" charset="0"/>
+                              <a:cs typeface="Times New Roman" panose="02020603050405020304" pitchFamily="18" charset="0"/>
+                            </a:rPr>
+                            <m:t>𝑦</m:t>
+                          </m:r>
+                        </m:e>
+                        <m:sub>
+                          <m:r>
+                            <a:rPr lang="en-US" sz="2400" b="0" i="1" kern="0" smtClean="0">
+                              <a:solidFill>
+                                <a:srgbClr val="002060"/>
+                              </a:solidFill>
+                              <a:latin typeface="Cambria Math" panose="02040503050406030204" pitchFamily="18" charset="0"/>
+                              <a:cs typeface="Times New Roman" panose="02020603050405020304" pitchFamily="18" charset="0"/>
+                            </a:rPr>
+                            <m:t>𝑖</m:t>
+                          </m:r>
+                        </m:sub>
+                      </m:sSub>
+                      <m:r>
+                        <a:rPr lang="en-US" sz="2400" b="0" i="1" kern="0" smtClean="0">
+                          <a:solidFill>
+                            <a:srgbClr val="002060"/>
+                          </a:solidFill>
+                          <a:latin typeface="Cambria Math" panose="02040503050406030204" pitchFamily="18" charset="0"/>
+                          <a:cs typeface="Times New Roman" panose="02020603050405020304" pitchFamily="18" charset="0"/>
+                        </a:rPr>
+                        <m:t>=</m:t>
+                      </m:r>
+                      <m:nary>
+                        <m:naryPr>
+                          <m:chr m:val="∑"/>
+                          <m:supHide m:val="on"/>
+                          <m:ctrlPr>
+                            <a:rPr lang="en-US" sz="2400" i="1" kern="0">
+                              <a:solidFill>
+                                <a:srgbClr val="002060"/>
+                              </a:solidFill>
+                              <a:latin typeface="Cambria Math" panose="02040503050406030204" pitchFamily="18" charset="0"/>
+                              <a:cs typeface="Times New Roman" panose="02020603050405020304" pitchFamily="18" charset="0"/>
+                            </a:rPr>
+                          </m:ctrlPr>
+                        </m:naryPr>
+                        <m:sub>
+                          <m:r>
+                            <m:rPr>
+                              <m:brk m:alnAt="7"/>
+                            </m:rPr>
+                            <a:rPr lang="en-US" sz="2400" i="1" kern="0">
+                              <a:solidFill>
+                                <a:srgbClr val="002060"/>
+                              </a:solidFill>
+                              <a:latin typeface="Cambria Math" panose="02040503050406030204" pitchFamily="18" charset="0"/>
+                              <a:cs typeface="Times New Roman" panose="02020603050405020304" pitchFamily="18" charset="0"/>
+                            </a:rPr>
+                            <m:t>𝑘</m:t>
+                          </m:r>
+                        </m:sub>
+                        <m:sup/>
+                        <m:e>
+                          <m:sSubSup>
+                            <m:sSubSupPr>
+                              <m:ctrlPr>
+                                <a:rPr lang="en-US" sz="2400" i="1" kern="0">
+                                  <a:solidFill>
+                                    <a:srgbClr val="002060"/>
+                                  </a:solidFill>
+                                  <a:latin typeface="Cambria Math" panose="02040503050406030204" pitchFamily="18" charset="0"/>
+                                  <a:cs typeface="Times New Roman" panose="02020603050405020304" pitchFamily="18" charset="0"/>
+                                </a:rPr>
+                              </m:ctrlPr>
+                            </m:sSubSupPr>
+                            <m:e>
+                              <m:r>
+                                <a:rPr lang="en-US" sz="2400" i="1" kern="0">
+                                  <a:solidFill>
+                                    <a:srgbClr val="002060"/>
+                                  </a:solidFill>
+                                  <a:latin typeface="Cambria Math" panose="02040503050406030204" pitchFamily="18" charset="0"/>
+                                  <a:cs typeface="Times New Roman" panose="02020603050405020304" pitchFamily="18" charset="0"/>
+                                </a:rPr>
+                                <m:t>𝑥</m:t>
+                              </m:r>
+                            </m:e>
+                            <m:sub>
+                              <m:r>
+                                <a:rPr lang="en-US" sz="2400" i="1" kern="0">
+                                  <a:solidFill>
+                                    <a:srgbClr val="002060"/>
+                                  </a:solidFill>
+                                  <a:latin typeface="Cambria Math" panose="02040503050406030204" pitchFamily="18" charset="0"/>
+                                  <a:cs typeface="Times New Roman" panose="02020603050405020304" pitchFamily="18" charset="0"/>
+                                </a:rPr>
+                                <m:t>𝑢</m:t>
+                              </m:r>
+                            </m:sub>
+                            <m:sup>
+                              <m:d>
+                                <m:dPr>
+                                  <m:ctrlPr>
+                                    <a:rPr lang="en-US" sz="2400" i="1" kern="0">
+                                      <a:solidFill>
+                                        <a:srgbClr val="002060"/>
+                                      </a:solidFill>
+                                      <a:latin typeface="Cambria Math" panose="02040503050406030204" pitchFamily="18" charset="0"/>
+                                      <a:cs typeface="Times New Roman" panose="02020603050405020304" pitchFamily="18" charset="0"/>
+                                    </a:rPr>
+                                  </m:ctrlPr>
+                                </m:dPr>
+                                <m:e>
+                                  <m:r>
+                                    <a:rPr lang="en-US" sz="2400" i="1" kern="0">
+                                      <a:solidFill>
+                                        <a:srgbClr val="002060"/>
+                                      </a:solidFill>
+                                      <a:latin typeface="Cambria Math" panose="02040503050406030204" pitchFamily="18" charset="0"/>
+                                      <a:cs typeface="Times New Roman" panose="02020603050405020304" pitchFamily="18" charset="0"/>
+                                    </a:rPr>
+                                    <m:t>𝑘</m:t>
+                                  </m:r>
+                                </m:e>
+                              </m:d>
+                              <m:r>
+                                <a:rPr lang="en-US" sz="2400" i="1" kern="0">
+                                  <a:solidFill>
+                                    <a:srgbClr val="002060"/>
+                                  </a:solidFill>
+                                  <a:latin typeface="Cambria Math" panose="02040503050406030204" pitchFamily="18" charset="0"/>
+                                  <a:cs typeface="Times New Roman" panose="02020603050405020304" pitchFamily="18" charset="0"/>
+                                </a:rPr>
+                                <m:t>𝑇</m:t>
+                              </m:r>
+                            </m:sup>
+                          </m:sSubSup>
+                          <m:sSubSup>
+                            <m:sSubSupPr>
+                              <m:ctrlPr>
+                                <a:rPr lang="en-US" sz="2400" i="1" kern="0">
+                                  <a:solidFill>
+                                    <a:srgbClr val="002060"/>
+                                  </a:solidFill>
+                                  <a:latin typeface="Cambria Math" panose="02040503050406030204" pitchFamily="18" charset="0"/>
+                                  <a:cs typeface="Times New Roman" panose="02020603050405020304" pitchFamily="18" charset="0"/>
+                                </a:rPr>
+                              </m:ctrlPr>
+                            </m:sSubSupPr>
+                            <m:e>
+                              <m:r>
+                                <a:rPr lang="en-US" sz="2400" i="1" kern="0">
+                                  <a:solidFill>
+                                    <a:srgbClr val="002060"/>
+                                  </a:solidFill>
+                                  <a:latin typeface="Cambria Math" panose="02040503050406030204" pitchFamily="18" charset="0"/>
+                                  <a:cs typeface="Times New Roman" panose="02020603050405020304" pitchFamily="18" charset="0"/>
+                                </a:rPr>
+                                <m:t>𝑦</m:t>
+                              </m:r>
+                            </m:e>
+                            <m:sub>
+                              <m:r>
+                                <a:rPr lang="en-US" sz="2400" i="1" kern="0">
+                                  <a:solidFill>
+                                    <a:srgbClr val="002060"/>
+                                  </a:solidFill>
+                                  <a:latin typeface="Cambria Math" panose="02040503050406030204" pitchFamily="18" charset="0"/>
+                                  <a:cs typeface="Times New Roman" panose="02020603050405020304" pitchFamily="18" charset="0"/>
+                                </a:rPr>
+                                <m:t>𝑖</m:t>
+                              </m:r>
+                            </m:sub>
+                            <m:sup>
+                              <m:r>
+                                <a:rPr lang="en-US" sz="2400" i="1" kern="0">
+                                  <a:solidFill>
+                                    <a:srgbClr val="002060"/>
+                                  </a:solidFill>
+                                  <a:latin typeface="Cambria Math" panose="02040503050406030204" pitchFamily="18" charset="0"/>
+                                  <a:cs typeface="Times New Roman" panose="02020603050405020304" pitchFamily="18" charset="0"/>
+                                </a:rPr>
+                                <m:t>(</m:t>
+                              </m:r>
+                              <m:r>
+                                <a:rPr lang="en-US" sz="2400" i="1" kern="0">
+                                  <a:solidFill>
+                                    <a:srgbClr val="002060"/>
+                                  </a:solidFill>
+                                  <a:latin typeface="Cambria Math" panose="02040503050406030204" pitchFamily="18" charset="0"/>
+                                  <a:cs typeface="Times New Roman" panose="02020603050405020304" pitchFamily="18" charset="0"/>
+                                </a:rPr>
+                                <m:t>𝑘</m:t>
+                              </m:r>
+                              <m:r>
+                                <a:rPr lang="en-US" sz="2400" i="1" kern="0">
+                                  <a:solidFill>
+                                    <a:srgbClr val="002060"/>
+                                  </a:solidFill>
+                                  <a:latin typeface="Cambria Math" panose="02040503050406030204" pitchFamily="18" charset="0"/>
+                                  <a:cs typeface="Times New Roman" panose="02020603050405020304" pitchFamily="18" charset="0"/>
+                                </a:rPr>
+                                <m:t>)</m:t>
+                              </m:r>
+                            </m:sup>
+                          </m:sSubSup>
+                        </m:e>
+                      </m:nary>
+                      <m:r>
+                        <a:rPr lang="en-US" sz="2400" i="1" kern="0" smtClean="0">
+                          <a:solidFill>
+                            <a:srgbClr val="002060"/>
+                          </a:solidFill>
+                          <a:latin typeface="Cambria Math" panose="02040503050406030204" pitchFamily="18" charset="0"/>
+                          <a:ea typeface="Cambria Math" panose="02040503050406030204" pitchFamily="18" charset="0"/>
+                          <a:cs typeface="Times New Roman" panose="02020603050405020304" pitchFamily="18" charset="0"/>
+                        </a:rPr>
+                        <m:t>≈</m:t>
+                      </m:r>
+                      <m:nary>
+                        <m:naryPr>
+                          <m:chr m:val="∑"/>
+                          <m:supHide m:val="on"/>
+                          <m:ctrlPr>
+                            <a:rPr lang="en-US" sz="2400" i="1" kern="0">
+                              <a:solidFill>
+                                <a:srgbClr val="002060"/>
+                              </a:solidFill>
+                              <a:latin typeface="Cambria Math" panose="02040503050406030204" pitchFamily="18" charset="0"/>
+                              <a:cs typeface="Times New Roman" panose="02020603050405020304" pitchFamily="18" charset="0"/>
+                            </a:rPr>
+                          </m:ctrlPr>
+                        </m:naryPr>
+                        <m:sub>
+                          <m:r>
+                            <m:rPr>
+                              <m:brk m:alnAt="7"/>
+                            </m:rPr>
+                            <a:rPr lang="en-US" sz="2400" i="1" kern="0">
+                              <a:solidFill>
+                                <a:srgbClr val="002060"/>
+                              </a:solidFill>
+                              <a:latin typeface="Cambria Math" panose="02040503050406030204" pitchFamily="18" charset="0"/>
+                              <a:cs typeface="Times New Roman" panose="02020603050405020304" pitchFamily="18" charset="0"/>
+                            </a:rPr>
+                            <m:t>𝑘</m:t>
+                          </m:r>
+                        </m:sub>
+                        <m:sup/>
+                        <m:e>
+                          <m:sSubSup>
+                            <m:sSubSupPr>
+                              <m:ctrlPr>
+                                <a:rPr lang="en-US" sz="2400" i="1" kern="0">
+                                  <a:solidFill>
+                                    <a:srgbClr val="002060"/>
+                                  </a:solidFill>
+                                  <a:latin typeface="Cambria Math" panose="02040503050406030204" pitchFamily="18" charset="0"/>
+                                  <a:cs typeface="Times New Roman" panose="02020603050405020304" pitchFamily="18" charset="0"/>
+                                </a:rPr>
+                              </m:ctrlPr>
+                            </m:sSubSupPr>
+                            <m:e>
+                              <m:r>
+                                <a:rPr lang="en-US" sz="2400" i="1" kern="0">
+                                  <a:solidFill>
+                                    <a:srgbClr val="002060"/>
+                                  </a:solidFill>
+                                  <a:latin typeface="Cambria Math" panose="02040503050406030204" pitchFamily="18" charset="0"/>
+                                  <a:cs typeface="Times New Roman" panose="02020603050405020304" pitchFamily="18" charset="0"/>
+                                </a:rPr>
+                                <m:t>𝑥</m:t>
+                              </m:r>
+                            </m:e>
+                            <m:sub>
+                              <m:r>
+                                <a:rPr lang="en-US" sz="2400" i="1" kern="0">
+                                  <a:solidFill>
+                                    <a:srgbClr val="002060"/>
+                                  </a:solidFill>
+                                  <a:latin typeface="Cambria Math" panose="02040503050406030204" pitchFamily="18" charset="0"/>
+                                  <a:cs typeface="Times New Roman" panose="02020603050405020304" pitchFamily="18" charset="0"/>
+                                </a:rPr>
+                                <m:t>𝑢</m:t>
+                              </m:r>
+                            </m:sub>
+                            <m:sup>
+                              <m:d>
+                                <m:dPr>
+                                  <m:ctrlPr>
+                                    <a:rPr lang="en-US" sz="2400" i="1" kern="0">
+                                      <a:solidFill>
+                                        <a:srgbClr val="002060"/>
+                                      </a:solidFill>
+                                      <a:latin typeface="Cambria Math" panose="02040503050406030204" pitchFamily="18" charset="0"/>
+                                      <a:cs typeface="Times New Roman" panose="02020603050405020304" pitchFamily="18" charset="0"/>
+                                    </a:rPr>
+                                  </m:ctrlPr>
+                                </m:dPr>
+                                <m:e>
+                                  <m:r>
+                                    <a:rPr lang="en-US" sz="2400" i="1" kern="0">
+                                      <a:solidFill>
+                                        <a:srgbClr val="002060"/>
+                                      </a:solidFill>
+                                      <a:latin typeface="Cambria Math" panose="02040503050406030204" pitchFamily="18" charset="0"/>
+                                      <a:cs typeface="Times New Roman" panose="02020603050405020304" pitchFamily="18" charset="0"/>
+                                    </a:rPr>
+                                    <m:t>𝑘</m:t>
+                                  </m:r>
+                                </m:e>
+                              </m:d>
+                              <m:r>
+                                <a:rPr lang="en-US" sz="2400" i="1" kern="0">
+                                  <a:solidFill>
+                                    <a:srgbClr val="002060"/>
+                                  </a:solidFill>
+                                  <a:latin typeface="Cambria Math" panose="02040503050406030204" pitchFamily="18" charset="0"/>
+                                  <a:cs typeface="Times New Roman" panose="02020603050405020304" pitchFamily="18" charset="0"/>
+                                </a:rPr>
+                                <m:t>𝑇</m:t>
+                              </m:r>
+                            </m:sup>
+                          </m:sSubSup>
+                          <m:sSup>
+                            <m:sSupPr>
+                              <m:ctrlPr>
+                                <a:rPr lang="en-US" sz="2400" b="0" i="1" kern="0" smtClean="0">
+                                  <a:solidFill>
+                                    <a:srgbClr val="002060"/>
+                                  </a:solidFill>
+                                  <a:latin typeface="Cambria Math" panose="02040503050406030204" pitchFamily="18" charset="0"/>
+                                  <a:cs typeface="Times New Roman" panose="02020603050405020304" pitchFamily="18" charset="0"/>
+                                </a:rPr>
+                              </m:ctrlPr>
+                            </m:sSupPr>
+                            <m:e>
+                              <m:r>
+                                <a:rPr lang="en-US" sz="2400" i="1" kern="0" smtClean="0">
+                                  <a:solidFill>
+                                    <a:srgbClr val="002060"/>
+                                  </a:solidFill>
+                                  <a:latin typeface="Cambria Math" panose="02040503050406030204" pitchFamily="18" charset="0"/>
+                                  <a:cs typeface="Times New Roman" panose="02020603050405020304" pitchFamily="18" charset="0"/>
+                                </a:rPr>
+                                <m:t>𝑈</m:t>
+                              </m:r>
+                            </m:e>
+                            <m:sup>
+                              <m:d>
+                                <m:dPr>
+                                  <m:ctrlPr>
+                                    <a:rPr lang="en-US" sz="2400" b="0" i="1" kern="0" smtClean="0">
+                                      <a:solidFill>
+                                        <a:srgbClr val="002060"/>
+                                      </a:solidFill>
+                                      <a:latin typeface="Cambria Math" panose="02040503050406030204" pitchFamily="18" charset="0"/>
+                                      <a:cs typeface="Times New Roman" panose="02020603050405020304" pitchFamily="18" charset="0"/>
+                                    </a:rPr>
+                                  </m:ctrlPr>
+                                </m:dPr>
+                                <m:e>
+                                  <m:r>
+                                    <a:rPr lang="en-US" sz="2400" b="0" i="1" kern="0" smtClean="0">
+                                      <a:solidFill>
+                                        <a:srgbClr val="002060"/>
+                                      </a:solidFill>
+                                      <a:latin typeface="Cambria Math" panose="02040503050406030204" pitchFamily="18" charset="0"/>
+                                      <a:cs typeface="Times New Roman" panose="02020603050405020304" pitchFamily="18" charset="0"/>
+                                    </a:rPr>
+                                    <m:t>𝑘</m:t>
+                                  </m:r>
+                                </m:e>
+                              </m:d>
+                            </m:sup>
+                          </m:sSup>
+                          <m:sSubSup>
+                            <m:sSubSupPr>
+                              <m:ctrlPr>
+                                <a:rPr lang="en-US" sz="2400" b="0" i="1" kern="0" smtClean="0">
+                                  <a:solidFill>
+                                    <a:srgbClr val="002060"/>
+                                  </a:solidFill>
+                                  <a:latin typeface="Cambria Math" panose="02040503050406030204" pitchFamily="18" charset="0"/>
+                                  <a:cs typeface="Times New Roman" panose="02020603050405020304" pitchFamily="18" charset="0"/>
+                                </a:rPr>
+                              </m:ctrlPr>
+                            </m:sSubSupPr>
+                            <m:e>
+                              <m:r>
+                                <a:rPr lang="en-US" sz="2400" b="0" i="1" kern="0" smtClean="0">
+                                  <a:solidFill>
+                                    <a:srgbClr val="002060"/>
+                                  </a:solidFill>
+                                  <a:latin typeface="Cambria Math" panose="02040503050406030204" pitchFamily="18" charset="0"/>
+                                  <a:cs typeface="Times New Roman" panose="02020603050405020304" pitchFamily="18" charset="0"/>
+                                </a:rPr>
+                                <m:t>𝛼</m:t>
+                              </m:r>
+                            </m:e>
+                            <m:sub>
+                              <m:sSub>
+                                <m:sSubPr>
+                                  <m:ctrlPr>
+                                    <a:rPr lang="en-US" sz="2400" b="0" i="1" kern="0" smtClean="0">
+                                      <a:solidFill>
+                                        <a:srgbClr val="002060"/>
+                                      </a:solidFill>
+                                      <a:latin typeface="Cambria Math" panose="02040503050406030204" pitchFamily="18" charset="0"/>
+                                      <a:cs typeface="Times New Roman" panose="02020603050405020304" pitchFamily="18" charset="0"/>
+                                    </a:rPr>
+                                  </m:ctrlPr>
+                                </m:sSubPr>
+                                <m:e>
+                                  <m:r>
+                                    <a:rPr lang="en-US" sz="2400" b="0" i="1" kern="0" smtClean="0">
+                                      <a:solidFill>
+                                        <a:srgbClr val="002060"/>
+                                      </a:solidFill>
+                                      <a:latin typeface="Cambria Math" panose="02040503050406030204" pitchFamily="18" charset="0"/>
+                                      <a:cs typeface="Times New Roman" panose="02020603050405020304" pitchFamily="18" charset="0"/>
+                                    </a:rPr>
+                                    <m:t>𝑥</m:t>
+                                  </m:r>
+                                </m:e>
+                                <m:sub>
+                                  <m:r>
+                                    <a:rPr lang="en-US" sz="2400" b="0" i="1" kern="0" smtClean="0">
+                                      <a:solidFill>
+                                        <a:srgbClr val="002060"/>
+                                      </a:solidFill>
+                                      <a:latin typeface="Cambria Math" panose="02040503050406030204" pitchFamily="18" charset="0"/>
+                                      <a:cs typeface="Times New Roman" panose="02020603050405020304" pitchFamily="18" charset="0"/>
+                                    </a:rPr>
+                                    <m:t>𝑢</m:t>
+                                  </m:r>
+                                </m:sub>
+                              </m:sSub>
+                            </m:sub>
+                            <m:sup>
+                              <m:d>
+                                <m:dPr>
+                                  <m:ctrlPr>
+                                    <a:rPr lang="en-US" sz="2400" b="0" i="1" kern="0" smtClean="0">
+                                      <a:solidFill>
+                                        <a:srgbClr val="002060"/>
+                                      </a:solidFill>
+                                      <a:latin typeface="Cambria Math" panose="02040503050406030204" pitchFamily="18" charset="0"/>
+                                      <a:cs typeface="Times New Roman" panose="02020603050405020304" pitchFamily="18" charset="0"/>
+                                    </a:rPr>
+                                  </m:ctrlPr>
+                                </m:dPr>
+                                <m:e>
+                                  <m:r>
+                                    <a:rPr lang="en-US" sz="2400" b="0" i="1" kern="0" smtClean="0">
+                                      <a:solidFill>
+                                        <a:srgbClr val="002060"/>
+                                      </a:solidFill>
+                                      <a:latin typeface="Cambria Math" panose="02040503050406030204" pitchFamily="18" charset="0"/>
+                                      <a:cs typeface="Times New Roman" panose="02020603050405020304" pitchFamily="18" charset="0"/>
+                                    </a:rPr>
+                                    <m:t>𝑘</m:t>
+                                  </m:r>
+                                </m:e>
+                              </m:d>
+                            </m:sup>
+                          </m:sSubSup>
+                        </m:e>
+                      </m:nary>
+                    </m:oMath>
+                  </m:oMathPara>
+                </a14:m>
+                <a:endParaRPr lang="en-US" sz="2400" kern="0" dirty="0">
+                  <a:solidFill>
+                    <a:srgbClr val="002060"/>
+                  </a:solidFill>
+                  <a:latin typeface="Times New Roman" panose="02020603050405020304" pitchFamily="18" charset="0"/>
+                  <a:cs typeface="Times New Roman" panose="02020603050405020304" pitchFamily="18" charset="0"/>
+                </a:endParaRPr>
+              </a:p>
+            </p:txBody>
+          </p:sp>
+        </mc:Choice>
+        <mc:Fallback>
+          <p:sp>
+            <p:nvSpPr>
+              <p:cNvPr id="7" name="Content Placeholder 2"/>
+              <p:cNvSpPr txBox="1">
+                <a:spLocks noRot="1" noChangeAspect="1" noMove="1" noResize="1" noEditPoints="1" noAdjustHandles="1" noChangeArrowheads="1" noChangeShapeType="1" noTextEdit="1"/>
+              </p:cNvSpPr>
+              <p:nvPr/>
+            </p:nvSpPr>
+            <p:spPr bwMode="auto">
+              <a:xfrm>
+                <a:off x="1295400" y="2618839"/>
+                <a:ext cx="5943600" cy="2827249"/>
+              </a:xfrm>
+              <a:prstGeom prst="rect">
+                <a:avLst/>
+              </a:prstGeom>
+              <a:blipFill rotWithShape="0">
+                <a:blip r:embed="rId3"/>
+                <a:stretch>
+                  <a:fillRect/>
+                </a:stretch>
+              </a:blipFill>
+              <a:ln>
+                <a:noFill/>
+              </a:ln>
+              <a:effectLst/>
+              <a:extLst>
+                <a:ext uri="{909E8E84-426E-40DD-AFC4-6F175D3DCCD1}">
+                  <a14:hiddenFill xmlns:a14="http://schemas.microsoft.com/office/drawing/2010/main">
+                    <a:solidFill>
+                      <a:schemeClr val="accent1"/>
+                    </a:solidFill>
+                  </a14:hiddenFill>
+                </a:ext>
+                <a:ext uri="{91240B29-F687-4F45-9708-019B960494DF}">
+                  <a14:hiddenLine xmlns:a14="http://schemas.microsoft.com/office/drawing/2010/main" w="9525">
+                    <a:solidFill>
+                      <a:schemeClr val="tx1"/>
+                    </a:solidFill>
+                    <a:miter lim="800000"/>
+                    <a:headEnd/>
+                    <a:tailEnd/>
+                  </a14:hiddenLine>
+                </a:ext>
+                <a:ext uri="{AF507438-7753-43E0-B8FC-AC1667EBCBE1}">
+                  <a14:hiddenEffects xmlns:a14="http://schemas.microsoft.com/office/drawing/2010/main">
+                    <a:effectLst>
+                      <a:outerShdw dist="35921" dir="2700000" algn="ctr" rotWithShape="0">
+                        <a:schemeClr val="bg2"/>
+                      </a:outerShdw>
+                    </a:effectLst>
+                  </a14:hiddenEffects>
+                </a:ext>
+              </a:extLst>
+            </p:spPr>
+            <p:txBody>
+              <a:bodyPr/>
+              <a:lstStyle/>
+              <a:p>
+                <a:r>
+                  <a:rPr lang="en-SG">
+                    <a:noFill/>
+                  </a:rPr>
+                  <a:t> </a:t>
+                </a:r>
+              </a:p>
+            </p:txBody>
+          </p:sp>
+        </mc:Fallback>
+      </mc:AlternateContent>
     </p:spTree>
     <p:extLst>
       <p:ext uri="{BB962C8B-B14F-4D97-AF65-F5344CB8AC3E}">
@@ -32765,6 +34390,13 @@
   <p:clrMapOvr>
     <a:masterClrMapping/>
   </p:clrMapOvr>
+  <p:timing>
+    <p:tnLst>
+      <p:par>
+        <p:cTn id="1" dur="indefinite" restart="never" nodeType="tmRoot"/>
+      </p:par>
+    </p:tnLst>
+  </p:timing>
 </p:sld>
 </file>
 
@@ -32797,7 +34429,7 @@
         </p:nvSpPr>
         <p:spPr>
           <a:xfrm>
-            <a:off x="381000" y="287978"/>
+            <a:off x="76200" y="287978"/>
             <a:ext cx="6553200" cy="523220"/>
           </a:xfrm>
         </p:spPr>
@@ -32897,6 +34529,13 @@
   <p:clrMapOvr>
     <a:masterClrMapping/>
   </p:clrMapOvr>
+  <p:timing>
+    <p:tnLst>
+      <p:par>
+        <p:cTn id="1" dur="indefinite" restart="never" nodeType="tmRoot"/>
+      </p:par>
+    </p:tnLst>
+  </p:timing>
 </p:sld>
 </file>
 
@@ -32938,18 +34577,32 @@
           <a:lstStyle/>
           <a:p>
             <a:r>
+              <a:rPr lang="en-US" sz="2800" dirty="0" smtClean="0">
+                <a:latin typeface="Times New Roman" panose="02020603050405020304" pitchFamily="18" charset="0"/>
+                <a:cs typeface="Times New Roman" panose="02020603050405020304" pitchFamily="18" charset="0"/>
+              </a:rPr>
+              <a:t>A Framework </a:t>
+            </a:r>
+            <a:r>
               <a:rPr lang="en-US" sz="2800" dirty="0">
                 <a:latin typeface="Times New Roman" panose="02020603050405020304" pitchFamily="18" charset="0"/>
                 <a:cs typeface="Times New Roman" panose="02020603050405020304" pitchFamily="18" charset="0"/>
               </a:rPr>
-              <a:t>Essential Components for a </a:t>
+              <a:t>for </a:t>
             </a:r>
             <a:r>
               <a:rPr lang="en-US" sz="2800" dirty="0" smtClean="0">
                 <a:latin typeface="Times New Roman" panose="02020603050405020304" pitchFamily="18" charset="0"/>
                 <a:cs typeface="Times New Roman" panose="02020603050405020304" pitchFamily="18" charset="0"/>
               </a:rPr>
-              <a:t>Fast MIPS</a:t>
+              <a:t>an Efficient </a:t>
+            </a:r>
+            <a:r>
+              <a:rPr lang="en-US" sz="2800" dirty="0" smtClean="0">
+                <a:latin typeface="Times New Roman" panose="02020603050405020304" pitchFamily="18" charset="0"/>
+                <a:cs typeface="Times New Roman" panose="02020603050405020304" pitchFamily="18" charset="0"/>
+              </a:rPr>
+              <a:t>MIPS</a:t>
             </a:r>
             <a:endParaRPr lang="en-SG" sz="2800" dirty="0">
               <a:latin typeface="Times New Roman" panose="02020603050405020304" pitchFamily="18" charset="0"/>
@@ -32986,8 +34639,8 @@
           </a:p>
         </p:txBody>
       </p:sp>
-      <mc:AlternateContent xmlns:mc="http://schemas.openxmlformats.org/markup-compatibility/2006">
-        <mc:Choice xmlns:a14="http://schemas.microsoft.com/office/drawing/2010/main" Requires="a14">
+      <mc:AlternateContent xmlns:mc="http://schemas.openxmlformats.org/markup-compatibility/2006" xmlns:a14="http://schemas.microsoft.com/office/drawing/2010/main">
+        <mc:Choice Requires="a14">
           <p:sp>
             <p:nvSpPr>
               <p:cNvPr id="18" name="Content Placeholder 2"/>
@@ -33160,7 +34813,7 @@
                       <m:sSubPr>
                         <m:ctrlPr>
                           <a:rPr lang="en-US" sz="2800" i="1">
-                            <a:latin typeface="Cambria Math" charset="0"/>
+                            <a:latin typeface="Cambria Math" panose="02040503050406030204" pitchFamily="18" charset="0"/>
                             <a:cs typeface="Times New Roman" panose="02020603050405020304" pitchFamily="18" charset="0"/>
                           </a:rPr>
                         </m:ctrlPr>
@@ -33277,7 +34930,7 @@
             </p:txBody>
           </p:sp>
         </mc:Choice>
-        <mc:Fallback>
+        <mc:Fallback xmlns="">
           <p:sp>
             <p:nvSpPr>
               <p:cNvPr id="18" name="Content Placeholder 2"/>
@@ -33450,8 +35103,8 @@
           </a:p>
         </p:txBody>
       </p:sp>
-      <mc:AlternateContent xmlns:mc="http://schemas.openxmlformats.org/markup-compatibility/2006">
-        <mc:Choice xmlns:a14="http://schemas.microsoft.com/office/drawing/2010/main" Requires="a14">
+      <mc:AlternateContent xmlns:mc="http://schemas.openxmlformats.org/markup-compatibility/2006" xmlns:a14="http://schemas.microsoft.com/office/drawing/2010/main">
+        <mc:Choice Requires="a14">
           <p:sp>
             <p:nvSpPr>
               <p:cNvPr id="18" name="Content Placeholder 2"/>
@@ -33506,7 +35159,7 @@
                       <m:sSubPr>
                         <m:ctrlPr>
                           <a:rPr lang="en-US" sz="2800" b="0" i="1" smtClean="0">
-                            <a:latin typeface="Cambria Math" charset="0"/>
+                            <a:latin typeface="Cambria Math" panose="02040503050406030204" pitchFamily="18" charset="0"/>
                             <a:cs typeface="Times New Roman" panose="02020603050405020304" pitchFamily="18" charset="0"/>
                           </a:rPr>
                         </m:ctrlPr>
@@ -33550,7 +35203,7 @@
                         <m:endChr m:val="|"/>
                         <m:ctrlPr>
                           <a:rPr lang="en-US" sz="2800" b="0" i="1" smtClean="0">
-                            <a:latin typeface="Cambria Math" charset="0"/>
+                            <a:latin typeface="Cambria Math" panose="02040503050406030204" pitchFamily="18" charset="0"/>
                             <a:cs typeface="Times New Roman" panose="02020603050405020304" pitchFamily="18" charset="0"/>
                           </a:rPr>
                         </m:ctrlPr>
@@ -33560,7 +35213,7 @@
                           <m:sSubPr>
                             <m:ctrlPr>
                               <a:rPr lang="en-US" sz="2800" b="0" i="1" smtClean="0">
-                                <a:latin typeface="Cambria Math" charset="0"/>
+                                <a:latin typeface="Cambria Math" panose="02040503050406030204" pitchFamily="18" charset="0"/>
                                 <a:cs typeface="Times New Roman" panose="02020603050405020304" pitchFamily="18" charset="0"/>
                               </a:rPr>
                             </m:ctrlPr>
@@ -33651,7 +35304,7 @@
                       <m:sSubPr>
                         <m:ctrlPr>
                           <a:rPr lang="en-US" sz="2800" b="0" i="1" smtClean="0">
-                            <a:latin typeface="Cambria Math" charset="0"/>
+                            <a:latin typeface="Cambria Math" panose="02040503050406030204" pitchFamily="18" charset="0"/>
                             <a:cs typeface="Times New Roman" panose="02020603050405020304" pitchFamily="18" charset="0"/>
                           </a:rPr>
                         </m:ctrlPr>
@@ -33706,7 +35359,7 @@
                       <m:dPr>
                         <m:ctrlPr>
                           <a:rPr lang="en-US" sz="2800" i="1">
-                            <a:latin typeface="Cambria Math" charset="0"/>
+                            <a:latin typeface="Cambria Math" panose="02040503050406030204" pitchFamily="18" charset="0"/>
                           </a:rPr>
                         </m:ctrlPr>
                       </m:dPr>
@@ -33717,7 +35370,7 @@
                             <m:endChr m:val="|"/>
                             <m:ctrlPr>
                               <a:rPr lang="en-US" sz="2800" b="0" i="1" smtClean="0">
-                                <a:latin typeface="Cambria Math" charset="0"/>
+                                <a:latin typeface="Cambria Math" panose="02040503050406030204" pitchFamily="18" charset="0"/>
                               </a:rPr>
                             </m:ctrlPr>
                           </m:dPr>
@@ -33726,7 +35379,7 @@
                               <m:sSubPr>
                                 <m:ctrlPr>
                                   <a:rPr lang="en-US" sz="2800" b="0" i="1" smtClean="0">
-                                    <a:latin typeface="Cambria Math" charset="0"/>
+                                    <a:latin typeface="Cambria Math" panose="02040503050406030204" pitchFamily="18" charset="0"/>
                                   </a:rPr>
                                 </m:ctrlPr>
                               </m:sSubPr>
@@ -33773,7 +35426,7 @@
                             <m:endChr m:val="|"/>
                             <m:ctrlPr>
                               <a:rPr lang="en-US" sz="2800" b="0" i="1" smtClean="0">
-                                <a:latin typeface="Cambria Math" charset="0"/>
+                                <a:latin typeface="Cambria Math" panose="02040503050406030204" pitchFamily="18" charset="0"/>
                               </a:rPr>
                             </m:ctrlPr>
                           </m:dPr>
@@ -33782,7 +35435,7 @@
                               <m:sSubPr>
                                 <m:ctrlPr>
                                   <a:rPr lang="en-US" sz="2800" b="0" i="1" smtClean="0">
-                                    <a:latin typeface="Cambria Math" charset="0"/>
+                                    <a:latin typeface="Cambria Math" panose="02040503050406030204" pitchFamily="18" charset="0"/>
                                   </a:rPr>
                                 </m:ctrlPr>
                               </m:sSubPr>
@@ -33815,7 +35468,7 @@
                           <m:funcPr>
                             <m:ctrlPr>
                               <a:rPr lang="en-US" sz="2800" i="1">
-                                <a:latin typeface="Cambria Math" charset="0"/>
+                                <a:latin typeface="Cambria Math" panose="02040503050406030204" pitchFamily="18" charset="0"/>
                               </a:rPr>
                             </m:ctrlPr>
                           </m:funcPr>
@@ -33835,7 +35488,7 @@
                               <m:dPr>
                                 <m:ctrlPr>
                                   <a:rPr lang="en-US" sz="2800" b="0" i="1" smtClean="0">
-                                    <a:latin typeface="Cambria Math" charset="0"/>
+                                    <a:latin typeface="Cambria Math" panose="02040503050406030204" pitchFamily="18" charset="0"/>
                                   </a:rPr>
                                 </m:ctrlPr>
                               </m:dPr>
@@ -33846,7 +35499,7 @@
                                     <m:endChr m:val="|"/>
                                     <m:ctrlPr>
                                       <a:rPr lang="en-US" sz="2800" b="0" i="1" smtClean="0">
-                                        <a:latin typeface="Cambria Math" charset="0"/>
+                                        <a:latin typeface="Cambria Math" panose="02040503050406030204" pitchFamily="18" charset="0"/>
                                       </a:rPr>
                                     </m:ctrlPr>
                                   </m:dPr>
@@ -33855,7 +35508,7 @@
                                       <m:sSubPr>
                                         <m:ctrlPr>
                                           <a:rPr lang="en-US" sz="2800" b="0" i="1" smtClean="0">
-                                            <a:latin typeface="Cambria Math" charset="0"/>
+                                            <a:latin typeface="Cambria Math" panose="02040503050406030204" pitchFamily="18" charset="0"/>
                                           </a:rPr>
                                         </m:ctrlPr>
                                       </m:sSubPr>
@@ -33919,7 +35572,7 @@
             </p:txBody>
           </p:sp>
         </mc:Choice>
-        <mc:Fallback>
+        <mc:Fallback xmlns="">
           <p:sp>
             <p:nvSpPr>
               <p:cNvPr id="18" name="Content Placeholder 2"/>
@@ -34045,11 +35698,7 @@
           <a:p>
             <a:r>
               <a:rPr lang="en-US" sz="2800" dirty="0" smtClean="0"/>
-              <a:t>Idea: </a:t>
-            </a:r>
-            <a:r>
-              <a:rPr lang="en-US" sz="2800" dirty="0" smtClean="0"/>
-              <a:t>Sequential Scanning with Upper-Bound</a:t>
+              <a:t>Idea: Sequential Scanning with Upper-Bound</a:t>
             </a:r>
             <a:endParaRPr lang="en-US" sz="2800" dirty="0"/>
           </a:p>
@@ -34209,7 +35858,7 @@
                         <m:sSupPr>
                           <m:ctrlPr>
                             <a:rPr lang="en-US" b="0" i="1" smtClean="0">
-                              <a:latin typeface="Cambria Math" charset="0"/>
+                              <a:latin typeface="Cambria Math" panose="02040503050406030204" pitchFamily="18" charset="0"/>
                             </a:rPr>
                           </m:ctrlPr>
                         </m:sSupPr>
@@ -34248,7 +35897,7 @@
                           <m:endChr m:val="|"/>
                           <m:ctrlPr>
                             <a:rPr lang="en-US" b="0" i="1" smtClean="0">
-                              <a:latin typeface="Cambria Math" charset="0"/>
+                              <a:latin typeface="Cambria Math" panose="02040503050406030204" pitchFamily="18" charset="0"/>
                             </a:rPr>
                           </m:ctrlPr>
                         </m:dPr>
@@ -34259,7 +35908,7 @@
                               <m:endChr m:val="|"/>
                               <m:ctrlPr>
                                 <a:rPr lang="en-US" b="0" i="1" smtClean="0">
-                                  <a:latin typeface="Cambria Math" charset="0"/>
+                                  <a:latin typeface="Cambria Math" panose="02040503050406030204" pitchFamily="18" charset="0"/>
                                 </a:rPr>
                               </m:ctrlPr>
                             </m:dPr>
@@ -34286,7 +35935,7 @@
                           <m:endChr m:val="|"/>
                           <m:ctrlPr>
                             <a:rPr lang="en-US" b="0" i="1" smtClean="0">
-                              <a:latin typeface="Cambria Math" charset="0"/>
+                              <a:latin typeface="Cambria Math" panose="02040503050406030204" pitchFamily="18" charset="0"/>
                             </a:rPr>
                           </m:ctrlPr>
                         </m:dPr>
@@ -34297,7 +35946,7 @@
                               <m:endChr m:val="|"/>
                               <m:ctrlPr>
                                 <a:rPr lang="en-US" b="0" i="1" smtClean="0">
-                                  <a:latin typeface="Cambria Math" charset="0"/>
+                                  <a:latin typeface="Cambria Math" panose="02040503050406030204" pitchFamily="18" charset="0"/>
                                 </a:rPr>
                               </m:ctrlPr>
                             </m:dPr>
@@ -34511,11 +36160,11 @@
   <p:clrMapOvr>
     <a:masterClrMapping/>
   </p:clrMapOvr>
-  <mc:AlternateContent xmlns:mc="http://schemas.openxmlformats.org/markup-compatibility/2006">
-    <mc:Choice xmlns:p14="http://schemas.microsoft.com/office/powerpoint/2010/main" Requires="p14">
+  <mc:AlternateContent xmlns:mc="http://schemas.openxmlformats.org/markup-compatibility/2006" xmlns:p14="http://schemas.microsoft.com/office/powerpoint/2010/main">
+    <mc:Choice Requires="p14">
       <p:transition spd="slow" p14:dur="2000"/>
     </mc:Choice>
-    <mc:Fallback>
+    <mc:Fallback xmlns="">
       <p:transition spd="slow"/>
     </mc:Fallback>
   </mc:AlternateContent>
@@ -34568,11 +36217,7 @@
           <a:p>
             <a:r>
               <a:rPr lang="en-US" sz="2800" dirty="0" smtClean="0"/>
-              <a:t>Idea: </a:t>
-            </a:r>
-            <a:r>
-              <a:rPr lang="en-US" sz="2800" dirty="0" smtClean="0"/>
-              <a:t>Sampling</a:t>
+              <a:t>Idea: Sampling</a:t>
             </a:r>
             <a:endParaRPr lang="en-US" sz="2800" dirty="0"/>
           </a:p>
@@ -34673,11 +36318,11 @@
   <p:clrMapOvr>
     <a:masterClrMapping/>
   </p:clrMapOvr>
-  <mc:AlternateContent xmlns:mc="http://schemas.openxmlformats.org/markup-compatibility/2006">
-    <mc:Choice xmlns:p14="http://schemas.microsoft.com/office/powerpoint/2010/main" Requires="p14">
+  <mc:AlternateContent xmlns:mc="http://schemas.openxmlformats.org/markup-compatibility/2006" xmlns:p14="http://schemas.microsoft.com/office/powerpoint/2010/main">
+    <mc:Choice Requires="p14">
       <p:transition spd="slow" p14:dur="2000"/>
     </mc:Choice>
-    <mc:Fallback>
+    <mc:Fallback xmlns="">
       <p:transition spd="slow"/>
     </mc:Fallback>
   </mc:AlternateContent>
@@ -34953,11 +36598,7 @@
           <a:p>
             <a:r>
               <a:rPr lang="en-US" sz="2800" kern="0" dirty="0" smtClean="0"/>
-              <a:t>Idea: </a:t>
-            </a:r>
-            <a:r>
-              <a:rPr lang="en-US" sz="2800" kern="0" dirty="0" smtClean="0"/>
-              <a:t>Sampling</a:t>
+              <a:t>Idea: Sampling</a:t>
             </a:r>
             <a:endParaRPr lang="en-US" sz="2800" kern="0" dirty="0"/>
           </a:p>
@@ -35003,11 +36644,11 @@
   <p:clrMapOvr>
     <a:masterClrMapping/>
   </p:clrMapOvr>
-  <mc:AlternateContent xmlns:mc="http://schemas.openxmlformats.org/markup-compatibility/2006">
-    <mc:Choice xmlns:p14="http://schemas.microsoft.com/office/powerpoint/2010/main" Requires="p14">
+  <mc:AlternateContent xmlns:mc="http://schemas.openxmlformats.org/markup-compatibility/2006" xmlns:p14="http://schemas.microsoft.com/office/powerpoint/2010/main">
+    <mc:Choice Requires="p14">
       <p:transition spd="slow" p14:dur="2000"/>
     </mc:Choice>
-    <mc:Fallback>
+    <mc:Fallback xmlns="">
       <p:transition spd="slow"/>
     </mc:Fallback>
   </mc:AlternateContent>
@@ -35283,11 +36924,7 @@
           <a:p>
             <a:r>
               <a:rPr lang="en-US" sz="2800" kern="0" dirty="0" smtClean="0"/>
-              <a:t>Idea: </a:t>
-            </a:r>
-            <a:r>
-              <a:rPr lang="en-US" sz="2800" kern="0" dirty="0" smtClean="0"/>
-              <a:t>Sampling</a:t>
+              <a:t>Idea: Sampling</a:t>
             </a:r>
             <a:endParaRPr lang="en-US" sz="2800" kern="0" dirty="0"/>
           </a:p>
@@ -35333,11 +36970,11 @@
   <p:clrMapOvr>
     <a:masterClrMapping/>
   </p:clrMapOvr>
-  <mc:AlternateContent xmlns:mc="http://schemas.openxmlformats.org/markup-compatibility/2006">
-    <mc:Choice xmlns:p14="http://schemas.microsoft.com/office/powerpoint/2010/main" Requires="p14">
+  <mc:AlternateContent xmlns:mc="http://schemas.openxmlformats.org/markup-compatibility/2006" xmlns:p14="http://schemas.microsoft.com/office/powerpoint/2010/main">
+    <mc:Choice Requires="p14">
       <p:transition spd="slow" p14:dur="2000"/>
     </mc:Choice>
-    <mc:Fallback>
+    <mc:Fallback xmlns="">
       <p:transition spd="slow"/>
     </mc:Fallback>
   </mc:AlternateContent>
@@ -35870,11 +37507,7 @@
           <a:p>
             <a:r>
               <a:rPr lang="en-US" sz="2800" kern="0" dirty="0" smtClean="0"/>
-              <a:t>Idea: </a:t>
-            </a:r>
-            <a:r>
-              <a:rPr lang="en-US" sz="2800" kern="0" dirty="0" smtClean="0"/>
-              <a:t>Sampling</a:t>
+              <a:t>Idea: Sampling</a:t>
             </a:r>
             <a:endParaRPr lang="en-US" sz="2800" kern="0" dirty="0"/>
           </a:p>
@@ -35920,11 +37553,11 @@
   <p:clrMapOvr>
     <a:masterClrMapping/>
   </p:clrMapOvr>
-  <mc:AlternateContent xmlns:mc="http://schemas.openxmlformats.org/markup-compatibility/2006">
-    <mc:Choice xmlns:p14="http://schemas.microsoft.com/office/powerpoint/2010/main" Requires="p14">
+  <mc:AlternateContent xmlns:mc="http://schemas.openxmlformats.org/markup-compatibility/2006" xmlns:p14="http://schemas.microsoft.com/office/powerpoint/2010/main">
+    <mc:Choice Requires="p14">
       <p:transition spd="slow" p14:dur="2000"/>
     </mc:Choice>
-    <mc:Fallback>
+    <mc:Fallback xmlns="">
       <p:transition spd="slow"/>
     </mc:Fallback>
   </mc:AlternateContent>
@@ -37159,11 +38792,7 @@
             </a:r>
             <a:r>
               <a:rPr lang="en-US" sz="2800" kern="0" dirty="0" smtClean="0"/>
-              <a:t> </a:t>
-            </a:r>
-            <a:r>
-              <a:rPr lang="en-US" sz="2800" kern="0" dirty="0" smtClean="0"/>
-              <a:t>Representation</a:t>
+              <a:t> Representation</a:t>
             </a:r>
             <a:endParaRPr lang="en-US" sz="2800" kern="0" dirty="0"/>
           </a:p>
@@ -38688,7 +40317,7 @@
                         <m:sSupPr>
                           <m:ctrlPr>
                             <a:rPr lang="en-US" b="0" i="1" dirty="0" smtClean="0">
-                              <a:latin typeface="Cambria Math" charset="0"/>
+                              <a:latin typeface="Cambria Math" panose="02040503050406030204" pitchFamily="18" charset="0"/>
                             </a:rPr>
                           </m:ctrlPr>
                         </m:sSupPr>
@@ -39021,7 +40650,7 @@
                         <m:sSubPr>
                           <m:ctrlPr>
                             <a:rPr lang="en-US" b="0" i="1" dirty="0" smtClean="0">
-                              <a:latin typeface="Cambria Math" charset="0"/>
+                              <a:latin typeface="Cambria Math" panose="02040503050406030204" pitchFamily="18" charset="0"/>
                             </a:rPr>
                           </m:ctrlPr>
                         </m:sSubPr>
@@ -39490,7 +41119,7 @@
                         <m:sSubPr>
                           <m:ctrlPr>
                             <a:rPr lang="en-US" b="0" i="1" dirty="0" smtClean="0">
-                              <a:latin typeface="Cambria Math" charset="0"/>
+                              <a:latin typeface="Cambria Math" panose="02040503050406030204" pitchFamily="18" charset="0"/>
                             </a:rPr>
                           </m:ctrlPr>
                         </m:sSubPr>
@@ -39647,7 +41276,7 @@
                       <m:sSubPr>
                         <m:ctrlPr>
                           <a:rPr lang="en-US" b="0" i="1" dirty="0" smtClean="0">
-                            <a:latin typeface="Cambria Math" charset="0"/>
+                            <a:latin typeface="Cambria Math" panose="02040503050406030204" pitchFamily="18" charset="0"/>
                           </a:rPr>
                         </m:ctrlPr>
                       </m:sSubPr>
@@ -40078,7 +41707,7 @@
                               <a:solidFill>
                                 <a:srgbClr val="002060"/>
                               </a:solidFill>
-                              <a:latin typeface="Cambria Math" charset="0"/>
+                              <a:latin typeface="Cambria Math" panose="02040503050406030204" pitchFamily="18" charset="0"/>
                             </a:rPr>
                           </m:ctrlPr>
                         </m:sSubPr>
@@ -40118,7 +41747,7 @@
                               <a:solidFill>
                                 <a:srgbClr val="002060"/>
                               </a:solidFill>
-                              <a:latin typeface="Cambria Math" charset="0"/>
+                              <a:latin typeface="Cambria Math" panose="02040503050406030204" pitchFamily="18" charset="0"/>
                             </a:rPr>
                           </m:ctrlPr>
                         </m:dPr>
@@ -40150,7 +41779,7 @@
                               <a:solidFill>
                                 <a:srgbClr val="002060"/>
                               </a:solidFill>
-                              <a:latin typeface="Cambria Math" charset="0"/>
+                              <a:latin typeface="Cambria Math" panose="02040503050406030204" pitchFamily="18" charset="0"/>
                             </a:rPr>
                           </m:ctrlPr>
                         </m:sSubSupPr>
@@ -40195,7 +41824,7 @@
                               <a:solidFill>
                                 <a:srgbClr val="002060"/>
                               </a:solidFill>
-                              <a:latin typeface="Cambria Math" charset="0"/>
+                              <a:latin typeface="Cambria Math" panose="02040503050406030204" pitchFamily="18" charset="0"/>
                             </a:rPr>
                           </m:ctrlPr>
                         </m:sSubPr>
@@ -42196,7 +43825,7 @@
                       <m:sSubPr>
                         <m:ctrlPr>
                           <a:rPr lang="en-US" sz="2400" b="0" i="1" smtClean="0">
-                            <a:latin typeface="Cambria Math" charset="0"/>
+                            <a:latin typeface="Cambria Math" panose="02040503050406030204" pitchFamily="18" charset="0"/>
                           </a:rPr>
                         </m:ctrlPr>
                       </m:sSubPr>
@@ -42338,7 +43967,7 @@
                       <m:funcPr>
                         <m:ctrlPr>
                           <a:rPr lang="en-US" sz="2400" b="1" i="1" smtClean="0">
-                            <a:latin typeface="Cambria Math" charset="0"/>
+                            <a:latin typeface="Cambria Math" panose="02040503050406030204" pitchFamily="18" charset="0"/>
                           </a:rPr>
                         </m:ctrlPr>
                       </m:funcPr>
@@ -42469,7 +44098,7 @@
                       <m:funcPr>
                         <m:ctrlPr>
                           <a:rPr lang="en-US" sz="2400" b="0" i="1" smtClean="0">
-                            <a:latin typeface="Cambria Math" charset="0"/>
+                            <a:latin typeface="Cambria Math" panose="02040503050406030204" pitchFamily="18" charset="0"/>
                           </a:rPr>
                         </m:ctrlPr>
                       </m:funcPr>
@@ -42758,7 +44387,7 @@
                         <m:sSubPr>
                           <m:ctrlPr>
                             <a:rPr lang="en-US" b="0" i="1" dirty="0" smtClean="0">
-                              <a:latin typeface="Cambria Math" charset="0"/>
+                              <a:latin typeface="Cambria Math" panose="02040503050406030204" pitchFamily="18" charset="0"/>
                             </a:rPr>
                           </m:ctrlPr>
                         </m:sSubPr>
@@ -43075,7 +44704,7 @@
                         <m:sSubPr>
                           <m:ctrlPr>
                             <a:rPr lang="en-US" b="0" i="1" dirty="0" smtClean="0">
-                              <a:latin typeface="Cambria Math" charset="0"/>
+                              <a:latin typeface="Cambria Math" panose="02040503050406030204" pitchFamily="18" charset="0"/>
                             </a:rPr>
                           </m:ctrlPr>
                         </m:sSubPr>
@@ -43232,7 +44861,7 @@
                       <m:sSubPr>
                         <m:ctrlPr>
                           <a:rPr lang="en-US" b="0" i="1" dirty="0" smtClean="0">
-                            <a:latin typeface="Cambria Math" charset="0"/>
+                            <a:latin typeface="Cambria Math" panose="02040503050406030204" pitchFamily="18" charset="0"/>
                           </a:rPr>
                         </m:ctrlPr>
                       </m:sSubPr>
@@ -43541,7 +45170,7 @@
                               <a:solidFill>
                                 <a:srgbClr val="002060"/>
                               </a:solidFill>
-                              <a:latin typeface="Cambria Math" charset="0"/>
+                              <a:latin typeface="Cambria Math" panose="02040503050406030204" pitchFamily="18" charset="0"/>
                             </a:rPr>
                           </m:ctrlPr>
                         </m:sSubPr>
@@ -43581,7 +45210,7 @@
                               <a:solidFill>
                                 <a:srgbClr val="002060"/>
                               </a:solidFill>
-                              <a:latin typeface="Cambria Math" charset="0"/>
+                              <a:latin typeface="Cambria Math" panose="02040503050406030204" pitchFamily="18" charset="0"/>
                             </a:rPr>
                           </m:ctrlPr>
                         </m:dPr>
@@ -43613,7 +45242,7 @@
                               <a:solidFill>
                                 <a:srgbClr val="002060"/>
                               </a:solidFill>
-                              <a:latin typeface="Cambria Math" charset="0"/>
+                              <a:latin typeface="Cambria Math" panose="02040503050406030204" pitchFamily="18" charset="0"/>
                             </a:rPr>
                           </m:ctrlPr>
                         </m:sSubSupPr>
@@ -43658,7 +45287,7 @@
                               <a:solidFill>
                                 <a:srgbClr val="002060"/>
                               </a:solidFill>
-                              <a:latin typeface="Cambria Math" charset="0"/>
+                              <a:latin typeface="Cambria Math" panose="02040503050406030204" pitchFamily="18" charset="0"/>
                             </a:rPr>
                           </m:ctrlPr>
                         </m:sSubPr>
